--- a/docs/DMS_SDR2_09_CRDS_final.pptx
+++ b/docs/DMS_SDR2_09_CRDS_final.pptx
@@ -5,10 +5,10 @@
     <p:sldMasterId id="2147483665" r:id="rId1"/>
   </p:sldMasterIdLst>
   <p:notesMasterIdLst>
-    <p:notesMasterId r:id="rId45"/>
+    <p:notesMasterId r:id="rId44"/>
   </p:notesMasterIdLst>
   <p:handoutMasterIdLst>
-    <p:handoutMasterId r:id="rId46"/>
+    <p:handoutMasterId r:id="rId45"/>
   </p:handoutMasterIdLst>
   <p:sldIdLst>
     <p:sldId id="256" r:id="rId2"/>
@@ -29,31 +29,30 @@
     <p:sldId id="417" r:id="rId17"/>
     <p:sldId id="406" r:id="rId18"/>
     <p:sldId id="370" r:id="rId19"/>
-    <p:sldId id="420" r:id="rId20"/>
-    <p:sldId id="408" r:id="rId21"/>
-    <p:sldId id="412" r:id="rId22"/>
-    <p:sldId id="409" r:id="rId23"/>
-    <p:sldId id="386" r:id="rId24"/>
-    <p:sldId id="410" r:id="rId25"/>
-    <p:sldId id="369" r:id="rId26"/>
-    <p:sldId id="416" r:id="rId27"/>
-    <p:sldId id="425" r:id="rId28"/>
-    <p:sldId id="372" r:id="rId29"/>
-    <p:sldId id="400" r:id="rId30"/>
-    <p:sldId id="426" r:id="rId31"/>
-    <p:sldId id="402" r:id="rId32"/>
-    <p:sldId id="430" r:id="rId33"/>
-    <p:sldId id="427" r:id="rId34"/>
-    <p:sldId id="428" r:id="rId35"/>
-    <p:sldId id="424" r:id="rId36"/>
-    <p:sldId id="421" r:id="rId37"/>
-    <p:sldId id="422" r:id="rId38"/>
-    <p:sldId id="423" r:id="rId39"/>
-    <p:sldId id="429" r:id="rId40"/>
-    <p:sldId id="377" r:id="rId41"/>
-    <p:sldId id="380" r:id="rId42"/>
-    <p:sldId id="418" r:id="rId43"/>
-    <p:sldId id="419" r:id="rId44"/>
+    <p:sldId id="408" r:id="rId20"/>
+    <p:sldId id="412" r:id="rId21"/>
+    <p:sldId id="409" r:id="rId22"/>
+    <p:sldId id="386" r:id="rId23"/>
+    <p:sldId id="410" r:id="rId24"/>
+    <p:sldId id="369" r:id="rId25"/>
+    <p:sldId id="416" r:id="rId26"/>
+    <p:sldId id="425" r:id="rId27"/>
+    <p:sldId id="372" r:id="rId28"/>
+    <p:sldId id="400" r:id="rId29"/>
+    <p:sldId id="426" r:id="rId30"/>
+    <p:sldId id="402" r:id="rId31"/>
+    <p:sldId id="430" r:id="rId32"/>
+    <p:sldId id="427" r:id="rId33"/>
+    <p:sldId id="428" r:id="rId34"/>
+    <p:sldId id="424" r:id="rId35"/>
+    <p:sldId id="421" r:id="rId36"/>
+    <p:sldId id="422" r:id="rId37"/>
+    <p:sldId id="423" r:id="rId38"/>
+    <p:sldId id="429" r:id="rId39"/>
+    <p:sldId id="377" r:id="rId40"/>
+    <p:sldId id="380" r:id="rId41"/>
+    <p:sldId id="418" r:id="rId42"/>
+    <p:sldId id="419" r:id="rId43"/>
   </p:sldIdLst>
   <p:sldSz cx="9144000" cy="6858000" type="screen4x3"/>
   <p:notesSz cx="7010400" cy="9296400"/>
@@ -298,7 +297,7 @@
             </a:pPr>
             <a:fld id="{21EC3080-00C3-4840-8B4C-5199FEA2FD44}" type="datetime1">
               <a:rPr lang="en-US" smtClean="0"/>
-              <a:t>Nov 1 2012</a:t>
+              <a:t>Nov 2 2012</a:t>
             </a:fld>
             <a:endParaRPr lang="en-US"/>
           </a:p>
@@ -848,7 +847,7 @@
             </a:pPr>
             <a:fld id="{ED83A886-433E-6F46-86BE-4CE36E3F8C6C}" type="datetime1">
               <a:rPr lang="en-US" smtClean="0"/>
-              <a:t>Nov 1 2012</a:t>
+              <a:t>Nov 2 2012</a:t>
             </a:fld>
             <a:endParaRPr lang="en-US"/>
           </a:p>
@@ -1462,7 +1461,7 @@
             <a:fld id="{CDF0E442-F99C-4F45-B063-AC58AB781519}" type="slidenum">
               <a:rPr lang="en-US" smtClean="0"/>
               <a:pPr/>
-              <a:t>27</a:t>
+              <a:t>26</a:t>
             </a:fld>
             <a:endParaRPr lang="en-US" smtClean="0"/>
           </a:p>
@@ -1611,7 +1610,7 @@
             <a:fld id="{CDF0E442-F99C-4F45-B063-AC58AB781519}" type="slidenum">
               <a:rPr lang="en-US" smtClean="0"/>
               <a:pPr/>
-              <a:t>36</a:t>
+              <a:t>35</a:t>
             </a:fld>
             <a:endParaRPr lang="en-US" smtClean="0"/>
           </a:p>
@@ -1760,7 +1759,7 @@
             <a:fld id="{CDF0E442-F99C-4F45-B063-AC58AB781519}" type="slidenum">
               <a:rPr lang="en-US" smtClean="0"/>
               <a:pPr/>
-              <a:t>37</a:t>
+              <a:t>36</a:t>
             </a:fld>
             <a:endParaRPr lang="en-US" smtClean="0"/>
           </a:p>
@@ -1909,7 +1908,7 @@
             <a:fld id="{CDF0E442-F99C-4F45-B063-AC58AB781519}" type="slidenum">
               <a:rPr lang="en-US" smtClean="0"/>
               <a:pPr/>
-              <a:t>38</a:t>
+              <a:t>37</a:t>
             </a:fld>
             <a:endParaRPr lang="en-US" smtClean="0"/>
           </a:p>
@@ -4773,13 +4772,8 @@
             </a:r>
             <a:r>
               <a:rPr lang="en-US" sz="1600" dirty="0" smtClean="0"/>
-              <a:t>, </a:t>
-            </a:r>
-            <a:r>
-              <a:rPr lang="en-US" sz="1600" dirty="0" smtClean="0"/>
-              <a:t>Bracket</a:t>
-            </a:r>
-            <a:endParaRPr lang="en-US" sz="1600" dirty="0" smtClean="0"/>
+              <a:t>, Bracket</a:t>
+            </a:r>
           </a:p>
           <a:p>
             <a:pPr marL="0" indent="0">
@@ -6006,7 +6000,15 @@
             </a:r>
             <a:r>
               <a:rPr lang="en-US" dirty="0" smtClean="0"/>
-              <a:t>verall match quality determined by sum of parameter weights</a:t>
+              <a:t>verall match quality </a:t>
+            </a:r>
+            <a:r>
+              <a:rPr lang="en-US" dirty="0" smtClean="0"/>
+              <a:t>is determined </a:t>
+            </a:r>
+            <a:r>
+              <a:rPr lang="en-US" dirty="0" smtClean="0"/>
+              <a:t>by sum of parameter weights</a:t>
             </a:r>
           </a:p>
           <a:p>
@@ -6017,22 +6019,41 @@
             </a:r>
             <a:r>
               <a:rPr lang="en-US" dirty="0" smtClean="0"/>
-              <a:t> parameter which matches is +1</a:t>
+              <a:t> parameter which matches </a:t>
+            </a:r>
+            <a:r>
+              <a:rPr lang="en-US" dirty="0" smtClean="0"/>
+              <a:t>is counted as </a:t>
+            </a:r>
+            <a:r>
+              <a:rPr lang="en-US" dirty="0" smtClean="0"/>
+              <a:t>+1</a:t>
             </a:r>
           </a:p>
           <a:p>
             <a:pPr lvl="1"/>
             <a:r>
               <a:rPr lang="en-US" dirty="0" smtClean="0"/>
-              <a:t>N/A parameters,  ignored,  are +0</a:t>
-            </a:r>
-            <a:endParaRPr lang="en-US" dirty="0" smtClean="0"/>
+              <a:t>N/A parameters,  ignored,  are </a:t>
+            </a:r>
+            <a:r>
+              <a:rPr lang="en-US" dirty="0" smtClean="0"/>
+              <a:t>counted as +</a:t>
+            </a:r>
+            <a:r>
+              <a:rPr lang="en-US" dirty="0" smtClean="0"/>
+              <a:t>0</a:t>
+            </a:r>
           </a:p>
           <a:p>
             <a:pPr lvl="1"/>
             <a:r>
               <a:rPr lang="en-US" dirty="0" smtClean="0"/>
-              <a:t>Highest match sum wins</a:t>
+              <a:t>Highest match sum </a:t>
+            </a:r>
+            <a:r>
+              <a:rPr lang="en-US" dirty="0" smtClean="0"/>
+              <a:t>over all parameters wins</a:t>
             </a:r>
             <a:endParaRPr lang="en-US" dirty="0" smtClean="0"/>
           </a:p>
@@ -6053,13 +6074,13 @@
           <p:nvPr>
             <p:extLst>
               <p:ext uri="{D42A27DB-BD31-4B8C-83A1-F6EECF244321}">
-                <p14:modId xmlns:p14="http://schemas.microsoft.com/office/powerpoint/2010/main" val="3706533534"/>
+                <p14:modId xmlns:p14="http://schemas.microsoft.com/office/powerpoint/2010/main" val="1672961060"/>
               </p:ext>
             </p:extLst>
           </p:nvPr>
         </p:nvGraphicFramePr>
         <p:xfrm>
-          <a:off x="762000" y="3657600"/>
+          <a:off x="685800" y="3886200"/>
           <a:ext cx="7086600" cy="2495869"/>
         </p:xfrm>
         <a:graphic>
@@ -6708,7 +6729,6 @@
               <a:rPr lang="en-US" dirty="0" smtClean="0"/>
               <a:t>Batch Submission --  automatic rules updates for ~90% new HST references</a:t>
             </a:r>
-            <a:endParaRPr lang="en-US" dirty="0" smtClean="0"/>
           </a:p>
           <a:p>
             <a:r>
@@ -7069,11 +7089,7 @@
             <a:pPr lvl="1"/>
             <a:r>
               <a:rPr lang="en-US" sz="1400" dirty="0" smtClean="0"/>
-              <a:t>Network </a:t>
-            </a:r>
-            <a:r>
-              <a:rPr lang="en-US" sz="1400" dirty="0" smtClean="0"/>
-              <a:t>fallback mode supports “server-less mode”</a:t>
+              <a:t>Network fallback mode supports “server-less mode”</a:t>
             </a:r>
           </a:p>
           <a:p>
@@ -7155,11 +7171,7 @@
             </a:r>
             <a:r>
               <a:rPr lang="en-US" sz="1400" dirty="0" smtClean="0"/>
-              <a:t>high load </a:t>
-            </a:r>
-            <a:r>
-              <a:rPr lang="en-US" sz="1400" dirty="0" smtClean="0"/>
-              <a:t>reference file delivery</a:t>
+              <a:t>high load reference file delivery</a:t>
             </a:r>
             <a:endParaRPr lang="en-US" sz="1400" dirty="0"/>
           </a:p>
@@ -7212,7 +7224,7 @@
           <a:p>
             <a:r>
               <a:rPr lang="en-US" dirty="0" smtClean="0"/>
-              <a:t>Client/Server With Archive</a:t>
+              <a:t>Remote Fallback (laptop mode)</a:t>
             </a:r>
             <a:endParaRPr lang="en-US" dirty="0"/>
           </a:p>
@@ -7226,7 +7238,7 @@
         </p:nvSpPr>
         <p:spPr>
           <a:xfrm>
-            <a:off x="1905000" y="1371600"/>
+            <a:off x="3810000" y="1143000"/>
             <a:ext cx="1600200" cy="307777"/>
           </a:xfrm>
           <a:prstGeom prst="rect">
@@ -7268,8 +7280,8 @@
         </p:nvSpPr>
         <p:spPr>
           <a:xfrm>
-            <a:off x="1905000" y="2057400"/>
-            <a:ext cx="1676400" cy="2893100"/>
+            <a:off x="3810000" y="1752600"/>
+            <a:ext cx="1676400" cy="3108544"/>
           </a:xfrm>
           <a:prstGeom prst="rect">
             <a:avLst/>
@@ -7293,7 +7305,7 @@
           <a:lstStyle/>
           <a:p>
             <a:pPr algn="ctr"/>
-            <a:endParaRPr lang="en-US" sz="1400" dirty="0" smtClean="0">
+            <a:endParaRPr lang="en-US" sz="1400" b="1" dirty="0" smtClean="0">
               <a:solidFill>
                 <a:schemeClr val="tx1"/>
               </a:solidFill>
@@ -7302,7 +7314,7 @@
           </a:p>
           <a:p>
             <a:pPr algn="ctr"/>
-            <a:endParaRPr lang="en-US" sz="1400" dirty="0">
+            <a:endParaRPr lang="en-US" sz="1400" b="1" dirty="0">
               <a:solidFill>
                 <a:schemeClr val="tx1"/>
               </a:solidFill>
@@ -7311,7 +7323,7 @@
           </a:p>
           <a:p>
             <a:pPr algn="ctr"/>
-            <a:endParaRPr lang="en-US" sz="1400" dirty="0" smtClean="0">
+            <a:endParaRPr lang="en-US" sz="1400" b="1" dirty="0" smtClean="0">
               <a:solidFill>
                 <a:schemeClr val="tx1"/>
               </a:solidFill>
@@ -7320,7 +7332,7 @@
           </a:p>
           <a:p>
             <a:pPr algn="ctr"/>
-            <a:endParaRPr lang="en-US" sz="1400" dirty="0">
+            <a:endParaRPr lang="en-US" sz="1400" b="1" dirty="0">
               <a:solidFill>
                 <a:schemeClr val="tx1"/>
               </a:solidFill>
@@ -7329,7 +7341,7 @@
           </a:p>
           <a:p>
             <a:pPr algn="ctr"/>
-            <a:endParaRPr lang="en-US" sz="1400" dirty="0" smtClean="0">
+            <a:endParaRPr lang="en-US" sz="1400" b="1" dirty="0" smtClean="0">
               <a:solidFill>
                 <a:schemeClr val="tx1"/>
               </a:solidFill>
@@ -7345,12 +7357,24 @@
                 </a:solidFill>
                 <a:latin typeface="Helvetica"/>
               </a:rPr>
+              <a:t>User</a:t>
+            </a:r>
+          </a:p>
+          <a:p>
+            <a:pPr algn="ctr"/>
+            <a:r>
+              <a:rPr lang="en-US" sz="1400" b="1" dirty="0" smtClean="0">
+                <a:solidFill>
+                  <a:schemeClr val="tx1"/>
+                </a:solidFill>
+                <a:latin typeface="Helvetica"/>
+              </a:rPr>
               <a:t>STPIPE</a:t>
             </a:r>
           </a:p>
           <a:p>
             <a:pPr algn="ctr"/>
-            <a:endParaRPr lang="en-US" sz="1400" dirty="0" smtClean="0">
+            <a:endParaRPr lang="en-US" sz="1400" b="1" dirty="0" smtClean="0">
               <a:solidFill>
                 <a:schemeClr val="tx1"/>
               </a:solidFill>
@@ -7359,7 +7383,7 @@
           </a:p>
           <a:p>
             <a:pPr algn="ctr"/>
-            <a:endParaRPr lang="en-US" sz="1400" dirty="0">
+            <a:endParaRPr lang="en-US" sz="1400" b="1" dirty="0">
               <a:solidFill>
                 <a:schemeClr val="tx1"/>
               </a:solidFill>
@@ -7368,7 +7392,7 @@
           </a:p>
           <a:p>
             <a:pPr algn="ctr"/>
-            <a:endParaRPr lang="en-US" sz="1400" dirty="0" smtClean="0">
+            <a:endParaRPr lang="en-US" sz="1400" b="1" dirty="0" smtClean="0">
               <a:solidFill>
                 <a:schemeClr val="tx1"/>
               </a:solidFill>
@@ -7377,7 +7401,7 @@
           </a:p>
           <a:p>
             <a:pPr algn="ctr"/>
-            <a:endParaRPr lang="en-US" sz="1400" dirty="0" smtClean="0">
+            <a:endParaRPr lang="en-US" sz="1400" b="1" dirty="0" smtClean="0">
               <a:solidFill>
                 <a:schemeClr val="tx1"/>
               </a:solidFill>
@@ -7386,7 +7410,7 @@
           </a:p>
           <a:p>
             <a:pPr algn="ctr"/>
-            <a:endParaRPr lang="en-US" sz="1400" dirty="0">
+            <a:endParaRPr lang="en-US" sz="1400" b="1" dirty="0">
               <a:solidFill>
                 <a:schemeClr val="tx1"/>
               </a:solidFill>
@@ -7395,7 +7419,7 @@
           </a:p>
           <a:p>
             <a:pPr algn="ctr"/>
-            <a:endParaRPr lang="en-US" sz="1400" dirty="0">
+            <a:endParaRPr lang="en-US" sz="1400" b="1" dirty="0">
               <a:solidFill>
                 <a:schemeClr val="tx1"/>
               </a:solidFill>
@@ -7404,7 +7428,7 @@
           </a:p>
           <a:p>
             <a:pPr algn="ctr"/>
-            <a:endParaRPr lang="en-US" sz="1400" dirty="0" smtClean="0">
+            <a:endParaRPr lang="en-US" sz="1400" b="1" dirty="0" smtClean="0">
               <a:solidFill>
                 <a:schemeClr val="tx1"/>
               </a:solidFill>
@@ -7421,7 +7445,7 @@
         </p:nvSpPr>
         <p:spPr>
           <a:xfrm>
-            <a:off x="1905000" y="5257800"/>
+            <a:off x="3810000" y="5029200"/>
             <a:ext cx="1676400" cy="307777"/>
           </a:xfrm>
           <a:prstGeom prst="rect">
@@ -7466,7 +7490,7 @@
         </p:nvSpPr>
         <p:spPr>
           <a:xfrm>
-            <a:off x="2133600" y="4343400"/>
+            <a:off x="4038600" y="4114800"/>
             <a:ext cx="1295400" cy="307777"/>
           </a:xfrm>
           <a:prstGeom prst="rect">
@@ -7508,8 +7532,8 @@
         </p:nvSpPr>
         <p:spPr>
           <a:xfrm>
-            <a:off x="152400" y="2971800"/>
-            <a:ext cx="1295400" cy="1039356"/>
+            <a:off x="838200" y="2514600"/>
+            <a:ext cx="1524000" cy="1467326"/>
           </a:xfrm>
           <a:prstGeom prst="flowChartMagneticDisk">
             <a:avLst/>
@@ -7542,7 +7566,7 @@
                 </a:solidFill>
                 <a:latin typeface="Helvetica"/>
               </a:rPr>
-              <a:t>Working Set</a:t>
+              <a:t>Pre-synced</a:t>
             </a:r>
           </a:p>
           <a:p>
@@ -7554,357 +7578,23 @@
                 </a:solidFill>
                 <a:latin typeface="Helvetica"/>
               </a:rPr>
+              <a:t>User</a:t>
+            </a:r>
+          </a:p>
+          <a:p>
+            <a:pPr algn="ctr"/>
+            <a:r>
+              <a:rPr lang="en-US" sz="1400" dirty="0" smtClean="0">
+                <a:solidFill>
+                  <a:schemeClr val="tx1"/>
+                </a:solidFill>
+                <a:latin typeface="Helvetica"/>
+              </a:rPr>
               <a:t>Cache</a:t>
             </a:r>
           </a:p>
         </p:txBody>
       </p:sp>
-      <p:sp>
-        <p:nvSpPr>
-          <p:cNvPr id="12" name="Rectangle 11"/>
-          <p:cNvSpPr/>
-          <p:nvPr/>
-        </p:nvSpPr>
-        <p:spPr>
-          <a:xfrm>
-            <a:off x="5410200" y="2209800"/>
-            <a:ext cx="1676400" cy="2031325"/>
-          </a:xfrm>
-          <a:prstGeom prst="rect">
-            <a:avLst/>
-          </a:prstGeom>
-          <a:solidFill>
-            <a:srgbClr val="CCFFCC"/>
-          </a:solidFill>
-          <a:ln>
-            <a:solidFill>
-              <a:schemeClr val="tx1"/>
-            </a:solidFill>
-          </a:ln>
-        </p:spPr>
-        <p:txBody>
-          <a:bodyPr rot="0" spcFirstLastPara="0" vertOverflow="overflow" horzOverflow="overflow" vert="horz" wrap="square" lIns="91440" tIns="45720" rIns="91440" bIns="45720" numCol="1" spcCol="0" rtlCol="0" fromWordArt="0" anchor="ctr" anchorCtr="0" forceAA="0" compatLnSpc="1">
-            <a:prstTxWarp prst="textNoShape">
-              <a:avLst/>
-            </a:prstTxWarp>
-            <a:spAutoFit/>
-          </a:bodyPr>
-          <a:lstStyle/>
-          <a:p>
-            <a:pPr algn="ctr"/>
-            <a:endParaRPr lang="en-US" sz="1400" b="1" dirty="0" smtClean="0">
-              <a:solidFill>
-                <a:schemeClr val="tx1"/>
-              </a:solidFill>
-              <a:latin typeface="Helvetica"/>
-            </a:endParaRPr>
-          </a:p>
-          <a:p>
-            <a:pPr algn="ctr"/>
-            <a:endParaRPr lang="en-US" sz="1400" b="1" dirty="0">
-              <a:solidFill>
-                <a:schemeClr val="tx1"/>
-              </a:solidFill>
-              <a:latin typeface="Helvetica"/>
-            </a:endParaRPr>
-          </a:p>
-          <a:p>
-            <a:pPr algn="ctr"/>
-            <a:endParaRPr lang="en-US" sz="1400" b="1" dirty="0" smtClean="0">
-              <a:solidFill>
-                <a:schemeClr val="tx1"/>
-              </a:solidFill>
-              <a:latin typeface="Helvetica"/>
-            </a:endParaRPr>
-          </a:p>
-          <a:p>
-            <a:pPr algn="ctr"/>
-            <a:endParaRPr lang="en-US" sz="1400" b="1" dirty="0">
-              <a:solidFill>
-                <a:schemeClr val="tx1"/>
-              </a:solidFill>
-              <a:latin typeface="Helvetica"/>
-            </a:endParaRPr>
-          </a:p>
-          <a:p>
-            <a:pPr algn="ctr"/>
-            <a:endParaRPr lang="en-US" sz="1400" b="1" dirty="0" smtClean="0">
-              <a:solidFill>
-                <a:schemeClr val="tx1"/>
-              </a:solidFill>
-              <a:latin typeface="Helvetica"/>
-            </a:endParaRPr>
-          </a:p>
-          <a:p>
-            <a:pPr algn="ctr"/>
-            <a:r>
-              <a:rPr lang="en-US" sz="1400" b="1" dirty="0" smtClean="0">
-                <a:solidFill>
-                  <a:schemeClr val="tx1"/>
-                </a:solidFill>
-                <a:latin typeface="Helvetica"/>
-              </a:rPr>
-              <a:t>CRDS Server</a:t>
-            </a:r>
-          </a:p>
-          <a:p>
-            <a:pPr algn="ctr"/>
-            <a:endParaRPr lang="en-US" sz="1400" b="1" dirty="0">
-              <a:solidFill>
-                <a:schemeClr val="tx1"/>
-              </a:solidFill>
-              <a:latin typeface="Helvetica"/>
-            </a:endParaRPr>
-          </a:p>
-          <a:p>
-            <a:pPr algn="ctr"/>
-            <a:endParaRPr lang="en-US" sz="1400" b="1" dirty="0" smtClean="0">
-              <a:solidFill>
-                <a:schemeClr val="tx1"/>
-              </a:solidFill>
-              <a:latin typeface="Helvetica"/>
-            </a:endParaRPr>
-          </a:p>
-          <a:p>
-            <a:pPr algn="ctr"/>
-            <a:endParaRPr lang="en-US" sz="1400" b="1" dirty="0" smtClean="0">
-              <a:solidFill>
-                <a:schemeClr val="tx1"/>
-              </a:solidFill>
-              <a:latin typeface="Helvetica"/>
-            </a:endParaRPr>
-          </a:p>
-        </p:txBody>
-      </p:sp>
-      <p:sp>
-        <p:nvSpPr>
-          <p:cNvPr id="13" name="Rectangle 12"/>
-          <p:cNvSpPr/>
-          <p:nvPr/>
-        </p:nvSpPr>
-        <p:spPr>
-          <a:xfrm>
-            <a:off x="5562600" y="3760113"/>
-            <a:ext cx="1295400" cy="307777"/>
-          </a:xfrm>
-          <a:prstGeom prst="rect">
-            <a:avLst/>
-          </a:prstGeom>
-          <a:solidFill>
-            <a:srgbClr val="00FF00"/>
-          </a:solidFill>
-          <a:ln>
-            <a:solidFill>
-              <a:schemeClr val="tx1"/>
-            </a:solidFill>
-          </a:ln>
-        </p:spPr>
-        <p:txBody>
-          <a:bodyPr wrap="square" rtlCol="0" anchor="ctr">
-            <a:spAutoFit/>
-          </a:bodyPr>
-          <a:lstStyle/>
-          <a:p>
-            <a:pPr algn="ctr"/>
-            <a:r>
-              <a:rPr lang="en-US" sz="1400" dirty="0" smtClean="0">
-                <a:solidFill>
-                  <a:schemeClr val="tx1"/>
-                </a:solidFill>
-                <a:latin typeface="Helvetica"/>
-              </a:rPr>
-              <a:t>CRDS</a:t>
-            </a:r>
-          </a:p>
-        </p:txBody>
-      </p:sp>
-      <p:sp>
-        <p:nvSpPr>
-          <p:cNvPr id="14" name="Rectangle 13"/>
-          <p:cNvSpPr/>
-          <p:nvPr/>
-        </p:nvSpPr>
-        <p:spPr>
-          <a:xfrm>
-            <a:off x="5638800" y="2388513"/>
-            <a:ext cx="1295400" cy="307777"/>
-          </a:xfrm>
-          <a:prstGeom prst="rect">
-            <a:avLst/>
-          </a:prstGeom>
-          <a:solidFill>
-            <a:srgbClr val="00FF00"/>
-          </a:solidFill>
-          <a:ln>
-            <a:solidFill>
-              <a:schemeClr val="tx1"/>
-            </a:solidFill>
-          </a:ln>
-        </p:spPr>
-        <p:txBody>
-          <a:bodyPr wrap="square" rtlCol="0" anchor="ctr">
-            <a:spAutoFit/>
-          </a:bodyPr>
-          <a:lstStyle/>
-          <a:p>
-            <a:pPr algn="ctr"/>
-            <a:r>
-              <a:rPr lang="en-US" sz="1400" dirty="0" smtClean="0">
-                <a:solidFill>
-                  <a:schemeClr val="tx1"/>
-                </a:solidFill>
-                <a:latin typeface="Helvetica"/>
-              </a:rPr>
-              <a:t>JSONRPC</a:t>
-            </a:r>
-          </a:p>
-        </p:txBody>
-      </p:sp>
-      <p:sp>
-        <p:nvSpPr>
-          <p:cNvPr id="15" name="Rectangle 14"/>
-          <p:cNvSpPr/>
-          <p:nvPr/>
-        </p:nvSpPr>
-        <p:spPr>
-          <a:xfrm>
-            <a:off x="5638800" y="2921913"/>
-            <a:ext cx="1371600" cy="307777"/>
-          </a:xfrm>
-          <a:prstGeom prst="rect">
-            <a:avLst/>
-          </a:prstGeom>
-          <a:solidFill>
-            <a:srgbClr val="00FF00"/>
-          </a:solidFill>
-          <a:ln>
-            <a:solidFill>
-              <a:schemeClr val="tx1"/>
-            </a:solidFill>
-          </a:ln>
-        </p:spPr>
-        <p:txBody>
-          <a:bodyPr wrap="square" rtlCol="0" anchor="ctr">
-            <a:spAutoFit/>
-          </a:bodyPr>
-          <a:lstStyle/>
-          <a:p>
-            <a:pPr algn="ctr"/>
-            <a:r>
-              <a:rPr lang="en-US" sz="1400" dirty="0" smtClean="0">
-                <a:solidFill>
-                  <a:schemeClr val="tx1"/>
-                </a:solidFill>
-                <a:latin typeface="Helvetica"/>
-              </a:rPr>
-              <a:t>Web Functions</a:t>
-            </a:r>
-          </a:p>
-        </p:txBody>
-      </p:sp>
-      <p:sp>
-        <p:nvSpPr>
-          <p:cNvPr id="16" name="Magnetic Disk 15"/>
-          <p:cNvSpPr/>
-          <p:nvPr/>
-        </p:nvSpPr>
-        <p:spPr>
-          <a:xfrm>
-            <a:off x="7391400" y="4648200"/>
-            <a:ext cx="1600200" cy="1467326"/>
-          </a:xfrm>
-          <a:prstGeom prst="flowChartMagneticDisk">
-            <a:avLst/>
-          </a:prstGeom>
-          <a:solidFill>
-            <a:schemeClr val="accent1">
-              <a:lumMod val="90000"/>
-            </a:schemeClr>
-          </a:solidFill>
-          <a:ln>
-            <a:solidFill>
-              <a:schemeClr val="tx1"/>
-            </a:solidFill>
-          </a:ln>
-        </p:spPr>
-        <p:txBody>
-          <a:bodyPr rot="0" spcFirstLastPara="0" vertOverflow="overflow" horzOverflow="overflow" vert="horz" wrap="square" lIns="91440" tIns="45720" rIns="91440" bIns="45720" numCol="1" spcCol="0" rtlCol="0" fromWordArt="0" anchor="ctr" anchorCtr="0" forceAA="0" compatLnSpc="1">
-            <a:prstTxWarp prst="textNoShape">
-              <a:avLst/>
-            </a:prstTxWarp>
-            <a:spAutoFit/>
-          </a:bodyPr>
-          <a:lstStyle/>
-          <a:p>
-            <a:pPr algn="ctr"/>
-            <a:r>
-              <a:rPr lang="en-US" sz="1400" dirty="0" smtClean="0">
-                <a:solidFill>
-                  <a:schemeClr val="tx1"/>
-                </a:solidFill>
-                <a:latin typeface="Helvetica"/>
-              </a:rPr>
-              <a:t>Archived</a:t>
-            </a:r>
-          </a:p>
-          <a:p>
-            <a:pPr algn="ctr"/>
-            <a:r>
-              <a:rPr lang="en-US" sz="1400" dirty="0" smtClean="0">
-                <a:solidFill>
-                  <a:schemeClr val="tx1"/>
-                </a:solidFill>
-                <a:latin typeface="Helvetica"/>
-              </a:rPr>
-              <a:t>Rules &amp;</a:t>
-            </a:r>
-          </a:p>
-          <a:p>
-            <a:pPr algn="ctr"/>
-            <a:r>
-              <a:rPr lang="en-US" sz="1400" dirty="0" smtClean="0">
-                <a:solidFill>
-                  <a:schemeClr val="tx1"/>
-                </a:solidFill>
-                <a:latin typeface="Helvetica"/>
-              </a:rPr>
-              <a:t>References</a:t>
-            </a:r>
-          </a:p>
-        </p:txBody>
-      </p:sp>
-      <p:cxnSp>
-        <p:nvCxnSpPr>
-          <p:cNvPr id="18" name="Curved Connector 17"/>
-          <p:cNvCxnSpPr>
-            <a:stCxn id="11" idx="4"/>
-            <a:endCxn id="6" idx="1"/>
-          </p:cNvCxnSpPr>
-          <p:nvPr/>
-        </p:nvCxnSpPr>
-        <p:spPr bwMode="auto">
-          <a:xfrm>
-            <a:off x="1447800" y="3491478"/>
-            <a:ext cx="457200" cy="12472"/>
-          </a:xfrm>
-          <a:prstGeom prst="curvedConnector3">
-            <a:avLst/>
-          </a:prstGeom>
-          <a:solidFill>
-            <a:schemeClr val="accent1"/>
-          </a:solidFill>
-          <a:ln w="9525" cap="flat" cmpd="sng" algn="ctr">
-            <a:solidFill>
-              <a:schemeClr val="tx1"/>
-            </a:solidFill>
-            <a:prstDash val="solid"/>
-            <a:round/>
-            <a:headEnd type="arrow"/>
-            <a:tailEnd type="arrow"/>
-          </a:ln>
-          <a:effectLst/>
-        </p:spPr>
-      </p:cxnSp>
       <p:cxnSp>
         <p:nvCxnSpPr>
           <p:cNvPr id="20" name="Straight Arrow Connector 19"/>
@@ -7916,8 +7606,8 @@
         </p:nvCxnSpPr>
         <p:spPr bwMode="auto">
           <a:xfrm>
-            <a:off x="2705100" y="1679377"/>
-            <a:ext cx="38100" cy="378023"/>
+            <a:off x="4610100" y="1450777"/>
+            <a:ext cx="38100" cy="301823"/>
           </a:xfrm>
           <a:prstGeom prst="straightConnector1">
             <a:avLst/>
@@ -7948,8 +7638,8 @@
         </p:nvCxnSpPr>
         <p:spPr bwMode="auto">
           <a:xfrm>
-            <a:off x="2743200" y="4950500"/>
-            <a:ext cx="0" cy="307300"/>
+            <a:off x="4648200" y="4861144"/>
+            <a:ext cx="0" cy="168056"/>
           </a:xfrm>
           <a:prstGeom prst="straightConnector1">
             <a:avLst/>
@@ -7969,16 +7659,49 @@
           <a:effectLst/>
         </p:spPr>
       </p:cxnSp>
+      <p:sp>
+        <p:nvSpPr>
+          <p:cNvPr id="43" name="TextBox 42"/>
+          <p:cNvSpPr txBox="1"/>
+          <p:nvPr/>
+        </p:nvSpPr>
+        <p:spPr>
+          <a:xfrm>
+            <a:off x="5562600" y="4114800"/>
+            <a:ext cx="1447800" cy="248402"/>
+          </a:xfrm>
+          <a:prstGeom prst="rect">
+            <a:avLst/>
+          </a:prstGeom>
+        </p:spPr>
+        <p:txBody>
+          <a:bodyPr wrap="square" lIns="90000" tIns="46800" rIns="90000" bIns="46800" rtlCol="0">
+            <a:spAutoFit/>
+          </a:bodyPr>
+          <a:lstStyle/>
+          <a:p>
+            <a:r>
+              <a:rPr lang="en-US" sz="1000" dirty="0" smtClean="0">
+                <a:solidFill>
+                  <a:schemeClr val="tx1"/>
+                </a:solidFill>
+                <a:latin typeface="Helvetica"/>
+              </a:rPr>
+              <a:t>Best References</a:t>
+            </a:r>
+          </a:p>
+        </p:txBody>
+      </p:sp>
       <p:cxnSp>
         <p:nvCxnSpPr>
-          <p:cNvPr id="28" name="Straight Arrow Connector 27"/>
+          <p:cNvPr id="44" name="Straight Arrow Connector 43"/>
           <p:cNvCxnSpPr/>
           <p:nvPr/>
         </p:nvCxnSpPr>
         <p:spPr bwMode="auto">
           <a:xfrm flipH="1">
-            <a:off x="3657600" y="2362200"/>
-            <a:ext cx="1676400" cy="0"/>
+            <a:off x="5486400" y="4419600"/>
+            <a:ext cx="1219200" cy="0"/>
           </a:xfrm>
           <a:prstGeom prst="straightConnector1">
             <a:avLst/>
@@ -7998,49 +7721,257 @@
           <a:effectLst/>
         </p:spPr>
       </p:cxnSp>
-      <p:sp>
-        <p:nvSpPr>
-          <p:cNvPr id="34" name="TextBox 33"/>
-          <p:cNvSpPr txBox="1"/>
-          <p:nvPr/>
-        </p:nvSpPr>
-        <p:spPr>
-          <a:xfrm>
-            <a:off x="3962400" y="2057400"/>
-            <a:ext cx="1040967" cy="248402"/>
-          </a:xfrm>
-          <a:prstGeom prst="rect">
-            <a:avLst/>
-          </a:prstGeom>
-        </p:spPr>
-        <p:txBody>
-          <a:bodyPr wrap="none" lIns="90000" tIns="46800" rIns="90000" bIns="46800" rtlCol="0">
-            <a:spAutoFit/>
-          </a:bodyPr>
-          <a:lstStyle/>
-          <a:p>
-            <a:r>
-              <a:rPr lang="en-US" sz="1000" dirty="0" smtClean="0">
-                <a:solidFill>
-                  <a:schemeClr val="tx1"/>
-                </a:solidFill>
-                <a:latin typeface="Helvetica"/>
-              </a:rPr>
-              <a:t>Default context</a:t>
-            </a:r>
-          </a:p>
-        </p:txBody>
-      </p:sp>
       <p:cxnSp>
         <p:nvCxnSpPr>
-          <p:cNvPr id="35" name="Straight Arrow Connector 34"/>
+          <p:cNvPr id="19" name="Straight Connector 18"/>
           <p:cNvCxnSpPr/>
           <p:nvPr/>
         </p:nvCxnSpPr>
         <p:spPr bwMode="auto">
           <a:xfrm>
-            <a:off x="3657600" y="3276600"/>
-            <a:ext cx="1676400" cy="0"/>
+            <a:off x="5486400" y="4114800"/>
+            <a:ext cx="1219200" cy="0"/>
+          </a:xfrm>
+          <a:prstGeom prst="line">
+            <a:avLst/>
+          </a:prstGeom>
+          <a:solidFill>
+            <a:schemeClr val="accent1"/>
+          </a:solidFill>
+          <a:ln w="9525" cap="flat" cmpd="sng" algn="ctr">
+            <a:solidFill>
+              <a:schemeClr val="tx1"/>
+            </a:solidFill>
+            <a:prstDash val="solid"/>
+            <a:round/>
+            <a:headEnd type="none" w="med" len="med"/>
+            <a:tailEnd type="none" w="med" len="med"/>
+          </a:ln>
+          <a:effectLst/>
+        </p:spPr>
+      </p:cxnSp>
+      <p:cxnSp>
+        <p:nvCxnSpPr>
+          <p:cNvPr id="23" name="Straight Connector 22"/>
+          <p:cNvCxnSpPr/>
+          <p:nvPr/>
+        </p:nvCxnSpPr>
+        <p:spPr bwMode="auto">
+          <a:xfrm>
+            <a:off x="6705600" y="4114800"/>
+            <a:ext cx="0" cy="304800"/>
+          </a:xfrm>
+          <a:prstGeom prst="line">
+            <a:avLst/>
+          </a:prstGeom>
+          <a:solidFill>
+            <a:schemeClr val="accent1"/>
+          </a:solidFill>
+          <a:ln w="9525" cap="flat" cmpd="sng" algn="ctr">
+            <a:solidFill>
+              <a:schemeClr val="tx1"/>
+            </a:solidFill>
+            <a:prstDash val="solid"/>
+            <a:round/>
+            <a:headEnd type="none" w="med" len="med"/>
+            <a:tailEnd type="none" w="med" len="med"/>
+          </a:ln>
+          <a:effectLst/>
+        </p:spPr>
+      </p:cxnSp>
+      <p:sp>
+        <p:nvSpPr>
+          <p:cNvPr id="47" name="TextBox 46"/>
+          <p:cNvSpPr txBox="1"/>
+          <p:nvPr/>
+        </p:nvSpPr>
+        <p:spPr>
+          <a:xfrm>
+            <a:off x="2514600" y="5943600"/>
+            <a:ext cx="4684242" cy="433068"/>
+          </a:xfrm>
+          <a:prstGeom prst="rect">
+            <a:avLst/>
+          </a:prstGeom>
+        </p:spPr>
+        <p:txBody>
+          <a:bodyPr wrap="none" lIns="90000" tIns="46800" rIns="90000" bIns="46800" rtlCol="0">
+            <a:spAutoFit/>
+          </a:bodyPr>
+          <a:lstStyle/>
+          <a:p>
+            <a:r>
+              <a:rPr lang="en-US" sz="1100" b="1" dirty="0" smtClean="0">
+                <a:solidFill>
+                  <a:schemeClr val="tx1"/>
+                </a:solidFill>
+                <a:latin typeface="Helvetica"/>
+              </a:rPr>
+              <a:t>% </a:t>
+            </a:r>
+            <a:r>
+              <a:rPr lang="en-US" sz="1100" b="1" dirty="0" err="1" smtClean="0">
+                <a:solidFill>
+                  <a:schemeClr val="tx1"/>
+                </a:solidFill>
+                <a:latin typeface="Helvetica"/>
+              </a:rPr>
+              <a:t>setenv</a:t>
+            </a:r>
+            <a:r>
+              <a:rPr lang="en-US" sz="1100" b="1" dirty="0" smtClean="0">
+                <a:solidFill>
+                  <a:schemeClr val="tx1"/>
+                </a:solidFill>
+                <a:latin typeface="Helvetica"/>
+              </a:rPr>
+              <a:t>    CRDS_PATH                  $HOME/</a:t>
+            </a:r>
+            <a:r>
+              <a:rPr lang="en-US" sz="1100" b="1" dirty="0" err="1" smtClean="0">
+                <a:solidFill>
+                  <a:schemeClr val="tx1"/>
+                </a:solidFill>
+                <a:latin typeface="Helvetica"/>
+              </a:rPr>
+              <a:t>crds</a:t>
+            </a:r>
+            <a:endParaRPr lang="en-US" sz="1100" b="1" dirty="0" smtClean="0">
+              <a:solidFill>
+                <a:schemeClr val="tx1"/>
+              </a:solidFill>
+              <a:latin typeface="Helvetica"/>
+            </a:endParaRPr>
+          </a:p>
+          <a:p>
+            <a:r>
+              <a:rPr lang="en-US" sz="1100" b="1" dirty="0" smtClean="0">
+                <a:solidFill>
+                  <a:schemeClr val="tx1"/>
+                </a:solidFill>
+                <a:latin typeface="Helvetica"/>
+              </a:rPr>
+              <a:t>% </a:t>
+            </a:r>
+            <a:r>
+              <a:rPr lang="en-US" sz="1100" b="1" dirty="0" err="1" smtClean="0">
+                <a:solidFill>
+                  <a:schemeClr val="tx1"/>
+                </a:solidFill>
+                <a:latin typeface="Helvetica"/>
+              </a:rPr>
+              <a:t>setenv</a:t>
+            </a:r>
+            <a:r>
+              <a:rPr lang="en-US" sz="1100" b="1" dirty="0" smtClean="0">
+                <a:solidFill>
+                  <a:schemeClr val="tx1"/>
+                </a:solidFill>
+                <a:latin typeface="Helvetica"/>
+              </a:rPr>
+              <a:t>    CRDS_SERVER_URL   http://not-a-</a:t>
+            </a:r>
+            <a:r>
+              <a:rPr lang="en-US" sz="1100" b="1" dirty="0" err="1" smtClean="0">
+                <a:solidFill>
+                  <a:schemeClr val="tx1"/>
+                </a:solidFill>
+                <a:latin typeface="Helvetica"/>
+              </a:rPr>
+              <a:t>crds</a:t>
+            </a:r>
+            <a:r>
+              <a:rPr lang="en-US" sz="1100" b="1" dirty="0" smtClean="0">
+                <a:solidFill>
+                  <a:schemeClr val="tx1"/>
+                </a:solidFill>
+                <a:latin typeface="Helvetica"/>
+              </a:rPr>
+              <a:t>-</a:t>
+            </a:r>
+            <a:r>
+              <a:rPr lang="en-US" sz="1100" b="1" dirty="0" err="1" smtClean="0">
+                <a:solidFill>
+                  <a:schemeClr val="tx1"/>
+                </a:solidFill>
+                <a:latin typeface="Helvetica"/>
+              </a:rPr>
+              <a:t>server.stsci.edu</a:t>
+            </a:r>
+            <a:endParaRPr lang="en-US" sz="1100" b="1" dirty="0" smtClean="0">
+              <a:solidFill>
+                <a:schemeClr val="tx1"/>
+              </a:solidFill>
+              <a:latin typeface="Helvetica"/>
+            </a:endParaRPr>
+          </a:p>
+        </p:txBody>
+      </p:sp>
+      <p:sp>
+        <p:nvSpPr>
+          <p:cNvPr id="52" name="TextBox 51"/>
+          <p:cNvSpPr txBox="1"/>
+          <p:nvPr/>
+        </p:nvSpPr>
+        <p:spPr>
+          <a:xfrm>
+            <a:off x="2514600" y="2667000"/>
+            <a:ext cx="1066615" cy="556179"/>
+          </a:xfrm>
+          <a:prstGeom prst="rect">
+            <a:avLst/>
+          </a:prstGeom>
+        </p:spPr>
+        <p:txBody>
+          <a:bodyPr wrap="none" lIns="90000" tIns="46800" rIns="90000" bIns="46800" rtlCol="0">
+            <a:spAutoFit/>
+          </a:bodyPr>
+          <a:lstStyle/>
+          <a:p>
+            <a:r>
+              <a:rPr lang="en-US" sz="1000" dirty="0" smtClean="0">
+                <a:solidFill>
+                  <a:schemeClr val="tx1"/>
+                </a:solidFill>
+                <a:latin typeface="Helvetica"/>
+              </a:rPr>
+              <a:t>References,</a:t>
+            </a:r>
+          </a:p>
+          <a:p>
+            <a:r>
+              <a:rPr lang="en-US" sz="1000" dirty="0" smtClean="0">
+                <a:solidFill>
+                  <a:schemeClr val="tx1"/>
+                </a:solidFill>
+                <a:latin typeface="Helvetica"/>
+              </a:rPr>
+              <a:t>Rules,</a:t>
+            </a:r>
+          </a:p>
+          <a:p>
+            <a:r>
+              <a:rPr lang="en-US" sz="1000" dirty="0" smtClean="0">
+                <a:solidFill>
+                  <a:schemeClr val="tx1"/>
+                </a:solidFill>
+                <a:latin typeface="Helvetica"/>
+              </a:rPr>
+              <a:t>Default Context</a:t>
+            </a:r>
+          </a:p>
+        </p:txBody>
+      </p:sp>
+      <p:cxnSp>
+        <p:nvCxnSpPr>
+          <p:cNvPr id="54" name="Straight Arrow Connector 53"/>
+          <p:cNvCxnSpPr/>
+          <p:nvPr/>
+        </p:nvCxnSpPr>
+        <p:spPr bwMode="auto">
+          <a:xfrm>
+            <a:off x="2438400" y="3352800"/>
+            <a:ext cx="1295400" cy="0"/>
           </a:xfrm>
           <a:prstGeom prst="straightConnector1">
             <a:avLst/>
@@ -8060,638 +7991,23 @@
           <a:effectLst/>
         </p:spPr>
       </p:cxnSp>
-      <p:sp>
-        <p:nvSpPr>
-          <p:cNvPr id="39" name="TextBox 38"/>
-          <p:cNvSpPr txBox="1"/>
-          <p:nvPr/>
-        </p:nvSpPr>
-        <p:spPr>
-          <a:xfrm>
-            <a:off x="3810000" y="2971800"/>
-            <a:ext cx="1322144" cy="248402"/>
-          </a:xfrm>
-          <a:prstGeom prst="rect">
-            <a:avLst/>
-          </a:prstGeom>
-        </p:spPr>
-        <p:txBody>
-          <a:bodyPr wrap="none" lIns="90000" tIns="46800" rIns="90000" bIns="46800" rtlCol="0">
-            <a:spAutoFit/>
-          </a:bodyPr>
-          <a:lstStyle/>
-          <a:p>
-            <a:r>
-              <a:rPr lang="en-US" sz="1000" dirty="0" smtClean="0">
-                <a:solidFill>
-                  <a:schemeClr val="tx1"/>
-                </a:solidFill>
-                <a:latin typeface="Helvetica"/>
-              </a:rPr>
-              <a:t>Dataset Parameters</a:t>
-            </a:r>
-          </a:p>
-        </p:txBody>
-      </p:sp>
-      <p:sp>
-        <p:nvSpPr>
-          <p:cNvPr id="41" name="TextBox 40"/>
-          <p:cNvSpPr txBox="1"/>
-          <p:nvPr/>
-        </p:nvSpPr>
-        <p:spPr>
-          <a:xfrm>
-            <a:off x="3733800" y="3352800"/>
-            <a:ext cx="1752600" cy="248402"/>
-          </a:xfrm>
-          <a:prstGeom prst="rect">
-            <a:avLst/>
-          </a:prstGeom>
-        </p:spPr>
-        <p:txBody>
-          <a:bodyPr wrap="square" lIns="90000" tIns="46800" rIns="90000" bIns="46800" rtlCol="0">
-            <a:spAutoFit/>
-          </a:bodyPr>
-          <a:lstStyle/>
-          <a:p>
-            <a:r>
-              <a:rPr lang="en-US" sz="1000" dirty="0" smtClean="0">
-                <a:solidFill>
-                  <a:schemeClr val="tx1"/>
-                </a:solidFill>
-                <a:latin typeface="Helvetica"/>
-              </a:rPr>
-              <a:t>Best Reference Names</a:t>
-            </a:r>
-          </a:p>
-        </p:txBody>
-      </p:sp>
-      <p:cxnSp>
-        <p:nvCxnSpPr>
-          <p:cNvPr id="42" name="Straight Arrow Connector 41"/>
-          <p:cNvCxnSpPr/>
-          <p:nvPr/>
-        </p:nvCxnSpPr>
-        <p:spPr bwMode="auto">
-          <a:xfrm flipH="1">
-            <a:off x="3657600" y="3581400"/>
-            <a:ext cx="1676400" cy="0"/>
-          </a:xfrm>
-          <a:prstGeom prst="straightConnector1">
-            <a:avLst/>
-          </a:prstGeom>
-          <a:solidFill>
-            <a:schemeClr val="accent1"/>
-          </a:solidFill>
-          <a:ln w="9525" cap="flat" cmpd="sng" algn="ctr">
-            <a:solidFill>
-              <a:schemeClr val="tx1"/>
-            </a:solidFill>
-            <a:prstDash val="solid"/>
-            <a:round/>
-            <a:headEnd type="none" w="med" len="med"/>
-            <a:tailEnd type="arrow"/>
-          </a:ln>
-          <a:effectLst/>
-        </p:spPr>
-      </p:cxnSp>
-      <p:sp>
-        <p:nvSpPr>
-          <p:cNvPr id="43" name="TextBox 42"/>
-          <p:cNvSpPr txBox="1"/>
-          <p:nvPr/>
-        </p:nvSpPr>
-        <p:spPr>
-          <a:xfrm>
-            <a:off x="3657600" y="5029200"/>
-            <a:ext cx="1447800" cy="402291"/>
-          </a:xfrm>
-          <a:prstGeom prst="rect">
-            <a:avLst/>
-          </a:prstGeom>
-        </p:spPr>
-        <p:txBody>
-          <a:bodyPr wrap="square" lIns="90000" tIns="46800" rIns="90000" bIns="46800" rtlCol="0">
-            <a:spAutoFit/>
-          </a:bodyPr>
-          <a:lstStyle/>
-          <a:p>
-            <a:pPr algn="ctr"/>
-            <a:r>
-              <a:rPr lang="en-US" sz="1000" dirty="0" smtClean="0">
-                <a:solidFill>
-                  <a:schemeClr val="tx1"/>
-                </a:solidFill>
-                <a:latin typeface="Helvetica"/>
-              </a:rPr>
-              <a:t>Best Reference </a:t>
-            </a:r>
-            <a:br>
-              <a:rPr lang="en-US" sz="1000" dirty="0" smtClean="0">
-                <a:solidFill>
-                  <a:schemeClr val="tx1"/>
-                </a:solidFill>
-                <a:latin typeface="Helvetica"/>
-              </a:rPr>
-            </a:br>
-            <a:r>
-              <a:rPr lang="en-US" sz="1000" dirty="0" smtClean="0">
-                <a:solidFill>
-                  <a:schemeClr val="tx1"/>
-                </a:solidFill>
-                <a:latin typeface="Helvetica"/>
-              </a:rPr>
-              <a:t>File </a:t>
-            </a:r>
-            <a:r>
-              <a:rPr lang="en-US" sz="1000" dirty="0" smtClean="0">
-                <a:solidFill>
-                  <a:schemeClr val="tx1"/>
-                </a:solidFill>
-                <a:latin typeface="Helvetica"/>
-              </a:rPr>
-              <a:t>Data</a:t>
-            </a:r>
-            <a:endParaRPr lang="en-US" sz="1000" dirty="0" smtClean="0">
-              <a:solidFill>
-                <a:schemeClr val="tx1"/>
-              </a:solidFill>
-              <a:latin typeface="Helvetica"/>
-            </a:endParaRPr>
-          </a:p>
-        </p:txBody>
-      </p:sp>
-      <p:cxnSp>
-        <p:nvCxnSpPr>
-          <p:cNvPr id="44" name="Straight Arrow Connector 43"/>
-          <p:cNvCxnSpPr>
-            <a:stCxn id="29" idx="1"/>
-          </p:cNvCxnSpPr>
-          <p:nvPr/>
-        </p:nvCxnSpPr>
-        <p:spPr bwMode="auto">
-          <a:xfrm flipH="1" flipV="1">
-            <a:off x="3581400" y="4495800"/>
-            <a:ext cx="1828800" cy="902732"/>
-          </a:xfrm>
-          <a:prstGeom prst="straightConnector1">
-            <a:avLst/>
-          </a:prstGeom>
-          <a:solidFill>
-            <a:schemeClr val="accent1"/>
-          </a:solidFill>
-          <a:ln w="57150" cap="flat" cmpd="sng" algn="ctr">
-            <a:solidFill>
-              <a:schemeClr val="tx1"/>
-            </a:solidFill>
-            <a:prstDash val="solid"/>
-            <a:round/>
-            <a:headEnd type="none" w="med" len="med"/>
-            <a:tailEnd type="arrow"/>
-          </a:ln>
-          <a:effectLst/>
-        </p:spPr>
-      </p:cxnSp>
-      <p:cxnSp>
-        <p:nvCxnSpPr>
-          <p:cNvPr id="46" name="Straight Arrow Connector 45"/>
-          <p:cNvCxnSpPr>
-            <a:stCxn id="16" idx="2"/>
-            <a:endCxn id="29" idx="3"/>
-          </p:cNvCxnSpPr>
-          <p:nvPr/>
-        </p:nvCxnSpPr>
-        <p:spPr bwMode="auto">
-          <a:xfrm flipH="1">
-            <a:off x="7086600" y="5381863"/>
-            <a:ext cx="304800" cy="16669"/>
-          </a:xfrm>
-          <a:prstGeom prst="straightConnector1">
-            <a:avLst/>
-          </a:prstGeom>
-          <a:solidFill>
-            <a:schemeClr val="accent1"/>
-          </a:solidFill>
-          <a:ln w="9525" cap="flat" cmpd="sng" algn="ctr">
-            <a:solidFill>
-              <a:schemeClr val="tx1"/>
-            </a:solidFill>
-            <a:prstDash val="solid"/>
-            <a:round/>
-            <a:headEnd type="none" w="med" len="med"/>
-            <a:tailEnd type="arrow"/>
-          </a:ln>
-          <a:effectLst/>
-        </p:spPr>
-      </p:cxnSp>
-      <p:sp>
-        <p:nvSpPr>
-          <p:cNvPr id="58" name="TextBox 57"/>
-          <p:cNvSpPr txBox="1"/>
-          <p:nvPr/>
-        </p:nvSpPr>
-        <p:spPr>
-          <a:xfrm>
-            <a:off x="2438400" y="6096000"/>
-            <a:ext cx="4150981" cy="433068"/>
-          </a:xfrm>
-          <a:prstGeom prst="rect">
-            <a:avLst/>
-          </a:prstGeom>
-        </p:spPr>
-        <p:txBody>
-          <a:bodyPr wrap="none" lIns="90000" tIns="46800" rIns="90000" bIns="46800" rtlCol="0">
-            <a:spAutoFit/>
-          </a:bodyPr>
-          <a:lstStyle/>
-          <a:p>
-            <a:r>
-              <a:rPr lang="en-US" sz="1100" b="1" dirty="0" smtClean="0">
-                <a:solidFill>
-                  <a:schemeClr val="tx1"/>
-                </a:solidFill>
-                <a:latin typeface="Helvetica"/>
-              </a:rPr>
-              <a:t>% </a:t>
-            </a:r>
-            <a:r>
-              <a:rPr lang="en-US" sz="1100" b="1" dirty="0" err="1" smtClean="0">
-                <a:solidFill>
-                  <a:schemeClr val="tx1"/>
-                </a:solidFill>
-                <a:latin typeface="Helvetica"/>
-              </a:rPr>
-              <a:t>setenv</a:t>
-            </a:r>
-            <a:r>
-              <a:rPr lang="en-US" sz="1100" b="1" dirty="0" smtClean="0">
-                <a:solidFill>
-                  <a:schemeClr val="tx1"/>
-                </a:solidFill>
-                <a:latin typeface="Helvetica"/>
-              </a:rPr>
-              <a:t>   </a:t>
-            </a:r>
-            <a:r>
-              <a:rPr lang="en-US" sz="1100" b="1" dirty="0" smtClean="0">
-                <a:solidFill>
-                  <a:schemeClr val="tx1"/>
-                </a:solidFill>
-                <a:latin typeface="Helvetica"/>
-              </a:rPr>
-              <a:t>CRDS_PATH                  </a:t>
-            </a:r>
-            <a:r>
-              <a:rPr lang="en-US" sz="1100" b="1" dirty="0" smtClean="0">
-                <a:solidFill>
-                  <a:schemeClr val="tx1"/>
-                </a:solidFill>
-                <a:latin typeface="Helvetica"/>
-              </a:rPr>
-              <a:t>$HOME/</a:t>
-            </a:r>
-            <a:r>
-              <a:rPr lang="en-US" sz="1100" b="1" dirty="0" err="1" smtClean="0">
-                <a:solidFill>
-                  <a:schemeClr val="tx1"/>
-                </a:solidFill>
-                <a:latin typeface="Helvetica"/>
-              </a:rPr>
-              <a:t>crds</a:t>
-            </a:r>
-            <a:endParaRPr lang="en-US" sz="1100" b="1" dirty="0" smtClean="0">
-              <a:solidFill>
-                <a:schemeClr val="tx1"/>
-              </a:solidFill>
-              <a:latin typeface="Helvetica"/>
-            </a:endParaRPr>
-          </a:p>
-          <a:p>
-            <a:r>
-              <a:rPr lang="en-US" sz="1100" b="1" dirty="0" smtClean="0">
-                <a:solidFill>
-                  <a:schemeClr val="tx1"/>
-                </a:solidFill>
-                <a:latin typeface="Helvetica"/>
-              </a:rPr>
-              <a:t>% </a:t>
-            </a:r>
-            <a:r>
-              <a:rPr lang="en-US" sz="1100" b="1" dirty="0" err="1" smtClean="0">
-                <a:solidFill>
-                  <a:schemeClr val="tx1"/>
-                </a:solidFill>
-                <a:latin typeface="Helvetica"/>
-              </a:rPr>
-              <a:t>setenv</a:t>
-            </a:r>
-            <a:r>
-              <a:rPr lang="en-US" sz="1100" b="1" dirty="0" smtClean="0">
-                <a:solidFill>
-                  <a:schemeClr val="tx1"/>
-                </a:solidFill>
-                <a:latin typeface="Helvetica"/>
-              </a:rPr>
-              <a:t>   </a:t>
-            </a:r>
-            <a:r>
-              <a:rPr lang="en-US" sz="1100" b="1" dirty="0" smtClean="0">
-                <a:solidFill>
-                  <a:schemeClr val="tx1"/>
-                </a:solidFill>
-                <a:latin typeface="Helvetica"/>
-              </a:rPr>
-              <a:t>CRDS_SERVER_URL   </a:t>
-            </a:r>
-            <a:r>
-              <a:rPr lang="en-US" sz="1100" b="1" dirty="0" smtClean="0">
-                <a:solidFill>
-                  <a:schemeClr val="tx1"/>
-                </a:solidFill>
-                <a:latin typeface="Helvetica"/>
-              </a:rPr>
-              <a:t>http://</a:t>
-            </a:r>
-            <a:r>
-              <a:rPr lang="en-US" sz="1100" b="1" dirty="0" err="1" smtClean="0">
-                <a:solidFill>
-                  <a:schemeClr val="tx1"/>
-                </a:solidFill>
-                <a:latin typeface="Helvetica"/>
-              </a:rPr>
-              <a:t>jwst-crds.stsci.edu</a:t>
-            </a:r>
-            <a:endParaRPr lang="en-US" sz="1100" b="1" dirty="0" smtClean="0">
-              <a:solidFill>
-                <a:schemeClr val="tx1"/>
-              </a:solidFill>
-              <a:latin typeface="Helvetica"/>
-            </a:endParaRPr>
-          </a:p>
-        </p:txBody>
-      </p:sp>
-      <p:cxnSp>
-        <p:nvCxnSpPr>
-          <p:cNvPr id="61" name="Straight Arrow Connector 60"/>
-          <p:cNvCxnSpPr/>
-          <p:nvPr/>
-        </p:nvCxnSpPr>
-        <p:spPr bwMode="auto">
-          <a:xfrm flipH="1">
-            <a:off x="3657600" y="2743200"/>
-            <a:ext cx="1676400" cy="0"/>
-          </a:xfrm>
-          <a:prstGeom prst="straightConnector1">
-            <a:avLst/>
-          </a:prstGeom>
-          <a:solidFill>
-            <a:schemeClr val="accent1"/>
-          </a:solidFill>
-          <a:ln w="9525" cap="flat" cmpd="sng" algn="ctr">
-            <a:solidFill>
-              <a:schemeClr val="tx1"/>
-            </a:solidFill>
-            <a:prstDash val="solid"/>
-            <a:round/>
-            <a:headEnd type="none" w="med" len="med"/>
-            <a:tailEnd type="arrow"/>
-          </a:ln>
-          <a:effectLst/>
-        </p:spPr>
-      </p:cxnSp>
-      <p:sp>
-        <p:nvSpPr>
-          <p:cNvPr id="62" name="TextBox 61"/>
-          <p:cNvSpPr txBox="1"/>
-          <p:nvPr/>
-        </p:nvSpPr>
-        <p:spPr>
-          <a:xfrm>
-            <a:off x="3962400" y="2438400"/>
-            <a:ext cx="816008" cy="248402"/>
-          </a:xfrm>
-          <a:prstGeom prst="rect">
-            <a:avLst/>
-          </a:prstGeom>
-        </p:spPr>
-        <p:txBody>
-          <a:bodyPr wrap="none" lIns="90000" tIns="46800" rIns="90000" bIns="46800" rtlCol="0">
-            <a:spAutoFit/>
-          </a:bodyPr>
-          <a:lstStyle/>
-          <a:p>
-            <a:r>
-              <a:rPr lang="en-US" sz="1000" dirty="0" smtClean="0">
-                <a:solidFill>
-                  <a:schemeClr val="tx1"/>
-                </a:solidFill>
-                <a:latin typeface="Helvetica"/>
-              </a:rPr>
-              <a:t>Rules Files</a:t>
-            </a:r>
-          </a:p>
-        </p:txBody>
-      </p:sp>
-      <p:sp>
-        <p:nvSpPr>
-          <p:cNvPr id="29" name="Rectangle 28"/>
-          <p:cNvSpPr/>
-          <p:nvPr/>
-        </p:nvSpPr>
-        <p:spPr>
-          <a:xfrm>
-            <a:off x="5410200" y="5029200"/>
-            <a:ext cx="1676400" cy="738664"/>
-          </a:xfrm>
-          <a:prstGeom prst="rect">
-            <a:avLst/>
-          </a:prstGeom>
-          <a:solidFill>
-            <a:srgbClr val="CCFFCC"/>
-          </a:solidFill>
-          <a:ln>
-            <a:solidFill>
-              <a:schemeClr val="tx1"/>
-            </a:solidFill>
-          </a:ln>
-        </p:spPr>
-        <p:txBody>
-          <a:bodyPr rot="0" spcFirstLastPara="0" vertOverflow="overflow" horzOverflow="overflow" vert="horz" wrap="square" lIns="91440" tIns="45720" rIns="91440" bIns="45720" numCol="1" spcCol="0" rtlCol="0" fromWordArt="0" anchor="ctr" anchorCtr="0" forceAA="0" compatLnSpc="1">
-            <a:prstTxWarp prst="textNoShape">
-              <a:avLst/>
-            </a:prstTxWarp>
-            <a:spAutoFit/>
-          </a:bodyPr>
-          <a:lstStyle/>
-          <a:p>
-            <a:pPr algn="ctr"/>
-            <a:endParaRPr lang="en-US" sz="1400" dirty="0" smtClean="0">
-              <a:solidFill>
-                <a:schemeClr val="tx1"/>
-              </a:solidFill>
-              <a:latin typeface="Helvetica"/>
-            </a:endParaRPr>
-          </a:p>
-          <a:p>
-            <a:pPr algn="ctr"/>
-            <a:r>
-              <a:rPr lang="en-US" sz="1400" b="1" dirty="0" smtClean="0">
-                <a:solidFill>
-                  <a:schemeClr val="tx1"/>
-                </a:solidFill>
-                <a:latin typeface="Helvetica"/>
-              </a:rPr>
-              <a:t>Archive</a:t>
-            </a:r>
-          </a:p>
-          <a:p>
-            <a:pPr algn="ctr"/>
-            <a:endParaRPr lang="en-US" sz="1400" dirty="0" smtClean="0">
-              <a:solidFill>
-                <a:schemeClr val="tx1"/>
-              </a:solidFill>
-              <a:latin typeface="Helvetica"/>
-            </a:endParaRPr>
-          </a:p>
-        </p:txBody>
-      </p:sp>
-      <p:cxnSp>
-        <p:nvCxnSpPr>
-          <p:cNvPr id="8" name="Straight Arrow Connector 7"/>
-          <p:cNvCxnSpPr>
-            <a:stCxn id="12" idx="2"/>
-            <a:endCxn id="29" idx="0"/>
-          </p:cNvCxnSpPr>
-          <p:nvPr/>
-        </p:nvCxnSpPr>
-        <p:spPr bwMode="auto">
-          <a:xfrm>
-            <a:off x="6248400" y="4241125"/>
-            <a:ext cx="0" cy="788075"/>
-          </a:xfrm>
-          <a:prstGeom prst="straightConnector1">
-            <a:avLst/>
-          </a:prstGeom>
-          <a:solidFill>
-            <a:schemeClr val="accent1"/>
-          </a:solidFill>
-          <a:ln w="9525" cap="flat" cmpd="sng" algn="ctr">
-            <a:solidFill>
-              <a:schemeClr val="tx1"/>
-            </a:solidFill>
-            <a:prstDash val="solid"/>
-            <a:round/>
-            <a:headEnd type="none" w="med" len="med"/>
-            <a:tailEnd type="arrow"/>
-          </a:ln>
-          <a:effectLst/>
-        </p:spPr>
-      </p:cxnSp>
-      <p:sp>
-        <p:nvSpPr>
-          <p:cNvPr id="17" name="TextBox 16"/>
-          <p:cNvSpPr txBox="1"/>
-          <p:nvPr/>
-        </p:nvSpPr>
-        <p:spPr>
-          <a:xfrm>
-            <a:off x="5867400" y="4419600"/>
-            <a:ext cx="1028143" cy="248402"/>
-          </a:xfrm>
-          <a:prstGeom prst="rect">
-            <a:avLst/>
-          </a:prstGeom>
-        </p:spPr>
-        <p:txBody>
-          <a:bodyPr wrap="none" lIns="90000" tIns="46800" rIns="90000" bIns="46800" rtlCol="0">
-            <a:spAutoFit/>
-          </a:bodyPr>
-          <a:lstStyle/>
-          <a:p>
-            <a:r>
-              <a:rPr lang="en-US" sz="1000" dirty="0" smtClean="0">
-                <a:solidFill>
-                  <a:schemeClr val="tx1"/>
-                </a:solidFill>
-                <a:latin typeface="Helvetica"/>
-              </a:rPr>
-              <a:t>HTTP Redirect</a:t>
-            </a:r>
-          </a:p>
-        </p:txBody>
-      </p:sp>
-      <p:cxnSp>
-        <p:nvCxnSpPr>
-          <p:cNvPr id="36" name="Straight Arrow Connector 35"/>
-          <p:cNvCxnSpPr/>
-          <p:nvPr/>
-        </p:nvCxnSpPr>
-        <p:spPr bwMode="auto">
-          <a:xfrm>
-            <a:off x="3581400" y="4038600"/>
-            <a:ext cx="1828800" cy="0"/>
-          </a:xfrm>
-          <a:prstGeom prst="straightConnector1">
-            <a:avLst/>
-          </a:prstGeom>
-          <a:solidFill>
-            <a:schemeClr val="accent1"/>
-          </a:solidFill>
-          <a:ln w="9525" cap="flat" cmpd="sng" algn="ctr">
-            <a:solidFill>
-              <a:schemeClr val="tx1"/>
-            </a:solidFill>
-            <a:prstDash val="solid"/>
-            <a:round/>
-            <a:headEnd type="none" w="med" len="med"/>
-            <a:tailEnd type="arrow"/>
-          </a:ln>
-          <a:effectLst/>
-        </p:spPr>
-      </p:cxnSp>
-      <p:sp>
-        <p:nvSpPr>
-          <p:cNvPr id="37" name="TextBox 36"/>
-          <p:cNvSpPr txBox="1"/>
-          <p:nvPr/>
-        </p:nvSpPr>
-        <p:spPr>
-          <a:xfrm>
-            <a:off x="3886200" y="3733800"/>
-            <a:ext cx="1165413" cy="248402"/>
-          </a:xfrm>
-          <a:prstGeom prst="rect">
-            <a:avLst/>
-          </a:prstGeom>
-        </p:spPr>
-        <p:txBody>
-          <a:bodyPr wrap="none" lIns="90000" tIns="46800" rIns="90000" bIns="46800" rtlCol="0">
-            <a:spAutoFit/>
-          </a:bodyPr>
-          <a:lstStyle/>
-          <a:p>
-            <a:r>
-              <a:rPr lang="en-US" sz="1000" dirty="0" smtClean="0">
-                <a:solidFill>
-                  <a:schemeClr val="tx1"/>
-                </a:solidFill>
-                <a:latin typeface="Helvetica"/>
-              </a:rPr>
-              <a:t>Get reference file</a:t>
-            </a:r>
-          </a:p>
-        </p:txBody>
-      </p:sp>
     </p:spTree>
     <p:extLst>
       <p:ext uri="{BB962C8B-B14F-4D97-AF65-F5344CB8AC3E}">
-        <p14:creationId xmlns:p14="http://schemas.microsoft.com/office/powerpoint/2010/main" val="2617610634"/>
+        <p14:creationId xmlns:p14="http://schemas.microsoft.com/office/powerpoint/2010/main" val="628025712"/>
       </p:ext>
     </p:extLst>
   </p:cSld>
   <p:clrMapOvr>
     <a:masterClrMapping/>
   </p:clrMapOvr>
+  <p:timing>
+    <p:tnLst>
+      <p:par>
+        <p:cTn xmlns:p14="http://schemas.microsoft.com/office/powerpoint/2010/main" id="1" dur="indefinite" restart="never" nodeType="tmRoot"/>
+      </p:par>
+    </p:tnLst>
+  </p:timing>
 </p:sld>
 </file>
 
@@ -8944,7 +8260,7 @@
           <a:p>
             <a:r>
               <a:rPr lang="en-US" dirty="0" smtClean="0"/>
-              <a:t>Remote Fallback (laptop mode)</a:t>
+              <a:t>Server-less Configuration</a:t>
             </a:r>
             <a:endParaRPr lang="en-US" dirty="0"/>
           </a:p>
@@ -8952,782 +8268,128 @@
       </p:sp>
       <p:sp>
         <p:nvSpPr>
-          <p:cNvPr id="3" name="Rectangle 2"/>
-          <p:cNvSpPr/>
-          <p:nvPr/>
+          <p:cNvPr id="3" name="Text Placeholder 2"/>
+          <p:cNvSpPr>
+            <a:spLocks noGrp="1"/>
+          </p:cNvSpPr>
+          <p:nvPr>
+            <p:ph type="body" idx="4294967295"/>
+          </p:nvPr>
         </p:nvSpPr>
         <p:spPr>
           <a:xfrm>
-            <a:off x="3810000" y="1143000"/>
-            <a:ext cx="1600200" cy="307777"/>
-          </a:xfrm>
-          <a:prstGeom prst="rect">
-            <a:avLst/>
-          </a:prstGeom>
-          <a:solidFill>
-            <a:srgbClr val="FFC000"/>
-          </a:solidFill>
-          <a:ln>
-            <a:solidFill>
-              <a:schemeClr val="tx1"/>
-            </a:solidFill>
-          </a:ln>
-        </p:spPr>
-        <p:txBody>
-          <a:bodyPr wrap="square" rtlCol="0" anchor="ctr">
-            <a:spAutoFit/>
-          </a:bodyPr>
+            <a:off x="1143000" y="1447800"/>
+            <a:ext cx="7239000" cy="4267200"/>
+          </a:xfrm>
+        </p:spPr>
+        <p:txBody>
+          <a:bodyPr/>
           <a:lstStyle/>
           <a:p>
-            <a:pPr algn="ctr"/>
-            <a:r>
-              <a:rPr lang="en-US" sz="1400" dirty="0" smtClean="0">
-                <a:solidFill>
-                  <a:schemeClr val="tx1"/>
-                </a:solidFill>
-                <a:latin typeface="Helvetica"/>
-              </a:rPr>
-              <a:t>Input Dataset</a:t>
-            </a:r>
-          </a:p>
-        </p:txBody>
-      </p:sp>
-      <p:sp>
-        <p:nvSpPr>
-          <p:cNvPr id="6" name="Rectangle 5"/>
-          <p:cNvSpPr/>
-          <p:nvPr/>
-        </p:nvSpPr>
-        <p:spPr>
-          <a:xfrm>
-            <a:off x="3810000" y="1752600"/>
-            <a:ext cx="1676400" cy="3108544"/>
-          </a:xfrm>
-          <a:prstGeom prst="rect">
-            <a:avLst/>
-          </a:prstGeom>
-          <a:solidFill>
-            <a:srgbClr val="CCFFCC"/>
-          </a:solidFill>
-          <a:ln>
-            <a:solidFill>
-              <a:schemeClr val="tx1"/>
-            </a:solidFill>
-          </a:ln>
-        </p:spPr>
-        <p:txBody>
-          <a:bodyPr rot="0" spcFirstLastPara="0" vertOverflow="overflow" horzOverflow="overflow" vert="horz" wrap="square" lIns="91440" tIns="45720" rIns="91440" bIns="45720" numCol="1" spcCol="0" rtlCol="0" fromWordArt="0" anchor="ctr" anchorCtr="0" forceAA="0" compatLnSpc="1">
-            <a:prstTxWarp prst="textNoShape">
-              <a:avLst/>
-            </a:prstTxWarp>
-            <a:spAutoFit/>
-          </a:bodyPr>
-          <a:lstStyle/>
-          <a:p>
-            <a:pPr algn="ctr"/>
-            <a:endParaRPr lang="en-US" sz="1400" b="1" dirty="0" smtClean="0">
-              <a:solidFill>
-                <a:schemeClr val="tx1"/>
-              </a:solidFill>
-              <a:latin typeface="Helvetica"/>
-            </a:endParaRPr>
-          </a:p>
-          <a:p>
-            <a:pPr algn="ctr"/>
-            <a:endParaRPr lang="en-US" sz="1400" b="1" dirty="0">
-              <a:solidFill>
-                <a:schemeClr val="tx1"/>
-              </a:solidFill>
-              <a:latin typeface="Helvetica"/>
-            </a:endParaRPr>
-          </a:p>
-          <a:p>
-            <a:pPr algn="ctr"/>
-            <a:endParaRPr lang="en-US" sz="1400" b="1" dirty="0" smtClean="0">
-              <a:solidFill>
-                <a:schemeClr val="tx1"/>
-              </a:solidFill>
-              <a:latin typeface="Helvetica"/>
-            </a:endParaRPr>
-          </a:p>
-          <a:p>
-            <a:pPr algn="ctr"/>
-            <a:endParaRPr lang="en-US" sz="1400" b="1" dirty="0">
-              <a:solidFill>
-                <a:schemeClr val="tx1"/>
-              </a:solidFill>
-              <a:latin typeface="Helvetica"/>
-            </a:endParaRPr>
-          </a:p>
-          <a:p>
-            <a:pPr algn="ctr"/>
-            <a:endParaRPr lang="en-US" sz="1400" b="1" dirty="0" smtClean="0">
-              <a:solidFill>
-                <a:schemeClr val="tx1"/>
-              </a:solidFill>
-              <a:latin typeface="Helvetica"/>
-            </a:endParaRPr>
-          </a:p>
-          <a:p>
-            <a:pPr algn="ctr"/>
-            <a:r>
-              <a:rPr lang="en-US" sz="1400" b="1" dirty="0" smtClean="0">
-                <a:solidFill>
-                  <a:schemeClr val="tx1"/>
-                </a:solidFill>
-                <a:latin typeface="Helvetica"/>
-              </a:rPr>
-              <a:t>User</a:t>
-            </a:r>
-          </a:p>
-          <a:p>
-            <a:pPr algn="ctr"/>
-            <a:r>
-              <a:rPr lang="en-US" sz="1400" b="1" dirty="0" smtClean="0">
-                <a:solidFill>
-                  <a:schemeClr val="tx1"/>
-                </a:solidFill>
-                <a:latin typeface="Helvetica"/>
-              </a:rPr>
-              <a:t>STPIPE</a:t>
-            </a:r>
-          </a:p>
-          <a:p>
-            <a:pPr algn="ctr"/>
-            <a:endParaRPr lang="en-US" sz="1400" b="1" dirty="0" smtClean="0">
-              <a:solidFill>
-                <a:schemeClr val="tx1"/>
-              </a:solidFill>
-              <a:latin typeface="Helvetica"/>
-            </a:endParaRPr>
-          </a:p>
-          <a:p>
-            <a:pPr algn="ctr"/>
-            <a:endParaRPr lang="en-US" sz="1400" b="1" dirty="0">
-              <a:solidFill>
-                <a:schemeClr val="tx1"/>
-              </a:solidFill>
-              <a:latin typeface="Helvetica"/>
-            </a:endParaRPr>
-          </a:p>
-          <a:p>
-            <a:pPr algn="ctr"/>
-            <a:endParaRPr lang="en-US" sz="1400" b="1" dirty="0" smtClean="0">
-              <a:solidFill>
-                <a:schemeClr val="tx1"/>
-              </a:solidFill>
-              <a:latin typeface="Helvetica"/>
-            </a:endParaRPr>
-          </a:p>
-          <a:p>
-            <a:pPr algn="ctr"/>
-            <a:endParaRPr lang="en-US" sz="1400" b="1" dirty="0" smtClean="0">
-              <a:solidFill>
-                <a:schemeClr val="tx1"/>
-              </a:solidFill>
-              <a:latin typeface="Helvetica"/>
-            </a:endParaRPr>
-          </a:p>
-          <a:p>
-            <a:pPr algn="ctr"/>
-            <a:endParaRPr lang="en-US" sz="1400" b="1" dirty="0">
-              <a:solidFill>
-                <a:schemeClr val="tx1"/>
-              </a:solidFill>
-              <a:latin typeface="Helvetica"/>
-            </a:endParaRPr>
-          </a:p>
-          <a:p>
-            <a:pPr algn="ctr"/>
-            <a:endParaRPr lang="en-US" sz="1400" b="1" dirty="0">
-              <a:solidFill>
-                <a:schemeClr val="tx1"/>
-              </a:solidFill>
-              <a:latin typeface="Helvetica"/>
-            </a:endParaRPr>
-          </a:p>
-          <a:p>
-            <a:pPr algn="ctr"/>
-            <a:endParaRPr lang="en-US" sz="1400" b="1" dirty="0" smtClean="0">
-              <a:solidFill>
-                <a:schemeClr val="tx1"/>
-              </a:solidFill>
-              <a:latin typeface="Helvetica"/>
-            </a:endParaRPr>
-          </a:p>
-        </p:txBody>
-      </p:sp>
-      <p:sp>
-        <p:nvSpPr>
-          <p:cNvPr id="7" name="Rectangle 6"/>
-          <p:cNvSpPr/>
-          <p:nvPr/>
-        </p:nvSpPr>
-        <p:spPr>
-          <a:xfrm>
-            <a:off x="3810000" y="5029200"/>
-            <a:ext cx="1676400" cy="307777"/>
-          </a:xfrm>
-          <a:prstGeom prst="rect">
-            <a:avLst/>
-          </a:prstGeom>
-          <a:solidFill>
-            <a:schemeClr val="accent2">
-              <a:lumMod val="40000"/>
-              <a:lumOff val="60000"/>
-            </a:schemeClr>
-          </a:solidFill>
-          <a:ln>
-            <a:solidFill>
-              <a:schemeClr val="tx1"/>
-            </a:solidFill>
-          </a:ln>
-        </p:spPr>
-        <p:txBody>
-          <a:bodyPr wrap="square" rtlCol="0" anchor="ctr">
-            <a:spAutoFit/>
-          </a:bodyPr>
-          <a:lstStyle/>
-          <a:p>
-            <a:pPr algn="ctr"/>
-            <a:r>
-              <a:rPr lang="en-US" sz="1400" dirty="0" smtClean="0">
-                <a:solidFill>
-                  <a:schemeClr val="tx1"/>
-                </a:solidFill>
-                <a:latin typeface="Helvetica"/>
-              </a:rPr>
-              <a:t>Calibrated Dataset</a:t>
-            </a:r>
-          </a:p>
-        </p:txBody>
-      </p:sp>
-      <p:sp>
-        <p:nvSpPr>
-          <p:cNvPr id="10" name="Rectangle 9"/>
-          <p:cNvSpPr/>
-          <p:nvPr/>
-        </p:nvSpPr>
-        <p:spPr>
-          <a:xfrm>
-            <a:off x="4038600" y="4114800"/>
-            <a:ext cx="1295400" cy="307777"/>
-          </a:xfrm>
-          <a:prstGeom prst="rect">
-            <a:avLst/>
-          </a:prstGeom>
-          <a:solidFill>
-            <a:srgbClr val="00FF00"/>
-          </a:solidFill>
-          <a:ln>
-            <a:solidFill>
-              <a:schemeClr val="tx1"/>
-            </a:solidFill>
-          </a:ln>
-        </p:spPr>
-        <p:txBody>
-          <a:bodyPr wrap="square" rtlCol="0" anchor="ctr">
-            <a:spAutoFit/>
-          </a:bodyPr>
-          <a:lstStyle/>
-          <a:p>
-            <a:pPr algn="ctr"/>
-            <a:r>
-              <a:rPr lang="en-US" sz="1400" dirty="0" smtClean="0">
-                <a:solidFill>
-                  <a:schemeClr val="tx1"/>
-                </a:solidFill>
-                <a:latin typeface="Helvetica"/>
-              </a:rPr>
-              <a:t>CRDS</a:t>
-            </a:r>
-          </a:p>
-        </p:txBody>
-      </p:sp>
-      <p:sp>
-        <p:nvSpPr>
-          <p:cNvPr id="11" name="Magnetic Disk 10"/>
-          <p:cNvSpPr/>
-          <p:nvPr/>
-        </p:nvSpPr>
-        <p:spPr>
-          <a:xfrm>
-            <a:off x="838200" y="2514600"/>
-            <a:ext cx="1524000" cy="1467326"/>
-          </a:xfrm>
-          <a:prstGeom prst="flowChartMagneticDisk">
-            <a:avLst/>
-          </a:prstGeom>
-          <a:solidFill>
-            <a:schemeClr val="accent1">
-              <a:lumMod val="90000"/>
-            </a:schemeClr>
-          </a:solidFill>
-          <a:ln>
-            <a:solidFill>
-              <a:schemeClr val="tx1"/>
-            </a:solidFill>
-          </a:ln>
-        </p:spPr>
-        <p:txBody>
-          <a:bodyPr rot="0" spcFirstLastPara="0" vertOverflow="overflow" horzOverflow="overflow" vert="horz" wrap="square" lIns="91440" tIns="45720" rIns="91440" bIns="45720" numCol="1" spcCol="0" rtlCol="0" fromWordArt="0" anchor="ctr" anchorCtr="0" forceAA="0" compatLnSpc="1">
-            <a:prstTxWarp prst="textNoShape">
-              <a:avLst/>
-            </a:prstTxWarp>
-            <a:spAutoFit/>
-          </a:bodyPr>
-          <a:lstStyle/>
-          <a:p>
-            <a:pPr algn="ctr"/>
-            <a:r>
-              <a:rPr lang="en-US" sz="1400" dirty="0" smtClean="0">
-                <a:solidFill>
-                  <a:schemeClr val="tx1"/>
-                </a:solidFill>
-                <a:latin typeface="Helvetica"/>
-              </a:rPr>
-              <a:t>Pre-synced</a:t>
-            </a:r>
-          </a:p>
-          <a:p>
-            <a:pPr algn="ctr"/>
-            <a:r>
-              <a:rPr lang="en-US" sz="1400" dirty="0" smtClean="0">
-                <a:solidFill>
-                  <a:schemeClr val="tx1"/>
-                </a:solidFill>
-                <a:latin typeface="Helvetica"/>
-              </a:rPr>
-              <a:t>User</a:t>
-            </a:r>
-          </a:p>
-          <a:p>
-            <a:pPr algn="ctr"/>
-            <a:r>
-              <a:rPr lang="en-US" sz="1400" dirty="0" smtClean="0">
-                <a:solidFill>
-                  <a:schemeClr val="tx1"/>
-                </a:solidFill>
-                <a:latin typeface="Helvetica"/>
-              </a:rPr>
-              <a:t>Cache</a:t>
-            </a:r>
-          </a:p>
-        </p:txBody>
-      </p:sp>
-      <p:cxnSp>
-        <p:nvCxnSpPr>
-          <p:cNvPr id="20" name="Straight Arrow Connector 19"/>
-          <p:cNvCxnSpPr>
-            <a:stCxn id="3" idx="2"/>
-            <a:endCxn id="6" idx="0"/>
-          </p:cNvCxnSpPr>
-          <p:nvPr/>
-        </p:nvCxnSpPr>
-        <p:spPr bwMode="auto">
-          <a:xfrm>
-            <a:off x="4610100" y="1450777"/>
-            <a:ext cx="38100" cy="301823"/>
-          </a:xfrm>
-          <a:prstGeom prst="straightConnector1">
-            <a:avLst/>
-          </a:prstGeom>
-          <a:solidFill>
-            <a:schemeClr val="accent1"/>
-          </a:solidFill>
-          <a:ln w="9525" cap="flat" cmpd="sng" algn="ctr">
-            <a:solidFill>
-              <a:schemeClr val="tx1"/>
-            </a:solidFill>
-            <a:prstDash val="solid"/>
-            <a:round/>
-            <a:headEnd type="none" w="med" len="med"/>
-            <a:tailEnd type="arrow"/>
-          </a:ln>
-          <a:effectLst/>
-        </p:spPr>
-      </p:cxnSp>
-      <p:cxnSp>
-        <p:nvCxnSpPr>
-          <p:cNvPr id="26" name="Straight Arrow Connector 25"/>
-          <p:cNvCxnSpPr>
-            <a:stCxn id="6" idx="2"/>
-            <a:endCxn id="7" idx="0"/>
-          </p:cNvCxnSpPr>
-          <p:nvPr/>
-        </p:nvCxnSpPr>
-        <p:spPr bwMode="auto">
-          <a:xfrm>
-            <a:off x="4648200" y="4861144"/>
-            <a:ext cx="0" cy="168056"/>
-          </a:xfrm>
-          <a:prstGeom prst="straightConnector1">
-            <a:avLst/>
-          </a:prstGeom>
-          <a:solidFill>
-            <a:schemeClr val="accent1"/>
-          </a:solidFill>
-          <a:ln w="9525" cap="flat" cmpd="sng" algn="ctr">
-            <a:solidFill>
-              <a:schemeClr val="tx1"/>
-            </a:solidFill>
-            <a:prstDash val="solid"/>
-            <a:round/>
-            <a:headEnd type="none" w="med" len="med"/>
-            <a:tailEnd type="arrow"/>
-          </a:ln>
-          <a:effectLst/>
-        </p:spPr>
-      </p:cxnSp>
-      <p:sp>
-        <p:nvSpPr>
-          <p:cNvPr id="43" name="TextBox 42"/>
-          <p:cNvSpPr txBox="1"/>
-          <p:nvPr/>
-        </p:nvSpPr>
-        <p:spPr>
-          <a:xfrm>
-            <a:off x="5562600" y="4114800"/>
-            <a:ext cx="1447800" cy="248402"/>
-          </a:xfrm>
-          <a:prstGeom prst="rect">
-            <a:avLst/>
-          </a:prstGeom>
-        </p:spPr>
-        <p:txBody>
-          <a:bodyPr wrap="square" lIns="90000" tIns="46800" rIns="90000" bIns="46800" rtlCol="0">
-            <a:spAutoFit/>
-          </a:bodyPr>
-          <a:lstStyle/>
-          <a:p>
-            <a:r>
-              <a:rPr lang="en-US" sz="1000" dirty="0" smtClean="0">
-                <a:solidFill>
-                  <a:schemeClr val="tx1"/>
-                </a:solidFill>
-                <a:latin typeface="Helvetica"/>
-              </a:rPr>
-              <a:t>Best References</a:t>
-            </a:r>
-          </a:p>
-        </p:txBody>
-      </p:sp>
-      <p:cxnSp>
-        <p:nvCxnSpPr>
-          <p:cNvPr id="44" name="Straight Arrow Connector 43"/>
-          <p:cNvCxnSpPr/>
-          <p:nvPr/>
-        </p:nvCxnSpPr>
-        <p:spPr bwMode="auto">
-          <a:xfrm flipH="1">
-            <a:off x="5486400" y="4419600"/>
-            <a:ext cx="1219200" cy="0"/>
-          </a:xfrm>
-          <a:prstGeom prst="straightConnector1">
-            <a:avLst/>
-          </a:prstGeom>
-          <a:solidFill>
-            <a:schemeClr val="accent1"/>
-          </a:solidFill>
-          <a:ln w="9525" cap="flat" cmpd="sng" algn="ctr">
-            <a:solidFill>
-              <a:schemeClr val="tx1"/>
-            </a:solidFill>
-            <a:prstDash val="solid"/>
-            <a:round/>
-            <a:headEnd type="none" w="med" len="med"/>
-            <a:tailEnd type="arrow"/>
-          </a:ln>
-          <a:effectLst/>
-        </p:spPr>
-      </p:cxnSp>
-      <p:cxnSp>
-        <p:nvCxnSpPr>
-          <p:cNvPr id="19" name="Straight Connector 18"/>
-          <p:cNvCxnSpPr/>
-          <p:nvPr/>
-        </p:nvCxnSpPr>
-        <p:spPr bwMode="auto">
-          <a:xfrm>
-            <a:off x="5486400" y="4114800"/>
-            <a:ext cx="1219200" cy="0"/>
-          </a:xfrm>
-          <a:prstGeom prst="line">
-            <a:avLst/>
-          </a:prstGeom>
-          <a:solidFill>
-            <a:schemeClr val="accent1"/>
-          </a:solidFill>
-          <a:ln w="9525" cap="flat" cmpd="sng" algn="ctr">
-            <a:solidFill>
-              <a:schemeClr val="tx1"/>
-            </a:solidFill>
-            <a:prstDash val="solid"/>
-            <a:round/>
-            <a:headEnd type="none" w="med" len="med"/>
-            <a:tailEnd type="none" w="med" len="med"/>
-          </a:ln>
-          <a:effectLst/>
-        </p:spPr>
-      </p:cxnSp>
-      <p:cxnSp>
-        <p:nvCxnSpPr>
-          <p:cNvPr id="23" name="Straight Connector 22"/>
-          <p:cNvCxnSpPr/>
-          <p:nvPr/>
-        </p:nvCxnSpPr>
-        <p:spPr bwMode="auto">
-          <a:xfrm>
-            <a:off x="6705600" y="4114800"/>
-            <a:ext cx="0" cy="304800"/>
-          </a:xfrm>
-          <a:prstGeom prst="line">
-            <a:avLst/>
-          </a:prstGeom>
-          <a:solidFill>
-            <a:schemeClr val="accent1"/>
-          </a:solidFill>
-          <a:ln w="9525" cap="flat" cmpd="sng" algn="ctr">
-            <a:solidFill>
-              <a:schemeClr val="tx1"/>
-            </a:solidFill>
-            <a:prstDash val="solid"/>
-            <a:round/>
-            <a:headEnd type="none" w="med" len="med"/>
-            <a:tailEnd type="none" w="med" len="med"/>
-          </a:ln>
-          <a:effectLst/>
-        </p:spPr>
-      </p:cxnSp>
-      <p:sp>
-        <p:nvSpPr>
-          <p:cNvPr id="47" name="TextBox 46"/>
-          <p:cNvSpPr txBox="1"/>
-          <p:nvPr/>
-        </p:nvSpPr>
-        <p:spPr>
-          <a:xfrm>
-            <a:off x="2514600" y="5943600"/>
-            <a:ext cx="4684242" cy="433068"/>
-          </a:xfrm>
-          <a:prstGeom prst="rect">
-            <a:avLst/>
-          </a:prstGeom>
-        </p:spPr>
-        <p:txBody>
-          <a:bodyPr wrap="none" lIns="90000" tIns="46800" rIns="90000" bIns="46800" rtlCol="0">
-            <a:spAutoFit/>
-          </a:bodyPr>
-          <a:lstStyle/>
-          <a:p>
-            <a:r>
-              <a:rPr lang="en-US" sz="1100" b="1" dirty="0" smtClean="0">
-                <a:solidFill>
-                  <a:schemeClr val="tx1"/>
-                </a:solidFill>
-                <a:latin typeface="Helvetica"/>
-              </a:rPr>
-              <a:t>% </a:t>
-            </a:r>
-            <a:r>
-              <a:rPr lang="en-US" sz="1100" b="1" dirty="0" err="1" smtClean="0">
-                <a:solidFill>
-                  <a:schemeClr val="tx1"/>
-                </a:solidFill>
-                <a:latin typeface="Helvetica"/>
-              </a:rPr>
-              <a:t>setenv</a:t>
-            </a:r>
-            <a:r>
-              <a:rPr lang="en-US" sz="1100" b="1" dirty="0" smtClean="0">
-                <a:solidFill>
-                  <a:schemeClr val="tx1"/>
-                </a:solidFill>
-                <a:latin typeface="Helvetica"/>
-              </a:rPr>
-              <a:t>    CRDS_PATH                  $HOME/</a:t>
-            </a:r>
-            <a:r>
-              <a:rPr lang="en-US" sz="1100" b="1" dirty="0" err="1" smtClean="0">
-                <a:solidFill>
-                  <a:schemeClr val="tx1"/>
-                </a:solidFill>
-                <a:latin typeface="Helvetica"/>
-              </a:rPr>
+            <a:r>
+              <a:rPr lang="en-US" dirty="0" smtClean="0"/>
+              <a:t>Works by equating user and server file caches</a:t>
+            </a:r>
+          </a:p>
+          <a:p>
+            <a:r>
+              <a:rPr lang="en-US" dirty="0"/>
+              <a:t>All users share master </a:t>
+            </a:r>
+            <a:r>
+              <a:rPr lang="en-US" dirty="0" smtClean="0"/>
+              <a:t>read-only file </a:t>
+            </a:r>
+            <a:r>
+              <a:rPr lang="en-US" dirty="0"/>
+              <a:t>cache with server</a:t>
+            </a:r>
+          </a:p>
+          <a:p>
+            <a:r>
+              <a:rPr lang="en-US" dirty="0"/>
+              <a:t>All user file cache fetches automatically “hit”</a:t>
+            </a:r>
+          </a:p>
+          <a:p>
+            <a:r>
+              <a:rPr lang="en-US" dirty="0"/>
+              <a:t>Same CRDS </a:t>
+            </a:r>
+            <a:r>
+              <a:rPr lang="en-US" dirty="0" smtClean="0"/>
+              <a:t>core library </a:t>
+            </a:r>
+            <a:r>
+              <a:rPr lang="en-US" dirty="0"/>
+              <a:t>used in STPIPE and CRDS Server</a:t>
+            </a:r>
+          </a:p>
+          <a:p>
+            <a:r>
+              <a:rPr lang="en-US" dirty="0" smtClean="0"/>
+              <a:t>Best references are computed directly by the </a:t>
+            </a:r>
+            <a:r>
+              <a:rPr lang="en-US" dirty="0" err="1" smtClean="0"/>
+              <a:t>stpipe</a:t>
+            </a:r>
+            <a:r>
+              <a:rPr lang="en-US" dirty="0" smtClean="0"/>
+              <a:t> process calling a local CRDS library function</a:t>
+            </a:r>
+          </a:p>
+          <a:p>
+            <a:r>
+              <a:rPr lang="en-US" dirty="0" smtClean="0"/>
+              <a:t>Requires access to Central Store /</a:t>
+            </a:r>
+            <a:r>
+              <a:rPr lang="en-US" dirty="0" err="1" smtClean="0"/>
+              <a:t>grp</a:t>
+            </a:r>
+            <a:r>
+              <a:rPr lang="en-US" dirty="0" smtClean="0"/>
+              <a:t>/</a:t>
+            </a:r>
+            <a:r>
+              <a:rPr lang="en-US" dirty="0" err="1" smtClean="0"/>
               <a:t>crds</a:t>
             </a:r>
-            <a:endParaRPr lang="en-US" sz="1100" b="1" dirty="0" smtClean="0">
-              <a:solidFill>
-                <a:schemeClr val="tx1"/>
-              </a:solidFill>
-              <a:latin typeface="Helvetica"/>
-            </a:endParaRPr>
-          </a:p>
-          <a:p>
-            <a:r>
-              <a:rPr lang="en-US" sz="1100" b="1" dirty="0" smtClean="0">
-                <a:solidFill>
-                  <a:schemeClr val="tx1"/>
-                </a:solidFill>
-                <a:latin typeface="Helvetica"/>
-              </a:rPr>
-              <a:t>% </a:t>
-            </a:r>
-            <a:r>
-              <a:rPr lang="en-US" sz="1100" b="1" dirty="0" err="1" smtClean="0">
-                <a:solidFill>
-                  <a:schemeClr val="tx1"/>
-                </a:solidFill>
-                <a:latin typeface="Helvetica"/>
-              </a:rPr>
-              <a:t>setenv</a:t>
-            </a:r>
-            <a:r>
-              <a:rPr lang="en-US" sz="1100" b="1" dirty="0" smtClean="0">
-                <a:solidFill>
-                  <a:schemeClr val="tx1"/>
-                </a:solidFill>
-                <a:latin typeface="Helvetica"/>
-              </a:rPr>
-              <a:t>    CRDS_SERVER_URL   http://not-a-</a:t>
-            </a:r>
-            <a:r>
-              <a:rPr lang="en-US" sz="1100" b="1" dirty="0" err="1" smtClean="0">
-                <a:solidFill>
-                  <a:schemeClr val="tx1"/>
-                </a:solidFill>
-                <a:latin typeface="Helvetica"/>
-              </a:rPr>
-              <a:t>crds</a:t>
-            </a:r>
-            <a:r>
-              <a:rPr lang="en-US" sz="1100" b="1" dirty="0" smtClean="0">
-                <a:solidFill>
-                  <a:schemeClr val="tx1"/>
-                </a:solidFill>
-                <a:latin typeface="Helvetica"/>
-              </a:rPr>
-              <a:t>-</a:t>
-            </a:r>
-            <a:r>
-              <a:rPr lang="en-US" sz="1100" b="1" dirty="0" err="1" smtClean="0">
-                <a:solidFill>
-                  <a:schemeClr val="tx1"/>
-                </a:solidFill>
-                <a:latin typeface="Helvetica"/>
-              </a:rPr>
-              <a:t>server.stsci.edu</a:t>
-            </a:r>
-            <a:endParaRPr lang="en-US" sz="1100" b="1" dirty="0" smtClean="0">
-              <a:solidFill>
-                <a:schemeClr val="tx1"/>
-              </a:solidFill>
-              <a:latin typeface="Helvetica"/>
-            </a:endParaRPr>
-          </a:p>
-        </p:txBody>
-      </p:sp>
-      <p:sp>
-        <p:nvSpPr>
-          <p:cNvPr id="52" name="TextBox 51"/>
-          <p:cNvSpPr txBox="1"/>
-          <p:nvPr/>
-        </p:nvSpPr>
-        <p:spPr>
-          <a:xfrm>
-            <a:off x="2514600" y="2667000"/>
-            <a:ext cx="1066615" cy="556179"/>
-          </a:xfrm>
-          <a:prstGeom prst="rect">
-            <a:avLst/>
-          </a:prstGeom>
-        </p:spPr>
-        <p:txBody>
-          <a:bodyPr wrap="none" lIns="90000" tIns="46800" rIns="90000" bIns="46800" rtlCol="0">
-            <a:spAutoFit/>
-          </a:bodyPr>
-          <a:lstStyle/>
-          <a:p>
-            <a:r>
-              <a:rPr lang="en-US" sz="1000" dirty="0" smtClean="0">
-                <a:solidFill>
-                  <a:schemeClr val="tx1"/>
-                </a:solidFill>
-                <a:latin typeface="Helvetica"/>
-              </a:rPr>
-              <a:t>References,</a:t>
-            </a:r>
-          </a:p>
-          <a:p>
-            <a:r>
-              <a:rPr lang="en-US" sz="1000" dirty="0" smtClean="0">
-                <a:solidFill>
-                  <a:schemeClr val="tx1"/>
-                </a:solidFill>
-                <a:latin typeface="Helvetica"/>
-              </a:rPr>
-              <a:t>Rules,</a:t>
-            </a:r>
-          </a:p>
-          <a:p>
-            <a:r>
-              <a:rPr lang="en-US" sz="1000" dirty="0" smtClean="0">
-                <a:solidFill>
-                  <a:schemeClr val="tx1"/>
-                </a:solidFill>
-                <a:latin typeface="Helvetica"/>
-              </a:rPr>
-              <a:t>Default Context</a:t>
-            </a:r>
-          </a:p>
-        </p:txBody>
-      </p:sp>
-      <p:cxnSp>
-        <p:nvCxnSpPr>
-          <p:cNvPr id="54" name="Straight Arrow Connector 53"/>
-          <p:cNvCxnSpPr/>
-          <p:nvPr/>
-        </p:nvCxnSpPr>
-        <p:spPr bwMode="auto">
-          <a:xfrm>
-            <a:off x="2438400" y="3352800"/>
-            <a:ext cx="1295400" cy="0"/>
-          </a:xfrm>
-          <a:prstGeom prst="straightConnector1">
-            <a:avLst/>
-          </a:prstGeom>
-          <a:solidFill>
-            <a:schemeClr val="accent1"/>
-          </a:solidFill>
-          <a:ln w="9525" cap="flat" cmpd="sng" algn="ctr">
-            <a:solidFill>
-              <a:schemeClr val="tx1"/>
-            </a:solidFill>
-            <a:prstDash val="solid"/>
-            <a:round/>
-            <a:headEnd type="none" w="med" len="med"/>
-            <a:tailEnd type="arrow"/>
-          </a:ln>
-          <a:effectLst/>
-        </p:spPr>
-      </p:cxnSp>
+            <a:r>
+              <a:rPr lang="en-US" dirty="0" smtClean="0"/>
+              <a:t>/</a:t>
+            </a:r>
+            <a:r>
+              <a:rPr lang="en-US" dirty="0" err="1" smtClean="0"/>
+              <a:t>jwst</a:t>
+            </a:r>
+            <a:endParaRPr lang="en-US" dirty="0" smtClean="0"/>
+          </a:p>
+          <a:p>
+            <a:r>
+              <a:rPr lang="en-US" dirty="0" smtClean="0"/>
+              <a:t>Only one copy of reference files needed</a:t>
+            </a:r>
+          </a:p>
+          <a:p>
+            <a:r>
+              <a:rPr lang="en-US" dirty="0" smtClean="0"/>
+              <a:t>The server does not have to be running</a:t>
+            </a:r>
+          </a:p>
+        </p:txBody>
+      </p:sp>
     </p:spTree>
     <p:extLst>
       <p:ext uri="{BB962C8B-B14F-4D97-AF65-F5344CB8AC3E}">
-        <p14:creationId xmlns:p14="http://schemas.microsoft.com/office/powerpoint/2010/main" val="628025712"/>
+        <p14:creationId xmlns:p14="http://schemas.microsoft.com/office/powerpoint/2010/main" val="1700328555"/>
       </p:ext>
     </p:extLst>
   </p:cSld>
   <p:clrMapOvr>
     <a:masterClrMapping/>
   </p:clrMapOvr>
-  <p:timing>
-    <p:tnLst>
-      <p:par>
-        <p:cTn xmlns:p14="http://schemas.microsoft.com/office/powerpoint/2010/main" id="1" dur="indefinite" restart="never" nodeType="tmRoot"/>
-      </p:par>
-    </p:tnLst>
-  </p:timing>
 </p:sld>
 </file>
 
@@ -9773,173 +8435,6 @@
       </p:sp>
       <p:sp>
         <p:nvSpPr>
-          <p:cNvPr id="3" name="Text Placeholder 2"/>
-          <p:cNvSpPr>
-            <a:spLocks noGrp="1"/>
-          </p:cNvSpPr>
-          <p:nvPr>
-            <p:ph type="body" idx="4294967295"/>
-          </p:nvPr>
-        </p:nvSpPr>
-        <p:spPr>
-          <a:xfrm>
-            <a:off x="1143000" y="1447800"/>
-            <a:ext cx="7239000" cy="4267200"/>
-          </a:xfrm>
-        </p:spPr>
-        <p:txBody>
-          <a:bodyPr/>
-          <a:lstStyle/>
-          <a:p>
-            <a:r>
-              <a:rPr lang="en-US" dirty="0" smtClean="0"/>
-              <a:t>Works by equating user and server file caches</a:t>
-            </a:r>
-          </a:p>
-          <a:p>
-            <a:r>
-              <a:rPr lang="en-US" dirty="0"/>
-              <a:t>All users share master </a:t>
-            </a:r>
-            <a:r>
-              <a:rPr lang="en-US" dirty="0" smtClean="0"/>
-              <a:t>read-only file </a:t>
-            </a:r>
-            <a:r>
-              <a:rPr lang="en-US" dirty="0"/>
-              <a:t>cache with server</a:t>
-            </a:r>
-          </a:p>
-          <a:p>
-            <a:r>
-              <a:rPr lang="en-US" dirty="0"/>
-              <a:t>All user file cache fetches automatically “hit”</a:t>
-            </a:r>
-          </a:p>
-          <a:p>
-            <a:r>
-              <a:rPr lang="en-US" dirty="0"/>
-              <a:t>Same CRDS </a:t>
-            </a:r>
-            <a:r>
-              <a:rPr lang="en-US" dirty="0" smtClean="0"/>
-              <a:t>core library </a:t>
-            </a:r>
-            <a:r>
-              <a:rPr lang="en-US" dirty="0"/>
-              <a:t>used in STPIPE and CRDS Server</a:t>
-            </a:r>
-          </a:p>
-          <a:p>
-            <a:r>
-              <a:rPr lang="en-US" dirty="0" smtClean="0"/>
-              <a:t>Best references are computed directly by the </a:t>
-            </a:r>
-            <a:r>
-              <a:rPr lang="en-US" dirty="0" err="1" smtClean="0"/>
-              <a:t>stpipe</a:t>
-            </a:r>
-            <a:r>
-              <a:rPr lang="en-US" dirty="0" smtClean="0"/>
-              <a:t> process calling a local CRDS library function</a:t>
-            </a:r>
-          </a:p>
-          <a:p>
-            <a:r>
-              <a:rPr lang="en-US" dirty="0" smtClean="0"/>
-              <a:t>Requires access to Central Store /</a:t>
-            </a:r>
-            <a:r>
-              <a:rPr lang="en-US" dirty="0" err="1" smtClean="0"/>
-              <a:t>grp</a:t>
-            </a:r>
-            <a:r>
-              <a:rPr lang="en-US" dirty="0" smtClean="0"/>
-              <a:t>/</a:t>
-            </a:r>
-            <a:r>
-              <a:rPr lang="en-US" dirty="0" err="1" smtClean="0"/>
-              <a:t>crds</a:t>
-            </a:r>
-            <a:r>
-              <a:rPr lang="en-US" dirty="0" smtClean="0"/>
-              <a:t>/</a:t>
-            </a:r>
-            <a:r>
-              <a:rPr lang="en-US" dirty="0" err="1" smtClean="0"/>
-              <a:t>jwst</a:t>
-            </a:r>
-            <a:endParaRPr lang="en-US" dirty="0" smtClean="0"/>
-          </a:p>
-          <a:p>
-            <a:r>
-              <a:rPr lang="en-US" dirty="0" smtClean="0"/>
-              <a:t>Only one copy of reference files needed</a:t>
-            </a:r>
-          </a:p>
-          <a:p>
-            <a:r>
-              <a:rPr lang="en-US" dirty="0" smtClean="0"/>
-              <a:t>The server does not have to be running</a:t>
-            </a:r>
-          </a:p>
-        </p:txBody>
-      </p:sp>
-    </p:spTree>
-    <p:extLst>
-      <p:ext uri="{BB962C8B-B14F-4D97-AF65-F5344CB8AC3E}">
-        <p14:creationId xmlns:p14="http://schemas.microsoft.com/office/powerpoint/2010/main" val="1700328555"/>
-      </p:ext>
-    </p:extLst>
-  </p:cSld>
-  <p:clrMapOvr>
-    <a:masterClrMapping/>
-  </p:clrMapOvr>
-</p:sld>
-</file>
-
-<file path=ppt/slides/slide22.xml><?xml version="1.0" encoding="utf-8"?>
-<p:sld xmlns:a="http://schemas.openxmlformats.org/drawingml/2006/main" xmlns:r="http://schemas.openxmlformats.org/officeDocument/2006/relationships" xmlns:p="http://schemas.openxmlformats.org/presentationml/2006/main">
-  <p:cSld>
-    <p:spTree>
-      <p:nvGrpSpPr>
-        <p:cNvPr id="1" name=""/>
-        <p:cNvGrpSpPr/>
-        <p:nvPr/>
-      </p:nvGrpSpPr>
-      <p:grpSpPr>
-        <a:xfrm>
-          <a:off x="0" y="0"/>
-          <a:ext cx="0" cy="0"/>
-          <a:chOff x="0" y="0"/>
-          <a:chExt cx="0" cy="0"/>
-        </a:xfrm>
-      </p:grpSpPr>
-      <p:sp>
-        <p:nvSpPr>
-          <p:cNvPr id="2" name="Title 1"/>
-          <p:cNvSpPr>
-            <a:spLocks noGrp="1"/>
-          </p:cNvSpPr>
-          <p:nvPr>
-            <p:ph type="title"/>
-          </p:nvPr>
-        </p:nvSpPr>
-        <p:spPr/>
-        <p:txBody>
-          <a:bodyPr/>
-          <a:lstStyle/>
-          <a:p>
-            <a:r>
-              <a:rPr lang="en-US" dirty="0" smtClean="0"/>
-              <a:t>Server-less Configuration</a:t>
-            </a:r>
-            <a:endParaRPr lang="en-US" dirty="0"/>
-          </a:p>
-        </p:txBody>
-      </p:sp>
-      <p:sp>
-        <p:nvSpPr>
           <p:cNvPr id="3" name="Rectangle 2"/>
           <p:cNvSpPr/>
           <p:nvPr/>
@@ -11428,7 +9923,7 @@
 </p:sld>
 </file>
 
-<file path=ppt/slides/slide23.xml><?xml version="1.0" encoding="utf-8"?>
+<file path=ppt/slides/slide22.xml><?xml version="1.0" encoding="utf-8"?>
 <p:sld xmlns:a="http://schemas.openxmlformats.org/drawingml/2006/main" xmlns:r="http://schemas.openxmlformats.org/officeDocument/2006/relationships" xmlns:p="http://schemas.openxmlformats.org/presentationml/2006/main">
   <p:cSld>
     <p:spTree>
@@ -11510,6 +10005,128 @@
     <p:extLst>
       <p:ext uri="{BB962C8B-B14F-4D97-AF65-F5344CB8AC3E}">
         <p14:creationId xmlns:p14="http://schemas.microsoft.com/office/powerpoint/2010/main" val="2750460279"/>
+      </p:ext>
+    </p:extLst>
+  </p:cSld>
+  <p:clrMapOvr>
+    <a:masterClrMapping/>
+  </p:clrMapOvr>
+</p:sld>
+</file>
+
+<file path=ppt/slides/slide23.xml><?xml version="1.0" encoding="utf-8"?>
+<p:sld xmlns:a="http://schemas.openxmlformats.org/drawingml/2006/main" xmlns:r="http://schemas.openxmlformats.org/officeDocument/2006/relationships" xmlns:p="http://schemas.openxmlformats.org/presentationml/2006/main">
+  <p:cSld>
+    <p:spTree>
+      <p:nvGrpSpPr>
+        <p:cNvPr id="1" name=""/>
+        <p:cNvGrpSpPr/>
+        <p:nvPr/>
+      </p:nvGrpSpPr>
+      <p:grpSpPr>
+        <a:xfrm>
+          <a:off x="0" y="0"/>
+          <a:ext cx="0" cy="0"/>
+          <a:chOff x="0" y="0"/>
+          <a:chExt cx="0" cy="0"/>
+        </a:xfrm>
+      </p:grpSpPr>
+      <p:sp>
+        <p:nvSpPr>
+          <p:cNvPr id="2" name="Title 1"/>
+          <p:cNvSpPr>
+            <a:spLocks noGrp="1"/>
+          </p:cNvSpPr>
+          <p:nvPr>
+            <p:ph type="title"/>
+          </p:nvPr>
+        </p:nvSpPr>
+        <p:spPr/>
+        <p:txBody>
+          <a:bodyPr/>
+          <a:lstStyle/>
+          <a:p>
+            <a:r>
+              <a:rPr lang="en-US" dirty="0" smtClean="0"/>
+              <a:t>JSON-RPC Services</a:t>
+            </a:r>
+            <a:endParaRPr lang="en-US" dirty="0"/>
+          </a:p>
+        </p:txBody>
+      </p:sp>
+      <p:sp>
+        <p:nvSpPr>
+          <p:cNvPr id="30" name="Text Placeholder 29"/>
+          <p:cNvSpPr>
+            <a:spLocks noGrp="1"/>
+          </p:cNvSpPr>
+          <p:nvPr>
+            <p:ph type="body" idx="4294967295"/>
+          </p:nvPr>
+        </p:nvSpPr>
+        <p:spPr>
+          <a:xfrm>
+            <a:off x="762000" y="2057400"/>
+            <a:ext cx="7315200" cy="1524000"/>
+          </a:xfrm>
+        </p:spPr>
+        <p:txBody>
+          <a:bodyPr/>
+          <a:lstStyle/>
+          <a:p>
+            <a:r>
+              <a:rPr lang="en-US" dirty="0" smtClean="0"/>
+              <a:t>Language agnostic JSON-RPC 1.0 access is defined for</a:t>
+            </a:r>
+          </a:p>
+          <a:p>
+            <a:pPr lvl="1"/>
+            <a:r>
+              <a:rPr lang="en-US" dirty="0" smtClean="0"/>
+              <a:t>Getting the default/operational context</a:t>
+            </a:r>
+          </a:p>
+          <a:p>
+            <a:pPr lvl="1"/>
+            <a:r>
+              <a:rPr lang="en-US" dirty="0" smtClean="0"/>
+              <a:t>Getting best reference filenames for a parameter set</a:t>
+            </a:r>
+          </a:p>
+          <a:p>
+            <a:r>
+              <a:rPr lang="en-US" dirty="0" smtClean="0"/>
+              <a:t>Simple HTTP Get CRDS File</a:t>
+            </a:r>
+          </a:p>
+          <a:p>
+            <a:pPr lvl="1"/>
+            <a:r>
+              <a:rPr lang="en-US" dirty="0" smtClean="0"/>
+              <a:t>Mostly control oriented:  </a:t>
+            </a:r>
+            <a:r>
+              <a:rPr lang="en-US" dirty="0"/>
+              <a:t>b</a:t>
+            </a:r>
+            <a:r>
+              <a:rPr lang="en-US" dirty="0" smtClean="0"/>
+              <a:t>locks distribution of “rejected” files</a:t>
+            </a:r>
+          </a:p>
+          <a:p>
+            <a:pPr lvl="1"/>
+            <a:r>
+              <a:rPr lang="en-US" dirty="0" smtClean="0"/>
+              <a:t>Redirects to DMS Archive for high throughput data transport</a:t>
+            </a:r>
+          </a:p>
+        </p:txBody>
+      </p:sp>
+    </p:spTree>
+    <p:extLst>
+      <p:ext uri="{BB962C8B-B14F-4D97-AF65-F5344CB8AC3E}">
+        <p14:creationId xmlns:p14="http://schemas.microsoft.com/office/powerpoint/2010/main" val="2127756922"/>
       </p:ext>
     </p:extLst>
   </p:cSld>
@@ -11552,16 +10169,24 @@
           <a:lstStyle/>
           <a:p>
             <a:r>
-              <a:rPr lang="en-US" dirty="0" smtClean="0"/>
-              <a:t>JSON-RPC Services</a:t>
-            </a:r>
-            <a:endParaRPr lang="en-US" dirty="0"/>
-          </a:p>
-        </p:txBody>
-      </p:sp>
-      <p:sp>
-        <p:nvSpPr>
-          <p:cNvPr id="30" name="Text Placeholder 29"/>
+              <a:rPr lang="en-US" dirty="0" smtClean="0">
+                <a:solidFill>
+                  <a:schemeClr val="bg1"/>
+                </a:solidFill>
+              </a:rPr>
+              <a:t>Web Reference File Submission</a:t>
+            </a:r>
+            <a:endParaRPr lang="en-US" dirty="0">
+              <a:solidFill>
+                <a:schemeClr val="bg1"/>
+              </a:solidFill>
+            </a:endParaRPr>
+          </a:p>
+        </p:txBody>
+      </p:sp>
+      <p:sp>
+        <p:nvSpPr>
+          <p:cNvPr id="4" name="Text Placeholder 3"/>
           <p:cNvSpPr>
             <a:spLocks noGrp="1"/>
           </p:cNvSpPr>
@@ -11569,89 +10194,69 @@
             <p:ph type="body" idx="4294967295"/>
           </p:nvPr>
         </p:nvSpPr>
-        <p:spPr>
-          <a:xfrm>
-            <a:off x="762000" y="2057400"/>
-            <a:ext cx="7315200" cy="1524000"/>
-          </a:xfrm>
-        </p:spPr>
+        <p:spPr/>
         <p:txBody>
           <a:bodyPr/>
           <a:lstStyle/>
           <a:p>
-            <a:r>
-              <a:rPr lang="en-US" dirty="0" smtClean="0"/>
-              <a:t>Language agnostic JSON-RPC 1.0 access is defined for</a:t>
-            </a:r>
-          </a:p>
-          <a:p>
-            <a:pPr lvl="1"/>
-            <a:r>
-              <a:rPr lang="en-US" dirty="0" smtClean="0"/>
-              <a:t>Getting the </a:t>
-            </a:r>
-            <a:r>
-              <a:rPr lang="en-US" dirty="0" smtClean="0"/>
-              <a:t>default/operational </a:t>
-            </a:r>
-            <a:r>
-              <a:rPr lang="en-US" dirty="0" smtClean="0"/>
-              <a:t>context</a:t>
-            </a:r>
-          </a:p>
-          <a:p>
-            <a:pPr lvl="1"/>
-            <a:r>
-              <a:rPr lang="en-US" dirty="0" smtClean="0"/>
-              <a:t>Getting best reference filenames for a parameter set</a:t>
-            </a:r>
-          </a:p>
-          <a:p>
-            <a:r>
-              <a:rPr lang="en-US" dirty="0" smtClean="0"/>
-              <a:t>Simple HTTP Get CRDS File</a:t>
-            </a:r>
-            <a:endParaRPr lang="en-US" dirty="0" smtClean="0"/>
-          </a:p>
-          <a:p>
-            <a:pPr lvl="1"/>
-            <a:r>
-              <a:rPr lang="en-US" dirty="0" smtClean="0"/>
-              <a:t>Mostly control oriented:  </a:t>
-            </a:r>
-            <a:r>
-              <a:rPr lang="en-US" dirty="0"/>
-              <a:t>b</a:t>
-            </a:r>
-            <a:r>
-              <a:rPr lang="en-US" dirty="0" smtClean="0"/>
-              <a:t>locks distribution of “rejected” files</a:t>
-            </a:r>
-          </a:p>
-          <a:p>
-            <a:pPr lvl="1"/>
-            <a:r>
-              <a:rPr lang="en-US" dirty="0" smtClean="0"/>
-              <a:t>Redirects to DMS Archive for high throughput data </a:t>
-            </a:r>
-            <a:r>
-              <a:rPr lang="en-US" dirty="0" smtClean="0"/>
-              <a:t>transport</a:t>
-            </a:r>
-            <a:endParaRPr lang="en-US" dirty="0" smtClean="0"/>
+            <a:pPr marL="0" indent="0" algn="ctr">
+              <a:buNone/>
+            </a:pPr>
+            <a:endParaRPr lang="en-US" sz="3200" dirty="0" smtClean="0"/>
+          </a:p>
+          <a:p>
+            <a:pPr marL="0" indent="0" algn="ctr">
+              <a:buNone/>
+            </a:pPr>
+            <a:endParaRPr lang="en-US" sz="3200" dirty="0"/>
+          </a:p>
+          <a:p>
+            <a:pPr marL="0" indent="0" algn="ctr">
+              <a:buNone/>
+            </a:pPr>
+            <a:r>
+              <a:rPr lang="en-US" sz="3200" dirty="0" smtClean="0"/>
+              <a:t>Web File</a:t>
+            </a:r>
+          </a:p>
+          <a:p>
+            <a:pPr marL="0" indent="0" algn="ctr">
+              <a:buNone/>
+            </a:pPr>
+            <a:r>
+              <a:rPr lang="en-US" sz="3200" dirty="0" smtClean="0"/>
+              <a:t>Browsing and</a:t>
+            </a:r>
+          </a:p>
+          <a:p>
+            <a:pPr marL="0" indent="0" algn="ctr">
+              <a:buNone/>
+            </a:pPr>
+            <a:r>
+              <a:rPr lang="en-US" sz="3200" dirty="0" smtClean="0"/>
+              <a:t>Submission</a:t>
+            </a:r>
+            <a:endParaRPr lang="en-US" sz="3200" dirty="0"/>
           </a:p>
         </p:txBody>
       </p:sp>
     </p:spTree>
     <p:extLst>
       <p:ext uri="{BB962C8B-B14F-4D97-AF65-F5344CB8AC3E}">
-        <p14:creationId xmlns:p14="http://schemas.microsoft.com/office/powerpoint/2010/main" val="2127756922"/>
+        <p14:creationId xmlns:p14="http://schemas.microsoft.com/office/powerpoint/2010/main" val="3082607987"/>
       </p:ext>
     </p:extLst>
   </p:cSld>
   <p:clrMapOvr>
     <a:masterClrMapping/>
   </p:clrMapOvr>
+  <p:timing>
+    <p:tnLst>
+      <p:par>
+        <p:cTn xmlns:p14="http://schemas.microsoft.com/office/powerpoint/2010/main" id="1" dur="indefinite" restart="never" nodeType="tmRoot"/>
+      </p:par>
+    </p:tnLst>
+  </p:timing>
 </p:sld>
 </file>
 
@@ -11688,130 +10293,6 @@
           <a:lstStyle/>
           <a:p>
             <a:r>
-              <a:rPr lang="en-US" dirty="0" smtClean="0">
-                <a:solidFill>
-                  <a:schemeClr val="bg1"/>
-                </a:solidFill>
-              </a:rPr>
-              <a:t>Web Reference File Submission</a:t>
-            </a:r>
-            <a:endParaRPr lang="en-US" dirty="0">
-              <a:solidFill>
-                <a:schemeClr val="bg1"/>
-              </a:solidFill>
-            </a:endParaRPr>
-          </a:p>
-        </p:txBody>
-      </p:sp>
-      <p:sp>
-        <p:nvSpPr>
-          <p:cNvPr id="4" name="Text Placeholder 3"/>
-          <p:cNvSpPr>
-            <a:spLocks noGrp="1"/>
-          </p:cNvSpPr>
-          <p:nvPr>
-            <p:ph type="body" idx="4294967295"/>
-          </p:nvPr>
-        </p:nvSpPr>
-        <p:spPr/>
-        <p:txBody>
-          <a:bodyPr/>
-          <a:lstStyle/>
-          <a:p>
-            <a:pPr marL="0" indent="0" algn="ctr">
-              <a:buNone/>
-            </a:pPr>
-            <a:endParaRPr lang="en-US" sz="3200" dirty="0" smtClean="0"/>
-          </a:p>
-          <a:p>
-            <a:pPr marL="0" indent="0" algn="ctr">
-              <a:buNone/>
-            </a:pPr>
-            <a:endParaRPr lang="en-US" sz="3200" dirty="0"/>
-          </a:p>
-          <a:p>
-            <a:pPr marL="0" indent="0" algn="ctr">
-              <a:buNone/>
-            </a:pPr>
-            <a:r>
-              <a:rPr lang="en-US" sz="3200" dirty="0" smtClean="0"/>
-              <a:t>Web File</a:t>
-            </a:r>
-          </a:p>
-          <a:p>
-            <a:pPr marL="0" indent="0" algn="ctr">
-              <a:buNone/>
-            </a:pPr>
-            <a:r>
-              <a:rPr lang="en-US" sz="3200" dirty="0" smtClean="0"/>
-              <a:t>Browsing and</a:t>
-            </a:r>
-          </a:p>
-          <a:p>
-            <a:pPr marL="0" indent="0" algn="ctr">
-              <a:buNone/>
-            </a:pPr>
-            <a:r>
-              <a:rPr lang="en-US" sz="3200" dirty="0" smtClean="0"/>
-              <a:t>Submission</a:t>
-            </a:r>
-            <a:endParaRPr lang="en-US" sz="3200" dirty="0"/>
-          </a:p>
-        </p:txBody>
-      </p:sp>
-    </p:spTree>
-    <p:extLst>
-      <p:ext uri="{BB962C8B-B14F-4D97-AF65-F5344CB8AC3E}">
-        <p14:creationId xmlns:p14="http://schemas.microsoft.com/office/powerpoint/2010/main" val="3082607987"/>
-      </p:ext>
-    </p:extLst>
-  </p:cSld>
-  <p:clrMapOvr>
-    <a:masterClrMapping/>
-  </p:clrMapOvr>
-  <p:timing>
-    <p:tnLst>
-      <p:par>
-        <p:cTn xmlns:p14="http://schemas.microsoft.com/office/powerpoint/2010/main" id="1" dur="indefinite" restart="never" nodeType="tmRoot"/>
-      </p:par>
-    </p:tnLst>
-  </p:timing>
-</p:sld>
-</file>
-
-<file path=ppt/slides/slide26.xml><?xml version="1.0" encoding="utf-8"?>
-<p:sld xmlns:a="http://schemas.openxmlformats.org/drawingml/2006/main" xmlns:r="http://schemas.openxmlformats.org/officeDocument/2006/relationships" xmlns:p="http://schemas.openxmlformats.org/presentationml/2006/main">
-  <p:cSld>
-    <p:spTree>
-      <p:nvGrpSpPr>
-        <p:cNvPr id="1" name=""/>
-        <p:cNvGrpSpPr/>
-        <p:nvPr/>
-      </p:nvGrpSpPr>
-      <p:grpSpPr>
-        <a:xfrm>
-          <a:off x="0" y="0"/>
-          <a:ext cx="0" cy="0"/>
-          <a:chOff x="0" y="0"/>
-          <a:chExt cx="0" cy="0"/>
-        </a:xfrm>
-      </p:grpSpPr>
-      <p:sp>
-        <p:nvSpPr>
-          <p:cNvPr id="2" name="Title 1"/>
-          <p:cNvSpPr>
-            <a:spLocks noGrp="1"/>
-          </p:cNvSpPr>
-          <p:nvPr>
-            <p:ph type="title"/>
-          </p:nvPr>
-        </p:nvSpPr>
-        <p:spPr/>
-        <p:txBody>
-          <a:bodyPr/>
-          <a:lstStyle/>
-          <a:p>
-            <a:r>
               <a:rPr lang="en-US" dirty="0" smtClean="0"/>
               <a:t>Website (home)</a:t>
             </a:r>
@@ -12066,7 +10547,7 @@
 </p:sld>
 </file>
 
-<file path=ppt/slides/slide27.xml><?xml version="1.0" encoding="utf-8"?>
+<file path=ppt/slides/slide26.xml><?xml version="1.0" encoding="utf-8"?>
 <p:sld xmlns:a="http://schemas.openxmlformats.org/drawingml/2006/main" xmlns:r="http://schemas.openxmlformats.org/officeDocument/2006/relationships" xmlns:p="http://schemas.openxmlformats.org/presentationml/2006/main">
   <p:cSld>
     <p:spTree>
@@ -12201,6 +10682,213 @@
 </p:sld>
 </file>
 
+<file path=ppt/slides/slide27.xml><?xml version="1.0" encoding="utf-8"?>
+<p:sld xmlns:a="http://schemas.openxmlformats.org/drawingml/2006/main" xmlns:r="http://schemas.openxmlformats.org/officeDocument/2006/relationships" xmlns:p="http://schemas.openxmlformats.org/presentationml/2006/main">
+  <p:cSld>
+    <p:spTree>
+      <p:nvGrpSpPr>
+        <p:cNvPr id="1" name=""/>
+        <p:cNvGrpSpPr/>
+        <p:nvPr/>
+      </p:nvGrpSpPr>
+      <p:grpSpPr>
+        <a:xfrm>
+          <a:off x="0" y="0"/>
+          <a:ext cx="0" cy="0"/>
+          <a:chOff x="0" y="0"/>
+          <a:chExt cx="0" cy="0"/>
+        </a:xfrm>
+      </p:grpSpPr>
+      <p:sp>
+        <p:nvSpPr>
+          <p:cNvPr id="2" name="Title 1"/>
+          <p:cNvSpPr>
+            <a:spLocks noGrp="1"/>
+          </p:cNvSpPr>
+          <p:nvPr>
+            <p:ph type="title"/>
+          </p:nvPr>
+        </p:nvSpPr>
+        <p:spPr/>
+        <p:txBody>
+          <a:bodyPr/>
+          <a:lstStyle/>
+          <a:p>
+            <a:r>
+              <a:rPr lang="en-US" dirty="0" smtClean="0"/>
+              <a:t>Batch Submission</a:t>
+            </a:r>
+            <a:endParaRPr lang="en-US" dirty="0"/>
+          </a:p>
+        </p:txBody>
+      </p:sp>
+      <p:sp>
+        <p:nvSpPr>
+          <p:cNvPr id="3" name="Text Placeholder 2"/>
+          <p:cNvSpPr>
+            <a:spLocks noGrp="1"/>
+          </p:cNvSpPr>
+          <p:nvPr>
+            <p:ph type="body" idx="4294967295"/>
+          </p:nvPr>
+        </p:nvSpPr>
+        <p:spPr>
+          <a:xfrm>
+            <a:off x="685800" y="914400"/>
+            <a:ext cx="7769225" cy="5553075"/>
+          </a:xfrm>
+        </p:spPr>
+        <p:txBody>
+          <a:bodyPr/>
+          <a:lstStyle/>
+          <a:p>
+            <a:r>
+              <a:rPr lang="en-US" dirty="0" smtClean="0"/>
+              <a:t>Intended for routine reference file submissions:</a:t>
+            </a:r>
+          </a:p>
+          <a:p>
+            <a:pPr lvl="1"/>
+            <a:r>
+              <a:rPr lang="en-US" dirty="0" smtClean="0"/>
+              <a:t>File replacements</a:t>
+            </a:r>
+          </a:p>
+          <a:p>
+            <a:pPr lvl="1"/>
+            <a:r>
+              <a:rPr lang="en-US" dirty="0" smtClean="0"/>
+              <a:t>Date specific insert/appends</a:t>
+            </a:r>
+          </a:p>
+          <a:p>
+            <a:r>
+              <a:rPr lang="en-US" dirty="0" smtClean="0"/>
+              <a:t>Steps of File Submission</a:t>
+            </a:r>
+          </a:p>
+          <a:p>
+            <a:pPr lvl="1"/>
+            <a:r>
+              <a:rPr lang="en-US" dirty="0" smtClean="0"/>
+              <a:t>Upload new </a:t>
+            </a:r>
+            <a:r>
+              <a:rPr lang="en-US" dirty="0"/>
+              <a:t>r</a:t>
+            </a:r>
+            <a:r>
+              <a:rPr lang="en-US" dirty="0" smtClean="0"/>
+              <a:t>eference files for one type, e.g. MIRI DARK</a:t>
+            </a:r>
+          </a:p>
+          <a:p>
+            <a:pPr lvl="1"/>
+            <a:r>
+              <a:rPr lang="en-US" dirty="0" smtClean="0"/>
+              <a:t>Check new references</a:t>
+            </a:r>
+          </a:p>
+          <a:p>
+            <a:pPr lvl="2"/>
+            <a:r>
+              <a:rPr lang="en-US" dirty="0" smtClean="0"/>
+              <a:t>Allowed parameter values</a:t>
+            </a:r>
+          </a:p>
+          <a:p>
+            <a:pPr lvl="2"/>
+            <a:r>
+              <a:rPr lang="en-US" dirty="0" smtClean="0"/>
+              <a:t>FITS table mode coverage:  mode additions and removals</a:t>
+            </a:r>
+          </a:p>
+          <a:p>
+            <a:pPr lvl="1"/>
+            <a:r>
+              <a:rPr lang="en-US" i="1" dirty="0" smtClean="0"/>
+              <a:t>Automatically</a:t>
+            </a:r>
+            <a:r>
+              <a:rPr lang="en-US" dirty="0" smtClean="0"/>
+              <a:t> update rules hierarchy</a:t>
+            </a:r>
+          </a:p>
+          <a:p>
+            <a:pPr lvl="2"/>
+            <a:r>
+              <a:rPr lang="en-US" dirty="0" smtClean="0"/>
+              <a:t>Insert / replace files in existing .rmap Match() cases</a:t>
+            </a:r>
+          </a:p>
+          <a:p>
+            <a:pPr lvl="3"/>
+            <a:r>
+              <a:rPr lang="en-US" dirty="0" smtClean="0"/>
+              <a:t>Currently limited to Match() -&gt; </a:t>
+            </a:r>
+            <a:r>
+              <a:rPr lang="en-US" dirty="0" err="1" smtClean="0"/>
+              <a:t>UseAfter</a:t>
+            </a:r>
+            <a:r>
+              <a:rPr lang="en-US" dirty="0" smtClean="0"/>
+              <a:t>()</a:t>
+            </a:r>
+          </a:p>
+          <a:p>
+            <a:pPr lvl="2"/>
+            <a:r>
+              <a:rPr lang="en-US" dirty="0" smtClean="0"/>
+              <a:t>Automatically regenerate higher level contexts</a:t>
+            </a:r>
+          </a:p>
+          <a:p>
+            <a:pPr lvl="1"/>
+            <a:r>
+              <a:rPr lang="en-US" dirty="0" smtClean="0"/>
+              <a:t>Present results for review and confirmation</a:t>
+            </a:r>
+          </a:p>
+          <a:p>
+            <a:r>
+              <a:rPr lang="en-US" dirty="0"/>
+              <a:t>Currently finishing </a:t>
+            </a:r>
+            <a:r>
+              <a:rPr lang="en-US" dirty="0" smtClean="0"/>
+              <a:t>HST prototype</a:t>
+            </a:r>
+          </a:p>
+          <a:p>
+            <a:r>
+              <a:rPr lang="en-US" dirty="0" smtClean="0"/>
+              <a:t>Needs generalization to support all JWST Selectors</a:t>
+            </a:r>
+            <a:endParaRPr lang="en-US" dirty="0"/>
+          </a:p>
+        </p:txBody>
+      </p:sp>
+    </p:spTree>
+    <p:extLst>
+      <p:ext uri="{BB962C8B-B14F-4D97-AF65-F5344CB8AC3E}">
+        <p14:creationId xmlns:p14="http://schemas.microsoft.com/office/powerpoint/2010/main" val="191552560"/>
+      </p:ext>
+    </p:extLst>
+  </p:cSld>
+  <p:clrMapOvr>
+    <a:masterClrMapping/>
+  </p:clrMapOvr>
+  <p:timing>
+    <p:tnLst>
+      <p:par>
+        <p:cTn xmlns:p14="http://schemas.microsoft.com/office/powerpoint/2010/main" id="1" dur="indefinite" restart="never" nodeType="tmRoot"/>
+      </p:par>
+    </p:tnLst>
+  </p:timing>
+</p:sld>
+</file>
+
 <file path=ppt/slides/slide28.xml><?xml version="1.0" encoding="utf-8"?>
 <p:sld xmlns:a="http://schemas.openxmlformats.org/drawingml/2006/main" xmlns:r="http://schemas.openxmlformats.org/officeDocument/2006/relationships" xmlns:p="http://schemas.openxmlformats.org/presentationml/2006/main">
   <p:cSld>
@@ -12235,163 +10923,46 @@
           <a:p>
             <a:r>
               <a:rPr lang="en-US" dirty="0" smtClean="0"/>
-              <a:t>Batch Submission</a:t>
+              <a:t>Batch Submission Inputs</a:t>
             </a:r>
             <a:endParaRPr lang="en-US" dirty="0"/>
           </a:p>
         </p:txBody>
       </p:sp>
-      <p:sp>
-        <p:nvSpPr>
-          <p:cNvPr id="3" name="Text Placeholder 2"/>
-          <p:cNvSpPr>
-            <a:spLocks noGrp="1"/>
-          </p:cNvSpPr>
-          <p:nvPr>
-            <p:ph type="body" idx="4294967295"/>
-          </p:nvPr>
-        </p:nvSpPr>
+      <p:pic>
+        <p:nvPicPr>
+          <p:cNvPr id="4" name="Picture 3" descr="web_batch_submit_references.png"/>
+          <p:cNvPicPr>
+            <a:picLocks noChangeAspect="1"/>
+          </p:cNvPicPr>
+          <p:nvPr/>
+        </p:nvPicPr>
+        <p:blipFill>
+          <a:blip r:embed="rId2">
+            <a:extLst>
+              <a:ext uri="{28A0092B-C50C-407E-A947-70E740481C1C}">
+                <a14:useLocalDpi xmlns:a14="http://schemas.microsoft.com/office/drawing/2010/main" val="0"/>
+              </a:ext>
+            </a:extLst>
+          </a:blip>
+          <a:stretch>
+            <a:fillRect/>
+          </a:stretch>
+        </p:blipFill>
         <p:spPr>
           <a:xfrm>
-            <a:off x="685800" y="914400"/>
-            <a:ext cx="7769225" cy="5553075"/>
-          </a:xfrm>
-        </p:spPr>
-        <p:txBody>
-          <a:bodyPr/>
-          <a:lstStyle/>
-          <a:p>
-            <a:r>
-              <a:rPr lang="en-US" dirty="0" smtClean="0"/>
-              <a:t>Intended for routine reference file submissions:</a:t>
-            </a:r>
-          </a:p>
-          <a:p>
-            <a:pPr lvl="1"/>
-            <a:r>
-              <a:rPr lang="en-US" dirty="0" smtClean="0"/>
-              <a:t>File replacements</a:t>
-            </a:r>
-          </a:p>
-          <a:p>
-            <a:pPr lvl="1"/>
-            <a:r>
-              <a:rPr lang="en-US" dirty="0" smtClean="0"/>
-              <a:t>Date specific insert/appends</a:t>
-            </a:r>
-          </a:p>
-          <a:p>
-            <a:r>
-              <a:rPr lang="en-US" dirty="0" smtClean="0"/>
-              <a:t>Steps of File Submission</a:t>
-            </a:r>
-          </a:p>
-          <a:p>
-            <a:pPr lvl="1"/>
-            <a:r>
-              <a:rPr lang="en-US" dirty="0" smtClean="0"/>
-              <a:t>Upload new </a:t>
-            </a:r>
-            <a:r>
-              <a:rPr lang="en-US" dirty="0"/>
-              <a:t>r</a:t>
-            </a:r>
-            <a:r>
-              <a:rPr lang="en-US" dirty="0" smtClean="0"/>
-              <a:t>eference files for one type, e.g. MIRI DARK</a:t>
-            </a:r>
-          </a:p>
-          <a:p>
-            <a:pPr lvl="1"/>
-            <a:r>
-              <a:rPr lang="en-US" dirty="0" smtClean="0"/>
-              <a:t>Check new references</a:t>
-            </a:r>
-          </a:p>
-          <a:p>
-            <a:pPr lvl="2"/>
-            <a:r>
-              <a:rPr lang="en-US" dirty="0" smtClean="0"/>
-              <a:t>Allowed parameter values</a:t>
-            </a:r>
-          </a:p>
-          <a:p>
-            <a:pPr lvl="2"/>
-            <a:r>
-              <a:rPr lang="en-US" dirty="0" smtClean="0"/>
-              <a:t>FITS table mode coverage:  mode additions and removals</a:t>
-            </a:r>
-          </a:p>
-          <a:p>
-            <a:pPr lvl="1"/>
-            <a:r>
-              <a:rPr lang="en-US" i="1" dirty="0" smtClean="0"/>
-              <a:t>Automatically</a:t>
-            </a:r>
-            <a:r>
-              <a:rPr lang="en-US" dirty="0" smtClean="0"/>
-              <a:t> update rules hierarchy</a:t>
-            </a:r>
-          </a:p>
-          <a:p>
-            <a:pPr lvl="2"/>
-            <a:r>
-              <a:rPr lang="en-US" dirty="0" smtClean="0"/>
-              <a:t>Insert / replace files in existing .rmap Match() cases</a:t>
-            </a:r>
-          </a:p>
-          <a:p>
-            <a:pPr lvl="3"/>
-            <a:r>
-              <a:rPr lang="en-US" dirty="0" smtClean="0"/>
-              <a:t>Currently limited to Match() -&gt; </a:t>
-            </a:r>
-            <a:r>
-              <a:rPr lang="en-US" dirty="0" err="1" smtClean="0"/>
-              <a:t>UseAfter</a:t>
-            </a:r>
-            <a:r>
-              <a:rPr lang="en-US" dirty="0" smtClean="0"/>
-              <a:t>()</a:t>
-            </a:r>
-          </a:p>
-          <a:p>
-            <a:pPr lvl="2"/>
-            <a:r>
-              <a:rPr lang="en-US" dirty="0" smtClean="0"/>
-              <a:t>Automatically regenerate higher level contexts</a:t>
-            </a:r>
-          </a:p>
-          <a:p>
-            <a:pPr lvl="1"/>
-            <a:r>
-              <a:rPr lang="en-US" dirty="0" smtClean="0"/>
-              <a:t>Present results for review and confirmation</a:t>
-            </a:r>
-          </a:p>
-          <a:p>
-            <a:r>
-              <a:rPr lang="en-US" dirty="0"/>
-              <a:t>Currently finishing </a:t>
-            </a:r>
-            <a:r>
-              <a:rPr lang="en-US" dirty="0" smtClean="0"/>
-              <a:t>HST prototype</a:t>
-            </a:r>
-          </a:p>
-          <a:p>
-            <a:r>
-              <a:rPr lang="en-US" dirty="0" smtClean="0"/>
-              <a:t>Needs generalization to support all JWST Selectors</a:t>
-            </a:r>
-            <a:endParaRPr lang="en-US" dirty="0"/>
-          </a:p>
-        </p:txBody>
-      </p:sp>
+            <a:off x="228600" y="990600"/>
+            <a:ext cx="8818999" cy="4977595"/>
+          </a:xfrm>
+          <a:prstGeom prst="rect">
+            <a:avLst/>
+          </a:prstGeom>
+        </p:spPr>
+      </p:pic>
     </p:spTree>
     <p:extLst>
       <p:ext uri="{BB962C8B-B14F-4D97-AF65-F5344CB8AC3E}">
-        <p14:creationId xmlns:p14="http://schemas.microsoft.com/office/powerpoint/2010/main" val="191552560"/>
+        <p14:creationId xmlns:p14="http://schemas.microsoft.com/office/powerpoint/2010/main" val="4075657659"/>
       </p:ext>
     </p:extLst>
   </p:cSld>
@@ -12442,7 +11013,7 @@
           <a:p>
             <a:r>
               <a:rPr lang="en-US" dirty="0" smtClean="0"/>
-              <a:t>Batch Submission Inputs</a:t>
+              <a:t>File Uploads</a:t>
             </a:r>
             <a:endParaRPr lang="en-US" dirty="0"/>
           </a:p>
@@ -12450,51 +11021,150 @@
       </p:sp>
       <p:pic>
         <p:nvPicPr>
-          <p:cNvPr id="4" name="Picture 3" descr="web_batch_submit_references.png"/>
+          <p:cNvPr id="3" name="Picture 2"/>
           <p:cNvPicPr>
             <a:picLocks noChangeAspect="1"/>
           </p:cNvPicPr>
           <p:nvPr/>
         </p:nvPicPr>
         <p:blipFill>
-          <a:blip r:embed="rId2">
-            <a:extLst>
-              <a:ext uri="{28A0092B-C50C-407E-A947-70E740481C1C}">
-                <a14:useLocalDpi xmlns:a14="http://schemas.microsoft.com/office/drawing/2010/main" val="0"/>
-              </a:ext>
-            </a:extLst>
-          </a:blip>
+          <a:blip r:embed="rId2"/>
           <a:stretch>
             <a:fillRect/>
           </a:stretch>
         </p:blipFill>
         <p:spPr>
           <a:xfrm>
-            <a:off x="228600" y="990600"/>
-            <a:ext cx="8818999" cy="4977595"/>
+            <a:off x="381000" y="914400"/>
+            <a:ext cx="8540821" cy="5394841"/>
           </a:xfrm>
           <a:prstGeom prst="rect">
             <a:avLst/>
           </a:prstGeom>
         </p:spPr>
       </p:pic>
+      <p:sp>
+        <p:nvSpPr>
+          <p:cNvPr id="5" name="TextBox 4"/>
+          <p:cNvSpPr txBox="1"/>
+          <p:nvPr/>
+        </p:nvSpPr>
+        <p:spPr>
+          <a:xfrm>
+            <a:off x="5410200" y="4572000"/>
+            <a:ext cx="3733800" cy="1202510"/>
+          </a:xfrm>
+          <a:prstGeom prst="rect">
+            <a:avLst/>
+          </a:prstGeom>
+        </p:spPr>
+        <p:txBody>
+          <a:bodyPr wrap="square" lIns="90000" tIns="46800" rIns="90000" bIns="46800" rtlCol="0">
+            <a:spAutoFit/>
+          </a:bodyPr>
+          <a:lstStyle/>
+          <a:p>
+            <a:pPr marL="171450" indent="-171450">
+              <a:buFont typeface="Arial"/>
+              <a:buChar char="•"/>
+            </a:pPr>
+            <a:r>
+              <a:rPr lang="en-US" sz="1200" b="1" dirty="0" smtClean="0">
+                <a:solidFill>
+                  <a:schemeClr val="tx1"/>
+                </a:solidFill>
+                <a:latin typeface="Helvetica"/>
+              </a:rPr>
+              <a:t>JWST references huge:  some 4G – 64G file</a:t>
+            </a:r>
+          </a:p>
+          <a:p>
+            <a:pPr marL="171450" indent="-171450">
+              <a:buFont typeface="Arial"/>
+              <a:buChar char="•"/>
+            </a:pPr>
+            <a:r>
+              <a:rPr lang="en-US" sz="1200" b="1" dirty="0" smtClean="0">
+                <a:solidFill>
+                  <a:schemeClr val="tx1"/>
+                </a:solidFill>
+                <a:latin typeface="Helvetica"/>
+              </a:rPr>
+              <a:t>Provides real time upload status</a:t>
+            </a:r>
+          </a:p>
+          <a:p>
+            <a:pPr marL="171450" indent="-171450">
+              <a:buFont typeface="Arial"/>
+              <a:buChar char="•"/>
+            </a:pPr>
+            <a:r>
+              <a:rPr lang="en-US" sz="1200" b="1" dirty="0" smtClean="0">
+                <a:solidFill>
+                  <a:schemeClr val="tx1"/>
+                </a:solidFill>
+                <a:latin typeface="Helvetica"/>
+              </a:rPr>
+              <a:t>Robust selection of multiple files</a:t>
+            </a:r>
+          </a:p>
+          <a:p>
+            <a:pPr marL="171450" indent="-171450">
+              <a:buFont typeface="Arial"/>
+              <a:buChar char="•"/>
+            </a:pPr>
+            <a:r>
+              <a:rPr lang="en-US" sz="1200" b="1" dirty="0" smtClean="0">
+                <a:solidFill>
+                  <a:schemeClr val="tx1"/>
+                </a:solidFill>
+                <a:latin typeface="Helvetica"/>
+              </a:rPr>
+              <a:t>Upload to ingest directory</a:t>
+            </a:r>
+          </a:p>
+          <a:p>
+            <a:pPr marL="171450" indent="-171450">
+              <a:buFont typeface="Arial"/>
+              <a:buChar char="•"/>
+            </a:pPr>
+            <a:r>
+              <a:rPr lang="en-US" sz="1200" b="1" dirty="0" smtClean="0">
+                <a:solidFill>
+                  <a:schemeClr val="tx1"/>
+                </a:solidFill>
+                <a:latin typeface="Helvetica"/>
+              </a:rPr>
+              <a:t>Web view reflects file system</a:t>
+            </a:r>
+          </a:p>
+          <a:p>
+            <a:pPr marL="171450" indent="-171450">
+              <a:buFont typeface="Arial"/>
+              <a:buChar char="•"/>
+            </a:pPr>
+            <a:r>
+              <a:rPr lang="en-US" sz="1200" b="1" dirty="0" smtClean="0">
+                <a:solidFill>
+                  <a:schemeClr val="tx1"/>
+                </a:solidFill>
+                <a:latin typeface="Helvetica"/>
+              </a:rPr>
+              <a:t>Also supports shell based file copies to ingest</a:t>
+            </a:r>
+          </a:p>
+        </p:txBody>
+      </p:sp>
     </p:spTree>
     <p:extLst>
       <p:ext uri="{BB962C8B-B14F-4D97-AF65-F5344CB8AC3E}">
-        <p14:creationId xmlns:p14="http://schemas.microsoft.com/office/powerpoint/2010/main" val="4075657659"/>
+        <p14:creationId xmlns:p14="http://schemas.microsoft.com/office/powerpoint/2010/main" val="1598466124"/>
       </p:ext>
     </p:extLst>
   </p:cSld>
   <p:clrMapOvr>
     <a:masterClrMapping/>
   </p:clrMapOvr>
-  <p:timing>
-    <p:tnLst>
-      <p:par>
-        <p:cTn xmlns:p14="http://schemas.microsoft.com/office/powerpoint/2010/main" id="1" dur="indefinite" restart="never" nodeType="tmRoot"/>
-      </p:par>
-    </p:tnLst>
-  </p:timing>
 </p:sld>
 </file>
 
@@ -12609,7 +11279,7 @@
           <a:p>
             <a:r>
               <a:rPr lang="en-US" dirty="0" smtClean="0"/>
-              <a:t>File Uploads</a:t>
+              <a:t>Submissions Results (summary)</a:t>
             </a:r>
             <a:endParaRPr lang="en-US" dirty="0"/>
           </a:p>
@@ -12631,130 +11301,18 @@
         </p:blipFill>
         <p:spPr>
           <a:xfrm>
-            <a:off x="381000" y="914400"/>
-            <a:ext cx="8540821" cy="5394841"/>
+            <a:off x="838200" y="990600"/>
+            <a:ext cx="7620000" cy="5731858"/>
           </a:xfrm>
           <a:prstGeom prst="rect">
             <a:avLst/>
           </a:prstGeom>
         </p:spPr>
       </p:pic>
-      <p:sp>
-        <p:nvSpPr>
-          <p:cNvPr id="5" name="TextBox 4"/>
-          <p:cNvSpPr txBox="1"/>
-          <p:nvPr/>
-        </p:nvSpPr>
-        <p:spPr>
-          <a:xfrm>
-            <a:off x="5410200" y="4572000"/>
-            <a:ext cx="3733800" cy="1202510"/>
-          </a:xfrm>
-          <a:prstGeom prst="rect">
-            <a:avLst/>
-          </a:prstGeom>
-        </p:spPr>
-        <p:txBody>
-          <a:bodyPr wrap="square" lIns="90000" tIns="46800" rIns="90000" bIns="46800" rtlCol="0">
-            <a:spAutoFit/>
-          </a:bodyPr>
-          <a:lstStyle/>
-          <a:p>
-            <a:pPr marL="171450" indent="-171450">
-              <a:buFont typeface="Arial"/>
-              <a:buChar char="•"/>
-            </a:pPr>
-            <a:r>
-              <a:rPr lang="en-US" sz="1200" b="1" dirty="0" smtClean="0">
-                <a:solidFill>
-                  <a:schemeClr val="tx1"/>
-                </a:solidFill>
-                <a:latin typeface="Helvetica"/>
-              </a:rPr>
-              <a:t>JWST references huge:  some 4G – 64G file</a:t>
-            </a:r>
-          </a:p>
-          <a:p>
-            <a:pPr marL="171450" indent="-171450">
-              <a:buFont typeface="Arial"/>
-              <a:buChar char="•"/>
-            </a:pPr>
-            <a:r>
-              <a:rPr lang="en-US" sz="1200" b="1" dirty="0" smtClean="0">
-                <a:solidFill>
-                  <a:schemeClr val="tx1"/>
-                </a:solidFill>
-                <a:latin typeface="Helvetica"/>
-              </a:rPr>
-              <a:t>Provides real time upload status</a:t>
-            </a:r>
-          </a:p>
-          <a:p>
-            <a:pPr marL="171450" indent="-171450">
-              <a:buFont typeface="Arial"/>
-              <a:buChar char="•"/>
-            </a:pPr>
-            <a:r>
-              <a:rPr lang="en-US" sz="1200" b="1" dirty="0" smtClean="0">
-                <a:solidFill>
-                  <a:schemeClr val="tx1"/>
-                </a:solidFill>
-                <a:latin typeface="Helvetica"/>
-              </a:rPr>
-              <a:t>Robust selection of multiple files</a:t>
-            </a:r>
-          </a:p>
-          <a:p>
-            <a:pPr marL="171450" indent="-171450">
-              <a:buFont typeface="Arial"/>
-              <a:buChar char="•"/>
-            </a:pPr>
-            <a:r>
-              <a:rPr lang="en-US" sz="1200" b="1" dirty="0" smtClean="0">
-                <a:solidFill>
-                  <a:schemeClr val="tx1"/>
-                </a:solidFill>
-                <a:latin typeface="Helvetica"/>
-              </a:rPr>
-              <a:t>Upload to ingest directory</a:t>
-            </a:r>
-          </a:p>
-          <a:p>
-            <a:pPr marL="171450" indent="-171450">
-              <a:buFont typeface="Arial"/>
-              <a:buChar char="•"/>
-            </a:pPr>
-            <a:r>
-              <a:rPr lang="en-US" sz="1200" b="1" dirty="0" smtClean="0">
-                <a:solidFill>
-                  <a:schemeClr val="tx1"/>
-                </a:solidFill>
-                <a:latin typeface="Helvetica"/>
-              </a:rPr>
-              <a:t>Web view reflects file system</a:t>
-            </a:r>
-          </a:p>
-          <a:p>
-            <a:pPr marL="171450" indent="-171450">
-              <a:buFont typeface="Arial"/>
-              <a:buChar char="•"/>
-            </a:pPr>
-            <a:r>
-              <a:rPr lang="en-US" sz="1200" b="1" dirty="0" smtClean="0">
-                <a:solidFill>
-                  <a:schemeClr val="tx1"/>
-                </a:solidFill>
-                <a:latin typeface="Helvetica"/>
-              </a:rPr>
-              <a:t>Also supports shell based file copies to ingest</a:t>
-            </a:r>
-          </a:p>
-        </p:txBody>
-      </p:sp>
     </p:spTree>
     <p:extLst>
       <p:ext uri="{BB962C8B-B14F-4D97-AF65-F5344CB8AC3E}">
-        <p14:creationId xmlns:p14="http://schemas.microsoft.com/office/powerpoint/2010/main" val="1598466124"/>
+        <p14:creationId xmlns:p14="http://schemas.microsoft.com/office/powerpoint/2010/main" val="1739316623"/>
       </p:ext>
     </p:extLst>
   </p:cSld>
@@ -12798,7 +11356,7 @@
           <a:p>
             <a:r>
               <a:rPr lang="en-US" dirty="0" smtClean="0"/>
-              <a:t>Submissions Results (summary)</a:t>
+              <a:t>Submission Results (certify output)</a:t>
             </a:r>
             <a:endParaRPr lang="en-US" dirty="0"/>
           </a:p>
@@ -12820,8 +11378,8 @@
         </p:blipFill>
         <p:spPr>
           <a:xfrm>
-            <a:off x="838200" y="990600"/>
-            <a:ext cx="7620000" cy="5731858"/>
+            <a:off x="457200" y="1066800"/>
+            <a:ext cx="8077200" cy="5504667"/>
           </a:xfrm>
           <a:prstGeom prst="rect">
             <a:avLst/>
@@ -12831,7 +11389,7 @@
     </p:spTree>
     <p:extLst>
       <p:ext uri="{BB962C8B-B14F-4D97-AF65-F5344CB8AC3E}">
-        <p14:creationId xmlns:p14="http://schemas.microsoft.com/office/powerpoint/2010/main" val="1739316623"/>
+        <p14:creationId xmlns:p14="http://schemas.microsoft.com/office/powerpoint/2010/main" val="1224456898"/>
       </p:ext>
     </p:extLst>
   </p:cSld>
@@ -12875,7 +11433,7 @@
           <a:p>
             <a:r>
               <a:rPr lang="en-US" dirty="0" smtClean="0"/>
-              <a:t>Submission Results (certify output)</a:t>
+              <a:t>Submission Results (logical diffs)</a:t>
             </a:r>
             <a:endParaRPr lang="en-US" dirty="0"/>
           </a:p>
@@ -12897,8 +11455,8 @@
         </p:blipFill>
         <p:spPr>
           <a:xfrm>
-            <a:off x="457200" y="1066800"/>
-            <a:ext cx="8077200" cy="5504667"/>
+            <a:off x="609600" y="990600"/>
+            <a:ext cx="8153400" cy="5388085"/>
           </a:xfrm>
           <a:prstGeom prst="rect">
             <a:avLst/>
@@ -12908,7 +11466,7 @@
     </p:spTree>
     <p:extLst>
       <p:ext uri="{BB962C8B-B14F-4D97-AF65-F5344CB8AC3E}">
-        <p14:creationId xmlns:p14="http://schemas.microsoft.com/office/powerpoint/2010/main" val="1224456898"/>
+        <p14:creationId xmlns:p14="http://schemas.microsoft.com/office/powerpoint/2010/main" val="407119768"/>
       </p:ext>
     </p:extLst>
   </p:cSld>
@@ -12952,7 +11510,11 @@
           <a:p>
             <a:r>
               <a:rPr lang="en-US" dirty="0" smtClean="0"/>
-              <a:t>Submission Results (logical diffs)</a:t>
+              <a:t>Submission Results</a:t>
+            </a:r>
+            <a:r>
+              <a:rPr lang="en-US" baseline="0" dirty="0" smtClean="0"/>
+              <a:t> (textual diffs)</a:t>
             </a:r>
             <a:endParaRPr lang="en-US" dirty="0"/>
           </a:p>
@@ -12960,7 +11522,7 @@
       </p:sp>
       <p:pic>
         <p:nvPicPr>
-          <p:cNvPr id="3" name="Picture 2"/>
+          <p:cNvPr id="4" name="Picture 3"/>
           <p:cNvPicPr>
             <a:picLocks noChangeAspect="1"/>
           </p:cNvPicPr>
@@ -12974,8 +11536,8 @@
         </p:blipFill>
         <p:spPr>
           <a:xfrm>
-            <a:off x="609600" y="990600"/>
-            <a:ext cx="8153400" cy="5388085"/>
+            <a:off x="685800" y="1143000"/>
+            <a:ext cx="8077200" cy="5299018"/>
           </a:xfrm>
           <a:prstGeom prst="rect">
             <a:avLst/>
@@ -12985,7 +11547,7 @@
     </p:spTree>
     <p:extLst>
       <p:ext uri="{BB962C8B-B14F-4D97-AF65-F5344CB8AC3E}">
-        <p14:creationId xmlns:p14="http://schemas.microsoft.com/office/powerpoint/2010/main" val="407119768"/>
+        <p14:creationId xmlns:p14="http://schemas.microsoft.com/office/powerpoint/2010/main" val="3164611847"/>
       </p:ext>
     </p:extLst>
   </p:cSld>
@@ -13028,87 +11590,6 @@
           <a:lstStyle/>
           <a:p>
             <a:r>
-              <a:rPr lang="en-US" dirty="0" smtClean="0"/>
-              <a:t>Submission Results</a:t>
-            </a:r>
-            <a:r>
-              <a:rPr lang="en-US" baseline="0" dirty="0" smtClean="0"/>
-              <a:t> (textual diffs)</a:t>
-            </a:r>
-            <a:endParaRPr lang="en-US" dirty="0"/>
-          </a:p>
-        </p:txBody>
-      </p:sp>
-      <p:pic>
-        <p:nvPicPr>
-          <p:cNvPr id="4" name="Picture 3"/>
-          <p:cNvPicPr>
-            <a:picLocks noChangeAspect="1"/>
-          </p:cNvPicPr>
-          <p:nvPr/>
-        </p:nvPicPr>
-        <p:blipFill>
-          <a:blip r:embed="rId2"/>
-          <a:stretch>
-            <a:fillRect/>
-          </a:stretch>
-        </p:blipFill>
-        <p:spPr>
-          <a:xfrm>
-            <a:off x="685800" y="1143000"/>
-            <a:ext cx="8077200" cy="5299018"/>
-          </a:xfrm>
-          <a:prstGeom prst="rect">
-            <a:avLst/>
-          </a:prstGeom>
-        </p:spPr>
-      </p:pic>
-    </p:spTree>
-    <p:extLst>
-      <p:ext uri="{BB962C8B-B14F-4D97-AF65-F5344CB8AC3E}">
-        <p14:creationId xmlns:p14="http://schemas.microsoft.com/office/powerpoint/2010/main" val="3164611847"/>
-      </p:ext>
-    </p:extLst>
-  </p:cSld>
-  <p:clrMapOvr>
-    <a:masterClrMapping/>
-  </p:clrMapOvr>
-</p:sld>
-</file>
-
-<file path=ppt/slides/slide35.xml><?xml version="1.0" encoding="utf-8"?>
-<p:sld xmlns:a="http://schemas.openxmlformats.org/drawingml/2006/main" xmlns:r="http://schemas.openxmlformats.org/officeDocument/2006/relationships" xmlns:p="http://schemas.openxmlformats.org/presentationml/2006/main">
-  <p:cSld>
-    <p:spTree>
-      <p:nvGrpSpPr>
-        <p:cNvPr id="1" name=""/>
-        <p:cNvGrpSpPr/>
-        <p:nvPr/>
-      </p:nvGrpSpPr>
-      <p:grpSpPr>
-        <a:xfrm>
-          <a:off x="0" y="0"/>
-          <a:ext cx="0" cy="0"/>
-          <a:chOff x="0" y="0"/>
-          <a:chExt cx="0" cy="0"/>
-        </a:xfrm>
-      </p:grpSpPr>
-      <p:sp>
-        <p:nvSpPr>
-          <p:cNvPr id="2" name="Title 1"/>
-          <p:cNvSpPr>
-            <a:spLocks noGrp="1"/>
-          </p:cNvSpPr>
-          <p:nvPr>
-            <p:ph type="title"/>
-          </p:nvPr>
-        </p:nvSpPr>
-        <p:spPr/>
-        <p:txBody>
-          <a:bodyPr/>
-          <a:lstStyle/>
-          <a:p>
-            <a:r>
               <a:rPr lang="en-US" dirty="0" smtClean="0">
                 <a:solidFill>
                   <a:schemeClr val="bg1"/>
@@ -13188,7 +11669,7 @@
 </p:sld>
 </file>
 
-<file path=ppt/slides/slide36.xml><?xml version="1.0" encoding="utf-8"?>
+<file path=ppt/slides/slide35.xml><?xml version="1.0" encoding="utf-8"?>
 <p:sld xmlns:a="http://schemas.openxmlformats.org/drawingml/2006/main" xmlns:r="http://schemas.openxmlformats.org/officeDocument/2006/relationships" xmlns:p="http://schemas.openxmlformats.org/presentationml/2006/main">
   <p:cSld>
     <p:spTree>
@@ -13734,6 +12215,626 @@
     <p:extLst>
       <p:ext uri="{BB962C8B-B14F-4D97-AF65-F5344CB8AC3E}">
         <p14:creationId xmlns:p14="http://schemas.microsoft.com/office/powerpoint/2010/main" val="1938532718"/>
+      </p:ext>
+    </p:extLst>
+  </p:cSld>
+  <p:clrMapOvr>
+    <a:masterClrMapping/>
+  </p:clrMapOvr>
+  <p:transition xmlns:p14="http://schemas.microsoft.com/office/powerpoint/2010/main" spd="med"/>
+  <p:timing>
+    <p:tnLst>
+      <p:par>
+        <p:cTn xmlns:p14="http://schemas.microsoft.com/office/powerpoint/2010/main" id="1" dur="indefinite" restart="never" nodeType="tmRoot">
+          <p:childTnLst>
+            <p:seq concurrent="1" nextAc="seek">
+              <p:cTn id="2" dur="indefinite" nodeType="mainSeq"/>
+              <p:prevCondLst>
+                <p:cond evt="onPrev" delay="0">
+                  <p:tgtEl>
+                    <p:sldTgt/>
+                  </p:tgtEl>
+                </p:cond>
+              </p:prevCondLst>
+              <p:nextCondLst>
+                <p:cond evt="onNext" delay="0">
+                  <p:tgtEl>
+                    <p:sldTgt/>
+                  </p:tgtEl>
+                </p:cond>
+              </p:nextCondLst>
+            </p:seq>
+          </p:childTnLst>
+        </p:cTn>
+      </p:par>
+    </p:tnLst>
+  </p:timing>
+</p:sld>
+</file>
+
+<file path=ppt/slides/slide36.xml><?xml version="1.0" encoding="utf-8"?>
+<p:sld xmlns:a="http://schemas.openxmlformats.org/drawingml/2006/main" xmlns:r="http://schemas.openxmlformats.org/officeDocument/2006/relationships" xmlns:p="http://schemas.openxmlformats.org/presentationml/2006/main">
+  <p:cSld>
+    <p:spTree>
+      <p:nvGrpSpPr>
+        <p:cNvPr id="1" name=""/>
+        <p:cNvGrpSpPr/>
+        <p:nvPr/>
+      </p:nvGrpSpPr>
+      <p:grpSpPr>
+        <a:xfrm>
+          <a:off x="0" y="0"/>
+          <a:ext cx="0" cy="0"/>
+          <a:chOff x="0" y="0"/>
+          <a:chExt cx="0" cy="0"/>
+        </a:xfrm>
+      </p:grpSpPr>
+      <p:sp>
+        <p:nvSpPr>
+          <p:cNvPr id="21506" name="Rectangle 2"/>
+          <p:cNvSpPr>
+            <a:spLocks noGrp="1" noChangeArrowheads="1"/>
+          </p:cNvSpPr>
+          <p:nvPr>
+            <p:ph idx="1"/>
+          </p:nvPr>
+        </p:nvSpPr>
+        <p:spPr>
+          <a:xfrm>
+            <a:off x="457200" y="838200"/>
+            <a:ext cx="8216900" cy="5367338"/>
+          </a:xfrm>
+        </p:spPr>
+        <p:txBody>
+          <a:bodyPr lIns="90000" tIns="46800" rIns="90000" bIns="46800"/>
+          <a:lstStyle/>
+          <a:p>
+            <a:pPr eaLnBrk="1" hangingPunct="1">
+              <a:lnSpc>
+                <a:spcPct val="90000"/>
+              </a:lnSpc>
+              <a:spcBef>
+                <a:spcPts val="400"/>
+              </a:spcBef>
+              <a:spcAft>
+                <a:spcPts val="800"/>
+              </a:spcAft>
+              <a:tabLst>
+                <a:tab pos="330200" algn="l"/>
+                <a:tab pos="442913" algn="l"/>
+                <a:tab pos="900113" algn="l"/>
+                <a:tab pos="1357313" algn="l"/>
+                <a:tab pos="1814513" algn="l"/>
+                <a:tab pos="2271713" algn="l"/>
+                <a:tab pos="2728913" algn="l"/>
+                <a:tab pos="3186113" algn="l"/>
+                <a:tab pos="3643313" algn="l"/>
+                <a:tab pos="4100513" algn="l"/>
+                <a:tab pos="4557713" algn="l"/>
+                <a:tab pos="5014913" algn="l"/>
+                <a:tab pos="5472113" algn="l"/>
+                <a:tab pos="5929313" algn="l"/>
+                <a:tab pos="6386513" algn="l"/>
+                <a:tab pos="6843713" algn="l"/>
+                <a:tab pos="7300913" algn="l"/>
+                <a:tab pos="7758113" algn="l"/>
+                <a:tab pos="8215313" algn="l"/>
+                <a:tab pos="8672513" algn="l"/>
+                <a:tab pos="9129713" algn="l"/>
+              </a:tabLst>
+            </a:pPr>
+            <a:r>
+              <a:rPr lang="en-US" sz="1600" dirty="0" smtClean="0"/>
+              <a:t>Operational System Utilities</a:t>
+            </a:r>
+          </a:p>
+          <a:p>
+            <a:pPr lvl="1" eaLnBrk="1" hangingPunct="1">
+              <a:lnSpc>
+                <a:spcPct val="90000"/>
+              </a:lnSpc>
+              <a:spcBef>
+                <a:spcPts val="400"/>
+              </a:spcBef>
+              <a:spcAft>
+                <a:spcPts val="800"/>
+              </a:spcAft>
+              <a:tabLst>
+                <a:tab pos="330200" algn="l"/>
+                <a:tab pos="442913" algn="l"/>
+                <a:tab pos="900113" algn="l"/>
+                <a:tab pos="1357313" algn="l"/>
+                <a:tab pos="1814513" algn="l"/>
+                <a:tab pos="2271713" algn="l"/>
+                <a:tab pos="2728913" algn="l"/>
+                <a:tab pos="3186113" algn="l"/>
+                <a:tab pos="3643313" algn="l"/>
+                <a:tab pos="4100513" algn="l"/>
+                <a:tab pos="4557713" algn="l"/>
+                <a:tab pos="5014913" algn="l"/>
+                <a:tab pos="5472113" algn="l"/>
+                <a:tab pos="5929313" algn="l"/>
+                <a:tab pos="6386513" algn="l"/>
+                <a:tab pos="6843713" algn="l"/>
+                <a:tab pos="7300913" algn="l"/>
+                <a:tab pos="7758113" algn="l"/>
+                <a:tab pos="8215313" algn="l"/>
+                <a:tab pos="8672513" algn="l"/>
+                <a:tab pos="9129713" algn="l"/>
+              </a:tabLst>
+            </a:pPr>
+            <a:r>
+              <a:rPr lang="en-US" sz="1600" dirty="0" smtClean="0"/>
+              <a:t>Reversion Detection</a:t>
+            </a:r>
+          </a:p>
+          <a:p>
+            <a:pPr lvl="2" eaLnBrk="1" hangingPunct="1">
+              <a:lnSpc>
+                <a:spcPct val="90000"/>
+              </a:lnSpc>
+              <a:spcBef>
+                <a:spcPts val="400"/>
+              </a:spcBef>
+              <a:spcAft>
+                <a:spcPts val="800"/>
+              </a:spcAft>
+              <a:tabLst>
+                <a:tab pos="330200" algn="l"/>
+                <a:tab pos="442913" algn="l"/>
+                <a:tab pos="900113" algn="l"/>
+                <a:tab pos="1357313" algn="l"/>
+                <a:tab pos="1814513" algn="l"/>
+                <a:tab pos="2271713" algn="l"/>
+                <a:tab pos="2728913" algn="l"/>
+                <a:tab pos="3186113" algn="l"/>
+                <a:tab pos="3643313" algn="l"/>
+                <a:tab pos="4100513" algn="l"/>
+                <a:tab pos="4557713" algn="l"/>
+                <a:tab pos="5014913" algn="l"/>
+                <a:tab pos="5472113" algn="l"/>
+                <a:tab pos="5929313" algn="l"/>
+                <a:tab pos="6386513" algn="l"/>
+                <a:tab pos="6843713" algn="l"/>
+                <a:tab pos="7300913" algn="l"/>
+                <a:tab pos="7758113" algn="l"/>
+                <a:tab pos="8215313" algn="l"/>
+                <a:tab pos="8672513" algn="l"/>
+                <a:tab pos="9129713" algn="l"/>
+              </a:tabLst>
+            </a:pPr>
+            <a:r>
+              <a:rPr lang="en-US" sz="1400" dirty="0" smtClean="0"/>
+              <a:t>Detection of reversion of reference, rmap, or instrument context files when changing pipeline context</a:t>
+            </a:r>
+          </a:p>
+          <a:p>
+            <a:pPr lvl="2" eaLnBrk="1" hangingPunct="1">
+              <a:lnSpc>
+                <a:spcPct val="90000"/>
+              </a:lnSpc>
+              <a:spcBef>
+                <a:spcPts val="400"/>
+              </a:spcBef>
+              <a:spcAft>
+                <a:spcPts val="800"/>
+              </a:spcAft>
+              <a:tabLst>
+                <a:tab pos="330200" algn="l"/>
+                <a:tab pos="442913" algn="l"/>
+                <a:tab pos="900113" algn="l"/>
+                <a:tab pos="1357313" algn="l"/>
+                <a:tab pos="1814513" algn="l"/>
+                <a:tab pos="2271713" algn="l"/>
+                <a:tab pos="2728913" algn="l"/>
+                <a:tab pos="3186113" algn="l"/>
+                <a:tab pos="3643313" algn="l"/>
+                <a:tab pos="4100513" algn="l"/>
+                <a:tab pos="4557713" algn="l"/>
+                <a:tab pos="5014913" algn="l"/>
+                <a:tab pos="5472113" algn="l"/>
+                <a:tab pos="5929313" algn="l"/>
+                <a:tab pos="6386513" algn="l"/>
+                <a:tab pos="6843713" algn="l"/>
+                <a:tab pos="7300913" algn="l"/>
+                <a:tab pos="7758113" algn="l"/>
+                <a:tab pos="8215313" algn="l"/>
+                <a:tab pos="8672513" algn="l"/>
+                <a:tab pos="9129713" algn="l"/>
+              </a:tabLst>
+            </a:pPr>
+            <a:r>
+              <a:rPr lang="en-US" sz="1400" dirty="0" smtClean="0"/>
+              <a:t>Prevents inadvertent undoing of previous updates by uncoordinated modifications</a:t>
+            </a:r>
+          </a:p>
+          <a:p>
+            <a:pPr lvl="1" eaLnBrk="1" hangingPunct="1">
+              <a:lnSpc>
+                <a:spcPct val="90000"/>
+              </a:lnSpc>
+              <a:spcBef>
+                <a:spcPts val="400"/>
+              </a:spcBef>
+              <a:spcAft>
+                <a:spcPts val="800"/>
+              </a:spcAft>
+              <a:tabLst>
+                <a:tab pos="330200" algn="l"/>
+                <a:tab pos="442913" algn="l"/>
+                <a:tab pos="900113" algn="l"/>
+                <a:tab pos="1357313" algn="l"/>
+                <a:tab pos="1814513" algn="l"/>
+                <a:tab pos="2271713" algn="l"/>
+                <a:tab pos="2728913" algn="l"/>
+                <a:tab pos="3186113" algn="l"/>
+                <a:tab pos="3643313" algn="l"/>
+                <a:tab pos="4100513" algn="l"/>
+                <a:tab pos="4557713" algn="l"/>
+                <a:tab pos="5014913" algn="l"/>
+                <a:tab pos="5472113" algn="l"/>
+                <a:tab pos="5929313" algn="l"/>
+                <a:tab pos="6386513" algn="l"/>
+                <a:tab pos="6843713" algn="l"/>
+                <a:tab pos="7300913" algn="l"/>
+                <a:tab pos="7758113" algn="l"/>
+                <a:tab pos="8215313" algn="l"/>
+                <a:tab pos="8672513" algn="l"/>
+                <a:tab pos="9129713" algn="l"/>
+              </a:tabLst>
+            </a:pPr>
+            <a:r>
+              <a:rPr lang="en-US" sz="1600" dirty="0" smtClean="0"/>
+              <a:t>Affected Datasets</a:t>
+            </a:r>
+          </a:p>
+          <a:p>
+            <a:pPr lvl="2" eaLnBrk="1" hangingPunct="1">
+              <a:lnSpc>
+                <a:spcPct val="90000"/>
+              </a:lnSpc>
+              <a:spcBef>
+                <a:spcPts val="400"/>
+              </a:spcBef>
+              <a:spcAft>
+                <a:spcPts val="800"/>
+              </a:spcAft>
+              <a:tabLst>
+                <a:tab pos="330200" algn="l"/>
+                <a:tab pos="442913" algn="l"/>
+                <a:tab pos="900113" algn="l"/>
+                <a:tab pos="1357313" algn="l"/>
+                <a:tab pos="1814513" algn="l"/>
+                <a:tab pos="2271713" algn="l"/>
+                <a:tab pos="2728913" algn="l"/>
+                <a:tab pos="3186113" algn="l"/>
+                <a:tab pos="3643313" algn="l"/>
+                <a:tab pos="4100513" algn="l"/>
+                <a:tab pos="4557713" algn="l"/>
+                <a:tab pos="5014913" algn="l"/>
+                <a:tab pos="5472113" algn="l"/>
+                <a:tab pos="5929313" algn="l"/>
+                <a:tab pos="6386513" algn="l"/>
+                <a:tab pos="6843713" algn="l"/>
+                <a:tab pos="7300913" algn="l"/>
+                <a:tab pos="7758113" algn="l"/>
+                <a:tab pos="8215313" algn="l"/>
+                <a:tab pos="8672513" algn="l"/>
+                <a:tab pos="9129713" algn="l"/>
+              </a:tabLst>
+            </a:pPr>
+            <a:r>
+              <a:rPr lang="en-US" sz="1400" dirty="0" smtClean="0"/>
+              <a:t>Get list of datasets affected by pipeline context change</a:t>
+            </a:r>
+          </a:p>
+          <a:p>
+            <a:pPr lvl="2" eaLnBrk="1" hangingPunct="1">
+              <a:lnSpc>
+                <a:spcPct val="90000"/>
+              </a:lnSpc>
+              <a:spcBef>
+                <a:spcPts val="400"/>
+              </a:spcBef>
+              <a:spcAft>
+                <a:spcPts val="800"/>
+              </a:spcAft>
+              <a:tabLst>
+                <a:tab pos="330200" algn="l"/>
+                <a:tab pos="442913" algn="l"/>
+                <a:tab pos="900113" algn="l"/>
+                <a:tab pos="1357313" algn="l"/>
+                <a:tab pos="1814513" algn="l"/>
+                <a:tab pos="2271713" algn="l"/>
+                <a:tab pos="2728913" algn="l"/>
+                <a:tab pos="3186113" algn="l"/>
+                <a:tab pos="3643313" algn="l"/>
+                <a:tab pos="4100513" algn="l"/>
+                <a:tab pos="4557713" algn="l"/>
+                <a:tab pos="5014913" algn="l"/>
+                <a:tab pos="5472113" algn="l"/>
+                <a:tab pos="5929313" algn="l"/>
+                <a:tab pos="6386513" algn="l"/>
+                <a:tab pos="6843713" algn="l"/>
+                <a:tab pos="7300913" algn="l"/>
+                <a:tab pos="7758113" algn="l"/>
+                <a:tab pos="8215313" algn="l"/>
+                <a:tab pos="8672513" algn="l"/>
+                <a:tab pos="9129713" algn="l"/>
+              </a:tabLst>
+            </a:pPr>
+            <a:r>
+              <a:rPr lang="en-US" sz="1400" dirty="0" smtClean="0"/>
+              <a:t>Useful for identifying data sets needing reprocessing</a:t>
+            </a:r>
+          </a:p>
+          <a:p>
+            <a:pPr lvl="2" eaLnBrk="1" hangingPunct="1">
+              <a:lnSpc>
+                <a:spcPct val="90000"/>
+              </a:lnSpc>
+              <a:spcBef>
+                <a:spcPts val="400"/>
+              </a:spcBef>
+              <a:spcAft>
+                <a:spcPts val="800"/>
+              </a:spcAft>
+              <a:tabLst>
+                <a:tab pos="330200" algn="l"/>
+                <a:tab pos="442913" algn="l"/>
+                <a:tab pos="900113" algn="l"/>
+                <a:tab pos="1357313" algn="l"/>
+                <a:tab pos="1814513" algn="l"/>
+                <a:tab pos="2271713" algn="l"/>
+                <a:tab pos="2728913" algn="l"/>
+                <a:tab pos="3186113" algn="l"/>
+                <a:tab pos="3643313" algn="l"/>
+                <a:tab pos="4100513" algn="l"/>
+                <a:tab pos="4557713" algn="l"/>
+                <a:tab pos="5014913" algn="l"/>
+                <a:tab pos="5472113" algn="l"/>
+                <a:tab pos="5929313" algn="l"/>
+                <a:tab pos="6386513" algn="l"/>
+                <a:tab pos="6843713" algn="l"/>
+                <a:tab pos="7300913" algn="l"/>
+                <a:tab pos="7758113" algn="l"/>
+                <a:tab pos="8215313" algn="l"/>
+                <a:tab pos="8672513" algn="l"/>
+                <a:tab pos="9129713" algn="l"/>
+              </a:tabLst>
+            </a:pPr>
+            <a:r>
+              <a:rPr lang="en-US" sz="1400" dirty="0" smtClean="0"/>
+              <a:t>Design Issue: Some table reference files have rows selected by additional selection criteria. A change to the file does not necessarily affect all data sets that use that reference table. This utility must examine the contents of these tables to determine which data sets are affected (and store the selection criteria for the rows in </a:t>
+            </a:r>
+            <a:r>
+              <a:rPr lang="en-US" sz="1400" dirty="0" err="1" smtClean="0"/>
+              <a:t>rmaps</a:t>
+            </a:r>
+            <a:r>
+              <a:rPr lang="en-US" sz="1400" dirty="0" smtClean="0"/>
+              <a:t> for this utility to use in doing such checks)</a:t>
+            </a:r>
+          </a:p>
+          <a:p>
+            <a:pPr lvl="2" eaLnBrk="1" hangingPunct="1">
+              <a:lnSpc>
+                <a:spcPct val="90000"/>
+              </a:lnSpc>
+              <a:spcBef>
+                <a:spcPts val="400"/>
+              </a:spcBef>
+              <a:spcAft>
+                <a:spcPts val="800"/>
+              </a:spcAft>
+              <a:tabLst>
+                <a:tab pos="330200" algn="l"/>
+                <a:tab pos="442913" algn="l"/>
+                <a:tab pos="900113" algn="l"/>
+                <a:tab pos="1357313" algn="l"/>
+                <a:tab pos="1814513" algn="l"/>
+                <a:tab pos="2271713" algn="l"/>
+                <a:tab pos="2728913" algn="l"/>
+                <a:tab pos="3186113" algn="l"/>
+                <a:tab pos="3643313" algn="l"/>
+                <a:tab pos="4100513" algn="l"/>
+                <a:tab pos="4557713" algn="l"/>
+                <a:tab pos="5014913" algn="l"/>
+                <a:tab pos="5472113" algn="l"/>
+                <a:tab pos="5929313" algn="l"/>
+                <a:tab pos="6386513" algn="l"/>
+                <a:tab pos="6843713" algn="l"/>
+                <a:tab pos="7300913" algn="l"/>
+                <a:tab pos="7758113" algn="l"/>
+                <a:tab pos="8215313" algn="l"/>
+                <a:tab pos="8672513" algn="l"/>
+                <a:tab pos="9129713" algn="l"/>
+              </a:tabLst>
+            </a:pPr>
+            <a:r>
+              <a:rPr lang="en-US" sz="1400" dirty="0" smtClean="0"/>
+              <a:t>Design Issue: Selection based on severity of change of reference file change. Some desire the ability of selecting only data sets for which the change in reference files is considered to be above some specified threshold (e.g., moderate, or severe).</a:t>
+            </a:r>
+          </a:p>
+          <a:p>
+            <a:pPr lvl="3" eaLnBrk="1" hangingPunct="1">
+              <a:lnSpc>
+                <a:spcPct val="90000"/>
+              </a:lnSpc>
+              <a:spcBef>
+                <a:spcPts val="400"/>
+              </a:spcBef>
+              <a:spcAft>
+                <a:spcPts val="800"/>
+              </a:spcAft>
+              <a:tabLst>
+                <a:tab pos="330200" algn="l"/>
+                <a:tab pos="442913" algn="l"/>
+                <a:tab pos="900113" algn="l"/>
+                <a:tab pos="1357313" algn="l"/>
+                <a:tab pos="1814513" algn="l"/>
+                <a:tab pos="2271713" algn="l"/>
+                <a:tab pos="2728913" algn="l"/>
+                <a:tab pos="3186113" algn="l"/>
+                <a:tab pos="3643313" algn="l"/>
+                <a:tab pos="4100513" algn="l"/>
+                <a:tab pos="4557713" algn="l"/>
+                <a:tab pos="5014913" algn="l"/>
+                <a:tab pos="5472113" algn="l"/>
+                <a:tab pos="5929313" algn="l"/>
+                <a:tab pos="6386513" algn="l"/>
+                <a:tab pos="6843713" algn="l"/>
+                <a:tab pos="7300913" algn="l"/>
+                <a:tab pos="7758113" algn="l"/>
+                <a:tab pos="8215313" algn="l"/>
+                <a:tab pos="8672513" algn="l"/>
+                <a:tab pos="9129713" algn="l"/>
+              </a:tabLst>
+            </a:pPr>
+            <a:r>
+              <a:rPr lang="en-US" sz="1000" dirty="0" smtClean="0"/>
+              <a:t>Very difficult problem to do correctly and make practical</a:t>
+            </a:r>
+          </a:p>
+          <a:p>
+            <a:pPr lvl="3" eaLnBrk="1" hangingPunct="1">
+              <a:lnSpc>
+                <a:spcPct val="90000"/>
+              </a:lnSpc>
+              <a:spcBef>
+                <a:spcPts val="400"/>
+              </a:spcBef>
+              <a:spcAft>
+                <a:spcPts val="800"/>
+              </a:spcAft>
+              <a:tabLst>
+                <a:tab pos="330200" algn="l"/>
+                <a:tab pos="442913" algn="l"/>
+                <a:tab pos="900113" algn="l"/>
+                <a:tab pos="1357313" algn="l"/>
+                <a:tab pos="1814513" algn="l"/>
+                <a:tab pos="2271713" algn="l"/>
+                <a:tab pos="2728913" algn="l"/>
+                <a:tab pos="3186113" algn="l"/>
+                <a:tab pos="3643313" algn="l"/>
+                <a:tab pos="4100513" algn="l"/>
+                <a:tab pos="4557713" algn="l"/>
+                <a:tab pos="5014913" algn="l"/>
+                <a:tab pos="5472113" algn="l"/>
+                <a:tab pos="5929313" algn="l"/>
+                <a:tab pos="6386513" algn="l"/>
+                <a:tab pos="6843713" algn="l"/>
+                <a:tab pos="7300913" algn="l"/>
+                <a:tab pos="7758113" algn="l"/>
+                <a:tab pos="8215313" algn="l"/>
+                <a:tab pos="8672513" algn="l"/>
+                <a:tab pos="9129713" algn="l"/>
+              </a:tabLst>
+            </a:pPr>
+            <a:r>
+              <a:rPr lang="en-US" sz="1000" dirty="0" smtClean="0"/>
+              <a:t>Awaiting well defined concept for how this should work before accepting as a requirement</a:t>
+            </a:r>
+          </a:p>
+        </p:txBody>
+      </p:sp>
+      <p:sp>
+        <p:nvSpPr>
+          <p:cNvPr id="21509" name="Rectangle 1"/>
+          <p:cNvSpPr>
+            <a:spLocks noChangeArrowheads="1"/>
+          </p:cNvSpPr>
+          <p:nvPr/>
+        </p:nvSpPr>
+        <p:spPr bwMode="auto">
+          <a:xfrm>
+            <a:off x="914400" y="152400"/>
+            <a:ext cx="6934200" cy="406400"/>
+          </a:xfrm>
+          <a:prstGeom prst="rect">
+            <a:avLst/>
+          </a:prstGeom>
+          <a:noFill/>
+          <a:ln w="9525">
+            <a:noFill/>
+            <a:round/>
+            <a:headEnd/>
+            <a:tailEnd/>
+          </a:ln>
+        </p:spPr>
+        <p:txBody>
+          <a:bodyPr lIns="90000" tIns="46800" rIns="90000" bIns="46800" anchor="ctr"/>
+          <a:lstStyle/>
+          <a:p>
+            <a:pPr algn="ctr">
+              <a:tabLst>
+                <a:tab pos="0" algn="l"/>
+                <a:tab pos="457200" algn="l"/>
+                <a:tab pos="914400" algn="l"/>
+                <a:tab pos="1371600" algn="l"/>
+                <a:tab pos="1828800" algn="l"/>
+                <a:tab pos="2286000" algn="l"/>
+                <a:tab pos="2743200" algn="l"/>
+                <a:tab pos="3200400" algn="l"/>
+                <a:tab pos="3657600" algn="l"/>
+                <a:tab pos="4114800" algn="l"/>
+                <a:tab pos="4572000" algn="l"/>
+                <a:tab pos="5029200" algn="l"/>
+                <a:tab pos="5486400" algn="l"/>
+                <a:tab pos="5943600" algn="l"/>
+                <a:tab pos="6400800" algn="l"/>
+                <a:tab pos="6858000" algn="l"/>
+                <a:tab pos="7315200" algn="l"/>
+                <a:tab pos="7772400" algn="l"/>
+                <a:tab pos="8229600" algn="l"/>
+                <a:tab pos="8686800" algn="l"/>
+                <a:tab pos="9144000" algn="l"/>
+              </a:tabLst>
+            </a:pPr>
+            <a:endParaRPr lang="en-US" sz="2800" b="1" dirty="0">
+              <a:solidFill>
+                <a:srgbClr val="BB0018"/>
+              </a:solidFill>
+              <a:latin typeface="Arial" charset="0"/>
+            </a:endParaRPr>
+          </a:p>
+        </p:txBody>
+      </p:sp>
+      <p:sp>
+        <p:nvSpPr>
+          <p:cNvPr id="3" name="Title 2"/>
+          <p:cNvSpPr>
+            <a:spLocks noGrp="1"/>
+          </p:cNvSpPr>
+          <p:nvPr>
+            <p:ph type="title"/>
+          </p:nvPr>
+        </p:nvSpPr>
+        <p:spPr/>
+        <p:txBody>
+          <a:bodyPr/>
+          <a:lstStyle/>
+          <a:p>
+            <a:r>
+              <a:rPr lang="en-US" dirty="0" smtClean="0"/>
+              <a:t>Utilities Design (</a:t>
+            </a:r>
+            <a:r>
+              <a:rPr lang="en-US" dirty="0" err="1" smtClean="0"/>
+              <a:t>cont</a:t>
+            </a:r>
+            <a:r>
+              <a:rPr lang="en-US" dirty="0" smtClean="0"/>
+              <a:t> 1)</a:t>
+            </a:r>
+            <a:endParaRPr lang="en-US" dirty="0"/>
+          </a:p>
+        </p:txBody>
+      </p:sp>
+    </p:spTree>
+    <p:extLst>
+      <p:ext uri="{BB962C8B-B14F-4D97-AF65-F5344CB8AC3E}">
+        <p14:creationId xmlns:p14="http://schemas.microsoft.com/office/powerpoint/2010/main" val="3141804488"/>
       </p:ext>
     </p:extLst>
   </p:cSld>
@@ -13800,7 +12901,7 @@
         </p:nvSpPr>
         <p:spPr>
           <a:xfrm>
-            <a:off x="457200" y="838200"/>
+            <a:off x="457200" y="914400"/>
             <a:ext cx="8216900" cy="5367338"/>
           </a:xfrm>
         </p:spPr>
@@ -13844,8 +12945,9 @@
             </a:pPr>
             <a:r>
               <a:rPr lang="en-US" sz="1600" dirty="0" smtClean="0"/>
-              <a:t>Operational System Utilities</a:t>
-            </a:r>
+              <a:t>WIT Utilities</a:t>
+            </a:r>
+            <a:endParaRPr lang="en-US" sz="1400" dirty="0" smtClean="0"/>
           </a:p>
           <a:p>
             <a:pPr lvl="1" eaLnBrk="1" hangingPunct="1">
@@ -13883,9 +12985,18 @@
               </a:tabLst>
             </a:pPr>
             <a:r>
-              <a:rPr lang="en-US" sz="1600" dirty="0" smtClean="0"/>
-              <a:t>Reversion Detection</a:t>
-            </a:r>
+              <a:rPr lang="en-US" sz="1600" dirty="0" err="1" smtClean="0">
+                <a:solidFill>
+                  <a:srgbClr val="3366FF"/>
+                </a:solidFill>
+              </a:rPr>
+              <a:t>crds.uses</a:t>
+            </a:r>
+            <a:endParaRPr lang="en-US" sz="1600" dirty="0" smtClean="0">
+              <a:solidFill>
+                <a:srgbClr val="3366FF"/>
+              </a:solidFill>
+            </a:endParaRPr>
           </a:p>
           <a:p>
             <a:pPr lvl="2" eaLnBrk="1" hangingPunct="1">
@@ -13924,7 +13035,91 @@
             </a:pPr>
             <a:r>
               <a:rPr lang="en-US" sz="1400" dirty="0" smtClean="0"/>
-              <a:t>Detection of reversion of reference, rmap, or instrument context files when changing pipeline context</a:t>
+              <a:t>What </a:t>
+            </a:r>
+            <a:r>
+              <a:rPr lang="en-US" sz="1400" dirty="0" smtClean="0">
+                <a:solidFill>
+                  <a:srgbClr val="FF0909"/>
+                </a:solidFill>
+              </a:rPr>
+              <a:t>data sets</a:t>
+            </a:r>
+            <a:r>
+              <a:rPr lang="en-US" sz="1400" dirty="0" smtClean="0"/>
+              <a:t> or </a:t>
+            </a:r>
+            <a:r>
+              <a:rPr lang="en-US" sz="1400" dirty="0" smtClean="0">
+                <a:solidFill>
+                  <a:srgbClr val="00FF00"/>
+                </a:solidFill>
+              </a:rPr>
+              <a:t>contexts</a:t>
+            </a:r>
+            <a:r>
+              <a:rPr lang="en-US" sz="1400" dirty="0" smtClean="0"/>
+              <a:t> use a given reference file</a:t>
+            </a:r>
+          </a:p>
+          <a:p>
+            <a:pPr lvl="1" eaLnBrk="1" hangingPunct="1">
+              <a:lnSpc>
+                <a:spcPct val="90000"/>
+              </a:lnSpc>
+              <a:spcBef>
+                <a:spcPts val="400"/>
+              </a:spcBef>
+              <a:spcAft>
+                <a:spcPts val="800"/>
+              </a:spcAft>
+              <a:tabLst>
+                <a:tab pos="330200" algn="l"/>
+                <a:tab pos="442913" algn="l"/>
+                <a:tab pos="900113" algn="l"/>
+                <a:tab pos="1357313" algn="l"/>
+                <a:tab pos="1814513" algn="l"/>
+                <a:tab pos="2271713" algn="l"/>
+                <a:tab pos="2728913" algn="l"/>
+                <a:tab pos="3186113" algn="l"/>
+                <a:tab pos="3643313" algn="l"/>
+                <a:tab pos="4100513" algn="l"/>
+                <a:tab pos="4557713" algn="l"/>
+                <a:tab pos="5014913" algn="l"/>
+                <a:tab pos="5472113" algn="l"/>
+                <a:tab pos="5929313" algn="l"/>
+                <a:tab pos="6386513" algn="l"/>
+                <a:tab pos="6843713" algn="l"/>
+                <a:tab pos="7300913" algn="l"/>
+                <a:tab pos="7758113" algn="l"/>
+                <a:tab pos="8215313" algn="l"/>
+                <a:tab pos="8672513" algn="l"/>
+                <a:tab pos="9129713" algn="l"/>
+              </a:tabLst>
+            </a:pPr>
+            <a:r>
+              <a:rPr lang="en-US" sz="1600" dirty="0" smtClean="0">
+                <a:solidFill>
+                  <a:srgbClr val="3366FF"/>
+                </a:solidFill>
+              </a:rPr>
+              <a:t>file </a:t>
+            </a:r>
+            <a:r>
+              <a:rPr lang="en-US" sz="1600" dirty="0">
+                <a:solidFill>
+                  <a:srgbClr val="3366FF"/>
+                </a:solidFill>
+              </a:rPr>
+              <a:t>r</a:t>
+            </a:r>
+            <a:r>
+              <a:rPr lang="en-US" sz="1600" dirty="0" smtClean="0">
+                <a:solidFill>
+                  <a:srgbClr val="3366FF"/>
+                </a:solidFill>
+              </a:rPr>
+              <a:t>ejection</a:t>
             </a:r>
           </a:p>
           <a:p>
@@ -13964,7 +13159,7 @@
             </a:pPr>
             <a:r>
               <a:rPr lang="en-US" sz="1400" dirty="0" smtClean="0"/>
-              <a:t>Prevents inadvertent undoing of previous updates by uncoordinated modifications</a:t>
+              <a:t>Mark reference file as bad,   web function.</a:t>
             </a:r>
           </a:p>
           <a:p>
@@ -14003,9 +13198,26 @@
               </a:tabLst>
             </a:pPr>
             <a:r>
-              <a:rPr lang="en-US" sz="1600" dirty="0" smtClean="0"/>
-              <a:t>Affected Datasets</a:t>
-            </a:r>
+              <a:rPr lang="en-US" sz="1600" dirty="0" err="1">
+                <a:solidFill>
+                  <a:srgbClr val="3366FF"/>
+                </a:solidFill>
+              </a:rPr>
+              <a:t>c</a:t>
+            </a:r>
+            <a:r>
+              <a:rPr lang="en-US" sz="1600" dirty="0" err="1" smtClean="0">
+                <a:solidFill>
+                  <a:srgbClr val="3366FF"/>
+                </a:solidFill>
+              </a:rPr>
+              <a:t>rds.matches</a:t>
+            </a:r>
+            <a:endParaRPr lang="en-US" sz="1600" dirty="0" smtClean="0">
+              <a:solidFill>
+                <a:srgbClr val="3366FF"/>
+              </a:solidFill>
+            </a:endParaRPr>
           </a:p>
           <a:p>
             <a:pPr lvl="2" eaLnBrk="1" hangingPunct="1">
@@ -14044,7 +13256,47 @@
             </a:pPr>
             <a:r>
               <a:rPr lang="en-US" sz="1400" dirty="0" smtClean="0"/>
-              <a:t>Get list of datasets affected by pipeline context change</a:t>
+              <a:t>Show what selection criteria match a given reference file</a:t>
+            </a:r>
+          </a:p>
+          <a:p>
+            <a:pPr lvl="1" eaLnBrk="1" hangingPunct="1">
+              <a:lnSpc>
+                <a:spcPct val="90000"/>
+              </a:lnSpc>
+              <a:spcBef>
+                <a:spcPts val="400"/>
+              </a:spcBef>
+              <a:spcAft>
+                <a:spcPts val="800"/>
+              </a:spcAft>
+              <a:tabLst>
+                <a:tab pos="330200" algn="l"/>
+                <a:tab pos="442913" algn="l"/>
+                <a:tab pos="900113" algn="l"/>
+                <a:tab pos="1357313" algn="l"/>
+                <a:tab pos="1814513" algn="l"/>
+                <a:tab pos="2271713" algn="l"/>
+                <a:tab pos="2728913" algn="l"/>
+                <a:tab pos="3186113" algn="l"/>
+                <a:tab pos="3643313" algn="l"/>
+                <a:tab pos="4100513" algn="l"/>
+                <a:tab pos="4557713" algn="l"/>
+                <a:tab pos="5014913" algn="l"/>
+                <a:tab pos="5472113" algn="l"/>
+                <a:tab pos="5929313" algn="l"/>
+                <a:tab pos="6386513" algn="l"/>
+                <a:tab pos="6843713" algn="l"/>
+                <a:tab pos="7300913" algn="l"/>
+                <a:tab pos="7758113" algn="l"/>
+                <a:tab pos="8215313" algn="l"/>
+                <a:tab pos="8672513" algn="l"/>
+                <a:tab pos="9129713" algn="l"/>
+              </a:tabLst>
+            </a:pPr>
+            <a:r>
+              <a:rPr lang="en-US" sz="1600" dirty="0" smtClean="0"/>
+              <a:t>Coverage</a:t>
             </a:r>
           </a:p>
           <a:p>
@@ -14084,8 +13336,58 @@
             </a:pPr>
             <a:r>
               <a:rPr lang="en-US" sz="1400" dirty="0" smtClean="0"/>
-              <a:t>Useful for identifying data sets needing reprocessing</a:t>
-            </a:r>
+              <a:t>Show if an rmap update doesn’t cover the same cases as the previous rmap, or changes the set of selection criteria.  Related to </a:t>
+            </a:r>
+            <a:r>
+              <a:rPr lang="en-US" sz="1400" dirty="0" err="1" smtClean="0"/>
+              <a:t>crds.diff</a:t>
+            </a:r>
+            <a:endParaRPr lang="en-US" sz="1400" dirty="0" smtClean="0"/>
+          </a:p>
+          <a:p>
+            <a:pPr lvl="1" eaLnBrk="1" hangingPunct="1">
+              <a:lnSpc>
+                <a:spcPct val="90000"/>
+              </a:lnSpc>
+              <a:spcBef>
+                <a:spcPts val="400"/>
+              </a:spcBef>
+              <a:spcAft>
+                <a:spcPts val="800"/>
+              </a:spcAft>
+              <a:tabLst>
+                <a:tab pos="330200" algn="l"/>
+                <a:tab pos="442913" algn="l"/>
+                <a:tab pos="900113" algn="l"/>
+                <a:tab pos="1357313" algn="l"/>
+                <a:tab pos="1814513" algn="l"/>
+                <a:tab pos="2271713" algn="l"/>
+                <a:tab pos="2728913" algn="l"/>
+                <a:tab pos="3186113" algn="l"/>
+                <a:tab pos="3643313" algn="l"/>
+                <a:tab pos="4100513" algn="l"/>
+                <a:tab pos="4557713" algn="l"/>
+                <a:tab pos="5014913" algn="l"/>
+                <a:tab pos="5472113" algn="l"/>
+                <a:tab pos="5929313" algn="l"/>
+                <a:tab pos="6386513" algn="l"/>
+                <a:tab pos="6843713" algn="l"/>
+                <a:tab pos="7300913" algn="l"/>
+                <a:tab pos="7758113" algn="l"/>
+                <a:tab pos="8215313" algn="l"/>
+                <a:tab pos="8672513" algn="l"/>
+                <a:tab pos="9129713" algn="l"/>
+              </a:tabLst>
+            </a:pPr>
+            <a:r>
+              <a:rPr lang="en-US" sz="1600" dirty="0" err="1"/>
+              <a:t>c</a:t>
+            </a:r>
+            <a:r>
+              <a:rPr lang="en-US" sz="1600" dirty="0" err="1" smtClean="0"/>
+              <a:t>rds.info</a:t>
+            </a:r>
+            <a:endParaRPr lang="en-US" sz="1600" dirty="0" smtClean="0"/>
           </a:p>
           <a:p>
             <a:pPr lvl="2" eaLnBrk="1" hangingPunct="1">
@@ -14124,16 +13426,66 @@
             </a:pPr>
             <a:r>
               <a:rPr lang="en-US" sz="1400" dirty="0" smtClean="0"/>
-              <a:t>Design Issue: Some table reference files have rows selected by additional selection criteria. A change to the file does not necessarily affect all data sets that use that reference table. This utility must examine the contents of these tables to determine which data sets are affected (and store the selection criteria for the rows in </a:t>
-            </a:r>
-            <a:r>
-              <a:rPr lang="en-US" sz="1400" dirty="0" err="1" smtClean="0"/>
-              <a:t>rmaps</a:t>
-            </a:r>
-            <a:r>
-              <a:rPr lang="en-US" sz="1400" dirty="0" smtClean="0"/>
-              <a:t> for this utility to use in doing such checks)</a:t>
-            </a:r>
+              <a:t>Show current operational configuration</a:t>
+            </a:r>
+            <a:endParaRPr lang="en-US" sz="1600" dirty="0" smtClean="0"/>
+          </a:p>
+          <a:p>
+            <a:pPr lvl="1" eaLnBrk="1" hangingPunct="1">
+              <a:lnSpc>
+                <a:spcPct val="90000"/>
+              </a:lnSpc>
+              <a:spcBef>
+                <a:spcPts val="400"/>
+              </a:spcBef>
+              <a:spcAft>
+                <a:spcPts val="800"/>
+              </a:spcAft>
+              <a:tabLst>
+                <a:tab pos="330200" algn="l"/>
+                <a:tab pos="442913" algn="l"/>
+                <a:tab pos="900113" algn="l"/>
+                <a:tab pos="1357313" algn="l"/>
+                <a:tab pos="1814513" algn="l"/>
+                <a:tab pos="2271713" algn="l"/>
+                <a:tab pos="2728913" algn="l"/>
+                <a:tab pos="3186113" algn="l"/>
+                <a:tab pos="3643313" algn="l"/>
+                <a:tab pos="4100513" algn="l"/>
+                <a:tab pos="4557713" algn="l"/>
+                <a:tab pos="5014913" algn="l"/>
+                <a:tab pos="5472113" algn="l"/>
+                <a:tab pos="5929313" algn="l"/>
+                <a:tab pos="6386513" algn="l"/>
+                <a:tab pos="6843713" algn="l"/>
+                <a:tab pos="7300913" algn="l"/>
+                <a:tab pos="7758113" algn="l"/>
+                <a:tab pos="8215313" algn="l"/>
+                <a:tab pos="8672513" algn="l"/>
+                <a:tab pos="9129713" algn="l"/>
+              </a:tabLst>
+            </a:pPr>
+            <a:r>
+              <a:rPr lang="en-US" sz="1600" dirty="0" err="1">
+                <a:solidFill>
+                  <a:srgbClr val="3366FF"/>
+                </a:solidFill>
+              </a:rPr>
+              <a:t>c</a:t>
+            </a:r>
+            <a:r>
+              <a:rPr lang="en-US" sz="1600" dirty="0" err="1" smtClean="0">
+                <a:solidFill>
+                  <a:srgbClr val="3366FF"/>
+                </a:solidFill>
+              </a:rPr>
+              <a:t>rds.certify</a:t>
+            </a:r>
+            <a:endParaRPr lang="en-US" sz="1600" dirty="0">
+              <a:solidFill>
+                <a:srgbClr val="3366FF"/>
+              </a:solidFill>
+            </a:endParaRPr>
           </a:p>
           <a:p>
             <a:pPr lvl="2" eaLnBrk="1" hangingPunct="1">
@@ -14172,11 +13524,11 @@
             </a:pPr>
             <a:r>
               <a:rPr lang="en-US" sz="1400" dirty="0" smtClean="0"/>
-              <a:t>Design Issue: Selection based on severity of change of reference file change. Some desire the ability of selecting only data sets for which the change in reference files is considered to be above some specified threshold (e.g., moderate, or severe).</a:t>
-            </a:r>
-          </a:p>
-          <a:p>
-            <a:pPr lvl="3" eaLnBrk="1" hangingPunct="1">
+              <a:t>More sophisticated reference file comparison tool</a:t>
+            </a:r>
+          </a:p>
+          <a:p>
+            <a:pPr lvl="2" eaLnBrk="1" hangingPunct="1">
               <a:lnSpc>
                 <a:spcPct val="90000"/>
               </a:lnSpc>
@@ -14211,48 +13563,8 @@
               </a:tabLst>
             </a:pPr>
             <a:r>
-              <a:rPr lang="en-US" sz="1000" dirty="0" smtClean="0"/>
-              <a:t>Very difficult problem to do correctly and make practical</a:t>
-            </a:r>
-          </a:p>
-          <a:p>
-            <a:pPr lvl="3" eaLnBrk="1" hangingPunct="1">
-              <a:lnSpc>
-                <a:spcPct val="90000"/>
-              </a:lnSpc>
-              <a:spcBef>
-                <a:spcPts val="400"/>
-              </a:spcBef>
-              <a:spcAft>
-                <a:spcPts val="800"/>
-              </a:spcAft>
-              <a:tabLst>
-                <a:tab pos="330200" algn="l"/>
-                <a:tab pos="442913" algn="l"/>
-                <a:tab pos="900113" algn="l"/>
-                <a:tab pos="1357313" algn="l"/>
-                <a:tab pos="1814513" algn="l"/>
-                <a:tab pos="2271713" algn="l"/>
-                <a:tab pos="2728913" algn="l"/>
-                <a:tab pos="3186113" algn="l"/>
-                <a:tab pos="3643313" algn="l"/>
-                <a:tab pos="4100513" algn="l"/>
-                <a:tab pos="4557713" algn="l"/>
-                <a:tab pos="5014913" algn="l"/>
-                <a:tab pos="5472113" algn="l"/>
-                <a:tab pos="5929313" algn="l"/>
-                <a:tab pos="6386513" algn="l"/>
-                <a:tab pos="6843713" algn="l"/>
-                <a:tab pos="7300913" algn="l"/>
-                <a:tab pos="7758113" algn="l"/>
-                <a:tab pos="8215313" algn="l"/>
-                <a:tab pos="8672513" algn="l"/>
-                <a:tab pos="9129713" algn="l"/>
-              </a:tabLst>
-            </a:pPr>
-            <a:r>
-              <a:rPr lang="en-US" sz="1000" dirty="0" smtClean="0"/>
-              <a:t>Awaiting well defined concept for how this should work before accepting as a requirement</a:t>
+              <a:rPr lang="en-US" sz="1400" dirty="0" smtClean="0"/>
+              <a:t>E.g., capable of detecting insertions or deletions of rows in tables between two versions</a:t>
             </a:r>
           </a:p>
         </p:txBody>
@@ -14321,7 +13633,7 @@
       </p:sp>
       <p:sp>
         <p:nvSpPr>
-          <p:cNvPr id="3" name="Title 2"/>
+          <p:cNvPr id="2" name="Title 1"/>
           <p:cNvSpPr>
             <a:spLocks noGrp="1"/>
           </p:cNvSpPr>
@@ -14336,15 +13648,19 @@
           <a:p>
             <a:r>
               <a:rPr lang="en-US" dirty="0" smtClean="0"/>
-              <a:t>Utilities Design (</a:t>
-            </a:r>
-            <a:r>
-              <a:rPr lang="en-US" dirty="0" err="1" smtClean="0"/>
+              <a:t>Utilities Design</a:t>
+            </a:r>
+            <a:r>
+              <a:rPr lang="en-US" baseline="0" dirty="0" smtClean="0"/>
+              <a:t> (</a:t>
+            </a:r>
+            <a:r>
+              <a:rPr lang="en-US" baseline="0" dirty="0" err="1" smtClean="0"/>
               <a:t>cont</a:t>
             </a:r>
             <a:r>
-              <a:rPr lang="en-US" dirty="0" smtClean="0"/>
-              <a:t> 1)</a:t>
+              <a:rPr lang="en-US" baseline="0" dirty="0" smtClean="0"/>
+              <a:t> 2)</a:t>
             </a:r>
             <a:endParaRPr lang="en-US" dirty="0"/>
           </a:p>
@@ -14353,7 +13669,7 @@
     </p:spTree>
     <p:extLst>
       <p:ext uri="{BB962C8B-B14F-4D97-AF65-F5344CB8AC3E}">
-        <p14:creationId xmlns:p14="http://schemas.microsoft.com/office/powerpoint/2010/main" val="3141804488"/>
+        <p14:creationId xmlns:p14="http://schemas.microsoft.com/office/powerpoint/2010/main" val="2441549805"/>
       </p:ext>
     </p:extLst>
   </p:cSld>
@@ -14410,748 +13726,6 @@
       </p:grpSpPr>
       <p:sp>
         <p:nvSpPr>
-          <p:cNvPr id="21506" name="Rectangle 2"/>
-          <p:cNvSpPr>
-            <a:spLocks noGrp="1" noChangeArrowheads="1"/>
-          </p:cNvSpPr>
-          <p:nvPr>
-            <p:ph idx="1"/>
-          </p:nvPr>
-        </p:nvSpPr>
-        <p:spPr>
-          <a:xfrm>
-            <a:off x="457200" y="914400"/>
-            <a:ext cx="8216900" cy="5367338"/>
-          </a:xfrm>
-        </p:spPr>
-        <p:txBody>
-          <a:bodyPr lIns="90000" tIns="46800" rIns="90000" bIns="46800"/>
-          <a:lstStyle/>
-          <a:p>
-            <a:pPr eaLnBrk="1" hangingPunct="1">
-              <a:lnSpc>
-                <a:spcPct val="90000"/>
-              </a:lnSpc>
-              <a:spcBef>
-                <a:spcPts val="400"/>
-              </a:spcBef>
-              <a:spcAft>
-                <a:spcPts val="800"/>
-              </a:spcAft>
-              <a:tabLst>
-                <a:tab pos="330200" algn="l"/>
-                <a:tab pos="442913" algn="l"/>
-                <a:tab pos="900113" algn="l"/>
-                <a:tab pos="1357313" algn="l"/>
-                <a:tab pos="1814513" algn="l"/>
-                <a:tab pos="2271713" algn="l"/>
-                <a:tab pos="2728913" algn="l"/>
-                <a:tab pos="3186113" algn="l"/>
-                <a:tab pos="3643313" algn="l"/>
-                <a:tab pos="4100513" algn="l"/>
-                <a:tab pos="4557713" algn="l"/>
-                <a:tab pos="5014913" algn="l"/>
-                <a:tab pos="5472113" algn="l"/>
-                <a:tab pos="5929313" algn="l"/>
-                <a:tab pos="6386513" algn="l"/>
-                <a:tab pos="6843713" algn="l"/>
-                <a:tab pos="7300913" algn="l"/>
-                <a:tab pos="7758113" algn="l"/>
-                <a:tab pos="8215313" algn="l"/>
-                <a:tab pos="8672513" algn="l"/>
-                <a:tab pos="9129713" algn="l"/>
-              </a:tabLst>
-            </a:pPr>
-            <a:r>
-              <a:rPr lang="en-US" sz="1600" dirty="0" smtClean="0"/>
-              <a:t>WIT Utilities</a:t>
-            </a:r>
-            <a:endParaRPr lang="en-US" sz="1400" dirty="0" smtClean="0"/>
-          </a:p>
-          <a:p>
-            <a:pPr lvl="1" eaLnBrk="1" hangingPunct="1">
-              <a:lnSpc>
-                <a:spcPct val="90000"/>
-              </a:lnSpc>
-              <a:spcBef>
-                <a:spcPts val="400"/>
-              </a:spcBef>
-              <a:spcAft>
-                <a:spcPts val="800"/>
-              </a:spcAft>
-              <a:tabLst>
-                <a:tab pos="330200" algn="l"/>
-                <a:tab pos="442913" algn="l"/>
-                <a:tab pos="900113" algn="l"/>
-                <a:tab pos="1357313" algn="l"/>
-                <a:tab pos="1814513" algn="l"/>
-                <a:tab pos="2271713" algn="l"/>
-                <a:tab pos="2728913" algn="l"/>
-                <a:tab pos="3186113" algn="l"/>
-                <a:tab pos="3643313" algn="l"/>
-                <a:tab pos="4100513" algn="l"/>
-                <a:tab pos="4557713" algn="l"/>
-                <a:tab pos="5014913" algn="l"/>
-                <a:tab pos="5472113" algn="l"/>
-                <a:tab pos="5929313" algn="l"/>
-                <a:tab pos="6386513" algn="l"/>
-                <a:tab pos="6843713" algn="l"/>
-                <a:tab pos="7300913" algn="l"/>
-                <a:tab pos="7758113" algn="l"/>
-                <a:tab pos="8215313" algn="l"/>
-                <a:tab pos="8672513" algn="l"/>
-                <a:tab pos="9129713" algn="l"/>
-              </a:tabLst>
-            </a:pPr>
-            <a:r>
-              <a:rPr lang="en-US" sz="1600" dirty="0" err="1" smtClean="0">
-                <a:solidFill>
-                  <a:srgbClr val="3366FF"/>
-                </a:solidFill>
-              </a:rPr>
-              <a:t>crds.uses</a:t>
-            </a:r>
-            <a:endParaRPr lang="en-US" sz="1600" dirty="0" smtClean="0">
-              <a:solidFill>
-                <a:srgbClr val="3366FF"/>
-              </a:solidFill>
-            </a:endParaRPr>
-          </a:p>
-          <a:p>
-            <a:pPr lvl="2" eaLnBrk="1" hangingPunct="1">
-              <a:lnSpc>
-                <a:spcPct val="90000"/>
-              </a:lnSpc>
-              <a:spcBef>
-                <a:spcPts val="400"/>
-              </a:spcBef>
-              <a:spcAft>
-                <a:spcPts val="800"/>
-              </a:spcAft>
-              <a:tabLst>
-                <a:tab pos="330200" algn="l"/>
-                <a:tab pos="442913" algn="l"/>
-                <a:tab pos="900113" algn="l"/>
-                <a:tab pos="1357313" algn="l"/>
-                <a:tab pos="1814513" algn="l"/>
-                <a:tab pos="2271713" algn="l"/>
-                <a:tab pos="2728913" algn="l"/>
-                <a:tab pos="3186113" algn="l"/>
-                <a:tab pos="3643313" algn="l"/>
-                <a:tab pos="4100513" algn="l"/>
-                <a:tab pos="4557713" algn="l"/>
-                <a:tab pos="5014913" algn="l"/>
-                <a:tab pos="5472113" algn="l"/>
-                <a:tab pos="5929313" algn="l"/>
-                <a:tab pos="6386513" algn="l"/>
-                <a:tab pos="6843713" algn="l"/>
-                <a:tab pos="7300913" algn="l"/>
-                <a:tab pos="7758113" algn="l"/>
-                <a:tab pos="8215313" algn="l"/>
-                <a:tab pos="8672513" algn="l"/>
-                <a:tab pos="9129713" algn="l"/>
-              </a:tabLst>
-            </a:pPr>
-            <a:r>
-              <a:rPr lang="en-US" sz="1400" dirty="0" smtClean="0"/>
-              <a:t>What </a:t>
-            </a:r>
-            <a:r>
-              <a:rPr lang="en-US" sz="1400" dirty="0" smtClean="0">
-                <a:solidFill>
-                  <a:srgbClr val="FF0909"/>
-                </a:solidFill>
-              </a:rPr>
-              <a:t>data sets</a:t>
-            </a:r>
-            <a:r>
-              <a:rPr lang="en-US" sz="1400" dirty="0" smtClean="0"/>
-              <a:t> or </a:t>
-            </a:r>
-            <a:r>
-              <a:rPr lang="en-US" sz="1400" dirty="0" smtClean="0">
-                <a:solidFill>
-                  <a:srgbClr val="00FF00"/>
-                </a:solidFill>
-              </a:rPr>
-              <a:t>contexts</a:t>
-            </a:r>
-            <a:r>
-              <a:rPr lang="en-US" sz="1400" dirty="0" smtClean="0"/>
-              <a:t> use a given reference file</a:t>
-            </a:r>
-          </a:p>
-          <a:p>
-            <a:pPr lvl="1" eaLnBrk="1" hangingPunct="1">
-              <a:lnSpc>
-                <a:spcPct val="90000"/>
-              </a:lnSpc>
-              <a:spcBef>
-                <a:spcPts val="400"/>
-              </a:spcBef>
-              <a:spcAft>
-                <a:spcPts val="800"/>
-              </a:spcAft>
-              <a:tabLst>
-                <a:tab pos="330200" algn="l"/>
-                <a:tab pos="442913" algn="l"/>
-                <a:tab pos="900113" algn="l"/>
-                <a:tab pos="1357313" algn="l"/>
-                <a:tab pos="1814513" algn="l"/>
-                <a:tab pos="2271713" algn="l"/>
-                <a:tab pos="2728913" algn="l"/>
-                <a:tab pos="3186113" algn="l"/>
-                <a:tab pos="3643313" algn="l"/>
-                <a:tab pos="4100513" algn="l"/>
-                <a:tab pos="4557713" algn="l"/>
-                <a:tab pos="5014913" algn="l"/>
-                <a:tab pos="5472113" algn="l"/>
-                <a:tab pos="5929313" algn="l"/>
-                <a:tab pos="6386513" algn="l"/>
-                <a:tab pos="6843713" algn="l"/>
-                <a:tab pos="7300913" algn="l"/>
-                <a:tab pos="7758113" algn="l"/>
-                <a:tab pos="8215313" algn="l"/>
-                <a:tab pos="8672513" algn="l"/>
-                <a:tab pos="9129713" algn="l"/>
-              </a:tabLst>
-            </a:pPr>
-            <a:r>
-              <a:rPr lang="en-US" sz="1600" dirty="0" smtClean="0">
-                <a:solidFill>
-                  <a:srgbClr val="3366FF"/>
-                </a:solidFill>
-              </a:rPr>
-              <a:t>file </a:t>
-            </a:r>
-            <a:r>
-              <a:rPr lang="en-US" sz="1600" dirty="0">
-                <a:solidFill>
-                  <a:srgbClr val="3366FF"/>
-                </a:solidFill>
-              </a:rPr>
-              <a:t>r</a:t>
-            </a:r>
-            <a:r>
-              <a:rPr lang="en-US" sz="1600" dirty="0" smtClean="0">
-                <a:solidFill>
-                  <a:srgbClr val="3366FF"/>
-                </a:solidFill>
-              </a:rPr>
-              <a:t>ejection</a:t>
-            </a:r>
-          </a:p>
-          <a:p>
-            <a:pPr lvl="2" eaLnBrk="1" hangingPunct="1">
-              <a:lnSpc>
-                <a:spcPct val="90000"/>
-              </a:lnSpc>
-              <a:spcBef>
-                <a:spcPts val="400"/>
-              </a:spcBef>
-              <a:spcAft>
-                <a:spcPts val="800"/>
-              </a:spcAft>
-              <a:tabLst>
-                <a:tab pos="330200" algn="l"/>
-                <a:tab pos="442913" algn="l"/>
-                <a:tab pos="900113" algn="l"/>
-                <a:tab pos="1357313" algn="l"/>
-                <a:tab pos="1814513" algn="l"/>
-                <a:tab pos="2271713" algn="l"/>
-                <a:tab pos="2728913" algn="l"/>
-                <a:tab pos="3186113" algn="l"/>
-                <a:tab pos="3643313" algn="l"/>
-                <a:tab pos="4100513" algn="l"/>
-                <a:tab pos="4557713" algn="l"/>
-                <a:tab pos="5014913" algn="l"/>
-                <a:tab pos="5472113" algn="l"/>
-                <a:tab pos="5929313" algn="l"/>
-                <a:tab pos="6386513" algn="l"/>
-                <a:tab pos="6843713" algn="l"/>
-                <a:tab pos="7300913" algn="l"/>
-                <a:tab pos="7758113" algn="l"/>
-                <a:tab pos="8215313" algn="l"/>
-                <a:tab pos="8672513" algn="l"/>
-                <a:tab pos="9129713" algn="l"/>
-              </a:tabLst>
-            </a:pPr>
-            <a:r>
-              <a:rPr lang="en-US" sz="1400" dirty="0" smtClean="0"/>
-              <a:t>Mark reference file as bad,   web function.</a:t>
-            </a:r>
-          </a:p>
-          <a:p>
-            <a:pPr lvl="1" eaLnBrk="1" hangingPunct="1">
-              <a:lnSpc>
-                <a:spcPct val="90000"/>
-              </a:lnSpc>
-              <a:spcBef>
-                <a:spcPts val="400"/>
-              </a:spcBef>
-              <a:spcAft>
-                <a:spcPts val="800"/>
-              </a:spcAft>
-              <a:tabLst>
-                <a:tab pos="330200" algn="l"/>
-                <a:tab pos="442913" algn="l"/>
-                <a:tab pos="900113" algn="l"/>
-                <a:tab pos="1357313" algn="l"/>
-                <a:tab pos="1814513" algn="l"/>
-                <a:tab pos="2271713" algn="l"/>
-                <a:tab pos="2728913" algn="l"/>
-                <a:tab pos="3186113" algn="l"/>
-                <a:tab pos="3643313" algn="l"/>
-                <a:tab pos="4100513" algn="l"/>
-                <a:tab pos="4557713" algn="l"/>
-                <a:tab pos="5014913" algn="l"/>
-                <a:tab pos="5472113" algn="l"/>
-                <a:tab pos="5929313" algn="l"/>
-                <a:tab pos="6386513" algn="l"/>
-                <a:tab pos="6843713" algn="l"/>
-                <a:tab pos="7300913" algn="l"/>
-                <a:tab pos="7758113" algn="l"/>
-                <a:tab pos="8215313" algn="l"/>
-                <a:tab pos="8672513" algn="l"/>
-                <a:tab pos="9129713" algn="l"/>
-              </a:tabLst>
-            </a:pPr>
-            <a:r>
-              <a:rPr lang="en-US" sz="1600" dirty="0" err="1">
-                <a:solidFill>
-                  <a:srgbClr val="3366FF"/>
-                </a:solidFill>
-              </a:rPr>
-              <a:t>c</a:t>
-            </a:r>
-            <a:r>
-              <a:rPr lang="en-US" sz="1600" dirty="0" err="1" smtClean="0">
-                <a:solidFill>
-                  <a:srgbClr val="3366FF"/>
-                </a:solidFill>
-              </a:rPr>
-              <a:t>rds.matches</a:t>
-            </a:r>
-            <a:endParaRPr lang="en-US" sz="1600" dirty="0" smtClean="0">
-              <a:solidFill>
-                <a:srgbClr val="3366FF"/>
-              </a:solidFill>
-            </a:endParaRPr>
-          </a:p>
-          <a:p>
-            <a:pPr lvl="2" eaLnBrk="1" hangingPunct="1">
-              <a:lnSpc>
-                <a:spcPct val="90000"/>
-              </a:lnSpc>
-              <a:spcBef>
-                <a:spcPts val="400"/>
-              </a:spcBef>
-              <a:spcAft>
-                <a:spcPts val="800"/>
-              </a:spcAft>
-              <a:tabLst>
-                <a:tab pos="330200" algn="l"/>
-                <a:tab pos="442913" algn="l"/>
-                <a:tab pos="900113" algn="l"/>
-                <a:tab pos="1357313" algn="l"/>
-                <a:tab pos="1814513" algn="l"/>
-                <a:tab pos="2271713" algn="l"/>
-                <a:tab pos="2728913" algn="l"/>
-                <a:tab pos="3186113" algn="l"/>
-                <a:tab pos="3643313" algn="l"/>
-                <a:tab pos="4100513" algn="l"/>
-                <a:tab pos="4557713" algn="l"/>
-                <a:tab pos="5014913" algn="l"/>
-                <a:tab pos="5472113" algn="l"/>
-                <a:tab pos="5929313" algn="l"/>
-                <a:tab pos="6386513" algn="l"/>
-                <a:tab pos="6843713" algn="l"/>
-                <a:tab pos="7300913" algn="l"/>
-                <a:tab pos="7758113" algn="l"/>
-                <a:tab pos="8215313" algn="l"/>
-                <a:tab pos="8672513" algn="l"/>
-                <a:tab pos="9129713" algn="l"/>
-              </a:tabLst>
-            </a:pPr>
-            <a:r>
-              <a:rPr lang="en-US" sz="1400" dirty="0" smtClean="0"/>
-              <a:t>Show what selection criteria match a given reference file</a:t>
-            </a:r>
-          </a:p>
-          <a:p>
-            <a:pPr lvl="1" eaLnBrk="1" hangingPunct="1">
-              <a:lnSpc>
-                <a:spcPct val="90000"/>
-              </a:lnSpc>
-              <a:spcBef>
-                <a:spcPts val="400"/>
-              </a:spcBef>
-              <a:spcAft>
-                <a:spcPts val="800"/>
-              </a:spcAft>
-              <a:tabLst>
-                <a:tab pos="330200" algn="l"/>
-                <a:tab pos="442913" algn="l"/>
-                <a:tab pos="900113" algn="l"/>
-                <a:tab pos="1357313" algn="l"/>
-                <a:tab pos="1814513" algn="l"/>
-                <a:tab pos="2271713" algn="l"/>
-                <a:tab pos="2728913" algn="l"/>
-                <a:tab pos="3186113" algn="l"/>
-                <a:tab pos="3643313" algn="l"/>
-                <a:tab pos="4100513" algn="l"/>
-                <a:tab pos="4557713" algn="l"/>
-                <a:tab pos="5014913" algn="l"/>
-                <a:tab pos="5472113" algn="l"/>
-                <a:tab pos="5929313" algn="l"/>
-                <a:tab pos="6386513" algn="l"/>
-                <a:tab pos="6843713" algn="l"/>
-                <a:tab pos="7300913" algn="l"/>
-                <a:tab pos="7758113" algn="l"/>
-                <a:tab pos="8215313" algn="l"/>
-                <a:tab pos="8672513" algn="l"/>
-                <a:tab pos="9129713" algn="l"/>
-              </a:tabLst>
-            </a:pPr>
-            <a:r>
-              <a:rPr lang="en-US" sz="1600" dirty="0" smtClean="0"/>
-              <a:t>Coverage</a:t>
-            </a:r>
-          </a:p>
-          <a:p>
-            <a:pPr lvl="2" eaLnBrk="1" hangingPunct="1">
-              <a:lnSpc>
-                <a:spcPct val="90000"/>
-              </a:lnSpc>
-              <a:spcBef>
-                <a:spcPts val="400"/>
-              </a:spcBef>
-              <a:spcAft>
-                <a:spcPts val="800"/>
-              </a:spcAft>
-              <a:tabLst>
-                <a:tab pos="330200" algn="l"/>
-                <a:tab pos="442913" algn="l"/>
-                <a:tab pos="900113" algn="l"/>
-                <a:tab pos="1357313" algn="l"/>
-                <a:tab pos="1814513" algn="l"/>
-                <a:tab pos="2271713" algn="l"/>
-                <a:tab pos="2728913" algn="l"/>
-                <a:tab pos="3186113" algn="l"/>
-                <a:tab pos="3643313" algn="l"/>
-                <a:tab pos="4100513" algn="l"/>
-                <a:tab pos="4557713" algn="l"/>
-                <a:tab pos="5014913" algn="l"/>
-                <a:tab pos="5472113" algn="l"/>
-                <a:tab pos="5929313" algn="l"/>
-                <a:tab pos="6386513" algn="l"/>
-                <a:tab pos="6843713" algn="l"/>
-                <a:tab pos="7300913" algn="l"/>
-                <a:tab pos="7758113" algn="l"/>
-                <a:tab pos="8215313" algn="l"/>
-                <a:tab pos="8672513" algn="l"/>
-                <a:tab pos="9129713" algn="l"/>
-              </a:tabLst>
-            </a:pPr>
-            <a:r>
-              <a:rPr lang="en-US" sz="1400" dirty="0" smtClean="0"/>
-              <a:t>Show if an rmap update doesn’t cover the same cases as the previous rmap, or changes the set of selection criteria.  Related to </a:t>
-            </a:r>
-            <a:r>
-              <a:rPr lang="en-US" sz="1400" dirty="0" err="1" smtClean="0"/>
-              <a:t>crds.diff</a:t>
-            </a:r>
-            <a:endParaRPr lang="en-US" sz="1400" dirty="0" smtClean="0"/>
-          </a:p>
-          <a:p>
-            <a:pPr lvl="1" eaLnBrk="1" hangingPunct="1">
-              <a:lnSpc>
-                <a:spcPct val="90000"/>
-              </a:lnSpc>
-              <a:spcBef>
-                <a:spcPts val="400"/>
-              </a:spcBef>
-              <a:spcAft>
-                <a:spcPts val="800"/>
-              </a:spcAft>
-              <a:tabLst>
-                <a:tab pos="330200" algn="l"/>
-                <a:tab pos="442913" algn="l"/>
-                <a:tab pos="900113" algn="l"/>
-                <a:tab pos="1357313" algn="l"/>
-                <a:tab pos="1814513" algn="l"/>
-                <a:tab pos="2271713" algn="l"/>
-                <a:tab pos="2728913" algn="l"/>
-                <a:tab pos="3186113" algn="l"/>
-                <a:tab pos="3643313" algn="l"/>
-                <a:tab pos="4100513" algn="l"/>
-                <a:tab pos="4557713" algn="l"/>
-                <a:tab pos="5014913" algn="l"/>
-                <a:tab pos="5472113" algn="l"/>
-                <a:tab pos="5929313" algn="l"/>
-                <a:tab pos="6386513" algn="l"/>
-                <a:tab pos="6843713" algn="l"/>
-                <a:tab pos="7300913" algn="l"/>
-                <a:tab pos="7758113" algn="l"/>
-                <a:tab pos="8215313" algn="l"/>
-                <a:tab pos="8672513" algn="l"/>
-                <a:tab pos="9129713" algn="l"/>
-              </a:tabLst>
-            </a:pPr>
-            <a:r>
-              <a:rPr lang="en-US" sz="1600" dirty="0" err="1"/>
-              <a:t>c</a:t>
-            </a:r>
-            <a:r>
-              <a:rPr lang="en-US" sz="1600" dirty="0" err="1" smtClean="0"/>
-              <a:t>rds.info</a:t>
-            </a:r>
-            <a:endParaRPr lang="en-US" sz="1600" dirty="0" smtClean="0"/>
-          </a:p>
-          <a:p>
-            <a:pPr lvl="2" eaLnBrk="1" hangingPunct="1">
-              <a:lnSpc>
-                <a:spcPct val="90000"/>
-              </a:lnSpc>
-              <a:spcBef>
-                <a:spcPts val="400"/>
-              </a:spcBef>
-              <a:spcAft>
-                <a:spcPts val="800"/>
-              </a:spcAft>
-              <a:tabLst>
-                <a:tab pos="330200" algn="l"/>
-                <a:tab pos="442913" algn="l"/>
-                <a:tab pos="900113" algn="l"/>
-                <a:tab pos="1357313" algn="l"/>
-                <a:tab pos="1814513" algn="l"/>
-                <a:tab pos="2271713" algn="l"/>
-                <a:tab pos="2728913" algn="l"/>
-                <a:tab pos="3186113" algn="l"/>
-                <a:tab pos="3643313" algn="l"/>
-                <a:tab pos="4100513" algn="l"/>
-                <a:tab pos="4557713" algn="l"/>
-                <a:tab pos="5014913" algn="l"/>
-                <a:tab pos="5472113" algn="l"/>
-                <a:tab pos="5929313" algn="l"/>
-                <a:tab pos="6386513" algn="l"/>
-                <a:tab pos="6843713" algn="l"/>
-                <a:tab pos="7300913" algn="l"/>
-                <a:tab pos="7758113" algn="l"/>
-                <a:tab pos="8215313" algn="l"/>
-                <a:tab pos="8672513" algn="l"/>
-                <a:tab pos="9129713" algn="l"/>
-              </a:tabLst>
-            </a:pPr>
-            <a:r>
-              <a:rPr lang="en-US" sz="1400" dirty="0" smtClean="0"/>
-              <a:t>Show current operational configuration</a:t>
-            </a:r>
-            <a:endParaRPr lang="en-US" sz="1600" dirty="0" smtClean="0"/>
-          </a:p>
-          <a:p>
-            <a:pPr lvl="1" eaLnBrk="1" hangingPunct="1">
-              <a:lnSpc>
-                <a:spcPct val="90000"/>
-              </a:lnSpc>
-              <a:spcBef>
-                <a:spcPts val="400"/>
-              </a:spcBef>
-              <a:spcAft>
-                <a:spcPts val="800"/>
-              </a:spcAft>
-              <a:tabLst>
-                <a:tab pos="330200" algn="l"/>
-                <a:tab pos="442913" algn="l"/>
-                <a:tab pos="900113" algn="l"/>
-                <a:tab pos="1357313" algn="l"/>
-                <a:tab pos="1814513" algn="l"/>
-                <a:tab pos="2271713" algn="l"/>
-                <a:tab pos="2728913" algn="l"/>
-                <a:tab pos="3186113" algn="l"/>
-                <a:tab pos="3643313" algn="l"/>
-                <a:tab pos="4100513" algn="l"/>
-                <a:tab pos="4557713" algn="l"/>
-                <a:tab pos="5014913" algn="l"/>
-                <a:tab pos="5472113" algn="l"/>
-                <a:tab pos="5929313" algn="l"/>
-                <a:tab pos="6386513" algn="l"/>
-                <a:tab pos="6843713" algn="l"/>
-                <a:tab pos="7300913" algn="l"/>
-                <a:tab pos="7758113" algn="l"/>
-                <a:tab pos="8215313" algn="l"/>
-                <a:tab pos="8672513" algn="l"/>
-                <a:tab pos="9129713" algn="l"/>
-              </a:tabLst>
-            </a:pPr>
-            <a:r>
-              <a:rPr lang="en-US" sz="1600" dirty="0" err="1">
-                <a:solidFill>
-                  <a:srgbClr val="3366FF"/>
-                </a:solidFill>
-              </a:rPr>
-              <a:t>c</a:t>
-            </a:r>
-            <a:r>
-              <a:rPr lang="en-US" sz="1600" dirty="0" err="1" smtClean="0">
-                <a:solidFill>
-                  <a:srgbClr val="3366FF"/>
-                </a:solidFill>
-              </a:rPr>
-              <a:t>rds.certify</a:t>
-            </a:r>
-            <a:endParaRPr lang="en-US" sz="1600" dirty="0">
-              <a:solidFill>
-                <a:srgbClr val="3366FF"/>
-              </a:solidFill>
-            </a:endParaRPr>
-          </a:p>
-          <a:p>
-            <a:pPr lvl="2" eaLnBrk="1" hangingPunct="1">
-              <a:lnSpc>
-                <a:spcPct val="90000"/>
-              </a:lnSpc>
-              <a:spcBef>
-                <a:spcPts val="400"/>
-              </a:spcBef>
-              <a:spcAft>
-                <a:spcPts val="800"/>
-              </a:spcAft>
-              <a:tabLst>
-                <a:tab pos="330200" algn="l"/>
-                <a:tab pos="442913" algn="l"/>
-                <a:tab pos="900113" algn="l"/>
-                <a:tab pos="1357313" algn="l"/>
-                <a:tab pos="1814513" algn="l"/>
-                <a:tab pos="2271713" algn="l"/>
-                <a:tab pos="2728913" algn="l"/>
-                <a:tab pos="3186113" algn="l"/>
-                <a:tab pos="3643313" algn="l"/>
-                <a:tab pos="4100513" algn="l"/>
-                <a:tab pos="4557713" algn="l"/>
-                <a:tab pos="5014913" algn="l"/>
-                <a:tab pos="5472113" algn="l"/>
-                <a:tab pos="5929313" algn="l"/>
-                <a:tab pos="6386513" algn="l"/>
-                <a:tab pos="6843713" algn="l"/>
-                <a:tab pos="7300913" algn="l"/>
-                <a:tab pos="7758113" algn="l"/>
-                <a:tab pos="8215313" algn="l"/>
-                <a:tab pos="8672513" algn="l"/>
-                <a:tab pos="9129713" algn="l"/>
-              </a:tabLst>
-            </a:pPr>
-            <a:r>
-              <a:rPr lang="en-US" sz="1400" dirty="0" smtClean="0"/>
-              <a:t>More sophisticated reference file comparison tool</a:t>
-            </a:r>
-          </a:p>
-          <a:p>
-            <a:pPr lvl="2" eaLnBrk="1" hangingPunct="1">
-              <a:lnSpc>
-                <a:spcPct val="90000"/>
-              </a:lnSpc>
-              <a:spcBef>
-                <a:spcPts val="400"/>
-              </a:spcBef>
-              <a:spcAft>
-                <a:spcPts val="800"/>
-              </a:spcAft>
-              <a:tabLst>
-                <a:tab pos="330200" algn="l"/>
-                <a:tab pos="442913" algn="l"/>
-                <a:tab pos="900113" algn="l"/>
-                <a:tab pos="1357313" algn="l"/>
-                <a:tab pos="1814513" algn="l"/>
-                <a:tab pos="2271713" algn="l"/>
-                <a:tab pos="2728913" algn="l"/>
-                <a:tab pos="3186113" algn="l"/>
-                <a:tab pos="3643313" algn="l"/>
-                <a:tab pos="4100513" algn="l"/>
-                <a:tab pos="4557713" algn="l"/>
-                <a:tab pos="5014913" algn="l"/>
-                <a:tab pos="5472113" algn="l"/>
-                <a:tab pos="5929313" algn="l"/>
-                <a:tab pos="6386513" algn="l"/>
-                <a:tab pos="6843713" algn="l"/>
-                <a:tab pos="7300913" algn="l"/>
-                <a:tab pos="7758113" algn="l"/>
-                <a:tab pos="8215313" algn="l"/>
-                <a:tab pos="8672513" algn="l"/>
-                <a:tab pos="9129713" algn="l"/>
-              </a:tabLst>
-            </a:pPr>
-            <a:r>
-              <a:rPr lang="en-US" sz="1400" dirty="0" smtClean="0"/>
-              <a:t>E.g., capable of detecting insertions or deletions of rows in tables between two versions</a:t>
-            </a:r>
-          </a:p>
-        </p:txBody>
-      </p:sp>
-      <p:sp>
-        <p:nvSpPr>
-          <p:cNvPr id="21509" name="Rectangle 1"/>
-          <p:cNvSpPr>
-            <a:spLocks noChangeArrowheads="1"/>
-          </p:cNvSpPr>
-          <p:nvPr/>
-        </p:nvSpPr>
-        <p:spPr bwMode="auto">
-          <a:xfrm>
-            <a:off x="914400" y="152400"/>
-            <a:ext cx="6934200" cy="406400"/>
-          </a:xfrm>
-          <a:prstGeom prst="rect">
-            <a:avLst/>
-          </a:prstGeom>
-          <a:noFill/>
-          <a:ln w="9525">
-            <a:noFill/>
-            <a:round/>
-            <a:headEnd/>
-            <a:tailEnd/>
-          </a:ln>
-        </p:spPr>
-        <p:txBody>
-          <a:bodyPr lIns="90000" tIns="46800" rIns="90000" bIns="46800" anchor="ctr"/>
-          <a:lstStyle/>
-          <a:p>
-            <a:pPr algn="ctr">
-              <a:tabLst>
-                <a:tab pos="0" algn="l"/>
-                <a:tab pos="457200" algn="l"/>
-                <a:tab pos="914400" algn="l"/>
-                <a:tab pos="1371600" algn="l"/>
-                <a:tab pos="1828800" algn="l"/>
-                <a:tab pos="2286000" algn="l"/>
-                <a:tab pos="2743200" algn="l"/>
-                <a:tab pos="3200400" algn="l"/>
-                <a:tab pos="3657600" algn="l"/>
-                <a:tab pos="4114800" algn="l"/>
-                <a:tab pos="4572000" algn="l"/>
-                <a:tab pos="5029200" algn="l"/>
-                <a:tab pos="5486400" algn="l"/>
-                <a:tab pos="5943600" algn="l"/>
-                <a:tab pos="6400800" algn="l"/>
-                <a:tab pos="6858000" algn="l"/>
-                <a:tab pos="7315200" algn="l"/>
-                <a:tab pos="7772400" algn="l"/>
-                <a:tab pos="8229600" algn="l"/>
-                <a:tab pos="8686800" algn="l"/>
-                <a:tab pos="9144000" algn="l"/>
-              </a:tabLst>
-            </a:pPr>
-            <a:endParaRPr lang="en-US" sz="2800" b="1" dirty="0">
-              <a:solidFill>
-                <a:srgbClr val="BB0018"/>
-              </a:solidFill>
-              <a:latin typeface="Arial" charset="0"/>
-            </a:endParaRPr>
-          </a:p>
-        </p:txBody>
-      </p:sp>
-      <p:sp>
-        <p:nvSpPr>
           <p:cNvPr id="2" name="Title 1"/>
           <p:cNvSpPr>
             <a:spLocks noGrp="1"/>
@@ -15166,60 +13740,95 @@
           <a:lstStyle/>
           <a:p>
             <a:r>
-              <a:rPr lang="en-US" dirty="0" smtClean="0"/>
-              <a:t>Utilities Design</a:t>
-            </a:r>
-            <a:r>
-              <a:rPr lang="en-US" baseline="0" dirty="0" smtClean="0"/>
-              <a:t> (</a:t>
-            </a:r>
-            <a:r>
-              <a:rPr lang="en-US" baseline="0" dirty="0" err="1" smtClean="0"/>
-              <a:t>cont</a:t>
-            </a:r>
-            <a:r>
-              <a:rPr lang="en-US" baseline="0" dirty="0" smtClean="0"/>
-              <a:t> 2)</a:t>
-            </a:r>
-            <a:endParaRPr lang="en-US" dirty="0"/>
+              <a:rPr lang="en-US" dirty="0" smtClean="0">
+                <a:solidFill>
+                  <a:schemeClr val="bg1"/>
+                </a:solidFill>
+              </a:rPr>
+              <a:t>Conclusion</a:t>
+            </a:r>
+            <a:r>
+              <a:rPr lang="en-US" baseline="0" dirty="0" smtClean="0">
+                <a:solidFill>
+                  <a:schemeClr val="bg1"/>
+                </a:solidFill>
+              </a:rPr>
+              <a:t> </a:t>
+            </a:r>
+            <a:r>
+              <a:rPr lang="en-US" dirty="0" smtClean="0">
+                <a:solidFill>
+                  <a:schemeClr val="bg1"/>
+                </a:solidFill>
+              </a:rPr>
+              <a:t>divider</a:t>
+            </a:r>
+            <a:endParaRPr lang="en-US" dirty="0">
+              <a:solidFill>
+                <a:schemeClr val="bg1"/>
+              </a:solidFill>
+            </a:endParaRPr>
+          </a:p>
+        </p:txBody>
+      </p:sp>
+      <p:sp>
+        <p:nvSpPr>
+          <p:cNvPr id="4" name="Text Placeholder 3"/>
+          <p:cNvSpPr>
+            <a:spLocks noGrp="1"/>
+          </p:cNvSpPr>
+          <p:nvPr>
+            <p:ph type="body" idx="4294967295"/>
+          </p:nvPr>
+        </p:nvSpPr>
+        <p:spPr/>
+        <p:txBody>
+          <a:bodyPr/>
+          <a:lstStyle/>
+          <a:p>
+            <a:pPr marL="0" indent="0" algn="ctr">
+              <a:buNone/>
+            </a:pPr>
+            <a:endParaRPr lang="en-US" sz="3200" dirty="0"/>
+          </a:p>
+          <a:p>
+            <a:pPr marL="0" indent="0" algn="ctr">
+              <a:buNone/>
+            </a:pPr>
+            <a:endParaRPr lang="en-US" sz="3200" dirty="0"/>
+          </a:p>
+          <a:p>
+            <a:pPr marL="0" indent="0" algn="ctr">
+              <a:buNone/>
+            </a:pPr>
+            <a:endParaRPr lang="en-US" sz="3200" dirty="0"/>
+          </a:p>
+          <a:p>
+            <a:pPr marL="0" indent="0" algn="ctr">
+              <a:buNone/>
+            </a:pPr>
+            <a:r>
+              <a:rPr lang="en-US" sz="3200" dirty="0" smtClean="0"/>
+              <a:t>Technologies, Progress, Schedule</a:t>
+            </a:r>
+            <a:endParaRPr lang="en-US" sz="3200" dirty="0"/>
           </a:p>
         </p:txBody>
       </p:sp>
     </p:spTree>
     <p:extLst>
       <p:ext uri="{BB962C8B-B14F-4D97-AF65-F5344CB8AC3E}">
-        <p14:creationId xmlns:p14="http://schemas.microsoft.com/office/powerpoint/2010/main" val="2441549805"/>
+        <p14:creationId xmlns:p14="http://schemas.microsoft.com/office/powerpoint/2010/main" val="3317930704"/>
       </p:ext>
     </p:extLst>
   </p:cSld>
   <p:clrMapOvr>
     <a:masterClrMapping/>
   </p:clrMapOvr>
-  <p:transition xmlns:p14="http://schemas.microsoft.com/office/powerpoint/2010/main" spd="med"/>
   <p:timing>
     <p:tnLst>
       <p:par>
-        <p:cTn xmlns:p14="http://schemas.microsoft.com/office/powerpoint/2010/main" id="1" dur="indefinite" restart="never" nodeType="tmRoot">
-          <p:childTnLst>
-            <p:seq concurrent="1" nextAc="seek">
-              <p:cTn id="2" dur="indefinite" nodeType="mainSeq"/>
-              <p:prevCondLst>
-                <p:cond evt="onPrev" delay="0">
-                  <p:tgtEl>
-                    <p:sldTgt/>
-                  </p:tgtEl>
-                </p:cond>
-              </p:prevCondLst>
-              <p:nextCondLst>
-                <p:cond evt="onNext" delay="0">
-                  <p:tgtEl>
-                    <p:sldTgt/>
-                  </p:tgtEl>
-                </p:cond>
-              </p:nextCondLst>
-            </p:seq>
-          </p:childTnLst>
-        </p:cTn>
+        <p:cTn xmlns:p14="http://schemas.microsoft.com/office/powerpoint/2010/main" id="1" dur="indefinite" restart="never" nodeType="tmRoot"/>
       </p:par>
     </p:tnLst>
   </p:timing>
@@ -15259,34 +13868,18 @@
           <a:lstStyle/>
           <a:p>
             <a:r>
-              <a:rPr lang="en-US" dirty="0" smtClean="0">
-                <a:solidFill>
-                  <a:schemeClr val="bg1"/>
-                </a:solidFill>
-              </a:rPr>
-              <a:t>Conclusion</a:t>
-            </a:r>
-            <a:r>
-              <a:rPr lang="en-US" baseline="0" dirty="0" smtClean="0">
-                <a:solidFill>
-                  <a:schemeClr val="bg1"/>
-                </a:solidFill>
-              </a:rPr>
+              <a:rPr lang="en-US" dirty="0" smtClean="0"/>
+              <a:t>S/W</a:t>
+            </a:r>
+            <a:r>
+              <a:rPr lang="en-US" baseline="0" dirty="0" smtClean="0"/>
               <a:t> </a:t>
             </a:r>
             <a:r>
-              <a:rPr lang="en-US" dirty="0" smtClean="0">
-                <a:solidFill>
-                  <a:schemeClr val="bg1"/>
-                </a:solidFill>
-              </a:rPr>
-              <a:t>divider</a:t>
-            </a:r>
-            <a:endParaRPr lang="en-US" dirty="0">
-              <a:solidFill>
-                <a:schemeClr val="bg1"/>
-              </a:solidFill>
-            </a:endParaRPr>
+              <a:rPr lang="en-US" dirty="0" smtClean="0"/>
+              <a:t>Technologies</a:t>
+            </a:r>
+            <a:endParaRPr lang="en-US" dirty="0"/>
           </a:p>
         </p:txBody>
       </p:sp>
@@ -15300,57 +13893,117 @@
             <p:ph type="body" idx="4294967295"/>
           </p:nvPr>
         </p:nvSpPr>
-        <p:spPr/>
+        <p:spPr>
+          <a:xfrm>
+            <a:off x="685800" y="1295400"/>
+            <a:ext cx="7769225" cy="4419600"/>
+          </a:xfrm>
+        </p:spPr>
         <p:txBody>
           <a:bodyPr/>
           <a:lstStyle/>
           <a:p>
-            <a:pPr marL="0" indent="0" algn="ctr">
-              <a:buNone/>
-            </a:pPr>
-            <a:endParaRPr lang="en-US" sz="3200" dirty="0"/>
-          </a:p>
-          <a:p>
-            <a:pPr marL="0" indent="0" algn="ctr">
-              <a:buNone/>
-            </a:pPr>
-            <a:endParaRPr lang="en-US" sz="3200" dirty="0"/>
-          </a:p>
-          <a:p>
-            <a:pPr marL="0" indent="0" algn="ctr">
-              <a:buNone/>
-            </a:pPr>
-            <a:endParaRPr lang="en-US" sz="3200" dirty="0"/>
-          </a:p>
-          <a:p>
-            <a:pPr marL="0" indent="0" algn="ctr">
-              <a:buNone/>
-            </a:pPr>
-            <a:r>
-              <a:rPr lang="en-US" sz="3200" dirty="0" smtClean="0"/>
-              <a:t>Technologies, Progress, Schedule</a:t>
-            </a:r>
-            <a:endParaRPr lang="en-US" sz="3200" dirty="0"/>
+            <a:r>
+              <a:rPr lang="en-US" dirty="0" smtClean="0"/>
+              <a:t>Core Library</a:t>
+            </a:r>
+          </a:p>
+          <a:p>
+            <a:pPr lvl="1"/>
+            <a:r>
+              <a:rPr lang="en-US" dirty="0" smtClean="0"/>
+              <a:t>Python</a:t>
+            </a:r>
+          </a:p>
+          <a:p>
+            <a:pPr lvl="1"/>
+            <a:r>
+              <a:rPr lang="en-US" dirty="0" err="1" smtClean="0"/>
+              <a:t>Django-json-rpc</a:t>
+            </a:r>
+            <a:r>
+              <a:rPr lang="en-US" dirty="0" smtClean="0"/>
+              <a:t>  (modified portions built into CRDS client)</a:t>
+            </a:r>
+          </a:p>
+          <a:p>
+            <a:r>
+              <a:rPr lang="en-US" dirty="0" smtClean="0"/>
+              <a:t>Web Server</a:t>
+            </a:r>
+          </a:p>
+          <a:p>
+            <a:pPr lvl="1"/>
+            <a:r>
+              <a:rPr lang="en-US" dirty="0" smtClean="0"/>
+              <a:t>LAMP (Linux / Apache / MySQL / Python)</a:t>
+            </a:r>
+          </a:p>
+          <a:p>
+            <a:pPr lvl="1"/>
+            <a:r>
+              <a:rPr lang="en-US" dirty="0" err="1" smtClean="0"/>
+              <a:t>Django</a:t>
+            </a:r>
+            <a:r>
+              <a:rPr lang="en-US" dirty="0" smtClean="0"/>
+              <a:t> Python web framework</a:t>
+            </a:r>
+          </a:p>
+          <a:p>
+            <a:pPr lvl="1"/>
+            <a:r>
+              <a:rPr lang="en-US" dirty="0" err="1" smtClean="0"/>
+              <a:t>Javascript</a:t>
+            </a:r>
+            <a:r>
+              <a:rPr lang="en-US" dirty="0" smtClean="0"/>
+              <a:t> / </a:t>
+            </a:r>
+            <a:r>
+              <a:rPr lang="en-US" dirty="0" err="1" smtClean="0"/>
+              <a:t>jQuery</a:t>
+            </a:r>
+            <a:endParaRPr lang="en-US" dirty="0" smtClean="0"/>
+          </a:p>
+          <a:p>
+            <a:pPr lvl="1"/>
+            <a:r>
+              <a:rPr lang="en-US" dirty="0" err="1" smtClean="0"/>
+              <a:t>Django-json-rpc</a:t>
+            </a:r>
+            <a:endParaRPr lang="en-US" dirty="0"/>
+          </a:p>
+          <a:p>
+            <a:pPr lvl="1"/>
+            <a:r>
+              <a:rPr lang="en-US" dirty="0" err="1" smtClean="0"/>
+              <a:t>Django</a:t>
+            </a:r>
+            <a:r>
+              <a:rPr lang="en-US" dirty="0" smtClean="0"/>
+              <a:t>-file-upload</a:t>
+            </a:r>
+          </a:p>
+          <a:p>
+            <a:pPr lvl="1"/>
+            <a:r>
+              <a:rPr lang="en-US" dirty="0" smtClean="0"/>
+              <a:t>HTML-5 for file access and uploads   (Firefox, Chrome)</a:t>
+            </a:r>
           </a:p>
         </p:txBody>
       </p:sp>
     </p:spTree>
     <p:extLst>
       <p:ext uri="{BB962C8B-B14F-4D97-AF65-F5344CB8AC3E}">
-        <p14:creationId xmlns:p14="http://schemas.microsoft.com/office/powerpoint/2010/main" val="3317930704"/>
+        <p14:creationId xmlns:p14="http://schemas.microsoft.com/office/powerpoint/2010/main" val="3234632247"/>
       </p:ext>
     </p:extLst>
   </p:cSld>
   <p:clrMapOvr>
     <a:masterClrMapping/>
   </p:clrMapOvr>
-  <p:timing>
-    <p:tnLst>
-      <p:par>
-        <p:cTn xmlns:p14="http://schemas.microsoft.com/office/powerpoint/2010/main" id="1" dur="indefinite" restart="never" nodeType="tmRoot"/>
-      </p:par>
-    </p:tnLst>
-  </p:timing>
 </p:sld>
 </file>
 
@@ -15655,15 +14308,7 @@
           <a:p>
             <a:r>
               <a:rPr lang="en-US" dirty="0" smtClean="0"/>
-              <a:t>S/W</a:t>
-            </a:r>
-            <a:r>
-              <a:rPr lang="en-US" baseline="0" dirty="0" smtClean="0"/>
-              <a:t> </a:t>
-            </a:r>
-            <a:r>
-              <a:rPr lang="en-US" dirty="0" smtClean="0"/>
-              <a:t>Technologies</a:t>
+              <a:t>Completed So Far</a:t>
             </a:r>
             <a:endParaRPr lang="en-US" dirty="0"/>
           </a:p>
@@ -15671,7 +14316,7 @@
       </p:sp>
       <p:sp>
         <p:nvSpPr>
-          <p:cNvPr id="4" name="Text Placeholder 3"/>
+          <p:cNvPr id="3" name="Text Placeholder 2"/>
           <p:cNvSpPr>
             <a:spLocks noGrp="1"/>
           </p:cNvSpPr>
@@ -15681,8 +14326,8 @@
         </p:nvSpPr>
         <p:spPr>
           <a:xfrm>
-            <a:off x="685800" y="1295400"/>
-            <a:ext cx="7769225" cy="4419600"/>
+            <a:off x="1295400" y="914400"/>
+            <a:ext cx="6478587" cy="4953000"/>
           </a:xfrm>
         </p:spPr>
         <p:txBody>
@@ -15690,92 +14335,80 @@
           <a:lstStyle/>
           <a:p>
             <a:r>
-              <a:rPr lang="en-US" dirty="0" smtClean="0"/>
-              <a:t>Core Library</a:t>
-            </a:r>
-          </a:p>
-          <a:p>
-            <a:pPr lvl="1"/>
-            <a:r>
-              <a:rPr lang="en-US" dirty="0" smtClean="0"/>
-              <a:t>Python</a:t>
-            </a:r>
-          </a:p>
-          <a:p>
-            <a:pPr lvl="1"/>
-            <a:r>
-              <a:rPr lang="en-US" dirty="0" err="1" smtClean="0"/>
-              <a:t>Django-json-rpc</a:t>
-            </a:r>
-            <a:r>
-              <a:rPr lang="en-US" dirty="0" smtClean="0"/>
-              <a:t>  (modified portions built into CRDS client)</a:t>
-            </a:r>
-          </a:p>
-          <a:p>
-            <a:r>
-              <a:rPr lang="en-US" dirty="0" smtClean="0"/>
-              <a:t>Web Server</a:t>
-            </a:r>
-          </a:p>
-          <a:p>
-            <a:pPr lvl="1"/>
-            <a:r>
-              <a:rPr lang="en-US" dirty="0" smtClean="0"/>
-              <a:t>LAMP (Linux / Apache / MySQL / Python)</a:t>
-            </a:r>
-          </a:p>
-          <a:p>
-            <a:pPr lvl="1"/>
-            <a:r>
-              <a:rPr lang="en-US" dirty="0" err="1" smtClean="0"/>
-              <a:t>Django</a:t>
-            </a:r>
-            <a:r>
-              <a:rPr lang="en-US" dirty="0" smtClean="0"/>
-              <a:t> Python web framework</a:t>
-            </a:r>
-          </a:p>
-          <a:p>
-            <a:pPr lvl="1"/>
-            <a:r>
-              <a:rPr lang="en-US" dirty="0" err="1" smtClean="0"/>
-              <a:t>Javascript</a:t>
-            </a:r>
-            <a:r>
-              <a:rPr lang="en-US" dirty="0" smtClean="0"/>
-              <a:t> / </a:t>
-            </a:r>
-            <a:r>
-              <a:rPr lang="en-US" dirty="0" err="1" smtClean="0"/>
-              <a:t>jQuery</a:t>
-            </a:r>
-            <a:endParaRPr lang="en-US" dirty="0" smtClean="0"/>
-          </a:p>
-          <a:p>
-            <a:pPr lvl="1"/>
-            <a:r>
-              <a:rPr lang="en-US" dirty="0" err="1" smtClean="0"/>
-              <a:t>Django-json-rpc</a:t>
-            </a:r>
-            <a:endParaRPr lang="en-US" dirty="0"/>
-          </a:p>
-          <a:p>
-            <a:pPr lvl="1"/>
-            <a:r>
-              <a:rPr lang="en-US" dirty="0" err="1" smtClean="0"/>
-              <a:t>Django</a:t>
-            </a:r>
-            <a:r>
-              <a:rPr lang="en-US" dirty="0" smtClean="0"/>
-              <a:t>-file-upload</a:t>
-            </a:r>
-          </a:p>
-          <a:p>
-            <a:pPr lvl="1"/>
-            <a:r>
-              <a:rPr lang="en-US" dirty="0" smtClean="0"/>
-              <a:t>HTML-5 for file access and uploads   (Firefox, Chrome)</a:t>
+              <a:rPr lang="en-US" sz="1600" dirty="0" smtClean="0"/>
+              <a:t>Core best references library</a:t>
+            </a:r>
+          </a:p>
+          <a:p>
+            <a:r>
+              <a:rPr lang="en-US" sz="1600" dirty="0" smtClean="0"/>
+              <a:t>Integration with STPIPE</a:t>
+            </a:r>
+          </a:p>
+          <a:p>
+            <a:r>
+              <a:rPr lang="en-US" sz="1600" dirty="0" smtClean="0"/>
+              <a:t>HST rules generation  (for now)</a:t>
+            </a:r>
+          </a:p>
+          <a:p>
+            <a:r>
+              <a:rPr lang="en-US" sz="1600" dirty="0" smtClean="0"/>
+              <a:t>HST rules testing (for now)</a:t>
+            </a:r>
+          </a:p>
+          <a:p>
+            <a:r>
+              <a:rPr lang="en-US" sz="1600" dirty="0" smtClean="0"/>
+              <a:t>HST file certification</a:t>
+            </a:r>
+          </a:p>
+          <a:p>
+            <a:r>
+              <a:rPr lang="en-US" sz="1600" dirty="0" smtClean="0"/>
+              <a:t>JWST build-1 rules and references</a:t>
+            </a:r>
+          </a:p>
+          <a:p>
+            <a:r>
+              <a:rPr lang="en-US" sz="1600" dirty="0" smtClean="0"/>
+              <a:t>File browsing</a:t>
+            </a:r>
+          </a:p>
+          <a:p>
+            <a:r>
+              <a:rPr lang="en-US" sz="1600" dirty="0" smtClean="0"/>
+              <a:t>Web Best Reference prototypes</a:t>
+            </a:r>
+          </a:p>
+          <a:p>
+            <a:r>
+              <a:rPr lang="en-US" sz="1600" dirty="0" smtClean="0"/>
+              <a:t>File differencing</a:t>
+            </a:r>
+          </a:p>
+          <a:p>
+            <a:r>
+              <a:rPr lang="en-US" sz="1600" dirty="0" smtClean="0"/>
+              <a:t>Simple File Submission </a:t>
+            </a:r>
+          </a:p>
+          <a:p>
+            <a:r>
+              <a:rPr lang="en-US" sz="1600" dirty="0" smtClean="0"/>
+              <a:t>Batch File Submission (prototype,  needs generalization)</a:t>
+            </a:r>
+          </a:p>
+          <a:p>
+            <a:r>
+              <a:rPr lang="en-US" sz="1600" dirty="0" smtClean="0"/>
+              <a:t>Instrument, Pipeline Context Updates</a:t>
+            </a:r>
+          </a:p>
+          <a:p>
+            <a:r>
+              <a:rPr lang="en-US" sz="1600" dirty="0" smtClean="0"/>
+              <a:t>Reference File Retrieval Service</a:t>
             </a:r>
           </a:p>
         </p:txBody>
@@ -15783,7 +14416,7 @@
     </p:spTree>
     <p:extLst>
       <p:ext uri="{BB962C8B-B14F-4D97-AF65-F5344CB8AC3E}">
-        <p14:creationId xmlns:p14="http://schemas.microsoft.com/office/powerpoint/2010/main" val="3234632247"/>
+        <p14:creationId xmlns:p14="http://schemas.microsoft.com/office/powerpoint/2010/main" val="1199109943"/>
       </p:ext>
     </p:extLst>
   </p:cSld>
@@ -15827,158 +14460,6 @@
           <a:p>
             <a:r>
               <a:rPr lang="en-US" dirty="0" smtClean="0"/>
-              <a:t>Completed So Far</a:t>
-            </a:r>
-            <a:endParaRPr lang="en-US" dirty="0"/>
-          </a:p>
-        </p:txBody>
-      </p:sp>
-      <p:sp>
-        <p:nvSpPr>
-          <p:cNvPr id="3" name="Text Placeholder 2"/>
-          <p:cNvSpPr>
-            <a:spLocks noGrp="1"/>
-          </p:cNvSpPr>
-          <p:nvPr>
-            <p:ph type="body" idx="4294967295"/>
-          </p:nvPr>
-        </p:nvSpPr>
-        <p:spPr>
-          <a:xfrm>
-            <a:off x="1295400" y="914400"/>
-            <a:ext cx="6478587" cy="4953000"/>
-          </a:xfrm>
-        </p:spPr>
-        <p:txBody>
-          <a:bodyPr/>
-          <a:lstStyle/>
-          <a:p>
-            <a:r>
-              <a:rPr lang="en-US" sz="1600" dirty="0" smtClean="0"/>
-              <a:t>Core best references library</a:t>
-            </a:r>
-          </a:p>
-          <a:p>
-            <a:r>
-              <a:rPr lang="en-US" sz="1600" dirty="0" smtClean="0"/>
-              <a:t>Integration with STPIPE</a:t>
-            </a:r>
-          </a:p>
-          <a:p>
-            <a:r>
-              <a:rPr lang="en-US" sz="1600" dirty="0" smtClean="0"/>
-              <a:t>HST rules generation  (for now)</a:t>
-            </a:r>
-          </a:p>
-          <a:p>
-            <a:r>
-              <a:rPr lang="en-US" sz="1600" dirty="0" smtClean="0"/>
-              <a:t>HST rules testing (for now)</a:t>
-            </a:r>
-          </a:p>
-          <a:p>
-            <a:r>
-              <a:rPr lang="en-US" sz="1600" dirty="0" smtClean="0"/>
-              <a:t>HST file certification</a:t>
-            </a:r>
-          </a:p>
-          <a:p>
-            <a:r>
-              <a:rPr lang="en-US" sz="1600" dirty="0" smtClean="0"/>
-              <a:t>JWST build-1 rules and references</a:t>
-            </a:r>
-          </a:p>
-          <a:p>
-            <a:r>
-              <a:rPr lang="en-US" sz="1600" dirty="0" smtClean="0"/>
-              <a:t>File browsing</a:t>
-            </a:r>
-          </a:p>
-          <a:p>
-            <a:r>
-              <a:rPr lang="en-US" sz="1600" dirty="0" smtClean="0"/>
-              <a:t>Web Best Reference prototypes</a:t>
-            </a:r>
-          </a:p>
-          <a:p>
-            <a:r>
-              <a:rPr lang="en-US" sz="1600" dirty="0" smtClean="0"/>
-              <a:t>File differencing</a:t>
-            </a:r>
-          </a:p>
-          <a:p>
-            <a:r>
-              <a:rPr lang="en-US" sz="1600" dirty="0" smtClean="0"/>
-              <a:t>Simple File Submission </a:t>
-            </a:r>
-          </a:p>
-          <a:p>
-            <a:r>
-              <a:rPr lang="en-US" sz="1600" dirty="0" smtClean="0"/>
-              <a:t>Batch File Submission (prototype,  needs generalization)</a:t>
-            </a:r>
-          </a:p>
-          <a:p>
-            <a:r>
-              <a:rPr lang="en-US" sz="1600" dirty="0" smtClean="0"/>
-              <a:t>Instrument, Pipeline Context Updates</a:t>
-            </a:r>
-          </a:p>
-          <a:p>
-            <a:r>
-              <a:rPr lang="en-US" sz="1600" dirty="0" smtClean="0"/>
-              <a:t>Reference File Retrieval Service</a:t>
-            </a:r>
-          </a:p>
-        </p:txBody>
-      </p:sp>
-    </p:spTree>
-    <p:extLst>
-      <p:ext uri="{BB962C8B-B14F-4D97-AF65-F5344CB8AC3E}">
-        <p14:creationId xmlns:p14="http://schemas.microsoft.com/office/powerpoint/2010/main" val="1199109943"/>
-      </p:ext>
-    </p:extLst>
-  </p:cSld>
-  <p:clrMapOvr>
-    <a:masterClrMapping/>
-  </p:clrMapOvr>
-</p:sld>
-</file>
-
-<file path=ppt/slides/slide42.xml><?xml version="1.0" encoding="utf-8"?>
-<p:sld xmlns:a="http://schemas.openxmlformats.org/drawingml/2006/main" xmlns:r="http://schemas.openxmlformats.org/officeDocument/2006/relationships" xmlns:p="http://schemas.openxmlformats.org/presentationml/2006/main">
-  <p:cSld>
-    <p:spTree>
-      <p:nvGrpSpPr>
-        <p:cNvPr id="1" name=""/>
-        <p:cNvGrpSpPr/>
-        <p:nvPr/>
-      </p:nvGrpSpPr>
-      <p:grpSpPr>
-        <a:xfrm>
-          <a:off x="0" y="0"/>
-          <a:ext cx="0" cy="0"/>
-          <a:chOff x="0" y="0"/>
-          <a:chExt cx="0" cy="0"/>
-        </a:xfrm>
-      </p:grpSpPr>
-      <p:sp>
-        <p:nvSpPr>
-          <p:cNvPr id="2" name="Title 1"/>
-          <p:cNvSpPr>
-            <a:spLocks noGrp="1"/>
-          </p:cNvSpPr>
-          <p:nvPr>
-            <p:ph type="title"/>
-          </p:nvPr>
-        </p:nvSpPr>
-        <p:spPr/>
-        <p:txBody>
-          <a:bodyPr/>
-          <a:lstStyle/>
-          <a:p>
-            <a:r>
-              <a:rPr lang="en-US" dirty="0" smtClean="0"/>
               <a:t>Schedule</a:t>
             </a:r>
             <a:endParaRPr lang="en-US" dirty="0"/>
@@ -16022,7 +14503,7 @@
 </p:sld>
 </file>
 
-<file path=ppt/slides/slide43.xml><?xml version="1.0" encoding="utf-8"?>
+<file path=ppt/slides/slide42.xml><?xml version="1.0" encoding="utf-8"?>
 <p:sld xmlns:a="http://schemas.openxmlformats.org/drawingml/2006/main" xmlns:r="http://schemas.openxmlformats.org/officeDocument/2006/relationships" xmlns:p="http://schemas.openxmlformats.org/presentationml/2006/main">
   <p:cSld>
     <p:spTree>
@@ -16250,11 +14731,7 @@
             <a:pPr lvl="2"/>
             <a:r>
               <a:rPr lang="en-US" dirty="0" smtClean="0"/>
-              <a:t>Core </a:t>
-            </a:r>
-            <a:r>
-              <a:rPr lang="en-US" dirty="0" smtClean="0"/>
-              <a:t>library </a:t>
+              <a:t>Core library </a:t>
             </a:r>
             <a:r>
               <a:rPr lang="en-US" dirty="0" smtClean="0">
@@ -17101,12 +15578,6 @@
               </a:rPr>
               <a:t>File Names</a:t>
             </a:r>
-            <a:endParaRPr lang="en-US" sz="1000" dirty="0" smtClean="0">
-              <a:solidFill>
-                <a:schemeClr val="tx1"/>
-              </a:solidFill>
-              <a:latin typeface="Helvetica"/>
-            </a:endParaRPr>
           </a:p>
         </p:txBody>
       </p:sp>
@@ -17140,12 +15611,6 @@
               </a:rPr>
               <a:t>Best Reference Files,  Rules</a:t>
             </a:r>
-            <a:endParaRPr lang="en-US" sz="1000" dirty="0" smtClean="0">
-              <a:solidFill>
-                <a:schemeClr val="tx1"/>
-              </a:solidFill>
-              <a:latin typeface="Helvetica"/>
-            </a:endParaRPr>
           </a:p>
         </p:txBody>
       </p:sp>
@@ -17190,12 +15655,6 @@
               </a:rPr>
               <a:t>&amp; Rules Files</a:t>
             </a:r>
-            <a:endParaRPr lang="en-US" sz="1000" dirty="0" smtClean="0">
-              <a:solidFill>
-                <a:schemeClr val="tx1"/>
-              </a:solidFill>
-              <a:latin typeface="Helvetica"/>
-            </a:endParaRPr>
           </a:p>
         </p:txBody>
       </p:sp>
@@ -17254,12 +15713,6 @@
               </a:rPr>
               <a:t>&amp; Rules Files</a:t>
             </a:r>
-            <a:endParaRPr lang="en-US" sz="1000" dirty="0" smtClean="0">
-              <a:solidFill>
-                <a:schemeClr val="tx1"/>
-              </a:solidFill>
-              <a:latin typeface="Helvetica"/>
-            </a:endParaRPr>
           </a:p>
         </p:txBody>
       </p:sp>
@@ -17322,12 +15775,6 @@
               </a:rPr>
               <a:t>File Requests</a:t>
             </a:r>
-            <a:endParaRPr lang="en-US" sz="1000" dirty="0" smtClean="0">
-              <a:solidFill>
-                <a:schemeClr val="tx1"/>
-              </a:solidFill>
-              <a:latin typeface="Helvetica"/>
-            </a:endParaRPr>
           </a:p>
         </p:txBody>
       </p:sp>
@@ -17403,12 +15850,6 @@
               </a:rPr>
               <a:t>File Requests</a:t>
             </a:r>
-            <a:endParaRPr lang="en-US" sz="1000" dirty="0" smtClean="0">
-              <a:solidFill>
-                <a:schemeClr val="tx1"/>
-              </a:solidFill>
-              <a:latin typeface="Helvetica"/>
-            </a:endParaRPr>
           </a:p>
         </p:txBody>
       </p:sp>
@@ -17651,11 +16092,7 @@
           <a:p>
             <a:r>
               <a:rPr lang="en-US" dirty="0" smtClean="0"/>
-              <a:t>Client/</a:t>
-            </a:r>
-            <a:r>
-              <a:rPr lang="en-US" dirty="0" smtClean="0"/>
-              <a:t>Server Model</a:t>
+              <a:t>Client/Server Model</a:t>
             </a:r>
             <a:endParaRPr lang="en-US" dirty="0"/>
           </a:p>

--- a/docs/DMS_SDR2_09_CRDS_final.pptx
+++ b/docs/DMS_SDR2_09_CRDS_final.pptx
@@ -5,10 +5,10 @@
     <p:sldMasterId id="2147483665" r:id="rId1"/>
   </p:sldMasterIdLst>
   <p:notesMasterIdLst>
-    <p:notesMasterId r:id="rId45"/>
+    <p:notesMasterId r:id="rId44"/>
   </p:notesMasterIdLst>
   <p:handoutMasterIdLst>
-    <p:handoutMasterId r:id="rId46"/>
+    <p:handoutMasterId r:id="rId45"/>
   </p:handoutMasterIdLst>
   <p:sldIdLst>
     <p:sldId id="256" r:id="rId2"/>
@@ -30,30 +30,29 @@
     <p:sldId id="406" r:id="rId18"/>
     <p:sldId id="370" r:id="rId19"/>
     <p:sldId id="407" r:id="rId20"/>
-    <p:sldId id="420" r:id="rId21"/>
-    <p:sldId id="408" r:id="rId22"/>
-    <p:sldId id="412" r:id="rId23"/>
-    <p:sldId id="409" r:id="rId24"/>
-    <p:sldId id="369" r:id="rId25"/>
-    <p:sldId id="416" r:id="rId26"/>
-    <p:sldId id="425" r:id="rId27"/>
-    <p:sldId id="403" r:id="rId28"/>
-    <p:sldId id="372" r:id="rId29"/>
-    <p:sldId id="400" r:id="rId30"/>
-    <p:sldId id="426" r:id="rId31"/>
-    <p:sldId id="402" r:id="rId32"/>
-    <p:sldId id="430" r:id="rId33"/>
-    <p:sldId id="427" r:id="rId34"/>
-    <p:sldId id="428" r:id="rId35"/>
-    <p:sldId id="424" r:id="rId36"/>
-    <p:sldId id="421" r:id="rId37"/>
-    <p:sldId id="422" r:id="rId38"/>
-    <p:sldId id="423" r:id="rId39"/>
-    <p:sldId id="429" r:id="rId40"/>
-    <p:sldId id="377" r:id="rId41"/>
-    <p:sldId id="380" r:id="rId42"/>
-    <p:sldId id="431" r:id="rId43"/>
-    <p:sldId id="432" r:id="rId44"/>
+    <p:sldId id="408" r:id="rId21"/>
+    <p:sldId id="412" r:id="rId22"/>
+    <p:sldId id="409" r:id="rId23"/>
+    <p:sldId id="369" r:id="rId24"/>
+    <p:sldId id="416" r:id="rId25"/>
+    <p:sldId id="425" r:id="rId26"/>
+    <p:sldId id="403" r:id="rId27"/>
+    <p:sldId id="372" r:id="rId28"/>
+    <p:sldId id="400" r:id="rId29"/>
+    <p:sldId id="426" r:id="rId30"/>
+    <p:sldId id="402" r:id="rId31"/>
+    <p:sldId id="430" r:id="rId32"/>
+    <p:sldId id="427" r:id="rId33"/>
+    <p:sldId id="428" r:id="rId34"/>
+    <p:sldId id="424" r:id="rId35"/>
+    <p:sldId id="421" r:id="rId36"/>
+    <p:sldId id="422" r:id="rId37"/>
+    <p:sldId id="423" r:id="rId38"/>
+    <p:sldId id="429" r:id="rId39"/>
+    <p:sldId id="377" r:id="rId40"/>
+    <p:sldId id="380" r:id="rId41"/>
+    <p:sldId id="431" r:id="rId42"/>
+    <p:sldId id="432" r:id="rId43"/>
   </p:sldIdLst>
   <p:sldSz cx="9144000" cy="6858000" type="screen4x3"/>
   <p:notesSz cx="7010400" cy="9296400"/>
@@ -298,7 +297,7 @@
             </a:pPr>
             <a:fld id="{21EC3080-00C3-4840-8B4C-5199FEA2FD44}" type="datetime1">
               <a:rPr lang="en-US" smtClean="0"/>
-              <a:t>Nov 8 2012</a:t>
+              <a:t>Nov 20 2012</a:t>
             </a:fld>
             <a:endParaRPr lang="en-US"/>
           </a:p>
@@ -848,7 +847,7 @@
             </a:pPr>
             <a:fld id="{ED83A886-433E-6F46-86BE-4CE36E3F8C6C}" type="datetime1">
               <a:rPr lang="en-US" smtClean="0"/>
-              <a:t>Nov 8 2012</a:t>
+              <a:t>Nov 20 2012</a:t>
             </a:fld>
             <a:endParaRPr lang="en-US"/>
           </a:p>
@@ -1462,7 +1461,7 @@
             <a:fld id="{CDF0E442-F99C-4F45-B063-AC58AB781519}" type="slidenum">
               <a:rPr lang="en-US" smtClean="0"/>
               <a:pPr/>
-              <a:t>26</a:t>
+              <a:t>25</a:t>
             </a:fld>
             <a:endParaRPr lang="en-US" smtClean="0"/>
           </a:p>
@@ -1611,7 +1610,7 @@
             <a:fld id="{CDF0E442-F99C-4F45-B063-AC58AB781519}" type="slidenum">
               <a:rPr lang="en-US" smtClean="0"/>
               <a:pPr/>
-              <a:t>36</a:t>
+              <a:t>35</a:t>
             </a:fld>
             <a:endParaRPr lang="en-US" smtClean="0"/>
           </a:p>
@@ -1760,7 +1759,7 @@
             <a:fld id="{CDF0E442-F99C-4F45-B063-AC58AB781519}" type="slidenum">
               <a:rPr lang="en-US" smtClean="0"/>
               <a:pPr/>
-              <a:t>37</a:t>
+              <a:t>36</a:t>
             </a:fld>
             <a:endParaRPr lang="en-US" smtClean="0"/>
           </a:p>
@@ -1909,7 +1908,7 @@
             <a:fld id="{CDF0E442-F99C-4F45-B063-AC58AB781519}" type="slidenum">
               <a:rPr lang="en-US" smtClean="0"/>
               <a:pPr/>
-              <a:t>38</a:t>
+              <a:t>37</a:t>
             </a:fld>
             <a:endParaRPr lang="en-US" smtClean="0"/>
           </a:p>
@@ -3700,51 +3699,41 @@
             <p:ph type="body" idx="4294967295"/>
           </p:nvPr>
         </p:nvSpPr>
-        <p:spPr/>
+        <p:spPr>
+          <a:xfrm>
+            <a:off x="609600" y="1143000"/>
+            <a:ext cx="7769225" cy="5029200"/>
+          </a:xfrm>
+        </p:spPr>
         <p:txBody>
           <a:bodyPr/>
           <a:lstStyle/>
           <a:p>
             <a:r>
               <a:rPr lang="en-US" sz="1600" dirty="0" smtClean="0"/>
-              <a:t>CRDS reference matching is done with a nested hierarchy of “Selectors”</a:t>
-            </a:r>
-          </a:p>
-          <a:p>
-            <a:r>
-              <a:rPr lang="en-US" sz="1600" dirty="0" smtClean="0"/>
-              <a:t>The universal Selector pattern for HST is:</a:t>
-            </a:r>
+              <a:t>Typical HST Pattern:</a:t>
+            </a:r>
+            <a:endParaRPr lang="en-US" sz="1600" dirty="0" smtClean="0"/>
           </a:p>
           <a:p>
             <a:pPr lvl="1"/>
-            <a:r>
-              <a:rPr lang="en-US" sz="1600" dirty="0" smtClean="0"/>
-              <a:t>Match  </a:t>
-            </a:r>
             <a:r>
               <a:rPr lang="en-US" sz="1600" dirty="0" smtClean="0">
                 <a:sym typeface="Wingdings"/>
               </a:rPr>
-              <a:t>  </a:t>
+              <a:t>Match parameters to rules,  then use </a:t>
             </a:r>
             <a:r>
               <a:rPr lang="en-US" sz="1600" dirty="0" err="1" smtClean="0">
                 <a:sym typeface="Wingdings"/>
               </a:rPr>
-              <a:t>UseAfter</a:t>
-            </a:r>
-            <a:endParaRPr lang="en-US" sz="1600" dirty="0" smtClean="0">
-              <a:sym typeface="Wingdings"/>
-            </a:endParaRPr>
-          </a:p>
-          <a:p>
-            <a:pPr lvl="1"/>
+              <a:t>useafter</a:t>
+            </a:r>
             <a:r>
               <a:rPr lang="en-US" sz="1600" dirty="0" smtClean="0">
                 <a:sym typeface="Wingdings"/>
               </a:rPr>
-              <a:t>This emulates the SQL queries of CDBS</a:t>
+              <a:t> to resolve which match</a:t>
             </a:r>
           </a:p>
           <a:p>
@@ -3753,7 +3742,7 @@
               <a:rPr lang="en-US" sz="1600" dirty="0" smtClean="0">
                 <a:sym typeface="Wingdings"/>
               </a:rPr>
-              <a:t>Good for automated rmap generation from CDBS database</a:t>
+              <a:t>Automated generation of Initial CRDS rules from CDBS database</a:t>
             </a:r>
           </a:p>
           <a:p>
@@ -3761,40 +3750,41 @@
               <a:rPr lang="en-US" sz="1600" dirty="0" smtClean="0">
                 <a:sym typeface="Wingdings"/>
               </a:rPr>
-              <a:t>Baseline rules for JWST only Match() but will evolve.</a:t>
+              <a:t>Baseline HST rules only use Match(), </a:t>
+            </a:r>
+            <a:r>
+              <a:rPr lang="en-US" sz="1600" dirty="0" err="1" smtClean="0">
+                <a:sym typeface="Wingdings"/>
+              </a:rPr>
+              <a:t>UseAfter</a:t>
+            </a:r>
+            <a:r>
+              <a:rPr lang="en-US" sz="1600" dirty="0" smtClean="0">
+                <a:sym typeface="Wingdings"/>
+              </a:rPr>
+              <a:t>()</a:t>
+            </a:r>
+          </a:p>
+          <a:p>
+            <a:pPr lvl="1"/>
+            <a:r>
+              <a:rPr lang="en-US" sz="1600" dirty="0">
+                <a:sym typeface="Wingdings"/>
+              </a:rPr>
+              <a:t>Future expansion of selectors is possible if </a:t>
+            </a:r>
+            <a:r>
+              <a:rPr lang="en-US" sz="1600" dirty="0" smtClean="0">
+                <a:sym typeface="Wingdings"/>
+              </a:rPr>
+              <a:t>needed</a:t>
             </a:r>
             <a:endParaRPr lang="en-US" sz="1600" dirty="0" smtClean="0"/>
           </a:p>
           <a:p>
             <a:r>
               <a:rPr lang="en-US" sz="1600" dirty="0" smtClean="0"/>
-              <a:t>When choose()’</a:t>
-            </a:r>
-            <a:r>
-              <a:rPr lang="en-US" sz="1600" dirty="0" err="1" smtClean="0"/>
-              <a:t>ing</a:t>
-            </a:r>
-            <a:r>
-              <a:rPr lang="en-US" sz="1600" dirty="0" smtClean="0"/>
-              <a:t>  each Selector either:</a:t>
-            </a:r>
-          </a:p>
-          <a:p>
-            <a:pPr lvl="1"/>
-            <a:r>
-              <a:rPr lang="en-US" sz="1600" dirty="0"/>
-              <a:t>R</a:t>
-            </a:r>
-            <a:r>
-              <a:rPr lang="en-US" sz="1600" dirty="0" smtClean="0"/>
-              <a:t>eturns a simple string.</a:t>
-            </a:r>
-          </a:p>
-          <a:p>
-            <a:pPr lvl="1"/>
-            <a:r>
-              <a:rPr lang="en-US" sz="1600" dirty="0" smtClean="0"/>
-              <a:t>Locates a nested Selector and returns the choice from that.</a:t>
+              <a:t>Results of each Selector presented to next until one possibility is chosen</a:t>
             </a:r>
           </a:p>
           <a:p>
@@ -3850,10 +3840,10 @@
               <a:rPr lang="en-US" sz="1600" dirty="0" err="1" smtClean="0"/>
               <a:t>GeometricallyNearest</a:t>
             </a:r>
-            <a:endParaRPr lang="en-US" sz="1600" dirty="0" smtClean="0"/>
-          </a:p>
-          <a:p>
-            <a:pPr lvl="1"/>
+            <a:r>
+              <a:rPr lang="en-US" sz="1600" dirty="0" smtClean="0"/>
+              <a:t>, </a:t>
+            </a:r>
             <a:r>
               <a:rPr lang="en-US" sz="1600" dirty="0" smtClean="0"/>
               <a:t>Bracket</a:t>
@@ -5091,7 +5081,7 @@
           <p:nvPr>
             <p:extLst>
               <p:ext uri="{D42A27DB-BD31-4B8C-83A1-F6EECF244321}">
-                <p14:modId xmlns:p14="http://schemas.microsoft.com/office/powerpoint/2010/main" val="1781056220"/>
+                <p14:modId xmlns:p14="http://schemas.microsoft.com/office/powerpoint/2010/main" val="3257961584"/>
               </p:ext>
             </p:extLst>
           </p:nvPr>
@@ -5172,7 +5162,7 @@
                     <a:p>
                       <a:r>
                         <a:rPr lang="en-US" sz="1400" dirty="0" smtClean="0"/>
-                        <a:t>Delta-Weight</a:t>
+                        <a:t>Weight</a:t>
                       </a:r>
                       <a:endParaRPr lang="en-US" sz="1400" dirty="0" smtClean="0">
                         <a:solidFill>
@@ -5250,7 +5240,7 @@
                     <a:p>
                       <a:r>
                         <a:rPr lang="en-US" sz="1400" dirty="0" smtClean="0"/>
-                        <a:t>+1</a:t>
+                        <a:t>highest</a:t>
                       </a:r>
                       <a:endParaRPr lang="en-US" sz="1400" dirty="0">
                         <a:solidFill>
@@ -5334,7 +5324,7 @@
                     <a:p>
                       <a:r>
                         <a:rPr lang="en-US" sz="1400" dirty="0" smtClean="0"/>
-                        <a:t>+1</a:t>
+                        <a:t>highest</a:t>
                       </a:r>
                       <a:endParaRPr lang="en-US" sz="1400" dirty="0">
                         <a:solidFill>
@@ -5428,7 +5418,7 @@
                     <a:p>
                       <a:r>
                         <a:rPr lang="en-US" sz="1400" dirty="0" smtClean="0"/>
-                        <a:t>+1</a:t>
+                        <a:t>highest</a:t>
                       </a:r>
                       <a:endParaRPr lang="en-US" sz="1400" dirty="0">
                         <a:solidFill>
@@ -5506,7 +5496,7 @@
                     <a:p>
                       <a:r>
                         <a:rPr lang="en-US" sz="1400" dirty="0" smtClean="0"/>
-                        <a:t>+0</a:t>
+                        <a:t>lowest</a:t>
                       </a:r>
                       <a:endParaRPr lang="en-US" sz="1400" dirty="0">
                         <a:solidFill>
@@ -5878,8 +5868,12 @@
           <a:p>
             <a:pPr lvl="2"/>
             <a:r>
+              <a:rPr lang="en-US" sz="1400" dirty="0" err="1" smtClean="0"/>
+              <a:t>Stpipe</a:t>
+            </a:r>
+            <a:r>
               <a:rPr lang="en-US" sz="1400" dirty="0" smtClean="0"/>
-              <a:t>Calls </a:t>
+              <a:t> calls </a:t>
             </a:r>
             <a:r>
               <a:rPr lang="en-US" sz="1400" dirty="0" err="1" smtClean="0"/>
@@ -5893,12 +5887,36 @@
           <a:p>
             <a:pPr lvl="2"/>
             <a:r>
+              <a:rPr lang="en-US" sz="1400" dirty="0"/>
+              <a:t>C</a:t>
+            </a:r>
+            <a:r>
+              <a:rPr lang="en-US" sz="1400" dirty="0" smtClean="0"/>
+              <a:t>ommand </a:t>
+            </a:r>
+            <a:r>
+              <a:rPr lang="en-US" sz="1400" dirty="0" smtClean="0"/>
+              <a:t>line </a:t>
+            </a:r>
+            <a:r>
+              <a:rPr lang="en-US" sz="1400" dirty="0" smtClean="0"/>
+              <a:t>specifica</a:t>
+            </a:r>
+            <a:r>
+              <a:rPr lang="en-US" sz="1400" dirty="0" smtClean="0"/>
+              <a:t>tion of reference file </a:t>
+            </a:r>
+            <a:r>
+              <a:rPr lang="en-US" sz="1400" dirty="0" smtClean="0"/>
+              <a:t>overrides </a:t>
+            </a:r>
+            <a:r>
               <a:rPr lang="en-US" sz="1400" dirty="0" err="1" smtClean="0"/>
-              <a:t>Stpipe</a:t>
+              <a:t>bestref</a:t>
             </a:r>
             <a:r>
               <a:rPr lang="en-US" sz="1400" dirty="0" smtClean="0"/>
-              <a:t> command line overrides for reference files</a:t>
+              <a:t> value</a:t>
             </a:r>
             <a:endParaRPr lang="en-US" sz="1400" baseline="0" dirty="0" smtClean="0"/>
           </a:p>
@@ -5913,7 +5931,11 @@
             <a:pPr lvl="2"/>
             <a:r>
               <a:rPr lang="en-US" sz="1400" dirty="0" smtClean="0"/>
-              <a:t>JSONRPC service also supports FITS keywords and maps to data model</a:t>
+              <a:t>Web service </a:t>
+            </a:r>
+            <a:r>
+              <a:rPr lang="en-US" sz="1400" dirty="0" smtClean="0"/>
+              <a:t>also supports FITS keywords and maps to data model</a:t>
             </a:r>
           </a:p>
           <a:p>
@@ -5932,19 +5954,7 @@
             <a:pPr lvl="1"/>
             <a:r>
               <a:rPr lang="en-US" sz="1600" dirty="0" smtClean="0"/>
-              <a:t>Reference type</a:t>
-            </a:r>
-            <a:r>
-              <a:rPr lang="en-US" sz="1600" dirty="0" smtClean="0"/>
-              <a:t> </a:t>
-            </a:r>
-            <a:r>
-              <a:rPr lang="en-US" sz="1600" dirty="0"/>
-              <a:t>s</a:t>
-            </a:r>
-            <a:r>
-              <a:rPr lang="en-US" sz="1600" dirty="0" smtClean="0"/>
-              <a:t>pecific hooks</a:t>
+              <a:t>Support for reference</a:t>
             </a:r>
             <a:endParaRPr lang="en-US" sz="1600" dirty="0" smtClean="0"/>
           </a:p>
@@ -5967,9 +5977,12 @@
             <a:pPr lvl="1"/>
             <a:r>
               <a:rPr lang="en-US" sz="1600" dirty="0" smtClean="0"/>
-              <a:t>JSON-RPC web service is language agnostic</a:t>
-            </a:r>
-            <a:endParaRPr lang="en-US" sz="1600" dirty="0" smtClean="0"/>
+              <a:t>Web </a:t>
+            </a:r>
+            <a:r>
+              <a:rPr lang="en-US" sz="1600" dirty="0" smtClean="0"/>
+              <a:t>service is language agnostic</a:t>
+            </a:r>
           </a:p>
           <a:p>
             <a:r>
@@ -6104,8 +6117,21 @@
             <a:pPr lvl="1"/>
             <a:r>
               <a:rPr lang="en-US" dirty="0" smtClean="0"/>
-              <a:t>CRDS handles unique file naming </a:t>
-            </a:r>
+              <a:t>CRDS </a:t>
+            </a:r>
+            <a:r>
+              <a:rPr lang="en-US" dirty="0" smtClean="0"/>
+              <a:t>now handles </a:t>
+            </a:r>
+            <a:r>
+              <a:rPr lang="en-US" dirty="0" smtClean="0"/>
+              <a:t>unique file naming </a:t>
+            </a:r>
+            <a:r>
+              <a:rPr lang="en-US" dirty="0" smtClean="0"/>
+              <a:t>for</a:t>
+            </a:r>
+            <a:endParaRPr lang="en-US" dirty="0" smtClean="0"/>
           </a:p>
           <a:p>
             <a:pPr lvl="2"/>
@@ -6125,26 +6151,14 @@
             <a:pPr lvl="1"/>
             <a:r>
               <a:rPr lang="en-US" dirty="0" smtClean="0"/>
-              <a:t>CRDS </a:t>
-            </a:r>
+              <a:t>CRDS server has file storage for rules and references</a:t>
+            </a:r>
+          </a:p>
+          <a:p>
+            <a:pPr lvl="2"/>
             <a:r>
               <a:rPr lang="en-US" dirty="0" smtClean="0"/>
-              <a:t>server has file </a:t>
-            </a:r>
-            <a:r>
-              <a:rPr lang="en-US" dirty="0" smtClean="0"/>
-              <a:t>storage for rules and references</a:t>
-            </a:r>
-          </a:p>
-          <a:p>
-            <a:pPr lvl="2"/>
-            <a:r>
-              <a:rPr lang="en-US" dirty="0" smtClean="0"/>
-              <a:t>Necessary for CRDS development and early STPIPE </a:t>
-            </a:r>
-            <a:r>
-              <a:rPr lang="en-US" dirty="0" smtClean="0"/>
-              <a:t>operations</a:t>
+              <a:t>Necessary for CRDS development and early STPIPE operations</a:t>
             </a:r>
           </a:p>
           <a:p>
@@ -6888,11 +6902,7 @@
             </a:r>
             <a:r>
               <a:rPr lang="en-US" dirty="0" smtClean="0"/>
-              <a:t> </a:t>
-            </a:r>
-            <a:r>
-              <a:rPr lang="en-US" dirty="0" smtClean="0"/>
-              <a:t>Relevance</a:t>
+              <a:t> Relevance</a:t>
             </a:r>
             <a:r>
               <a:rPr lang="en-US" sz="2800" b="1" i="0" u="none" strike="noStrike" kern="1200" dirty="0" smtClean="0">
@@ -7936,11 +7946,7 @@
             <a:pPr lvl="1"/>
             <a:r>
               <a:rPr lang="en-US" dirty="0" smtClean="0"/>
-              <a:t>Files are cached client-side to avoid repeat network </a:t>
-            </a:r>
-            <a:r>
-              <a:rPr lang="en-US" dirty="0" smtClean="0"/>
-              <a:t>transfers</a:t>
+              <a:t>Files are cached client-side to avoid repeat network transfers</a:t>
             </a:r>
             <a:endParaRPr lang="en-US" sz="1400" dirty="0" smtClean="0"/>
           </a:p>
@@ -8866,7 +8872,7 @@
             <a:solidFill>
               <a:schemeClr val="tx1"/>
             </a:solidFill>
-            <a:prstDash val="solid"/>
+            <a:prstDash val="dash"/>
             <a:round/>
             <a:headEnd type="none" w="med" len="med"/>
             <a:tailEnd type="arrow"/>
@@ -9255,7 +9261,7 @@
             <a:solidFill>
               <a:schemeClr val="tx1"/>
             </a:solidFill>
-            <a:prstDash val="solid"/>
+            <a:prstDash val="dash"/>
             <a:round/>
             <a:headEnd type="none" w="med" len="med"/>
             <a:tailEnd type="arrow"/>
@@ -9525,1492 +9531,6 @@
 </file>
 
 <file path=ppt/slides/slide20.xml><?xml version="1.0" encoding="utf-8"?>
-<p:sld xmlns:a="http://schemas.openxmlformats.org/drawingml/2006/main" xmlns:r="http://schemas.openxmlformats.org/officeDocument/2006/relationships" xmlns:p="http://schemas.openxmlformats.org/presentationml/2006/main">
-  <p:cSld>
-    <p:spTree>
-      <p:nvGrpSpPr>
-        <p:cNvPr id="1" name=""/>
-        <p:cNvGrpSpPr/>
-        <p:nvPr/>
-      </p:nvGrpSpPr>
-      <p:grpSpPr>
-        <a:xfrm>
-          <a:off x="0" y="0"/>
-          <a:ext cx="0" cy="0"/>
-          <a:chOff x="0" y="0"/>
-          <a:chExt cx="0" cy="0"/>
-        </a:xfrm>
-      </p:grpSpPr>
-      <p:sp>
-        <p:nvSpPr>
-          <p:cNvPr id="2" name="Title 1"/>
-          <p:cNvSpPr>
-            <a:spLocks noGrp="1"/>
-          </p:cNvSpPr>
-          <p:nvPr>
-            <p:ph type="title"/>
-          </p:nvPr>
-        </p:nvSpPr>
-        <p:spPr/>
-        <p:txBody>
-          <a:bodyPr/>
-          <a:lstStyle/>
-          <a:p>
-            <a:r>
-              <a:rPr lang="en-US" dirty="0" smtClean="0"/>
-              <a:t>Client/Server With Archive</a:t>
-            </a:r>
-            <a:endParaRPr lang="en-US" dirty="0"/>
-          </a:p>
-        </p:txBody>
-      </p:sp>
-      <p:sp>
-        <p:nvSpPr>
-          <p:cNvPr id="3" name="Rectangle 2"/>
-          <p:cNvSpPr/>
-          <p:nvPr/>
-        </p:nvSpPr>
-        <p:spPr>
-          <a:xfrm>
-            <a:off x="1905000" y="1371600"/>
-            <a:ext cx="1600200" cy="307777"/>
-          </a:xfrm>
-          <a:prstGeom prst="rect">
-            <a:avLst/>
-          </a:prstGeom>
-          <a:solidFill>
-            <a:srgbClr val="FFC000"/>
-          </a:solidFill>
-          <a:ln>
-            <a:solidFill>
-              <a:schemeClr val="tx1"/>
-            </a:solidFill>
-          </a:ln>
-        </p:spPr>
-        <p:txBody>
-          <a:bodyPr wrap="square" rtlCol="0" anchor="ctr">
-            <a:spAutoFit/>
-          </a:bodyPr>
-          <a:lstStyle/>
-          <a:p>
-            <a:pPr algn="ctr"/>
-            <a:r>
-              <a:rPr lang="en-US" sz="1400" dirty="0" smtClean="0">
-                <a:solidFill>
-                  <a:schemeClr val="tx1"/>
-                </a:solidFill>
-                <a:latin typeface="Helvetica"/>
-              </a:rPr>
-              <a:t>Input Dataset</a:t>
-            </a:r>
-          </a:p>
-        </p:txBody>
-      </p:sp>
-      <p:sp>
-        <p:nvSpPr>
-          <p:cNvPr id="6" name="Rectangle 5"/>
-          <p:cNvSpPr/>
-          <p:nvPr/>
-        </p:nvSpPr>
-        <p:spPr>
-          <a:xfrm>
-            <a:off x="1905000" y="2057400"/>
-            <a:ext cx="1676400" cy="2893100"/>
-          </a:xfrm>
-          <a:prstGeom prst="rect">
-            <a:avLst/>
-          </a:prstGeom>
-          <a:solidFill>
-            <a:srgbClr val="CCFFCC"/>
-          </a:solidFill>
-          <a:ln>
-            <a:solidFill>
-              <a:schemeClr val="tx1"/>
-            </a:solidFill>
-          </a:ln>
-        </p:spPr>
-        <p:txBody>
-          <a:bodyPr rot="0" spcFirstLastPara="0" vertOverflow="overflow" horzOverflow="overflow" vert="horz" wrap="square" lIns="91440" tIns="45720" rIns="91440" bIns="45720" numCol="1" spcCol="0" rtlCol="0" fromWordArt="0" anchor="ctr" anchorCtr="0" forceAA="0" compatLnSpc="1">
-            <a:prstTxWarp prst="textNoShape">
-              <a:avLst/>
-            </a:prstTxWarp>
-            <a:spAutoFit/>
-          </a:bodyPr>
-          <a:lstStyle/>
-          <a:p>
-            <a:pPr algn="ctr"/>
-            <a:endParaRPr lang="en-US" sz="1400" dirty="0" smtClean="0">
-              <a:solidFill>
-                <a:schemeClr val="tx1"/>
-              </a:solidFill>
-              <a:latin typeface="Helvetica"/>
-            </a:endParaRPr>
-          </a:p>
-          <a:p>
-            <a:pPr algn="ctr"/>
-            <a:endParaRPr lang="en-US" sz="1400" dirty="0">
-              <a:solidFill>
-                <a:schemeClr val="tx1"/>
-              </a:solidFill>
-              <a:latin typeface="Helvetica"/>
-            </a:endParaRPr>
-          </a:p>
-          <a:p>
-            <a:pPr algn="ctr"/>
-            <a:endParaRPr lang="en-US" sz="1400" dirty="0" smtClean="0">
-              <a:solidFill>
-                <a:schemeClr val="tx1"/>
-              </a:solidFill>
-              <a:latin typeface="Helvetica"/>
-            </a:endParaRPr>
-          </a:p>
-          <a:p>
-            <a:pPr algn="ctr"/>
-            <a:endParaRPr lang="en-US" sz="1400" dirty="0">
-              <a:solidFill>
-                <a:schemeClr val="tx1"/>
-              </a:solidFill>
-              <a:latin typeface="Helvetica"/>
-            </a:endParaRPr>
-          </a:p>
-          <a:p>
-            <a:pPr algn="ctr"/>
-            <a:endParaRPr lang="en-US" sz="1400" dirty="0" smtClean="0">
-              <a:solidFill>
-                <a:schemeClr val="tx1"/>
-              </a:solidFill>
-              <a:latin typeface="Helvetica"/>
-            </a:endParaRPr>
-          </a:p>
-          <a:p>
-            <a:pPr algn="ctr"/>
-            <a:r>
-              <a:rPr lang="en-US" sz="1400" dirty="0" smtClean="0">
-                <a:solidFill>
-                  <a:schemeClr val="tx1"/>
-                </a:solidFill>
-                <a:latin typeface="Helvetica"/>
-              </a:rPr>
-              <a:t>STPIPE</a:t>
-            </a:r>
-          </a:p>
-          <a:p>
-            <a:pPr algn="ctr"/>
-            <a:endParaRPr lang="en-US" sz="1400" dirty="0" smtClean="0">
-              <a:solidFill>
-                <a:schemeClr val="tx1"/>
-              </a:solidFill>
-              <a:latin typeface="Helvetica"/>
-            </a:endParaRPr>
-          </a:p>
-          <a:p>
-            <a:pPr algn="ctr"/>
-            <a:endParaRPr lang="en-US" sz="1400" dirty="0">
-              <a:solidFill>
-                <a:schemeClr val="tx1"/>
-              </a:solidFill>
-              <a:latin typeface="Helvetica"/>
-            </a:endParaRPr>
-          </a:p>
-          <a:p>
-            <a:pPr algn="ctr"/>
-            <a:endParaRPr lang="en-US" sz="1400" dirty="0" smtClean="0">
-              <a:solidFill>
-                <a:schemeClr val="tx1"/>
-              </a:solidFill>
-              <a:latin typeface="Helvetica"/>
-            </a:endParaRPr>
-          </a:p>
-          <a:p>
-            <a:pPr algn="ctr"/>
-            <a:endParaRPr lang="en-US" sz="1400" dirty="0" smtClean="0">
-              <a:solidFill>
-                <a:schemeClr val="tx1"/>
-              </a:solidFill>
-              <a:latin typeface="Helvetica"/>
-            </a:endParaRPr>
-          </a:p>
-          <a:p>
-            <a:pPr algn="ctr"/>
-            <a:endParaRPr lang="en-US" sz="1400" dirty="0">
-              <a:solidFill>
-                <a:schemeClr val="tx1"/>
-              </a:solidFill>
-              <a:latin typeface="Helvetica"/>
-            </a:endParaRPr>
-          </a:p>
-          <a:p>
-            <a:pPr algn="ctr"/>
-            <a:endParaRPr lang="en-US" sz="1400" dirty="0">
-              <a:solidFill>
-                <a:schemeClr val="tx1"/>
-              </a:solidFill>
-              <a:latin typeface="Helvetica"/>
-            </a:endParaRPr>
-          </a:p>
-          <a:p>
-            <a:pPr algn="ctr"/>
-            <a:endParaRPr lang="en-US" sz="1400" dirty="0" smtClean="0">
-              <a:solidFill>
-                <a:schemeClr val="tx1"/>
-              </a:solidFill>
-              <a:latin typeface="Helvetica"/>
-            </a:endParaRPr>
-          </a:p>
-        </p:txBody>
-      </p:sp>
-      <p:sp>
-        <p:nvSpPr>
-          <p:cNvPr id="7" name="Rectangle 6"/>
-          <p:cNvSpPr/>
-          <p:nvPr/>
-        </p:nvSpPr>
-        <p:spPr>
-          <a:xfrm>
-            <a:off x="1905000" y="5257800"/>
-            <a:ext cx="1676400" cy="307777"/>
-          </a:xfrm>
-          <a:prstGeom prst="rect">
-            <a:avLst/>
-          </a:prstGeom>
-          <a:solidFill>
-            <a:schemeClr val="accent2">
-              <a:lumMod val="40000"/>
-              <a:lumOff val="60000"/>
-            </a:schemeClr>
-          </a:solidFill>
-          <a:ln>
-            <a:solidFill>
-              <a:schemeClr val="tx1"/>
-            </a:solidFill>
-          </a:ln>
-        </p:spPr>
-        <p:txBody>
-          <a:bodyPr wrap="square" rtlCol="0" anchor="ctr">
-            <a:spAutoFit/>
-          </a:bodyPr>
-          <a:lstStyle/>
-          <a:p>
-            <a:pPr algn="ctr"/>
-            <a:r>
-              <a:rPr lang="en-US" sz="1400" dirty="0" smtClean="0">
-                <a:solidFill>
-                  <a:schemeClr val="tx1"/>
-                </a:solidFill>
-                <a:latin typeface="Helvetica"/>
-              </a:rPr>
-              <a:t>Calibrated Dataset</a:t>
-            </a:r>
-          </a:p>
-        </p:txBody>
-      </p:sp>
-      <p:sp>
-        <p:nvSpPr>
-          <p:cNvPr id="10" name="Rectangle 9"/>
-          <p:cNvSpPr/>
-          <p:nvPr/>
-        </p:nvSpPr>
-        <p:spPr>
-          <a:xfrm>
-            <a:off x="2133600" y="4343400"/>
-            <a:ext cx="1295400" cy="307777"/>
-          </a:xfrm>
-          <a:prstGeom prst="rect">
-            <a:avLst/>
-          </a:prstGeom>
-          <a:solidFill>
-            <a:srgbClr val="00FF00"/>
-          </a:solidFill>
-          <a:ln>
-            <a:solidFill>
-              <a:schemeClr val="tx1"/>
-            </a:solidFill>
-          </a:ln>
-        </p:spPr>
-        <p:txBody>
-          <a:bodyPr wrap="square" rtlCol="0" anchor="ctr">
-            <a:spAutoFit/>
-          </a:bodyPr>
-          <a:lstStyle/>
-          <a:p>
-            <a:pPr algn="ctr"/>
-            <a:r>
-              <a:rPr lang="en-US" sz="1400" dirty="0" smtClean="0">
-                <a:solidFill>
-                  <a:schemeClr val="tx1"/>
-                </a:solidFill>
-                <a:latin typeface="Helvetica"/>
-              </a:rPr>
-              <a:t>CRDS</a:t>
-            </a:r>
-          </a:p>
-        </p:txBody>
-      </p:sp>
-      <p:sp>
-        <p:nvSpPr>
-          <p:cNvPr id="11" name="Magnetic Disk 10"/>
-          <p:cNvSpPr/>
-          <p:nvPr/>
-        </p:nvSpPr>
-        <p:spPr>
-          <a:xfrm>
-            <a:off x="152400" y="2971800"/>
-            <a:ext cx="1295400" cy="1039356"/>
-          </a:xfrm>
-          <a:prstGeom prst="flowChartMagneticDisk">
-            <a:avLst/>
-          </a:prstGeom>
-          <a:solidFill>
-            <a:schemeClr val="accent1">
-              <a:lumMod val="90000"/>
-            </a:schemeClr>
-          </a:solidFill>
-          <a:ln>
-            <a:solidFill>
-              <a:schemeClr val="tx1"/>
-            </a:solidFill>
-          </a:ln>
-        </p:spPr>
-        <p:txBody>
-          <a:bodyPr rot="0" spcFirstLastPara="0" vertOverflow="overflow" horzOverflow="overflow" vert="horz" wrap="square" lIns="91440" tIns="45720" rIns="91440" bIns="45720" numCol="1" spcCol="0" rtlCol="0" fromWordArt="0" anchor="ctr" anchorCtr="0" forceAA="0" compatLnSpc="1">
-            <a:prstTxWarp prst="textNoShape">
-              <a:avLst/>
-            </a:prstTxWarp>
-            <a:spAutoFit/>
-          </a:bodyPr>
-          <a:lstStyle/>
-          <a:p>
-            <a:pPr algn="ctr"/>
-            <a:r>
-              <a:rPr lang="en-US" sz="1400" dirty="0" smtClean="0">
-                <a:solidFill>
-                  <a:schemeClr val="tx1"/>
-                </a:solidFill>
-                <a:latin typeface="Helvetica"/>
-              </a:rPr>
-              <a:t>Working Set</a:t>
-            </a:r>
-          </a:p>
-          <a:p>
-            <a:pPr algn="ctr"/>
-            <a:r>
-              <a:rPr lang="en-US" sz="1400" dirty="0" smtClean="0">
-                <a:solidFill>
-                  <a:schemeClr val="tx1"/>
-                </a:solidFill>
-                <a:latin typeface="Helvetica"/>
-              </a:rPr>
-              <a:t>Cache</a:t>
-            </a:r>
-          </a:p>
-        </p:txBody>
-      </p:sp>
-      <p:sp>
-        <p:nvSpPr>
-          <p:cNvPr id="12" name="Rectangle 11"/>
-          <p:cNvSpPr/>
-          <p:nvPr/>
-        </p:nvSpPr>
-        <p:spPr>
-          <a:xfrm>
-            <a:off x="5410200" y="2209800"/>
-            <a:ext cx="1676400" cy="2031325"/>
-          </a:xfrm>
-          <a:prstGeom prst="rect">
-            <a:avLst/>
-          </a:prstGeom>
-          <a:solidFill>
-            <a:srgbClr val="CCFFCC"/>
-          </a:solidFill>
-          <a:ln>
-            <a:solidFill>
-              <a:schemeClr val="tx1"/>
-            </a:solidFill>
-          </a:ln>
-        </p:spPr>
-        <p:txBody>
-          <a:bodyPr rot="0" spcFirstLastPara="0" vertOverflow="overflow" horzOverflow="overflow" vert="horz" wrap="square" lIns="91440" tIns="45720" rIns="91440" bIns="45720" numCol="1" spcCol="0" rtlCol="0" fromWordArt="0" anchor="ctr" anchorCtr="0" forceAA="0" compatLnSpc="1">
-            <a:prstTxWarp prst="textNoShape">
-              <a:avLst/>
-            </a:prstTxWarp>
-            <a:spAutoFit/>
-          </a:bodyPr>
-          <a:lstStyle/>
-          <a:p>
-            <a:pPr algn="ctr"/>
-            <a:endParaRPr lang="en-US" sz="1400" dirty="0" smtClean="0">
-              <a:solidFill>
-                <a:schemeClr val="tx1"/>
-              </a:solidFill>
-              <a:latin typeface="Helvetica"/>
-            </a:endParaRPr>
-          </a:p>
-          <a:p>
-            <a:pPr algn="ctr"/>
-            <a:endParaRPr lang="en-US" sz="1400" dirty="0">
-              <a:solidFill>
-                <a:schemeClr val="tx1"/>
-              </a:solidFill>
-              <a:latin typeface="Helvetica"/>
-            </a:endParaRPr>
-          </a:p>
-          <a:p>
-            <a:pPr algn="ctr"/>
-            <a:endParaRPr lang="en-US" sz="1400" dirty="0" smtClean="0">
-              <a:solidFill>
-                <a:schemeClr val="tx1"/>
-              </a:solidFill>
-              <a:latin typeface="Helvetica"/>
-            </a:endParaRPr>
-          </a:p>
-          <a:p>
-            <a:pPr algn="ctr"/>
-            <a:endParaRPr lang="en-US" sz="1400" dirty="0">
-              <a:solidFill>
-                <a:schemeClr val="tx1"/>
-              </a:solidFill>
-              <a:latin typeface="Helvetica"/>
-            </a:endParaRPr>
-          </a:p>
-          <a:p>
-            <a:pPr algn="ctr"/>
-            <a:endParaRPr lang="en-US" sz="1400" dirty="0" smtClean="0">
-              <a:solidFill>
-                <a:schemeClr val="tx1"/>
-              </a:solidFill>
-              <a:latin typeface="Helvetica"/>
-            </a:endParaRPr>
-          </a:p>
-          <a:p>
-            <a:pPr algn="ctr"/>
-            <a:r>
-              <a:rPr lang="en-US" sz="1400" dirty="0" smtClean="0">
-                <a:solidFill>
-                  <a:schemeClr val="tx1"/>
-                </a:solidFill>
-                <a:latin typeface="Helvetica"/>
-              </a:rPr>
-              <a:t>CRDS Server</a:t>
-            </a:r>
-          </a:p>
-          <a:p>
-            <a:pPr algn="ctr"/>
-            <a:endParaRPr lang="en-US" sz="1400" dirty="0">
-              <a:solidFill>
-                <a:schemeClr val="tx1"/>
-              </a:solidFill>
-              <a:latin typeface="Helvetica"/>
-            </a:endParaRPr>
-          </a:p>
-          <a:p>
-            <a:pPr algn="ctr"/>
-            <a:endParaRPr lang="en-US" sz="1400" dirty="0" smtClean="0">
-              <a:solidFill>
-                <a:schemeClr val="tx1"/>
-              </a:solidFill>
-              <a:latin typeface="Helvetica"/>
-            </a:endParaRPr>
-          </a:p>
-          <a:p>
-            <a:pPr algn="ctr"/>
-            <a:endParaRPr lang="en-US" sz="1400" dirty="0" smtClean="0">
-              <a:solidFill>
-                <a:schemeClr val="tx1"/>
-              </a:solidFill>
-              <a:latin typeface="Helvetica"/>
-            </a:endParaRPr>
-          </a:p>
-        </p:txBody>
-      </p:sp>
-      <p:sp>
-        <p:nvSpPr>
-          <p:cNvPr id="13" name="Rectangle 12"/>
-          <p:cNvSpPr/>
-          <p:nvPr/>
-        </p:nvSpPr>
-        <p:spPr>
-          <a:xfrm>
-            <a:off x="5562600" y="3760113"/>
-            <a:ext cx="1295400" cy="307777"/>
-          </a:xfrm>
-          <a:prstGeom prst="rect">
-            <a:avLst/>
-          </a:prstGeom>
-          <a:solidFill>
-            <a:srgbClr val="00FF00"/>
-          </a:solidFill>
-          <a:ln>
-            <a:solidFill>
-              <a:schemeClr val="tx1"/>
-            </a:solidFill>
-          </a:ln>
-        </p:spPr>
-        <p:txBody>
-          <a:bodyPr wrap="square" rtlCol="0" anchor="ctr">
-            <a:spAutoFit/>
-          </a:bodyPr>
-          <a:lstStyle/>
-          <a:p>
-            <a:pPr algn="ctr"/>
-            <a:r>
-              <a:rPr lang="en-US" sz="1400" dirty="0" smtClean="0">
-                <a:solidFill>
-                  <a:schemeClr val="tx1"/>
-                </a:solidFill>
-                <a:latin typeface="Helvetica"/>
-              </a:rPr>
-              <a:t>CRDS</a:t>
-            </a:r>
-          </a:p>
-        </p:txBody>
-      </p:sp>
-      <p:sp>
-        <p:nvSpPr>
-          <p:cNvPr id="14" name="Rectangle 13"/>
-          <p:cNvSpPr/>
-          <p:nvPr/>
-        </p:nvSpPr>
-        <p:spPr>
-          <a:xfrm>
-            <a:off x="5638800" y="2388513"/>
-            <a:ext cx="1295400" cy="307777"/>
-          </a:xfrm>
-          <a:prstGeom prst="rect">
-            <a:avLst/>
-          </a:prstGeom>
-          <a:solidFill>
-            <a:srgbClr val="00FF00"/>
-          </a:solidFill>
-          <a:ln>
-            <a:solidFill>
-              <a:schemeClr val="tx1"/>
-            </a:solidFill>
-          </a:ln>
-        </p:spPr>
-        <p:txBody>
-          <a:bodyPr wrap="square" rtlCol="0" anchor="ctr">
-            <a:spAutoFit/>
-          </a:bodyPr>
-          <a:lstStyle/>
-          <a:p>
-            <a:pPr algn="ctr"/>
-            <a:r>
-              <a:rPr lang="en-US" sz="1400" dirty="0" smtClean="0">
-                <a:solidFill>
-                  <a:schemeClr val="tx1"/>
-                </a:solidFill>
-                <a:latin typeface="Helvetica"/>
-              </a:rPr>
-              <a:t>JSONRPC</a:t>
-            </a:r>
-          </a:p>
-        </p:txBody>
-      </p:sp>
-      <p:sp>
-        <p:nvSpPr>
-          <p:cNvPr id="15" name="Rectangle 14"/>
-          <p:cNvSpPr/>
-          <p:nvPr/>
-        </p:nvSpPr>
-        <p:spPr>
-          <a:xfrm>
-            <a:off x="5638800" y="2921913"/>
-            <a:ext cx="1371600" cy="307777"/>
-          </a:xfrm>
-          <a:prstGeom prst="rect">
-            <a:avLst/>
-          </a:prstGeom>
-          <a:solidFill>
-            <a:srgbClr val="00FF00"/>
-          </a:solidFill>
-          <a:ln>
-            <a:solidFill>
-              <a:schemeClr val="tx1"/>
-            </a:solidFill>
-          </a:ln>
-        </p:spPr>
-        <p:txBody>
-          <a:bodyPr wrap="square" rtlCol="0" anchor="ctr">
-            <a:spAutoFit/>
-          </a:bodyPr>
-          <a:lstStyle/>
-          <a:p>
-            <a:pPr algn="ctr"/>
-            <a:r>
-              <a:rPr lang="en-US" sz="1400" dirty="0" smtClean="0">
-                <a:solidFill>
-                  <a:schemeClr val="tx1"/>
-                </a:solidFill>
-                <a:latin typeface="Helvetica"/>
-              </a:rPr>
-              <a:t>Web Functions</a:t>
-            </a:r>
-          </a:p>
-        </p:txBody>
-      </p:sp>
-      <p:sp>
-        <p:nvSpPr>
-          <p:cNvPr id="16" name="Magnetic Disk 15"/>
-          <p:cNvSpPr/>
-          <p:nvPr/>
-        </p:nvSpPr>
-        <p:spPr>
-          <a:xfrm>
-            <a:off x="7391400" y="4648200"/>
-            <a:ext cx="1600200" cy="1467326"/>
-          </a:xfrm>
-          <a:prstGeom prst="flowChartMagneticDisk">
-            <a:avLst/>
-          </a:prstGeom>
-          <a:solidFill>
-            <a:schemeClr val="accent1">
-              <a:lumMod val="90000"/>
-            </a:schemeClr>
-          </a:solidFill>
-          <a:ln>
-            <a:solidFill>
-              <a:schemeClr val="tx1"/>
-            </a:solidFill>
-          </a:ln>
-        </p:spPr>
-        <p:txBody>
-          <a:bodyPr rot="0" spcFirstLastPara="0" vertOverflow="overflow" horzOverflow="overflow" vert="horz" wrap="square" lIns="91440" tIns="45720" rIns="91440" bIns="45720" numCol="1" spcCol="0" rtlCol="0" fromWordArt="0" anchor="ctr" anchorCtr="0" forceAA="0" compatLnSpc="1">
-            <a:prstTxWarp prst="textNoShape">
-              <a:avLst/>
-            </a:prstTxWarp>
-            <a:spAutoFit/>
-          </a:bodyPr>
-          <a:lstStyle/>
-          <a:p>
-            <a:pPr algn="ctr"/>
-            <a:r>
-              <a:rPr lang="en-US" sz="1400" dirty="0" smtClean="0">
-                <a:solidFill>
-                  <a:schemeClr val="tx1"/>
-                </a:solidFill>
-                <a:latin typeface="Helvetica"/>
-              </a:rPr>
-              <a:t>Archived</a:t>
-            </a:r>
-          </a:p>
-          <a:p>
-            <a:pPr algn="ctr"/>
-            <a:r>
-              <a:rPr lang="en-US" sz="1400" dirty="0" smtClean="0">
-                <a:solidFill>
-                  <a:schemeClr val="tx1"/>
-                </a:solidFill>
-                <a:latin typeface="Helvetica"/>
-              </a:rPr>
-              <a:t>Rules &amp;</a:t>
-            </a:r>
-          </a:p>
-          <a:p>
-            <a:pPr algn="ctr"/>
-            <a:r>
-              <a:rPr lang="en-US" sz="1400" dirty="0" smtClean="0">
-                <a:solidFill>
-                  <a:schemeClr val="tx1"/>
-                </a:solidFill>
-                <a:latin typeface="Helvetica"/>
-              </a:rPr>
-              <a:t>References</a:t>
-            </a:r>
-          </a:p>
-        </p:txBody>
-      </p:sp>
-      <p:cxnSp>
-        <p:nvCxnSpPr>
-          <p:cNvPr id="18" name="Curved Connector 17"/>
-          <p:cNvCxnSpPr>
-            <a:stCxn id="11" idx="4"/>
-            <a:endCxn id="6" idx="1"/>
-          </p:cNvCxnSpPr>
-          <p:nvPr/>
-        </p:nvCxnSpPr>
-        <p:spPr bwMode="auto">
-          <a:xfrm>
-            <a:off x="1447800" y="3491478"/>
-            <a:ext cx="457200" cy="12472"/>
-          </a:xfrm>
-          <a:prstGeom prst="curvedConnector3">
-            <a:avLst/>
-          </a:prstGeom>
-          <a:solidFill>
-            <a:schemeClr val="accent1"/>
-          </a:solidFill>
-          <a:ln w="9525" cap="flat" cmpd="sng" algn="ctr">
-            <a:solidFill>
-              <a:schemeClr val="tx1"/>
-            </a:solidFill>
-            <a:prstDash val="solid"/>
-            <a:round/>
-            <a:headEnd type="arrow"/>
-            <a:tailEnd type="arrow"/>
-          </a:ln>
-          <a:effectLst/>
-        </p:spPr>
-      </p:cxnSp>
-      <p:cxnSp>
-        <p:nvCxnSpPr>
-          <p:cNvPr id="20" name="Straight Arrow Connector 19"/>
-          <p:cNvCxnSpPr>
-            <a:stCxn id="3" idx="2"/>
-            <a:endCxn id="6" idx="0"/>
-          </p:cNvCxnSpPr>
-          <p:nvPr/>
-        </p:nvCxnSpPr>
-        <p:spPr bwMode="auto">
-          <a:xfrm>
-            <a:off x="2705100" y="1679377"/>
-            <a:ext cx="38100" cy="378023"/>
-          </a:xfrm>
-          <a:prstGeom prst="straightConnector1">
-            <a:avLst/>
-          </a:prstGeom>
-          <a:solidFill>
-            <a:schemeClr val="accent1"/>
-          </a:solidFill>
-          <a:ln w="9525" cap="flat" cmpd="sng" algn="ctr">
-            <a:solidFill>
-              <a:schemeClr val="tx1"/>
-            </a:solidFill>
-            <a:prstDash val="solid"/>
-            <a:round/>
-            <a:headEnd type="none" w="med" len="med"/>
-            <a:tailEnd type="arrow"/>
-          </a:ln>
-          <a:effectLst/>
-        </p:spPr>
-      </p:cxnSp>
-      <p:cxnSp>
-        <p:nvCxnSpPr>
-          <p:cNvPr id="26" name="Straight Arrow Connector 25"/>
-          <p:cNvCxnSpPr>
-            <a:stCxn id="6" idx="2"/>
-            <a:endCxn id="7" idx="0"/>
-          </p:cNvCxnSpPr>
-          <p:nvPr/>
-        </p:nvCxnSpPr>
-        <p:spPr bwMode="auto">
-          <a:xfrm>
-            <a:off x="2743200" y="4950500"/>
-            <a:ext cx="0" cy="307300"/>
-          </a:xfrm>
-          <a:prstGeom prst="straightConnector1">
-            <a:avLst/>
-          </a:prstGeom>
-          <a:solidFill>
-            <a:schemeClr val="accent1"/>
-          </a:solidFill>
-          <a:ln w="9525" cap="flat" cmpd="sng" algn="ctr">
-            <a:solidFill>
-              <a:schemeClr val="tx1"/>
-            </a:solidFill>
-            <a:prstDash val="solid"/>
-            <a:round/>
-            <a:headEnd type="none" w="med" len="med"/>
-            <a:tailEnd type="arrow"/>
-          </a:ln>
-          <a:effectLst/>
-        </p:spPr>
-      </p:cxnSp>
-      <p:cxnSp>
-        <p:nvCxnSpPr>
-          <p:cNvPr id="28" name="Straight Arrow Connector 27"/>
-          <p:cNvCxnSpPr/>
-          <p:nvPr/>
-        </p:nvCxnSpPr>
-        <p:spPr bwMode="auto">
-          <a:xfrm flipH="1">
-            <a:off x="3657600" y="2362200"/>
-            <a:ext cx="1676400" cy="0"/>
-          </a:xfrm>
-          <a:prstGeom prst="straightConnector1">
-            <a:avLst/>
-          </a:prstGeom>
-          <a:solidFill>
-            <a:schemeClr val="accent1"/>
-          </a:solidFill>
-          <a:ln w="9525" cap="flat" cmpd="sng" algn="ctr">
-            <a:solidFill>
-              <a:schemeClr val="tx1"/>
-            </a:solidFill>
-            <a:prstDash val="solid"/>
-            <a:round/>
-            <a:headEnd type="none" w="med" len="med"/>
-            <a:tailEnd type="arrow"/>
-          </a:ln>
-          <a:effectLst/>
-        </p:spPr>
-      </p:cxnSp>
-      <p:sp>
-        <p:nvSpPr>
-          <p:cNvPr id="34" name="TextBox 33"/>
-          <p:cNvSpPr txBox="1"/>
-          <p:nvPr/>
-        </p:nvSpPr>
-        <p:spPr>
-          <a:xfrm>
-            <a:off x="3962400" y="2057400"/>
-            <a:ext cx="1040967" cy="248402"/>
-          </a:xfrm>
-          <a:prstGeom prst="rect">
-            <a:avLst/>
-          </a:prstGeom>
-        </p:spPr>
-        <p:txBody>
-          <a:bodyPr wrap="none" lIns="90000" tIns="46800" rIns="90000" bIns="46800" rtlCol="0">
-            <a:spAutoFit/>
-          </a:bodyPr>
-          <a:lstStyle/>
-          <a:p>
-            <a:r>
-              <a:rPr lang="en-US" sz="1000" dirty="0" smtClean="0">
-                <a:solidFill>
-                  <a:schemeClr val="tx1"/>
-                </a:solidFill>
-                <a:latin typeface="Helvetica"/>
-              </a:rPr>
-              <a:t>Default context</a:t>
-            </a:r>
-          </a:p>
-        </p:txBody>
-      </p:sp>
-      <p:cxnSp>
-        <p:nvCxnSpPr>
-          <p:cNvPr id="35" name="Straight Arrow Connector 34"/>
-          <p:cNvCxnSpPr/>
-          <p:nvPr/>
-        </p:nvCxnSpPr>
-        <p:spPr bwMode="auto">
-          <a:xfrm>
-            <a:off x="3657600" y="3276600"/>
-            <a:ext cx="1676400" cy="0"/>
-          </a:xfrm>
-          <a:prstGeom prst="straightConnector1">
-            <a:avLst/>
-          </a:prstGeom>
-          <a:solidFill>
-            <a:schemeClr val="accent1"/>
-          </a:solidFill>
-          <a:ln w="9525" cap="flat" cmpd="sng" algn="ctr">
-            <a:solidFill>
-              <a:schemeClr val="tx1"/>
-            </a:solidFill>
-            <a:prstDash val="solid"/>
-            <a:round/>
-            <a:headEnd type="none" w="med" len="med"/>
-            <a:tailEnd type="arrow"/>
-          </a:ln>
-          <a:effectLst/>
-        </p:spPr>
-      </p:cxnSp>
-      <p:sp>
-        <p:nvSpPr>
-          <p:cNvPr id="39" name="TextBox 38"/>
-          <p:cNvSpPr txBox="1"/>
-          <p:nvPr/>
-        </p:nvSpPr>
-        <p:spPr>
-          <a:xfrm>
-            <a:off x="3810000" y="2971800"/>
-            <a:ext cx="1322144" cy="248402"/>
-          </a:xfrm>
-          <a:prstGeom prst="rect">
-            <a:avLst/>
-          </a:prstGeom>
-        </p:spPr>
-        <p:txBody>
-          <a:bodyPr wrap="none" lIns="90000" tIns="46800" rIns="90000" bIns="46800" rtlCol="0">
-            <a:spAutoFit/>
-          </a:bodyPr>
-          <a:lstStyle/>
-          <a:p>
-            <a:r>
-              <a:rPr lang="en-US" sz="1000" dirty="0" smtClean="0">
-                <a:solidFill>
-                  <a:schemeClr val="tx1"/>
-                </a:solidFill>
-                <a:latin typeface="Helvetica"/>
-              </a:rPr>
-              <a:t>Dataset Parameters</a:t>
-            </a:r>
-          </a:p>
-        </p:txBody>
-      </p:sp>
-      <p:sp>
-        <p:nvSpPr>
-          <p:cNvPr id="41" name="TextBox 40"/>
-          <p:cNvSpPr txBox="1"/>
-          <p:nvPr/>
-        </p:nvSpPr>
-        <p:spPr>
-          <a:xfrm>
-            <a:off x="3733800" y="3352800"/>
-            <a:ext cx="1752600" cy="248402"/>
-          </a:xfrm>
-          <a:prstGeom prst="rect">
-            <a:avLst/>
-          </a:prstGeom>
-        </p:spPr>
-        <p:txBody>
-          <a:bodyPr wrap="square" lIns="90000" tIns="46800" rIns="90000" bIns="46800" rtlCol="0">
-            <a:spAutoFit/>
-          </a:bodyPr>
-          <a:lstStyle/>
-          <a:p>
-            <a:r>
-              <a:rPr lang="en-US" sz="1000" dirty="0" smtClean="0">
-                <a:solidFill>
-                  <a:schemeClr val="tx1"/>
-                </a:solidFill>
-                <a:latin typeface="Helvetica"/>
-              </a:rPr>
-              <a:t>Best Reference Names</a:t>
-            </a:r>
-          </a:p>
-        </p:txBody>
-      </p:sp>
-      <p:cxnSp>
-        <p:nvCxnSpPr>
-          <p:cNvPr id="42" name="Straight Arrow Connector 41"/>
-          <p:cNvCxnSpPr/>
-          <p:nvPr/>
-        </p:nvCxnSpPr>
-        <p:spPr bwMode="auto">
-          <a:xfrm flipH="1">
-            <a:off x="3657600" y="3581400"/>
-            <a:ext cx="1676400" cy="0"/>
-          </a:xfrm>
-          <a:prstGeom prst="straightConnector1">
-            <a:avLst/>
-          </a:prstGeom>
-          <a:solidFill>
-            <a:schemeClr val="accent1"/>
-          </a:solidFill>
-          <a:ln w="9525" cap="flat" cmpd="sng" algn="ctr">
-            <a:solidFill>
-              <a:schemeClr val="tx1"/>
-            </a:solidFill>
-            <a:prstDash val="solid"/>
-            <a:round/>
-            <a:headEnd type="none" w="med" len="med"/>
-            <a:tailEnd type="arrow"/>
-          </a:ln>
-          <a:effectLst/>
-        </p:spPr>
-      </p:cxnSp>
-      <p:sp>
-        <p:nvSpPr>
-          <p:cNvPr id="43" name="TextBox 42"/>
-          <p:cNvSpPr txBox="1"/>
-          <p:nvPr/>
-        </p:nvSpPr>
-        <p:spPr>
-          <a:xfrm>
-            <a:off x="3657600" y="5029200"/>
-            <a:ext cx="1447800" cy="710067"/>
-          </a:xfrm>
-          <a:prstGeom prst="rect">
-            <a:avLst/>
-          </a:prstGeom>
-        </p:spPr>
-        <p:txBody>
-          <a:bodyPr wrap="square" lIns="90000" tIns="46800" rIns="90000" bIns="46800" rtlCol="0">
-            <a:spAutoFit/>
-          </a:bodyPr>
-          <a:lstStyle/>
-          <a:p>
-            <a:pPr algn="ctr"/>
-            <a:r>
-              <a:rPr lang="en-US" sz="1000" dirty="0" smtClean="0">
-                <a:solidFill>
-                  <a:schemeClr val="tx1"/>
-                </a:solidFill>
-                <a:latin typeface="Helvetica"/>
-              </a:rPr>
-              <a:t>Best Reference </a:t>
-            </a:r>
-            <a:br>
-              <a:rPr lang="en-US" sz="1000" dirty="0" smtClean="0">
-                <a:solidFill>
-                  <a:schemeClr val="tx1"/>
-                </a:solidFill>
-                <a:latin typeface="Helvetica"/>
-              </a:rPr>
-            </a:br>
-            <a:r>
-              <a:rPr lang="en-US" sz="1000" dirty="0" smtClean="0">
-                <a:solidFill>
-                  <a:schemeClr val="tx1"/>
-                </a:solidFill>
-                <a:latin typeface="Helvetica"/>
-              </a:rPr>
-              <a:t>File Data</a:t>
-            </a:r>
-          </a:p>
-          <a:p>
-            <a:pPr algn="ctr"/>
-            <a:r>
-              <a:rPr lang="en-US" sz="1000" dirty="0" smtClean="0">
-                <a:solidFill>
-                  <a:schemeClr val="tx1"/>
-                </a:solidFill>
-                <a:latin typeface="Helvetica"/>
-              </a:rPr>
-              <a:t>HTTP GET</a:t>
-            </a:r>
-          </a:p>
-          <a:p>
-            <a:endParaRPr lang="en-US" sz="1000" dirty="0" smtClean="0">
-              <a:solidFill>
-                <a:schemeClr val="tx1"/>
-              </a:solidFill>
-              <a:latin typeface="Helvetica"/>
-            </a:endParaRPr>
-          </a:p>
-        </p:txBody>
-      </p:sp>
-      <p:cxnSp>
-        <p:nvCxnSpPr>
-          <p:cNvPr id="44" name="Straight Arrow Connector 43"/>
-          <p:cNvCxnSpPr>
-            <a:stCxn id="29" idx="1"/>
-          </p:cNvCxnSpPr>
-          <p:nvPr/>
-        </p:nvCxnSpPr>
-        <p:spPr bwMode="auto">
-          <a:xfrm flipH="1" flipV="1">
-            <a:off x="3581400" y="4495800"/>
-            <a:ext cx="1828800" cy="902732"/>
-          </a:xfrm>
-          <a:prstGeom prst="straightConnector1">
-            <a:avLst/>
-          </a:prstGeom>
-          <a:solidFill>
-            <a:schemeClr val="accent1"/>
-          </a:solidFill>
-          <a:ln w="57150" cap="flat" cmpd="sng" algn="ctr">
-            <a:solidFill>
-              <a:schemeClr val="tx1"/>
-            </a:solidFill>
-            <a:prstDash val="solid"/>
-            <a:round/>
-            <a:headEnd type="none" w="med" len="med"/>
-            <a:tailEnd type="arrow"/>
-          </a:ln>
-          <a:effectLst/>
-        </p:spPr>
-      </p:cxnSp>
-      <p:cxnSp>
-        <p:nvCxnSpPr>
-          <p:cNvPr id="46" name="Straight Arrow Connector 45"/>
-          <p:cNvCxnSpPr>
-            <a:stCxn id="16" idx="2"/>
-            <a:endCxn id="29" idx="3"/>
-          </p:cNvCxnSpPr>
-          <p:nvPr/>
-        </p:nvCxnSpPr>
-        <p:spPr bwMode="auto">
-          <a:xfrm flipH="1">
-            <a:off x="7086600" y="5381863"/>
-            <a:ext cx="304800" cy="16669"/>
-          </a:xfrm>
-          <a:prstGeom prst="straightConnector1">
-            <a:avLst/>
-          </a:prstGeom>
-          <a:solidFill>
-            <a:schemeClr val="accent1"/>
-          </a:solidFill>
-          <a:ln w="9525" cap="flat" cmpd="sng" algn="ctr">
-            <a:solidFill>
-              <a:schemeClr val="tx1"/>
-            </a:solidFill>
-            <a:prstDash val="solid"/>
-            <a:round/>
-            <a:headEnd type="none" w="med" len="med"/>
-            <a:tailEnd type="arrow"/>
-          </a:ln>
-          <a:effectLst/>
-        </p:spPr>
-      </p:cxnSp>
-      <p:sp>
-        <p:nvSpPr>
-          <p:cNvPr id="58" name="TextBox 57"/>
-          <p:cNvSpPr txBox="1"/>
-          <p:nvPr/>
-        </p:nvSpPr>
-        <p:spPr>
-          <a:xfrm>
-            <a:off x="2438400" y="6096000"/>
-            <a:ext cx="4150981" cy="433068"/>
-          </a:xfrm>
-          <a:prstGeom prst="rect">
-            <a:avLst/>
-          </a:prstGeom>
-        </p:spPr>
-        <p:txBody>
-          <a:bodyPr wrap="none" lIns="90000" tIns="46800" rIns="90000" bIns="46800" rtlCol="0">
-            <a:spAutoFit/>
-          </a:bodyPr>
-          <a:lstStyle/>
-          <a:p>
-            <a:r>
-              <a:rPr lang="en-US" sz="1100" b="1" dirty="0" smtClean="0">
-                <a:solidFill>
-                  <a:schemeClr val="tx1"/>
-                </a:solidFill>
-                <a:latin typeface="Helvetica"/>
-              </a:rPr>
-              <a:t>% </a:t>
-            </a:r>
-            <a:r>
-              <a:rPr lang="en-US" sz="1100" b="1" dirty="0" err="1" smtClean="0">
-                <a:solidFill>
-                  <a:schemeClr val="tx1"/>
-                </a:solidFill>
-                <a:latin typeface="Helvetica"/>
-              </a:rPr>
-              <a:t>setenv</a:t>
-            </a:r>
-            <a:r>
-              <a:rPr lang="en-US" sz="1100" b="1" dirty="0" smtClean="0">
-                <a:solidFill>
-                  <a:schemeClr val="tx1"/>
-                </a:solidFill>
-                <a:latin typeface="Helvetica"/>
-              </a:rPr>
-              <a:t>    CRDS_PATH                  $HOME/</a:t>
-            </a:r>
-            <a:r>
-              <a:rPr lang="en-US" sz="1100" b="1" dirty="0" err="1" smtClean="0">
-                <a:solidFill>
-                  <a:schemeClr val="tx1"/>
-                </a:solidFill>
-                <a:latin typeface="Helvetica"/>
-              </a:rPr>
-              <a:t>crds</a:t>
-            </a:r>
-            <a:endParaRPr lang="en-US" sz="1100" b="1" dirty="0" smtClean="0">
-              <a:solidFill>
-                <a:schemeClr val="tx1"/>
-              </a:solidFill>
-              <a:latin typeface="Helvetica"/>
-            </a:endParaRPr>
-          </a:p>
-          <a:p>
-            <a:r>
-              <a:rPr lang="en-US" sz="1100" b="1" dirty="0" smtClean="0">
-                <a:solidFill>
-                  <a:schemeClr val="tx1"/>
-                </a:solidFill>
-                <a:latin typeface="Helvetica"/>
-              </a:rPr>
-              <a:t>% </a:t>
-            </a:r>
-            <a:r>
-              <a:rPr lang="en-US" sz="1100" b="1" dirty="0" err="1" smtClean="0">
-                <a:solidFill>
-                  <a:schemeClr val="tx1"/>
-                </a:solidFill>
-                <a:latin typeface="Helvetica"/>
-              </a:rPr>
-              <a:t>setenv</a:t>
-            </a:r>
-            <a:r>
-              <a:rPr lang="en-US" sz="1100" b="1" dirty="0" smtClean="0">
-                <a:solidFill>
-                  <a:schemeClr val="tx1"/>
-                </a:solidFill>
-                <a:latin typeface="Helvetica"/>
-              </a:rPr>
-              <a:t>    CRDS_SERVER_URL   http://</a:t>
-            </a:r>
-            <a:r>
-              <a:rPr lang="en-US" sz="1100" b="1" dirty="0" err="1" smtClean="0">
-                <a:solidFill>
-                  <a:schemeClr val="tx1"/>
-                </a:solidFill>
-                <a:latin typeface="Helvetica"/>
-              </a:rPr>
-              <a:t>jwst-crds.stsci.edu</a:t>
-            </a:r>
-            <a:endParaRPr lang="en-US" sz="1100" b="1" dirty="0" smtClean="0">
-              <a:solidFill>
-                <a:schemeClr val="tx1"/>
-              </a:solidFill>
-              <a:latin typeface="Helvetica"/>
-            </a:endParaRPr>
-          </a:p>
-        </p:txBody>
-      </p:sp>
-      <p:cxnSp>
-        <p:nvCxnSpPr>
-          <p:cNvPr id="61" name="Straight Arrow Connector 60"/>
-          <p:cNvCxnSpPr/>
-          <p:nvPr/>
-        </p:nvCxnSpPr>
-        <p:spPr bwMode="auto">
-          <a:xfrm flipH="1">
-            <a:off x="3657600" y="2743200"/>
-            <a:ext cx="1676400" cy="0"/>
-          </a:xfrm>
-          <a:prstGeom prst="straightConnector1">
-            <a:avLst/>
-          </a:prstGeom>
-          <a:solidFill>
-            <a:schemeClr val="accent1"/>
-          </a:solidFill>
-          <a:ln w="9525" cap="flat" cmpd="sng" algn="ctr">
-            <a:solidFill>
-              <a:schemeClr val="tx1"/>
-            </a:solidFill>
-            <a:prstDash val="solid"/>
-            <a:round/>
-            <a:headEnd type="none" w="med" len="med"/>
-            <a:tailEnd type="arrow"/>
-          </a:ln>
-          <a:effectLst/>
-        </p:spPr>
-      </p:cxnSp>
-      <p:sp>
-        <p:nvSpPr>
-          <p:cNvPr id="62" name="TextBox 61"/>
-          <p:cNvSpPr txBox="1"/>
-          <p:nvPr/>
-        </p:nvSpPr>
-        <p:spPr>
-          <a:xfrm>
-            <a:off x="3962400" y="2438400"/>
-            <a:ext cx="816008" cy="248402"/>
-          </a:xfrm>
-          <a:prstGeom prst="rect">
-            <a:avLst/>
-          </a:prstGeom>
-        </p:spPr>
-        <p:txBody>
-          <a:bodyPr wrap="none" lIns="90000" tIns="46800" rIns="90000" bIns="46800" rtlCol="0">
-            <a:spAutoFit/>
-          </a:bodyPr>
-          <a:lstStyle/>
-          <a:p>
-            <a:r>
-              <a:rPr lang="en-US" sz="1000" dirty="0" smtClean="0">
-                <a:solidFill>
-                  <a:schemeClr val="tx1"/>
-                </a:solidFill>
-                <a:latin typeface="Helvetica"/>
-              </a:rPr>
-              <a:t>Rules Files</a:t>
-            </a:r>
-          </a:p>
-        </p:txBody>
-      </p:sp>
-      <p:sp>
-        <p:nvSpPr>
-          <p:cNvPr id="29" name="Rectangle 28"/>
-          <p:cNvSpPr/>
-          <p:nvPr/>
-        </p:nvSpPr>
-        <p:spPr>
-          <a:xfrm>
-            <a:off x="5410200" y="5029200"/>
-            <a:ext cx="1676400" cy="738664"/>
-          </a:xfrm>
-          <a:prstGeom prst="rect">
-            <a:avLst/>
-          </a:prstGeom>
-          <a:solidFill>
-            <a:srgbClr val="CCFFCC"/>
-          </a:solidFill>
-          <a:ln>
-            <a:solidFill>
-              <a:schemeClr val="tx1"/>
-            </a:solidFill>
-          </a:ln>
-        </p:spPr>
-        <p:txBody>
-          <a:bodyPr rot="0" spcFirstLastPara="0" vertOverflow="overflow" horzOverflow="overflow" vert="horz" wrap="square" lIns="91440" tIns="45720" rIns="91440" bIns="45720" numCol="1" spcCol="0" rtlCol="0" fromWordArt="0" anchor="ctr" anchorCtr="0" forceAA="0" compatLnSpc="1">
-            <a:prstTxWarp prst="textNoShape">
-              <a:avLst/>
-            </a:prstTxWarp>
-            <a:spAutoFit/>
-          </a:bodyPr>
-          <a:lstStyle/>
-          <a:p>
-            <a:pPr algn="ctr"/>
-            <a:endParaRPr lang="en-US" sz="1400" dirty="0" smtClean="0">
-              <a:solidFill>
-                <a:schemeClr val="tx1"/>
-              </a:solidFill>
-              <a:latin typeface="Helvetica"/>
-            </a:endParaRPr>
-          </a:p>
-          <a:p>
-            <a:pPr algn="ctr"/>
-            <a:r>
-              <a:rPr lang="en-US" sz="1400" dirty="0" smtClean="0">
-                <a:solidFill>
-                  <a:schemeClr val="tx1"/>
-                </a:solidFill>
-                <a:latin typeface="Helvetica"/>
-              </a:rPr>
-              <a:t>Archive</a:t>
-            </a:r>
-          </a:p>
-          <a:p>
-            <a:pPr algn="ctr"/>
-            <a:endParaRPr lang="en-US" sz="1400" dirty="0" smtClean="0">
-              <a:solidFill>
-                <a:schemeClr val="tx1"/>
-              </a:solidFill>
-              <a:latin typeface="Helvetica"/>
-            </a:endParaRPr>
-          </a:p>
-        </p:txBody>
-      </p:sp>
-      <p:cxnSp>
-        <p:nvCxnSpPr>
-          <p:cNvPr id="8" name="Straight Arrow Connector 7"/>
-          <p:cNvCxnSpPr>
-            <a:stCxn id="12" idx="2"/>
-            <a:endCxn id="29" idx="0"/>
-          </p:cNvCxnSpPr>
-          <p:nvPr/>
-        </p:nvCxnSpPr>
-        <p:spPr bwMode="auto">
-          <a:xfrm>
-            <a:off x="6248400" y="4241125"/>
-            <a:ext cx="0" cy="788075"/>
-          </a:xfrm>
-          <a:prstGeom prst="straightConnector1">
-            <a:avLst/>
-          </a:prstGeom>
-          <a:solidFill>
-            <a:schemeClr val="accent1"/>
-          </a:solidFill>
-          <a:ln w="9525" cap="flat" cmpd="sng" algn="ctr">
-            <a:solidFill>
-              <a:schemeClr val="tx1"/>
-            </a:solidFill>
-            <a:prstDash val="solid"/>
-            <a:round/>
-            <a:headEnd type="none" w="med" len="med"/>
-            <a:tailEnd type="arrow"/>
-          </a:ln>
-          <a:effectLst/>
-        </p:spPr>
-      </p:cxnSp>
-      <p:sp>
-        <p:nvSpPr>
-          <p:cNvPr id="17" name="TextBox 16"/>
-          <p:cNvSpPr txBox="1"/>
-          <p:nvPr/>
-        </p:nvSpPr>
-        <p:spPr>
-          <a:xfrm>
-            <a:off x="5867400" y="4419600"/>
-            <a:ext cx="1028143" cy="248402"/>
-          </a:xfrm>
-          <a:prstGeom prst="rect">
-            <a:avLst/>
-          </a:prstGeom>
-        </p:spPr>
-        <p:txBody>
-          <a:bodyPr wrap="none" lIns="90000" tIns="46800" rIns="90000" bIns="46800" rtlCol="0">
-            <a:spAutoFit/>
-          </a:bodyPr>
-          <a:lstStyle/>
-          <a:p>
-            <a:r>
-              <a:rPr lang="en-US" sz="1000" dirty="0" smtClean="0">
-                <a:solidFill>
-                  <a:schemeClr val="tx1"/>
-                </a:solidFill>
-                <a:latin typeface="Helvetica"/>
-              </a:rPr>
-              <a:t>HTTP Redirect</a:t>
-            </a:r>
-          </a:p>
-        </p:txBody>
-      </p:sp>
-      <p:cxnSp>
-        <p:nvCxnSpPr>
-          <p:cNvPr id="36" name="Straight Arrow Connector 35"/>
-          <p:cNvCxnSpPr/>
-          <p:nvPr/>
-        </p:nvCxnSpPr>
-        <p:spPr bwMode="auto">
-          <a:xfrm>
-            <a:off x="3581400" y="4038600"/>
-            <a:ext cx="1828800" cy="0"/>
-          </a:xfrm>
-          <a:prstGeom prst="straightConnector1">
-            <a:avLst/>
-          </a:prstGeom>
-          <a:solidFill>
-            <a:schemeClr val="accent1"/>
-          </a:solidFill>
-          <a:ln w="9525" cap="flat" cmpd="sng" algn="ctr">
-            <a:solidFill>
-              <a:schemeClr val="tx1"/>
-            </a:solidFill>
-            <a:prstDash val="solid"/>
-            <a:round/>
-            <a:headEnd type="none" w="med" len="med"/>
-            <a:tailEnd type="arrow"/>
-          </a:ln>
-          <a:effectLst/>
-        </p:spPr>
-      </p:cxnSp>
-      <p:sp>
-        <p:nvSpPr>
-          <p:cNvPr id="37" name="TextBox 36"/>
-          <p:cNvSpPr txBox="1"/>
-          <p:nvPr/>
-        </p:nvSpPr>
-        <p:spPr>
-          <a:xfrm>
-            <a:off x="3886200" y="3733800"/>
-            <a:ext cx="1165413" cy="248402"/>
-          </a:xfrm>
-          <a:prstGeom prst="rect">
-            <a:avLst/>
-          </a:prstGeom>
-        </p:spPr>
-        <p:txBody>
-          <a:bodyPr wrap="none" lIns="90000" tIns="46800" rIns="90000" bIns="46800" rtlCol="0">
-            <a:spAutoFit/>
-          </a:bodyPr>
-          <a:lstStyle/>
-          <a:p>
-            <a:r>
-              <a:rPr lang="en-US" sz="1000" dirty="0" smtClean="0">
-                <a:solidFill>
-                  <a:schemeClr val="tx1"/>
-                </a:solidFill>
-                <a:latin typeface="Helvetica"/>
-              </a:rPr>
-              <a:t>Get reference file</a:t>
-            </a:r>
-          </a:p>
-        </p:txBody>
-      </p:sp>
-    </p:spTree>
-    <p:extLst>
-      <p:ext uri="{BB962C8B-B14F-4D97-AF65-F5344CB8AC3E}">
-        <p14:creationId xmlns:p14="http://schemas.microsoft.com/office/powerpoint/2010/main" val="2617610634"/>
-      </p:ext>
-    </p:extLst>
-  </p:cSld>
-  <p:clrMapOvr>
-    <a:masterClrMapping/>
-  </p:clrMapOvr>
-</p:sld>
-</file>
-
-<file path=ppt/slides/slide21.xml><?xml version="1.0" encoding="utf-8"?>
 <p:sld xmlns:a="http://schemas.openxmlformats.org/drawingml/2006/main" xmlns:r="http://schemas.openxmlformats.org/officeDocument/2006/relationships" xmlns:p="http://schemas.openxmlformats.org/presentationml/2006/main">
   <p:cSld>
     <p:spTree>
@@ -11831,7 +10351,7 @@
 </p:sld>
 </file>
 
-<file path=ppt/slides/slide22.xml><?xml version="1.0" encoding="utf-8"?>
+<file path=ppt/slides/slide21.xml><?xml version="1.0" encoding="utf-8"?>
 <p:sld xmlns:a="http://schemas.openxmlformats.org/drawingml/2006/main" xmlns:r="http://schemas.openxmlformats.org/officeDocument/2006/relationships" xmlns:p="http://schemas.openxmlformats.org/presentationml/2006/main">
   <p:cSld>
     <p:spTree>
@@ -11906,8 +10426,13 @@
             <a:pPr lvl="1"/>
             <a:r>
               <a:rPr lang="en-US" sz="1600" dirty="0" smtClean="0"/>
-              <a:t>CRDS transparent file delivery</a:t>
-            </a:r>
+              <a:t>CRDS transparent file </a:t>
+            </a:r>
+            <a:r>
+              <a:rPr lang="en-US" sz="1600" dirty="0" smtClean="0"/>
+              <a:t>retrieval</a:t>
+            </a:r>
+            <a:endParaRPr lang="en-US" sz="1600" dirty="0" smtClean="0"/>
           </a:p>
           <a:p>
             <a:pPr lvl="1"/>
@@ -11930,15 +10455,7 @@
           <a:p>
             <a:r>
               <a:rPr lang="en-US" sz="1600" dirty="0" smtClean="0"/>
-              <a:t>Server-less mode </a:t>
-            </a:r>
-            <a:r>
-              <a:rPr lang="en-US" sz="1600" dirty="0" smtClean="0"/>
-              <a:t>clients share read</a:t>
-            </a:r>
-            <a:r>
-              <a:rPr lang="en-US" sz="1600" dirty="0" smtClean="0"/>
-              <a:t>-only file </a:t>
+              <a:t>Server-less mode clients share read-only file </a:t>
             </a:r>
             <a:r>
               <a:rPr lang="en-US" sz="1600" dirty="0"/>
@@ -12022,11 +10539,7 @@
           <a:p>
             <a:r>
               <a:rPr lang="en-US" sz="1600" dirty="0" smtClean="0"/>
-              <a:t>Only </a:t>
-            </a:r>
-            <a:r>
-              <a:rPr lang="en-US" sz="1600" dirty="0" smtClean="0"/>
-              <a:t>one copy of reference files needed</a:t>
+              <a:t>Only one copy of reference files needed</a:t>
             </a:r>
           </a:p>
           <a:p>
@@ -12050,7 +10563,7 @@
 </p:sld>
 </file>
 
-<file path=ppt/slides/slide23.xml><?xml version="1.0" encoding="utf-8"?>
+<file path=ppt/slides/slide22.xml><?xml version="1.0" encoding="utf-8"?>
 <p:sld xmlns:a="http://schemas.openxmlformats.org/drawingml/2006/main" xmlns:r="http://schemas.openxmlformats.org/officeDocument/2006/relationships" xmlns:p="http://schemas.openxmlformats.org/presentationml/2006/main">
   <p:cSld>
     <p:spTree>
@@ -13580,7 +12093,7 @@
 </p:sld>
 </file>
 
-<file path=ppt/slides/slide24.xml><?xml version="1.0" encoding="utf-8"?>
+<file path=ppt/slides/slide23.xml><?xml version="1.0" encoding="utf-8"?>
 <p:sld xmlns:a="http://schemas.openxmlformats.org/drawingml/2006/main" xmlns:r="http://schemas.openxmlformats.org/officeDocument/2006/relationships" xmlns:p="http://schemas.openxmlformats.org/presentationml/2006/main">
   <p:cSld>
     <p:spTree>
@@ -13704,7 +12217,7 @@
 </p:sld>
 </file>
 
-<file path=ppt/slides/slide25.xml><?xml version="1.0" encoding="utf-8"?>
+<file path=ppt/slides/slide24.xml><?xml version="1.0" encoding="utf-8"?>
 <p:sld xmlns:a="http://schemas.openxmlformats.org/drawingml/2006/main" xmlns:r="http://schemas.openxmlformats.org/officeDocument/2006/relationships" xmlns:p="http://schemas.openxmlformats.org/presentationml/2006/main">
   <p:cSld>
     <p:spTree>
@@ -13991,7 +12504,7 @@
 </p:sld>
 </file>
 
-<file path=ppt/slides/slide26.xml><?xml version="1.0" encoding="utf-8"?>
+<file path=ppt/slides/slide25.xml><?xml version="1.0" encoding="utf-8"?>
 <p:sld xmlns:a="http://schemas.openxmlformats.org/drawingml/2006/main" xmlns:r="http://schemas.openxmlformats.org/officeDocument/2006/relationships" xmlns:p="http://schemas.openxmlformats.org/presentationml/2006/main">
   <p:cSld>
     <p:spTree>
@@ -14126,7 +12639,7 @@
 </p:sld>
 </file>
 
-<file path=ppt/slides/slide27.xml><?xml version="1.0" encoding="utf-8"?>
+<file path=ppt/slides/slide26.xml><?xml version="1.0" encoding="utf-8"?>
 <p:sld xmlns:a="http://schemas.openxmlformats.org/drawingml/2006/main" xmlns:r="http://schemas.openxmlformats.org/officeDocument/2006/relationships" xmlns:p="http://schemas.openxmlformats.org/presentationml/2006/main">
   <p:cSld>
     <p:spTree>
@@ -14242,7 +12755,7 @@
 </p:sld>
 </file>
 
-<file path=ppt/slides/slide28.xml><?xml version="1.0" encoding="utf-8"?>
+<file path=ppt/slides/slide27.xml><?xml version="1.0" encoding="utf-8"?>
 <p:sld xmlns:a="http://schemas.openxmlformats.org/drawingml/2006/main" xmlns:r="http://schemas.openxmlformats.org/officeDocument/2006/relationships" xmlns:p="http://schemas.openxmlformats.org/presentationml/2006/main">
   <p:cSld>
     <p:spTree>
@@ -14449,7 +12962,7 @@
 </p:sld>
 </file>
 
-<file path=ppt/slides/slide29.xml><?xml version="1.0" encoding="utf-8"?>
+<file path=ppt/slides/slide28.xml><?xml version="1.0" encoding="utf-8"?>
 <p:sld xmlns:a="http://schemas.openxmlformats.org/drawingml/2006/main" xmlns:r="http://schemas.openxmlformats.org/officeDocument/2006/relationships" xmlns:p="http://schemas.openxmlformats.org/presentationml/2006/main">
   <p:cSld>
     <p:spTree>
@@ -14536,6 +13049,195 @@
       </p:par>
     </p:tnLst>
   </p:timing>
+</p:sld>
+</file>
+
+<file path=ppt/slides/slide29.xml><?xml version="1.0" encoding="utf-8"?>
+<p:sld xmlns:a="http://schemas.openxmlformats.org/drawingml/2006/main" xmlns:r="http://schemas.openxmlformats.org/officeDocument/2006/relationships" xmlns:p="http://schemas.openxmlformats.org/presentationml/2006/main">
+  <p:cSld>
+    <p:spTree>
+      <p:nvGrpSpPr>
+        <p:cNvPr id="1" name=""/>
+        <p:cNvGrpSpPr/>
+        <p:nvPr/>
+      </p:nvGrpSpPr>
+      <p:grpSpPr>
+        <a:xfrm>
+          <a:off x="0" y="0"/>
+          <a:ext cx="0" cy="0"/>
+          <a:chOff x="0" y="0"/>
+          <a:chExt cx="0" cy="0"/>
+        </a:xfrm>
+      </p:grpSpPr>
+      <p:sp>
+        <p:nvSpPr>
+          <p:cNvPr id="2" name="Title 1"/>
+          <p:cNvSpPr>
+            <a:spLocks noGrp="1"/>
+          </p:cNvSpPr>
+          <p:nvPr>
+            <p:ph type="title"/>
+          </p:nvPr>
+        </p:nvSpPr>
+        <p:spPr/>
+        <p:txBody>
+          <a:bodyPr/>
+          <a:lstStyle/>
+          <a:p>
+            <a:r>
+              <a:rPr lang="en-US" dirty="0" smtClean="0"/>
+              <a:t>File Uploads</a:t>
+            </a:r>
+            <a:endParaRPr lang="en-US" dirty="0"/>
+          </a:p>
+        </p:txBody>
+      </p:sp>
+      <p:pic>
+        <p:nvPicPr>
+          <p:cNvPr id="3" name="Picture 2"/>
+          <p:cNvPicPr>
+            <a:picLocks noChangeAspect="1"/>
+          </p:cNvPicPr>
+          <p:nvPr/>
+        </p:nvPicPr>
+        <p:blipFill>
+          <a:blip r:embed="rId2"/>
+          <a:stretch>
+            <a:fillRect/>
+          </a:stretch>
+        </p:blipFill>
+        <p:spPr>
+          <a:xfrm>
+            <a:off x="381000" y="914400"/>
+            <a:ext cx="8540821" cy="5394841"/>
+          </a:xfrm>
+          <a:prstGeom prst="rect">
+            <a:avLst/>
+          </a:prstGeom>
+        </p:spPr>
+      </p:pic>
+      <p:sp>
+        <p:nvSpPr>
+          <p:cNvPr id="5" name="TextBox 4"/>
+          <p:cNvSpPr txBox="1"/>
+          <p:nvPr/>
+        </p:nvSpPr>
+        <p:spPr>
+          <a:xfrm>
+            <a:off x="5410200" y="4572000"/>
+            <a:ext cx="3733800" cy="1202510"/>
+          </a:xfrm>
+          <a:prstGeom prst="rect">
+            <a:avLst/>
+          </a:prstGeom>
+        </p:spPr>
+        <p:txBody>
+          <a:bodyPr wrap="square" lIns="90000" tIns="46800" rIns="90000" bIns="46800" rtlCol="0">
+            <a:spAutoFit/>
+          </a:bodyPr>
+          <a:lstStyle/>
+          <a:p>
+            <a:pPr marL="171450" indent="-171450">
+              <a:buFont typeface="Arial"/>
+              <a:buChar char="•"/>
+            </a:pPr>
+            <a:r>
+              <a:rPr lang="en-US" sz="1200" b="1" dirty="0" smtClean="0">
+                <a:solidFill>
+                  <a:schemeClr val="tx1"/>
+                </a:solidFill>
+                <a:latin typeface="Helvetica"/>
+              </a:rPr>
+              <a:t>JWST references huge:  some 4G – 64G file</a:t>
+            </a:r>
+          </a:p>
+          <a:p>
+            <a:pPr marL="171450" indent="-171450">
+              <a:buFont typeface="Arial"/>
+              <a:buChar char="•"/>
+            </a:pPr>
+            <a:r>
+              <a:rPr lang="en-US" sz="1200" b="1" dirty="0" smtClean="0">
+                <a:solidFill>
+                  <a:schemeClr val="tx1"/>
+                </a:solidFill>
+                <a:latin typeface="Helvetica"/>
+              </a:rPr>
+              <a:t>Provides real time upload status</a:t>
+            </a:r>
+          </a:p>
+          <a:p>
+            <a:pPr marL="171450" indent="-171450">
+              <a:buFont typeface="Arial"/>
+              <a:buChar char="•"/>
+            </a:pPr>
+            <a:r>
+              <a:rPr lang="en-US" sz="1200" b="1" dirty="0" smtClean="0">
+                <a:solidFill>
+                  <a:schemeClr val="tx1"/>
+                </a:solidFill>
+                <a:latin typeface="Helvetica"/>
+              </a:rPr>
+              <a:t>Robust selection of multiple files</a:t>
+            </a:r>
+          </a:p>
+          <a:p>
+            <a:pPr marL="171450" indent="-171450">
+              <a:buFont typeface="Arial"/>
+              <a:buChar char="•"/>
+            </a:pPr>
+            <a:r>
+              <a:rPr lang="en-US" sz="1200" b="1" dirty="0" smtClean="0">
+                <a:solidFill>
+                  <a:schemeClr val="tx1"/>
+                </a:solidFill>
+                <a:latin typeface="Helvetica"/>
+              </a:rPr>
+              <a:t>Upload to ingest directory</a:t>
+            </a:r>
+          </a:p>
+          <a:p>
+            <a:pPr marL="171450" indent="-171450">
+              <a:buFont typeface="Arial"/>
+              <a:buChar char="•"/>
+            </a:pPr>
+            <a:r>
+              <a:rPr lang="en-US" sz="1200" b="1" dirty="0" smtClean="0">
+                <a:solidFill>
+                  <a:schemeClr val="tx1"/>
+                </a:solidFill>
+                <a:latin typeface="Helvetica"/>
+              </a:rPr>
+              <a:t>Web view reflects file system</a:t>
+            </a:r>
+          </a:p>
+          <a:p>
+            <a:pPr marL="171450" indent="-171450">
+              <a:buFont typeface="Arial"/>
+              <a:buChar char="•"/>
+            </a:pPr>
+            <a:r>
+              <a:rPr lang="en-US" sz="1200" b="1" dirty="0" smtClean="0">
+                <a:solidFill>
+                  <a:schemeClr val="tx1"/>
+                </a:solidFill>
+                <a:latin typeface="Helvetica"/>
+              </a:rPr>
+              <a:t>Also supports shell based file copies to ingest</a:t>
+            </a:r>
+          </a:p>
+        </p:txBody>
+      </p:sp>
+    </p:spTree>
+    <p:extLst>
+      <p:ext uri="{BB962C8B-B14F-4D97-AF65-F5344CB8AC3E}">
+        <p14:creationId xmlns:p14="http://schemas.microsoft.com/office/powerpoint/2010/main" val="1598466124"/>
+      </p:ext>
+    </p:extLst>
+  </p:cSld>
+  <p:clrMapOvr>
+    <a:masterClrMapping/>
+  </p:clrMapOvr>
 </p:sld>
 </file>
 
@@ -14650,7 +13352,7 @@
           <a:p>
             <a:r>
               <a:rPr lang="en-US" dirty="0" smtClean="0"/>
-              <a:t>File Uploads</a:t>
+              <a:t>Submissions Results (summary)</a:t>
             </a:r>
             <a:endParaRPr lang="en-US" dirty="0"/>
           </a:p>
@@ -14672,130 +13374,18 @@
         </p:blipFill>
         <p:spPr>
           <a:xfrm>
-            <a:off x="381000" y="914400"/>
-            <a:ext cx="8540821" cy="5394841"/>
+            <a:off x="838200" y="990600"/>
+            <a:ext cx="7620000" cy="5731858"/>
           </a:xfrm>
           <a:prstGeom prst="rect">
             <a:avLst/>
           </a:prstGeom>
         </p:spPr>
       </p:pic>
-      <p:sp>
-        <p:nvSpPr>
-          <p:cNvPr id="5" name="TextBox 4"/>
-          <p:cNvSpPr txBox="1"/>
-          <p:nvPr/>
-        </p:nvSpPr>
-        <p:spPr>
-          <a:xfrm>
-            <a:off x="5410200" y="4572000"/>
-            <a:ext cx="3733800" cy="1202510"/>
-          </a:xfrm>
-          <a:prstGeom prst="rect">
-            <a:avLst/>
-          </a:prstGeom>
-        </p:spPr>
-        <p:txBody>
-          <a:bodyPr wrap="square" lIns="90000" tIns="46800" rIns="90000" bIns="46800" rtlCol="0">
-            <a:spAutoFit/>
-          </a:bodyPr>
-          <a:lstStyle/>
-          <a:p>
-            <a:pPr marL="171450" indent="-171450">
-              <a:buFont typeface="Arial"/>
-              <a:buChar char="•"/>
-            </a:pPr>
-            <a:r>
-              <a:rPr lang="en-US" sz="1200" b="1" dirty="0" smtClean="0">
-                <a:solidFill>
-                  <a:schemeClr val="tx1"/>
-                </a:solidFill>
-                <a:latin typeface="Helvetica"/>
-              </a:rPr>
-              <a:t>JWST references huge:  some 4G – 64G file</a:t>
-            </a:r>
-          </a:p>
-          <a:p>
-            <a:pPr marL="171450" indent="-171450">
-              <a:buFont typeface="Arial"/>
-              <a:buChar char="•"/>
-            </a:pPr>
-            <a:r>
-              <a:rPr lang="en-US" sz="1200" b="1" dirty="0" smtClean="0">
-                <a:solidFill>
-                  <a:schemeClr val="tx1"/>
-                </a:solidFill>
-                <a:latin typeface="Helvetica"/>
-              </a:rPr>
-              <a:t>Provides real time upload status</a:t>
-            </a:r>
-          </a:p>
-          <a:p>
-            <a:pPr marL="171450" indent="-171450">
-              <a:buFont typeface="Arial"/>
-              <a:buChar char="•"/>
-            </a:pPr>
-            <a:r>
-              <a:rPr lang="en-US" sz="1200" b="1" dirty="0" smtClean="0">
-                <a:solidFill>
-                  <a:schemeClr val="tx1"/>
-                </a:solidFill>
-                <a:latin typeface="Helvetica"/>
-              </a:rPr>
-              <a:t>Robust selection of multiple files</a:t>
-            </a:r>
-          </a:p>
-          <a:p>
-            <a:pPr marL="171450" indent="-171450">
-              <a:buFont typeface="Arial"/>
-              <a:buChar char="•"/>
-            </a:pPr>
-            <a:r>
-              <a:rPr lang="en-US" sz="1200" b="1" dirty="0" smtClean="0">
-                <a:solidFill>
-                  <a:schemeClr val="tx1"/>
-                </a:solidFill>
-                <a:latin typeface="Helvetica"/>
-              </a:rPr>
-              <a:t>Upload to ingest directory</a:t>
-            </a:r>
-          </a:p>
-          <a:p>
-            <a:pPr marL="171450" indent="-171450">
-              <a:buFont typeface="Arial"/>
-              <a:buChar char="•"/>
-            </a:pPr>
-            <a:r>
-              <a:rPr lang="en-US" sz="1200" b="1" dirty="0" smtClean="0">
-                <a:solidFill>
-                  <a:schemeClr val="tx1"/>
-                </a:solidFill>
-                <a:latin typeface="Helvetica"/>
-              </a:rPr>
-              <a:t>Web view reflects file system</a:t>
-            </a:r>
-          </a:p>
-          <a:p>
-            <a:pPr marL="171450" indent="-171450">
-              <a:buFont typeface="Arial"/>
-              <a:buChar char="•"/>
-            </a:pPr>
-            <a:r>
-              <a:rPr lang="en-US" sz="1200" b="1" dirty="0" smtClean="0">
-                <a:solidFill>
-                  <a:schemeClr val="tx1"/>
-                </a:solidFill>
-                <a:latin typeface="Helvetica"/>
-              </a:rPr>
-              <a:t>Also supports shell based file copies to ingest</a:t>
-            </a:r>
-          </a:p>
-        </p:txBody>
-      </p:sp>
     </p:spTree>
     <p:extLst>
       <p:ext uri="{BB962C8B-B14F-4D97-AF65-F5344CB8AC3E}">
-        <p14:creationId xmlns:p14="http://schemas.microsoft.com/office/powerpoint/2010/main" val="1598466124"/>
+        <p14:creationId xmlns:p14="http://schemas.microsoft.com/office/powerpoint/2010/main" val="1739316623"/>
       </p:ext>
     </p:extLst>
   </p:cSld>
@@ -14839,7 +13429,7 @@
           <a:p>
             <a:r>
               <a:rPr lang="en-US" dirty="0" smtClean="0"/>
-              <a:t>Submissions Results (summary)</a:t>
+              <a:t>Submission Results (certify output)</a:t>
             </a:r>
             <a:endParaRPr lang="en-US" dirty="0"/>
           </a:p>
@@ -14861,8 +13451,8 @@
         </p:blipFill>
         <p:spPr>
           <a:xfrm>
-            <a:off x="838200" y="990600"/>
-            <a:ext cx="7620000" cy="5731858"/>
+            <a:off x="457200" y="1066800"/>
+            <a:ext cx="8077200" cy="5504667"/>
           </a:xfrm>
           <a:prstGeom prst="rect">
             <a:avLst/>
@@ -14872,7 +13462,7 @@
     </p:spTree>
     <p:extLst>
       <p:ext uri="{BB962C8B-B14F-4D97-AF65-F5344CB8AC3E}">
-        <p14:creationId xmlns:p14="http://schemas.microsoft.com/office/powerpoint/2010/main" val="1739316623"/>
+        <p14:creationId xmlns:p14="http://schemas.microsoft.com/office/powerpoint/2010/main" val="1224456898"/>
       </p:ext>
     </p:extLst>
   </p:cSld>
@@ -14916,7 +13506,7 @@
           <a:p>
             <a:r>
               <a:rPr lang="en-US" dirty="0" smtClean="0"/>
-              <a:t>Submission Results (certify output)</a:t>
+              <a:t>Submission Results (logical diffs)</a:t>
             </a:r>
             <a:endParaRPr lang="en-US" dirty="0"/>
           </a:p>
@@ -14938,8 +13528,8 @@
         </p:blipFill>
         <p:spPr>
           <a:xfrm>
-            <a:off x="457200" y="1066800"/>
-            <a:ext cx="8077200" cy="5504667"/>
+            <a:off x="609600" y="990600"/>
+            <a:ext cx="8153400" cy="5388085"/>
           </a:xfrm>
           <a:prstGeom prst="rect">
             <a:avLst/>
@@ -14949,7 +13539,7 @@
     </p:spTree>
     <p:extLst>
       <p:ext uri="{BB962C8B-B14F-4D97-AF65-F5344CB8AC3E}">
-        <p14:creationId xmlns:p14="http://schemas.microsoft.com/office/powerpoint/2010/main" val="1224456898"/>
+        <p14:creationId xmlns:p14="http://schemas.microsoft.com/office/powerpoint/2010/main" val="407119768"/>
       </p:ext>
     </p:extLst>
   </p:cSld>
@@ -14993,7 +13583,11 @@
           <a:p>
             <a:r>
               <a:rPr lang="en-US" dirty="0" smtClean="0"/>
-              <a:t>Submission Results (logical diffs)</a:t>
+              <a:t>Submission Results</a:t>
+            </a:r>
+            <a:r>
+              <a:rPr lang="en-US" baseline="0" dirty="0" smtClean="0"/>
+              <a:t> (textual diffs)</a:t>
             </a:r>
             <a:endParaRPr lang="en-US" dirty="0"/>
           </a:p>
@@ -15001,7 +13595,7 @@
       </p:sp>
       <p:pic>
         <p:nvPicPr>
-          <p:cNvPr id="3" name="Picture 2"/>
+          <p:cNvPr id="4" name="Picture 3"/>
           <p:cNvPicPr>
             <a:picLocks noChangeAspect="1"/>
           </p:cNvPicPr>
@@ -15015,8 +13609,8 @@
         </p:blipFill>
         <p:spPr>
           <a:xfrm>
-            <a:off x="609600" y="990600"/>
-            <a:ext cx="8153400" cy="5388085"/>
+            <a:off x="685800" y="1143000"/>
+            <a:ext cx="8077200" cy="5299018"/>
           </a:xfrm>
           <a:prstGeom prst="rect">
             <a:avLst/>
@@ -15026,7 +13620,7 @@
     </p:spTree>
     <p:extLst>
       <p:ext uri="{BB962C8B-B14F-4D97-AF65-F5344CB8AC3E}">
-        <p14:creationId xmlns:p14="http://schemas.microsoft.com/office/powerpoint/2010/main" val="407119768"/>
+        <p14:creationId xmlns:p14="http://schemas.microsoft.com/office/powerpoint/2010/main" val="3164611847"/>
       </p:ext>
     </p:extLst>
   </p:cSld>
@@ -15069,51 +13663,82 @@
           <a:lstStyle/>
           <a:p>
             <a:r>
-              <a:rPr lang="en-US" dirty="0" smtClean="0"/>
-              <a:t>Submission Results</a:t>
-            </a:r>
-            <a:r>
-              <a:rPr lang="en-US" baseline="0" dirty="0" smtClean="0"/>
-              <a:t> (textual diffs)</a:t>
-            </a:r>
-            <a:endParaRPr lang="en-US" dirty="0"/>
+              <a:rPr lang="en-US" dirty="0" smtClean="0">
+                <a:solidFill>
+                  <a:schemeClr val="bg1"/>
+                </a:solidFill>
+              </a:rPr>
+              <a:t>Utilities divider</a:t>
+            </a:r>
+            <a:endParaRPr lang="en-US" dirty="0">
+              <a:solidFill>
+                <a:schemeClr val="bg1"/>
+              </a:solidFill>
+            </a:endParaRPr>
           </a:p>
         </p:txBody>
       </p:sp>
-      <p:pic>
-        <p:nvPicPr>
-          <p:cNvPr id="4" name="Picture 3"/>
-          <p:cNvPicPr>
-            <a:picLocks noChangeAspect="1"/>
-          </p:cNvPicPr>
-          <p:nvPr/>
-        </p:nvPicPr>
-        <p:blipFill>
-          <a:blip r:embed="rId2"/>
-          <a:stretch>
-            <a:fillRect/>
-          </a:stretch>
-        </p:blipFill>
-        <p:spPr>
-          <a:xfrm>
-            <a:off x="685800" y="1143000"/>
-            <a:ext cx="8077200" cy="5299018"/>
-          </a:xfrm>
-          <a:prstGeom prst="rect">
-            <a:avLst/>
-          </a:prstGeom>
-        </p:spPr>
-      </p:pic>
+      <p:sp>
+        <p:nvSpPr>
+          <p:cNvPr id="4" name="Text Placeholder 3"/>
+          <p:cNvSpPr>
+            <a:spLocks noGrp="1"/>
+          </p:cNvSpPr>
+          <p:nvPr>
+            <p:ph type="body" idx="4294967295"/>
+          </p:nvPr>
+        </p:nvSpPr>
+        <p:spPr/>
+        <p:txBody>
+          <a:bodyPr/>
+          <a:lstStyle/>
+          <a:p>
+            <a:pPr marL="0" indent="0" algn="ctr">
+              <a:buNone/>
+            </a:pPr>
+            <a:endParaRPr lang="en-US" sz="3200" dirty="0"/>
+          </a:p>
+          <a:p>
+            <a:pPr marL="0" indent="0" algn="ctr">
+              <a:buNone/>
+            </a:pPr>
+            <a:endParaRPr lang="en-US" sz="3200" dirty="0"/>
+          </a:p>
+          <a:p>
+            <a:pPr marL="0" indent="0" algn="ctr">
+              <a:buNone/>
+            </a:pPr>
+            <a:endParaRPr lang="en-US" sz="3200" dirty="0"/>
+          </a:p>
+          <a:p>
+            <a:pPr marL="0" indent="0" algn="ctr">
+              <a:buNone/>
+            </a:pPr>
+            <a:r>
+              <a:rPr lang="en-US" sz="3200" dirty="0" smtClean="0"/>
+              <a:t>Utilities</a:t>
+            </a:r>
+            <a:endParaRPr lang="en-US" sz="3200" dirty="0"/>
+          </a:p>
+        </p:txBody>
+      </p:sp>
     </p:spTree>
     <p:extLst>
       <p:ext uri="{BB962C8B-B14F-4D97-AF65-F5344CB8AC3E}">
-        <p14:creationId xmlns:p14="http://schemas.microsoft.com/office/powerpoint/2010/main" val="3164611847"/>
+        <p14:creationId xmlns:p14="http://schemas.microsoft.com/office/powerpoint/2010/main" val="3367284156"/>
       </p:ext>
     </p:extLst>
   </p:cSld>
   <p:clrMapOvr>
     <a:masterClrMapping/>
   </p:clrMapOvr>
+  <p:timing>
+    <p:tnLst>
+      <p:par>
+        <p:cTn xmlns:p14="http://schemas.microsoft.com/office/powerpoint/2010/main" id="1" dur="indefinite" restart="never" nodeType="tmRoot"/>
+      </p:par>
+    </p:tnLst>
+  </p:timing>
 </p:sld>
 </file>
 
@@ -15136,6 +13761,508 @@
       </p:grpSpPr>
       <p:sp>
         <p:nvSpPr>
+          <p:cNvPr id="21506" name="Rectangle 2"/>
+          <p:cNvSpPr>
+            <a:spLocks noGrp="1" noChangeArrowheads="1"/>
+          </p:cNvSpPr>
+          <p:nvPr>
+            <p:ph idx="1"/>
+          </p:nvPr>
+        </p:nvSpPr>
+        <p:spPr>
+          <a:xfrm>
+            <a:off x="465138" y="1009650"/>
+            <a:ext cx="8216900" cy="5367338"/>
+          </a:xfrm>
+        </p:spPr>
+        <p:txBody>
+          <a:bodyPr lIns="90000" tIns="46800" rIns="90000" bIns="46800"/>
+          <a:lstStyle/>
+          <a:p>
+            <a:pPr marL="0" indent="0" eaLnBrk="1" hangingPunct="1">
+              <a:lnSpc>
+                <a:spcPct val="90000"/>
+              </a:lnSpc>
+              <a:spcBef>
+                <a:spcPts val="400"/>
+              </a:spcBef>
+              <a:spcAft>
+                <a:spcPts val="800"/>
+              </a:spcAft>
+              <a:buNone/>
+              <a:tabLst>
+                <a:tab pos="330200" algn="l"/>
+                <a:tab pos="442913" algn="l"/>
+                <a:tab pos="900113" algn="l"/>
+                <a:tab pos="1357313" algn="l"/>
+                <a:tab pos="1814513" algn="l"/>
+                <a:tab pos="2271713" algn="l"/>
+                <a:tab pos="2728913" algn="l"/>
+                <a:tab pos="3186113" algn="l"/>
+                <a:tab pos="3643313" algn="l"/>
+                <a:tab pos="4100513" algn="l"/>
+                <a:tab pos="4557713" algn="l"/>
+                <a:tab pos="5014913" algn="l"/>
+                <a:tab pos="5472113" algn="l"/>
+                <a:tab pos="5929313" algn="l"/>
+                <a:tab pos="6386513" algn="l"/>
+                <a:tab pos="6843713" algn="l"/>
+                <a:tab pos="7300913" algn="l"/>
+                <a:tab pos="7758113" algn="l"/>
+                <a:tab pos="8215313" algn="l"/>
+                <a:tab pos="8672513" algn="l"/>
+                <a:tab pos="9129713" algn="l"/>
+              </a:tabLst>
+            </a:pPr>
+            <a:r>
+              <a:rPr lang="en-US" sz="1600" dirty="0" smtClean="0"/>
+              <a:t>(Not a complete list)</a:t>
+            </a:r>
+          </a:p>
+          <a:p>
+            <a:pPr eaLnBrk="1" hangingPunct="1">
+              <a:lnSpc>
+                <a:spcPct val="90000"/>
+              </a:lnSpc>
+              <a:spcBef>
+                <a:spcPts val="400"/>
+              </a:spcBef>
+              <a:spcAft>
+                <a:spcPts val="800"/>
+              </a:spcAft>
+              <a:tabLst>
+                <a:tab pos="330200" algn="l"/>
+                <a:tab pos="442913" algn="l"/>
+                <a:tab pos="900113" algn="l"/>
+                <a:tab pos="1357313" algn="l"/>
+                <a:tab pos="1814513" algn="l"/>
+                <a:tab pos="2271713" algn="l"/>
+                <a:tab pos="2728913" algn="l"/>
+                <a:tab pos="3186113" algn="l"/>
+                <a:tab pos="3643313" algn="l"/>
+                <a:tab pos="4100513" algn="l"/>
+                <a:tab pos="4557713" algn="l"/>
+                <a:tab pos="5014913" algn="l"/>
+                <a:tab pos="5472113" algn="l"/>
+                <a:tab pos="5929313" algn="l"/>
+                <a:tab pos="6386513" algn="l"/>
+                <a:tab pos="6843713" algn="l"/>
+                <a:tab pos="7300913" algn="l"/>
+                <a:tab pos="7758113" algn="l"/>
+                <a:tab pos="8215313" algn="l"/>
+                <a:tab pos="8672513" algn="l"/>
+                <a:tab pos="9129713" algn="l"/>
+              </a:tabLst>
+            </a:pPr>
+            <a:r>
+              <a:rPr lang="en-US" sz="1600" dirty="0" smtClean="0"/>
+              <a:t>General Utilities (useful for more than one category)</a:t>
+            </a:r>
+          </a:p>
+          <a:p>
+            <a:pPr lvl="1" eaLnBrk="1" hangingPunct="1">
+              <a:lnSpc>
+                <a:spcPct val="90000"/>
+              </a:lnSpc>
+              <a:spcBef>
+                <a:spcPts val="400"/>
+              </a:spcBef>
+              <a:spcAft>
+                <a:spcPts val="800"/>
+              </a:spcAft>
+              <a:tabLst>
+                <a:tab pos="330200" algn="l"/>
+                <a:tab pos="442913" algn="l"/>
+                <a:tab pos="900113" algn="l"/>
+                <a:tab pos="1357313" algn="l"/>
+                <a:tab pos="1814513" algn="l"/>
+                <a:tab pos="2271713" algn="l"/>
+                <a:tab pos="2728913" algn="l"/>
+                <a:tab pos="3186113" algn="l"/>
+                <a:tab pos="3643313" algn="l"/>
+                <a:tab pos="4100513" algn="l"/>
+                <a:tab pos="4557713" algn="l"/>
+                <a:tab pos="5014913" algn="l"/>
+                <a:tab pos="5472113" algn="l"/>
+                <a:tab pos="5929313" algn="l"/>
+                <a:tab pos="6386513" algn="l"/>
+                <a:tab pos="6843713" algn="l"/>
+                <a:tab pos="7300913" algn="l"/>
+                <a:tab pos="7758113" algn="l"/>
+                <a:tab pos="8215313" algn="l"/>
+                <a:tab pos="8672513" algn="l"/>
+                <a:tab pos="9129713" algn="l"/>
+              </a:tabLst>
+            </a:pPr>
+            <a:r>
+              <a:rPr lang="en-US" sz="1600" dirty="0" smtClean="0"/>
+              <a:t>Cache Synchronization  (</a:t>
+            </a:r>
+            <a:r>
+              <a:rPr lang="en-US" sz="1600" dirty="0" err="1" smtClean="0"/>
+              <a:t>crds.sync</a:t>
+            </a:r>
+            <a:r>
+              <a:rPr lang="en-US" sz="1600" dirty="0" smtClean="0"/>
+              <a:t>)</a:t>
+            </a:r>
+          </a:p>
+          <a:p>
+            <a:pPr lvl="2" eaLnBrk="1" hangingPunct="1">
+              <a:lnSpc>
+                <a:spcPct val="90000"/>
+              </a:lnSpc>
+              <a:spcBef>
+                <a:spcPts val="400"/>
+              </a:spcBef>
+              <a:spcAft>
+                <a:spcPts val="800"/>
+              </a:spcAft>
+              <a:tabLst>
+                <a:tab pos="330200" algn="l"/>
+                <a:tab pos="442913" algn="l"/>
+                <a:tab pos="900113" algn="l"/>
+                <a:tab pos="1357313" algn="l"/>
+                <a:tab pos="1814513" algn="l"/>
+                <a:tab pos="2271713" algn="l"/>
+                <a:tab pos="2728913" algn="l"/>
+                <a:tab pos="3186113" algn="l"/>
+                <a:tab pos="3643313" algn="l"/>
+                <a:tab pos="4100513" algn="l"/>
+                <a:tab pos="4557713" algn="l"/>
+                <a:tab pos="5014913" algn="l"/>
+                <a:tab pos="5472113" algn="l"/>
+                <a:tab pos="5929313" algn="l"/>
+                <a:tab pos="6386513" algn="l"/>
+                <a:tab pos="6843713" algn="l"/>
+                <a:tab pos="7300913" algn="l"/>
+                <a:tab pos="7758113" algn="l"/>
+                <a:tab pos="8215313" algn="l"/>
+                <a:tab pos="8672513" algn="l"/>
+                <a:tab pos="9129713" algn="l"/>
+              </a:tabLst>
+            </a:pPr>
+            <a:r>
+              <a:rPr lang="en-US" sz="1400" dirty="0" smtClean="0"/>
+              <a:t>synchronize local reference file directories to contain all reference files required by given list of pipeline contexts </a:t>
+            </a:r>
+          </a:p>
+          <a:p>
+            <a:pPr lvl="2" eaLnBrk="1" hangingPunct="1">
+              <a:lnSpc>
+                <a:spcPct val="90000"/>
+              </a:lnSpc>
+              <a:spcBef>
+                <a:spcPts val="400"/>
+              </a:spcBef>
+              <a:spcAft>
+                <a:spcPts val="800"/>
+              </a:spcAft>
+              <a:tabLst>
+                <a:tab pos="330200" algn="l"/>
+                <a:tab pos="442913" algn="l"/>
+                <a:tab pos="900113" algn="l"/>
+                <a:tab pos="1357313" algn="l"/>
+                <a:tab pos="1814513" algn="l"/>
+                <a:tab pos="2271713" algn="l"/>
+                <a:tab pos="2728913" algn="l"/>
+                <a:tab pos="3186113" algn="l"/>
+                <a:tab pos="3643313" algn="l"/>
+                <a:tab pos="4100513" algn="l"/>
+                <a:tab pos="4557713" algn="l"/>
+                <a:tab pos="5014913" algn="l"/>
+                <a:tab pos="5472113" algn="l"/>
+                <a:tab pos="5929313" algn="l"/>
+                <a:tab pos="6386513" algn="l"/>
+                <a:tab pos="6843713" algn="l"/>
+                <a:tab pos="7300913" algn="l"/>
+                <a:tab pos="7758113" algn="l"/>
+                <a:tab pos="8215313" algn="l"/>
+                <a:tab pos="8672513" algn="l"/>
+                <a:tab pos="9129713" algn="l"/>
+              </a:tabLst>
+            </a:pPr>
+            <a:r>
+              <a:rPr lang="en-US" sz="1400" dirty="0" smtClean="0"/>
+              <a:t>Useful for Operations, WIT, and other projects (e.g., IDTs)</a:t>
+            </a:r>
+          </a:p>
+          <a:p>
+            <a:pPr lvl="1" eaLnBrk="1" hangingPunct="1">
+              <a:lnSpc>
+                <a:spcPct val="90000"/>
+              </a:lnSpc>
+              <a:spcBef>
+                <a:spcPts val="400"/>
+              </a:spcBef>
+              <a:spcAft>
+                <a:spcPts val="800"/>
+              </a:spcAft>
+              <a:tabLst>
+                <a:tab pos="330200" algn="l"/>
+                <a:tab pos="442913" algn="l"/>
+                <a:tab pos="900113" algn="l"/>
+                <a:tab pos="1357313" algn="l"/>
+                <a:tab pos="1814513" algn="l"/>
+                <a:tab pos="2271713" algn="l"/>
+                <a:tab pos="2728913" algn="l"/>
+                <a:tab pos="3186113" algn="l"/>
+                <a:tab pos="3643313" algn="l"/>
+                <a:tab pos="4100513" algn="l"/>
+                <a:tab pos="4557713" algn="l"/>
+                <a:tab pos="5014913" algn="l"/>
+                <a:tab pos="5472113" algn="l"/>
+                <a:tab pos="5929313" algn="l"/>
+                <a:tab pos="6386513" algn="l"/>
+                <a:tab pos="6843713" algn="l"/>
+                <a:tab pos="7300913" algn="l"/>
+                <a:tab pos="7758113" algn="l"/>
+                <a:tab pos="8215313" algn="l"/>
+                <a:tab pos="8672513" algn="l"/>
+                <a:tab pos="9129713" algn="l"/>
+              </a:tabLst>
+            </a:pPr>
+            <a:r>
+              <a:rPr lang="en-US" sz="1600" dirty="0" smtClean="0"/>
+              <a:t>File Differencing  (</a:t>
+            </a:r>
+            <a:r>
+              <a:rPr lang="en-US" sz="1600" dirty="0" err="1" smtClean="0">
+                <a:solidFill>
+                  <a:srgbClr val="3366FF"/>
+                </a:solidFill>
+              </a:rPr>
+              <a:t>crds.diff</a:t>
+            </a:r>
+            <a:r>
+              <a:rPr lang="en-US" sz="1600" dirty="0" smtClean="0"/>
+              <a:t>)</a:t>
+            </a:r>
+          </a:p>
+          <a:p>
+            <a:pPr lvl="2" eaLnBrk="1" hangingPunct="1">
+              <a:lnSpc>
+                <a:spcPct val="90000"/>
+              </a:lnSpc>
+              <a:spcBef>
+                <a:spcPts val="400"/>
+              </a:spcBef>
+              <a:spcAft>
+                <a:spcPts val="800"/>
+              </a:spcAft>
+              <a:tabLst>
+                <a:tab pos="330200" algn="l"/>
+                <a:tab pos="442913" algn="l"/>
+                <a:tab pos="900113" algn="l"/>
+                <a:tab pos="1357313" algn="l"/>
+                <a:tab pos="1814513" algn="l"/>
+                <a:tab pos="2271713" algn="l"/>
+                <a:tab pos="2728913" algn="l"/>
+                <a:tab pos="3186113" algn="l"/>
+                <a:tab pos="3643313" algn="l"/>
+                <a:tab pos="4100513" algn="l"/>
+                <a:tab pos="4557713" algn="l"/>
+                <a:tab pos="5014913" algn="l"/>
+                <a:tab pos="5472113" algn="l"/>
+                <a:tab pos="5929313" algn="l"/>
+                <a:tab pos="6386513" algn="l"/>
+                <a:tab pos="6843713" algn="l"/>
+                <a:tab pos="7300913" algn="l"/>
+                <a:tab pos="7758113" algn="l"/>
+                <a:tab pos="8215313" algn="l"/>
+                <a:tab pos="8672513" algn="l"/>
+                <a:tab pos="9129713" algn="l"/>
+              </a:tabLst>
+            </a:pPr>
+            <a:r>
+              <a:rPr lang="en-US" sz="1400" dirty="0" smtClean="0"/>
+              <a:t>Highlight all differences in rules and reference files between rmaps, instrument contexts or pipeline contexts</a:t>
+            </a:r>
+          </a:p>
+          <a:p>
+            <a:pPr lvl="1" eaLnBrk="1" hangingPunct="1">
+              <a:lnSpc>
+                <a:spcPct val="90000"/>
+              </a:lnSpc>
+              <a:spcBef>
+                <a:spcPts val="400"/>
+              </a:spcBef>
+              <a:spcAft>
+                <a:spcPts val="800"/>
+              </a:spcAft>
+              <a:tabLst>
+                <a:tab pos="330200" algn="l"/>
+                <a:tab pos="442913" algn="l"/>
+                <a:tab pos="900113" algn="l"/>
+                <a:tab pos="1357313" algn="l"/>
+                <a:tab pos="1814513" algn="l"/>
+                <a:tab pos="2271713" algn="l"/>
+                <a:tab pos="2728913" algn="l"/>
+                <a:tab pos="3186113" algn="l"/>
+                <a:tab pos="3643313" algn="l"/>
+                <a:tab pos="4100513" algn="l"/>
+                <a:tab pos="4557713" algn="l"/>
+                <a:tab pos="5014913" algn="l"/>
+                <a:tab pos="5472113" algn="l"/>
+                <a:tab pos="5929313" algn="l"/>
+                <a:tab pos="6386513" algn="l"/>
+                <a:tab pos="6843713" algn="l"/>
+                <a:tab pos="7300913" algn="l"/>
+                <a:tab pos="7758113" algn="l"/>
+                <a:tab pos="8215313" algn="l"/>
+                <a:tab pos="8672513" algn="l"/>
+                <a:tab pos="9129713" algn="l"/>
+              </a:tabLst>
+            </a:pPr>
+            <a:r>
+              <a:rPr lang="en-US" sz="1600" dirty="0" smtClean="0"/>
+              <a:t>File Best References (</a:t>
+            </a:r>
+            <a:r>
+              <a:rPr lang="en-US" sz="1600" dirty="0" err="1" smtClean="0">
+                <a:solidFill>
+                  <a:srgbClr val="3366FF"/>
+                </a:solidFill>
+              </a:rPr>
+              <a:t>crds.file_bestfrefs</a:t>
+            </a:r>
+            <a:r>
+              <a:rPr lang="en-US" sz="1600" dirty="0" smtClean="0"/>
+              <a:t>)</a:t>
+            </a:r>
+          </a:p>
+          <a:p>
+            <a:pPr lvl="2" eaLnBrk="1" hangingPunct="1">
+              <a:lnSpc>
+                <a:spcPct val="90000"/>
+              </a:lnSpc>
+              <a:spcBef>
+                <a:spcPts val="400"/>
+              </a:spcBef>
+              <a:spcAft>
+                <a:spcPts val="800"/>
+              </a:spcAft>
+              <a:tabLst>
+                <a:tab pos="330200" algn="l"/>
+                <a:tab pos="442913" algn="l"/>
+                <a:tab pos="900113" algn="l"/>
+                <a:tab pos="1357313" algn="l"/>
+                <a:tab pos="1814513" algn="l"/>
+                <a:tab pos="2271713" algn="l"/>
+                <a:tab pos="2728913" algn="l"/>
+                <a:tab pos="3186113" algn="l"/>
+                <a:tab pos="3643313" algn="l"/>
+                <a:tab pos="4100513" algn="l"/>
+                <a:tab pos="4557713" algn="l"/>
+                <a:tab pos="5014913" algn="l"/>
+                <a:tab pos="5472113" algn="l"/>
+                <a:tab pos="5929313" algn="l"/>
+                <a:tab pos="6386513" algn="l"/>
+                <a:tab pos="6843713" algn="l"/>
+                <a:tab pos="7300913" algn="l"/>
+                <a:tab pos="7758113" algn="l"/>
+                <a:tab pos="8215313" algn="l"/>
+                <a:tab pos="8672513" algn="l"/>
+                <a:tab pos="9129713" algn="l"/>
+              </a:tabLst>
+            </a:pPr>
+            <a:r>
+              <a:rPr lang="en-US" sz="1400" dirty="0" smtClean="0"/>
+              <a:t>Determines best references for a data set FITS file and/or updates header</a:t>
+            </a:r>
+          </a:p>
+          <a:p>
+            <a:pPr lvl="1" eaLnBrk="1" hangingPunct="1">
+              <a:lnSpc>
+                <a:spcPct val="90000"/>
+              </a:lnSpc>
+              <a:spcBef>
+                <a:spcPts val="400"/>
+              </a:spcBef>
+              <a:spcAft>
+                <a:spcPts val="800"/>
+              </a:spcAft>
+              <a:tabLst>
+                <a:tab pos="330200" algn="l"/>
+                <a:tab pos="442913" algn="l"/>
+                <a:tab pos="900113" algn="l"/>
+                <a:tab pos="1357313" algn="l"/>
+                <a:tab pos="1814513" algn="l"/>
+                <a:tab pos="2271713" algn="l"/>
+                <a:tab pos="2728913" algn="l"/>
+                <a:tab pos="3186113" algn="l"/>
+                <a:tab pos="3643313" algn="l"/>
+                <a:tab pos="4100513" algn="l"/>
+                <a:tab pos="4557713" algn="l"/>
+                <a:tab pos="5014913" algn="l"/>
+                <a:tab pos="5472113" algn="l"/>
+                <a:tab pos="5929313" algn="l"/>
+                <a:tab pos="6386513" algn="l"/>
+                <a:tab pos="6843713" algn="l"/>
+                <a:tab pos="7300913" algn="l"/>
+                <a:tab pos="7758113" algn="l"/>
+                <a:tab pos="8215313" algn="l"/>
+                <a:tab pos="8672513" algn="l"/>
+                <a:tab pos="9129713" algn="l"/>
+              </a:tabLst>
+            </a:pPr>
+            <a:r>
+              <a:rPr lang="en-US" sz="1600" dirty="0" smtClean="0"/>
+              <a:t>Database Best References  (</a:t>
+            </a:r>
+            <a:r>
+              <a:rPr lang="en-US" sz="1600" dirty="0" err="1" smtClean="0"/>
+              <a:t>crds.db_bestrefs</a:t>
+            </a:r>
+            <a:r>
+              <a:rPr lang="en-US" sz="1600" dirty="0" smtClean="0"/>
+              <a:t>)</a:t>
+            </a:r>
+          </a:p>
+          <a:p>
+            <a:pPr lvl="2" eaLnBrk="1" hangingPunct="1">
+              <a:lnSpc>
+                <a:spcPct val="90000"/>
+              </a:lnSpc>
+              <a:spcBef>
+                <a:spcPts val="400"/>
+              </a:spcBef>
+              <a:spcAft>
+                <a:spcPts val="800"/>
+              </a:spcAft>
+              <a:tabLst>
+                <a:tab pos="330200" algn="l"/>
+                <a:tab pos="442913" algn="l"/>
+                <a:tab pos="900113" algn="l"/>
+                <a:tab pos="1357313" algn="l"/>
+                <a:tab pos="1814513" algn="l"/>
+                <a:tab pos="2271713" algn="l"/>
+                <a:tab pos="2728913" algn="l"/>
+                <a:tab pos="3186113" algn="l"/>
+                <a:tab pos="3643313" algn="l"/>
+                <a:tab pos="4100513" algn="l"/>
+                <a:tab pos="4557713" algn="l"/>
+                <a:tab pos="5014913" algn="l"/>
+                <a:tab pos="5472113" algn="l"/>
+                <a:tab pos="5929313" algn="l"/>
+                <a:tab pos="6386513" algn="l"/>
+                <a:tab pos="6843713" algn="l"/>
+                <a:tab pos="7300913" algn="l"/>
+                <a:tab pos="7758113" algn="l"/>
+                <a:tab pos="8215313" algn="l"/>
+                <a:tab pos="8672513" algn="l"/>
+                <a:tab pos="9129713" algn="l"/>
+              </a:tabLst>
+            </a:pPr>
+            <a:r>
+              <a:rPr lang="en-US" sz="1400" dirty="0" smtClean="0"/>
+              <a:t>Determines best references based on catalog parameters and/or updates catalog</a:t>
+            </a:r>
+          </a:p>
+        </p:txBody>
+      </p:sp>
+      <p:sp>
+        <p:nvSpPr>
           <p:cNvPr id="2" name="Title 1"/>
           <p:cNvSpPr>
             <a:spLocks noGrp="1"/>
@@ -15150,79 +14277,48 @@
           <a:lstStyle/>
           <a:p>
             <a:r>
-              <a:rPr lang="en-US" dirty="0" smtClean="0">
-                <a:solidFill>
-                  <a:schemeClr val="bg1"/>
-                </a:solidFill>
-              </a:rPr>
-              <a:t>Utilities divider</a:t>
-            </a:r>
-            <a:endParaRPr lang="en-US" dirty="0">
-              <a:solidFill>
-                <a:schemeClr val="bg1"/>
-              </a:solidFill>
-            </a:endParaRPr>
-          </a:p>
-        </p:txBody>
-      </p:sp>
-      <p:sp>
-        <p:nvSpPr>
-          <p:cNvPr id="4" name="Text Placeholder 3"/>
-          <p:cNvSpPr>
-            <a:spLocks noGrp="1"/>
-          </p:cNvSpPr>
-          <p:nvPr>
-            <p:ph type="body" idx="4294967295"/>
-          </p:nvPr>
-        </p:nvSpPr>
-        <p:spPr/>
-        <p:txBody>
-          <a:bodyPr/>
-          <a:lstStyle/>
-          <a:p>
-            <a:pPr marL="0" indent="0" algn="ctr">
-              <a:buNone/>
-            </a:pPr>
-            <a:endParaRPr lang="en-US" sz="3200" dirty="0"/>
-          </a:p>
-          <a:p>
-            <a:pPr marL="0" indent="0" algn="ctr">
-              <a:buNone/>
-            </a:pPr>
-            <a:endParaRPr lang="en-US" sz="3200" dirty="0"/>
-          </a:p>
-          <a:p>
-            <a:pPr marL="0" indent="0" algn="ctr">
-              <a:buNone/>
-            </a:pPr>
-            <a:endParaRPr lang="en-US" sz="3200" dirty="0"/>
-          </a:p>
-          <a:p>
-            <a:pPr marL="0" indent="0" algn="ctr">
-              <a:buNone/>
-            </a:pPr>
-            <a:r>
-              <a:rPr lang="en-US" sz="3200" dirty="0" smtClean="0"/>
-              <a:t>Utilities</a:t>
-            </a:r>
-            <a:endParaRPr lang="en-US" sz="3200" dirty="0"/>
+              <a:rPr lang="en-US" dirty="0" smtClean="0"/>
+              <a:t>Utilities Design</a:t>
+            </a:r>
+            <a:endParaRPr lang="en-US" dirty="0"/>
           </a:p>
         </p:txBody>
       </p:sp>
     </p:spTree>
     <p:extLst>
       <p:ext uri="{BB962C8B-B14F-4D97-AF65-F5344CB8AC3E}">
-        <p14:creationId xmlns:p14="http://schemas.microsoft.com/office/powerpoint/2010/main" val="3367284156"/>
+        <p14:creationId xmlns:p14="http://schemas.microsoft.com/office/powerpoint/2010/main" val="1938532718"/>
       </p:ext>
     </p:extLst>
   </p:cSld>
   <p:clrMapOvr>
     <a:masterClrMapping/>
   </p:clrMapOvr>
+  <p:transition xmlns:p14="http://schemas.microsoft.com/office/powerpoint/2010/main" spd="med"/>
   <p:timing>
     <p:tnLst>
       <p:par>
-        <p:cTn xmlns:p14="http://schemas.microsoft.com/office/powerpoint/2010/main" id="1" dur="indefinite" restart="never" nodeType="tmRoot"/>
+        <p:cTn xmlns:p14="http://schemas.microsoft.com/office/powerpoint/2010/main" id="1" dur="indefinite" restart="never" nodeType="tmRoot">
+          <p:childTnLst>
+            <p:seq concurrent="1" nextAc="seek">
+              <p:cTn id="2" dur="indefinite" nodeType="mainSeq"/>
+              <p:prevCondLst>
+                <p:cond evt="onPrev" delay="0">
+                  <p:tgtEl>
+                    <p:sldTgt/>
+                  </p:tgtEl>
+                </p:cond>
+              </p:prevCondLst>
+              <p:nextCondLst>
+                <p:cond evt="onNext" delay="0">
+                  <p:tgtEl>
+                    <p:sldTgt/>
+                  </p:tgtEl>
+                </p:cond>
+              </p:nextCondLst>
+            </p:seq>
+          </p:childTnLst>
+        </p:cTn>
       </p:par>
     </p:tnLst>
   </p:timing>
@@ -15258,54 +14354,13 @@
         </p:nvSpPr>
         <p:spPr>
           <a:xfrm>
-            <a:off x="465138" y="1009650"/>
+            <a:off x="457200" y="838200"/>
             <a:ext cx="8216900" cy="5367338"/>
           </a:xfrm>
         </p:spPr>
         <p:txBody>
           <a:bodyPr lIns="90000" tIns="46800" rIns="90000" bIns="46800"/>
           <a:lstStyle/>
-          <a:p>
-            <a:pPr marL="0" indent="0" eaLnBrk="1" hangingPunct="1">
-              <a:lnSpc>
-                <a:spcPct val="90000"/>
-              </a:lnSpc>
-              <a:spcBef>
-                <a:spcPts val="400"/>
-              </a:spcBef>
-              <a:spcAft>
-                <a:spcPts val="800"/>
-              </a:spcAft>
-              <a:buNone/>
-              <a:tabLst>
-                <a:tab pos="330200" algn="l"/>
-                <a:tab pos="442913" algn="l"/>
-                <a:tab pos="900113" algn="l"/>
-                <a:tab pos="1357313" algn="l"/>
-                <a:tab pos="1814513" algn="l"/>
-                <a:tab pos="2271713" algn="l"/>
-                <a:tab pos="2728913" algn="l"/>
-                <a:tab pos="3186113" algn="l"/>
-                <a:tab pos="3643313" algn="l"/>
-                <a:tab pos="4100513" algn="l"/>
-                <a:tab pos="4557713" algn="l"/>
-                <a:tab pos="5014913" algn="l"/>
-                <a:tab pos="5472113" algn="l"/>
-                <a:tab pos="5929313" algn="l"/>
-                <a:tab pos="6386513" algn="l"/>
-                <a:tab pos="6843713" algn="l"/>
-                <a:tab pos="7300913" algn="l"/>
-                <a:tab pos="7758113" algn="l"/>
-                <a:tab pos="8215313" algn="l"/>
-                <a:tab pos="8672513" algn="l"/>
-                <a:tab pos="9129713" algn="l"/>
-              </a:tabLst>
-            </a:pPr>
-            <a:r>
-              <a:rPr lang="en-US" sz="1600" dirty="0" smtClean="0"/>
-              <a:t>(Not a complete list)</a:t>
-            </a:r>
-          </a:p>
           <a:p>
             <a:pPr eaLnBrk="1" hangingPunct="1">
               <a:lnSpc>
@@ -15343,7 +14398,7 @@
             </a:pPr>
             <a:r>
               <a:rPr lang="en-US" sz="1600" dirty="0" smtClean="0"/>
-              <a:t>General Utilities (useful for more than one category)</a:t>
+              <a:t>Operational System Utilities</a:t>
             </a:r>
           </a:p>
           <a:p>
@@ -15383,15 +14438,7 @@
             </a:pPr>
             <a:r>
               <a:rPr lang="en-US" sz="1600" dirty="0" smtClean="0"/>
-              <a:t>Cache Synchronization  (</a:t>
-            </a:r>
-            <a:r>
-              <a:rPr lang="en-US" sz="1600" dirty="0" err="1" smtClean="0"/>
-              <a:t>crds.sync</a:t>
-            </a:r>
-            <a:r>
-              <a:rPr lang="en-US" sz="1600" dirty="0" smtClean="0"/>
-              <a:t>)</a:t>
+              <a:t>Reversion Detection</a:t>
             </a:r>
           </a:p>
           <a:p>
@@ -15431,7 +14478,7 @@
             </a:pPr>
             <a:r>
               <a:rPr lang="en-US" sz="1400" dirty="0" smtClean="0"/>
-              <a:t>synchronize local reference file directories to contain all reference files required by given list of pipeline contexts </a:t>
+              <a:t>Detection of reversion of reference, rmap, or instrument context files when changing pipeline context</a:t>
             </a:r>
           </a:p>
           <a:p>
@@ -15471,7 +14518,7 @@
             </a:pPr>
             <a:r>
               <a:rPr lang="en-US" sz="1400" dirty="0" smtClean="0"/>
-              <a:t>Useful for Operations, WIT, and other projects (e.g., IDTs)</a:t>
+              <a:t>Prevents inadvertent undoing of previous updates by uncoordinated modifications</a:t>
             </a:r>
           </a:p>
           <a:p>
@@ -15511,19 +14558,7 @@
             </a:pPr>
             <a:r>
               <a:rPr lang="en-US" sz="1600" dirty="0" smtClean="0"/>
-              <a:t>File Differencing  (</a:t>
-            </a:r>
-            <a:r>
-              <a:rPr lang="en-US" sz="1600" dirty="0" err="1" smtClean="0">
-                <a:solidFill>
-                  <a:srgbClr val="3366FF"/>
-                </a:solidFill>
-              </a:rPr>
-              <a:t>crds.diff</a:t>
-            </a:r>
-            <a:r>
-              <a:rPr lang="en-US" sz="1600" dirty="0" smtClean="0"/>
-              <a:t>)</a:t>
+              <a:t>Affected Datasets</a:t>
             </a:r>
           </a:p>
           <a:p>
@@ -15563,59 +14598,7 @@
             </a:pPr>
             <a:r>
               <a:rPr lang="en-US" sz="1400" dirty="0" smtClean="0"/>
-              <a:t>Highlight all differences in rules and reference files between rmaps, instrument contexts or pipeline contexts</a:t>
-            </a:r>
-          </a:p>
-          <a:p>
-            <a:pPr lvl="1" eaLnBrk="1" hangingPunct="1">
-              <a:lnSpc>
-                <a:spcPct val="90000"/>
-              </a:lnSpc>
-              <a:spcBef>
-                <a:spcPts val="400"/>
-              </a:spcBef>
-              <a:spcAft>
-                <a:spcPts val="800"/>
-              </a:spcAft>
-              <a:tabLst>
-                <a:tab pos="330200" algn="l"/>
-                <a:tab pos="442913" algn="l"/>
-                <a:tab pos="900113" algn="l"/>
-                <a:tab pos="1357313" algn="l"/>
-                <a:tab pos="1814513" algn="l"/>
-                <a:tab pos="2271713" algn="l"/>
-                <a:tab pos="2728913" algn="l"/>
-                <a:tab pos="3186113" algn="l"/>
-                <a:tab pos="3643313" algn="l"/>
-                <a:tab pos="4100513" algn="l"/>
-                <a:tab pos="4557713" algn="l"/>
-                <a:tab pos="5014913" algn="l"/>
-                <a:tab pos="5472113" algn="l"/>
-                <a:tab pos="5929313" algn="l"/>
-                <a:tab pos="6386513" algn="l"/>
-                <a:tab pos="6843713" algn="l"/>
-                <a:tab pos="7300913" algn="l"/>
-                <a:tab pos="7758113" algn="l"/>
-                <a:tab pos="8215313" algn="l"/>
-                <a:tab pos="8672513" algn="l"/>
-                <a:tab pos="9129713" algn="l"/>
-              </a:tabLst>
-            </a:pPr>
-            <a:r>
-              <a:rPr lang="en-US" sz="1600" dirty="0" smtClean="0"/>
-              <a:t>File Best References (</a:t>
-            </a:r>
-            <a:r>
-              <a:rPr lang="en-US" sz="1600" dirty="0" err="1" smtClean="0">
-                <a:solidFill>
-                  <a:srgbClr val="3366FF"/>
-                </a:solidFill>
-              </a:rPr>
-              <a:t>crds.file_bestfrefs</a:t>
-            </a:r>
-            <a:r>
-              <a:rPr lang="en-US" sz="1600" dirty="0" smtClean="0"/>
-              <a:t>)</a:t>
+              <a:t>Get list of datasets affected by pipeline context change</a:t>
             </a:r>
           </a:p>
           <a:p>
@@ -15655,55 +14638,7 @@
             </a:pPr>
             <a:r>
               <a:rPr lang="en-US" sz="1400" dirty="0" smtClean="0"/>
-              <a:t>Determines best references for a data set FITS file and/or updates header</a:t>
-            </a:r>
-          </a:p>
-          <a:p>
-            <a:pPr lvl="1" eaLnBrk="1" hangingPunct="1">
-              <a:lnSpc>
-                <a:spcPct val="90000"/>
-              </a:lnSpc>
-              <a:spcBef>
-                <a:spcPts val="400"/>
-              </a:spcBef>
-              <a:spcAft>
-                <a:spcPts val="800"/>
-              </a:spcAft>
-              <a:tabLst>
-                <a:tab pos="330200" algn="l"/>
-                <a:tab pos="442913" algn="l"/>
-                <a:tab pos="900113" algn="l"/>
-                <a:tab pos="1357313" algn="l"/>
-                <a:tab pos="1814513" algn="l"/>
-                <a:tab pos="2271713" algn="l"/>
-                <a:tab pos="2728913" algn="l"/>
-                <a:tab pos="3186113" algn="l"/>
-                <a:tab pos="3643313" algn="l"/>
-                <a:tab pos="4100513" algn="l"/>
-                <a:tab pos="4557713" algn="l"/>
-                <a:tab pos="5014913" algn="l"/>
-                <a:tab pos="5472113" algn="l"/>
-                <a:tab pos="5929313" algn="l"/>
-                <a:tab pos="6386513" algn="l"/>
-                <a:tab pos="6843713" algn="l"/>
-                <a:tab pos="7300913" algn="l"/>
-                <a:tab pos="7758113" algn="l"/>
-                <a:tab pos="8215313" algn="l"/>
-                <a:tab pos="8672513" algn="l"/>
-                <a:tab pos="9129713" algn="l"/>
-              </a:tabLst>
-            </a:pPr>
-            <a:r>
-              <a:rPr lang="en-US" sz="1600" dirty="0" smtClean="0"/>
-              <a:t>Database Best References  (</a:t>
-            </a:r>
-            <a:r>
-              <a:rPr lang="en-US" sz="1600" dirty="0" err="1" smtClean="0"/>
-              <a:t>crds.db_bestrefs</a:t>
-            </a:r>
-            <a:r>
-              <a:rPr lang="en-US" sz="1600" dirty="0" smtClean="0"/>
-              <a:t>)</a:t>
+              <a:t>Useful for identifying data sets needing reprocessing</a:t>
             </a:r>
           </a:p>
           <a:p>
@@ -15743,14 +14678,204 @@
             </a:pPr>
             <a:r>
               <a:rPr lang="en-US" sz="1400" dirty="0" smtClean="0"/>
-              <a:t>Determines best references based on catalog parameters and/or updates catalog</a:t>
+              <a:t>Design Issue: Some table reference files have rows selected by additional selection criteria. A change to the file does not necessarily affect all data sets that use that reference table. This utility must examine the contents of these tables to determine which data sets are affected (and store the selection criteria for the rows in </a:t>
+            </a:r>
+            <a:r>
+              <a:rPr lang="en-US" sz="1400" dirty="0" err="1" smtClean="0"/>
+              <a:t>rmaps</a:t>
+            </a:r>
+            <a:r>
+              <a:rPr lang="en-US" sz="1400" dirty="0" smtClean="0"/>
+              <a:t> for this utility to use in doing such checks)</a:t>
+            </a:r>
+          </a:p>
+          <a:p>
+            <a:pPr lvl="2" eaLnBrk="1" hangingPunct="1">
+              <a:lnSpc>
+                <a:spcPct val="90000"/>
+              </a:lnSpc>
+              <a:spcBef>
+                <a:spcPts val="400"/>
+              </a:spcBef>
+              <a:spcAft>
+                <a:spcPts val="800"/>
+              </a:spcAft>
+              <a:tabLst>
+                <a:tab pos="330200" algn="l"/>
+                <a:tab pos="442913" algn="l"/>
+                <a:tab pos="900113" algn="l"/>
+                <a:tab pos="1357313" algn="l"/>
+                <a:tab pos="1814513" algn="l"/>
+                <a:tab pos="2271713" algn="l"/>
+                <a:tab pos="2728913" algn="l"/>
+                <a:tab pos="3186113" algn="l"/>
+                <a:tab pos="3643313" algn="l"/>
+                <a:tab pos="4100513" algn="l"/>
+                <a:tab pos="4557713" algn="l"/>
+                <a:tab pos="5014913" algn="l"/>
+                <a:tab pos="5472113" algn="l"/>
+                <a:tab pos="5929313" algn="l"/>
+                <a:tab pos="6386513" algn="l"/>
+                <a:tab pos="6843713" algn="l"/>
+                <a:tab pos="7300913" algn="l"/>
+                <a:tab pos="7758113" algn="l"/>
+                <a:tab pos="8215313" algn="l"/>
+                <a:tab pos="8672513" algn="l"/>
+                <a:tab pos="9129713" algn="l"/>
+              </a:tabLst>
+            </a:pPr>
+            <a:r>
+              <a:rPr lang="en-US" sz="1400" dirty="0" smtClean="0"/>
+              <a:t>Design Issue: Selection based on severity of change of reference file change. Some desire the ability of selecting only data sets for which the change in reference files is considered to be above some specified threshold (e.g., moderate, or severe).</a:t>
+            </a:r>
+          </a:p>
+          <a:p>
+            <a:pPr lvl="3" eaLnBrk="1" hangingPunct="1">
+              <a:lnSpc>
+                <a:spcPct val="90000"/>
+              </a:lnSpc>
+              <a:spcBef>
+                <a:spcPts val="400"/>
+              </a:spcBef>
+              <a:spcAft>
+                <a:spcPts val="800"/>
+              </a:spcAft>
+              <a:tabLst>
+                <a:tab pos="330200" algn="l"/>
+                <a:tab pos="442913" algn="l"/>
+                <a:tab pos="900113" algn="l"/>
+                <a:tab pos="1357313" algn="l"/>
+                <a:tab pos="1814513" algn="l"/>
+                <a:tab pos="2271713" algn="l"/>
+                <a:tab pos="2728913" algn="l"/>
+                <a:tab pos="3186113" algn="l"/>
+                <a:tab pos="3643313" algn="l"/>
+                <a:tab pos="4100513" algn="l"/>
+                <a:tab pos="4557713" algn="l"/>
+                <a:tab pos="5014913" algn="l"/>
+                <a:tab pos="5472113" algn="l"/>
+                <a:tab pos="5929313" algn="l"/>
+                <a:tab pos="6386513" algn="l"/>
+                <a:tab pos="6843713" algn="l"/>
+                <a:tab pos="7300913" algn="l"/>
+                <a:tab pos="7758113" algn="l"/>
+                <a:tab pos="8215313" algn="l"/>
+                <a:tab pos="8672513" algn="l"/>
+                <a:tab pos="9129713" algn="l"/>
+              </a:tabLst>
+            </a:pPr>
+            <a:r>
+              <a:rPr lang="en-US" sz="1000" dirty="0" smtClean="0"/>
+              <a:t>Very difficult problem to do correctly and make practical</a:t>
+            </a:r>
+          </a:p>
+          <a:p>
+            <a:pPr lvl="3" eaLnBrk="1" hangingPunct="1">
+              <a:lnSpc>
+                <a:spcPct val="90000"/>
+              </a:lnSpc>
+              <a:spcBef>
+                <a:spcPts val="400"/>
+              </a:spcBef>
+              <a:spcAft>
+                <a:spcPts val="800"/>
+              </a:spcAft>
+              <a:tabLst>
+                <a:tab pos="330200" algn="l"/>
+                <a:tab pos="442913" algn="l"/>
+                <a:tab pos="900113" algn="l"/>
+                <a:tab pos="1357313" algn="l"/>
+                <a:tab pos="1814513" algn="l"/>
+                <a:tab pos="2271713" algn="l"/>
+                <a:tab pos="2728913" algn="l"/>
+                <a:tab pos="3186113" algn="l"/>
+                <a:tab pos="3643313" algn="l"/>
+                <a:tab pos="4100513" algn="l"/>
+                <a:tab pos="4557713" algn="l"/>
+                <a:tab pos="5014913" algn="l"/>
+                <a:tab pos="5472113" algn="l"/>
+                <a:tab pos="5929313" algn="l"/>
+                <a:tab pos="6386513" algn="l"/>
+                <a:tab pos="6843713" algn="l"/>
+                <a:tab pos="7300913" algn="l"/>
+                <a:tab pos="7758113" algn="l"/>
+                <a:tab pos="8215313" algn="l"/>
+                <a:tab pos="8672513" algn="l"/>
+                <a:tab pos="9129713" algn="l"/>
+              </a:tabLst>
+            </a:pPr>
+            <a:r>
+              <a:rPr lang="en-US" sz="1000" dirty="0" smtClean="0"/>
+              <a:t>Awaiting well defined concept for how this should work before accepting as a requirement</a:t>
             </a:r>
           </a:p>
         </p:txBody>
       </p:sp>
       <p:sp>
         <p:nvSpPr>
-          <p:cNvPr id="2" name="Title 1"/>
+          <p:cNvPr id="21509" name="Rectangle 1"/>
+          <p:cNvSpPr>
+            <a:spLocks noChangeArrowheads="1"/>
+          </p:cNvSpPr>
+          <p:nvPr/>
+        </p:nvSpPr>
+        <p:spPr bwMode="auto">
+          <a:xfrm>
+            <a:off x="914400" y="152400"/>
+            <a:ext cx="6934200" cy="406400"/>
+          </a:xfrm>
+          <a:prstGeom prst="rect">
+            <a:avLst/>
+          </a:prstGeom>
+          <a:noFill/>
+          <a:ln w="9525">
+            <a:noFill/>
+            <a:round/>
+            <a:headEnd/>
+            <a:tailEnd/>
+          </a:ln>
+        </p:spPr>
+        <p:txBody>
+          <a:bodyPr lIns="90000" tIns="46800" rIns="90000" bIns="46800" anchor="ctr"/>
+          <a:lstStyle/>
+          <a:p>
+            <a:pPr algn="ctr">
+              <a:tabLst>
+                <a:tab pos="0" algn="l"/>
+                <a:tab pos="457200" algn="l"/>
+                <a:tab pos="914400" algn="l"/>
+                <a:tab pos="1371600" algn="l"/>
+                <a:tab pos="1828800" algn="l"/>
+                <a:tab pos="2286000" algn="l"/>
+                <a:tab pos="2743200" algn="l"/>
+                <a:tab pos="3200400" algn="l"/>
+                <a:tab pos="3657600" algn="l"/>
+                <a:tab pos="4114800" algn="l"/>
+                <a:tab pos="4572000" algn="l"/>
+                <a:tab pos="5029200" algn="l"/>
+                <a:tab pos="5486400" algn="l"/>
+                <a:tab pos="5943600" algn="l"/>
+                <a:tab pos="6400800" algn="l"/>
+                <a:tab pos="6858000" algn="l"/>
+                <a:tab pos="7315200" algn="l"/>
+                <a:tab pos="7772400" algn="l"/>
+                <a:tab pos="8229600" algn="l"/>
+                <a:tab pos="8686800" algn="l"/>
+                <a:tab pos="9144000" algn="l"/>
+              </a:tabLst>
+            </a:pPr>
+            <a:endParaRPr lang="en-US" sz="2800" b="1" dirty="0">
+              <a:solidFill>
+                <a:srgbClr val="BB0018"/>
+              </a:solidFill>
+              <a:latin typeface="Arial" charset="0"/>
+            </a:endParaRPr>
+          </a:p>
+        </p:txBody>
+      </p:sp>
+      <p:sp>
+        <p:nvSpPr>
+          <p:cNvPr id="3" name="Title 2"/>
           <p:cNvSpPr>
             <a:spLocks noGrp="1"/>
           </p:cNvSpPr>
@@ -15765,7 +14890,15 @@
           <a:p>
             <a:r>
               <a:rPr lang="en-US" dirty="0" smtClean="0"/>
-              <a:t>Utilities Design</a:t>
+              <a:t>Utilities Design (</a:t>
+            </a:r>
+            <a:r>
+              <a:rPr lang="en-US" dirty="0" err="1" smtClean="0"/>
+              <a:t>cont</a:t>
+            </a:r>
+            <a:r>
+              <a:rPr lang="en-US" dirty="0" smtClean="0"/>
+              <a:t> 1)</a:t>
             </a:r>
             <a:endParaRPr lang="en-US" dirty="0"/>
           </a:p>
@@ -15774,7 +14907,7 @@
     </p:spTree>
     <p:extLst>
       <p:ext uri="{BB962C8B-B14F-4D97-AF65-F5344CB8AC3E}">
-        <p14:creationId xmlns:p14="http://schemas.microsoft.com/office/powerpoint/2010/main" val="1938532718"/>
+        <p14:creationId xmlns:p14="http://schemas.microsoft.com/office/powerpoint/2010/main" val="3141804488"/>
       </p:ext>
     </p:extLst>
   </p:cSld>
@@ -15841,7 +14974,7 @@
         </p:nvSpPr>
         <p:spPr>
           <a:xfrm>
-            <a:off x="457200" y="838200"/>
+            <a:off x="457200" y="914400"/>
             <a:ext cx="8216900" cy="5367338"/>
           </a:xfrm>
         </p:spPr>
@@ -15885,8 +15018,9 @@
             </a:pPr>
             <a:r>
               <a:rPr lang="en-US" sz="1600" dirty="0" smtClean="0"/>
-              <a:t>Operational System Utilities</a:t>
-            </a:r>
+              <a:t>WIT Utilities</a:t>
+            </a:r>
+            <a:endParaRPr lang="en-US" sz="1400" dirty="0" smtClean="0"/>
           </a:p>
           <a:p>
             <a:pPr lvl="1" eaLnBrk="1" hangingPunct="1">
@@ -15924,9 +15058,18 @@
               </a:tabLst>
             </a:pPr>
             <a:r>
-              <a:rPr lang="en-US" sz="1600" dirty="0" smtClean="0"/>
-              <a:t>Reversion Detection</a:t>
-            </a:r>
+              <a:rPr lang="en-US" sz="1600" dirty="0" err="1" smtClean="0">
+                <a:solidFill>
+                  <a:srgbClr val="3366FF"/>
+                </a:solidFill>
+              </a:rPr>
+              <a:t>crds.uses</a:t>
+            </a:r>
+            <a:endParaRPr lang="en-US" sz="1600" dirty="0" smtClean="0">
+              <a:solidFill>
+                <a:srgbClr val="3366FF"/>
+              </a:solidFill>
+            </a:endParaRPr>
           </a:p>
           <a:p>
             <a:pPr lvl="2" eaLnBrk="1" hangingPunct="1">
@@ -15965,7 +15108,95 @@
             </a:pPr>
             <a:r>
               <a:rPr lang="en-US" sz="1400" dirty="0" smtClean="0"/>
-              <a:t>Detection of reversion of reference, rmap, or instrument context files when changing pipeline context</a:t>
+              <a:t>Which </a:t>
+            </a:r>
+            <a:r>
+              <a:rPr lang="en-US" sz="1400" dirty="0" smtClean="0">
+                <a:solidFill>
+                  <a:srgbClr val="FF0909"/>
+                </a:solidFill>
+              </a:rPr>
+              <a:t>data sets</a:t>
+            </a:r>
+            <a:r>
+              <a:rPr lang="en-US" sz="1400" dirty="0" smtClean="0"/>
+              <a:t> or </a:t>
+            </a:r>
+            <a:r>
+              <a:rPr lang="en-US" sz="1400" dirty="0" err="1" smtClean="0">
+                <a:solidFill>
+                  <a:srgbClr val="00FF00"/>
+                </a:solidFill>
+              </a:rPr>
+              <a:t>rule</a:t>
+            </a:r>
+            <a:r>
+              <a:rPr lang="en-US" sz="1400" dirty="0" err="1" smtClean="0"/>
+              <a:t>use</a:t>
+            </a:r>
+            <a:r>
+              <a:rPr lang="en-US" sz="1400" dirty="0" smtClean="0"/>
+              <a:t> a given reference file</a:t>
+            </a:r>
+          </a:p>
+          <a:p>
+            <a:pPr lvl="1" eaLnBrk="1" hangingPunct="1">
+              <a:lnSpc>
+                <a:spcPct val="90000"/>
+              </a:lnSpc>
+              <a:spcBef>
+                <a:spcPts val="400"/>
+              </a:spcBef>
+              <a:spcAft>
+                <a:spcPts val="800"/>
+              </a:spcAft>
+              <a:tabLst>
+                <a:tab pos="330200" algn="l"/>
+                <a:tab pos="442913" algn="l"/>
+                <a:tab pos="900113" algn="l"/>
+                <a:tab pos="1357313" algn="l"/>
+                <a:tab pos="1814513" algn="l"/>
+                <a:tab pos="2271713" algn="l"/>
+                <a:tab pos="2728913" algn="l"/>
+                <a:tab pos="3186113" algn="l"/>
+                <a:tab pos="3643313" algn="l"/>
+                <a:tab pos="4100513" algn="l"/>
+                <a:tab pos="4557713" algn="l"/>
+                <a:tab pos="5014913" algn="l"/>
+                <a:tab pos="5472113" algn="l"/>
+                <a:tab pos="5929313" algn="l"/>
+                <a:tab pos="6386513" algn="l"/>
+                <a:tab pos="6843713" algn="l"/>
+                <a:tab pos="7300913" algn="l"/>
+                <a:tab pos="7758113" algn="l"/>
+                <a:tab pos="8215313" algn="l"/>
+                <a:tab pos="8672513" algn="l"/>
+                <a:tab pos="9129713" algn="l"/>
+              </a:tabLst>
+            </a:pPr>
+            <a:r>
+              <a:rPr lang="en-US" sz="1600" dirty="0" smtClean="0">
+                <a:solidFill>
+                  <a:srgbClr val="3366FF"/>
+                </a:solidFill>
+              </a:rPr>
+              <a:t>file </a:t>
+            </a:r>
+            <a:r>
+              <a:rPr lang="en-US" sz="1600" dirty="0">
+                <a:solidFill>
+                  <a:srgbClr val="3366FF"/>
+                </a:solidFill>
+              </a:rPr>
+              <a:t>r</a:t>
+            </a:r>
+            <a:r>
+              <a:rPr lang="en-US" sz="1600" dirty="0" smtClean="0">
+                <a:solidFill>
+                  <a:srgbClr val="3366FF"/>
+                </a:solidFill>
+              </a:rPr>
+              <a:t>ejection</a:t>
             </a:r>
           </a:p>
           <a:p>
@@ -16005,7 +15236,7 @@
             </a:pPr>
             <a:r>
               <a:rPr lang="en-US" sz="1400" dirty="0" smtClean="0"/>
-              <a:t>Prevents inadvertent undoing of previous updates by uncoordinated modifications</a:t>
+              <a:t>Mark reference file as bad,   web function.</a:t>
             </a:r>
           </a:p>
           <a:p>
@@ -16044,9 +15275,26 @@
               </a:tabLst>
             </a:pPr>
             <a:r>
-              <a:rPr lang="en-US" sz="1600" dirty="0" smtClean="0"/>
-              <a:t>Affected Datasets</a:t>
-            </a:r>
+              <a:rPr lang="en-US" sz="1600" dirty="0" err="1">
+                <a:solidFill>
+                  <a:srgbClr val="3366FF"/>
+                </a:solidFill>
+              </a:rPr>
+              <a:t>c</a:t>
+            </a:r>
+            <a:r>
+              <a:rPr lang="en-US" sz="1600" dirty="0" err="1" smtClean="0">
+                <a:solidFill>
+                  <a:srgbClr val="3366FF"/>
+                </a:solidFill>
+              </a:rPr>
+              <a:t>rds.matches</a:t>
+            </a:r>
+            <a:endParaRPr lang="en-US" sz="1600" dirty="0" smtClean="0">
+              <a:solidFill>
+                <a:srgbClr val="3366FF"/>
+              </a:solidFill>
+            </a:endParaRPr>
           </a:p>
           <a:p>
             <a:pPr lvl="2" eaLnBrk="1" hangingPunct="1">
@@ -16085,7 +15333,51 @@
             </a:pPr>
             <a:r>
               <a:rPr lang="en-US" sz="1400" dirty="0" smtClean="0"/>
-              <a:t>Get list of datasets affected by pipeline context change</a:t>
+              <a:t>Show what selection criteria match a given reference file</a:t>
+            </a:r>
+          </a:p>
+          <a:p>
+            <a:pPr lvl="1" eaLnBrk="1" hangingPunct="1">
+              <a:lnSpc>
+                <a:spcPct val="90000"/>
+              </a:lnSpc>
+              <a:spcBef>
+                <a:spcPts val="400"/>
+              </a:spcBef>
+              <a:spcAft>
+                <a:spcPts val="800"/>
+              </a:spcAft>
+              <a:tabLst>
+                <a:tab pos="330200" algn="l"/>
+                <a:tab pos="442913" algn="l"/>
+                <a:tab pos="900113" algn="l"/>
+                <a:tab pos="1357313" algn="l"/>
+                <a:tab pos="1814513" algn="l"/>
+                <a:tab pos="2271713" algn="l"/>
+                <a:tab pos="2728913" algn="l"/>
+                <a:tab pos="3186113" algn="l"/>
+                <a:tab pos="3643313" algn="l"/>
+                <a:tab pos="4100513" algn="l"/>
+                <a:tab pos="4557713" algn="l"/>
+                <a:tab pos="5014913" algn="l"/>
+                <a:tab pos="5472113" algn="l"/>
+                <a:tab pos="5929313" algn="l"/>
+                <a:tab pos="6386513" algn="l"/>
+                <a:tab pos="6843713" algn="l"/>
+                <a:tab pos="7300913" algn="l"/>
+                <a:tab pos="7758113" algn="l"/>
+                <a:tab pos="8215313" algn="l"/>
+                <a:tab pos="8672513" algn="l"/>
+                <a:tab pos="9129713" algn="l"/>
+              </a:tabLst>
+            </a:pPr>
+            <a:r>
+              <a:rPr lang="en-US" sz="1600" dirty="0"/>
+              <a:t>c</a:t>
+            </a:r>
+            <a:r>
+              <a:rPr lang="en-US" sz="1600" dirty="0" smtClean="0"/>
+              <a:t>overage</a:t>
             </a:r>
           </a:p>
           <a:p>
@@ -16125,8 +15417,58 @@
             </a:pPr>
             <a:r>
               <a:rPr lang="en-US" sz="1400" dirty="0" smtClean="0"/>
-              <a:t>Useful for identifying data sets needing reprocessing</a:t>
-            </a:r>
+              <a:t>Show if an rmap update doesn’t cover the same cases as the previous rmap, or changes the set of selection criteria.  Related to </a:t>
+            </a:r>
+            <a:r>
+              <a:rPr lang="en-US" sz="1400" dirty="0" err="1" smtClean="0"/>
+              <a:t>crds.diff</a:t>
+            </a:r>
+            <a:endParaRPr lang="en-US" sz="1400" dirty="0" smtClean="0"/>
+          </a:p>
+          <a:p>
+            <a:pPr lvl="1" eaLnBrk="1" hangingPunct="1">
+              <a:lnSpc>
+                <a:spcPct val="90000"/>
+              </a:lnSpc>
+              <a:spcBef>
+                <a:spcPts val="400"/>
+              </a:spcBef>
+              <a:spcAft>
+                <a:spcPts val="800"/>
+              </a:spcAft>
+              <a:tabLst>
+                <a:tab pos="330200" algn="l"/>
+                <a:tab pos="442913" algn="l"/>
+                <a:tab pos="900113" algn="l"/>
+                <a:tab pos="1357313" algn="l"/>
+                <a:tab pos="1814513" algn="l"/>
+                <a:tab pos="2271713" algn="l"/>
+                <a:tab pos="2728913" algn="l"/>
+                <a:tab pos="3186113" algn="l"/>
+                <a:tab pos="3643313" algn="l"/>
+                <a:tab pos="4100513" algn="l"/>
+                <a:tab pos="4557713" algn="l"/>
+                <a:tab pos="5014913" algn="l"/>
+                <a:tab pos="5472113" algn="l"/>
+                <a:tab pos="5929313" algn="l"/>
+                <a:tab pos="6386513" algn="l"/>
+                <a:tab pos="6843713" algn="l"/>
+                <a:tab pos="7300913" algn="l"/>
+                <a:tab pos="7758113" algn="l"/>
+                <a:tab pos="8215313" algn="l"/>
+                <a:tab pos="8672513" algn="l"/>
+                <a:tab pos="9129713" algn="l"/>
+              </a:tabLst>
+            </a:pPr>
+            <a:r>
+              <a:rPr lang="en-US" sz="1600" dirty="0" err="1"/>
+              <a:t>c</a:t>
+            </a:r>
+            <a:r>
+              <a:rPr lang="en-US" sz="1600" dirty="0" err="1" smtClean="0"/>
+              <a:t>rds.info</a:t>
+            </a:r>
+            <a:endParaRPr lang="en-US" sz="1600" dirty="0" smtClean="0"/>
           </a:p>
           <a:p>
             <a:pPr lvl="2" eaLnBrk="1" hangingPunct="1">
@@ -16165,16 +15507,66 @@
             </a:pPr>
             <a:r>
               <a:rPr lang="en-US" sz="1400" dirty="0" smtClean="0"/>
-              <a:t>Design Issue: Some table reference files have rows selected by additional selection criteria. A change to the file does not necessarily affect all data sets that use that reference table. This utility must examine the contents of these tables to determine which data sets are affected (and store the selection criteria for the rows in </a:t>
-            </a:r>
-            <a:r>
-              <a:rPr lang="en-US" sz="1400" dirty="0" err="1" smtClean="0"/>
-              <a:t>rmaps</a:t>
-            </a:r>
-            <a:r>
-              <a:rPr lang="en-US" sz="1400" dirty="0" smtClean="0"/>
-              <a:t> for this utility to use in doing such checks)</a:t>
-            </a:r>
+              <a:t>Show current operational configuration</a:t>
+            </a:r>
+            <a:endParaRPr lang="en-US" sz="1600" dirty="0" smtClean="0"/>
+          </a:p>
+          <a:p>
+            <a:pPr lvl="1" eaLnBrk="1" hangingPunct="1">
+              <a:lnSpc>
+                <a:spcPct val="90000"/>
+              </a:lnSpc>
+              <a:spcBef>
+                <a:spcPts val="400"/>
+              </a:spcBef>
+              <a:spcAft>
+                <a:spcPts val="800"/>
+              </a:spcAft>
+              <a:tabLst>
+                <a:tab pos="330200" algn="l"/>
+                <a:tab pos="442913" algn="l"/>
+                <a:tab pos="900113" algn="l"/>
+                <a:tab pos="1357313" algn="l"/>
+                <a:tab pos="1814513" algn="l"/>
+                <a:tab pos="2271713" algn="l"/>
+                <a:tab pos="2728913" algn="l"/>
+                <a:tab pos="3186113" algn="l"/>
+                <a:tab pos="3643313" algn="l"/>
+                <a:tab pos="4100513" algn="l"/>
+                <a:tab pos="4557713" algn="l"/>
+                <a:tab pos="5014913" algn="l"/>
+                <a:tab pos="5472113" algn="l"/>
+                <a:tab pos="5929313" algn="l"/>
+                <a:tab pos="6386513" algn="l"/>
+                <a:tab pos="6843713" algn="l"/>
+                <a:tab pos="7300913" algn="l"/>
+                <a:tab pos="7758113" algn="l"/>
+                <a:tab pos="8215313" algn="l"/>
+                <a:tab pos="8672513" algn="l"/>
+                <a:tab pos="9129713" algn="l"/>
+              </a:tabLst>
+            </a:pPr>
+            <a:r>
+              <a:rPr lang="en-US" sz="1600" dirty="0" err="1">
+                <a:solidFill>
+                  <a:srgbClr val="3366FF"/>
+                </a:solidFill>
+              </a:rPr>
+              <a:t>c</a:t>
+            </a:r>
+            <a:r>
+              <a:rPr lang="en-US" sz="1600" dirty="0" err="1" smtClean="0">
+                <a:solidFill>
+                  <a:srgbClr val="3366FF"/>
+                </a:solidFill>
+              </a:rPr>
+              <a:t>rds.certify</a:t>
+            </a:r>
+            <a:endParaRPr lang="en-US" sz="1600" dirty="0">
+              <a:solidFill>
+                <a:srgbClr val="3366FF"/>
+              </a:solidFill>
+            </a:endParaRPr>
           </a:p>
           <a:p>
             <a:pPr lvl="2" eaLnBrk="1" hangingPunct="1">
@@ -16213,11 +15605,11 @@
             </a:pPr>
             <a:r>
               <a:rPr lang="en-US" sz="1400" dirty="0" smtClean="0"/>
-              <a:t>Design Issue: Selection based on severity of change of reference file change. Some desire the ability of selecting only data sets for which the change in reference files is considered to be above some specified threshold (e.g., moderate, or severe).</a:t>
-            </a:r>
-          </a:p>
-          <a:p>
-            <a:pPr lvl="3" eaLnBrk="1" hangingPunct="1">
+              <a:t>More sophisticated reference file comparison tool</a:t>
+            </a:r>
+          </a:p>
+          <a:p>
+            <a:pPr lvl="2" eaLnBrk="1" hangingPunct="1">
               <a:lnSpc>
                 <a:spcPct val="90000"/>
               </a:lnSpc>
@@ -16252,48 +15644,8 @@
               </a:tabLst>
             </a:pPr>
             <a:r>
-              <a:rPr lang="en-US" sz="1000" dirty="0" smtClean="0"/>
-              <a:t>Very difficult problem to do correctly and make practical</a:t>
-            </a:r>
-          </a:p>
-          <a:p>
-            <a:pPr lvl="3" eaLnBrk="1" hangingPunct="1">
-              <a:lnSpc>
-                <a:spcPct val="90000"/>
-              </a:lnSpc>
-              <a:spcBef>
-                <a:spcPts val="400"/>
-              </a:spcBef>
-              <a:spcAft>
-                <a:spcPts val="800"/>
-              </a:spcAft>
-              <a:tabLst>
-                <a:tab pos="330200" algn="l"/>
-                <a:tab pos="442913" algn="l"/>
-                <a:tab pos="900113" algn="l"/>
-                <a:tab pos="1357313" algn="l"/>
-                <a:tab pos="1814513" algn="l"/>
-                <a:tab pos="2271713" algn="l"/>
-                <a:tab pos="2728913" algn="l"/>
-                <a:tab pos="3186113" algn="l"/>
-                <a:tab pos="3643313" algn="l"/>
-                <a:tab pos="4100513" algn="l"/>
-                <a:tab pos="4557713" algn="l"/>
-                <a:tab pos="5014913" algn="l"/>
-                <a:tab pos="5472113" algn="l"/>
-                <a:tab pos="5929313" algn="l"/>
-                <a:tab pos="6386513" algn="l"/>
-                <a:tab pos="6843713" algn="l"/>
-                <a:tab pos="7300913" algn="l"/>
-                <a:tab pos="7758113" algn="l"/>
-                <a:tab pos="8215313" algn="l"/>
-                <a:tab pos="8672513" algn="l"/>
-                <a:tab pos="9129713" algn="l"/>
-              </a:tabLst>
-            </a:pPr>
-            <a:r>
-              <a:rPr lang="en-US" sz="1000" dirty="0" smtClean="0"/>
-              <a:t>Awaiting well defined concept for how this should work before accepting as a requirement</a:t>
+              <a:rPr lang="en-US" sz="1400" dirty="0" smtClean="0"/>
+              <a:t>E.g., capable of detecting insertions or deletions of rows in tables between two versions</a:t>
             </a:r>
           </a:p>
         </p:txBody>
@@ -16362,7 +15714,7 @@
       </p:sp>
       <p:sp>
         <p:nvSpPr>
-          <p:cNvPr id="3" name="Title 2"/>
+          <p:cNvPr id="2" name="Title 1"/>
           <p:cNvSpPr>
             <a:spLocks noGrp="1"/>
           </p:cNvSpPr>
@@ -16377,15 +15729,19 @@
           <a:p>
             <a:r>
               <a:rPr lang="en-US" dirty="0" smtClean="0"/>
-              <a:t>Utilities Design (</a:t>
-            </a:r>
-            <a:r>
-              <a:rPr lang="en-US" dirty="0" err="1" smtClean="0"/>
+              <a:t>Utilities Design</a:t>
+            </a:r>
+            <a:r>
+              <a:rPr lang="en-US" baseline="0" dirty="0" smtClean="0"/>
+              <a:t> (</a:t>
+            </a:r>
+            <a:r>
+              <a:rPr lang="en-US" baseline="0" dirty="0" err="1" smtClean="0"/>
               <a:t>cont</a:t>
             </a:r>
             <a:r>
-              <a:rPr lang="en-US" dirty="0" smtClean="0"/>
-              <a:t> 1)</a:t>
+              <a:rPr lang="en-US" baseline="0" dirty="0" smtClean="0"/>
+              <a:t> 2)</a:t>
             </a:r>
             <a:endParaRPr lang="en-US" dirty="0"/>
           </a:p>
@@ -16394,7 +15750,7 @@
     </p:spTree>
     <p:extLst>
       <p:ext uri="{BB962C8B-B14F-4D97-AF65-F5344CB8AC3E}">
-        <p14:creationId xmlns:p14="http://schemas.microsoft.com/office/powerpoint/2010/main" val="3141804488"/>
+        <p14:creationId xmlns:p14="http://schemas.microsoft.com/office/powerpoint/2010/main" val="2441549805"/>
       </p:ext>
     </p:extLst>
   </p:cSld>
@@ -16451,773 +15807,6 @@
       </p:grpSpPr>
       <p:sp>
         <p:nvSpPr>
-          <p:cNvPr id="21506" name="Rectangle 2"/>
-          <p:cNvSpPr>
-            <a:spLocks noGrp="1" noChangeArrowheads="1"/>
-          </p:cNvSpPr>
-          <p:nvPr>
-            <p:ph idx="1"/>
-          </p:nvPr>
-        </p:nvSpPr>
-        <p:spPr>
-          <a:xfrm>
-            <a:off x="457200" y="914400"/>
-            <a:ext cx="8216900" cy="5367338"/>
-          </a:xfrm>
-        </p:spPr>
-        <p:txBody>
-          <a:bodyPr lIns="90000" tIns="46800" rIns="90000" bIns="46800"/>
-          <a:lstStyle/>
-          <a:p>
-            <a:pPr eaLnBrk="1" hangingPunct="1">
-              <a:lnSpc>
-                <a:spcPct val="90000"/>
-              </a:lnSpc>
-              <a:spcBef>
-                <a:spcPts val="400"/>
-              </a:spcBef>
-              <a:spcAft>
-                <a:spcPts val="800"/>
-              </a:spcAft>
-              <a:tabLst>
-                <a:tab pos="330200" algn="l"/>
-                <a:tab pos="442913" algn="l"/>
-                <a:tab pos="900113" algn="l"/>
-                <a:tab pos="1357313" algn="l"/>
-                <a:tab pos="1814513" algn="l"/>
-                <a:tab pos="2271713" algn="l"/>
-                <a:tab pos="2728913" algn="l"/>
-                <a:tab pos="3186113" algn="l"/>
-                <a:tab pos="3643313" algn="l"/>
-                <a:tab pos="4100513" algn="l"/>
-                <a:tab pos="4557713" algn="l"/>
-                <a:tab pos="5014913" algn="l"/>
-                <a:tab pos="5472113" algn="l"/>
-                <a:tab pos="5929313" algn="l"/>
-                <a:tab pos="6386513" algn="l"/>
-                <a:tab pos="6843713" algn="l"/>
-                <a:tab pos="7300913" algn="l"/>
-                <a:tab pos="7758113" algn="l"/>
-                <a:tab pos="8215313" algn="l"/>
-                <a:tab pos="8672513" algn="l"/>
-                <a:tab pos="9129713" algn="l"/>
-              </a:tabLst>
-            </a:pPr>
-            <a:r>
-              <a:rPr lang="en-US" sz="1600" dirty="0" smtClean="0"/>
-              <a:t>WIT Utilities</a:t>
-            </a:r>
-            <a:endParaRPr lang="en-US" sz="1400" dirty="0" smtClean="0"/>
-          </a:p>
-          <a:p>
-            <a:pPr lvl="1" eaLnBrk="1" hangingPunct="1">
-              <a:lnSpc>
-                <a:spcPct val="90000"/>
-              </a:lnSpc>
-              <a:spcBef>
-                <a:spcPts val="400"/>
-              </a:spcBef>
-              <a:spcAft>
-                <a:spcPts val="800"/>
-              </a:spcAft>
-              <a:tabLst>
-                <a:tab pos="330200" algn="l"/>
-                <a:tab pos="442913" algn="l"/>
-                <a:tab pos="900113" algn="l"/>
-                <a:tab pos="1357313" algn="l"/>
-                <a:tab pos="1814513" algn="l"/>
-                <a:tab pos="2271713" algn="l"/>
-                <a:tab pos="2728913" algn="l"/>
-                <a:tab pos="3186113" algn="l"/>
-                <a:tab pos="3643313" algn="l"/>
-                <a:tab pos="4100513" algn="l"/>
-                <a:tab pos="4557713" algn="l"/>
-                <a:tab pos="5014913" algn="l"/>
-                <a:tab pos="5472113" algn="l"/>
-                <a:tab pos="5929313" algn="l"/>
-                <a:tab pos="6386513" algn="l"/>
-                <a:tab pos="6843713" algn="l"/>
-                <a:tab pos="7300913" algn="l"/>
-                <a:tab pos="7758113" algn="l"/>
-                <a:tab pos="8215313" algn="l"/>
-                <a:tab pos="8672513" algn="l"/>
-                <a:tab pos="9129713" algn="l"/>
-              </a:tabLst>
-            </a:pPr>
-            <a:r>
-              <a:rPr lang="en-US" sz="1600" dirty="0" err="1" smtClean="0">
-                <a:solidFill>
-                  <a:srgbClr val="3366FF"/>
-                </a:solidFill>
-              </a:rPr>
-              <a:t>crds.uses</a:t>
-            </a:r>
-            <a:endParaRPr lang="en-US" sz="1600" dirty="0" smtClean="0">
-              <a:solidFill>
-                <a:srgbClr val="3366FF"/>
-              </a:solidFill>
-            </a:endParaRPr>
-          </a:p>
-          <a:p>
-            <a:pPr lvl="2" eaLnBrk="1" hangingPunct="1">
-              <a:lnSpc>
-                <a:spcPct val="90000"/>
-              </a:lnSpc>
-              <a:spcBef>
-                <a:spcPts val="400"/>
-              </a:spcBef>
-              <a:spcAft>
-                <a:spcPts val="800"/>
-              </a:spcAft>
-              <a:tabLst>
-                <a:tab pos="330200" algn="l"/>
-                <a:tab pos="442913" algn="l"/>
-                <a:tab pos="900113" algn="l"/>
-                <a:tab pos="1357313" algn="l"/>
-                <a:tab pos="1814513" algn="l"/>
-                <a:tab pos="2271713" algn="l"/>
-                <a:tab pos="2728913" algn="l"/>
-                <a:tab pos="3186113" algn="l"/>
-                <a:tab pos="3643313" algn="l"/>
-                <a:tab pos="4100513" algn="l"/>
-                <a:tab pos="4557713" algn="l"/>
-                <a:tab pos="5014913" algn="l"/>
-                <a:tab pos="5472113" algn="l"/>
-                <a:tab pos="5929313" algn="l"/>
-                <a:tab pos="6386513" algn="l"/>
-                <a:tab pos="6843713" algn="l"/>
-                <a:tab pos="7300913" algn="l"/>
-                <a:tab pos="7758113" algn="l"/>
-                <a:tab pos="8215313" algn="l"/>
-                <a:tab pos="8672513" algn="l"/>
-                <a:tab pos="9129713" algn="l"/>
-              </a:tabLst>
-            </a:pPr>
-            <a:r>
-              <a:rPr lang="en-US" sz="1400" dirty="0" smtClean="0"/>
-              <a:t>Whi</a:t>
-            </a:r>
-            <a:r>
-              <a:rPr lang="en-US" sz="1400" dirty="0" smtClean="0"/>
-              <a:t>ch </a:t>
-            </a:r>
-            <a:r>
-              <a:rPr lang="en-US" sz="1400" dirty="0" smtClean="0">
-                <a:solidFill>
-                  <a:srgbClr val="FF0909"/>
-                </a:solidFill>
-              </a:rPr>
-              <a:t>data </a:t>
-            </a:r>
-            <a:r>
-              <a:rPr lang="en-US" sz="1400" dirty="0" smtClean="0">
-                <a:solidFill>
-                  <a:srgbClr val="FF0909"/>
-                </a:solidFill>
-              </a:rPr>
-              <a:t>sets</a:t>
-            </a:r>
-            <a:r>
-              <a:rPr lang="en-US" sz="1400" dirty="0" smtClean="0"/>
-              <a:t> or </a:t>
-            </a:r>
-            <a:r>
-              <a:rPr lang="en-US" sz="1400" dirty="0" err="1" smtClean="0">
-                <a:solidFill>
-                  <a:srgbClr val="00FF00"/>
-                </a:solidFill>
-              </a:rPr>
-              <a:t>rule</a:t>
-            </a:r>
-            <a:r>
-              <a:rPr lang="en-US" sz="1400" dirty="0" err="1" smtClean="0"/>
-              <a:t>use</a:t>
-            </a:r>
-            <a:r>
-              <a:rPr lang="en-US" sz="1400" dirty="0" smtClean="0"/>
-              <a:t> </a:t>
-            </a:r>
-            <a:r>
-              <a:rPr lang="en-US" sz="1400" dirty="0" smtClean="0"/>
-              <a:t>a given reference file</a:t>
-            </a:r>
-          </a:p>
-          <a:p>
-            <a:pPr lvl="1" eaLnBrk="1" hangingPunct="1">
-              <a:lnSpc>
-                <a:spcPct val="90000"/>
-              </a:lnSpc>
-              <a:spcBef>
-                <a:spcPts val="400"/>
-              </a:spcBef>
-              <a:spcAft>
-                <a:spcPts val="800"/>
-              </a:spcAft>
-              <a:tabLst>
-                <a:tab pos="330200" algn="l"/>
-                <a:tab pos="442913" algn="l"/>
-                <a:tab pos="900113" algn="l"/>
-                <a:tab pos="1357313" algn="l"/>
-                <a:tab pos="1814513" algn="l"/>
-                <a:tab pos="2271713" algn="l"/>
-                <a:tab pos="2728913" algn="l"/>
-                <a:tab pos="3186113" algn="l"/>
-                <a:tab pos="3643313" algn="l"/>
-                <a:tab pos="4100513" algn="l"/>
-                <a:tab pos="4557713" algn="l"/>
-                <a:tab pos="5014913" algn="l"/>
-                <a:tab pos="5472113" algn="l"/>
-                <a:tab pos="5929313" algn="l"/>
-                <a:tab pos="6386513" algn="l"/>
-                <a:tab pos="6843713" algn="l"/>
-                <a:tab pos="7300913" algn="l"/>
-                <a:tab pos="7758113" algn="l"/>
-                <a:tab pos="8215313" algn="l"/>
-                <a:tab pos="8672513" algn="l"/>
-                <a:tab pos="9129713" algn="l"/>
-              </a:tabLst>
-            </a:pPr>
-            <a:r>
-              <a:rPr lang="en-US" sz="1600" dirty="0" smtClean="0">
-                <a:solidFill>
-                  <a:srgbClr val="3366FF"/>
-                </a:solidFill>
-              </a:rPr>
-              <a:t>file </a:t>
-            </a:r>
-            <a:r>
-              <a:rPr lang="en-US" sz="1600" dirty="0">
-                <a:solidFill>
-                  <a:srgbClr val="3366FF"/>
-                </a:solidFill>
-              </a:rPr>
-              <a:t>r</a:t>
-            </a:r>
-            <a:r>
-              <a:rPr lang="en-US" sz="1600" dirty="0" smtClean="0">
-                <a:solidFill>
-                  <a:srgbClr val="3366FF"/>
-                </a:solidFill>
-              </a:rPr>
-              <a:t>ejection</a:t>
-            </a:r>
-          </a:p>
-          <a:p>
-            <a:pPr lvl="2" eaLnBrk="1" hangingPunct="1">
-              <a:lnSpc>
-                <a:spcPct val="90000"/>
-              </a:lnSpc>
-              <a:spcBef>
-                <a:spcPts val="400"/>
-              </a:spcBef>
-              <a:spcAft>
-                <a:spcPts val="800"/>
-              </a:spcAft>
-              <a:tabLst>
-                <a:tab pos="330200" algn="l"/>
-                <a:tab pos="442913" algn="l"/>
-                <a:tab pos="900113" algn="l"/>
-                <a:tab pos="1357313" algn="l"/>
-                <a:tab pos="1814513" algn="l"/>
-                <a:tab pos="2271713" algn="l"/>
-                <a:tab pos="2728913" algn="l"/>
-                <a:tab pos="3186113" algn="l"/>
-                <a:tab pos="3643313" algn="l"/>
-                <a:tab pos="4100513" algn="l"/>
-                <a:tab pos="4557713" algn="l"/>
-                <a:tab pos="5014913" algn="l"/>
-                <a:tab pos="5472113" algn="l"/>
-                <a:tab pos="5929313" algn="l"/>
-                <a:tab pos="6386513" algn="l"/>
-                <a:tab pos="6843713" algn="l"/>
-                <a:tab pos="7300913" algn="l"/>
-                <a:tab pos="7758113" algn="l"/>
-                <a:tab pos="8215313" algn="l"/>
-                <a:tab pos="8672513" algn="l"/>
-                <a:tab pos="9129713" algn="l"/>
-              </a:tabLst>
-            </a:pPr>
-            <a:r>
-              <a:rPr lang="en-US" sz="1400" dirty="0" smtClean="0"/>
-              <a:t>Mark reference file as bad,   web function.</a:t>
-            </a:r>
-          </a:p>
-          <a:p>
-            <a:pPr lvl="1" eaLnBrk="1" hangingPunct="1">
-              <a:lnSpc>
-                <a:spcPct val="90000"/>
-              </a:lnSpc>
-              <a:spcBef>
-                <a:spcPts val="400"/>
-              </a:spcBef>
-              <a:spcAft>
-                <a:spcPts val="800"/>
-              </a:spcAft>
-              <a:tabLst>
-                <a:tab pos="330200" algn="l"/>
-                <a:tab pos="442913" algn="l"/>
-                <a:tab pos="900113" algn="l"/>
-                <a:tab pos="1357313" algn="l"/>
-                <a:tab pos="1814513" algn="l"/>
-                <a:tab pos="2271713" algn="l"/>
-                <a:tab pos="2728913" algn="l"/>
-                <a:tab pos="3186113" algn="l"/>
-                <a:tab pos="3643313" algn="l"/>
-                <a:tab pos="4100513" algn="l"/>
-                <a:tab pos="4557713" algn="l"/>
-                <a:tab pos="5014913" algn="l"/>
-                <a:tab pos="5472113" algn="l"/>
-                <a:tab pos="5929313" algn="l"/>
-                <a:tab pos="6386513" algn="l"/>
-                <a:tab pos="6843713" algn="l"/>
-                <a:tab pos="7300913" algn="l"/>
-                <a:tab pos="7758113" algn="l"/>
-                <a:tab pos="8215313" algn="l"/>
-                <a:tab pos="8672513" algn="l"/>
-                <a:tab pos="9129713" algn="l"/>
-              </a:tabLst>
-            </a:pPr>
-            <a:r>
-              <a:rPr lang="en-US" sz="1600" dirty="0" err="1">
-                <a:solidFill>
-                  <a:srgbClr val="3366FF"/>
-                </a:solidFill>
-              </a:rPr>
-              <a:t>c</a:t>
-            </a:r>
-            <a:r>
-              <a:rPr lang="en-US" sz="1600" dirty="0" err="1" smtClean="0">
-                <a:solidFill>
-                  <a:srgbClr val="3366FF"/>
-                </a:solidFill>
-              </a:rPr>
-              <a:t>rds.matches</a:t>
-            </a:r>
-            <a:endParaRPr lang="en-US" sz="1600" dirty="0" smtClean="0">
-              <a:solidFill>
-                <a:srgbClr val="3366FF"/>
-              </a:solidFill>
-            </a:endParaRPr>
-          </a:p>
-          <a:p>
-            <a:pPr lvl="2" eaLnBrk="1" hangingPunct="1">
-              <a:lnSpc>
-                <a:spcPct val="90000"/>
-              </a:lnSpc>
-              <a:spcBef>
-                <a:spcPts val="400"/>
-              </a:spcBef>
-              <a:spcAft>
-                <a:spcPts val="800"/>
-              </a:spcAft>
-              <a:tabLst>
-                <a:tab pos="330200" algn="l"/>
-                <a:tab pos="442913" algn="l"/>
-                <a:tab pos="900113" algn="l"/>
-                <a:tab pos="1357313" algn="l"/>
-                <a:tab pos="1814513" algn="l"/>
-                <a:tab pos="2271713" algn="l"/>
-                <a:tab pos="2728913" algn="l"/>
-                <a:tab pos="3186113" algn="l"/>
-                <a:tab pos="3643313" algn="l"/>
-                <a:tab pos="4100513" algn="l"/>
-                <a:tab pos="4557713" algn="l"/>
-                <a:tab pos="5014913" algn="l"/>
-                <a:tab pos="5472113" algn="l"/>
-                <a:tab pos="5929313" algn="l"/>
-                <a:tab pos="6386513" algn="l"/>
-                <a:tab pos="6843713" algn="l"/>
-                <a:tab pos="7300913" algn="l"/>
-                <a:tab pos="7758113" algn="l"/>
-                <a:tab pos="8215313" algn="l"/>
-                <a:tab pos="8672513" algn="l"/>
-                <a:tab pos="9129713" algn="l"/>
-              </a:tabLst>
-            </a:pPr>
-            <a:r>
-              <a:rPr lang="en-US" sz="1400" dirty="0" smtClean="0"/>
-              <a:t>Show what selection criteria match a given reference file</a:t>
-            </a:r>
-          </a:p>
-          <a:p>
-            <a:pPr lvl="1" eaLnBrk="1" hangingPunct="1">
-              <a:lnSpc>
-                <a:spcPct val="90000"/>
-              </a:lnSpc>
-              <a:spcBef>
-                <a:spcPts val="400"/>
-              </a:spcBef>
-              <a:spcAft>
-                <a:spcPts val="800"/>
-              </a:spcAft>
-              <a:tabLst>
-                <a:tab pos="330200" algn="l"/>
-                <a:tab pos="442913" algn="l"/>
-                <a:tab pos="900113" algn="l"/>
-                <a:tab pos="1357313" algn="l"/>
-                <a:tab pos="1814513" algn="l"/>
-                <a:tab pos="2271713" algn="l"/>
-                <a:tab pos="2728913" algn="l"/>
-                <a:tab pos="3186113" algn="l"/>
-                <a:tab pos="3643313" algn="l"/>
-                <a:tab pos="4100513" algn="l"/>
-                <a:tab pos="4557713" algn="l"/>
-                <a:tab pos="5014913" algn="l"/>
-                <a:tab pos="5472113" algn="l"/>
-                <a:tab pos="5929313" algn="l"/>
-                <a:tab pos="6386513" algn="l"/>
-                <a:tab pos="6843713" algn="l"/>
-                <a:tab pos="7300913" algn="l"/>
-                <a:tab pos="7758113" algn="l"/>
-                <a:tab pos="8215313" algn="l"/>
-                <a:tab pos="8672513" algn="l"/>
-                <a:tab pos="9129713" algn="l"/>
-              </a:tabLst>
-            </a:pPr>
-            <a:r>
-              <a:rPr lang="en-US" sz="1600" dirty="0"/>
-              <a:t>c</a:t>
-            </a:r>
-            <a:r>
-              <a:rPr lang="en-US" sz="1600" dirty="0" smtClean="0"/>
-              <a:t>overage</a:t>
-            </a:r>
-            <a:endParaRPr lang="en-US" sz="1600" dirty="0" smtClean="0"/>
-          </a:p>
-          <a:p>
-            <a:pPr lvl="2" eaLnBrk="1" hangingPunct="1">
-              <a:lnSpc>
-                <a:spcPct val="90000"/>
-              </a:lnSpc>
-              <a:spcBef>
-                <a:spcPts val="400"/>
-              </a:spcBef>
-              <a:spcAft>
-                <a:spcPts val="800"/>
-              </a:spcAft>
-              <a:tabLst>
-                <a:tab pos="330200" algn="l"/>
-                <a:tab pos="442913" algn="l"/>
-                <a:tab pos="900113" algn="l"/>
-                <a:tab pos="1357313" algn="l"/>
-                <a:tab pos="1814513" algn="l"/>
-                <a:tab pos="2271713" algn="l"/>
-                <a:tab pos="2728913" algn="l"/>
-                <a:tab pos="3186113" algn="l"/>
-                <a:tab pos="3643313" algn="l"/>
-                <a:tab pos="4100513" algn="l"/>
-                <a:tab pos="4557713" algn="l"/>
-                <a:tab pos="5014913" algn="l"/>
-                <a:tab pos="5472113" algn="l"/>
-                <a:tab pos="5929313" algn="l"/>
-                <a:tab pos="6386513" algn="l"/>
-                <a:tab pos="6843713" algn="l"/>
-                <a:tab pos="7300913" algn="l"/>
-                <a:tab pos="7758113" algn="l"/>
-                <a:tab pos="8215313" algn="l"/>
-                <a:tab pos="8672513" algn="l"/>
-                <a:tab pos="9129713" algn="l"/>
-              </a:tabLst>
-            </a:pPr>
-            <a:r>
-              <a:rPr lang="en-US" sz="1400" dirty="0" smtClean="0"/>
-              <a:t>Show if an rmap update doesn’t cover the same cases as the previous rmap, or changes the set of selection criteria.  Related to </a:t>
-            </a:r>
-            <a:r>
-              <a:rPr lang="en-US" sz="1400" dirty="0" err="1" smtClean="0"/>
-              <a:t>crds.diff</a:t>
-            </a:r>
-            <a:endParaRPr lang="en-US" sz="1400" dirty="0" smtClean="0"/>
-          </a:p>
-          <a:p>
-            <a:pPr lvl="1" eaLnBrk="1" hangingPunct="1">
-              <a:lnSpc>
-                <a:spcPct val="90000"/>
-              </a:lnSpc>
-              <a:spcBef>
-                <a:spcPts val="400"/>
-              </a:spcBef>
-              <a:spcAft>
-                <a:spcPts val="800"/>
-              </a:spcAft>
-              <a:tabLst>
-                <a:tab pos="330200" algn="l"/>
-                <a:tab pos="442913" algn="l"/>
-                <a:tab pos="900113" algn="l"/>
-                <a:tab pos="1357313" algn="l"/>
-                <a:tab pos="1814513" algn="l"/>
-                <a:tab pos="2271713" algn="l"/>
-                <a:tab pos="2728913" algn="l"/>
-                <a:tab pos="3186113" algn="l"/>
-                <a:tab pos="3643313" algn="l"/>
-                <a:tab pos="4100513" algn="l"/>
-                <a:tab pos="4557713" algn="l"/>
-                <a:tab pos="5014913" algn="l"/>
-                <a:tab pos="5472113" algn="l"/>
-                <a:tab pos="5929313" algn="l"/>
-                <a:tab pos="6386513" algn="l"/>
-                <a:tab pos="6843713" algn="l"/>
-                <a:tab pos="7300913" algn="l"/>
-                <a:tab pos="7758113" algn="l"/>
-                <a:tab pos="8215313" algn="l"/>
-                <a:tab pos="8672513" algn="l"/>
-                <a:tab pos="9129713" algn="l"/>
-              </a:tabLst>
-            </a:pPr>
-            <a:r>
-              <a:rPr lang="en-US" sz="1600" dirty="0" err="1"/>
-              <a:t>c</a:t>
-            </a:r>
-            <a:r>
-              <a:rPr lang="en-US" sz="1600" dirty="0" err="1" smtClean="0"/>
-              <a:t>rds.info</a:t>
-            </a:r>
-            <a:endParaRPr lang="en-US" sz="1600" dirty="0" smtClean="0"/>
-          </a:p>
-          <a:p>
-            <a:pPr lvl="2" eaLnBrk="1" hangingPunct="1">
-              <a:lnSpc>
-                <a:spcPct val="90000"/>
-              </a:lnSpc>
-              <a:spcBef>
-                <a:spcPts val="400"/>
-              </a:spcBef>
-              <a:spcAft>
-                <a:spcPts val="800"/>
-              </a:spcAft>
-              <a:tabLst>
-                <a:tab pos="330200" algn="l"/>
-                <a:tab pos="442913" algn="l"/>
-                <a:tab pos="900113" algn="l"/>
-                <a:tab pos="1357313" algn="l"/>
-                <a:tab pos="1814513" algn="l"/>
-                <a:tab pos="2271713" algn="l"/>
-                <a:tab pos="2728913" algn="l"/>
-                <a:tab pos="3186113" algn="l"/>
-                <a:tab pos="3643313" algn="l"/>
-                <a:tab pos="4100513" algn="l"/>
-                <a:tab pos="4557713" algn="l"/>
-                <a:tab pos="5014913" algn="l"/>
-                <a:tab pos="5472113" algn="l"/>
-                <a:tab pos="5929313" algn="l"/>
-                <a:tab pos="6386513" algn="l"/>
-                <a:tab pos="6843713" algn="l"/>
-                <a:tab pos="7300913" algn="l"/>
-                <a:tab pos="7758113" algn="l"/>
-                <a:tab pos="8215313" algn="l"/>
-                <a:tab pos="8672513" algn="l"/>
-                <a:tab pos="9129713" algn="l"/>
-              </a:tabLst>
-            </a:pPr>
-            <a:r>
-              <a:rPr lang="en-US" sz="1400" dirty="0" smtClean="0"/>
-              <a:t>Show current operational configuration</a:t>
-            </a:r>
-            <a:endParaRPr lang="en-US" sz="1600" dirty="0" smtClean="0"/>
-          </a:p>
-          <a:p>
-            <a:pPr lvl="1" eaLnBrk="1" hangingPunct="1">
-              <a:lnSpc>
-                <a:spcPct val="90000"/>
-              </a:lnSpc>
-              <a:spcBef>
-                <a:spcPts val="400"/>
-              </a:spcBef>
-              <a:spcAft>
-                <a:spcPts val="800"/>
-              </a:spcAft>
-              <a:tabLst>
-                <a:tab pos="330200" algn="l"/>
-                <a:tab pos="442913" algn="l"/>
-                <a:tab pos="900113" algn="l"/>
-                <a:tab pos="1357313" algn="l"/>
-                <a:tab pos="1814513" algn="l"/>
-                <a:tab pos="2271713" algn="l"/>
-                <a:tab pos="2728913" algn="l"/>
-                <a:tab pos="3186113" algn="l"/>
-                <a:tab pos="3643313" algn="l"/>
-                <a:tab pos="4100513" algn="l"/>
-                <a:tab pos="4557713" algn="l"/>
-                <a:tab pos="5014913" algn="l"/>
-                <a:tab pos="5472113" algn="l"/>
-                <a:tab pos="5929313" algn="l"/>
-                <a:tab pos="6386513" algn="l"/>
-                <a:tab pos="6843713" algn="l"/>
-                <a:tab pos="7300913" algn="l"/>
-                <a:tab pos="7758113" algn="l"/>
-                <a:tab pos="8215313" algn="l"/>
-                <a:tab pos="8672513" algn="l"/>
-                <a:tab pos="9129713" algn="l"/>
-              </a:tabLst>
-            </a:pPr>
-            <a:r>
-              <a:rPr lang="en-US" sz="1600" dirty="0" err="1">
-                <a:solidFill>
-                  <a:srgbClr val="3366FF"/>
-                </a:solidFill>
-              </a:rPr>
-              <a:t>c</a:t>
-            </a:r>
-            <a:r>
-              <a:rPr lang="en-US" sz="1600" dirty="0" err="1" smtClean="0">
-                <a:solidFill>
-                  <a:srgbClr val="3366FF"/>
-                </a:solidFill>
-              </a:rPr>
-              <a:t>rds.certify</a:t>
-            </a:r>
-            <a:endParaRPr lang="en-US" sz="1600" dirty="0">
-              <a:solidFill>
-                <a:srgbClr val="3366FF"/>
-              </a:solidFill>
-            </a:endParaRPr>
-          </a:p>
-          <a:p>
-            <a:pPr lvl="2" eaLnBrk="1" hangingPunct="1">
-              <a:lnSpc>
-                <a:spcPct val="90000"/>
-              </a:lnSpc>
-              <a:spcBef>
-                <a:spcPts val="400"/>
-              </a:spcBef>
-              <a:spcAft>
-                <a:spcPts val="800"/>
-              </a:spcAft>
-              <a:tabLst>
-                <a:tab pos="330200" algn="l"/>
-                <a:tab pos="442913" algn="l"/>
-                <a:tab pos="900113" algn="l"/>
-                <a:tab pos="1357313" algn="l"/>
-                <a:tab pos="1814513" algn="l"/>
-                <a:tab pos="2271713" algn="l"/>
-                <a:tab pos="2728913" algn="l"/>
-                <a:tab pos="3186113" algn="l"/>
-                <a:tab pos="3643313" algn="l"/>
-                <a:tab pos="4100513" algn="l"/>
-                <a:tab pos="4557713" algn="l"/>
-                <a:tab pos="5014913" algn="l"/>
-                <a:tab pos="5472113" algn="l"/>
-                <a:tab pos="5929313" algn="l"/>
-                <a:tab pos="6386513" algn="l"/>
-                <a:tab pos="6843713" algn="l"/>
-                <a:tab pos="7300913" algn="l"/>
-                <a:tab pos="7758113" algn="l"/>
-                <a:tab pos="8215313" algn="l"/>
-                <a:tab pos="8672513" algn="l"/>
-                <a:tab pos="9129713" algn="l"/>
-              </a:tabLst>
-            </a:pPr>
-            <a:r>
-              <a:rPr lang="en-US" sz="1400" dirty="0" smtClean="0"/>
-              <a:t>More sophisticated reference file comparison tool</a:t>
-            </a:r>
-          </a:p>
-          <a:p>
-            <a:pPr lvl="2" eaLnBrk="1" hangingPunct="1">
-              <a:lnSpc>
-                <a:spcPct val="90000"/>
-              </a:lnSpc>
-              <a:spcBef>
-                <a:spcPts val="400"/>
-              </a:spcBef>
-              <a:spcAft>
-                <a:spcPts val="800"/>
-              </a:spcAft>
-              <a:tabLst>
-                <a:tab pos="330200" algn="l"/>
-                <a:tab pos="442913" algn="l"/>
-                <a:tab pos="900113" algn="l"/>
-                <a:tab pos="1357313" algn="l"/>
-                <a:tab pos="1814513" algn="l"/>
-                <a:tab pos="2271713" algn="l"/>
-                <a:tab pos="2728913" algn="l"/>
-                <a:tab pos="3186113" algn="l"/>
-                <a:tab pos="3643313" algn="l"/>
-                <a:tab pos="4100513" algn="l"/>
-                <a:tab pos="4557713" algn="l"/>
-                <a:tab pos="5014913" algn="l"/>
-                <a:tab pos="5472113" algn="l"/>
-                <a:tab pos="5929313" algn="l"/>
-                <a:tab pos="6386513" algn="l"/>
-                <a:tab pos="6843713" algn="l"/>
-                <a:tab pos="7300913" algn="l"/>
-                <a:tab pos="7758113" algn="l"/>
-                <a:tab pos="8215313" algn="l"/>
-                <a:tab pos="8672513" algn="l"/>
-                <a:tab pos="9129713" algn="l"/>
-              </a:tabLst>
-            </a:pPr>
-            <a:r>
-              <a:rPr lang="en-US" sz="1400" dirty="0" smtClean="0"/>
-              <a:t>E.g., capable of detecting insertions or deletions of rows in tables between two versions</a:t>
-            </a:r>
-          </a:p>
-        </p:txBody>
-      </p:sp>
-      <p:sp>
-        <p:nvSpPr>
-          <p:cNvPr id="21509" name="Rectangle 1"/>
-          <p:cNvSpPr>
-            <a:spLocks noChangeArrowheads="1"/>
-          </p:cNvSpPr>
-          <p:nvPr/>
-        </p:nvSpPr>
-        <p:spPr bwMode="auto">
-          <a:xfrm>
-            <a:off x="914400" y="152400"/>
-            <a:ext cx="6934200" cy="406400"/>
-          </a:xfrm>
-          <a:prstGeom prst="rect">
-            <a:avLst/>
-          </a:prstGeom>
-          <a:noFill/>
-          <a:ln w="9525">
-            <a:noFill/>
-            <a:round/>
-            <a:headEnd/>
-            <a:tailEnd/>
-          </a:ln>
-        </p:spPr>
-        <p:txBody>
-          <a:bodyPr lIns="90000" tIns="46800" rIns="90000" bIns="46800" anchor="ctr"/>
-          <a:lstStyle/>
-          <a:p>
-            <a:pPr algn="ctr">
-              <a:tabLst>
-                <a:tab pos="0" algn="l"/>
-                <a:tab pos="457200" algn="l"/>
-                <a:tab pos="914400" algn="l"/>
-                <a:tab pos="1371600" algn="l"/>
-                <a:tab pos="1828800" algn="l"/>
-                <a:tab pos="2286000" algn="l"/>
-                <a:tab pos="2743200" algn="l"/>
-                <a:tab pos="3200400" algn="l"/>
-                <a:tab pos="3657600" algn="l"/>
-                <a:tab pos="4114800" algn="l"/>
-                <a:tab pos="4572000" algn="l"/>
-                <a:tab pos="5029200" algn="l"/>
-                <a:tab pos="5486400" algn="l"/>
-                <a:tab pos="5943600" algn="l"/>
-                <a:tab pos="6400800" algn="l"/>
-                <a:tab pos="6858000" algn="l"/>
-                <a:tab pos="7315200" algn="l"/>
-                <a:tab pos="7772400" algn="l"/>
-                <a:tab pos="8229600" algn="l"/>
-                <a:tab pos="8686800" algn="l"/>
-                <a:tab pos="9144000" algn="l"/>
-              </a:tabLst>
-            </a:pPr>
-            <a:endParaRPr lang="en-US" sz="2800" b="1" dirty="0">
-              <a:solidFill>
-                <a:srgbClr val="BB0018"/>
-              </a:solidFill>
-              <a:latin typeface="Arial" charset="0"/>
-            </a:endParaRPr>
-          </a:p>
-        </p:txBody>
-      </p:sp>
-      <p:sp>
-        <p:nvSpPr>
           <p:cNvPr id="2" name="Title 1"/>
           <p:cNvSpPr>
             <a:spLocks noGrp="1"/>
@@ -17232,60 +15821,95 @@
           <a:lstStyle/>
           <a:p>
             <a:r>
-              <a:rPr lang="en-US" dirty="0" smtClean="0"/>
-              <a:t>Utilities Design</a:t>
-            </a:r>
-            <a:r>
-              <a:rPr lang="en-US" baseline="0" dirty="0" smtClean="0"/>
-              <a:t> (</a:t>
-            </a:r>
-            <a:r>
-              <a:rPr lang="en-US" baseline="0" dirty="0" err="1" smtClean="0"/>
-              <a:t>cont</a:t>
-            </a:r>
-            <a:r>
-              <a:rPr lang="en-US" baseline="0" dirty="0" smtClean="0"/>
-              <a:t> 2)</a:t>
-            </a:r>
-            <a:endParaRPr lang="en-US" dirty="0"/>
+              <a:rPr lang="en-US" dirty="0" smtClean="0">
+                <a:solidFill>
+                  <a:schemeClr val="bg1"/>
+                </a:solidFill>
+              </a:rPr>
+              <a:t>Conclusion</a:t>
+            </a:r>
+            <a:r>
+              <a:rPr lang="en-US" baseline="0" dirty="0" smtClean="0">
+                <a:solidFill>
+                  <a:schemeClr val="bg1"/>
+                </a:solidFill>
+              </a:rPr>
+              <a:t> </a:t>
+            </a:r>
+            <a:r>
+              <a:rPr lang="en-US" dirty="0" smtClean="0">
+                <a:solidFill>
+                  <a:schemeClr val="bg1"/>
+                </a:solidFill>
+              </a:rPr>
+              <a:t>divider</a:t>
+            </a:r>
+            <a:endParaRPr lang="en-US" dirty="0">
+              <a:solidFill>
+                <a:schemeClr val="bg1"/>
+              </a:solidFill>
+            </a:endParaRPr>
+          </a:p>
+        </p:txBody>
+      </p:sp>
+      <p:sp>
+        <p:nvSpPr>
+          <p:cNvPr id="4" name="Text Placeholder 3"/>
+          <p:cNvSpPr>
+            <a:spLocks noGrp="1"/>
+          </p:cNvSpPr>
+          <p:nvPr>
+            <p:ph type="body" idx="4294967295"/>
+          </p:nvPr>
+        </p:nvSpPr>
+        <p:spPr/>
+        <p:txBody>
+          <a:bodyPr/>
+          <a:lstStyle/>
+          <a:p>
+            <a:pPr marL="0" indent="0" algn="ctr">
+              <a:buNone/>
+            </a:pPr>
+            <a:endParaRPr lang="en-US" sz="3200" dirty="0"/>
+          </a:p>
+          <a:p>
+            <a:pPr marL="0" indent="0" algn="ctr">
+              <a:buNone/>
+            </a:pPr>
+            <a:endParaRPr lang="en-US" sz="3200" dirty="0"/>
+          </a:p>
+          <a:p>
+            <a:pPr marL="0" indent="0" algn="ctr">
+              <a:buNone/>
+            </a:pPr>
+            <a:endParaRPr lang="en-US" sz="3200" dirty="0"/>
+          </a:p>
+          <a:p>
+            <a:pPr marL="0" indent="0" algn="ctr">
+              <a:buNone/>
+            </a:pPr>
+            <a:r>
+              <a:rPr lang="en-US" sz="3200" dirty="0" smtClean="0"/>
+              <a:t>Technologies, Progress, Schedule</a:t>
+            </a:r>
+            <a:endParaRPr lang="en-US" sz="3200" dirty="0"/>
           </a:p>
         </p:txBody>
       </p:sp>
     </p:spTree>
     <p:extLst>
       <p:ext uri="{BB962C8B-B14F-4D97-AF65-F5344CB8AC3E}">
-        <p14:creationId xmlns:p14="http://schemas.microsoft.com/office/powerpoint/2010/main" val="2441549805"/>
+        <p14:creationId xmlns:p14="http://schemas.microsoft.com/office/powerpoint/2010/main" val="3317930704"/>
       </p:ext>
     </p:extLst>
   </p:cSld>
   <p:clrMapOvr>
     <a:masterClrMapping/>
   </p:clrMapOvr>
-  <p:transition xmlns:p14="http://schemas.microsoft.com/office/powerpoint/2010/main" spd="med"/>
   <p:timing>
     <p:tnLst>
       <p:par>
-        <p:cTn xmlns:p14="http://schemas.microsoft.com/office/powerpoint/2010/main" id="1" dur="indefinite" restart="never" nodeType="tmRoot">
-          <p:childTnLst>
-            <p:seq concurrent="1" nextAc="seek">
-              <p:cTn id="2" dur="indefinite" nodeType="mainSeq"/>
-              <p:prevCondLst>
-                <p:cond evt="onPrev" delay="0">
-                  <p:tgtEl>
-                    <p:sldTgt/>
-                  </p:tgtEl>
-                </p:cond>
-              </p:prevCondLst>
-              <p:nextCondLst>
-                <p:cond evt="onNext" delay="0">
-                  <p:tgtEl>
-                    <p:sldTgt/>
-                  </p:tgtEl>
-                </p:cond>
-              </p:nextCondLst>
-            </p:seq>
-          </p:childTnLst>
-        </p:cTn>
+        <p:cTn xmlns:p14="http://schemas.microsoft.com/office/powerpoint/2010/main" id="1" dur="indefinite" restart="never" nodeType="tmRoot"/>
       </p:par>
     </p:tnLst>
   </p:timing>
@@ -17325,34 +15949,18 @@
           <a:lstStyle/>
           <a:p>
             <a:r>
-              <a:rPr lang="en-US" dirty="0" smtClean="0">
-                <a:solidFill>
-                  <a:schemeClr val="bg1"/>
-                </a:solidFill>
-              </a:rPr>
-              <a:t>Conclusion</a:t>
-            </a:r>
-            <a:r>
-              <a:rPr lang="en-US" baseline="0" dirty="0" smtClean="0">
-                <a:solidFill>
-                  <a:schemeClr val="bg1"/>
-                </a:solidFill>
-              </a:rPr>
+              <a:rPr lang="en-US" dirty="0" smtClean="0"/>
+              <a:t>S/W</a:t>
+            </a:r>
+            <a:r>
+              <a:rPr lang="en-US" baseline="0" dirty="0" smtClean="0"/>
               <a:t> </a:t>
             </a:r>
             <a:r>
-              <a:rPr lang="en-US" dirty="0" smtClean="0">
-                <a:solidFill>
-                  <a:schemeClr val="bg1"/>
-                </a:solidFill>
-              </a:rPr>
-              <a:t>divider</a:t>
-            </a:r>
-            <a:endParaRPr lang="en-US" dirty="0">
-              <a:solidFill>
-                <a:schemeClr val="bg1"/>
-              </a:solidFill>
-            </a:endParaRPr>
+              <a:rPr lang="en-US" dirty="0" smtClean="0"/>
+              <a:t>Technologies</a:t>
+            </a:r>
+            <a:endParaRPr lang="en-US" dirty="0"/>
           </a:p>
         </p:txBody>
       </p:sp>
@@ -17366,57 +15974,117 @@
             <p:ph type="body" idx="4294967295"/>
           </p:nvPr>
         </p:nvSpPr>
-        <p:spPr/>
+        <p:spPr>
+          <a:xfrm>
+            <a:off x="685800" y="1295400"/>
+            <a:ext cx="7769225" cy="4419600"/>
+          </a:xfrm>
+        </p:spPr>
         <p:txBody>
           <a:bodyPr/>
           <a:lstStyle/>
           <a:p>
-            <a:pPr marL="0" indent="0" algn="ctr">
-              <a:buNone/>
-            </a:pPr>
-            <a:endParaRPr lang="en-US" sz="3200" dirty="0"/>
-          </a:p>
-          <a:p>
-            <a:pPr marL="0" indent="0" algn="ctr">
-              <a:buNone/>
-            </a:pPr>
-            <a:endParaRPr lang="en-US" sz="3200" dirty="0"/>
-          </a:p>
-          <a:p>
-            <a:pPr marL="0" indent="0" algn="ctr">
-              <a:buNone/>
-            </a:pPr>
-            <a:endParaRPr lang="en-US" sz="3200" dirty="0"/>
-          </a:p>
-          <a:p>
-            <a:pPr marL="0" indent="0" algn="ctr">
-              <a:buNone/>
-            </a:pPr>
-            <a:r>
-              <a:rPr lang="en-US" sz="3200" dirty="0" smtClean="0"/>
-              <a:t>Technologies, Progress, Schedule</a:t>
-            </a:r>
-            <a:endParaRPr lang="en-US" sz="3200" dirty="0"/>
+            <a:r>
+              <a:rPr lang="en-US" dirty="0" smtClean="0"/>
+              <a:t>Core Library</a:t>
+            </a:r>
+          </a:p>
+          <a:p>
+            <a:pPr lvl="1"/>
+            <a:r>
+              <a:rPr lang="en-US" dirty="0" smtClean="0"/>
+              <a:t>Python</a:t>
+            </a:r>
+          </a:p>
+          <a:p>
+            <a:pPr lvl="1"/>
+            <a:r>
+              <a:rPr lang="en-US" dirty="0" err="1" smtClean="0"/>
+              <a:t>Django-json-rpc</a:t>
+            </a:r>
+            <a:r>
+              <a:rPr lang="en-US" dirty="0" smtClean="0"/>
+              <a:t>  (modified portions built into CRDS client)</a:t>
+            </a:r>
+          </a:p>
+          <a:p>
+            <a:r>
+              <a:rPr lang="en-US" dirty="0" smtClean="0"/>
+              <a:t>Web Server</a:t>
+            </a:r>
+          </a:p>
+          <a:p>
+            <a:pPr lvl="1"/>
+            <a:r>
+              <a:rPr lang="en-US" dirty="0" smtClean="0"/>
+              <a:t>LAMP (Linux / Apache / MySQL / Python)</a:t>
+            </a:r>
+          </a:p>
+          <a:p>
+            <a:pPr lvl="1"/>
+            <a:r>
+              <a:rPr lang="en-US" dirty="0" err="1" smtClean="0"/>
+              <a:t>Django</a:t>
+            </a:r>
+            <a:r>
+              <a:rPr lang="en-US" dirty="0" smtClean="0"/>
+              <a:t> Python web framework</a:t>
+            </a:r>
+          </a:p>
+          <a:p>
+            <a:pPr lvl="1"/>
+            <a:r>
+              <a:rPr lang="en-US" dirty="0" err="1" smtClean="0"/>
+              <a:t>Javascript</a:t>
+            </a:r>
+            <a:r>
+              <a:rPr lang="en-US" dirty="0" smtClean="0"/>
+              <a:t> / </a:t>
+            </a:r>
+            <a:r>
+              <a:rPr lang="en-US" dirty="0" err="1" smtClean="0"/>
+              <a:t>jQuery</a:t>
+            </a:r>
+            <a:endParaRPr lang="en-US" dirty="0" smtClean="0"/>
+          </a:p>
+          <a:p>
+            <a:pPr lvl="1"/>
+            <a:r>
+              <a:rPr lang="en-US" dirty="0" err="1" smtClean="0"/>
+              <a:t>Django-json-rpc</a:t>
+            </a:r>
+            <a:endParaRPr lang="en-US" dirty="0"/>
+          </a:p>
+          <a:p>
+            <a:pPr lvl="1"/>
+            <a:r>
+              <a:rPr lang="en-US" dirty="0" err="1" smtClean="0"/>
+              <a:t>Django</a:t>
+            </a:r>
+            <a:r>
+              <a:rPr lang="en-US" dirty="0" smtClean="0"/>
+              <a:t>-file-upload</a:t>
+            </a:r>
+          </a:p>
+          <a:p>
+            <a:pPr lvl="1"/>
+            <a:r>
+              <a:rPr lang="en-US" dirty="0" smtClean="0"/>
+              <a:t>HTML-5 for file access and uploads   (Firefox, Chrome)</a:t>
+            </a:r>
           </a:p>
         </p:txBody>
       </p:sp>
     </p:spTree>
     <p:extLst>
       <p:ext uri="{BB962C8B-B14F-4D97-AF65-F5344CB8AC3E}">
-        <p14:creationId xmlns:p14="http://schemas.microsoft.com/office/powerpoint/2010/main" val="3317930704"/>
+        <p14:creationId xmlns:p14="http://schemas.microsoft.com/office/powerpoint/2010/main" val="3234632247"/>
       </p:ext>
     </p:extLst>
   </p:cSld>
   <p:clrMapOvr>
     <a:masterClrMapping/>
   </p:clrMapOvr>
-  <p:timing>
-    <p:tnLst>
-      <p:par>
-        <p:cTn xmlns:p14="http://schemas.microsoft.com/office/powerpoint/2010/main" id="1" dur="indefinite" restart="never" nodeType="tmRoot"/>
-      </p:par>
-    </p:tnLst>
-  </p:timing>
 </p:sld>
 </file>
 
@@ -17721,15 +16389,7 @@
           <a:p>
             <a:r>
               <a:rPr lang="en-US" dirty="0" smtClean="0"/>
-              <a:t>S/W</a:t>
-            </a:r>
-            <a:r>
-              <a:rPr lang="en-US" baseline="0" dirty="0" smtClean="0"/>
-              <a:t> </a:t>
-            </a:r>
-            <a:r>
-              <a:rPr lang="en-US" dirty="0" smtClean="0"/>
-              <a:t>Technologies</a:t>
+              <a:t>Completed Builds 1 &amp; 2</a:t>
             </a:r>
             <a:endParaRPr lang="en-US" dirty="0"/>
           </a:p>
@@ -17737,7 +16397,7 @@
       </p:sp>
       <p:sp>
         <p:nvSpPr>
-          <p:cNvPr id="4" name="Text Placeholder 3"/>
+          <p:cNvPr id="3" name="Text Placeholder 2"/>
           <p:cNvSpPr>
             <a:spLocks noGrp="1"/>
           </p:cNvSpPr>
@@ -17747,8 +16407,8 @@
         </p:nvSpPr>
         <p:spPr>
           <a:xfrm>
-            <a:off x="685800" y="1295400"/>
-            <a:ext cx="7769225" cy="4419600"/>
+            <a:off x="1295400" y="914400"/>
+            <a:ext cx="6478587" cy="4953000"/>
           </a:xfrm>
         </p:spPr>
         <p:txBody>
@@ -17756,92 +16416,122 @@
           <a:lstStyle/>
           <a:p>
             <a:r>
-              <a:rPr lang="en-US" dirty="0" smtClean="0"/>
-              <a:t>Core Library</a:t>
+              <a:rPr lang="en-US" sz="1600" dirty="0" smtClean="0"/>
+              <a:t>Build-1  (</a:t>
+            </a:r>
+            <a:r>
+              <a:rPr lang="en-US" sz="1400" dirty="0" smtClean="0">
+                <a:solidFill>
+                  <a:srgbClr val="008000"/>
+                </a:solidFill>
+              </a:rPr>
+              <a:t>January 2012</a:t>
+            </a:r>
+            <a:r>
+              <a:rPr lang="en-US" sz="1600" dirty="0" smtClean="0"/>
+              <a:t>)</a:t>
             </a:r>
           </a:p>
           <a:p>
             <a:pPr lvl="1"/>
             <a:r>
-              <a:rPr lang="en-US" dirty="0" smtClean="0"/>
-              <a:t>Python</a:t>
+              <a:rPr lang="en-US" sz="1600" dirty="0" smtClean="0"/>
+              <a:t>Core best references library</a:t>
+            </a:r>
+          </a:p>
+          <a:p>
+            <a:r>
+              <a:rPr lang="en-US" sz="1600" dirty="0" smtClean="0"/>
+              <a:t>Build-2 (</a:t>
+            </a:r>
+            <a:r>
+              <a:rPr lang="en-US" sz="1400" dirty="0" smtClean="0">
+                <a:solidFill>
+                  <a:srgbClr val="008000"/>
+                </a:solidFill>
+              </a:rPr>
+              <a:t>September, November 2012</a:t>
+            </a:r>
+            <a:r>
+              <a:rPr lang="en-US" sz="1600" dirty="0" smtClean="0"/>
+              <a:t>) </a:t>
             </a:r>
           </a:p>
           <a:p>
             <a:pPr lvl="1"/>
             <a:r>
-              <a:rPr lang="en-US" dirty="0" err="1" smtClean="0"/>
-              <a:t>Django-json-rpc</a:t>
-            </a:r>
-            <a:r>
-              <a:rPr lang="en-US" dirty="0" smtClean="0"/>
-              <a:t>  (modified portions built into CRDS client)</a:t>
-            </a:r>
-          </a:p>
-          <a:p>
-            <a:r>
-              <a:rPr lang="en-US" dirty="0" smtClean="0"/>
-              <a:t>Web Server</a:t>
+              <a:rPr lang="en-US" sz="1600" dirty="0" smtClean="0"/>
+              <a:t>Integration with STPIPE</a:t>
             </a:r>
           </a:p>
           <a:p>
             <a:pPr lvl="1"/>
             <a:r>
-              <a:rPr lang="en-US" dirty="0" smtClean="0"/>
-              <a:t>LAMP (Linux / Apache / MySQL / Python)</a:t>
+              <a:rPr lang="en-US" sz="1600" dirty="0"/>
+              <a:t>JWST build-1 rules and references</a:t>
             </a:r>
           </a:p>
           <a:p>
             <a:pPr lvl="1"/>
             <a:r>
-              <a:rPr lang="en-US" dirty="0" err="1" smtClean="0"/>
-              <a:t>Django</a:t>
-            </a:r>
-            <a:r>
-              <a:rPr lang="en-US" dirty="0" smtClean="0"/>
-              <a:t> Python web framework</a:t>
+              <a:rPr lang="en-US" sz="1600" dirty="0" smtClean="0"/>
+              <a:t>HST rules generation and test (for now)</a:t>
             </a:r>
           </a:p>
           <a:p>
             <a:pPr lvl="1"/>
             <a:r>
-              <a:rPr lang="en-US" dirty="0" err="1" smtClean="0"/>
-              <a:t>Javascript</a:t>
-            </a:r>
-            <a:r>
-              <a:rPr lang="en-US" dirty="0" smtClean="0"/>
-              <a:t> / </a:t>
-            </a:r>
-            <a:r>
-              <a:rPr lang="en-US" dirty="0" err="1" smtClean="0"/>
-              <a:t>jQuery</a:t>
-            </a:r>
-            <a:endParaRPr lang="en-US" dirty="0" smtClean="0"/>
+              <a:rPr lang="en-US" sz="1600" dirty="0" smtClean="0"/>
+              <a:t>HST file certification</a:t>
+            </a:r>
           </a:p>
           <a:p>
             <a:pPr lvl="1"/>
             <a:r>
-              <a:rPr lang="en-US" dirty="0" err="1" smtClean="0"/>
-              <a:t>Django-json-rpc</a:t>
-            </a:r>
-            <a:endParaRPr lang="en-US" dirty="0"/>
+              <a:rPr lang="en-US" sz="1600" dirty="0" smtClean="0"/>
+              <a:t>File browsing</a:t>
+            </a:r>
           </a:p>
           <a:p>
             <a:pPr lvl="1"/>
             <a:r>
-              <a:rPr lang="en-US" dirty="0" err="1" smtClean="0"/>
-              <a:t>Django</a:t>
-            </a:r>
-            <a:r>
-              <a:rPr lang="en-US" dirty="0" smtClean="0"/>
-              <a:t>-file-upload</a:t>
+              <a:rPr lang="en-US" sz="1600" dirty="0" smtClean="0"/>
+              <a:t>File differencing</a:t>
             </a:r>
           </a:p>
           <a:p>
             <a:pPr lvl="1"/>
             <a:r>
-              <a:rPr lang="en-US" dirty="0" smtClean="0"/>
-              <a:t>HTML-5 for file access and uploads   (Firefox, Chrome)</a:t>
+              <a:rPr lang="en-US" sz="1600" dirty="0"/>
+              <a:t>Web Best Reference prototypes</a:t>
+            </a:r>
+          </a:p>
+          <a:p>
+            <a:pPr lvl="1"/>
+            <a:r>
+              <a:rPr lang="en-US" sz="1600" dirty="0" smtClean="0"/>
+              <a:t>Simple File Submission </a:t>
+            </a:r>
+          </a:p>
+          <a:p>
+            <a:pPr lvl="1"/>
+            <a:r>
+              <a:rPr lang="en-US" sz="1600" dirty="0" smtClean="0"/>
+              <a:t>Batch File Submission (prototype,  needs generalization)</a:t>
+            </a:r>
+          </a:p>
+          <a:p>
+            <a:pPr lvl="1"/>
+            <a:r>
+              <a:rPr lang="en-US" sz="1600" dirty="0" smtClean="0"/>
+              <a:t>Automatic Instrument, Pipeline Context Updates</a:t>
+            </a:r>
+          </a:p>
+          <a:p>
+            <a:pPr lvl="1"/>
+            <a:r>
+              <a:rPr lang="en-US" sz="1600" dirty="0" smtClean="0"/>
+              <a:t>Reference File Retrieval Service</a:t>
             </a:r>
           </a:p>
         </p:txBody>
@@ -17849,7 +16539,7 @@
     </p:spTree>
     <p:extLst>
       <p:ext uri="{BB962C8B-B14F-4D97-AF65-F5344CB8AC3E}">
-        <p14:creationId xmlns:p14="http://schemas.microsoft.com/office/powerpoint/2010/main" val="3234632247"/>
+        <p14:creationId xmlns:p14="http://schemas.microsoft.com/office/powerpoint/2010/main" val="1199109943"/>
       </p:ext>
     </p:extLst>
   </p:cSld>
@@ -17893,244 +16583,6 @@
           <a:p>
             <a:r>
               <a:rPr lang="en-US" dirty="0" smtClean="0"/>
-              <a:t>Completed Builds 1 &amp; 2</a:t>
-            </a:r>
-            <a:endParaRPr lang="en-US" dirty="0"/>
-          </a:p>
-        </p:txBody>
-      </p:sp>
-      <p:sp>
-        <p:nvSpPr>
-          <p:cNvPr id="3" name="Text Placeholder 2"/>
-          <p:cNvSpPr>
-            <a:spLocks noGrp="1"/>
-          </p:cNvSpPr>
-          <p:nvPr>
-            <p:ph type="body" idx="4294967295"/>
-          </p:nvPr>
-        </p:nvSpPr>
-        <p:spPr>
-          <a:xfrm>
-            <a:off x="1295400" y="914400"/>
-            <a:ext cx="6478587" cy="4953000"/>
-          </a:xfrm>
-        </p:spPr>
-        <p:txBody>
-          <a:bodyPr/>
-          <a:lstStyle/>
-          <a:p>
-            <a:r>
-              <a:rPr lang="en-US" sz="1600" dirty="0" smtClean="0"/>
-              <a:t>Build-1  (</a:t>
-            </a:r>
-            <a:r>
-              <a:rPr lang="en-US" sz="1400" dirty="0" smtClean="0">
-                <a:solidFill>
-                  <a:srgbClr val="008000"/>
-                </a:solidFill>
-              </a:rPr>
-              <a:t>January 2012</a:t>
-            </a:r>
-            <a:r>
-              <a:rPr lang="en-US" sz="1600" dirty="0" smtClean="0"/>
-              <a:t>)</a:t>
-            </a:r>
-          </a:p>
-          <a:p>
-            <a:pPr lvl="1"/>
-            <a:r>
-              <a:rPr lang="en-US" sz="1600" dirty="0" smtClean="0"/>
-              <a:t>Core </a:t>
-            </a:r>
-            <a:r>
-              <a:rPr lang="en-US" sz="1600" dirty="0" smtClean="0"/>
-              <a:t>best references </a:t>
-            </a:r>
-            <a:r>
-              <a:rPr lang="en-US" sz="1600" dirty="0" smtClean="0"/>
-              <a:t>library</a:t>
-            </a:r>
-          </a:p>
-          <a:p>
-            <a:r>
-              <a:rPr lang="en-US" sz="1600" dirty="0" smtClean="0"/>
-              <a:t>Build-2 (</a:t>
-            </a:r>
-            <a:r>
-              <a:rPr lang="en-US" sz="1400" dirty="0" smtClean="0">
-                <a:solidFill>
-                  <a:srgbClr val="008000"/>
-                </a:solidFill>
-              </a:rPr>
-              <a:t>September, November 2012</a:t>
-            </a:r>
-            <a:r>
-              <a:rPr lang="en-US" sz="1600" dirty="0" smtClean="0"/>
-              <a:t>) </a:t>
-            </a:r>
-          </a:p>
-          <a:p>
-            <a:pPr lvl="1"/>
-            <a:r>
-              <a:rPr lang="en-US" sz="1600" dirty="0" smtClean="0"/>
-              <a:t>Integration </a:t>
-            </a:r>
-            <a:r>
-              <a:rPr lang="en-US" sz="1600" dirty="0" smtClean="0"/>
-              <a:t>with STPIPE</a:t>
-            </a:r>
-          </a:p>
-          <a:p>
-            <a:pPr lvl="1"/>
-            <a:r>
-              <a:rPr lang="en-US" sz="1600" dirty="0"/>
-              <a:t>JWST build-1 rules and references</a:t>
-            </a:r>
-          </a:p>
-          <a:p>
-            <a:pPr lvl="1"/>
-            <a:r>
-              <a:rPr lang="en-US" sz="1600" dirty="0" smtClean="0"/>
-              <a:t>HST </a:t>
-            </a:r>
-            <a:r>
-              <a:rPr lang="en-US" sz="1600" dirty="0" smtClean="0"/>
-              <a:t>rules generation </a:t>
-            </a:r>
-            <a:r>
-              <a:rPr lang="en-US" sz="1600" dirty="0" smtClean="0"/>
-              <a:t>and test (</a:t>
-            </a:r>
-            <a:r>
-              <a:rPr lang="en-US" sz="1600" dirty="0" smtClean="0"/>
-              <a:t>for now)</a:t>
-            </a:r>
-          </a:p>
-          <a:p>
-            <a:pPr lvl="1"/>
-            <a:r>
-              <a:rPr lang="en-US" sz="1600" dirty="0" smtClean="0"/>
-              <a:t>HST </a:t>
-            </a:r>
-            <a:r>
-              <a:rPr lang="en-US" sz="1600" dirty="0" smtClean="0"/>
-              <a:t>file certification</a:t>
-            </a:r>
-          </a:p>
-          <a:p>
-            <a:pPr lvl="1"/>
-            <a:r>
-              <a:rPr lang="en-US" sz="1600" dirty="0" smtClean="0"/>
-              <a:t>File </a:t>
-            </a:r>
-            <a:r>
-              <a:rPr lang="en-US" sz="1600" dirty="0" smtClean="0"/>
-              <a:t>browsing</a:t>
-            </a:r>
-          </a:p>
-          <a:p>
-            <a:pPr lvl="1"/>
-            <a:r>
-              <a:rPr lang="en-US" sz="1600" dirty="0" smtClean="0"/>
-              <a:t>File </a:t>
-            </a:r>
-            <a:r>
-              <a:rPr lang="en-US" sz="1600" dirty="0" smtClean="0"/>
-              <a:t>differencing</a:t>
-            </a:r>
-          </a:p>
-          <a:p>
-            <a:pPr lvl="1"/>
-            <a:r>
-              <a:rPr lang="en-US" sz="1600" dirty="0"/>
-              <a:t>Web Best Reference prototypes</a:t>
-            </a:r>
-          </a:p>
-          <a:p>
-            <a:pPr lvl="1"/>
-            <a:r>
-              <a:rPr lang="en-US" sz="1600" dirty="0" smtClean="0"/>
-              <a:t>Simple </a:t>
-            </a:r>
-            <a:r>
-              <a:rPr lang="en-US" sz="1600" dirty="0" smtClean="0"/>
-              <a:t>File Submission </a:t>
-            </a:r>
-          </a:p>
-          <a:p>
-            <a:pPr lvl="1"/>
-            <a:r>
-              <a:rPr lang="en-US" sz="1600" dirty="0" smtClean="0"/>
-              <a:t>Batch File Submission (prototype,  needs generalization)</a:t>
-            </a:r>
-          </a:p>
-          <a:p>
-            <a:pPr lvl="1"/>
-            <a:r>
-              <a:rPr lang="en-US" sz="1600" dirty="0" smtClean="0"/>
-              <a:t>Automatic Instrument</a:t>
-            </a:r>
-            <a:r>
-              <a:rPr lang="en-US" sz="1600" dirty="0" smtClean="0"/>
-              <a:t>, Pipeline Context Updates</a:t>
-            </a:r>
-          </a:p>
-          <a:p>
-            <a:pPr lvl="1"/>
-            <a:r>
-              <a:rPr lang="en-US" sz="1600" dirty="0" smtClean="0"/>
-              <a:t>Reference File Retrieval Service</a:t>
-            </a:r>
-          </a:p>
-        </p:txBody>
-      </p:sp>
-    </p:spTree>
-    <p:extLst>
-      <p:ext uri="{BB962C8B-B14F-4D97-AF65-F5344CB8AC3E}">
-        <p14:creationId xmlns:p14="http://schemas.microsoft.com/office/powerpoint/2010/main" val="1199109943"/>
-      </p:ext>
-    </p:extLst>
-  </p:cSld>
-  <p:clrMapOvr>
-    <a:masterClrMapping/>
-  </p:clrMapOvr>
-</p:sld>
-</file>
-
-<file path=ppt/slides/slide42.xml><?xml version="1.0" encoding="utf-8"?>
-<p:sld xmlns:a="http://schemas.openxmlformats.org/drawingml/2006/main" xmlns:r="http://schemas.openxmlformats.org/officeDocument/2006/relationships" xmlns:p="http://schemas.openxmlformats.org/presentationml/2006/main">
-  <p:cSld>
-    <p:spTree>
-      <p:nvGrpSpPr>
-        <p:cNvPr id="1" name=""/>
-        <p:cNvGrpSpPr/>
-        <p:nvPr/>
-      </p:nvGrpSpPr>
-      <p:grpSpPr>
-        <a:xfrm>
-          <a:off x="0" y="0"/>
-          <a:ext cx="0" cy="0"/>
-          <a:chOff x="0" y="0"/>
-          <a:chExt cx="0" cy="0"/>
-        </a:xfrm>
-      </p:grpSpPr>
-      <p:sp>
-        <p:nvSpPr>
-          <p:cNvPr id="2" name="Title 1"/>
-          <p:cNvSpPr>
-            <a:spLocks noGrp="1"/>
-          </p:cNvSpPr>
-          <p:nvPr>
-            <p:ph type="title"/>
-          </p:nvPr>
-        </p:nvSpPr>
-        <p:spPr/>
-        <p:txBody>
-          <a:bodyPr/>
-          <a:lstStyle/>
-          <a:p>
-            <a:r>
-              <a:rPr lang="en-US" dirty="0" smtClean="0"/>
               <a:t>Future Builds 3 &amp; 4</a:t>
             </a:r>
             <a:endParaRPr lang="en-US" dirty="0"/>
@@ -18495,7 +16947,7 @@
 </p:sld>
 </file>
 
-<file path=ppt/slides/slide43.xml><?xml version="1.0" encoding="utf-8"?>
+<file path=ppt/slides/slide42.xml><?xml version="1.0" encoding="utf-8"?>
 <p:sld xmlns:a="http://schemas.openxmlformats.org/drawingml/2006/main" xmlns:r="http://schemas.openxmlformats.org/officeDocument/2006/relationships" xmlns:p="http://schemas.openxmlformats.org/presentationml/2006/main">
   <p:cSld>
     <p:spTree>
@@ -19179,7 +17631,15 @@
             <a:pPr lvl="1"/>
             <a:r>
               <a:rPr lang="en-US" dirty="0"/>
-              <a:t>Use a web site to streamline new reference delivery tasks.</a:t>
+              <a:t>Use a web </a:t>
+            </a:r>
+            <a:r>
+              <a:rPr lang="en-US" dirty="0" smtClean="0"/>
+              <a:t>interface to </a:t>
+            </a:r>
+            <a:r>
+              <a:rPr lang="en-US" dirty="0"/>
+              <a:t>streamline new reference delivery tasks.</a:t>
             </a:r>
           </a:p>
           <a:p>

--- a/docs/DMS_SDR2_09_CRDS_final.pptx
+++ b/docs/DMS_SDR2_09_CRDS_final.pptx
@@ -1,6 +1,6 @@
 
 <file path=ppt/presentation.xml><?xml version="1.0" encoding="utf-8"?>
-<p:presentation xmlns:a="http://schemas.openxmlformats.org/drawingml/2006/main" xmlns:r="http://schemas.openxmlformats.org/officeDocument/2006/relationships" xmlns:p="http://schemas.openxmlformats.org/presentationml/2006/main" showSpecialPlsOnTitleSld="0" strictFirstAndLastChars="0" saveSubsetFonts="1">
+<p:presentation xmlns:a="http://schemas.openxmlformats.org/drawingml/2006/main" xmlns:r="http://schemas.openxmlformats.org/officeDocument/2006/relationships" xmlns:p="http://schemas.openxmlformats.org/presentationml/2006/main" firstSlideNum="2" showSpecialPlsOnTitleSld="0" strictFirstAndLastChars="0" saveSubsetFonts="1">
   <p:sldMasterIdLst>
     <p:sldMasterId id="2147483665" r:id="rId1"/>
   </p:sldMasterIdLst>
@@ -12,7 +12,7 @@
   </p:handoutMasterIdLst>
   <p:sldIdLst>
     <p:sldId id="256" r:id="rId2"/>
-    <p:sldId id="352" r:id="rId3"/>
+    <p:sldId id="441" r:id="rId3"/>
     <p:sldId id="364" r:id="rId4"/>
     <p:sldId id="433" r:id="rId5"/>
     <p:sldId id="434" r:id="rId6"/>
@@ -35,19 +35,19 @@
     <p:sldId id="409" r:id="rId23"/>
     <p:sldId id="369" r:id="rId24"/>
     <p:sldId id="416" r:id="rId25"/>
-    <p:sldId id="425" r:id="rId26"/>
+    <p:sldId id="440" r:id="rId26"/>
     <p:sldId id="403" r:id="rId27"/>
     <p:sldId id="372" r:id="rId28"/>
-    <p:sldId id="400" r:id="rId29"/>
+    <p:sldId id="439" r:id="rId29"/>
     <p:sldId id="426" r:id="rId30"/>
-    <p:sldId id="402" r:id="rId31"/>
+    <p:sldId id="435" r:id="rId31"/>
     <p:sldId id="430" r:id="rId32"/>
     <p:sldId id="427" r:id="rId33"/>
     <p:sldId id="428" r:id="rId34"/>
     <p:sldId id="424" r:id="rId35"/>
-    <p:sldId id="421" r:id="rId36"/>
-    <p:sldId id="422" r:id="rId37"/>
-    <p:sldId id="423" r:id="rId38"/>
+    <p:sldId id="436" r:id="rId36"/>
+    <p:sldId id="437" r:id="rId37"/>
+    <p:sldId id="438" r:id="rId38"/>
     <p:sldId id="429" r:id="rId39"/>
     <p:sldId id="377" r:id="rId40"/>
     <p:sldId id="380" r:id="rId41"/>
@@ -297,7 +297,7 @@
             </a:pPr>
             <a:fld id="{21EC3080-00C3-4840-8B4C-5199FEA2FD44}" type="datetime1">
               <a:rPr lang="en-US" smtClean="0"/>
-              <a:t>Nov 20 2012</a:t>
+              <a:t>Nov 26 2012</a:t>
             </a:fld>
             <a:endParaRPr lang="en-US"/>
           </a:p>
@@ -847,7 +847,7 @@
             </a:pPr>
             <a:fld id="{ED83A886-433E-6F46-86BE-4CE36E3F8C6C}" type="datetime1">
               <a:rPr lang="en-US" smtClean="0"/>
-              <a:t>Nov 20 2012</a:t>
+              <a:t>Nov 26 2012</a:t>
             </a:fld>
             <a:endParaRPr lang="en-US"/>
           </a:p>
@@ -1249,7 +1249,7 @@
             <a:fld id="{90602CDF-C19D-4E27-B94A-4CDFA71D65C3}" type="slidenum">
               <a:rPr lang="en-US" smtClean="0"/>
               <a:pPr/>
-              <a:t>1</a:t>
+              <a:t>2</a:t>
             </a:fld>
             <a:endParaRPr lang="en-US" smtClean="0"/>
           </a:p>
@@ -1397,7 +1397,7 @@
               <a:pPr>
                 <a:defRPr/>
               </a:pPr>
-              <a:t>18</a:t>
+              <a:t>19</a:t>
             </a:fld>
             <a:endParaRPr lang="en-US"/>
           </a:p>
@@ -1409,602 +1409,6 @@
         <p14:creationId xmlns:p14="http://schemas.microsoft.com/office/powerpoint/2010/main" val="3584182968"/>
       </p:ext>
     </p:extLst>
-  </p:cSld>
-  <p:clrMapOvr>
-    <a:masterClrMapping/>
-  </p:clrMapOvr>
-</p:notes>
-</file>
-
-<file path=ppt/notesSlides/notesSlide3.xml><?xml version="1.0" encoding="utf-8"?>
-<p:notes xmlns:a="http://schemas.openxmlformats.org/drawingml/2006/main" xmlns:r="http://schemas.openxmlformats.org/officeDocument/2006/relationships" xmlns:p="http://schemas.openxmlformats.org/presentationml/2006/main">
-  <p:cSld>
-    <p:bg>
-      <p:bgPr>
-        <a:solidFill>
-          <a:srgbClr val="FFFFFF"/>
-        </a:solidFill>
-        <a:effectLst/>
-      </p:bgPr>
-    </p:bg>
-    <p:spTree>
-      <p:nvGrpSpPr>
-        <p:cNvPr id="1" name=""/>
-        <p:cNvGrpSpPr/>
-        <p:nvPr/>
-      </p:nvGrpSpPr>
-      <p:grpSpPr>
-        <a:xfrm>
-          <a:off x="0" y="0"/>
-          <a:ext cx="0" cy="0"/>
-          <a:chOff x="0" y="0"/>
-          <a:chExt cx="0" cy="0"/>
-        </a:xfrm>
-      </p:grpSpPr>
-      <p:sp>
-        <p:nvSpPr>
-          <p:cNvPr id="79874" name="Rectangle 14"/>
-          <p:cNvSpPr>
-            <a:spLocks noGrp="1" noChangeArrowheads="1"/>
-          </p:cNvSpPr>
-          <p:nvPr>
-            <p:ph type="sldNum" sz="quarter"/>
-          </p:nvPr>
-        </p:nvSpPr>
-        <p:spPr>
-          <a:noFill/>
-        </p:spPr>
-        <p:txBody>
-          <a:bodyPr/>
-          <a:lstStyle/>
-          <a:p>
-            <a:fld id="{CDF0E442-F99C-4F45-B063-AC58AB781519}" type="slidenum">
-              <a:rPr lang="en-US" smtClean="0"/>
-              <a:pPr/>
-              <a:t>25</a:t>
-            </a:fld>
-            <a:endParaRPr lang="en-US" smtClean="0"/>
-          </a:p>
-        </p:txBody>
-      </p:sp>
-      <p:sp>
-        <p:nvSpPr>
-          <p:cNvPr id="79875" name="Text Box 1"/>
-          <p:cNvSpPr txBox="1">
-            <a:spLocks noChangeArrowheads="1"/>
-          </p:cNvSpPr>
-          <p:nvPr/>
-        </p:nvSpPr>
-        <p:spPr bwMode="auto">
-          <a:xfrm>
-            <a:off x="1160463" y="688975"/>
-            <a:ext cx="4710112" cy="3513138"/>
-          </a:xfrm>
-          <a:prstGeom prst="rect">
-            <a:avLst/>
-          </a:prstGeom>
-          <a:solidFill>
-            <a:srgbClr val="FFFFFF"/>
-          </a:solidFill>
-          <a:ln w="9360">
-            <a:solidFill>
-              <a:srgbClr val="000000"/>
-            </a:solidFill>
-            <a:miter lim="800000"/>
-            <a:headEnd/>
-            <a:tailEnd/>
-          </a:ln>
-        </p:spPr>
-        <p:txBody>
-          <a:bodyPr wrap="none" anchor="ctr"/>
-          <a:lstStyle/>
-          <a:p>
-            <a:endParaRPr lang="en-US"/>
-          </a:p>
-        </p:txBody>
-      </p:sp>
-      <p:sp>
-        <p:nvSpPr>
-          <p:cNvPr id="79876" name="Text Box 2"/>
-          <p:cNvSpPr>
-            <a:spLocks noGrp="1" noChangeArrowheads="1"/>
-          </p:cNvSpPr>
-          <p:nvPr>
-            <p:ph type="body"/>
-          </p:nvPr>
-        </p:nvSpPr>
-        <p:spPr>
-          <a:xfrm>
-            <a:off x="914400" y="4419600"/>
-            <a:ext cx="5191125" cy="4200525"/>
-          </a:xfrm>
-          <a:noFill/>
-          <a:ln/>
-        </p:spPr>
-        <p:txBody>
-          <a:bodyPr/>
-          <a:lstStyle/>
-          <a:p>
-            <a:pPr eaLnBrk="1" hangingPunct="1">
-              <a:spcBef>
-                <a:spcPts val="450"/>
-              </a:spcBef>
-              <a:tabLst>
-                <a:tab pos="0" algn="l"/>
-                <a:tab pos="457200" algn="l"/>
-                <a:tab pos="914400" algn="l"/>
-                <a:tab pos="1371600" algn="l"/>
-                <a:tab pos="1828800" algn="l"/>
-                <a:tab pos="2286000" algn="l"/>
-                <a:tab pos="2743200" algn="l"/>
-                <a:tab pos="3200400" algn="l"/>
-                <a:tab pos="3657600" algn="l"/>
-                <a:tab pos="4114800" algn="l"/>
-                <a:tab pos="4572000" algn="l"/>
-                <a:tab pos="5029200" algn="l"/>
-                <a:tab pos="5486400" algn="l"/>
-                <a:tab pos="5943600" algn="l"/>
-                <a:tab pos="6400800" algn="l"/>
-                <a:tab pos="6858000" algn="l"/>
-                <a:tab pos="7315200" algn="l"/>
-                <a:tab pos="7772400" algn="l"/>
-                <a:tab pos="8229600" algn="l"/>
-                <a:tab pos="8686800" algn="l"/>
-                <a:tab pos="9144000" algn="l"/>
-              </a:tabLst>
-            </a:pPr>
-            <a:endParaRPr lang="en-US" smtClean="0"/>
-          </a:p>
-        </p:txBody>
-      </p:sp>
-    </p:spTree>
-  </p:cSld>
-  <p:clrMapOvr>
-    <a:masterClrMapping/>
-  </p:clrMapOvr>
-</p:notes>
-</file>
-
-<file path=ppt/notesSlides/notesSlide4.xml><?xml version="1.0" encoding="utf-8"?>
-<p:notes xmlns:a="http://schemas.openxmlformats.org/drawingml/2006/main" xmlns:r="http://schemas.openxmlformats.org/officeDocument/2006/relationships" xmlns:p="http://schemas.openxmlformats.org/presentationml/2006/main">
-  <p:cSld>
-    <p:bg>
-      <p:bgPr>
-        <a:solidFill>
-          <a:srgbClr val="FFFFFF"/>
-        </a:solidFill>
-        <a:effectLst/>
-      </p:bgPr>
-    </p:bg>
-    <p:spTree>
-      <p:nvGrpSpPr>
-        <p:cNvPr id="1" name=""/>
-        <p:cNvGrpSpPr/>
-        <p:nvPr/>
-      </p:nvGrpSpPr>
-      <p:grpSpPr>
-        <a:xfrm>
-          <a:off x="0" y="0"/>
-          <a:ext cx="0" cy="0"/>
-          <a:chOff x="0" y="0"/>
-          <a:chExt cx="0" cy="0"/>
-        </a:xfrm>
-      </p:grpSpPr>
-      <p:sp>
-        <p:nvSpPr>
-          <p:cNvPr id="79874" name="Rectangle 14"/>
-          <p:cNvSpPr>
-            <a:spLocks noGrp="1" noChangeArrowheads="1"/>
-          </p:cNvSpPr>
-          <p:nvPr>
-            <p:ph type="sldNum" sz="quarter"/>
-          </p:nvPr>
-        </p:nvSpPr>
-        <p:spPr>
-          <a:noFill/>
-        </p:spPr>
-        <p:txBody>
-          <a:bodyPr/>
-          <a:lstStyle/>
-          <a:p>
-            <a:fld id="{CDF0E442-F99C-4F45-B063-AC58AB781519}" type="slidenum">
-              <a:rPr lang="en-US" smtClean="0"/>
-              <a:pPr/>
-              <a:t>35</a:t>
-            </a:fld>
-            <a:endParaRPr lang="en-US" smtClean="0"/>
-          </a:p>
-        </p:txBody>
-      </p:sp>
-      <p:sp>
-        <p:nvSpPr>
-          <p:cNvPr id="79875" name="Text Box 1"/>
-          <p:cNvSpPr txBox="1">
-            <a:spLocks noChangeArrowheads="1"/>
-          </p:cNvSpPr>
-          <p:nvPr/>
-        </p:nvSpPr>
-        <p:spPr bwMode="auto">
-          <a:xfrm>
-            <a:off x="1160463" y="688975"/>
-            <a:ext cx="4710112" cy="3513138"/>
-          </a:xfrm>
-          <a:prstGeom prst="rect">
-            <a:avLst/>
-          </a:prstGeom>
-          <a:solidFill>
-            <a:srgbClr val="FFFFFF"/>
-          </a:solidFill>
-          <a:ln w="9360">
-            <a:solidFill>
-              <a:srgbClr val="000000"/>
-            </a:solidFill>
-            <a:miter lim="800000"/>
-            <a:headEnd/>
-            <a:tailEnd/>
-          </a:ln>
-        </p:spPr>
-        <p:txBody>
-          <a:bodyPr wrap="none" anchor="ctr"/>
-          <a:lstStyle/>
-          <a:p>
-            <a:endParaRPr lang="en-US"/>
-          </a:p>
-        </p:txBody>
-      </p:sp>
-      <p:sp>
-        <p:nvSpPr>
-          <p:cNvPr id="79876" name="Text Box 2"/>
-          <p:cNvSpPr>
-            <a:spLocks noGrp="1" noChangeArrowheads="1"/>
-          </p:cNvSpPr>
-          <p:nvPr>
-            <p:ph type="body"/>
-          </p:nvPr>
-        </p:nvSpPr>
-        <p:spPr>
-          <a:xfrm>
-            <a:off x="914400" y="4419600"/>
-            <a:ext cx="5191125" cy="4200525"/>
-          </a:xfrm>
-          <a:noFill/>
-          <a:ln/>
-        </p:spPr>
-        <p:txBody>
-          <a:bodyPr/>
-          <a:lstStyle/>
-          <a:p>
-            <a:pPr eaLnBrk="1" hangingPunct="1">
-              <a:spcBef>
-                <a:spcPts val="450"/>
-              </a:spcBef>
-              <a:tabLst>
-                <a:tab pos="0" algn="l"/>
-                <a:tab pos="457200" algn="l"/>
-                <a:tab pos="914400" algn="l"/>
-                <a:tab pos="1371600" algn="l"/>
-                <a:tab pos="1828800" algn="l"/>
-                <a:tab pos="2286000" algn="l"/>
-                <a:tab pos="2743200" algn="l"/>
-                <a:tab pos="3200400" algn="l"/>
-                <a:tab pos="3657600" algn="l"/>
-                <a:tab pos="4114800" algn="l"/>
-                <a:tab pos="4572000" algn="l"/>
-                <a:tab pos="5029200" algn="l"/>
-                <a:tab pos="5486400" algn="l"/>
-                <a:tab pos="5943600" algn="l"/>
-                <a:tab pos="6400800" algn="l"/>
-                <a:tab pos="6858000" algn="l"/>
-                <a:tab pos="7315200" algn="l"/>
-                <a:tab pos="7772400" algn="l"/>
-                <a:tab pos="8229600" algn="l"/>
-                <a:tab pos="8686800" algn="l"/>
-                <a:tab pos="9144000" algn="l"/>
-              </a:tabLst>
-            </a:pPr>
-            <a:endParaRPr lang="en-US" smtClean="0"/>
-          </a:p>
-        </p:txBody>
-      </p:sp>
-    </p:spTree>
-  </p:cSld>
-  <p:clrMapOvr>
-    <a:masterClrMapping/>
-  </p:clrMapOvr>
-</p:notes>
-</file>
-
-<file path=ppt/notesSlides/notesSlide5.xml><?xml version="1.0" encoding="utf-8"?>
-<p:notes xmlns:a="http://schemas.openxmlformats.org/drawingml/2006/main" xmlns:r="http://schemas.openxmlformats.org/officeDocument/2006/relationships" xmlns:p="http://schemas.openxmlformats.org/presentationml/2006/main">
-  <p:cSld>
-    <p:bg>
-      <p:bgPr>
-        <a:solidFill>
-          <a:srgbClr val="FFFFFF"/>
-        </a:solidFill>
-        <a:effectLst/>
-      </p:bgPr>
-    </p:bg>
-    <p:spTree>
-      <p:nvGrpSpPr>
-        <p:cNvPr id="1" name=""/>
-        <p:cNvGrpSpPr/>
-        <p:nvPr/>
-      </p:nvGrpSpPr>
-      <p:grpSpPr>
-        <a:xfrm>
-          <a:off x="0" y="0"/>
-          <a:ext cx="0" cy="0"/>
-          <a:chOff x="0" y="0"/>
-          <a:chExt cx="0" cy="0"/>
-        </a:xfrm>
-      </p:grpSpPr>
-      <p:sp>
-        <p:nvSpPr>
-          <p:cNvPr id="79874" name="Rectangle 14"/>
-          <p:cNvSpPr>
-            <a:spLocks noGrp="1" noChangeArrowheads="1"/>
-          </p:cNvSpPr>
-          <p:nvPr>
-            <p:ph type="sldNum" sz="quarter"/>
-          </p:nvPr>
-        </p:nvSpPr>
-        <p:spPr>
-          <a:noFill/>
-        </p:spPr>
-        <p:txBody>
-          <a:bodyPr/>
-          <a:lstStyle/>
-          <a:p>
-            <a:fld id="{CDF0E442-F99C-4F45-B063-AC58AB781519}" type="slidenum">
-              <a:rPr lang="en-US" smtClean="0"/>
-              <a:pPr/>
-              <a:t>36</a:t>
-            </a:fld>
-            <a:endParaRPr lang="en-US" smtClean="0"/>
-          </a:p>
-        </p:txBody>
-      </p:sp>
-      <p:sp>
-        <p:nvSpPr>
-          <p:cNvPr id="79875" name="Text Box 1"/>
-          <p:cNvSpPr txBox="1">
-            <a:spLocks noChangeArrowheads="1"/>
-          </p:cNvSpPr>
-          <p:nvPr/>
-        </p:nvSpPr>
-        <p:spPr bwMode="auto">
-          <a:xfrm>
-            <a:off x="1160463" y="688975"/>
-            <a:ext cx="4710112" cy="3513138"/>
-          </a:xfrm>
-          <a:prstGeom prst="rect">
-            <a:avLst/>
-          </a:prstGeom>
-          <a:solidFill>
-            <a:srgbClr val="FFFFFF"/>
-          </a:solidFill>
-          <a:ln w="9360">
-            <a:solidFill>
-              <a:srgbClr val="000000"/>
-            </a:solidFill>
-            <a:miter lim="800000"/>
-            <a:headEnd/>
-            <a:tailEnd/>
-          </a:ln>
-        </p:spPr>
-        <p:txBody>
-          <a:bodyPr wrap="none" anchor="ctr"/>
-          <a:lstStyle/>
-          <a:p>
-            <a:endParaRPr lang="en-US"/>
-          </a:p>
-        </p:txBody>
-      </p:sp>
-      <p:sp>
-        <p:nvSpPr>
-          <p:cNvPr id="79876" name="Text Box 2"/>
-          <p:cNvSpPr>
-            <a:spLocks noGrp="1" noChangeArrowheads="1"/>
-          </p:cNvSpPr>
-          <p:nvPr>
-            <p:ph type="body"/>
-          </p:nvPr>
-        </p:nvSpPr>
-        <p:spPr>
-          <a:xfrm>
-            <a:off x="914400" y="4419600"/>
-            <a:ext cx="5191125" cy="4200525"/>
-          </a:xfrm>
-          <a:noFill/>
-          <a:ln/>
-        </p:spPr>
-        <p:txBody>
-          <a:bodyPr/>
-          <a:lstStyle/>
-          <a:p>
-            <a:pPr eaLnBrk="1" hangingPunct="1">
-              <a:spcBef>
-                <a:spcPts val="450"/>
-              </a:spcBef>
-              <a:tabLst>
-                <a:tab pos="0" algn="l"/>
-                <a:tab pos="457200" algn="l"/>
-                <a:tab pos="914400" algn="l"/>
-                <a:tab pos="1371600" algn="l"/>
-                <a:tab pos="1828800" algn="l"/>
-                <a:tab pos="2286000" algn="l"/>
-                <a:tab pos="2743200" algn="l"/>
-                <a:tab pos="3200400" algn="l"/>
-                <a:tab pos="3657600" algn="l"/>
-                <a:tab pos="4114800" algn="l"/>
-                <a:tab pos="4572000" algn="l"/>
-                <a:tab pos="5029200" algn="l"/>
-                <a:tab pos="5486400" algn="l"/>
-                <a:tab pos="5943600" algn="l"/>
-                <a:tab pos="6400800" algn="l"/>
-                <a:tab pos="6858000" algn="l"/>
-                <a:tab pos="7315200" algn="l"/>
-                <a:tab pos="7772400" algn="l"/>
-                <a:tab pos="8229600" algn="l"/>
-                <a:tab pos="8686800" algn="l"/>
-                <a:tab pos="9144000" algn="l"/>
-              </a:tabLst>
-            </a:pPr>
-            <a:endParaRPr lang="en-US" smtClean="0"/>
-          </a:p>
-        </p:txBody>
-      </p:sp>
-    </p:spTree>
-  </p:cSld>
-  <p:clrMapOvr>
-    <a:masterClrMapping/>
-  </p:clrMapOvr>
-</p:notes>
-</file>
-
-<file path=ppt/notesSlides/notesSlide6.xml><?xml version="1.0" encoding="utf-8"?>
-<p:notes xmlns:a="http://schemas.openxmlformats.org/drawingml/2006/main" xmlns:r="http://schemas.openxmlformats.org/officeDocument/2006/relationships" xmlns:p="http://schemas.openxmlformats.org/presentationml/2006/main">
-  <p:cSld>
-    <p:bg>
-      <p:bgPr>
-        <a:solidFill>
-          <a:srgbClr val="FFFFFF"/>
-        </a:solidFill>
-        <a:effectLst/>
-      </p:bgPr>
-    </p:bg>
-    <p:spTree>
-      <p:nvGrpSpPr>
-        <p:cNvPr id="1" name=""/>
-        <p:cNvGrpSpPr/>
-        <p:nvPr/>
-      </p:nvGrpSpPr>
-      <p:grpSpPr>
-        <a:xfrm>
-          <a:off x="0" y="0"/>
-          <a:ext cx="0" cy="0"/>
-          <a:chOff x="0" y="0"/>
-          <a:chExt cx="0" cy="0"/>
-        </a:xfrm>
-      </p:grpSpPr>
-      <p:sp>
-        <p:nvSpPr>
-          <p:cNvPr id="79874" name="Rectangle 14"/>
-          <p:cNvSpPr>
-            <a:spLocks noGrp="1" noChangeArrowheads="1"/>
-          </p:cNvSpPr>
-          <p:nvPr>
-            <p:ph type="sldNum" sz="quarter"/>
-          </p:nvPr>
-        </p:nvSpPr>
-        <p:spPr>
-          <a:noFill/>
-        </p:spPr>
-        <p:txBody>
-          <a:bodyPr/>
-          <a:lstStyle/>
-          <a:p>
-            <a:fld id="{CDF0E442-F99C-4F45-B063-AC58AB781519}" type="slidenum">
-              <a:rPr lang="en-US" smtClean="0"/>
-              <a:pPr/>
-              <a:t>37</a:t>
-            </a:fld>
-            <a:endParaRPr lang="en-US" smtClean="0"/>
-          </a:p>
-        </p:txBody>
-      </p:sp>
-      <p:sp>
-        <p:nvSpPr>
-          <p:cNvPr id="79875" name="Text Box 1"/>
-          <p:cNvSpPr txBox="1">
-            <a:spLocks noChangeArrowheads="1"/>
-          </p:cNvSpPr>
-          <p:nvPr/>
-        </p:nvSpPr>
-        <p:spPr bwMode="auto">
-          <a:xfrm>
-            <a:off x="1160463" y="688975"/>
-            <a:ext cx="4710112" cy="3513138"/>
-          </a:xfrm>
-          <a:prstGeom prst="rect">
-            <a:avLst/>
-          </a:prstGeom>
-          <a:solidFill>
-            <a:srgbClr val="FFFFFF"/>
-          </a:solidFill>
-          <a:ln w="9360">
-            <a:solidFill>
-              <a:srgbClr val="000000"/>
-            </a:solidFill>
-            <a:miter lim="800000"/>
-            <a:headEnd/>
-            <a:tailEnd/>
-          </a:ln>
-        </p:spPr>
-        <p:txBody>
-          <a:bodyPr wrap="none" anchor="ctr"/>
-          <a:lstStyle/>
-          <a:p>
-            <a:endParaRPr lang="en-US"/>
-          </a:p>
-        </p:txBody>
-      </p:sp>
-      <p:sp>
-        <p:nvSpPr>
-          <p:cNvPr id="79876" name="Text Box 2"/>
-          <p:cNvSpPr>
-            <a:spLocks noGrp="1" noChangeArrowheads="1"/>
-          </p:cNvSpPr>
-          <p:nvPr>
-            <p:ph type="body"/>
-          </p:nvPr>
-        </p:nvSpPr>
-        <p:spPr>
-          <a:xfrm>
-            <a:off x="914400" y="4419600"/>
-            <a:ext cx="5191125" cy="4200525"/>
-          </a:xfrm>
-          <a:noFill/>
-          <a:ln/>
-        </p:spPr>
-        <p:txBody>
-          <a:bodyPr/>
-          <a:lstStyle/>
-          <a:p>
-            <a:pPr eaLnBrk="1" hangingPunct="1">
-              <a:spcBef>
-                <a:spcPts val="450"/>
-              </a:spcBef>
-              <a:tabLst>
-                <a:tab pos="0" algn="l"/>
-                <a:tab pos="457200" algn="l"/>
-                <a:tab pos="914400" algn="l"/>
-                <a:tab pos="1371600" algn="l"/>
-                <a:tab pos="1828800" algn="l"/>
-                <a:tab pos="2286000" algn="l"/>
-                <a:tab pos="2743200" algn="l"/>
-                <a:tab pos="3200400" algn="l"/>
-                <a:tab pos="3657600" algn="l"/>
-                <a:tab pos="4114800" algn="l"/>
-                <a:tab pos="4572000" algn="l"/>
-                <a:tab pos="5029200" algn="l"/>
-                <a:tab pos="5486400" algn="l"/>
-                <a:tab pos="5943600" algn="l"/>
-                <a:tab pos="6400800" algn="l"/>
-                <a:tab pos="6858000" algn="l"/>
-                <a:tab pos="7315200" algn="l"/>
-                <a:tab pos="7772400" algn="l"/>
-                <a:tab pos="8229600" algn="l"/>
-                <a:tab pos="8686800" algn="l"/>
-                <a:tab pos="9144000" algn="l"/>
-              </a:tabLst>
-            </a:pPr>
-            <a:endParaRPr lang="en-US" smtClean="0"/>
-          </a:p>
-        </p:txBody>
-      </p:sp>
-    </p:spTree>
   </p:cSld>
   <p:clrMapOvr>
     <a:masterClrMapping/>
@@ -2136,7 +1540,7 @@
               <a:defRPr/>
             </a:pPr>
             <a:r>
-              <a:rPr lang="en-US" dirty="0" smtClean="0"/>
+              <a:rPr lang="en-US" smtClean="0"/>
               <a:t>Dec 7-8, 2012</a:t>
             </a:r>
             <a:endParaRPr lang="en-US" dirty="0"/>
@@ -2166,7 +1570,7 @@
               <a:defRPr/>
             </a:pPr>
             <a:r>
-              <a:rPr lang="en-US" altLang="en-US" smtClean="0"/>
+              <a:rPr lang="en-US" altLang="en-US" dirty="0" smtClean="0"/>
               <a:t>S&amp;OC DMS System Design Review</a:t>
             </a:r>
             <a:endParaRPr lang="en-US" altLang="en-US" dirty="0"/>
@@ -2283,7 +1687,12 @@
             <p:ph type="dt" sz="half" idx="10"/>
           </p:nvPr>
         </p:nvSpPr>
-        <p:spPr/>
+        <p:spPr>
+          <a:xfrm>
+            <a:off x="114300" y="6543675"/>
+            <a:ext cx="1257300" cy="276225"/>
+          </a:xfrm>
+        </p:spPr>
         <p:txBody>
           <a:bodyPr/>
           <a:lstStyle>
@@ -2301,7 +1710,7 @@
             </a:pPr>
             <a:r>
               <a:rPr lang="en-US" smtClean="0"/>
-              <a:t>October 31, 2012</a:t>
+              <a:t>Dec 7-8, 2012</a:t>
             </a:r>
             <a:endParaRPr lang="en-US" dirty="0"/>
           </a:p>
@@ -2317,11 +1726,16 @@
             <p:ph type="ftr" sz="quarter" idx="11"/>
           </p:nvPr>
         </p:nvSpPr>
-        <p:spPr/>
+        <p:spPr>
+          <a:xfrm>
+            <a:off x="1371600" y="6543675"/>
+            <a:ext cx="6040437" cy="276225"/>
+          </a:xfrm>
+        </p:spPr>
         <p:txBody>
           <a:bodyPr/>
           <a:lstStyle>
-            <a:lvl1pPr>
+            <a:lvl1pPr algn="ctr">
               <a:defRPr/>
             </a:lvl1pPr>
           </a:lstStyle>
@@ -2330,7 +1744,7 @@
               <a:defRPr/>
             </a:pPr>
             <a:r>
-              <a:rPr lang="en-US" smtClean="0"/>
+              <a:rPr lang="en-US" dirty="0" smtClean="0"/>
               <a:t>S&amp;OC DMS System Design Review</a:t>
             </a:r>
             <a:endParaRPr lang="en-US" dirty="0"/>
@@ -2517,7 +1931,12 @@
             <p:ph type="dt" sz="half" idx="10"/>
           </p:nvPr>
         </p:nvSpPr>
-        <p:spPr/>
+        <p:spPr>
+          <a:xfrm>
+            <a:off x="114300" y="6543675"/>
+            <a:ext cx="1866900" cy="276225"/>
+          </a:xfrm>
+        </p:spPr>
         <p:txBody>
           <a:bodyPr/>
           <a:lstStyle>
@@ -2534,8 +1953,8 @@
               <a:defRPr/>
             </a:pPr>
             <a:r>
-              <a:rPr lang="en-US" smtClean="0"/>
-              <a:t>October 31, 2012</a:t>
+              <a:rPr lang="en-US" altLang="en-US" smtClean="0"/>
+              <a:t>Dec 7-8, 2012</a:t>
             </a:r>
             <a:endParaRPr lang="en-US" altLang="en-US" dirty="0"/>
           </a:p>
@@ -2918,8 +2337,8 @@
               <a:defRPr/>
             </a:pPr>
             <a:r>
-              <a:rPr lang="en-US" dirty="0" smtClean="0"/>
-              <a:t>Dec 6-7, 2012</a:t>
+              <a:rPr lang="en-US" smtClean="0"/>
+              <a:t>Dec 7-8, 2012</a:t>
             </a:r>
             <a:endParaRPr lang="en-US" dirty="0"/>
           </a:p>
@@ -2959,7 +2378,7 @@
             </a:prstTxWarp>
           </a:bodyPr>
           <a:lstStyle>
-            <a:lvl1pPr>
+            <a:lvl1pPr algn="ctr">
               <a:defRPr sz="1200" b="1">
                 <a:solidFill>
                   <a:srgbClr val="BB0018"/>
@@ -2973,7 +2392,7 @@
               <a:defRPr/>
             </a:pPr>
             <a:r>
-              <a:rPr lang="en-US" smtClean="0"/>
+              <a:rPr lang="en-US" dirty="0" smtClean="0"/>
               <a:t>S&amp;OC DMS System Design Review</a:t>
             </a:r>
             <a:endParaRPr lang="en-US" dirty="0"/>
@@ -3091,7 +2510,7 @@
     <p:sldLayoutId id="2147483752" r:id="rId2"/>
     <p:sldLayoutId id="2147483759" r:id="rId3"/>
   </p:sldLayoutIdLst>
-  <p:hf sldNum="0" hdr="0" ftr="0" dt="0"/>
+  <p:hf hdr="0"/>
   <p:txStyles>
     <p:titleStyle>
       <a:lvl1pPr algn="ctr" rtl="0" eaLnBrk="0" fontAlgn="base" hangingPunct="0">
@@ -3613,6 +3032,97 @@
           </a:p>
         </p:txBody>
       </p:sp>
+      <p:sp>
+        <p:nvSpPr>
+          <p:cNvPr id="3" name="Footer Placeholder 2"/>
+          <p:cNvSpPr>
+            <a:spLocks noGrp="1"/>
+          </p:cNvSpPr>
+          <p:nvPr>
+            <p:ph type="ftr" sz="quarter" idx="11"/>
+          </p:nvPr>
+        </p:nvSpPr>
+        <p:spPr/>
+        <p:txBody>
+          <a:bodyPr/>
+          <a:lstStyle/>
+          <a:p>
+            <a:pPr>
+              <a:defRPr/>
+            </a:pPr>
+            <a:r>
+              <a:rPr lang="en-US" altLang="en-US" smtClean="0"/>
+              <a:t>S&amp;OC DMS System Design Review</a:t>
+            </a:r>
+            <a:endParaRPr lang="en-US" altLang="en-US" dirty="0"/>
+          </a:p>
+        </p:txBody>
+      </p:sp>
+      <p:sp>
+        <p:nvSpPr>
+          <p:cNvPr id="4" name="Date Placeholder 3"/>
+          <p:cNvSpPr>
+            <a:spLocks noGrp="1"/>
+          </p:cNvSpPr>
+          <p:nvPr>
+            <p:ph type="dt" sz="half" idx="10"/>
+          </p:nvPr>
+        </p:nvSpPr>
+        <p:spPr/>
+        <p:txBody>
+          <a:bodyPr/>
+          <a:lstStyle/>
+          <a:p>
+            <a:pPr>
+              <a:defRPr/>
+            </a:pPr>
+            <a:r>
+              <a:rPr lang="en-US" altLang="en-US" smtClean="0"/>
+              <a:t>Dec 7-8, 2012</a:t>
+            </a:r>
+            <a:endParaRPr lang="en-US" altLang="en-US" dirty="0"/>
+          </a:p>
+        </p:txBody>
+      </p:sp>
+      <p:sp>
+        <p:nvSpPr>
+          <p:cNvPr id="5" name="Slide Number Placeholder 4"/>
+          <p:cNvSpPr>
+            <a:spLocks noGrp="1"/>
+          </p:cNvSpPr>
+          <p:nvPr>
+            <p:ph type="sldNum" sz="quarter" idx="12"/>
+          </p:nvPr>
+        </p:nvSpPr>
+        <p:spPr/>
+        <p:txBody>
+          <a:bodyPr/>
+          <a:lstStyle/>
+          <a:p>
+            <a:pPr>
+              <a:defRPr/>
+            </a:pPr>
+            <a:r>
+              <a:rPr lang="en-US" smtClean="0"/>
+              <a:t>9-</a:t>
+            </a:r>
+            <a:fld id="{DEA1B79E-B14E-41E4-B6D3-CD206A959F7E}" type="slidenum">
+              <a:rPr lang="en-US" smtClean="0"/>
+              <a:pPr>
+                <a:defRPr/>
+              </a:pPr>
+              <a:t>2</a:t>
+            </a:fld>
+            <a:endParaRPr lang="en-US" smtClean="0"/>
+          </a:p>
+          <a:p>
+            <a:pPr>
+              <a:defRPr/>
+            </a:pPr>
+            <a:endParaRPr lang="en-US" altLang="en-US" dirty="0"/>
+          </a:p>
+        </p:txBody>
+      </p:sp>
     </p:spTree>
   </p:cSld>
   <p:clrMapOvr>
@@ -3713,7 +3223,6 @@
               <a:rPr lang="en-US" sz="1600" dirty="0" smtClean="0"/>
               <a:t>Typical HST Pattern:</a:t>
             </a:r>
-            <a:endParaRPr lang="en-US" sz="1600" dirty="0" smtClean="0"/>
           </a:p>
           <a:p>
             <a:pPr lvl="1"/>
@@ -3842,11 +3351,7 @@
             </a:r>
             <a:r>
               <a:rPr lang="en-US" sz="1600" dirty="0" smtClean="0"/>
-              <a:t>, </a:t>
-            </a:r>
-            <a:r>
-              <a:rPr lang="en-US" sz="1600" dirty="0" smtClean="0"/>
-              <a:t>Bracket</a:t>
+              <a:t>, Bracket</a:t>
             </a:r>
           </a:p>
           <a:p>
@@ -3854,6 +3359,97 @@
               <a:buNone/>
             </a:pPr>
             <a:endParaRPr lang="en-US" sz="1600" dirty="0"/>
+          </a:p>
+        </p:txBody>
+      </p:sp>
+      <p:sp>
+        <p:nvSpPr>
+          <p:cNvPr id="3" name="Footer Placeholder 2"/>
+          <p:cNvSpPr>
+            <a:spLocks noGrp="1"/>
+          </p:cNvSpPr>
+          <p:nvPr>
+            <p:ph type="ftr" sz="quarter" idx="11"/>
+          </p:nvPr>
+        </p:nvSpPr>
+        <p:spPr/>
+        <p:txBody>
+          <a:bodyPr/>
+          <a:lstStyle/>
+          <a:p>
+            <a:pPr>
+              <a:defRPr/>
+            </a:pPr>
+            <a:r>
+              <a:rPr lang="en-US" smtClean="0"/>
+              <a:t>S&amp;OC DMS System Design Review</a:t>
+            </a:r>
+            <a:endParaRPr lang="en-US" dirty="0"/>
+          </a:p>
+        </p:txBody>
+      </p:sp>
+      <p:sp>
+        <p:nvSpPr>
+          <p:cNvPr id="5" name="Date Placeholder 4"/>
+          <p:cNvSpPr>
+            <a:spLocks noGrp="1"/>
+          </p:cNvSpPr>
+          <p:nvPr>
+            <p:ph type="dt" sz="half" idx="10"/>
+          </p:nvPr>
+        </p:nvSpPr>
+        <p:spPr/>
+        <p:txBody>
+          <a:bodyPr/>
+          <a:lstStyle/>
+          <a:p>
+            <a:pPr>
+              <a:defRPr/>
+            </a:pPr>
+            <a:r>
+              <a:rPr lang="en-US" smtClean="0"/>
+              <a:t>Dec 7-8, 2012</a:t>
+            </a:r>
+            <a:endParaRPr lang="en-US" dirty="0"/>
+          </a:p>
+        </p:txBody>
+      </p:sp>
+      <p:sp>
+        <p:nvSpPr>
+          <p:cNvPr id="6" name="Slide Number Placeholder 5"/>
+          <p:cNvSpPr>
+            <a:spLocks noGrp="1"/>
+          </p:cNvSpPr>
+          <p:nvPr>
+            <p:ph type="sldNum" sz="quarter" idx="12"/>
+          </p:nvPr>
+        </p:nvSpPr>
+        <p:spPr/>
+        <p:txBody>
+          <a:bodyPr/>
+          <a:lstStyle/>
+          <a:p>
+            <a:pPr>
+              <a:defRPr/>
+            </a:pPr>
+            <a:r>
+              <a:rPr lang="en-US" smtClean="0"/>
+              <a:t>9-</a:t>
+            </a:r>
+            <a:fld id="{A739F50A-8F88-4892-87E1-8D1D3A543FFC}" type="slidenum">
+              <a:rPr lang="en-US" smtClean="0"/>
+              <a:pPr>
+                <a:defRPr/>
+              </a:pPr>
+              <a:t>11</a:t>
+            </a:fld>
+            <a:endParaRPr lang="en-US" smtClean="0"/>
+          </a:p>
+          <a:p>
+            <a:pPr>
+              <a:defRPr/>
+            </a:pPr>
+            <a:endParaRPr lang="en-US" dirty="0"/>
           </a:p>
         </p:txBody>
       </p:sp>
@@ -4955,6 +4551,97 @@
           <a:effectLst/>
         </p:spPr>
       </p:cxnSp>
+      <p:sp>
+        <p:nvSpPr>
+          <p:cNvPr id="3" name="Footer Placeholder 2"/>
+          <p:cNvSpPr>
+            <a:spLocks noGrp="1"/>
+          </p:cNvSpPr>
+          <p:nvPr>
+            <p:ph type="ftr" sz="quarter" idx="11"/>
+          </p:nvPr>
+        </p:nvSpPr>
+        <p:spPr/>
+        <p:txBody>
+          <a:bodyPr/>
+          <a:lstStyle/>
+          <a:p>
+            <a:pPr>
+              <a:defRPr/>
+            </a:pPr>
+            <a:r>
+              <a:rPr lang="en-US" smtClean="0"/>
+              <a:t>S&amp;OC DMS System Design Review</a:t>
+            </a:r>
+            <a:endParaRPr lang="en-US" dirty="0"/>
+          </a:p>
+        </p:txBody>
+      </p:sp>
+      <p:sp>
+        <p:nvSpPr>
+          <p:cNvPr id="4" name="Date Placeholder 3"/>
+          <p:cNvSpPr>
+            <a:spLocks noGrp="1"/>
+          </p:cNvSpPr>
+          <p:nvPr>
+            <p:ph type="dt" sz="half" idx="10"/>
+          </p:nvPr>
+        </p:nvSpPr>
+        <p:spPr/>
+        <p:txBody>
+          <a:bodyPr/>
+          <a:lstStyle/>
+          <a:p>
+            <a:pPr>
+              <a:defRPr/>
+            </a:pPr>
+            <a:r>
+              <a:rPr lang="en-US" smtClean="0"/>
+              <a:t>Dec 7-8, 2012</a:t>
+            </a:r>
+            <a:endParaRPr lang="en-US" dirty="0"/>
+          </a:p>
+        </p:txBody>
+      </p:sp>
+      <p:sp>
+        <p:nvSpPr>
+          <p:cNvPr id="5" name="Slide Number Placeholder 4"/>
+          <p:cNvSpPr>
+            <a:spLocks noGrp="1"/>
+          </p:cNvSpPr>
+          <p:nvPr>
+            <p:ph type="sldNum" sz="quarter" idx="12"/>
+          </p:nvPr>
+        </p:nvSpPr>
+        <p:spPr/>
+        <p:txBody>
+          <a:bodyPr/>
+          <a:lstStyle/>
+          <a:p>
+            <a:pPr>
+              <a:defRPr/>
+            </a:pPr>
+            <a:r>
+              <a:rPr lang="en-US" smtClean="0"/>
+              <a:t>9-</a:t>
+            </a:r>
+            <a:fld id="{A739F50A-8F88-4892-87E1-8D1D3A543FFC}" type="slidenum">
+              <a:rPr lang="en-US" smtClean="0"/>
+              <a:pPr>
+                <a:defRPr/>
+              </a:pPr>
+              <a:t>12</a:t>
+            </a:fld>
+            <a:endParaRPr lang="en-US" smtClean="0"/>
+          </a:p>
+          <a:p>
+            <a:pPr>
+              <a:defRPr/>
+            </a:pPr>
+            <a:endParaRPr lang="en-US" dirty="0"/>
+          </a:p>
+        </p:txBody>
+      </p:sp>
     </p:spTree>
     <p:extLst>
       <p:ext uri="{BB962C8B-B14F-4D97-AF65-F5344CB8AC3E}">
@@ -5758,6 +5445,97 @@
           </a:p>
         </p:txBody>
       </p:sp>
+      <p:sp>
+        <p:nvSpPr>
+          <p:cNvPr id="6" name="Footer Placeholder 5"/>
+          <p:cNvSpPr>
+            <a:spLocks noGrp="1"/>
+          </p:cNvSpPr>
+          <p:nvPr>
+            <p:ph type="ftr" sz="quarter" idx="11"/>
+          </p:nvPr>
+        </p:nvSpPr>
+        <p:spPr/>
+        <p:txBody>
+          <a:bodyPr/>
+          <a:lstStyle/>
+          <a:p>
+            <a:pPr>
+              <a:defRPr/>
+            </a:pPr>
+            <a:r>
+              <a:rPr lang="en-US" smtClean="0"/>
+              <a:t>S&amp;OC DMS System Design Review</a:t>
+            </a:r>
+            <a:endParaRPr lang="en-US" dirty="0"/>
+          </a:p>
+        </p:txBody>
+      </p:sp>
+      <p:sp>
+        <p:nvSpPr>
+          <p:cNvPr id="7" name="Date Placeholder 6"/>
+          <p:cNvSpPr>
+            <a:spLocks noGrp="1"/>
+          </p:cNvSpPr>
+          <p:nvPr>
+            <p:ph type="dt" sz="half" idx="10"/>
+          </p:nvPr>
+        </p:nvSpPr>
+        <p:spPr/>
+        <p:txBody>
+          <a:bodyPr/>
+          <a:lstStyle/>
+          <a:p>
+            <a:pPr>
+              <a:defRPr/>
+            </a:pPr>
+            <a:r>
+              <a:rPr lang="en-US" smtClean="0"/>
+              <a:t>Dec 7-8, 2012</a:t>
+            </a:r>
+            <a:endParaRPr lang="en-US" dirty="0"/>
+          </a:p>
+        </p:txBody>
+      </p:sp>
+      <p:sp>
+        <p:nvSpPr>
+          <p:cNvPr id="8" name="Slide Number Placeholder 7"/>
+          <p:cNvSpPr>
+            <a:spLocks noGrp="1"/>
+          </p:cNvSpPr>
+          <p:nvPr>
+            <p:ph type="sldNum" sz="quarter" idx="12"/>
+          </p:nvPr>
+        </p:nvSpPr>
+        <p:spPr/>
+        <p:txBody>
+          <a:bodyPr/>
+          <a:lstStyle/>
+          <a:p>
+            <a:pPr>
+              <a:defRPr/>
+            </a:pPr>
+            <a:r>
+              <a:rPr lang="en-US" smtClean="0"/>
+              <a:t>9-</a:t>
+            </a:r>
+            <a:fld id="{A739F50A-8F88-4892-87E1-8D1D3A543FFC}" type="slidenum">
+              <a:rPr lang="en-US" smtClean="0"/>
+              <a:pPr>
+                <a:defRPr/>
+              </a:pPr>
+              <a:t>13</a:t>
+            </a:fld>
+            <a:endParaRPr lang="en-US" smtClean="0"/>
+          </a:p>
+          <a:p>
+            <a:pPr>
+              <a:defRPr/>
+            </a:pPr>
+            <a:endParaRPr lang="en-US" dirty="0"/>
+          </a:p>
+        </p:txBody>
+      </p:sp>
     </p:spTree>
     <p:extLst>
       <p:ext uri="{BB962C8B-B14F-4D97-AF65-F5344CB8AC3E}">
@@ -5892,23 +5670,7 @@
             </a:r>
             <a:r>
               <a:rPr lang="en-US" sz="1400" dirty="0" smtClean="0"/>
-              <a:t>ommand </a:t>
-            </a:r>
-            <a:r>
-              <a:rPr lang="en-US" sz="1400" dirty="0" smtClean="0"/>
-              <a:t>line </a:t>
-            </a:r>
-            <a:r>
-              <a:rPr lang="en-US" sz="1400" dirty="0" smtClean="0"/>
-              <a:t>specifica</a:t>
-            </a:r>
-            <a:r>
-              <a:rPr lang="en-US" sz="1400" dirty="0" smtClean="0"/>
-              <a:t>tion of reference file </a:t>
-            </a:r>
-            <a:r>
-              <a:rPr lang="en-US" sz="1400" dirty="0" smtClean="0"/>
-              <a:t>overrides </a:t>
+              <a:t>ommand line specification of reference file overrides </a:t>
             </a:r>
             <a:r>
               <a:rPr lang="en-US" sz="1400" dirty="0" err="1" smtClean="0"/>
@@ -5931,11 +5693,7 @@
             <a:pPr lvl="2"/>
             <a:r>
               <a:rPr lang="en-US" sz="1400" dirty="0" smtClean="0"/>
-              <a:t>Web service </a:t>
-            </a:r>
-            <a:r>
-              <a:rPr lang="en-US" sz="1400" dirty="0" smtClean="0"/>
-              <a:t>also supports FITS keywords and maps to data model</a:t>
+              <a:t>Web service also supports FITS keywords and maps to data model</a:t>
             </a:r>
           </a:p>
           <a:p>
@@ -5956,7 +5714,6 @@
               <a:rPr lang="en-US" sz="1600" dirty="0" smtClean="0"/>
               <a:t>Support for reference</a:t>
             </a:r>
-            <a:endParaRPr lang="en-US" sz="1600" dirty="0" smtClean="0"/>
           </a:p>
           <a:p>
             <a:pPr lvl="2"/>
@@ -5977,11 +5734,7 @@
             <a:pPr lvl="1"/>
             <a:r>
               <a:rPr lang="en-US" sz="1600" dirty="0" smtClean="0"/>
-              <a:t>Web </a:t>
-            </a:r>
-            <a:r>
-              <a:rPr lang="en-US" sz="1600" dirty="0" smtClean="0"/>
-              <a:t>service is language agnostic</a:t>
+              <a:t>Web service is language agnostic</a:t>
             </a:r>
           </a:p>
           <a:p>
@@ -6017,6 +5770,97 @@
               <a:t>CRDS matches all CDBS recommendations:  ~100%</a:t>
             </a:r>
             <a:endParaRPr lang="en-US" sz="1600" dirty="0"/>
+          </a:p>
+        </p:txBody>
+      </p:sp>
+      <p:sp>
+        <p:nvSpPr>
+          <p:cNvPr id="4" name="Footer Placeholder 3"/>
+          <p:cNvSpPr>
+            <a:spLocks noGrp="1"/>
+          </p:cNvSpPr>
+          <p:nvPr>
+            <p:ph type="ftr" sz="quarter" idx="11"/>
+          </p:nvPr>
+        </p:nvSpPr>
+        <p:spPr/>
+        <p:txBody>
+          <a:bodyPr/>
+          <a:lstStyle/>
+          <a:p>
+            <a:pPr>
+              <a:defRPr/>
+            </a:pPr>
+            <a:r>
+              <a:rPr lang="en-US" smtClean="0"/>
+              <a:t>S&amp;OC DMS System Design Review</a:t>
+            </a:r>
+            <a:endParaRPr lang="en-US" dirty="0"/>
+          </a:p>
+        </p:txBody>
+      </p:sp>
+      <p:sp>
+        <p:nvSpPr>
+          <p:cNvPr id="5" name="Date Placeholder 4"/>
+          <p:cNvSpPr>
+            <a:spLocks noGrp="1"/>
+          </p:cNvSpPr>
+          <p:nvPr>
+            <p:ph type="dt" sz="half" idx="10"/>
+          </p:nvPr>
+        </p:nvSpPr>
+        <p:spPr/>
+        <p:txBody>
+          <a:bodyPr/>
+          <a:lstStyle/>
+          <a:p>
+            <a:pPr>
+              <a:defRPr/>
+            </a:pPr>
+            <a:r>
+              <a:rPr lang="en-US" smtClean="0"/>
+              <a:t>Dec 7-8, 2012</a:t>
+            </a:r>
+            <a:endParaRPr lang="en-US" dirty="0"/>
+          </a:p>
+        </p:txBody>
+      </p:sp>
+      <p:sp>
+        <p:nvSpPr>
+          <p:cNvPr id="6" name="Slide Number Placeholder 5"/>
+          <p:cNvSpPr>
+            <a:spLocks noGrp="1"/>
+          </p:cNvSpPr>
+          <p:nvPr>
+            <p:ph type="sldNum" sz="quarter" idx="12"/>
+          </p:nvPr>
+        </p:nvSpPr>
+        <p:spPr/>
+        <p:txBody>
+          <a:bodyPr/>
+          <a:lstStyle/>
+          <a:p>
+            <a:pPr>
+              <a:defRPr/>
+            </a:pPr>
+            <a:r>
+              <a:rPr lang="en-US" smtClean="0"/>
+              <a:t>9-</a:t>
+            </a:r>
+            <a:fld id="{A739F50A-8F88-4892-87E1-8D1D3A543FFC}" type="slidenum">
+              <a:rPr lang="en-US" smtClean="0"/>
+              <a:pPr>
+                <a:defRPr/>
+              </a:pPr>
+              <a:t>14</a:t>
+            </a:fld>
+            <a:endParaRPr lang="en-US" smtClean="0"/>
+          </a:p>
+          <a:p>
+            <a:pPr>
+              <a:defRPr/>
+            </a:pPr>
+            <a:endParaRPr lang="en-US" dirty="0"/>
           </a:p>
         </p:txBody>
       </p:sp>
@@ -6117,21 +5961,8 @@
             <a:pPr lvl="1"/>
             <a:r>
               <a:rPr lang="en-US" dirty="0" smtClean="0"/>
-              <a:t>CRDS </a:t>
-            </a:r>
-            <a:r>
-              <a:rPr lang="en-US" dirty="0" smtClean="0"/>
-              <a:t>now handles </a:t>
-            </a:r>
-            <a:r>
-              <a:rPr lang="en-US" dirty="0" smtClean="0"/>
-              <a:t>unique file naming </a:t>
-            </a:r>
-            <a:r>
-              <a:rPr lang="en-US" dirty="0" smtClean="0"/>
-              <a:t>for</a:t>
-            </a:r>
-            <a:endParaRPr lang="en-US" dirty="0" smtClean="0"/>
+              <a:t>CRDS now handles unique file naming for</a:t>
+            </a:r>
           </a:p>
           <a:p>
             <a:pPr lvl="2"/>
@@ -6167,6 +5998,97 @@
               <a:rPr lang="en-US" dirty="0" smtClean="0"/>
               <a:t>CRDS client *must* have file storage,  might as well share.</a:t>
             </a:r>
+          </a:p>
+        </p:txBody>
+      </p:sp>
+      <p:sp>
+        <p:nvSpPr>
+          <p:cNvPr id="4" name="Footer Placeholder 3"/>
+          <p:cNvSpPr>
+            <a:spLocks noGrp="1"/>
+          </p:cNvSpPr>
+          <p:nvPr>
+            <p:ph type="ftr" sz="quarter" idx="11"/>
+          </p:nvPr>
+        </p:nvSpPr>
+        <p:spPr/>
+        <p:txBody>
+          <a:bodyPr/>
+          <a:lstStyle/>
+          <a:p>
+            <a:pPr>
+              <a:defRPr/>
+            </a:pPr>
+            <a:r>
+              <a:rPr lang="en-US" smtClean="0"/>
+              <a:t>S&amp;OC DMS System Design Review</a:t>
+            </a:r>
+            <a:endParaRPr lang="en-US" dirty="0"/>
+          </a:p>
+        </p:txBody>
+      </p:sp>
+      <p:sp>
+        <p:nvSpPr>
+          <p:cNvPr id="5" name="Date Placeholder 4"/>
+          <p:cNvSpPr>
+            <a:spLocks noGrp="1"/>
+          </p:cNvSpPr>
+          <p:nvPr>
+            <p:ph type="dt" sz="half" idx="10"/>
+          </p:nvPr>
+        </p:nvSpPr>
+        <p:spPr/>
+        <p:txBody>
+          <a:bodyPr/>
+          <a:lstStyle/>
+          <a:p>
+            <a:pPr>
+              <a:defRPr/>
+            </a:pPr>
+            <a:r>
+              <a:rPr lang="en-US" smtClean="0"/>
+              <a:t>Dec 7-8, 2012</a:t>
+            </a:r>
+            <a:endParaRPr lang="en-US" dirty="0"/>
+          </a:p>
+        </p:txBody>
+      </p:sp>
+      <p:sp>
+        <p:nvSpPr>
+          <p:cNvPr id="6" name="Slide Number Placeholder 5"/>
+          <p:cNvSpPr>
+            <a:spLocks noGrp="1"/>
+          </p:cNvSpPr>
+          <p:nvPr>
+            <p:ph type="sldNum" sz="quarter" idx="12"/>
+          </p:nvPr>
+        </p:nvSpPr>
+        <p:spPr/>
+        <p:txBody>
+          <a:bodyPr/>
+          <a:lstStyle/>
+          <a:p>
+            <a:pPr>
+              <a:defRPr/>
+            </a:pPr>
+            <a:r>
+              <a:rPr lang="en-US" smtClean="0"/>
+              <a:t>9-</a:t>
+            </a:r>
+            <a:fld id="{A739F50A-8F88-4892-87E1-8D1D3A543FFC}" type="slidenum">
+              <a:rPr lang="en-US" smtClean="0"/>
+              <a:pPr>
+                <a:defRPr/>
+              </a:pPr>
+              <a:t>15</a:t>
+            </a:fld>
+            <a:endParaRPr lang="en-US" smtClean="0"/>
+          </a:p>
+          <a:p>
+            <a:pPr>
+              <a:defRPr/>
+            </a:pPr>
+            <a:endParaRPr lang="en-US" dirty="0"/>
           </a:p>
         </p:txBody>
       </p:sp>
@@ -6834,6 +6756,97 @@
           </a:p>
         </p:txBody>
       </p:sp>
+      <p:sp>
+        <p:nvSpPr>
+          <p:cNvPr id="4" name="Footer Placeholder 3"/>
+          <p:cNvSpPr>
+            <a:spLocks noGrp="1"/>
+          </p:cNvSpPr>
+          <p:nvPr>
+            <p:ph type="ftr" sz="quarter" idx="11"/>
+          </p:nvPr>
+        </p:nvSpPr>
+        <p:spPr/>
+        <p:txBody>
+          <a:bodyPr/>
+          <a:lstStyle/>
+          <a:p>
+            <a:pPr>
+              <a:defRPr/>
+            </a:pPr>
+            <a:r>
+              <a:rPr lang="en-US" smtClean="0"/>
+              <a:t>S&amp;OC DMS System Design Review</a:t>
+            </a:r>
+            <a:endParaRPr lang="en-US" dirty="0"/>
+          </a:p>
+        </p:txBody>
+      </p:sp>
+      <p:sp>
+        <p:nvSpPr>
+          <p:cNvPr id="7" name="Date Placeholder 6"/>
+          <p:cNvSpPr>
+            <a:spLocks noGrp="1"/>
+          </p:cNvSpPr>
+          <p:nvPr>
+            <p:ph type="dt" sz="half" idx="10"/>
+          </p:nvPr>
+        </p:nvSpPr>
+        <p:spPr/>
+        <p:txBody>
+          <a:bodyPr/>
+          <a:lstStyle/>
+          <a:p>
+            <a:pPr>
+              <a:defRPr/>
+            </a:pPr>
+            <a:r>
+              <a:rPr lang="en-US" smtClean="0"/>
+              <a:t>Dec 7-8, 2012</a:t>
+            </a:r>
+            <a:endParaRPr lang="en-US" dirty="0"/>
+          </a:p>
+        </p:txBody>
+      </p:sp>
+      <p:sp>
+        <p:nvSpPr>
+          <p:cNvPr id="8" name="Slide Number Placeholder 7"/>
+          <p:cNvSpPr>
+            <a:spLocks noGrp="1"/>
+          </p:cNvSpPr>
+          <p:nvPr>
+            <p:ph type="sldNum" sz="quarter" idx="12"/>
+          </p:nvPr>
+        </p:nvSpPr>
+        <p:spPr/>
+        <p:txBody>
+          <a:bodyPr/>
+          <a:lstStyle/>
+          <a:p>
+            <a:pPr>
+              <a:defRPr/>
+            </a:pPr>
+            <a:r>
+              <a:rPr lang="en-US" smtClean="0"/>
+              <a:t>9-</a:t>
+            </a:r>
+            <a:fld id="{A739F50A-8F88-4892-87E1-8D1D3A543FFC}" type="slidenum">
+              <a:rPr lang="en-US" smtClean="0"/>
+              <a:pPr>
+                <a:defRPr/>
+              </a:pPr>
+              <a:t>16</a:t>
+            </a:fld>
+            <a:endParaRPr lang="en-US" smtClean="0"/>
+          </a:p>
+          <a:p>
+            <a:pPr>
+              <a:defRPr/>
+            </a:pPr>
+            <a:endParaRPr lang="en-US" dirty="0"/>
+          </a:p>
+        </p:txBody>
+      </p:sp>
     </p:spTree>
     <p:extLst>
       <p:ext uri="{BB962C8B-B14F-4D97-AF65-F5344CB8AC3E}">
@@ -7737,6 +7750,97 @@
               </a:rPr>
               <a:t>During automatic rules updates</a:t>
             </a:r>
+          </a:p>
+        </p:txBody>
+      </p:sp>
+      <p:sp>
+        <p:nvSpPr>
+          <p:cNvPr id="3" name="Footer Placeholder 2"/>
+          <p:cNvSpPr>
+            <a:spLocks noGrp="1"/>
+          </p:cNvSpPr>
+          <p:nvPr>
+            <p:ph type="ftr" sz="quarter" idx="11"/>
+          </p:nvPr>
+        </p:nvSpPr>
+        <p:spPr/>
+        <p:txBody>
+          <a:bodyPr/>
+          <a:lstStyle/>
+          <a:p>
+            <a:pPr>
+              <a:defRPr/>
+            </a:pPr>
+            <a:r>
+              <a:rPr lang="en-US" smtClean="0"/>
+              <a:t>S&amp;OC DMS System Design Review</a:t>
+            </a:r>
+            <a:endParaRPr lang="en-US" dirty="0"/>
+          </a:p>
+        </p:txBody>
+      </p:sp>
+      <p:sp>
+        <p:nvSpPr>
+          <p:cNvPr id="9" name="Date Placeholder 8"/>
+          <p:cNvSpPr>
+            <a:spLocks noGrp="1"/>
+          </p:cNvSpPr>
+          <p:nvPr>
+            <p:ph type="dt" sz="half" idx="10"/>
+          </p:nvPr>
+        </p:nvSpPr>
+        <p:spPr/>
+        <p:txBody>
+          <a:bodyPr/>
+          <a:lstStyle/>
+          <a:p>
+            <a:pPr>
+              <a:defRPr/>
+            </a:pPr>
+            <a:r>
+              <a:rPr lang="en-US" smtClean="0"/>
+              <a:t>Dec 7-8, 2012</a:t>
+            </a:r>
+            <a:endParaRPr lang="en-US" dirty="0"/>
+          </a:p>
+        </p:txBody>
+      </p:sp>
+      <p:sp>
+        <p:nvSpPr>
+          <p:cNvPr id="10" name="Slide Number Placeholder 9"/>
+          <p:cNvSpPr>
+            <a:spLocks noGrp="1"/>
+          </p:cNvSpPr>
+          <p:nvPr>
+            <p:ph type="sldNum" sz="quarter" idx="12"/>
+          </p:nvPr>
+        </p:nvSpPr>
+        <p:spPr/>
+        <p:txBody>
+          <a:bodyPr/>
+          <a:lstStyle/>
+          <a:p>
+            <a:pPr>
+              <a:defRPr/>
+            </a:pPr>
+            <a:r>
+              <a:rPr lang="en-US" smtClean="0"/>
+              <a:t>9-</a:t>
+            </a:r>
+            <a:fld id="{A739F50A-8F88-4892-87E1-8D1D3A543FFC}" type="slidenum">
+              <a:rPr lang="en-US" smtClean="0"/>
+              <a:pPr>
+                <a:defRPr/>
+              </a:pPr>
+              <a:t>17</a:t>
+            </a:fld>
+            <a:endParaRPr lang="en-US" smtClean="0"/>
+          </a:p>
+          <a:p>
+            <a:pPr>
+              <a:defRPr/>
+            </a:pPr>
+            <a:endParaRPr lang="en-US" dirty="0"/>
           </a:p>
         </p:txBody>
       </p:sp>
@@ -7864,6 +7968,97 @@
           </a:p>
         </p:txBody>
       </p:sp>
+      <p:sp>
+        <p:nvSpPr>
+          <p:cNvPr id="4" name="Footer Placeholder 3"/>
+          <p:cNvSpPr>
+            <a:spLocks noGrp="1"/>
+          </p:cNvSpPr>
+          <p:nvPr>
+            <p:ph type="ftr" sz="quarter" idx="11"/>
+          </p:nvPr>
+        </p:nvSpPr>
+        <p:spPr/>
+        <p:txBody>
+          <a:bodyPr/>
+          <a:lstStyle/>
+          <a:p>
+            <a:pPr>
+              <a:defRPr/>
+            </a:pPr>
+            <a:r>
+              <a:rPr lang="en-US" smtClean="0"/>
+              <a:t>S&amp;OC DMS System Design Review</a:t>
+            </a:r>
+            <a:endParaRPr lang="en-US" dirty="0"/>
+          </a:p>
+        </p:txBody>
+      </p:sp>
+      <p:sp>
+        <p:nvSpPr>
+          <p:cNvPr id="5" name="Date Placeholder 4"/>
+          <p:cNvSpPr>
+            <a:spLocks noGrp="1"/>
+          </p:cNvSpPr>
+          <p:nvPr>
+            <p:ph type="dt" sz="half" idx="10"/>
+          </p:nvPr>
+        </p:nvSpPr>
+        <p:spPr/>
+        <p:txBody>
+          <a:bodyPr/>
+          <a:lstStyle/>
+          <a:p>
+            <a:pPr>
+              <a:defRPr/>
+            </a:pPr>
+            <a:r>
+              <a:rPr lang="en-US" smtClean="0"/>
+              <a:t>Dec 7-8, 2012</a:t>
+            </a:r>
+            <a:endParaRPr lang="en-US" dirty="0"/>
+          </a:p>
+        </p:txBody>
+      </p:sp>
+      <p:sp>
+        <p:nvSpPr>
+          <p:cNvPr id="6" name="Slide Number Placeholder 5"/>
+          <p:cNvSpPr>
+            <a:spLocks noGrp="1"/>
+          </p:cNvSpPr>
+          <p:nvPr>
+            <p:ph type="sldNum" sz="quarter" idx="12"/>
+          </p:nvPr>
+        </p:nvSpPr>
+        <p:spPr/>
+        <p:txBody>
+          <a:bodyPr/>
+          <a:lstStyle/>
+          <a:p>
+            <a:pPr>
+              <a:defRPr/>
+            </a:pPr>
+            <a:r>
+              <a:rPr lang="en-US" smtClean="0"/>
+              <a:t>9-</a:t>
+            </a:r>
+            <a:fld id="{A739F50A-8F88-4892-87E1-8D1D3A543FFC}" type="slidenum">
+              <a:rPr lang="en-US" smtClean="0"/>
+              <a:pPr>
+                <a:defRPr/>
+              </a:pPr>
+              <a:t>18</a:t>
+            </a:fld>
+            <a:endParaRPr lang="en-US" smtClean="0"/>
+          </a:p>
+          <a:p>
+            <a:pPr>
+              <a:defRPr/>
+            </a:pPr>
+            <a:endParaRPr lang="en-US" dirty="0"/>
+          </a:p>
+        </p:txBody>
+      </p:sp>
     </p:spTree>
     <p:extLst>
       <p:ext uri="{BB962C8B-B14F-4D97-AF65-F5344CB8AC3E}">
@@ -8007,6 +8202,97 @@
               <a:rPr lang="en-US" dirty="0" smtClean="0"/>
               <a:t>datasets</a:t>
             </a:r>
+            <a:endParaRPr lang="en-US" dirty="0"/>
+          </a:p>
+        </p:txBody>
+      </p:sp>
+      <p:sp>
+        <p:nvSpPr>
+          <p:cNvPr id="4" name="Footer Placeholder 3"/>
+          <p:cNvSpPr>
+            <a:spLocks noGrp="1"/>
+          </p:cNvSpPr>
+          <p:nvPr>
+            <p:ph type="ftr" sz="quarter" idx="11"/>
+          </p:nvPr>
+        </p:nvSpPr>
+        <p:spPr/>
+        <p:txBody>
+          <a:bodyPr/>
+          <a:lstStyle/>
+          <a:p>
+            <a:pPr>
+              <a:defRPr/>
+            </a:pPr>
+            <a:r>
+              <a:rPr lang="en-US" smtClean="0"/>
+              <a:t>S&amp;OC DMS System Design Review</a:t>
+            </a:r>
+            <a:endParaRPr lang="en-US" dirty="0"/>
+          </a:p>
+        </p:txBody>
+      </p:sp>
+      <p:sp>
+        <p:nvSpPr>
+          <p:cNvPr id="5" name="Date Placeholder 4"/>
+          <p:cNvSpPr>
+            <a:spLocks noGrp="1"/>
+          </p:cNvSpPr>
+          <p:nvPr>
+            <p:ph type="dt" sz="half" idx="10"/>
+          </p:nvPr>
+        </p:nvSpPr>
+        <p:spPr/>
+        <p:txBody>
+          <a:bodyPr/>
+          <a:lstStyle/>
+          <a:p>
+            <a:pPr>
+              <a:defRPr/>
+            </a:pPr>
+            <a:r>
+              <a:rPr lang="en-US" smtClean="0"/>
+              <a:t>Dec 7-8, 2012</a:t>
+            </a:r>
+            <a:endParaRPr lang="en-US" dirty="0"/>
+          </a:p>
+        </p:txBody>
+      </p:sp>
+      <p:sp>
+        <p:nvSpPr>
+          <p:cNvPr id="6" name="Slide Number Placeholder 5"/>
+          <p:cNvSpPr>
+            <a:spLocks noGrp="1"/>
+          </p:cNvSpPr>
+          <p:nvPr>
+            <p:ph type="sldNum" sz="quarter" idx="12"/>
+          </p:nvPr>
+        </p:nvSpPr>
+        <p:spPr/>
+        <p:txBody>
+          <a:bodyPr/>
+          <a:lstStyle/>
+          <a:p>
+            <a:pPr>
+              <a:defRPr/>
+            </a:pPr>
+            <a:r>
+              <a:rPr lang="en-US" smtClean="0"/>
+              <a:t>9-</a:t>
+            </a:r>
+            <a:fld id="{A739F50A-8F88-4892-87E1-8D1D3A543FFC}" type="slidenum">
+              <a:rPr lang="en-US" smtClean="0"/>
+              <a:pPr>
+                <a:defRPr/>
+              </a:pPr>
+              <a:t>19</a:t>
+            </a:fld>
+            <a:endParaRPr lang="en-US" smtClean="0"/>
+          </a:p>
+          <a:p>
+            <a:pPr>
+              <a:defRPr/>
+            </a:pPr>
             <a:endParaRPr lang="en-US" dirty="0"/>
           </a:p>
         </p:txBody>
@@ -9302,6 +9588,97 @@
           </a:p>
         </p:txBody>
       </p:sp>
+      <p:sp>
+        <p:nvSpPr>
+          <p:cNvPr id="4" name="Footer Placeholder 3"/>
+          <p:cNvSpPr>
+            <a:spLocks noGrp="1"/>
+          </p:cNvSpPr>
+          <p:nvPr>
+            <p:ph type="ftr" sz="quarter" idx="11"/>
+          </p:nvPr>
+        </p:nvSpPr>
+        <p:spPr/>
+        <p:txBody>
+          <a:bodyPr/>
+          <a:lstStyle/>
+          <a:p>
+            <a:pPr>
+              <a:defRPr/>
+            </a:pPr>
+            <a:r>
+              <a:rPr lang="en-US" smtClean="0"/>
+              <a:t>S&amp;OC DMS System Design Review</a:t>
+            </a:r>
+            <a:endParaRPr lang="en-US" dirty="0"/>
+          </a:p>
+        </p:txBody>
+      </p:sp>
+      <p:sp>
+        <p:nvSpPr>
+          <p:cNvPr id="5" name="Date Placeholder 4"/>
+          <p:cNvSpPr>
+            <a:spLocks noGrp="1"/>
+          </p:cNvSpPr>
+          <p:nvPr>
+            <p:ph type="dt" sz="half" idx="10"/>
+          </p:nvPr>
+        </p:nvSpPr>
+        <p:spPr/>
+        <p:txBody>
+          <a:bodyPr/>
+          <a:lstStyle/>
+          <a:p>
+            <a:pPr>
+              <a:defRPr/>
+            </a:pPr>
+            <a:r>
+              <a:rPr lang="en-US" smtClean="0"/>
+              <a:t>Dec 7-8, 2012</a:t>
+            </a:r>
+            <a:endParaRPr lang="en-US" dirty="0"/>
+          </a:p>
+        </p:txBody>
+      </p:sp>
+      <p:sp>
+        <p:nvSpPr>
+          <p:cNvPr id="8" name="Slide Number Placeholder 7"/>
+          <p:cNvSpPr>
+            <a:spLocks noGrp="1"/>
+          </p:cNvSpPr>
+          <p:nvPr>
+            <p:ph type="sldNum" sz="quarter" idx="12"/>
+          </p:nvPr>
+        </p:nvSpPr>
+        <p:spPr/>
+        <p:txBody>
+          <a:bodyPr/>
+          <a:lstStyle/>
+          <a:p>
+            <a:pPr>
+              <a:defRPr/>
+            </a:pPr>
+            <a:r>
+              <a:rPr lang="en-US" smtClean="0"/>
+              <a:t>9-</a:t>
+            </a:r>
+            <a:fld id="{A739F50A-8F88-4892-87E1-8D1D3A543FFC}" type="slidenum">
+              <a:rPr lang="en-US" smtClean="0"/>
+              <a:pPr>
+                <a:defRPr/>
+              </a:pPr>
+              <a:t>20</a:t>
+            </a:fld>
+            <a:endParaRPr lang="en-US" smtClean="0"/>
+          </a:p>
+          <a:p>
+            <a:pPr>
+              <a:defRPr/>
+            </a:pPr>
+            <a:endParaRPr lang="en-US" dirty="0"/>
+          </a:p>
+        </p:txBody>
+      </p:sp>
     </p:spTree>
     <p:extLst>
       <p:ext uri="{BB962C8B-B14F-4D97-AF65-F5344CB8AC3E}">
@@ -9332,9 +9709,139 @@
           <a:chExt cx="0" cy="0"/>
         </a:xfrm>
       </p:grpSpPr>
+      <p:sp>
+        <p:nvSpPr>
+          <p:cNvPr id="2" name="Title 1"/>
+          <p:cNvSpPr>
+            <a:spLocks noGrp="1"/>
+          </p:cNvSpPr>
+          <p:nvPr>
+            <p:ph type="title"/>
+          </p:nvPr>
+        </p:nvSpPr>
+        <p:spPr>
+          <a:xfrm>
+            <a:off x="914400" y="304800"/>
+            <a:ext cx="6934200" cy="406400"/>
+          </a:xfrm>
+        </p:spPr>
+        <p:txBody>
+          <a:bodyPr/>
+          <a:lstStyle/>
+          <a:p>
+            <a:r>
+              <a:rPr lang="en-US" kern="1200" dirty="0">
+                <a:solidFill>
+                  <a:srgbClr val="C00000"/>
+                </a:solidFill>
+              </a:rPr>
+              <a:t>Calibration Pipeline Component</a:t>
+            </a:r>
+            <a:r>
+              <a:rPr lang="en-US" dirty="0"/>
+              <a:t/>
+            </a:r>
+            <a:br>
+              <a:rPr lang="en-US" dirty="0"/>
+            </a:br>
+            <a:endParaRPr lang="en-US" dirty="0"/>
+          </a:p>
+        </p:txBody>
+      </p:sp>
+      <p:sp>
+        <p:nvSpPr>
+          <p:cNvPr id="3" name="Date Placeholder 2"/>
+          <p:cNvSpPr>
+            <a:spLocks noGrp="1"/>
+          </p:cNvSpPr>
+          <p:nvPr>
+            <p:ph type="dt" sz="half" idx="10"/>
+          </p:nvPr>
+        </p:nvSpPr>
+        <p:spPr/>
+        <p:txBody>
+          <a:bodyPr/>
+          <a:lstStyle/>
+          <a:p>
+            <a:pPr>
+              <a:defRPr/>
+            </a:pPr>
+            <a:r>
+              <a:rPr lang="en-US" smtClean="0"/>
+              <a:t>Dec 7-8, 2012</a:t>
+            </a:r>
+            <a:endParaRPr lang="en-US" dirty="0"/>
+          </a:p>
+        </p:txBody>
+      </p:sp>
+      <p:sp>
+        <p:nvSpPr>
+          <p:cNvPr id="4" name="Footer Placeholder 3"/>
+          <p:cNvSpPr>
+            <a:spLocks noGrp="1"/>
+          </p:cNvSpPr>
+          <p:nvPr>
+            <p:ph type="ftr" sz="quarter" idx="11"/>
+          </p:nvPr>
+        </p:nvSpPr>
+        <p:spPr/>
+        <p:txBody>
+          <a:bodyPr/>
+          <a:lstStyle/>
+          <a:p>
+            <a:pPr>
+              <a:defRPr/>
+            </a:pPr>
+            <a:r>
+              <a:rPr lang="en-US" smtClean="0"/>
+              <a:t>S&amp;OC DMS System Design Review</a:t>
+            </a:r>
+            <a:endParaRPr lang="en-US" dirty="0"/>
+          </a:p>
+        </p:txBody>
+      </p:sp>
+      <p:sp>
+        <p:nvSpPr>
+          <p:cNvPr id="5" name="Slide Number Placeholder 4"/>
+          <p:cNvSpPr>
+            <a:spLocks noGrp="1"/>
+          </p:cNvSpPr>
+          <p:nvPr>
+            <p:ph type="sldNum" sz="quarter" idx="12"/>
+          </p:nvPr>
+        </p:nvSpPr>
+        <p:spPr/>
+        <p:txBody>
+          <a:bodyPr/>
+          <a:lstStyle/>
+          <a:p>
+            <a:pPr>
+              <a:defRPr/>
+            </a:pPr>
+            <a:r>
+              <a:rPr lang="en-US" smtClean="0"/>
+              <a:t>9-</a:t>
+            </a:r>
+            <a:fld id="{A739F50A-8F88-4892-87E1-8D1D3A543FFC}" type="slidenum">
+              <a:rPr lang="en-US" smtClean="0"/>
+              <a:pPr>
+                <a:defRPr/>
+              </a:pPr>
+              <a:t>3</a:t>
+            </a:fld>
+            <a:endParaRPr lang="en-US" smtClean="0"/>
+          </a:p>
+          <a:p>
+            <a:pPr>
+              <a:defRPr/>
+            </a:pPr>
+            <a:endParaRPr lang="en-US" dirty="0"/>
+          </a:p>
+        </p:txBody>
+      </p:sp>
       <p:pic>
         <p:nvPicPr>
-          <p:cNvPr id="10" name="Picture 2"/>
+          <p:cNvPr id="6" name="Picture 2"/>
           <p:cNvPicPr>
             <a:picLocks noChangeAspect="1" noChangeArrowheads="1"/>
           </p:cNvPicPr>
@@ -9349,7 +9856,7 @@
         </p:blipFill>
         <p:spPr bwMode="auto">
           <a:xfrm>
-            <a:off x="99806" y="2114550"/>
+            <a:off x="252206" y="2266950"/>
             <a:ext cx="8924925" cy="2990850"/>
           </a:xfrm>
           <a:prstGeom prst="rect">
@@ -9366,7 +9873,7 @@
       </p:pic>
       <p:sp>
         <p:nvSpPr>
-          <p:cNvPr id="15364" name="TextBox 12"/>
+          <p:cNvPr id="7" name="TextBox 12"/>
           <p:cNvSpPr txBox="1">
             <a:spLocks noChangeArrowheads="1"/>
           </p:cNvSpPr>
@@ -9374,7 +9881,7 @@
         </p:nvSpPr>
         <p:spPr bwMode="auto">
           <a:xfrm>
-            <a:off x="900113" y="1219200"/>
+            <a:off x="1052513" y="1371600"/>
             <a:ext cx="1936750" cy="461963"/>
           </a:xfrm>
           <a:prstGeom prst="rect">
@@ -9409,17 +9916,17 @@
       </p:sp>
       <p:cxnSp>
         <p:nvCxnSpPr>
-          <p:cNvPr id="15365" name="Straight Arrow Connector 13"/>
+          <p:cNvPr id="8" name="Straight Arrow Connector 13"/>
           <p:cNvCxnSpPr>
             <a:cxnSpLocks noChangeShapeType="1"/>
-            <a:stCxn id="15364" idx="2"/>
-            <a:endCxn id="15369" idx="0"/>
+            <a:stCxn id="7" idx="2"/>
+            <a:endCxn id="9" idx="0"/>
           </p:cNvCxnSpPr>
           <p:nvPr/>
         </p:nvCxnSpPr>
         <p:spPr bwMode="auto">
           <a:xfrm>
-            <a:off x="1868488" y="1681163"/>
+            <a:off x="2020888" y="1833563"/>
             <a:ext cx="1118552" cy="2128837"/>
           </a:xfrm>
           <a:prstGeom prst="straightConnector1">
@@ -9438,7 +9945,7 @@
       </p:cxnSp>
       <p:sp>
         <p:nvSpPr>
-          <p:cNvPr id="15369" name="Rectangle 10"/>
+          <p:cNvPr id="9" name="Rectangle 10"/>
           <p:cNvSpPr>
             <a:spLocks noChangeArrowheads="1"/>
           </p:cNvSpPr>
@@ -9446,7 +9953,7 @@
         </p:nvSpPr>
         <p:spPr bwMode="auto">
           <a:xfrm>
-            <a:off x="2438400" y="3810000"/>
+            <a:off x="2590800" y="3962400"/>
             <a:ext cx="1097280" cy="457200"/>
           </a:xfrm>
           <a:prstGeom prst="rect">
@@ -9481,52 +9988,16 @@
           </a:p>
         </p:txBody>
       </p:sp>
-      <p:sp>
-        <p:nvSpPr>
-          <p:cNvPr id="2" name="Title 1"/>
-          <p:cNvSpPr>
-            <a:spLocks noGrp="1"/>
-          </p:cNvSpPr>
-          <p:nvPr>
-            <p:ph type="title"/>
-          </p:nvPr>
-        </p:nvSpPr>
-        <p:spPr/>
-        <p:txBody>
-          <a:bodyPr/>
-          <a:lstStyle/>
-          <a:p>
-            <a:pPr rtl="0" eaLnBrk="0" fontAlgn="base" hangingPunct="0"/>
-            <a:r>
-              <a:rPr lang="en-US" sz="1800" b="1" kern="1200" dirty="0" smtClean="0">
-                <a:solidFill>
-                  <a:srgbClr val="C00000"/>
-                </a:solidFill>
-                <a:effectLst/>
-                <a:latin typeface="Helvetica"/>
-                <a:ea typeface="+mn-ea"/>
-                <a:cs typeface="+mn-cs"/>
-              </a:rPr>
-              <a:t>Calibration Pipeline Component</a:t>
-            </a:r>
-            <a:endParaRPr lang="en-US" dirty="0" smtClean="0">
-              <a:effectLst/>
-            </a:endParaRPr>
-          </a:p>
-        </p:txBody>
-      </p:sp>
     </p:spTree>
+    <p:extLst>
+      <p:ext uri="{BB962C8B-B14F-4D97-AF65-F5344CB8AC3E}">
+        <p14:creationId xmlns:p14="http://schemas.microsoft.com/office/powerpoint/2010/main" val="2400224424"/>
+      </p:ext>
+    </p:extLst>
   </p:cSld>
   <p:clrMapOvr>
     <a:masterClrMapping/>
   </p:clrMapOvr>
-  <p:timing>
-    <p:tnLst>
-      <p:par>
-        <p:cTn xmlns:p14="http://schemas.microsoft.com/office/powerpoint/2010/main" id="1" dur="indefinite" restart="never" nodeType="tmRoot"/>
-      </p:par>
-    </p:tnLst>
-  </p:timing>
 </p:sld>
 </file>
 
@@ -10331,6 +10802,97 @@
           <a:effectLst/>
         </p:spPr>
       </p:cxnSp>
+      <p:sp>
+        <p:nvSpPr>
+          <p:cNvPr id="4" name="Footer Placeholder 3"/>
+          <p:cNvSpPr>
+            <a:spLocks noGrp="1"/>
+          </p:cNvSpPr>
+          <p:nvPr>
+            <p:ph type="ftr" sz="quarter" idx="11"/>
+          </p:nvPr>
+        </p:nvSpPr>
+        <p:spPr/>
+        <p:txBody>
+          <a:bodyPr/>
+          <a:lstStyle/>
+          <a:p>
+            <a:pPr>
+              <a:defRPr/>
+            </a:pPr>
+            <a:r>
+              <a:rPr lang="en-US" smtClean="0"/>
+              <a:t>S&amp;OC DMS System Design Review</a:t>
+            </a:r>
+            <a:endParaRPr lang="en-US" dirty="0"/>
+          </a:p>
+        </p:txBody>
+      </p:sp>
+      <p:sp>
+        <p:nvSpPr>
+          <p:cNvPr id="5" name="Date Placeholder 4"/>
+          <p:cNvSpPr>
+            <a:spLocks noGrp="1"/>
+          </p:cNvSpPr>
+          <p:nvPr>
+            <p:ph type="dt" sz="half" idx="10"/>
+          </p:nvPr>
+        </p:nvSpPr>
+        <p:spPr/>
+        <p:txBody>
+          <a:bodyPr/>
+          <a:lstStyle/>
+          <a:p>
+            <a:pPr>
+              <a:defRPr/>
+            </a:pPr>
+            <a:r>
+              <a:rPr lang="en-US" smtClean="0"/>
+              <a:t>Dec 7-8, 2012</a:t>
+            </a:r>
+            <a:endParaRPr lang="en-US" dirty="0"/>
+          </a:p>
+        </p:txBody>
+      </p:sp>
+      <p:sp>
+        <p:nvSpPr>
+          <p:cNvPr id="8" name="Slide Number Placeholder 7"/>
+          <p:cNvSpPr>
+            <a:spLocks noGrp="1"/>
+          </p:cNvSpPr>
+          <p:nvPr>
+            <p:ph type="sldNum" sz="quarter" idx="12"/>
+          </p:nvPr>
+        </p:nvSpPr>
+        <p:spPr/>
+        <p:txBody>
+          <a:bodyPr/>
+          <a:lstStyle/>
+          <a:p>
+            <a:pPr>
+              <a:defRPr/>
+            </a:pPr>
+            <a:r>
+              <a:rPr lang="en-US" smtClean="0"/>
+              <a:t>9-</a:t>
+            </a:r>
+            <a:fld id="{A739F50A-8F88-4892-87E1-8D1D3A543FFC}" type="slidenum">
+              <a:rPr lang="en-US" smtClean="0"/>
+              <a:pPr>
+                <a:defRPr/>
+              </a:pPr>
+              <a:t>21</a:t>
+            </a:fld>
+            <a:endParaRPr lang="en-US" smtClean="0"/>
+          </a:p>
+          <a:p>
+            <a:pPr>
+              <a:defRPr/>
+            </a:pPr>
+            <a:endParaRPr lang="en-US" dirty="0"/>
+          </a:p>
+        </p:txBody>
+      </p:sp>
     </p:spTree>
     <p:extLst>
       <p:ext uri="{BB962C8B-B14F-4D97-AF65-F5344CB8AC3E}">
@@ -10426,13 +10988,8 @@
             <a:pPr lvl="1"/>
             <a:r>
               <a:rPr lang="en-US" sz="1600" dirty="0" smtClean="0"/>
-              <a:t>CRDS transparent file </a:t>
-            </a:r>
-            <a:r>
-              <a:rPr lang="en-US" sz="1600" dirty="0" smtClean="0"/>
-              <a:t>retrieval</a:t>
-            </a:r>
-            <a:endParaRPr lang="en-US" sz="1600" dirty="0" smtClean="0"/>
+              <a:t>CRDS transparent file retrieval</a:t>
+            </a:r>
           </a:p>
           <a:p>
             <a:pPr lvl="1"/>
@@ -10547,6 +11104,97 @@
               <a:rPr lang="en-US" sz="1600" dirty="0" smtClean="0"/>
               <a:t>The server does not have to be running</a:t>
             </a:r>
+          </a:p>
+        </p:txBody>
+      </p:sp>
+      <p:sp>
+        <p:nvSpPr>
+          <p:cNvPr id="4" name="Footer Placeholder 3"/>
+          <p:cNvSpPr>
+            <a:spLocks noGrp="1"/>
+          </p:cNvSpPr>
+          <p:nvPr>
+            <p:ph type="ftr" sz="quarter" idx="11"/>
+          </p:nvPr>
+        </p:nvSpPr>
+        <p:spPr/>
+        <p:txBody>
+          <a:bodyPr/>
+          <a:lstStyle/>
+          <a:p>
+            <a:pPr>
+              <a:defRPr/>
+            </a:pPr>
+            <a:r>
+              <a:rPr lang="en-US" smtClean="0"/>
+              <a:t>S&amp;OC DMS System Design Review</a:t>
+            </a:r>
+            <a:endParaRPr lang="en-US" dirty="0"/>
+          </a:p>
+        </p:txBody>
+      </p:sp>
+      <p:sp>
+        <p:nvSpPr>
+          <p:cNvPr id="5" name="Date Placeholder 4"/>
+          <p:cNvSpPr>
+            <a:spLocks noGrp="1"/>
+          </p:cNvSpPr>
+          <p:nvPr>
+            <p:ph type="dt" sz="half" idx="10"/>
+          </p:nvPr>
+        </p:nvSpPr>
+        <p:spPr/>
+        <p:txBody>
+          <a:bodyPr/>
+          <a:lstStyle/>
+          <a:p>
+            <a:pPr>
+              <a:defRPr/>
+            </a:pPr>
+            <a:r>
+              <a:rPr lang="en-US" smtClean="0"/>
+              <a:t>Dec 7-8, 2012</a:t>
+            </a:r>
+            <a:endParaRPr lang="en-US" dirty="0"/>
+          </a:p>
+        </p:txBody>
+      </p:sp>
+      <p:sp>
+        <p:nvSpPr>
+          <p:cNvPr id="6" name="Slide Number Placeholder 5"/>
+          <p:cNvSpPr>
+            <a:spLocks noGrp="1"/>
+          </p:cNvSpPr>
+          <p:nvPr>
+            <p:ph type="sldNum" sz="quarter" idx="12"/>
+          </p:nvPr>
+        </p:nvSpPr>
+        <p:spPr/>
+        <p:txBody>
+          <a:bodyPr/>
+          <a:lstStyle/>
+          <a:p>
+            <a:pPr>
+              <a:defRPr/>
+            </a:pPr>
+            <a:r>
+              <a:rPr lang="en-US" smtClean="0"/>
+              <a:t>9-</a:t>
+            </a:r>
+            <a:fld id="{A739F50A-8F88-4892-87E1-8D1D3A543FFC}" type="slidenum">
+              <a:rPr lang="en-US" smtClean="0"/>
+              <a:pPr>
+                <a:defRPr/>
+              </a:pPr>
+              <a:t>22</a:t>
+            </a:fld>
+            <a:endParaRPr lang="en-US" smtClean="0"/>
+          </a:p>
+          <a:p>
+            <a:pPr>
+              <a:defRPr/>
+            </a:pPr>
+            <a:endParaRPr lang="en-US" dirty="0"/>
           </a:p>
         </p:txBody>
       </p:sp>
@@ -12073,6 +12721,97 @@
           </a:p>
         </p:txBody>
       </p:sp>
+      <p:sp>
+        <p:nvSpPr>
+          <p:cNvPr id="4" name="Footer Placeholder 3"/>
+          <p:cNvSpPr>
+            <a:spLocks noGrp="1"/>
+          </p:cNvSpPr>
+          <p:nvPr>
+            <p:ph type="ftr" sz="quarter" idx="11"/>
+          </p:nvPr>
+        </p:nvSpPr>
+        <p:spPr/>
+        <p:txBody>
+          <a:bodyPr/>
+          <a:lstStyle/>
+          <a:p>
+            <a:pPr>
+              <a:defRPr/>
+            </a:pPr>
+            <a:r>
+              <a:rPr lang="en-US" smtClean="0"/>
+              <a:t>S&amp;OC DMS System Design Review</a:t>
+            </a:r>
+            <a:endParaRPr lang="en-US" dirty="0"/>
+          </a:p>
+        </p:txBody>
+      </p:sp>
+      <p:sp>
+        <p:nvSpPr>
+          <p:cNvPr id="5" name="Date Placeholder 4"/>
+          <p:cNvSpPr>
+            <a:spLocks noGrp="1"/>
+          </p:cNvSpPr>
+          <p:nvPr>
+            <p:ph type="dt" sz="half" idx="10"/>
+          </p:nvPr>
+        </p:nvSpPr>
+        <p:spPr/>
+        <p:txBody>
+          <a:bodyPr/>
+          <a:lstStyle/>
+          <a:p>
+            <a:pPr>
+              <a:defRPr/>
+            </a:pPr>
+            <a:r>
+              <a:rPr lang="en-US" smtClean="0"/>
+              <a:t>Dec 7-8, 2012</a:t>
+            </a:r>
+            <a:endParaRPr lang="en-US" dirty="0"/>
+          </a:p>
+        </p:txBody>
+      </p:sp>
+      <p:sp>
+        <p:nvSpPr>
+          <p:cNvPr id="8" name="Slide Number Placeholder 7"/>
+          <p:cNvSpPr>
+            <a:spLocks noGrp="1"/>
+          </p:cNvSpPr>
+          <p:nvPr>
+            <p:ph type="sldNum" sz="quarter" idx="12"/>
+          </p:nvPr>
+        </p:nvSpPr>
+        <p:spPr/>
+        <p:txBody>
+          <a:bodyPr/>
+          <a:lstStyle/>
+          <a:p>
+            <a:pPr>
+              <a:defRPr/>
+            </a:pPr>
+            <a:r>
+              <a:rPr lang="en-US" smtClean="0"/>
+              <a:t>9-</a:t>
+            </a:r>
+            <a:fld id="{A739F50A-8F88-4892-87E1-8D1D3A543FFC}" type="slidenum">
+              <a:rPr lang="en-US" smtClean="0"/>
+              <a:pPr>
+                <a:defRPr/>
+              </a:pPr>
+              <a:t>23</a:t>
+            </a:fld>
+            <a:endParaRPr lang="en-US" smtClean="0"/>
+          </a:p>
+          <a:p>
+            <a:pPr>
+              <a:defRPr/>
+            </a:pPr>
+            <a:endParaRPr lang="en-US" dirty="0"/>
+          </a:p>
+        </p:txBody>
+      </p:sp>
     </p:spTree>
     <p:extLst>
       <p:ext uri="{BB962C8B-B14F-4D97-AF65-F5344CB8AC3E}">
@@ -12197,6 +12936,97 @@
           </a:p>
         </p:txBody>
       </p:sp>
+      <p:sp>
+        <p:nvSpPr>
+          <p:cNvPr id="3" name="Footer Placeholder 2"/>
+          <p:cNvSpPr>
+            <a:spLocks noGrp="1"/>
+          </p:cNvSpPr>
+          <p:nvPr>
+            <p:ph type="ftr" sz="quarter" idx="11"/>
+          </p:nvPr>
+        </p:nvSpPr>
+        <p:spPr/>
+        <p:txBody>
+          <a:bodyPr/>
+          <a:lstStyle/>
+          <a:p>
+            <a:pPr>
+              <a:defRPr/>
+            </a:pPr>
+            <a:r>
+              <a:rPr lang="en-US" smtClean="0"/>
+              <a:t>S&amp;OC DMS System Design Review</a:t>
+            </a:r>
+            <a:endParaRPr lang="en-US" dirty="0"/>
+          </a:p>
+        </p:txBody>
+      </p:sp>
+      <p:sp>
+        <p:nvSpPr>
+          <p:cNvPr id="5" name="Date Placeholder 4"/>
+          <p:cNvSpPr>
+            <a:spLocks noGrp="1"/>
+          </p:cNvSpPr>
+          <p:nvPr>
+            <p:ph type="dt" sz="half" idx="10"/>
+          </p:nvPr>
+        </p:nvSpPr>
+        <p:spPr/>
+        <p:txBody>
+          <a:bodyPr/>
+          <a:lstStyle/>
+          <a:p>
+            <a:pPr>
+              <a:defRPr/>
+            </a:pPr>
+            <a:r>
+              <a:rPr lang="en-US" smtClean="0"/>
+              <a:t>Dec 7-8, 2012</a:t>
+            </a:r>
+            <a:endParaRPr lang="en-US" dirty="0"/>
+          </a:p>
+        </p:txBody>
+      </p:sp>
+      <p:sp>
+        <p:nvSpPr>
+          <p:cNvPr id="6" name="Slide Number Placeholder 5"/>
+          <p:cNvSpPr>
+            <a:spLocks noGrp="1"/>
+          </p:cNvSpPr>
+          <p:nvPr>
+            <p:ph type="sldNum" sz="quarter" idx="12"/>
+          </p:nvPr>
+        </p:nvSpPr>
+        <p:spPr/>
+        <p:txBody>
+          <a:bodyPr/>
+          <a:lstStyle/>
+          <a:p>
+            <a:pPr>
+              <a:defRPr/>
+            </a:pPr>
+            <a:r>
+              <a:rPr lang="en-US" smtClean="0"/>
+              <a:t>9-</a:t>
+            </a:r>
+            <a:fld id="{A739F50A-8F88-4892-87E1-8D1D3A543FFC}" type="slidenum">
+              <a:rPr lang="en-US" smtClean="0"/>
+              <a:pPr>
+                <a:defRPr/>
+              </a:pPr>
+              <a:t>24</a:t>
+            </a:fld>
+            <a:endParaRPr lang="en-US" smtClean="0"/>
+          </a:p>
+          <a:p>
+            <a:pPr>
+              <a:defRPr/>
+            </a:pPr>
+            <a:endParaRPr lang="en-US" dirty="0"/>
+          </a:p>
+        </p:txBody>
+      </p:sp>
     </p:spTree>
     <p:extLst>
       <p:ext uri="{BB962C8B-B14F-4D97-AF65-F5344CB8AC3E}">
@@ -12491,6 +13321,97 @@
           <a:effectLst/>
         </p:spPr>
       </p:cxnSp>
+      <p:sp>
+        <p:nvSpPr>
+          <p:cNvPr id="3" name="Footer Placeholder 2"/>
+          <p:cNvSpPr>
+            <a:spLocks noGrp="1"/>
+          </p:cNvSpPr>
+          <p:nvPr>
+            <p:ph type="ftr" sz="quarter" idx="11"/>
+          </p:nvPr>
+        </p:nvSpPr>
+        <p:spPr/>
+        <p:txBody>
+          <a:bodyPr/>
+          <a:lstStyle/>
+          <a:p>
+            <a:pPr>
+              <a:defRPr/>
+            </a:pPr>
+            <a:r>
+              <a:rPr lang="en-US" smtClean="0"/>
+              <a:t>S&amp;OC DMS System Design Review</a:t>
+            </a:r>
+            <a:endParaRPr lang="en-US" dirty="0"/>
+          </a:p>
+        </p:txBody>
+      </p:sp>
+      <p:sp>
+        <p:nvSpPr>
+          <p:cNvPr id="6" name="Date Placeholder 5"/>
+          <p:cNvSpPr>
+            <a:spLocks noGrp="1"/>
+          </p:cNvSpPr>
+          <p:nvPr>
+            <p:ph type="dt" sz="half" idx="10"/>
+          </p:nvPr>
+        </p:nvSpPr>
+        <p:spPr/>
+        <p:txBody>
+          <a:bodyPr/>
+          <a:lstStyle/>
+          <a:p>
+            <a:pPr>
+              <a:defRPr/>
+            </a:pPr>
+            <a:r>
+              <a:rPr lang="en-US" smtClean="0"/>
+              <a:t>Dec 7-8, 2012</a:t>
+            </a:r>
+            <a:endParaRPr lang="en-US" dirty="0"/>
+          </a:p>
+        </p:txBody>
+      </p:sp>
+      <p:sp>
+        <p:nvSpPr>
+          <p:cNvPr id="10" name="Slide Number Placeholder 9"/>
+          <p:cNvSpPr>
+            <a:spLocks noGrp="1"/>
+          </p:cNvSpPr>
+          <p:nvPr>
+            <p:ph type="sldNum" sz="quarter" idx="12"/>
+          </p:nvPr>
+        </p:nvSpPr>
+        <p:spPr/>
+        <p:txBody>
+          <a:bodyPr/>
+          <a:lstStyle/>
+          <a:p>
+            <a:pPr>
+              <a:defRPr/>
+            </a:pPr>
+            <a:r>
+              <a:rPr lang="en-US" smtClean="0"/>
+              <a:t>9-</a:t>
+            </a:r>
+            <a:fld id="{A739F50A-8F88-4892-87E1-8D1D3A543FFC}" type="slidenum">
+              <a:rPr lang="en-US" smtClean="0"/>
+              <a:pPr>
+                <a:defRPr/>
+              </a:pPr>
+              <a:t>25</a:t>
+            </a:fld>
+            <a:endParaRPr lang="en-US" smtClean="0"/>
+          </a:p>
+          <a:p>
+            <a:pPr>
+              <a:defRPr/>
+            </a:pPr>
+            <a:endParaRPr lang="en-US" dirty="0"/>
+          </a:p>
+        </p:txBody>
+      </p:sp>
     </p:spTree>
     <p:extLst>
       <p:ext uri="{BB962C8B-B14F-4D97-AF65-F5344CB8AC3E}">
@@ -12521,16 +13442,129 @@
           <a:chExt cx="0" cy="0"/>
         </a:xfrm>
       </p:grpSpPr>
+      <p:sp>
+        <p:nvSpPr>
+          <p:cNvPr id="2" name="Title 1"/>
+          <p:cNvSpPr>
+            <a:spLocks noGrp="1"/>
+          </p:cNvSpPr>
+          <p:nvPr>
+            <p:ph type="title"/>
+          </p:nvPr>
+        </p:nvSpPr>
+        <p:spPr/>
+        <p:txBody>
+          <a:bodyPr/>
+          <a:lstStyle/>
+          <a:p>
+            <a:r>
+              <a:rPr lang="en-US" dirty="0"/>
+              <a:t>Committing Files to CRDS</a:t>
+            </a:r>
+          </a:p>
+        </p:txBody>
+      </p:sp>
+      <p:sp>
+        <p:nvSpPr>
+          <p:cNvPr id="3" name="Date Placeholder 2"/>
+          <p:cNvSpPr>
+            <a:spLocks noGrp="1"/>
+          </p:cNvSpPr>
+          <p:nvPr>
+            <p:ph type="dt" sz="half" idx="10"/>
+          </p:nvPr>
+        </p:nvSpPr>
+        <p:spPr/>
+        <p:txBody>
+          <a:bodyPr/>
+          <a:lstStyle/>
+          <a:p>
+            <a:pPr>
+              <a:defRPr/>
+            </a:pPr>
+            <a:r>
+              <a:rPr lang="en-US" smtClean="0"/>
+              <a:t>Dec 7-8, 2012</a:t>
+            </a:r>
+            <a:endParaRPr lang="en-US" dirty="0"/>
+          </a:p>
+        </p:txBody>
+      </p:sp>
+      <p:sp>
+        <p:nvSpPr>
+          <p:cNvPr id="4" name="Footer Placeholder 3"/>
+          <p:cNvSpPr>
+            <a:spLocks noGrp="1"/>
+          </p:cNvSpPr>
+          <p:nvPr>
+            <p:ph type="ftr" sz="quarter" idx="11"/>
+          </p:nvPr>
+        </p:nvSpPr>
+        <p:spPr/>
+        <p:txBody>
+          <a:bodyPr/>
+          <a:lstStyle/>
+          <a:p>
+            <a:pPr>
+              <a:defRPr/>
+            </a:pPr>
+            <a:r>
+              <a:rPr lang="en-US" smtClean="0"/>
+              <a:t>S&amp;OC DMS System Design Review</a:t>
+            </a:r>
+            <a:endParaRPr lang="en-US" dirty="0"/>
+          </a:p>
+        </p:txBody>
+      </p:sp>
+      <p:sp>
+        <p:nvSpPr>
+          <p:cNvPr id="5" name="Slide Number Placeholder 4"/>
+          <p:cNvSpPr>
+            <a:spLocks noGrp="1"/>
+          </p:cNvSpPr>
+          <p:nvPr>
+            <p:ph type="sldNum" sz="quarter" idx="12"/>
+          </p:nvPr>
+        </p:nvSpPr>
+        <p:spPr/>
+        <p:txBody>
+          <a:bodyPr/>
+          <a:lstStyle/>
+          <a:p>
+            <a:pPr>
+              <a:defRPr/>
+            </a:pPr>
+            <a:r>
+              <a:rPr lang="en-US" smtClean="0"/>
+              <a:t>9-</a:t>
+            </a:r>
+            <a:fld id="{A739F50A-8F88-4892-87E1-8D1D3A543FFC}" type="slidenum">
+              <a:rPr lang="en-US" smtClean="0"/>
+              <a:pPr>
+                <a:defRPr/>
+              </a:pPr>
+              <a:t>26</a:t>
+            </a:fld>
+            <a:endParaRPr lang="en-US" smtClean="0"/>
+          </a:p>
+          <a:p>
+            <a:pPr>
+              <a:defRPr/>
+            </a:pPr>
+            <a:endParaRPr lang="en-US" dirty="0"/>
+          </a:p>
+        </p:txBody>
+      </p:sp>
       <p:pic>
         <p:nvPicPr>
-          <p:cNvPr id="7" name="Picture 1" descr="CRDScommit.png"/>
+          <p:cNvPr id="6" name="Picture 1" descr="CRDScommit.png"/>
           <p:cNvPicPr>
             <a:picLocks noChangeAspect="1"/>
           </p:cNvPicPr>
           <p:nvPr/>
         </p:nvPicPr>
         <p:blipFill>
-          <a:blip r:embed="rId3">
+          <a:blip r:embed="rId2">
             <a:extLst>
               <a:ext uri="{28A0092B-C50C-407E-A947-70E740481C1C}">
                 <a14:useLocalDpi xmlns:a14="http://schemas.microsoft.com/office/drawing/2010/main" val="0"/>
@@ -12575,67 +13609,16 @@
           </a:extLst>
         </p:spPr>
       </p:pic>
-      <p:sp>
-        <p:nvSpPr>
-          <p:cNvPr id="4" name="Title 3"/>
-          <p:cNvSpPr>
-            <a:spLocks noGrp="1"/>
-          </p:cNvSpPr>
-          <p:nvPr>
-            <p:ph type="title"/>
-          </p:nvPr>
-        </p:nvSpPr>
-        <p:spPr/>
-        <p:txBody>
-          <a:bodyPr/>
-          <a:lstStyle/>
-          <a:p>
-            <a:r>
-              <a:rPr lang="en-US" dirty="0" smtClean="0"/>
-              <a:t>Committing Files to CRDS</a:t>
-            </a:r>
-            <a:endParaRPr lang="en-US" dirty="0"/>
-          </a:p>
-        </p:txBody>
-      </p:sp>
     </p:spTree>
     <p:extLst>
       <p:ext uri="{BB962C8B-B14F-4D97-AF65-F5344CB8AC3E}">
-        <p14:creationId xmlns:p14="http://schemas.microsoft.com/office/powerpoint/2010/main" val="3138789228"/>
+        <p14:creationId xmlns:p14="http://schemas.microsoft.com/office/powerpoint/2010/main" val="1598932666"/>
       </p:ext>
     </p:extLst>
   </p:cSld>
   <p:clrMapOvr>
     <a:masterClrMapping/>
   </p:clrMapOvr>
-  <p:transition xmlns:p14="http://schemas.microsoft.com/office/powerpoint/2010/main" spd="med"/>
-  <p:timing>
-    <p:tnLst>
-      <p:par>
-        <p:cTn xmlns:p14="http://schemas.microsoft.com/office/powerpoint/2010/main" id="1" dur="indefinite" restart="never" nodeType="tmRoot">
-          <p:childTnLst>
-            <p:seq concurrent="1" nextAc="seek">
-              <p:cTn id="2" dur="indefinite" nodeType="mainSeq"/>
-              <p:prevCondLst>
-                <p:cond evt="onPrev" delay="0">
-                  <p:tgtEl>
-                    <p:sldTgt/>
-                  </p:tgtEl>
-                </p:cond>
-              </p:prevCondLst>
-              <p:nextCondLst>
-                <p:cond evt="onNext" delay="0">
-                  <p:tgtEl>
-                    <p:sldTgt/>
-                  </p:tgtEl>
-                </p:cond>
-              </p:nextCondLst>
-            </p:seq>
-          </p:childTnLst>
-        </p:cTn>
-      </p:par>
-    </p:tnLst>
-  </p:timing>
 </p:sld>
 </file>
 
@@ -12742,6 +13725,97 @@
           </a:p>
         </p:txBody>
       </p:sp>
+      <p:sp>
+        <p:nvSpPr>
+          <p:cNvPr id="5" name="Footer Placeholder 4"/>
+          <p:cNvSpPr>
+            <a:spLocks noGrp="1"/>
+          </p:cNvSpPr>
+          <p:nvPr>
+            <p:ph type="ftr" sz="quarter" idx="11"/>
+          </p:nvPr>
+        </p:nvSpPr>
+        <p:spPr/>
+        <p:txBody>
+          <a:bodyPr/>
+          <a:lstStyle/>
+          <a:p>
+            <a:pPr>
+              <a:defRPr/>
+            </a:pPr>
+            <a:r>
+              <a:rPr lang="en-US" smtClean="0"/>
+              <a:t>S&amp;OC DMS System Design Review</a:t>
+            </a:r>
+            <a:endParaRPr lang="en-US" dirty="0"/>
+          </a:p>
+        </p:txBody>
+      </p:sp>
+      <p:sp>
+        <p:nvSpPr>
+          <p:cNvPr id="6" name="Date Placeholder 5"/>
+          <p:cNvSpPr>
+            <a:spLocks noGrp="1"/>
+          </p:cNvSpPr>
+          <p:nvPr>
+            <p:ph type="dt" sz="half" idx="10"/>
+          </p:nvPr>
+        </p:nvSpPr>
+        <p:spPr/>
+        <p:txBody>
+          <a:bodyPr/>
+          <a:lstStyle/>
+          <a:p>
+            <a:pPr>
+              <a:defRPr/>
+            </a:pPr>
+            <a:r>
+              <a:rPr lang="en-US" smtClean="0"/>
+              <a:t>Dec 7-8, 2012</a:t>
+            </a:r>
+            <a:endParaRPr lang="en-US" dirty="0"/>
+          </a:p>
+        </p:txBody>
+      </p:sp>
+      <p:sp>
+        <p:nvSpPr>
+          <p:cNvPr id="7" name="Slide Number Placeholder 6"/>
+          <p:cNvSpPr>
+            <a:spLocks noGrp="1"/>
+          </p:cNvSpPr>
+          <p:nvPr>
+            <p:ph type="sldNum" sz="quarter" idx="12"/>
+          </p:nvPr>
+        </p:nvSpPr>
+        <p:spPr/>
+        <p:txBody>
+          <a:bodyPr/>
+          <a:lstStyle/>
+          <a:p>
+            <a:pPr>
+              <a:defRPr/>
+            </a:pPr>
+            <a:r>
+              <a:rPr lang="en-US" smtClean="0"/>
+              <a:t>9-</a:t>
+            </a:r>
+            <a:fld id="{A739F50A-8F88-4892-87E1-8D1D3A543FFC}" type="slidenum">
+              <a:rPr lang="en-US" smtClean="0"/>
+              <a:pPr>
+                <a:defRPr/>
+              </a:pPr>
+              <a:t>27</a:t>
+            </a:fld>
+            <a:endParaRPr lang="en-US" smtClean="0"/>
+          </a:p>
+          <a:p>
+            <a:pPr>
+              <a:defRPr/>
+            </a:pPr>
+            <a:endParaRPr lang="en-US" dirty="0"/>
+          </a:p>
+        </p:txBody>
+      </p:sp>
     </p:spTree>
     <p:extLst>
       <p:ext uri="{BB962C8B-B14F-4D97-AF65-F5344CB8AC3E}">
@@ -12938,6 +14012,97 @@
               <a:rPr lang="en-US" dirty="0" smtClean="0"/>
               <a:t>Needs generalization to support all JWST Selectors</a:t>
             </a:r>
+            <a:endParaRPr lang="en-US" dirty="0"/>
+          </a:p>
+        </p:txBody>
+      </p:sp>
+      <p:sp>
+        <p:nvSpPr>
+          <p:cNvPr id="4" name="Footer Placeholder 3"/>
+          <p:cNvSpPr>
+            <a:spLocks noGrp="1"/>
+          </p:cNvSpPr>
+          <p:nvPr>
+            <p:ph type="ftr" sz="quarter" idx="11"/>
+          </p:nvPr>
+        </p:nvSpPr>
+        <p:spPr/>
+        <p:txBody>
+          <a:bodyPr/>
+          <a:lstStyle/>
+          <a:p>
+            <a:pPr>
+              <a:defRPr/>
+            </a:pPr>
+            <a:r>
+              <a:rPr lang="en-US" smtClean="0"/>
+              <a:t>S&amp;OC DMS System Design Review</a:t>
+            </a:r>
+            <a:endParaRPr lang="en-US" dirty="0"/>
+          </a:p>
+        </p:txBody>
+      </p:sp>
+      <p:sp>
+        <p:nvSpPr>
+          <p:cNvPr id="5" name="Date Placeholder 4"/>
+          <p:cNvSpPr>
+            <a:spLocks noGrp="1"/>
+          </p:cNvSpPr>
+          <p:nvPr>
+            <p:ph type="dt" sz="half" idx="10"/>
+          </p:nvPr>
+        </p:nvSpPr>
+        <p:spPr/>
+        <p:txBody>
+          <a:bodyPr/>
+          <a:lstStyle/>
+          <a:p>
+            <a:pPr>
+              <a:defRPr/>
+            </a:pPr>
+            <a:r>
+              <a:rPr lang="en-US" smtClean="0"/>
+              <a:t>Dec 7-8, 2012</a:t>
+            </a:r>
+            <a:endParaRPr lang="en-US" dirty="0"/>
+          </a:p>
+        </p:txBody>
+      </p:sp>
+      <p:sp>
+        <p:nvSpPr>
+          <p:cNvPr id="6" name="Slide Number Placeholder 5"/>
+          <p:cNvSpPr>
+            <a:spLocks noGrp="1"/>
+          </p:cNvSpPr>
+          <p:nvPr>
+            <p:ph type="sldNum" sz="quarter" idx="12"/>
+          </p:nvPr>
+        </p:nvSpPr>
+        <p:spPr/>
+        <p:txBody>
+          <a:bodyPr/>
+          <a:lstStyle/>
+          <a:p>
+            <a:pPr>
+              <a:defRPr/>
+            </a:pPr>
+            <a:r>
+              <a:rPr lang="en-US" smtClean="0"/>
+              <a:t>9-</a:t>
+            </a:r>
+            <a:fld id="{A739F50A-8F88-4892-87E1-8D1D3A543FFC}" type="slidenum">
+              <a:rPr lang="en-US" smtClean="0"/>
+              <a:pPr>
+                <a:defRPr/>
+              </a:pPr>
+              <a:t>28</a:t>
+            </a:fld>
+            <a:endParaRPr lang="en-US" smtClean="0"/>
+          </a:p>
+          <a:p>
+            <a:pPr>
+              <a:defRPr/>
+            </a:pPr>
             <a:endParaRPr lang="en-US" dirty="0"/>
           </a:p>
         </p:txBody>
@@ -13002,9 +14167,100 @@
           </a:p>
         </p:txBody>
       </p:sp>
+      <p:sp>
+        <p:nvSpPr>
+          <p:cNvPr id="3" name="Date Placeholder 2"/>
+          <p:cNvSpPr>
+            <a:spLocks noGrp="1"/>
+          </p:cNvSpPr>
+          <p:nvPr>
+            <p:ph type="dt" sz="half" idx="10"/>
+          </p:nvPr>
+        </p:nvSpPr>
+        <p:spPr/>
+        <p:txBody>
+          <a:bodyPr/>
+          <a:lstStyle/>
+          <a:p>
+            <a:pPr>
+              <a:defRPr/>
+            </a:pPr>
+            <a:r>
+              <a:rPr lang="en-US" smtClean="0"/>
+              <a:t>Dec 7-8, 2012</a:t>
+            </a:r>
+            <a:endParaRPr lang="en-US" dirty="0"/>
+          </a:p>
+        </p:txBody>
+      </p:sp>
+      <p:sp>
+        <p:nvSpPr>
+          <p:cNvPr id="4" name="Footer Placeholder 3"/>
+          <p:cNvSpPr>
+            <a:spLocks noGrp="1"/>
+          </p:cNvSpPr>
+          <p:nvPr>
+            <p:ph type="ftr" sz="quarter" idx="11"/>
+          </p:nvPr>
+        </p:nvSpPr>
+        <p:spPr/>
+        <p:txBody>
+          <a:bodyPr/>
+          <a:lstStyle/>
+          <a:p>
+            <a:pPr>
+              <a:defRPr/>
+            </a:pPr>
+            <a:r>
+              <a:rPr lang="en-US" smtClean="0"/>
+              <a:t>S&amp;OC DMS System Design Review</a:t>
+            </a:r>
+            <a:endParaRPr lang="en-US" dirty="0"/>
+          </a:p>
+        </p:txBody>
+      </p:sp>
+      <p:sp>
+        <p:nvSpPr>
+          <p:cNvPr id="5" name="Slide Number Placeholder 4"/>
+          <p:cNvSpPr>
+            <a:spLocks noGrp="1"/>
+          </p:cNvSpPr>
+          <p:nvPr>
+            <p:ph type="sldNum" sz="quarter" idx="12"/>
+          </p:nvPr>
+        </p:nvSpPr>
+        <p:spPr/>
+        <p:txBody>
+          <a:bodyPr/>
+          <a:lstStyle/>
+          <a:p>
+            <a:pPr>
+              <a:defRPr/>
+            </a:pPr>
+            <a:r>
+              <a:rPr lang="en-US" smtClean="0"/>
+              <a:t>9-</a:t>
+            </a:r>
+            <a:fld id="{A739F50A-8F88-4892-87E1-8D1D3A543FFC}" type="slidenum">
+              <a:rPr lang="en-US" smtClean="0"/>
+              <a:pPr>
+                <a:defRPr/>
+              </a:pPr>
+              <a:t>29</a:t>
+            </a:fld>
+            <a:endParaRPr lang="en-US" smtClean="0"/>
+          </a:p>
+          <a:p>
+            <a:pPr>
+              <a:defRPr/>
+            </a:pPr>
+            <a:endParaRPr lang="en-US" dirty="0"/>
+          </a:p>
+        </p:txBody>
+      </p:sp>
       <p:pic>
         <p:nvPicPr>
-          <p:cNvPr id="4" name="Picture 3" descr="web_batch_submit_references.png"/>
+          <p:cNvPr id="6" name="Picture 5" descr="web_batch_submit_references.png"/>
           <p:cNvPicPr>
             <a:picLocks noChangeAspect="1"/>
           </p:cNvPicPr>
@@ -13035,20 +14291,13 @@
     </p:spTree>
     <p:extLst>
       <p:ext uri="{BB962C8B-B14F-4D97-AF65-F5344CB8AC3E}">
-        <p14:creationId xmlns:p14="http://schemas.microsoft.com/office/powerpoint/2010/main" val="4075657659"/>
+        <p14:creationId xmlns:p14="http://schemas.microsoft.com/office/powerpoint/2010/main" val="2962160828"/>
       </p:ext>
     </p:extLst>
   </p:cSld>
   <p:clrMapOvr>
     <a:masterClrMapping/>
   </p:clrMapOvr>
-  <p:timing>
-    <p:tnLst>
-      <p:par>
-        <p:cTn xmlns:p14="http://schemas.microsoft.com/office/powerpoint/2010/main" id="1" dur="indefinite" restart="never" nodeType="tmRoot"/>
-      </p:par>
-    </p:tnLst>
-  </p:timing>
 </p:sld>
 </file>
 
@@ -13225,6 +14474,97 @@
               </a:rPr>
               <a:t>Also supports shell based file copies to ingest</a:t>
             </a:r>
+          </a:p>
+        </p:txBody>
+      </p:sp>
+      <p:sp>
+        <p:nvSpPr>
+          <p:cNvPr id="4" name="Footer Placeholder 3"/>
+          <p:cNvSpPr>
+            <a:spLocks noGrp="1"/>
+          </p:cNvSpPr>
+          <p:nvPr>
+            <p:ph type="ftr" sz="quarter" idx="11"/>
+          </p:nvPr>
+        </p:nvSpPr>
+        <p:spPr/>
+        <p:txBody>
+          <a:bodyPr/>
+          <a:lstStyle/>
+          <a:p>
+            <a:pPr>
+              <a:defRPr/>
+            </a:pPr>
+            <a:r>
+              <a:rPr lang="en-US" smtClean="0"/>
+              <a:t>S&amp;OC DMS System Design Review</a:t>
+            </a:r>
+            <a:endParaRPr lang="en-US" dirty="0"/>
+          </a:p>
+        </p:txBody>
+      </p:sp>
+      <p:sp>
+        <p:nvSpPr>
+          <p:cNvPr id="6" name="Date Placeholder 5"/>
+          <p:cNvSpPr>
+            <a:spLocks noGrp="1"/>
+          </p:cNvSpPr>
+          <p:nvPr>
+            <p:ph type="dt" sz="half" idx="10"/>
+          </p:nvPr>
+        </p:nvSpPr>
+        <p:spPr/>
+        <p:txBody>
+          <a:bodyPr/>
+          <a:lstStyle/>
+          <a:p>
+            <a:pPr>
+              <a:defRPr/>
+            </a:pPr>
+            <a:r>
+              <a:rPr lang="en-US" smtClean="0"/>
+              <a:t>Dec 7-8, 2012</a:t>
+            </a:r>
+            <a:endParaRPr lang="en-US" dirty="0"/>
+          </a:p>
+        </p:txBody>
+      </p:sp>
+      <p:sp>
+        <p:nvSpPr>
+          <p:cNvPr id="7" name="Slide Number Placeholder 6"/>
+          <p:cNvSpPr>
+            <a:spLocks noGrp="1"/>
+          </p:cNvSpPr>
+          <p:nvPr>
+            <p:ph type="sldNum" sz="quarter" idx="12"/>
+          </p:nvPr>
+        </p:nvSpPr>
+        <p:spPr/>
+        <p:txBody>
+          <a:bodyPr/>
+          <a:lstStyle/>
+          <a:p>
+            <a:pPr>
+              <a:defRPr/>
+            </a:pPr>
+            <a:r>
+              <a:rPr lang="en-US" smtClean="0"/>
+              <a:t>9-</a:t>
+            </a:r>
+            <a:fld id="{A739F50A-8F88-4892-87E1-8D1D3A543FFC}" type="slidenum">
+              <a:rPr lang="en-US" smtClean="0"/>
+              <a:pPr>
+                <a:defRPr/>
+              </a:pPr>
+              <a:t>30</a:t>
+            </a:fld>
+            <a:endParaRPr lang="en-US" smtClean="0"/>
+          </a:p>
+          <a:p>
+            <a:pPr>
+              <a:defRPr/>
+            </a:pPr>
+            <a:endParaRPr lang="en-US" dirty="0"/>
           </a:p>
         </p:txBody>
       </p:sp>
@@ -13310,6 +14650,97 @@
           </a:prstGeom>
         </p:spPr>
       </p:pic>
+      <p:sp>
+        <p:nvSpPr>
+          <p:cNvPr id="3" name="Footer Placeholder 2"/>
+          <p:cNvSpPr>
+            <a:spLocks noGrp="1"/>
+          </p:cNvSpPr>
+          <p:nvPr>
+            <p:ph type="ftr" sz="quarter" idx="11"/>
+          </p:nvPr>
+        </p:nvSpPr>
+        <p:spPr/>
+        <p:txBody>
+          <a:bodyPr/>
+          <a:lstStyle/>
+          <a:p>
+            <a:pPr>
+              <a:defRPr/>
+            </a:pPr>
+            <a:r>
+              <a:rPr lang="en-US" smtClean="0"/>
+              <a:t>S&amp;OC DMS System Design Review</a:t>
+            </a:r>
+            <a:endParaRPr lang="en-US" dirty="0"/>
+          </a:p>
+        </p:txBody>
+      </p:sp>
+      <p:sp>
+        <p:nvSpPr>
+          <p:cNvPr id="4" name="Date Placeholder 3"/>
+          <p:cNvSpPr>
+            <a:spLocks noGrp="1"/>
+          </p:cNvSpPr>
+          <p:nvPr>
+            <p:ph type="dt" sz="half" idx="10"/>
+          </p:nvPr>
+        </p:nvSpPr>
+        <p:spPr/>
+        <p:txBody>
+          <a:bodyPr/>
+          <a:lstStyle/>
+          <a:p>
+            <a:pPr>
+              <a:defRPr/>
+            </a:pPr>
+            <a:r>
+              <a:rPr lang="en-US" smtClean="0"/>
+              <a:t>Dec 7-8, 2012</a:t>
+            </a:r>
+            <a:endParaRPr lang="en-US" dirty="0"/>
+          </a:p>
+        </p:txBody>
+      </p:sp>
+      <p:sp>
+        <p:nvSpPr>
+          <p:cNvPr id="5" name="Slide Number Placeholder 4"/>
+          <p:cNvSpPr>
+            <a:spLocks noGrp="1"/>
+          </p:cNvSpPr>
+          <p:nvPr>
+            <p:ph type="sldNum" sz="quarter" idx="12"/>
+          </p:nvPr>
+        </p:nvSpPr>
+        <p:spPr/>
+        <p:txBody>
+          <a:bodyPr/>
+          <a:lstStyle/>
+          <a:p>
+            <a:pPr>
+              <a:defRPr/>
+            </a:pPr>
+            <a:r>
+              <a:rPr lang="en-US" smtClean="0"/>
+              <a:t>9-</a:t>
+            </a:r>
+            <a:fld id="{A739F50A-8F88-4892-87E1-8D1D3A543FFC}" type="slidenum">
+              <a:rPr lang="en-US" smtClean="0"/>
+              <a:pPr>
+                <a:defRPr/>
+              </a:pPr>
+              <a:t>4</a:t>
+            </a:fld>
+            <a:endParaRPr lang="en-US" smtClean="0"/>
+          </a:p>
+          <a:p>
+            <a:pPr>
+              <a:defRPr/>
+            </a:pPr>
+            <a:endParaRPr lang="en-US" dirty="0"/>
+          </a:p>
+        </p:txBody>
+      </p:sp>
     </p:spTree>
   </p:cSld>
   <p:clrMapOvr>
@@ -13352,15 +14783,106 @@
           <a:p>
             <a:r>
               <a:rPr lang="en-US" dirty="0" smtClean="0"/>
-              <a:t>Submissions Results (summary)</a:t>
-            </a:r>
+              <a:t>Submission Results (summary)</a:t>
+            </a:r>
+            <a:endParaRPr lang="en-US" dirty="0"/>
+          </a:p>
+        </p:txBody>
+      </p:sp>
+      <p:sp>
+        <p:nvSpPr>
+          <p:cNvPr id="3" name="Date Placeholder 2"/>
+          <p:cNvSpPr>
+            <a:spLocks noGrp="1"/>
+          </p:cNvSpPr>
+          <p:nvPr>
+            <p:ph type="dt" sz="half" idx="10"/>
+          </p:nvPr>
+        </p:nvSpPr>
+        <p:spPr/>
+        <p:txBody>
+          <a:bodyPr/>
+          <a:lstStyle/>
+          <a:p>
+            <a:pPr>
+              <a:defRPr/>
+            </a:pPr>
+            <a:r>
+              <a:rPr lang="en-US" smtClean="0"/>
+              <a:t>Dec 7-8, 2012</a:t>
+            </a:r>
+            <a:endParaRPr lang="en-US" dirty="0"/>
+          </a:p>
+        </p:txBody>
+      </p:sp>
+      <p:sp>
+        <p:nvSpPr>
+          <p:cNvPr id="4" name="Footer Placeholder 3"/>
+          <p:cNvSpPr>
+            <a:spLocks noGrp="1"/>
+          </p:cNvSpPr>
+          <p:nvPr>
+            <p:ph type="ftr" sz="quarter" idx="11"/>
+          </p:nvPr>
+        </p:nvSpPr>
+        <p:spPr/>
+        <p:txBody>
+          <a:bodyPr/>
+          <a:lstStyle/>
+          <a:p>
+            <a:pPr>
+              <a:defRPr/>
+            </a:pPr>
+            <a:r>
+              <a:rPr lang="en-US" smtClean="0"/>
+              <a:t>S&amp;OC DMS System Design Review</a:t>
+            </a:r>
+            <a:endParaRPr lang="en-US" dirty="0"/>
+          </a:p>
+        </p:txBody>
+      </p:sp>
+      <p:sp>
+        <p:nvSpPr>
+          <p:cNvPr id="5" name="Slide Number Placeholder 4"/>
+          <p:cNvSpPr>
+            <a:spLocks noGrp="1"/>
+          </p:cNvSpPr>
+          <p:nvPr>
+            <p:ph type="sldNum" sz="quarter" idx="12"/>
+          </p:nvPr>
+        </p:nvSpPr>
+        <p:spPr/>
+        <p:txBody>
+          <a:bodyPr/>
+          <a:lstStyle/>
+          <a:p>
+            <a:pPr>
+              <a:defRPr/>
+            </a:pPr>
+            <a:r>
+              <a:rPr lang="en-US" smtClean="0"/>
+              <a:t>9-</a:t>
+            </a:r>
+            <a:fld id="{A739F50A-8F88-4892-87E1-8D1D3A543FFC}" type="slidenum">
+              <a:rPr lang="en-US" smtClean="0"/>
+              <a:pPr>
+                <a:defRPr/>
+              </a:pPr>
+              <a:t>31</a:t>
+            </a:fld>
+            <a:endParaRPr lang="en-US" smtClean="0"/>
+          </a:p>
+          <a:p>
+            <a:pPr>
+              <a:defRPr/>
+            </a:pPr>
             <a:endParaRPr lang="en-US" dirty="0"/>
           </a:p>
         </p:txBody>
       </p:sp>
       <p:pic>
         <p:nvPicPr>
-          <p:cNvPr id="3" name="Picture 2"/>
+          <p:cNvPr id="6" name="Picture 5"/>
           <p:cNvPicPr>
             <a:picLocks noChangeAspect="1"/>
           </p:cNvPicPr>
@@ -13374,8 +14896,8 @@
         </p:blipFill>
         <p:spPr>
           <a:xfrm>
-            <a:off x="838200" y="990600"/>
-            <a:ext cx="7620000" cy="5731858"/>
+            <a:off x="990600" y="990600"/>
+            <a:ext cx="7192384" cy="5410200"/>
           </a:xfrm>
           <a:prstGeom prst="rect">
             <a:avLst/>
@@ -13385,7 +14907,7 @@
     </p:spTree>
     <p:extLst>
       <p:ext uri="{BB962C8B-B14F-4D97-AF65-F5344CB8AC3E}">
-        <p14:creationId xmlns:p14="http://schemas.microsoft.com/office/powerpoint/2010/main" val="1739316623"/>
+        <p14:creationId xmlns:p14="http://schemas.microsoft.com/office/powerpoint/2010/main" val="2552298228"/>
       </p:ext>
     </p:extLst>
   </p:cSld>
@@ -13459,6 +14981,97 @@
           </a:prstGeom>
         </p:spPr>
       </p:pic>
+      <p:sp>
+        <p:nvSpPr>
+          <p:cNvPr id="4" name="Footer Placeholder 3"/>
+          <p:cNvSpPr>
+            <a:spLocks noGrp="1"/>
+          </p:cNvSpPr>
+          <p:nvPr>
+            <p:ph type="ftr" sz="quarter" idx="11"/>
+          </p:nvPr>
+        </p:nvSpPr>
+        <p:spPr/>
+        <p:txBody>
+          <a:bodyPr/>
+          <a:lstStyle/>
+          <a:p>
+            <a:pPr>
+              <a:defRPr/>
+            </a:pPr>
+            <a:r>
+              <a:rPr lang="en-US" smtClean="0"/>
+              <a:t>S&amp;OC DMS System Design Review</a:t>
+            </a:r>
+            <a:endParaRPr lang="en-US" dirty="0"/>
+          </a:p>
+        </p:txBody>
+      </p:sp>
+      <p:sp>
+        <p:nvSpPr>
+          <p:cNvPr id="5" name="Date Placeholder 4"/>
+          <p:cNvSpPr>
+            <a:spLocks noGrp="1"/>
+          </p:cNvSpPr>
+          <p:nvPr>
+            <p:ph type="dt" sz="half" idx="10"/>
+          </p:nvPr>
+        </p:nvSpPr>
+        <p:spPr/>
+        <p:txBody>
+          <a:bodyPr/>
+          <a:lstStyle/>
+          <a:p>
+            <a:pPr>
+              <a:defRPr/>
+            </a:pPr>
+            <a:r>
+              <a:rPr lang="en-US" smtClean="0"/>
+              <a:t>Dec 7-8, 2012</a:t>
+            </a:r>
+            <a:endParaRPr lang="en-US" dirty="0"/>
+          </a:p>
+        </p:txBody>
+      </p:sp>
+      <p:sp>
+        <p:nvSpPr>
+          <p:cNvPr id="6" name="Slide Number Placeholder 5"/>
+          <p:cNvSpPr>
+            <a:spLocks noGrp="1"/>
+          </p:cNvSpPr>
+          <p:nvPr>
+            <p:ph type="sldNum" sz="quarter" idx="12"/>
+          </p:nvPr>
+        </p:nvSpPr>
+        <p:spPr/>
+        <p:txBody>
+          <a:bodyPr/>
+          <a:lstStyle/>
+          <a:p>
+            <a:pPr>
+              <a:defRPr/>
+            </a:pPr>
+            <a:r>
+              <a:rPr lang="en-US" smtClean="0"/>
+              <a:t>9-</a:t>
+            </a:r>
+            <a:fld id="{A739F50A-8F88-4892-87E1-8D1D3A543FFC}" type="slidenum">
+              <a:rPr lang="en-US" smtClean="0"/>
+              <a:pPr>
+                <a:defRPr/>
+              </a:pPr>
+              <a:t>32</a:t>
+            </a:fld>
+            <a:endParaRPr lang="en-US" smtClean="0"/>
+          </a:p>
+          <a:p>
+            <a:pPr>
+              <a:defRPr/>
+            </a:pPr>
+            <a:endParaRPr lang="en-US" dirty="0"/>
+          </a:p>
+        </p:txBody>
+      </p:sp>
     </p:spTree>
     <p:extLst>
       <p:ext uri="{BB962C8B-B14F-4D97-AF65-F5344CB8AC3E}">
@@ -13536,6 +15149,97 @@
           </a:prstGeom>
         </p:spPr>
       </p:pic>
+      <p:sp>
+        <p:nvSpPr>
+          <p:cNvPr id="4" name="Footer Placeholder 3"/>
+          <p:cNvSpPr>
+            <a:spLocks noGrp="1"/>
+          </p:cNvSpPr>
+          <p:nvPr>
+            <p:ph type="ftr" sz="quarter" idx="11"/>
+          </p:nvPr>
+        </p:nvSpPr>
+        <p:spPr/>
+        <p:txBody>
+          <a:bodyPr/>
+          <a:lstStyle/>
+          <a:p>
+            <a:pPr>
+              <a:defRPr/>
+            </a:pPr>
+            <a:r>
+              <a:rPr lang="en-US" smtClean="0"/>
+              <a:t>S&amp;OC DMS System Design Review</a:t>
+            </a:r>
+            <a:endParaRPr lang="en-US" dirty="0"/>
+          </a:p>
+        </p:txBody>
+      </p:sp>
+      <p:sp>
+        <p:nvSpPr>
+          <p:cNvPr id="5" name="Date Placeholder 4"/>
+          <p:cNvSpPr>
+            <a:spLocks noGrp="1"/>
+          </p:cNvSpPr>
+          <p:nvPr>
+            <p:ph type="dt" sz="half" idx="10"/>
+          </p:nvPr>
+        </p:nvSpPr>
+        <p:spPr/>
+        <p:txBody>
+          <a:bodyPr/>
+          <a:lstStyle/>
+          <a:p>
+            <a:pPr>
+              <a:defRPr/>
+            </a:pPr>
+            <a:r>
+              <a:rPr lang="en-US" smtClean="0"/>
+              <a:t>Dec 7-8, 2012</a:t>
+            </a:r>
+            <a:endParaRPr lang="en-US" dirty="0"/>
+          </a:p>
+        </p:txBody>
+      </p:sp>
+      <p:sp>
+        <p:nvSpPr>
+          <p:cNvPr id="6" name="Slide Number Placeholder 5"/>
+          <p:cNvSpPr>
+            <a:spLocks noGrp="1"/>
+          </p:cNvSpPr>
+          <p:nvPr>
+            <p:ph type="sldNum" sz="quarter" idx="12"/>
+          </p:nvPr>
+        </p:nvSpPr>
+        <p:spPr/>
+        <p:txBody>
+          <a:bodyPr/>
+          <a:lstStyle/>
+          <a:p>
+            <a:pPr>
+              <a:defRPr/>
+            </a:pPr>
+            <a:r>
+              <a:rPr lang="en-US" smtClean="0"/>
+              <a:t>9-</a:t>
+            </a:r>
+            <a:fld id="{A739F50A-8F88-4892-87E1-8D1D3A543FFC}" type="slidenum">
+              <a:rPr lang="en-US" smtClean="0"/>
+              <a:pPr>
+                <a:defRPr/>
+              </a:pPr>
+              <a:t>33</a:t>
+            </a:fld>
+            <a:endParaRPr lang="en-US" smtClean="0"/>
+          </a:p>
+          <a:p>
+            <a:pPr>
+              <a:defRPr/>
+            </a:pPr>
+            <a:endParaRPr lang="en-US" dirty="0"/>
+          </a:p>
+        </p:txBody>
+      </p:sp>
     </p:spTree>
     <p:extLst>
       <p:ext uri="{BB962C8B-B14F-4D97-AF65-F5344CB8AC3E}">
@@ -13617,6 +15321,97 @@
           </a:prstGeom>
         </p:spPr>
       </p:pic>
+      <p:sp>
+        <p:nvSpPr>
+          <p:cNvPr id="3" name="Footer Placeholder 2"/>
+          <p:cNvSpPr>
+            <a:spLocks noGrp="1"/>
+          </p:cNvSpPr>
+          <p:nvPr>
+            <p:ph type="ftr" sz="quarter" idx="11"/>
+          </p:nvPr>
+        </p:nvSpPr>
+        <p:spPr/>
+        <p:txBody>
+          <a:bodyPr/>
+          <a:lstStyle/>
+          <a:p>
+            <a:pPr>
+              <a:defRPr/>
+            </a:pPr>
+            <a:r>
+              <a:rPr lang="en-US" smtClean="0"/>
+              <a:t>S&amp;OC DMS System Design Review</a:t>
+            </a:r>
+            <a:endParaRPr lang="en-US" dirty="0"/>
+          </a:p>
+        </p:txBody>
+      </p:sp>
+      <p:sp>
+        <p:nvSpPr>
+          <p:cNvPr id="5" name="Date Placeholder 4"/>
+          <p:cNvSpPr>
+            <a:spLocks noGrp="1"/>
+          </p:cNvSpPr>
+          <p:nvPr>
+            <p:ph type="dt" sz="half" idx="10"/>
+          </p:nvPr>
+        </p:nvSpPr>
+        <p:spPr/>
+        <p:txBody>
+          <a:bodyPr/>
+          <a:lstStyle/>
+          <a:p>
+            <a:pPr>
+              <a:defRPr/>
+            </a:pPr>
+            <a:r>
+              <a:rPr lang="en-US" smtClean="0"/>
+              <a:t>Dec 7-8, 2012</a:t>
+            </a:r>
+            <a:endParaRPr lang="en-US" dirty="0"/>
+          </a:p>
+        </p:txBody>
+      </p:sp>
+      <p:sp>
+        <p:nvSpPr>
+          <p:cNvPr id="6" name="Slide Number Placeholder 5"/>
+          <p:cNvSpPr>
+            <a:spLocks noGrp="1"/>
+          </p:cNvSpPr>
+          <p:nvPr>
+            <p:ph type="sldNum" sz="quarter" idx="12"/>
+          </p:nvPr>
+        </p:nvSpPr>
+        <p:spPr/>
+        <p:txBody>
+          <a:bodyPr/>
+          <a:lstStyle/>
+          <a:p>
+            <a:pPr>
+              <a:defRPr/>
+            </a:pPr>
+            <a:r>
+              <a:rPr lang="en-US" smtClean="0"/>
+              <a:t>9-</a:t>
+            </a:r>
+            <a:fld id="{A739F50A-8F88-4892-87E1-8D1D3A543FFC}" type="slidenum">
+              <a:rPr lang="en-US" smtClean="0"/>
+              <a:pPr>
+                <a:defRPr/>
+              </a:pPr>
+              <a:t>34</a:t>
+            </a:fld>
+            <a:endParaRPr lang="en-US" smtClean="0"/>
+          </a:p>
+          <a:p>
+            <a:pPr>
+              <a:defRPr/>
+            </a:pPr>
+            <a:endParaRPr lang="en-US" dirty="0"/>
+          </a:p>
+        </p:txBody>
+      </p:sp>
     </p:spTree>
     <p:extLst>
       <p:ext uri="{BB962C8B-B14F-4D97-AF65-F5344CB8AC3E}">
@@ -13719,6 +15514,97 @@
               <a:t>Utilities</a:t>
             </a:r>
             <a:endParaRPr lang="en-US" sz="3200" dirty="0"/>
+          </a:p>
+        </p:txBody>
+      </p:sp>
+      <p:sp>
+        <p:nvSpPr>
+          <p:cNvPr id="3" name="Footer Placeholder 2"/>
+          <p:cNvSpPr>
+            <a:spLocks noGrp="1"/>
+          </p:cNvSpPr>
+          <p:nvPr>
+            <p:ph type="ftr" sz="quarter" idx="11"/>
+          </p:nvPr>
+        </p:nvSpPr>
+        <p:spPr/>
+        <p:txBody>
+          <a:bodyPr/>
+          <a:lstStyle/>
+          <a:p>
+            <a:pPr>
+              <a:defRPr/>
+            </a:pPr>
+            <a:r>
+              <a:rPr lang="en-US" smtClean="0"/>
+              <a:t>S&amp;OC DMS System Design Review</a:t>
+            </a:r>
+            <a:endParaRPr lang="en-US" dirty="0"/>
+          </a:p>
+        </p:txBody>
+      </p:sp>
+      <p:sp>
+        <p:nvSpPr>
+          <p:cNvPr id="5" name="Date Placeholder 4"/>
+          <p:cNvSpPr>
+            <a:spLocks noGrp="1"/>
+          </p:cNvSpPr>
+          <p:nvPr>
+            <p:ph type="dt" sz="half" idx="10"/>
+          </p:nvPr>
+        </p:nvSpPr>
+        <p:spPr/>
+        <p:txBody>
+          <a:bodyPr/>
+          <a:lstStyle/>
+          <a:p>
+            <a:pPr>
+              <a:defRPr/>
+            </a:pPr>
+            <a:r>
+              <a:rPr lang="en-US" smtClean="0"/>
+              <a:t>Dec 7-8, 2012</a:t>
+            </a:r>
+            <a:endParaRPr lang="en-US" dirty="0"/>
+          </a:p>
+        </p:txBody>
+      </p:sp>
+      <p:sp>
+        <p:nvSpPr>
+          <p:cNvPr id="6" name="Slide Number Placeholder 5"/>
+          <p:cNvSpPr>
+            <a:spLocks noGrp="1"/>
+          </p:cNvSpPr>
+          <p:nvPr>
+            <p:ph type="sldNum" sz="quarter" idx="12"/>
+          </p:nvPr>
+        </p:nvSpPr>
+        <p:spPr/>
+        <p:txBody>
+          <a:bodyPr/>
+          <a:lstStyle/>
+          <a:p>
+            <a:pPr>
+              <a:defRPr/>
+            </a:pPr>
+            <a:r>
+              <a:rPr lang="en-US" smtClean="0"/>
+              <a:t>9-</a:t>
+            </a:r>
+            <a:fld id="{A739F50A-8F88-4892-87E1-8D1D3A543FFC}" type="slidenum">
+              <a:rPr lang="en-US" smtClean="0"/>
+              <a:pPr>
+                <a:defRPr/>
+              </a:pPr>
+              <a:t>35</a:t>
+            </a:fld>
+            <a:endParaRPr lang="en-US" smtClean="0"/>
+          </a:p>
+          <a:p>
+            <a:pPr>
+              <a:defRPr/>
+            </a:pPr>
+            <a:endParaRPr lang="en-US" dirty="0"/>
           </a:p>
         </p:txBody>
       </p:sp>
@@ -13761,23 +15647,308 @@
       </p:grpSpPr>
       <p:sp>
         <p:nvSpPr>
-          <p:cNvPr id="21506" name="Rectangle 2"/>
+          <p:cNvPr id="2" name="Title 1"/>
           <p:cNvSpPr>
-            <a:spLocks noGrp="1" noChangeArrowheads="1"/>
+            <a:spLocks noGrp="1"/>
           </p:cNvSpPr>
           <p:nvPr>
-            <p:ph idx="1"/>
+            <p:ph type="title"/>
           </p:nvPr>
+        </p:nvSpPr>
+        <p:spPr/>
+        <p:txBody>
+          <a:bodyPr/>
+          <a:lstStyle/>
+          <a:p>
+            <a:r>
+              <a:rPr lang="en-US" dirty="0" smtClean="0"/>
+              <a:t>Utilities Design</a:t>
+            </a:r>
+            <a:endParaRPr lang="en-US" dirty="0"/>
+          </a:p>
+        </p:txBody>
+      </p:sp>
+      <p:sp>
+        <p:nvSpPr>
+          <p:cNvPr id="3" name="Date Placeholder 2"/>
+          <p:cNvSpPr>
+            <a:spLocks noGrp="1"/>
+          </p:cNvSpPr>
+          <p:nvPr>
+            <p:ph type="dt" sz="half" idx="10"/>
+          </p:nvPr>
+        </p:nvSpPr>
+        <p:spPr/>
+        <p:txBody>
+          <a:bodyPr/>
+          <a:lstStyle/>
+          <a:p>
+            <a:pPr>
+              <a:defRPr/>
+            </a:pPr>
+            <a:r>
+              <a:rPr lang="en-US" smtClean="0"/>
+              <a:t>Dec 7-8, 2012</a:t>
+            </a:r>
+            <a:endParaRPr lang="en-US" dirty="0"/>
+          </a:p>
+        </p:txBody>
+      </p:sp>
+      <p:sp>
+        <p:nvSpPr>
+          <p:cNvPr id="4" name="Footer Placeholder 3"/>
+          <p:cNvSpPr>
+            <a:spLocks noGrp="1"/>
+          </p:cNvSpPr>
+          <p:nvPr>
+            <p:ph type="ftr" sz="quarter" idx="11"/>
+          </p:nvPr>
+        </p:nvSpPr>
+        <p:spPr/>
+        <p:txBody>
+          <a:bodyPr/>
+          <a:lstStyle/>
+          <a:p>
+            <a:pPr>
+              <a:defRPr/>
+            </a:pPr>
+            <a:r>
+              <a:rPr lang="en-US" smtClean="0"/>
+              <a:t>S&amp;OC DMS System Design Review</a:t>
+            </a:r>
+            <a:endParaRPr lang="en-US" dirty="0"/>
+          </a:p>
+        </p:txBody>
+      </p:sp>
+      <p:sp>
+        <p:nvSpPr>
+          <p:cNvPr id="5" name="Slide Number Placeholder 4"/>
+          <p:cNvSpPr>
+            <a:spLocks noGrp="1"/>
+          </p:cNvSpPr>
+          <p:nvPr>
+            <p:ph type="sldNum" sz="quarter" idx="12"/>
+          </p:nvPr>
+        </p:nvSpPr>
+        <p:spPr/>
+        <p:txBody>
+          <a:bodyPr/>
+          <a:lstStyle/>
+          <a:p>
+            <a:pPr>
+              <a:defRPr/>
+            </a:pPr>
+            <a:r>
+              <a:rPr lang="en-US" smtClean="0"/>
+              <a:t>9-</a:t>
+            </a:r>
+            <a:fld id="{A739F50A-8F88-4892-87E1-8D1D3A543FFC}" type="slidenum">
+              <a:rPr lang="en-US" smtClean="0"/>
+              <a:pPr>
+                <a:defRPr/>
+              </a:pPr>
+              <a:t>36</a:t>
+            </a:fld>
+            <a:endParaRPr lang="en-US" smtClean="0"/>
+          </a:p>
+          <a:p>
+            <a:pPr>
+              <a:defRPr/>
+            </a:pPr>
+            <a:endParaRPr lang="en-US" dirty="0"/>
+          </a:p>
+        </p:txBody>
+      </p:sp>
+      <p:sp>
+        <p:nvSpPr>
+          <p:cNvPr id="7" name="Rectangle 2"/>
+          <p:cNvSpPr txBox="1">
+            <a:spLocks noChangeArrowheads="1"/>
+          </p:cNvSpPr>
+          <p:nvPr/>
         </p:nvSpPr>
         <p:spPr>
           <a:xfrm>
-            <a:off x="465138" y="1009650"/>
-            <a:ext cx="8216900" cy="5367338"/>
+            <a:off x="684213" y="914400"/>
+            <a:ext cx="7769225" cy="5543550"/>
           </a:xfrm>
+          <a:prstGeom prst="rect">
+            <a:avLst/>
+          </a:prstGeom>
         </p:spPr>
         <p:txBody>
           <a:bodyPr lIns="90000" tIns="46800" rIns="90000" bIns="46800"/>
-          <a:lstStyle/>
+          <a:lstStyle>
+            <a:lvl1pPr marL="342900" indent="-342900" algn="l" rtl="0" eaLnBrk="0" fontAlgn="base" hangingPunct="0">
+              <a:spcBef>
+                <a:spcPct val="20000"/>
+              </a:spcBef>
+              <a:spcAft>
+                <a:spcPct val="40000"/>
+              </a:spcAft>
+              <a:buClr>
+                <a:srgbClr val="BB0018"/>
+              </a:buClr>
+              <a:buSzPct val="67000"/>
+              <a:buFont typeface="Wingdings" pitchFamily="2" charset="2"/>
+              <a:buChar char="l"/>
+              <a:defRPr b="1">
+                <a:solidFill>
+                  <a:schemeClr val="tx1"/>
+                </a:solidFill>
+                <a:latin typeface="+mn-lt"/>
+                <a:ea typeface="+mn-ea"/>
+                <a:cs typeface="+mn-cs"/>
+              </a:defRPr>
+            </a:lvl1pPr>
+            <a:lvl2pPr marL="742950" indent="-285750" algn="l" rtl="0" eaLnBrk="0" fontAlgn="base" hangingPunct="0">
+              <a:spcBef>
+                <a:spcPct val="0"/>
+              </a:spcBef>
+              <a:spcAft>
+                <a:spcPct val="35000"/>
+              </a:spcAft>
+              <a:buClr>
+                <a:srgbClr val="BB0018"/>
+              </a:buClr>
+              <a:buSzPct val="75000"/>
+              <a:buFont typeface="Wingdings" pitchFamily="2" charset="2"/>
+              <a:buChar char="n"/>
+              <a:defRPr>
+                <a:solidFill>
+                  <a:schemeClr val="tx1"/>
+                </a:solidFill>
+                <a:latin typeface="+mn-lt"/>
+              </a:defRPr>
+            </a:lvl2pPr>
+            <a:lvl3pPr marL="1143000" indent="-228600" algn="l" rtl="0" eaLnBrk="0" fontAlgn="base" hangingPunct="0">
+              <a:spcBef>
+                <a:spcPct val="0"/>
+              </a:spcBef>
+              <a:spcAft>
+                <a:spcPct val="35000"/>
+              </a:spcAft>
+              <a:buClr>
+                <a:srgbClr val="BB0018"/>
+              </a:buClr>
+              <a:buSzPct val="150000"/>
+              <a:buChar char="-"/>
+              <a:defRPr sz="1600">
+                <a:solidFill>
+                  <a:schemeClr val="tx1"/>
+                </a:solidFill>
+                <a:latin typeface="+mn-lt"/>
+              </a:defRPr>
+            </a:lvl3pPr>
+            <a:lvl4pPr marL="1600200" indent="-228600" algn="l" rtl="0" eaLnBrk="0" fontAlgn="base" hangingPunct="0">
+              <a:spcBef>
+                <a:spcPct val="0"/>
+              </a:spcBef>
+              <a:spcAft>
+                <a:spcPct val="35000"/>
+              </a:spcAft>
+              <a:buClr>
+                <a:srgbClr val="BB0018"/>
+              </a:buClr>
+              <a:buChar char="–"/>
+              <a:defRPr sz="1400">
+                <a:solidFill>
+                  <a:schemeClr val="tx1"/>
+                </a:solidFill>
+                <a:latin typeface="+mn-lt"/>
+              </a:defRPr>
+            </a:lvl4pPr>
+            <a:lvl5pPr marL="2057400" indent="-228600" algn="l" rtl="0" eaLnBrk="0" fontAlgn="base" hangingPunct="0">
+              <a:spcBef>
+                <a:spcPct val="0"/>
+              </a:spcBef>
+              <a:spcAft>
+                <a:spcPct val="35000"/>
+              </a:spcAft>
+              <a:buClr>
+                <a:srgbClr val="BB0018"/>
+              </a:buClr>
+              <a:buChar char="»"/>
+              <a:defRPr sz="1400">
+                <a:solidFill>
+                  <a:schemeClr val="tx1"/>
+                </a:solidFill>
+                <a:latin typeface="+mn-lt"/>
+              </a:defRPr>
+            </a:lvl5pPr>
+            <a:lvl6pPr marL="2514600" indent="-228600" algn="l" rtl="0" eaLnBrk="1" fontAlgn="base" hangingPunct="1">
+              <a:spcBef>
+                <a:spcPct val="0"/>
+              </a:spcBef>
+              <a:spcAft>
+                <a:spcPct val="35000"/>
+              </a:spcAft>
+              <a:buClr>
+                <a:srgbClr val="BB0018"/>
+              </a:buClr>
+              <a:buChar char="»"/>
+              <a:defRPr sz="1400">
+                <a:solidFill>
+                  <a:schemeClr val="tx1"/>
+                </a:solidFill>
+                <a:latin typeface="+mn-lt"/>
+              </a:defRPr>
+            </a:lvl6pPr>
+            <a:lvl7pPr marL="2971800" indent="-228600" algn="l" rtl="0" eaLnBrk="1" fontAlgn="base" hangingPunct="1">
+              <a:spcBef>
+                <a:spcPct val="0"/>
+              </a:spcBef>
+              <a:spcAft>
+                <a:spcPct val="35000"/>
+              </a:spcAft>
+              <a:buClr>
+                <a:srgbClr val="BB0018"/>
+              </a:buClr>
+              <a:buChar char="»"/>
+              <a:defRPr sz="1400">
+                <a:solidFill>
+                  <a:schemeClr val="tx1"/>
+                </a:solidFill>
+                <a:latin typeface="+mn-lt"/>
+              </a:defRPr>
+            </a:lvl7pPr>
+            <a:lvl8pPr marL="3429000" indent="-228600" algn="l" rtl="0" eaLnBrk="1" fontAlgn="base" hangingPunct="1">
+              <a:spcBef>
+                <a:spcPct val="0"/>
+              </a:spcBef>
+              <a:spcAft>
+                <a:spcPct val="35000"/>
+              </a:spcAft>
+              <a:buClr>
+                <a:srgbClr val="BB0018"/>
+              </a:buClr>
+              <a:buChar char="»"/>
+              <a:defRPr sz="1400">
+                <a:solidFill>
+                  <a:schemeClr val="tx1"/>
+                </a:solidFill>
+                <a:latin typeface="+mn-lt"/>
+              </a:defRPr>
+            </a:lvl8pPr>
+            <a:lvl9pPr marL="3886200" indent="-228600" algn="l" rtl="0" eaLnBrk="1" fontAlgn="base" hangingPunct="1">
+              <a:spcBef>
+                <a:spcPct val="0"/>
+              </a:spcBef>
+              <a:spcAft>
+                <a:spcPct val="35000"/>
+              </a:spcAft>
+              <a:buClr>
+                <a:srgbClr val="BB0018"/>
+              </a:buClr>
+              <a:buChar char="»"/>
+              <a:defRPr sz="1400">
+                <a:solidFill>
+                  <a:schemeClr val="tx1"/>
+                </a:solidFill>
+                <a:latin typeface="+mn-lt"/>
+              </a:defRPr>
+            </a:lvl9pPr>
+          </a:lstStyle>
           <a:p>
             <a:pPr marL="0" indent="0" eaLnBrk="1" hangingPunct="1">
               <a:lnSpc>
@@ -13789,6 +15960,7 @@
               <a:spcAft>
                 <a:spcPts val="800"/>
               </a:spcAft>
+              <a:buFont typeface="Wingdings" pitchFamily="2" charset="2"/>
               <a:buNone/>
               <a:tabLst>
                 <a:tab pos="330200" algn="l"/>
@@ -13815,7 +15987,7 @@
               </a:tabLst>
             </a:pPr>
             <a:r>
-              <a:rPr lang="en-US" sz="1600" dirty="0" smtClean="0"/>
+              <a:rPr lang="en-US" sz="1600" smtClean="0"/>
               <a:t>(Not a complete list)</a:t>
             </a:r>
           </a:p>
@@ -13855,7 +16027,7 @@
               </a:tabLst>
             </a:pPr>
             <a:r>
-              <a:rPr lang="en-US" sz="1600" dirty="0" smtClean="0"/>
+              <a:rPr lang="en-US" sz="1600" smtClean="0"/>
               <a:t>General Utilities (useful for more than one category)</a:t>
             </a:r>
           </a:p>
@@ -13895,16 +16067,8 @@
               </a:tabLst>
             </a:pPr>
             <a:r>
-              <a:rPr lang="en-US" sz="1600" dirty="0" smtClean="0"/>
-              <a:t>Cache Synchronization  (</a:t>
-            </a:r>
-            <a:r>
-              <a:rPr lang="en-US" sz="1600" dirty="0" err="1" smtClean="0"/>
-              <a:t>crds.sync</a:t>
-            </a:r>
-            <a:r>
-              <a:rPr lang="en-US" sz="1600" dirty="0" smtClean="0"/>
-              <a:t>)</a:t>
+              <a:rPr lang="en-US" sz="1600" smtClean="0"/>
+              <a:t>Cache Synchronization  (crds.sync)</a:t>
             </a:r>
           </a:p>
           <a:p>
@@ -13943,7 +16107,7 @@
               </a:tabLst>
             </a:pPr>
             <a:r>
-              <a:rPr lang="en-US" sz="1400" dirty="0" smtClean="0"/>
+              <a:rPr lang="en-US" sz="1400" smtClean="0"/>
               <a:t>synchronize local reference file directories to contain all reference files required by given list of pipeline contexts </a:t>
             </a:r>
           </a:p>
@@ -13983,7 +16147,7 @@
               </a:tabLst>
             </a:pPr>
             <a:r>
-              <a:rPr lang="en-US" sz="1400" dirty="0" smtClean="0"/>
+              <a:rPr lang="en-US" sz="1400" smtClean="0"/>
               <a:t>Useful for Operations, WIT, and other projects (e.g., IDTs)</a:t>
             </a:r>
           </a:p>
@@ -14023,11 +16187,11 @@
               </a:tabLst>
             </a:pPr>
             <a:r>
-              <a:rPr lang="en-US" sz="1600" dirty="0" smtClean="0"/>
+              <a:rPr lang="en-US" sz="1600" smtClean="0"/>
               <a:t>File Differencing  (</a:t>
             </a:r>
             <a:r>
-              <a:rPr lang="en-US" sz="1600" dirty="0" err="1" smtClean="0">
+              <a:rPr lang="en-US" sz="1600" smtClean="0">
                 <a:solidFill>
                   <a:srgbClr val="3366FF"/>
                 </a:solidFill>
@@ -14035,7 +16199,7 @@
               <a:t>crds.diff</a:t>
             </a:r>
             <a:r>
-              <a:rPr lang="en-US" sz="1600" dirty="0" smtClean="0"/>
+              <a:rPr lang="en-US" sz="1600" smtClean="0"/>
               <a:t>)</a:t>
             </a:r>
           </a:p>
@@ -14075,7 +16239,7 @@
               </a:tabLst>
             </a:pPr>
             <a:r>
-              <a:rPr lang="en-US" sz="1400" dirty="0" smtClean="0"/>
+              <a:rPr lang="en-US" sz="1400" smtClean="0"/>
               <a:t>Highlight all differences in rules and reference files between rmaps, instrument contexts or pipeline contexts</a:t>
             </a:r>
           </a:p>
@@ -14115,11 +16279,11 @@
               </a:tabLst>
             </a:pPr>
             <a:r>
-              <a:rPr lang="en-US" sz="1600" dirty="0" smtClean="0"/>
+              <a:rPr lang="en-US" sz="1600" smtClean="0"/>
               <a:t>File Best References (</a:t>
             </a:r>
             <a:r>
-              <a:rPr lang="en-US" sz="1600" dirty="0" err="1" smtClean="0">
+              <a:rPr lang="en-US" sz="1600" smtClean="0">
                 <a:solidFill>
                   <a:srgbClr val="3366FF"/>
                 </a:solidFill>
@@ -14127,7 +16291,7 @@
               <a:t>crds.file_bestfrefs</a:t>
             </a:r>
             <a:r>
-              <a:rPr lang="en-US" sz="1600" dirty="0" smtClean="0"/>
+              <a:rPr lang="en-US" sz="1600" smtClean="0"/>
               <a:t>)</a:t>
             </a:r>
           </a:p>
@@ -14167,7 +16331,7 @@
               </a:tabLst>
             </a:pPr>
             <a:r>
-              <a:rPr lang="en-US" sz="1400" dirty="0" smtClean="0"/>
+              <a:rPr lang="en-US" sz="1400" smtClean="0"/>
               <a:t>Determines best references for a data set FITS file and/or updates header</a:t>
             </a:r>
           </a:p>
@@ -14207,16 +16371,8 @@
               </a:tabLst>
             </a:pPr>
             <a:r>
-              <a:rPr lang="en-US" sz="1600" dirty="0" smtClean="0"/>
-              <a:t>Database Best References  (</a:t>
-            </a:r>
-            <a:r>
-              <a:rPr lang="en-US" sz="1600" dirty="0" err="1" smtClean="0"/>
-              <a:t>crds.db_bestrefs</a:t>
-            </a:r>
-            <a:r>
-              <a:rPr lang="en-US" sz="1600" dirty="0" smtClean="0"/>
-              <a:t>)</a:t>
+              <a:rPr lang="en-US" sz="1600" smtClean="0"/>
+              <a:t>Database Best References  (crds.db_bestrefs)</a:t>
             </a:r>
           </a:p>
           <a:p>
@@ -14255,73 +16411,23 @@
               </a:tabLst>
             </a:pPr>
             <a:r>
-              <a:rPr lang="en-US" sz="1400" dirty="0" smtClean="0"/>
+              <a:rPr lang="en-US" sz="1400" smtClean="0"/>
               <a:t>Determines best references based on catalog parameters and/or updates catalog</a:t>
             </a:r>
-          </a:p>
-        </p:txBody>
-      </p:sp>
-      <p:sp>
-        <p:nvSpPr>
-          <p:cNvPr id="2" name="Title 1"/>
-          <p:cNvSpPr>
-            <a:spLocks noGrp="1"/>
-          </p:cNvSpPr>
-          <p:nvPr>
-            <p:ph type="title"/>
-          </p:nvPr>
-        </p:nvSpPr>
-        <p:spPr/>
-        <p:txBody>
-          <a:bodyPr/>
-          <a:lstStyle/>
-          <a:p>
-            <a:r>
-              <a:rPr lang="en-US" dirty="0" smtClean="0"/>
-              <a:t>Utilities Design</a:t>
-            </a:r>
-            <a:endParaRPr lang="en-US" dirty="0"/>
+            <a:endParaRPr lang="en-US" sz="1400" dirty="0" smtClean="0"/>
           </a:p>
         </p:txBody>
       </p:sp>
     </p:spTree>
     <p:extLst>
       <p:ext uri="{BB962C8B-B14F-4D97-AF65-F5344CB8AC3E}">
-        <p14:creationId xmlns:p14="http://schemas.microsoft.com/office/powerpoint/2010/main" val="1938532718"/>
+        <p14:creationId xmlns:p14="http://schemas.microsoft.com/office/powerpoint/2010/main" val="3467477766"/>
       </p:ext>
     </p:extLst>
   </p:cSld>
   <p:clrMapOvr>
     <a:masterClrMapping/>
   </p:clrMapOvr>
-  <p:transition xmlns:p14="http://schemas.microsoft.com/office/powerpoint/2010/main" spd="med"/>
-  <p:timing>
-    <p:tnLst>
-      <p:par>
-        <p:cTn xmlns:p14="http://schemas.microsoft.com/office/powerpoint/2010/main" id="1" dur="indefinite" restart="never" nodeType="tmRoot">
-          <p:childTnLst>
-            <p:seq concurrent="1" nextAc="seek">
-              <p:cTn id="2" dur="indefinite" nodeType="mainSeq"/>
-              <p:prevCondLst>
-                <p:cond evt="onPrev" delay="0">
-                  <p:tgtEl>
-                    <p:sldTgt/>
-                  </p:tgtEl>
-                </p:cond>
-              </p:prevCondLst>
-              <p:nextCondLst>
-                <p:cond evt="onNext" delay="0">
-                  <p:tgtEl>
-                    <p:sldTgt/>
-                  </p:tgtEl>
-                </p:cond>
-              </p:nextCondLst>
-            </p:seq>
-          </p:childTnLst>
-        </p:cTn>
-      </p:par>
-    </p:tnLst>
-  </p:timing>
 </p:sld>
 </file>
 
@@ -14344,23 +16450,316 @@
       </p:grpSpPr>
       <p:sp>
         <p:nvSpPr>
-          <p:cNvPr id="21506" name="Rectangle 2"/>
+          <p:cNvPr id="2" name="Title 1"/>
           <p:cNvSpPr>
-            <a:spLocks noGrp="1" noChangeArrowheads="1"/>
+            <a:spLocks noGrp="1"/>
           </p:cNvSpPr>
           <p:nvPr>
-            <p:ph idx="1"/>
+            <p:ph type="title"/>
           </p:nvPr>
+        </p:nvSpPr>
+        <p:spPr/>
+        <p:txBody>
+          <a:bodyPr/>
+          <a:lstStyle/>
+          <a:p>
+            <a:r>
+              <a:rPr lang="en-US" dirty="0" smtClean="0"/>
+              <a:t>Utilities Design (</a:t>
+            </a:r>
+            <a:r>
+              <a:rPr lang="en-US" dirty="0" err="1" smtClean="0"/>
+              <a:t>cont</a:t>
+            </a:r>
+            <a:r>
+              <a:rPr lang="en-US" dirty="0" smtClean="0"/>
+              <a:t> 1)</a:t>
+            </a:r>
+            <a:endParaRPr lang="en-US" dirty="0"/>
+          </a:p>
+        </p:txBody>
+      </p:sp>
+      <p:sp>
+        <p:nvSpPr>
+          <p:cNvPr id="3" name="Date Placeholder 2"/>
+          <p:cNvSpPr>
+            <a:spLocks noGrp="1"/>
+          </p:cNvSpPr>
+          <p:nvPr>
+            <p:ph type="dt" sz="half" idx="10"/>
+          </p:nvPr>
+        </p:nvSpPr>
+        <p:spPr/>
+        <p:txBody>
+          <a:bodyPr/>
+          <a:lstStyle/>
+          <a:p>
+            <a:pPr>
+              <a:defRPr/>
+            </a:pPr>
+            <a:r>
+              <a:rPr lang="en-US" smtClean="0"/>
+              <a:t>Dec 7-8, 2012</a:t>
+            </a:r>
+            <a:endParaRPr lang="en-US" dirty="0"/>
+          </a:p>
+        </p:txBody>
+      </p:sp>
+      <p:sp>
+        <p:nvSpPr>
+          <p:cNvPr id="4" name="Footer Placeholder 3"/>
+          <p:cNvSpPr>
+            <a:spLocks noGrp="1"/>
+          </p:cNvSpPr>
+          <p:nvPr>
+            <p:ph type="ftr" sz="quarter" idx="11"/>
+          </p:nvPr>
+        </p:nvSpPr>
+        <p:spPr/>
+        <p:txBody>
+          <a:bodyPr/>
+          <a:lstStyle/>
+          <a:p>
+            <a:pPr>
+              <a:defRPr/>
+            </a:pPr>
+            <a:r>
+              <a:rPr lang="en-US" smtClean="0"/>
+              <a:t>S&amp;OC DMS System Design Review</a:t>
+            </a:r>
+            <a:endParaRPr lang="en-US" dirty="0"/>
+          </a:p>
+        </p:txBody>
+      </p:sp>
+      <p:sp>
+        <p:nvSpPr>
+          <p:cNvPr id="5" name="Slide Number Placeholder 4"/>
+          <p:cNvSpPr>
+            <a:spLocks noGrp="1"/>
+          </p:cNvSpPr>
+          <p:nvPr>
+            <p:ph type="sldNum" sz="quarter" idx="12"/>
+          </p:nvPr>
+        </p:nvSpPr>
+        <p:spPr/>
+        <p:txBody>
+          <a:bodyPr/>
+          <a:lstStyle/>
+          <a:p>
+            <a:pPr>
+              <a:defRPr/>
+            </a:pPr>
+            <a:r>
+              <a:rPr lang="en-US" smtClean="0"/>
+              <a:t>9-</a:t>
+            </a:r>
+            <a:fld id="{A739F50A-8F88-4892-87E1-8D1D3A543FFC}" type="slidenum">
+              <a:rPr lang="en-US" smtClean="0"/>
+              <a:pPr>
+                <a:defRPr/>
+              </a:pPr>
+              <a:t>37</a:t>
+            </a:fld>
+            <a:endParaRPr lang="en-US" smtClean="0"/>
+          </a:p>
+          <a:p>
+            <a:pPr>
+              <a:defRPr/>
+            </a:pPr>
+            <a:endParaRPr lang="en-US" dirty="0"/>
+          </a:p>
+        </p:txBody>
+      </p:sp>
+      <p:sp>
+        <p:nvSpPr>
+          <p:cNvPr id="6" name="Rectangle 2"/>
+          <p:cNvSpPr txBox="1">
+            <a:spLocks noChangeArrowheads="1"/>
+          </p:cNvSpPr>
+          <p:nvPr/>
         </p:nvSpPr>
         <p:spPr>
           <a:xfrm>
             <a:off x="457200" y="838200"/>
             <a:ext cx="8216900" cy="5367338"/>
           </a:xfrm>
+          <a:prstGeom prst="rect">
+            <a:avLst/>
+          </a:prstGeom>
         </p:spPr>
         <p:txBody>
           <a:bodyPr lIns="90000" tIns="46800" rIns="90000" bIns="46800"/>
-          <a:lstStyle/>
+          <a:lstStyle>
+            <a:lvl1pPr marL="342900" indent="-342900" algn="l" rtl="0" eaLnBrk="0" fontAlgn="base" hangingPunct="0">
+              <a:spcBef>
+                <a:spcPct val="20000"/>
+              </a:spcBef>
+              <a:spcAft>
+                <a:spcPct val="40000"/>
+              </a:spcAft>
+              <a:buClr>
+                <a:srgbClr val="BB0018"/>
+              </a:buClr>
+              <a:buSzPct val="67000"/>
+              <a:buFont typeface="Wingdings" pitchFamily="2" charset="2"/>
+              <a:buChar char="l"/>
+              <a:defRPr b="1">
+                <a:solidFill>
+                  <a:schemeClr val="tx1"/>
+                </a:solidFill>
+                <a:latin typeface="+mn-lt"/>
+                <a:ea typeface="+mn-ea"/>
+                <a:cs typeface="+mn-cs"/>
+              </a:defRPr>
+            </a:lvl1pPr>
+            <a:lvl2pPr marL="742950" indent="-285750" algn="l" rtl="0" eaLnBrk="0" fontAlgn="base" hangingPunct="0">
+              <a:spcBef>
+                <a:spcPct val="0"/>
+              </a:spcBef>
+              <a:spcAft>
+                <a:spcPct val="35000"/>
+              </a:spcAft>
+              <a:buClr>
+                <a:srgbClr val="BB0018"/>
+              </a:buClr>
+              <a:buSzPct val="75000"/>
+              <a:buFont typeface="Wingdings" pitchFamily="2" charset="2"/>
+              <a:buChar char="n"/>
+              <a:defRPr>
+                <a:solidFill>
+                  <a:schemeClr val="tx1"/>
+                </a:solidFill>
+                <a:latin typeface="+mn-lt"/>
+              </a:defRPr>
+            </a:lvl2pPr>
+            <a:lvl3pPr marL="1143000" indent="-228600" algn="l" rtl="0" eaLnBrk="0" fontAlgn="base" hangingPunct="0">
+              <a:spcBef>
+                <a:spcPct val="0"/>
+              </a:spcBef>
+              <a:spcAft>
+                <a:spcPct val="35000"/>
+              </a:spcAft>
+              <a:buClr>
+                <a:srgbClr val="BB0018"/>
+              </a:buClr>
+              <a:buSzPct val="150000"/>
+              <a:buChar char="-"/>
+              <a:defRPr sz="1600">
+                <a:solidFill>
+                  <a:schemeClr val="tx1"/>
+                </a:solidFill>
+                <a:latin typeface="+mn-lt"/>
+              </a:defRPr>
+            </a:lvl3pPr>
+            <a:lvl4pPr marL="1600200" indent="-228600" algn="l" rtl="0" eaLnBrk="0" fontAlgn="base" hangingPunct="0">
+              <a:spcBef>
+                <a:spcPct val="0"/>
+              </a:spcBef>
+              <a:spcAft>
+                <a:spcPct val="35000"/>
+              </a:spcAft>
+              <a:buClr>
+                <a:srgbClr val="BB0018"/>
+              </a:buClr>
+              <a:buChar char="–"/>
+              <a:defRPr sz="1400">
+                <a:solidFill>
+                  <a:schemeClr val="tx1"/>
+                </a:solidFill>
+                <a:latin typeface="+mn-lt"/>
+              </a:defRPr>
+            </a:lvl4pPr>
+            <a:lvl5pPr marL="2057400" indent="-228600" algn="l" rtl="0" eaLnBrk="0" fontAlgn="base" hangingPunct="0">
+              <a:spcBef>
+                <a:spcPct val="0"/>
+              </a:spcBef>
+              <a:spcAft>
+                <a:spcPct val="35000"/>
+              </a:spcAft>
+              <a:buClr>
+                <a:srgbClr val="BB0018"/>
+              </a:buClr>
+              <a:buChar char="»"/>
+              <a:defRPr sz="1400">
+                <a:solidFill>
+                  <a:schemeClr val="tx1"/>
+                </a:solidFill>
+                <a:latin typeface="+mn-lt"/>
+              </a:defRPr>
+            </a:lvl5pPr>
+            <a:lvl6pPr marL="2514600" indent="-228600" algn="l" rtl="0" eaLnBrk="1" fontAlgn="base" hangingPunct="1">
+              <a:spcBef>
+                <a:spcPct val="0"/>
+              </a:spcBef>
+              <a:spcAft>
+                <a:spcPct val="35000"/>
+              </a:spcAft>
+              <a:buClr>
+                <a:srgbClr val="BB0018"/>
+              </a:buClr>
+              <a:buChar char="»"/>
+              <a:defRPr sz="1400">
+                <a:solidFill>
+                  <a:schemeClr val="tx1"/>
+                </a:solidFill>
+                <a:latin typeface="+mn-lt"/>
+              </a:defRPr>
+            </a:lvl6pPr>
+            <a:lvl7pPr marL="2971800" indent="-228600" algn="l" rtl="0" eaLnBrk="1" fontAlgn="base" hangingPunct="1">
+              <a:spcBef>
+                <a:spcPct val="0"/>
+              </a:spcBef>
+              <a:spcAft>
+                <a:spcPct val="35000"/>
+              </a:spcAft>
+              <a:buClr>
+                <a:srgbClr val="BB0018"/>
+              </a:buClr>
+              <a:buChar char="»"/>
+              <a:defRPr sz="1400">
+                <a:solidFill>
+                  <a:schemeClr val="tx1"/>
+                </a:solidFill>
+                <a:latin typeface="+mn-lt"/>
+              </a:defRPr>
+            </a:lvl7pPr>
+            <a:lvl8pPr marL="3429000" indent="-228600" algn="l" rtl="0" eaLnBrk="1" fontAlgn="base" hangingPunct="1">
+              <a:spcBef>
+                <a:spcPct val="0"/>
+              </a:spcBef>
+              <a:spcAft>
+                <a:spcPct val="35000"/>
+              </a:spcAft>
+              <a:buClr>
+                <a:srgbClr val="BB0018"/>
+              </a:buClr>
+              <a:buChar char="»"/>
+              <a:defRPr sz="1400">
+                <a:solidFill>
+                  <a:schemeClr val="tx1"/>
+                </a:solidFill>
+                <a:latin typeface="+mn-lt"/>
+              </a:defRPr>
+            </a:lvl8pPr>
+            <a:lvl9pPr marL="3886200" indent="-228600" algn="l" rtl="0" eaLnBrk="1" fontAlgn="base" hangingPunct="1">
+              <a:spcBef>
+                <a:spcPct val="0"/>
+              </a:spcBef>
+              <a:spcAft>
+                <a:spcPct val="35000"/>
+              </a:spcAft>
+              <a:buClr>
+                <a:srgbClr val="BB0018"/>
+              </a:buClr>
+              <a:buChar char="»"/>
+              <a:defRPr sz="1400">
+                <a:solidFill>
+                  <a:schemeClr val="tx1"/>
+                </a:solidFill>
+                <a:latin typeface="+mn-lt"/>
+              </a:defRPr>
+            </a:lvl9pPr>
+          </a:lstStyle>
           <a:p>
             <a:pPr eaLnBrk="1" hangingPunct="1">
               <a:lnSpc>
@@ -14397,7 +16796,7 @@
               </a:tabLst>
             </a:pPr>
             <a:r>
-              <a:rPr lang="en-US" sz="1600" dirty="0" smtClean="0"/>
+              <a:rPr lang="en-US" sz="1600" smtClean="0"/>
               <a:t>Operational System Utilities</a:t>
             </a:r>
           </a:p>
@@ -14437,7 +16836,7 @@
               </a:tabLst>
             </a:pPr>
             <a:r>
-              <a:rPr lang="en-US" sz="1600" dirty="0" smtClean="0"/>
+              <a:rPr lang="en-US" sz="1600" smtClean="0"/>
               <a:t>Reversion Detection</a:t>
             </a:r>
           </a:p>
@@ -14477,7 +16876,7 @@
               </a:tabLst>
             </a:pPr>
             <a:r>
-              <a:rPr lang="en-US" sz="1400" dirty="0" smtClean="0"/>
+              <a:rPr lang="en-US" sz="1400" smtClean="0"/>
               <a:t>Detection of reversion of reference, rmap, or instrument context files when changing pipeline context</a:t>
             </a:r>
           </a:p>
@@ -14517,7 +16916,7 @@
               </a:tabLst>
             </a:pPr>
             <a:r>
-              <a:rPr lang="en-US" sz="1400" dirty="0" smtClean="0"/>
+              <a:rPr lang="en-US" sz="1400" smtClean="0"/>
               <a:t>Prevents inadvertent undoing of previous updates by uncoordinated modifications</a:t>
             </a:r>
           </a:p>
@@ -14557,7 +16956,7 @@
               </a:tabLst>
             </a:pPr>
             <a:r>
-              <a:rPr lang="en-US" sz="1600" dirty="0" smtClean="0"/>
+              <a:rPr lang="en-US" sz="1600" smtClean="0"/>
               <a:t>Affected Datasets</a:t>
             </a:r>
           </a:p>
@@ -14597,7 +16996,7 @@
               </a:tabLst>
             </a:pPr>
             <a:r>
-              <a:rPr lang="en-US" sz="1400" dirty="0" smtClean="0"/>
+              <a:rPr lang="en-US" sz="1400" smtClean="0"/>
               <a:t>Get list of datasets affected by pipeline context change</a:t>
             </a:r>
           </a:p>
@@ -14637,7 +17036,7 @@
               </a:tabLst>
             </a:pPr>
             <a:r>
-              <a:rPr lang="en-US" sz="1400" dirty="0" smtClean="0"/>
+              <a:rPr lang="en-US" sz="1400" smtClean="0"/>
               <a:t>Useful for identifying data sets needing reprocessing</a:t>
             </a:r>
           </a:p>
@@ -14677,16 +17076,8 @@
               </a:tabLst>
             </a:pPr>
             <a:r>
-              <a:rPr lang="en-US" sz="1400" dirty="0" smtClean="0"/>
-              <a:t>Design Issue: Some table reference files have rows selected by additional selection criteria. A change to the file does not necessarily affect all data sets that use that reference table. This utility must examine the contents of these tables to determine which data sets are affected (and store the selection criteria for the rows in </a:t>
-            </a:r>
-            <a:r>
-              <a:rPr lang="en-US" sz="1400" dirty="0" err="1" smtClean="0"/>
-              <a:t>rmaps</a:t>
-            </a:r>
-            <a:r>
-              <a:rPr lang="en-US" sz="1400" dirty="0" smtClean="0"/>
-              <a:t> for this utility to use in doing such checks)</a:t>
+              <a:rPr lang="en-US" sz="1400" smtClean="0"/>
+              <a:t>Design Issue: Some table reference files have rows selected by additional selection criteria. A change to the file does not necessarily affect all data sets that use that reference table. This utility must examine the contents of these tables to determine which data sets are affected (and store the selection criteria for the rows in rmaps for this utility to use in doing such checks)</a:t>
             </a:r>
           </a:p>
           <a:p>
@@ -14725,7 +17116,7 @@
               </a:tabLst>
             </a:pPr>
             <a:r>
-              <a:rPr lang="en-US" sz="1400" dirty="0" smtClean="0"/>
+              <a:rPr lang="en-US" sz="1400" smtClean="0"/>
               <a:t>Design Issue: Selection based on severity of change of reference file change. Some desire the ability of selecting only data sets for which the change in reference files is considered to be above some specified threshold (e.g., moderate, or severe).</a:t>
             </a:r>
           </a:p>
@@ -14765,7 +17156,7 @@
               </a:tabLst>
             </a:pPr>
             <a:r>
-              <a:rPr lang="en-US" sz="1000" dirty="0" smtClean="0"/>
+              <a:rPr lang="en-US" sz="1000" smtClean="0"/>
               <a:t>Very difficult problem to do correctly and make practical</a:t>
             </a:r>
           </a:p>
@@ -14805,143 +17196,23 @@
               </a:tabLst>
             </a:pPr>
             <a:r>
-              <a:rPr lang="en-US" sz="1000" dirty="0" smtClean="0"/>
+              <a:rPr lang="en-US" sz="1000" smtClean="0"/>
               <a:t>Awaiting well defined concept for how this should work before accepting as a requirement</a:t>
             </a:r>
-          </a:p>
-        </p:txBody>
-      </p:sp>
-      <p:sp>
-        <p:nvSpPr>
-          <p:cNvPr id="21509" name="Rectangle 1"/>
-          <p:cNvSpPr>
-            <a:spLocks noChangeArrowheads="1"/>
-          </p:cNvSpPr>
-          <p:nvPr/>
-        </p:nvSpPr>
-        <p:spPr bwMode="auto">
-          <a:xfrm>
-            <a:off x="914400" y="152400"/>
-            <a:ext cx="6934200" cy="406400"/>
-          </a:xfrm>
-          <a:prstGeom prst="rect">
-            <a:avLst/>
-          </a:prstGeom>
-          <a:noFill/>
-          <a:ln w="9525">
-            <a:noFill/>
-            <a:round/>
-            <a:headEnd/>
-            <a:tailEnd/>
-          </a:ln>
-        </p:spPr>
-        <p:txBody>
-          <a:bodyPr lIns="90000" tIns="46800" rIns="90000" bIns="46800" anchor="ctr"/>
-          <a:lstStyle/>
-          <a:p>
-            <a:pPr algn="ctr">
-              <a:tabLst>
-                <a:tab pos="0" algn="l"/>
-                <a:tab pos="457200" algn="l"/>
-                <a:tab pos="914400" algn="l"/>
-                <a:tab pos="1371600" algn="l"/>
-                <a:tab pos="1828800" algn="l"/>
-                <a:tab pos="2286000" algn="l"/>
-                <a:tab pos="2743200" algn="l"/>
-                <a:tab pos="3200400" algn="l"/>
-                <a:tab pos="3657600" algn="l"/>
-                <a:tab pos="4114800" algn="l"/>
-                <a:tab pos="4572000" algn="l"/>
-                <a:tab pos="5029200" algn="l"/>
-                <a:tab pos="5486400" algn="l"/>
-                <a:tab pos="5943600" algn="l"/>
-                <a:tab pos="6400800" algn="l"/>
-                <a:tab pos="6858000" algn="l"/>
-                <a:tab pos="7315200" algn="l"/>
-                <a:tab pos="7772400" algn="l"/>
-                <a:tab pos="8229600" algn="l"/>
-                <a:tab pos="8686800" algn="l"/>
-                <a:tab pos="9144000" algn="l"/>
-              </a:tabLst>
-            </a:pPr>
-            <a:endParaRPr lang="en-US" sz="2800" b="1" dirty="0">
-              <a:solidFill>
-                <a:srgbClr val="BB0018"/>
-              </a:solidFill>
-              <a:latin typeface="Arial" charset="0"/>
-            </a:endParaRPr>
-          </a:p>
-        </p:txBody>
-      </p:sp>
-      <p:sp>
-        <p:nvSpPr>
-          <p:cNvPr id="3" name="Title 2"/>
-          <p:cNvSpPr>
-            <a:spLocks noGrp="1"/>
-          </p:cNvSpPr>
-          <p:nvPr>
-            <p:ph type="title"/>
-          </p:nvPr>
-        </p:nvSpPr>
-        <p:spPr/>
-        <p:txBody>
-          <a:bodyPr/>
-          <a:lstStyle/>
-          <a:p>
-            <a:r>
-              <a:rPr lang="en-US" dirty="0" smtClean="0"/>
-              <a:t>Utilities Design (</a:t>
-            </a:r>
-            <a:r>
-              <a:rPr lang="en-US" dirty="0" err="1" smtClean="0"/>
-              <a:t>cont</a:t>
-            </a:r>
-            <a:r>
-              <a:rPr lang="en-US" dirty="0" smtClean="0"/>
-              <a:t> 1)</a:t>
-            </a:r>
-            <a:endParaRPr lang="en-US" dirty="0"/>
+            <a:endParaRPr lang="en-US" sz="1000" dirty="0" smtClean="0"/>
           </a:p>
         </p:txBody>
       </p:sp>
     </p:spTree>
     <p:extLst>
       <p:ext uri="{BB962C8B-B14F-4D97-AF65-F5344CB8AC3E}">
-        <p14:creationId xmlns:p14="http://schemas.microsoft.com/office/powerpoint/2010/main" val="3141804488"/>
+        <p14:creationId xmlns:p14="http://schemas.microsoft.com/office/powerpoint/2010/main" val="1697143607"/>
       </p:ext>
     </p:extLst>
   </p:cSld>
   <p:clrMapOvr>
     <a:masterClrMapping/>
   </p:clrMapOvr>
-  <p:transition xmlns:p14="http://schemas.microsoft.com/office/powerpoint/2010/main" spd="med"/>
-  <p:timing>
-    <p:tnLst>
-      <p:par>
-        <p:cTn xmlns:p14="http://schemas.microsoft.com/office/powerpoint/2010/main" id="1" dur="indefinite" restart="never" nodeType="tmRoot">
-          <p:childTnLst>
-            <p:seq concurrent="1" nextAc="seek">
-              <p:cTn id="2" dur="indefinite" nodeType="mainSeq"/>
-              <p:prevCondLst>
-                <p:cond evt="onPrev" delay="0">
-                  <p:tgtEl>
-                    <p:sldTgt/>
-                  </p:tgtEl>
-                </p:cond>
-              </p:prevCondLst>
-              <p:nextCondLst>
-                <p:cond evt="onNext" delay="0">
-                  <p:tgtEl>
-                    <p:sldTgt/>
-                  </p:tgtEl>
-                </p:cond>
-              </p:nextCondLst>
-            </p:seq>
-          </p:childTnLst>
-        </p:cTn>
-      </p:par>
-    </p:tnLst>
-  </p:timing>
 </p:sld>
 </file>
 
@@ -14964,23 +17235,316 @@
       </p:grpSpPr>
       <p:sp>
         <p:nvSpPr>
-          <p:cNvPr id="21506" name="Rectangle 2"/>
+          <p:cNvPr id="2" name="Title 1"/>
           <p:cNvSpPr>
-            <a:spLocks noGrp="1" noChangeArrowheads="1"/>
+            <a:spLocks noGrp="1"/>
           </p:cNvSpPr>
           <p:nvPr>
-            <p:ph idx="1"/>
+            <p:ph type="title"/>
           </p:nvPr>
+        </p:nvSpPr>
+        <p:spPr/>
+        <p:txBody>
+          <a:bodyPr/>
+          <a:lstStyle/>
+          <a:p>
+            <a:r>
+              <a:rPr lang="en-US" dirty="0" smtClean="0"/>
+              <a:t>Utilities Design (</a:t>
+            </a:r>
+            <a:r>
+              <a:rPr lang="en-US" dirty="0" err="1" smtClean="0"/>
+              <a:t>cont</a:t>
+            </a:r>
+            <a:r>
+              <a:rPr lang="en-US" dirty="0" smtClean="0"/>
+              <a:t> 2)</a:t>
+            </a:r>
+            <a:endParaRPr lang="en-US" dirty="0"/>
+          </a:p>
+        </p:txBody>
+      </p:sp>
+      <p:sp>
+        <p:nvSpPr>
+          <p:cNvPr id="3" name="Date Placeholder 2"/>
+          <p:cNvSpPr>
+            <a:spLocks noGrp="1"/>
+          </p:cNvSpPr>
+          <p:nvPr>
+            <p:ph type="dt" sz="half" idx="10"/>
+          </p:nvPr>
+        </p:nvSpPr>
+        <p:spPr/>
+        <p:txBody>
+          <a:bodyPr/>
+          <a:lstStyle/>
+          <a:p>
+            <a:pPr>
+              <a:defRPr/>
+            </a:pPr>
+            <a:r>
+              <a:rPr lang="en-US" smtClean="0"/>
+              <a:t>Dec 7-8, 2012</a:t>
+            </a:r>
+            <a:endParaRPr lang="en-US" dirty="0"/>
+          </a:p>
+        </p:txBody>
+      </p:sp>
+      <p:sp>
+        <p:nvSpPr>
+          <p:cNvPr id="4" name="Footer Placeholder 3"/>
+          <p:cNvSpPr>
+            <a:spLocks noGrp="1"/>
+          </p:cNvSpPr>
+          <p:nvPr>
+            <p:ph type="ftr" sz="quarter" idx="11"/>
+          </p:nvPr>
+        </p:nvSpPr>
+        <p:spPr/>
+        <p:txBody>
+          <a:bodyPr/>
+          <a:lstStyle/>
+          <a:p>
+            <a:pPr>
+              <a:defRPr/>
+            </a:pPr>
+            <a:r>
+              <a:rPr lang="en-US" smtClean="0"/>
+              <a:t>S&amp;OC DMS System Design Review</a:t>
+            </a:r>
+            <a:endParaRPr lang="en-US" dirty="0"/>
+          </a:p>
+        </p:txBody>
+      </p:sp>
+      <p:sp>
+        <p:nvSpPr>
+          <p:cNvPr id="5" name="Slide Number Placeholder 4"/>
+          <p:cNvSpPr>
+            <a:spLocks noGrp="1"/>
+          </p:cNvSpPr>
+          <p:nvPr>
+            <p:ph type="sldNum" sz="quarter" idx="12"/>
+          </p:nvPr>
+        </p:nvSpPr>
+        <p:spPr/>
+        <p:txBody>
+          <a:bodyPr/>
+          <a:lstStyle/>
+          <a:p>
+            <a:pPr>
+              <a:defRPr/>
+            </a:pPr>
+            <a:r>
+              <a:rPr lang="en-US" smtClean="0"/>
+              <a:t>9-</a:t>
+            </a:r>
+            <a:fld id="{A739F50A-8F88-4892-87E1-8D1D3A543FFC}" type="slidenum">
+              <a:rPr lang="en-US" smtClean="0"/>
+              <a:pPr>
+                <a:defRPr/>
+              </a:pPr>
+              <a:t>38</a:t>
+            </a:fld>
+            <a:endParaRPr lang="en-US" smtClean="0"/>
+          </a:p>
+          <a:p>
+            <a:pPr>
+              <a:defRPr/>
+            </a:pPr>
+            <a:endParaRPr lang="en-US" dirty="0"/>
+          </a:p>
+        </p:txBody>
+      </p:sp>
+      <p:sp>
+        <p:nvSpPr>
+          <p:cNvPr id="6" name="Rectangle 2"/>
+          <p:cNvSpPr txBox="1">
+            <a:spLocks noChangeArrowheads="1"/>
+          </p:cNvSpPr>
+          <p:nvPr/>
         </p:nvSpPr>
         <p:spPr>
           <a:xfrm>
             <a:off x="457200" y="914400"/>
             <a:ext cx="8216900" cy="5367338"/>
           </a:xfrm>
+          <a:prstGeom prst="rect">
+            <a:avLst/>
+          </a:prstGeom>
         </p:spPr>
         <p:txBody>
           <a:bodyPr lIns="90000" tIns="46800" rIns="90000" bIns="46800"/>
-          <a:lstStyle/>
+          <a:lstStyle>
+            <a:lvl1pPr marL="342900" indent="-342900" algn="l" rtl="0" eaLnBrk="0" fontAlgn="base" hangingPunct="0">
+              <a:spcBef>
+                <a:spcPct val="20000"/>
+              </a:spcBef>
+              <a:spcAft>
+                <a:spcPct val="40000"/>
+              </a:spcAft>
+              <a:buClr>
+                <a:srgbClr val="BB0018"/>
+              </a:buClr>
+              <a:buSzPct val="67000"/>
+              <a:buFont typeface="Wingdings" pitchFamily="2" charset="2"/>
+              <a:buChar char="l"/>
+              <a:defRPr b="1">
+                <a:solidFill>
+                  <a:schemeClr val="tx1"/>
+                </a:solidFill>
+                <a:latin typeface="+mn-lt"/>
+                <a:ea typeface="+mn-ea"/>
+                <a:cs typeface="+mn-cs"/>
+              </a:defRPr>
+            </a:lvl1pPr>
+            <a:lvl2pPr marL="742950" indent="-285750" algn="l" rtl="0" eaLnBrk="0" fontAlgn="base" hangingPunct="0">
+              <a:spcBef>
+                <a:spcPct val="0"/>
+              </a:spcBef>
+              <a:spcAft>
+                <a:spcPct val="35000"/>
+              </a:spcAft>
+              <a:buClr>
+                <a:srgbClr val="BB0018"/>
+              </a:buClr>
+              <a:buSzPct val="75000"/>
+              <a:buFont typeface="Wingdings" pitchFamily="2" charset="2"/>
+              <a:buChar char="n"/>
+              <a:defRPr>
+                <a:solidFill>
+                  <a:schemeClr val="tx1"/>
+                </a:solidFill>
+                <a:latin typeface="+mn-lt"/>
+              </a:defRPr>
+            </a:lvl2pPr>
+            <a:lvl3pPr marL="1143000" indent="-228600" algn="l" rtl="0" eaLnBrk="0" fontAlgn="base" hangingPunct="0">
+              <a:spcBef>
+                <a:spcPct val="0"/>
+              </a:spcBef>
+              <a:spcAft>
+                <a:spcPct val="35000"/>
+              </a:spcAft>
+              <a:buClr>
+                <a:srgbClr val="BB0018"/>
+              </a:buClr>
+              <a:buSzPct val="150000"/>
+              <a:buChar char="-"/>
+              <a:defRPr sz="1600">
+                <a:solidFill>
+                  <a:schemeClr val="tx1"/>
+                </a:solidFill>
+                <a:latin typeface="+mn-lt"/>
+              </a:defRPr>
+            </a:lvl3pPr>
+            <a:lvl4pPr marL="1600200" indent="-228600" algn="l" rtl="0" eaLnBrk="0" fontAlgn="base" hangingPunct="0">
+              <a:spcBef>
+                <a:spcPct val="0"/>
+              </a:spcBef>
+              <a:spcAft>
+                <a:spcPct val="35000"/>
+              </a:spcAft>
+              <a:buClr>
+                <a:srgbClr val="BB0018"/>
+              </a:buClr>
+              <a:buChar char="–"/>
+              <a:defRPr sz="1400">
+                <a:solidFill>
+                  <a:schemeClr val="tx1"/>
+                </a:solidFill>
+                <a:latin typeface="+mn-lt"/>
+              </a:defRPr>
+            </a:lvl4pPr>
+            <a:lvl5pPr marL="2057400" indent="-228600" algn="l" rtl="0" eaLnBrk="0" fontAlgn="base" hangingPunct="0">
+              <a:spcBef>
+                <a:spcPct val="0"/>
+              </a:spcBef>
+              <a:spcAft>
+                <a:spcPct val="35000"/>
+              </a:spcAft>
+              <a:buClr>
+                <a:srgbClr val="BB0018"/>
+              </a:buClr>
+              <a:buChar char="»"/>
+              <a:defRPr sz="1400">
+                <a:solidFill>
+                  <a:schemeClr val="tx1"/>
+                </a:solidFill>
+                <a:latin typeface="+mn-lt"/>
+              </a:defRPr>
+            </a:lvl5pPr>
+            <a:lvl6pPr marL="2514600" indent="-228600" algn="l" rtl="0" eaLnBrk="1" fontAlgn="base" hangingPunct="1">
+              <a:spcBef>
+                <a:spcPct val="0"/>
+              </a:spcBef>
+              <a:spcAft>
+                <a:spcPct val="35000"/>
+              </a:spcAft>
+              <a:buClr>
+                <a:srgbClr val="BB0018"/>
+              </a:buClr>
+              <a:buChar char="»"/>
+              <a:defRPr sz="1400">
+                <a:solidFill>
+                  <a:schemeClr val="tx1"/>
+                </a:solidFill>
+                <a:latin typeface="+mn-lt"/>
+              </a:defRPr>
+            </a:lvl6pPr>
+            <a:lvl7pPr marL="2971800" indent="-228600" algn="l" rtl="0" eaLnBrk="1" fontAlgn="base" hangingPunct="1">
+              <a:spcBef>
+                <a:spcPct val="0"/>
+              </a:spcBef>
+              <a:spcAft>
+                <a:spcPct val="35000"/>
+              </a:spcAft>
+              <a:buClr>
+                <a:srgbClr val="BB0018"/>
+              </a:buClr>
+              <a:buChar char="»"/>
+              <a:defRPr sz="1400">
+                <a:solidFill>
+                  <a:schemeClr val="tx1"/>
+                </a:solidFill>
+                <a:latin typeface="+mn-lt"/>
+              </a:defRPr>
+            </a:lvl7pPr>
+            <a:lvl8pPr marL="3429000" indent="-228600" algn="l" rtl="0" eaLnBrk="1" fontAlgn="base" hangingPunct="1">
+              <a:spcBef>
+                <a:spcPct val="0"/>
+              </a:spcBef>
+              <a:spcAft>
+                <a:spcPct val="35000"/>
+              </a:spcAft>
+              <a:buClr>
+                <a:srgbClr val="BB0018"/>
+              </a:buClr>
+              <a:buChar char="»"/>
+              <a:defRPr sz="1400">
+                <a:solidFill>
+                  <a:schemeClr val="tx1"/>
+                </a:solidFill>
+                <a:latin typeface="+mn-lt"/>
+              </a:defRPr>
+            </a:lvl8pPr>
+            <a:lvl9pPr marL="3886200" indent="-228600" algn="l" rtl="0" eaLnBrk="1" fontAlgn="base" hangingPunct="1">
+              <a:spcBef>
+                <a:spcPct val="0"/>
+              </a:spcBef>
+              <a:spcAft>
+                <a:spcPct val="35000"/>
+              </a:spcAft>
+              <a:buClr>
+                <a:srgbClr val="BB0018"/>
+              </a:buClr>
+              <a:buChar char="»"/>
+              <a:defRPr sz="1400">
+                <a:solidFill>
+                  <a:schemeClr val="tx1"/>
+                </a:solidFill>
+                <a:latin typeface="+mn-lt"/>
+              </a:defRPr>
+            </a:lvl9pPr>
+          </a:lstStyle>
           <a:p>
             <a:pPr eaLnBrk="1" hangingPunct="1">
               <a:lnSpc>
@@ -15017,10 +17581,10 @@
               </a:tabLst>
             </a:pPr>
             <a:r>
-              <a:rPr lang="en-US" sz="1600" dirty="0" smtClean="0"/>
+              <a:rPr lang="en-US" sz="1600" smtClean="0"/>
               <a:t>WIT Utilities</a:t>
             </a:r>
-            <a:endParaRPr lang="en-US" sz="1400" dirty="0" smtClean="0"/>
+            <a:endParaRPr lang="en-US" sz="1400" smtClean="0"/>
           </a:p>
           <a:p>
             <a:pPr lvl="1" eaLnBrk="1" hangingPunct="1">
@@ -15058,18 +17622,13 @@
               </a:tabLst>
             </a:pPr>
             <a:r>
-              <a:rPr lang="en-US" sz="1600" dirty="0" err="1" smtClean="0">
+              <a:rPr lang="en-US" sz="1600" smtClean="0">
                 <a:solidFill>
                   <a:srgbClr val="3366FF"/>
                 </a:solidFill>
               </a:rPr>
               <a:t>crds.uses</a:t>
             </a:r>
-            <a:endParaRPr lang="en-US" sz="1600" dirty="0" smtClean="0">
-              <a:solidFill>
-                <a:srgbClr val="3366FF"/>
-              </a:solidFill>
-            </a:endParaRPr>
           </a:p>
           <a:p>
             <a:pPr lvl="2" eaLnBrk="1" hangingPunct="1">
@@ -15107,11 +17666,11 @@
               </a:tabLst>
             </a:pPr>
             <a:r>
-              <a:rPr lang="en-US" sz="1400" dirty="0" smtClean="0"/>
+              <a:rPr lang="en-US" sz="1400" smtClean="0"/>
               <a:t>Which </a:t>
             </a:r>
             <a:r>
-              <a:rPr lang="en-US" sz="1400" dirty="0" smtClean="0">
+              <a:rPr lang="en-US" sz="1400" smtClean="0">
                 <a:solidFill>
                   <a:srgbClr val="FF0909"/>
                 </a:solidFill>
@@ -15119,11 +17678,11 @@
               <a:t>data sets</a:t>
             </a:r>
             <a:r>
-              <a:rPr lang="en-US" sz="1400" dirty="0" smtClean="0"/>
+              <a:rPr lang="en-US" sz="1400" smtClean="0"/>
               <a:t> or </a:t>
             </a:r>
             <a:r>
-              <a:rPr lang="en-US" sz="1400" dirty="0" err="1" smtClean="0">
+              <a:rPr lang="en-US" sz="1400" smtClean="0">
                 <a:solidFill>
                   <a:srgbClr val="00FF00"/>
                 </a:solidFill>
@@ -15131,12 +17690,8 @@
               <a:t>rule</a:t>
             </a:r>
             <a:r>
-              <a:rPr lang="en-US" sz="1400" dirty="0" err="1" smtClean="0"/>
-              <a:t>use</a:t>
-            </a:r>
-            <a:r>
-              <a:rPr lang="en-US" sz="1400" dirty="0" smtClean="0"/>
-              <a:t> a given reference file</a:t>
+              <a:rPr lang="en-US" sz="1400" smtClean="0"/>
+              <a:t>use a given reference file</a:t>
             </a:r>
           </a:p>
           <a:p>
@@ -15175,28 +17730,12 @@
               </a:tabLst>
             </a:pPr>
             <a:r>
-              <a:rPr lang="en-US" sz="1600" dirty="0" smtClean="0">
+              <a:rPr lang="en-US" sz="1600" smtClean="0">
                 <a:solidFill>
                   <a:srgbClr val="3366FF"/>
                 </a:solidFill>
               </a:rPr>
-              <a:t>file </a:t>
-            </a:r>
-            <a:r>
-              <a:rPr lang="en-US" sz="1600" dirty="0">
-                <a:solidFill>
-                  <a:srgbClr val="3366FF"/>
-                </a:solidFill>
-              </a:rPr>
-              <a:t>r</a:t>
-            </a:r>
-            <a:r>
-              <a:rPr lang="en-US" sz="1600" dirty="0" smtClean="0">
-                <a:solidFill>
-                  <a:srgbClr val="3366FF"/>
-                </a:solidFill>
-              </a:rPr>
-              <a:t>ejection</a:t>
+              <a:t>file rejection</a:t>
             </a:r>
           </a:p>
           <a:p>
@@ -15235,7 +17774,7 @@
               </a:tabLst>
             </a:pPr>
             <a:r>
-              <a:rPr lang="en-US" sz="1400" dirty="0" smtClean="0"/>
+              <a:rPr lang="en-US" sz="1400" smtClean="0"/>
               <a:t>Mark reference file as bad,   web function.</a:t>
             </a:r>
           </a:p>
@@ -15275,26 +17814,13 @@
               </a:tabLst>
             </a:pPr>
             <a:r>
-              <a:rPr lang="en-US" sz="1600" dirty="0" err="1">
+              <a:rPr lang="en-US" sz="1600" smtClean="0">
                 <a:solidFill>
                   <a:srgbClr val="3366FF"/>
                 </a:solidFill>
               </a:rPr>
-              <a:t>c</a:t>
-            </a:r>
-            <a:r>
-              <a:rPr lang="en-US" sz="1600" dirty="0" err="1" smtClean="0">
-                <a:solidFill>
-                  <a:srgbClr val="3366FF"/>
-                </a:solidFill>
-              </a:rPr>
-              <a:t>rds.matches</a:t>
-            </a:r>
-            <a:endParaRPr lang="en-US" sz="1600" dirty="0" smtClean="0">
-              <a:solidFill>
-                <a:srgbClr val="3366FF"/>
-              </a:solidFill>
-            </a:endParaRPr>
+              <a:t>crds.matches</a:t>
+            </a:r>
           </a:p>
           <a:p>
             <a:pPr lvl="2" eaLnBrk="1" hangingPunct="1">
@@ -15332,7 +17858,7 @@
               </a:tabLst>
             </a:pPr>
             <a:r>
-              <a:rPr lang="en-US" sz="1400" dirty="0" smtClean="0"/>
+              <a:rPr lang="en-US" sz="1400" smtClean="0"/>
               <a:t>Show what selection criteria match a given reference file</a:t>
             </a:r>
           </a:p>
@@ -15372,12 +17898,8 @@
               </a:tabLst>
             </a:pPr>
             <a:r>
-              <a:rPr lang="en-US" sz="1600" dirty="0"/>
-              <a:t>c</a:t>
-            </a:r>
-            <a:r>
-              <a:rPr lang="en-US" sz="1600" dirty="0" smtClean="0"/>
-              <a:t>overage</a:t>
+              <a:rPr lang="en-US" sz="1600" smtClean="0"/>
+              <a:t>coverage</a:t>
             </a:r>
           </a:p>
           <a:p>
@@ -15416,14 +17938,9 @@
               </a:tabLst>
             </a:pPr>
             <a:r>
-              <a:rPr lang="en-US" sz="1400" dirty="0" smtClean="0"/>
-              <a:t>Show if an rmap update doesn’t cover the same cases as the previous rmap, or changes the set of selection criteria.  Related to </a:t>
-            </a:r>
-            <a:r>
-              <a:rPr lang="en-US" sz="1400" dirty="0" err="1" smtClean="0"/>
-              <a:t>crds.diff</a:t>
-            </a:r>
-            <a:endParaRPr lang="en-US" sz="1400" dirty="0" smtClean="0"/>
+              <a:rPr lang="en-US" sz="1400" smtClean="0"/>
+              <a:t>Show if an rmap update doesn’t cover the same cases as the previous rmap, or changes the set of selection criteria.  Related to crds.diff</a:t>
+            </a:r>
           </a:p>
           <a:p>
             <a:pPr lvl="1" eaLnBrk="1" hangingPunct="1">
@@ -15461,14 +17978,9 @@
               </a:tabLst>
             </a:pPr>
             <a:r>
-              <a:rPr lang="en-US" sz="1600" dirty="0" err="1"/>
-              <a:t>c</a:t>
-            </a:r>
-            <a:r>
-              <a:rPr lang="en-US" sz="1600" dirty="0" err="1" smtClean="0"/>
-              <a:t>rds.info</a:t>
-            </a:r>
-            <a:endParaRPr lang="en-US" sz="1600" dirty="0" smtClean="0"/>
+              <a:rPr lang="en-US" sz="1600" smtClean="0"/>
+              <a:t>crds.info</a:t>
+            </a:r>
           </a:p>
           <a:p>
             <a:pPr lvl="2" eaLnBrk="1" hangingPunct="1">
@@ -15506,10 +18018,10 @@
               </a:tabLst>
             </a:pPr>
             <a:r>
-              <a:rPr lang="en-US" sz="1400" dirty="0" smtClean="0"/>
+              <a:rPr lang="en-US" sz="1400" smtClean="0"/>
               <a:t>Show current operational configuration</a:t>
             </a:r>
-            <a:endParaRPr lang="en-US" sz="1600" dirty="0" smtClean="0"/>
+            <a:endParaRPr lang="en-US" smtClean="0"/>
           </a:p>
           <a:p>
             <a:pPr lvl="1" eaLnBrk="1" hangingPunct="1">
@@ -15547,26 +18059,13 @@
               </a:tabLst>
             </a:pPr>
             <a:r>
-              <a:rPr lang="en-US" sz="1600" dirty="0" err="1">
+              <a:rPr lang="en-US" sz="1600" smtClean="0">
                 <a:solidFill>
                   <a:srgbClr val="3366FF"/>
                 </a:solidFill>
               </a:rPr>
-              <a:t>c</a:t>
-            </a:r>
-            <a:r>
-              <a:rPr lang="en-US" sz="1600" dirty="0" err="1" smtClean="0">
-                <a:solidFill>
-                  <a:srgbClr val="3366FF"/>
-                </a:solidFill>
-              </a:rPr>
-              <a:t>rds.certify</a:t>
-            </a:r>
-            <a:endParaRPr lang="en-US" sz="1600" dirty="0">
-              <a:solidFill>
-                <a:srgbClr val="3366FF"/>
-              </a:solidFill>
-            </a:endParaRPr>
+              <a:t>crds.certify</a:t>
+            </a:r>
           </a:p>
           <a:p>
             <a:pPr lvl="2" eaLnBrk="1" hangingPunct="1">
@@ -15604,7 +18103,7 @@
               </a:tabLst>
             </a:pPr>
             <a:r>
-              <a:rPr lang="en-US" sz="1400" dirty="0" smtClean="0"/>
+              <a:rPr lang="en-US" sz="1400" smtClean="0"/>
               <a:t>More sophisticated reference file comparison tool</a:t>
             </a:r>
           </a:p>
@@ -15644,147 +18143,23 @@
               </a:tabLst>
             </a:pPr>
             <a:r>
-              <a:rPr lang="en-US" sz="1400" dirty="0" smtClean="0"/>
+              <a:rPr lang="en-US" sz="1400" smtClean="0"/>
               <a:t>E.g., capable of detecting insertions or deletions of rows in tables between two versions</a:t>
             </a:r>
-          </a:p>
-        </p:txBody>
-      </p:sp>
-      <p:sp>
-        <p:nvSpPr>
-          <p:cNvPr id="21509" name="Rectangle 1"/>
-          <p:cNvSpPr>
-            <a:spLocks noChangeArrowheads="1"/>
-          </p:cNvSpPr>
-          <p:nvPr/>
-        </p:nvSpPr>
-        <p:spPr bwMode="auto">
-          <a:xfrm>
-            <a:off x="914400" y="152400"/>
-            <a:ext cx="6934200" cy="406400"/>
-          </a:xfrm>
-          <a:prstGeom prst="rect">
-            <a:avLst/>
-          </a:prstGeom>
-          <a:noFill/>
-          <a:ln w="9525">
-            <a:noFill/>
-            <a:round/>
-            <a:headEnd/>
-            <a:tailEnd/>
-          </a:ln>
-        </p:spPr>
-        <p:txBody>
-          <a:bodyPr lIns="90000" tIns="46800" rIns="90000" bIns="46800" anchor="ctr"/>
-          <a:lstStyle/>
-          <a:p>
-            <a:pPr algn="ctr">
-              <a:tabLst>
-                <a:tab pos="0" algn="l"/>
-                <a:tab pos="457200" algn="l"/>
-                <a:tab pos="914400" algn="l"/>
-                <a:tab pos="1371600" algn="l"/>
-                <a:tab pos="1828800" algn="l"/>
-                <a:tab pos="2286000" algn="l"/>
-                <a:tab pos="2743200" algn="l"/>
-                <a:tab pos="3200400" algn="l"/>
-                <a:tab pos="3657600" algn="l"/>
-                <a:tab pos="4114800" algn="l"/>
-                <a:tab pos="4572000" algn="l"/>
-                <a:tab pos="5029200" algn="l"/>
-                <a:tab pos="5486400" algn="l"/>
-                <a:tab pos="5943600" algn="l"/>
-                <a:tab pos="6400800" algn="l"/>
-                <a:tab pos="6858000" algn="l"/>
-                <a:tab pos="7315200" algn="l"/>
-                <a:tab pos="7772400" algn="l"/>
-                <a:tab pos="8229600" algn="l"/>
-                <a:tab pos="8686800" algn="l"/>
-                <a:tab pos="9144000" algn="l"/>
-              </a:tabLst>
-            </a:pPr>
-            <a:endParaRPr lang="en-US" sz="2800" b="1" dirty="0">
-              <a:solidFill>
-                <a:srgbClr val="BB0018"/>
-              </a:solidFill>
-              <a:latin typeface="Arial" charset="0"/>
-            </a:endParaRPr>
-          </a:p>
-        </p:txBody>
-      </p:sp>
-      <p:sp>
-        <p:nvSpPr>
-          <p:cNvPr id="2" name="Title 1"/>
-          <p:cNvSpPr>
-            <a:spLocks noGrp="1"/>
-          </p:cNvSpPr>
-          <p:nvPr>
-            <p:ph type="title"/>
-          </p:nvPr>
-        </p:nvSpPr>
-        <p:spPr/>
-        <p:txBody>
-          <a:bodyPr/>
-          <a:lstStyle/>
-          <a:p>
-            <a:r>
-              <a:rPr lang="en-US" dirty="0" smtClean="0"/>
-              <a:t>Utilities Design</a:t>
-            </a:r>
-            <a:r>
-              <a:rPr lang="en-US" baseline="0" dirty="0" smtClean="0"/>
-              <a:t> (</a:t>
-            </a:r>
-            <a:r>
-              <a:rPr lang="en-US" baseline="0" dirty="0" err="1" smtClean="0"/>
-              <a:t>cont</a:t>
-            </a:r>
-            <a:r>
-              <a:rPr lang="en-US" baseline="0" dirty="0" smtClean="0"/>
-              <a:t> 2)</a:t>
-            </a:r>
-            <a:endParaRPr lang="en-US" dirty="0"/>
+            <a:endParaRPr lang="en-US" sz="1400" dirty="0" smtClean="0"/>
           </a:p>
         </p:txBody>
       </p:sp>
     </p:spTree>
     <p:extLst>
       <p:ext uri="{BB962C8B-B14F-4D97-AF65-F5344CB8AC3E}">
-        <p14:creationId xmlns:p14="http://schemas.microsoft.com/office/powerpoint/2010/main" val="2441549805"/>
+        <p14:creationId xmlns:p14="http://schemas.microsoft.com/office/powerpoint/2010/main" val="817177358"/>
       </p:ext>
     </p:extLst>
   </p:cSld>
   <p:clrMapOvr>
     <a:masterClrMapping/>
   </p:clrMapOvr>
-  <p:transition xmlns:p14="http://schemas.microsoft.com/office/powerpoint/2010/main" spd="med"/>
-  <p:timing>
-    <p:tnLst>
-      <p:par>
-        <p:cTn xmlns:p14="http://schemas.microsoft.com/office/powerpoint/2010/main" id="1" dur="indefinite" restart="never" nodeType="tmRoot">
-          <p:childTnLst>
-            <p:seq concurrent="1" nextAc="seek">
-              <p:cTn id="2" dur="indefinite" nodeType="mainSeq"/>
-              <p:prevCondLst>
-                <p:cond evt="onPrev" delay="0">
-                  <p:tgtEl>
-                    <p:sldTgt/>
-                  </p:tgtEl>
-                </p:cond>
-              </p:prevCondLst>
-              <p:nextCondLst>
-                <p:cond evt="onNext" delay="0">
-                  <p:tgtEl>
-                    <p:sldTgt/>
-                  </p:tgtEl>
-                </p:cond>
-              </p:nextCondLst>
-            </p:seq>
-          </p:childTnLst>
-        </p:cTn>
-      </p:par>
-    </p:tnLst>
-  </p:timing>
 </p:sld>
 </file>
 
@@ -15893,6 +18268,101 @@
               <a:t>Technologies, Progress, Schedule</a:t>
             </a:r>
             <a:endParaRPr lang="en-US" sz="3200" dirty="0"/>
+          </a:p>
+        </p:txBody>
+      </p:sp>
+      <p:sp>
+        <p:nvSpPr>
+          <p:cNvPr id="3" name="Footer Placeholder 2"/>
+          <p:cNvSpPr>
+            <a:spLocks noGrp="1"/>
+          </p:cNvSpPr>
+          <p:nvPr>
+            <p:ph type="ftr" sz="quarter" idx="11"/>
+          </p:nvPr>
+        </p:nvSpPr>
+        <p:spPr/>
+        <p:txBody>
+          <a:bodyPr/>
+          <a:lstStyle/>
+          <a:p>
+            <a:pPr>
+              <a:defRPr/>
+            </a:pPr>
+            <a:r>
+              <a:rPr lang="en-US" smtClean="0"/>
+              <a:t>S&amp;OC DMS System Design Review</a:t>
+            </a:r>
+            <a:endParaRPr lang="en-US" dirty="0"/>
+          </a:p>
+        </p:txBody>
+      </p:sp>
+      <p:sp>
+        <p:nvSpPr>
+          <p:cNvPr id="5" name="Date Placeholder 4"/>
+          <p:cNvSpPr>
+            <a:spLocks noGrp="1"/>
+          </p:cNvSpPr>
+          <p:nvPr>
+            <p:ph type="dt" sz="half" idx="10"/>
+          </p:nvPr>
+        </p:nvSpPr>
+        <p:spPr/>
+        <p:txBody>
+          <a:bodyPr/>
+          <a:lstStyle/>
+          <a:p>
+            <a:pPr>
+              <a:defRPr/>
+            </a:pPr>
+            <a:r>
+              <a:rPr lang="en-US" dirty="0" smtClean="0"/>
+              <a:t>Dec 7-8</a:t>
+            </a:r>
+            <a:r>
+              <a:rPr lang="en-US" smtClean="0"/>
+              <a:t>, 2012</a:t>
+            </a:r>
+            <a:endParaRPr lang="en-US" dirty="0"/>
+          </a:p>
+        </p:txBody>
+      </p:sp>
+      <p:sp>
+        <p:nvSpPr>
+          <p:cNvPr id="6" name="Slide Number Placeholder 5"/>
+          <p:cNvSpPr>
+            <a:spLocks noGrp="1"/>
+          </p:cNvSpPr>
+          <p:nvPr>
+            <p:ph type="sldNum" sz="quarter" idx="12"/>
+          </p:nvPr>
+        </p:nvSpPr>
+        <p:spPr/>
+        <p:txBody>
+          <a:bodyPr/>
+          <a:lstStyle/>
+          <a:p>
+            <a:pPr>
+              <a:defRPr/>
+            </a:pPr>
+            <a:r>
+              <a:rPr lang="en-US" smtClean="0"/>
+              <a:t>9-</a:t>
+            </a:r>
+            <a:fld id="{A739F50A-8F88-4892-87E1-8D1D3A543FFC}" type="slidenum">
+              <a:rPr lang="en-US" smtClean="0"/>
+              <a:pPr>
+                <a:defRPr/>
+              </a:pPr>
+              <a:t>39</a:t>
+            </a:fld>
+            <a:endParaRPr lang="en-US" smtClean="0"/>
+          </a:p>
+          <a:p>
+            <a:pPr>
+              <a:defRPr/>
+            </a:pPr>
+            <a:endParaRPr lang="en-US" dirty="0"/>
           </a:p>
         </p:txBody>
       </p:sp>
@@ -16075,6 +18545,97 @@
           </a:p>
         </p:txBody>
       </p:sp>
+      <p:sp>
+        <p:nvSpPr>
+          <p:cNvPr id="3" name="Footer Placeholder 2"/>
+          <p:cNvSpPr>
+            <a:spLocks noGrp="1"/>
+          </p:cNvSpPr>
+          <p:nvPr>
+            <p:ph type="ftr" sz="quarter" idx="11"/>
+          </p:nvPr>
+        </p:nvSpPr>
+        <p:spPr/>
+        <p:txBody>
+          <a:bodyPr/>
+          <a:lstStyle/>
+          <a:p>
+            <a:pPr>
+              <a:defRPr/>
+            </a:pPr>
+            <a:r>
+              <a:rPr lang="en-US" smtClean="0"/>
+              <a:t>S&amp;OC DMS System Design Review</a:t>
+            </a:r>
+            <a:endParaRPr lang="en-US" dirty="0"/>
+          </a:p>
+        </p:txBody>
+      </p:sp>
+      <p:sp>
+        <p:nvSpPr>
+          <p:cNvPr id="5" name="Date Placeholder 4"/>
+          <p:cNvSpPr>
+            <a:spLocks noGrp="1"/>
+          </p:cNvSpPr>
+          <p:nvPr>
+            <p:ph type="dt" sz="half" idx="10"/>
+          </p:nvPr>
+        </p:nvSpPr>
+        <p:spPr/>
+        <p:txBody>
+          <a:bodyPr/>
+          <a:lstStyle/>
+          <a:p>
+            <a:pPr>
+              <a:defRPr/>
+            </a:pPr>
+            <a:r>
+              <a:rPr lang="en-US" smtClean="0"/>
+              <a:t>Dec 7-8, 2012</a:t>
+            </a:r>
+            <a:endParaRPr lang="en-US" dirty="0"/>
+          </a:p>
+        </p:txBody>
+      </p:sp>
+      <p:sp>
+        <p:nvSpPr>
+          <p:cNvPr id="6" name="Slide Number Placeholder 5"/>
+          <p:cNvSpPr>
+            <a:spLocks noGrp="1"/>
+          </p:cNvSpPr>
+          <p:nvPr>
+            <p:ph type="sldNum" sz="quarter" idx="12"/>
+          </p:nvPr>
+        </p:nvSpPr>
+        <p:spPr/>
+        <p:txBody>
+          <a:bodyPr/>
+          <a:lstStyle/>
+          <a:p>
+            <a:pPr>
+              <a:defRPr/>
+            </a:pPr>
+            <a:r>
+              <a:rPr lang="en-US" smtClean="0"/>
+              <a:t>9-</a:t>
+            </a:r>
+            <a:fld id="{A739F50A-8F88-4892-87E1-8D1D3A543FFC}" type="slidenum">
+              <a:rPr lang="en-US" smtClean="0"/>
+              <a:pPr>
+                <a:defRPr/>
+              </a:pPr>
+              <a:t>40</a:t>
+            </a:fld>
+            <a:endParaRPr lang="en-US" smtClean="0"/>
+          </a:p>
+          <a:p>
+            <a:pPr>
+              <a:defRPr/>
+            </a:pPr>
+            <a:endParaRPr lang="en-US" dirty="0"/>
+          </a:p>
+        </p:txBody>
+      </p:sp>
     </p:spTree>
     <p:extLst>
       <p:ext uri="{BB962C8B-B14F-4D97-AF65-F5344CB8AC3E}">
@@ -16342,6 +18903,97 @@
           </a:p>
         </p:txBody>
       </p:sp>
+      <p:sp>
+        <p:nvSpPr>
+          <p:cNvPr id="4" name="Footer Placeholder 3"/>
+          <p:cNvSpPr>
+            <a:spLocks noGrp="1"/>
+          </p:cNvSpPr>
+          <p:nvPr>
+            <p:ph type="ftr" sz="quarter" idx="11"/>
+          </p:nvPr>
+        </p:nvSpPr>
+        <p:spPr/>
+        <p:txBody>
+          <a:bodyPr/>
+          <a:lstStyle/>
+          <a:p>
+            <a:pPr>
+              <a:defRPr/>
+            </a:pPr>
+            <a:r>
+              <a:rPr lang="en-US" smtClean="0"/>
+              <a:t>S&amp;OC DMS System Design Review</a:t>
+            </a:r>
+            <a:endParaRPr lang="en-US" dirty="0"/>
+          </a:p>
+        </p:txBody>
+      </p:sp>
+      <p:sp>
+        <p:nvSpPr>
+          <p:cNvPr id="5" name="Date Placeholder 4"/>
+          <p:cNvSpPr>
+            <a:spLocks noGrp="1"/>
+          </p:cNvSpPr>
+          <p:nvPr>
+            <p:ph type="dt" sz="half" idx="10"/>
+          </p:nvPr>
+        </p:nvSpPr>
+        <p:spPr/>
+        <p:txBody>
+          <a:bodyPr/>
+          <a:lstStyle/>
+          <a:p>
+            <a:pPr>
+              <a:defRPr/>
+            </a:pPr>
+            <a:r>
+              <a:rPr lang="en-US" smtClean="0"/>
+              <a:t>Dec 7-8, 2012</a:t>
+            </a:r>
+            <a:endParaRPr lang="en-US" dirty="0"/>
+          </a:p>
+        </p:txBody>
+      </p:sp>
+      <p:sp>
+        <p:nvSpPr>
+          <p:cNvPr id="6" name="Slide Number Placeholder 5"/>
+          <p:cNvSpPr>
+            <a:spLocks noGrp="1"/>
+          </p:cNvSpPr>
+          <p:nvPr>
+            <p:ph type="sldNum" sz="quarter" idx="12"/>
+          </p:nvPr>
+        </p:nvSpPr>
+        <p:spPr/>
+        <p:txBody>
+          <a:bodyPr/>
+          <a:lstStyle/>
+          <a:p>
+            <a:pPr>
+              <a:defRPr/>
+            </a:pPr>
+            <a:r>
+              <a:rPr lang="en-US" smtClean="0"/>
+              <a:t>9-</a:t>
+            </a:r>
+            <a:fld id="{A739F50A-8F88-4892-87E1-8D1D3A543FFC}" type="slidenum">
+              <a:rPr lang="en-US" smtClean="0"/>
+              <a:pPr>
+                <a:defRPr/>
+              </a:pPr>
+              <a:t>5</a:t>
+            </a:fld>
+            <a:endParaRPr lang="en-US" smtClean="0"/>
+          </a:p>
+          <a:p>
+            <a:pPr>
+              <a:defRPr/>
+            </a:pPr>
+            <a:endParaRPr lang="en-US" dirty="0"/>
+          </a:p>
+        </p:txBody>
+      </p:sp>
     </p:spTree>
     <p:extLst>
       <p:ext uri="{BB962C8B-B14F-4D97-AF65-F5344CB8AC3E}">
@@ -16536,6 +19188,97 @@
           </a:p>
         </p:txBody>
       </p:sp>
+      <p:sp>
+        <p:nvSpPr>
+          <p:cNvPr id="4" name="Footer Placeholder 3"/>
+          <p:cNvSpPr>
+            <a:spLocks noGrp="1"/>
+          </p:cNvSpPr>
+          <p:nvPr>
+            <p:ph type="ftr" sz="quarter" idx="11"/>
+          </p:nvPr>
+        </p:nvSpPr>
+        <p:spPr/>
+        <p:txBody>
+          <a:bodyPr/>
+          <a:lstStyle/>
+          <a:p>
+            <a:pPr>
+              <a:defRPr/>
+            </a:pPr>
+            <a:r>
+              <a:rPr lang="en-US" smtClean="0"/>
+              <a:t>S&amp;OC DMS System Design Review</a:t>
+            </a:r>
+            <a:endParaRPr lang="en-US" dirty="0"/>
+          </a:p>
+        </p:txBody>
+      </p:sp>
+      <p:sp>
+        <p:nvSpPr>
+          <p:cNvPr id="5" name="Date Placeholder 4"/>
+          <p:cNvSpPr>
+            <a:spLocks noGrp="1"/>
+          </p:cNvSpPr>
+          <p:nvPr>
+            <p:ph type="dt" sz="half" idx="10"/>
+          </p:nvPr>
+        </p:nvSpPr>
+        <p:spPr/>
+        <p:txBody>
+          <a:bodyPr/>
+          <a:lstStyle/>
+          <a:p>
+            <a:pPr>
+              <a:defRPr/>
+            </a:pPr>
+            <a:r>
+              <a:rPr lang="en-US" smtClean="0"/>
+              <a:t>Dec 7-8, 2012</a:t>
+            </a:r>
+            <a:endParaRPr lang="en-US" dirty="0"/>
+          </a:p>
+        </p:txBody>
+      </p:sp>
+      <p:sp>
+        <p:nvSpPr>
+          <p:cNvPr id="6" name="Slide Number Placeholder 5"/>
+          <p:cNvSpPr>
+            <a:spLocks noGrp="1"/>
+          </p:cNvSpPr>
+          <p:nvPr>
+            <p:ph type="sldNum" sz="quarter" idx="12"/>
+          </p:nvPr>
+        </p:nvSpPr>
+        <p:spPr/>
+        <p:txBody>
+          <a:bodyPr/>
+          <a:lstStyle/>
+          <a:p>
+            <a:pPr>
+              <a:defRPr/>
+            </a:pPr>
+            <a:r>
+              <a:rPr lang="en-US" smtClean="0"/>
+              <a:t>9-</a:t>
+            </a:r>
+            <a:fld id="{A739F50A-8F88-4892-87E1-8D1D3A543FFC}" type="slidenum">
+              <a:rPr lang="en-US" smtClean="0"/>
+              <a:pPr>
+                <a:defRPr/>
+              </a:pPr>
+              <a:t>41</a:t>
+            </a:fld>
+            <a:endParaRPr lang="en-US" smtClean="0"/>
+          </a:p>
+          <a:p>
+            <a:pPr>
+              <a:defRPr/>
+            </a:pPr>
+            <a:endParaRPr lang="en-US" dirty="0"/>
+          </a:p>
+        </p:txBody>
+      </p:sp>
     </p:spTree>
     <p:extLst>
       <p:ext uri="{BB962C8B-B14F-4D97-AF65-F5344CB8AC3E}">
@@ -16934,6 +19677,97 @@
           </a:p>
         </p:txBody>
       </p:sp>
+      <p:sp>
+        <p:nvSpPr>
+          <p:cNvPr id="4" name="Footer Placeholder 3"/>
+          <p:cNvSpPr>
+            <a:spLocks noGrp="1"/>
+          </p:cNvSpPr>
+          <p:nvPr>
+            <p:ph type="ftr" sz="quarter" idx="11"/>
+          </p:nvPr>
+        </p:nvSpPr>
+        <p:spPr/>
+        <p:txBody>
+          <a:bodyPr/>
+          <a:lstStyle/>
+          <a:p>
+            <a:pPr>
+              <a:defRPr/>
+            </a:pPr>
+            <a:r>
+              <a:rPr lang="en-US" smtClean="0"/>
+              <a:t>S&amp;OC DMS System Design Review</a:t>
+            </a:r>
+            <a:endParaRPr lang="en-US" dirty="0"/>
+          </a:p>
+        </p:txBody>
+      </p:sp>
+      <p:sp>
+        <p:nvSpPr>
+          <p:cNvPr id="5" name="Date Placeholder 4"/>
+          <p:cNvSpPr>
+            <a:spLocks noGrp="1"/>
+          </p:cNvSpPr>
+          <p:nvPr>
+            <p:ph type="dt" sz="half" idx="10"/>
+          </p:nvPr>
+        </p:nvSpPr>
+        <p:spPr/>
+        <p:txBody>
+          <a:bodyPr/>
+          <a:lstStyle/>
+          <a:p>
+            <a:pPr>
+              <a:defRPr/>
+            </a:pPr>
+            <a:r>
+              <a:rPr lang="en-US" smtClean="0"/>
+              <a:t>Dec 7-8, 2012</a:t>
+            </a:r>
+            <a:endParaRPr lang="en-US" dirty="0"/>
+          </a:p>
+        </p:txBody>
+      </p:sp>
+      <p:sp>
+        <p:nvSpPr>
+          <p:cNvPr id="6" name="Slide Number Placeholder 5"/>
+          <p:cNvSpPr>
+            <a:spLocks noGrp="1"/>
+          </p:cNvSpPr>
+          <p:nvPr>
+            <p:ph type="sldNum" sz="quarter" idx="12"/>
+          </p:nvPr>
+        </p:nvSpPr>
+        <p:spPr/>
+        <p:txBody>
+          <a:bodyPr/>
+          <a:lstStyle/>
+          <a:p>
+            <a:pPr>
+              <a:defRPr/>
+            </a:pPr>
+            <a:r>
+              <a:rPr lang="en-US" smtClean="0"/>
+              <a:t>9-</a:t>
+            </a:r>
+            <a:fld id="{A739F50A-8F88-4892-87E1-8D1D3A543FFC}" type="slidenum">
+              <a:rPr lang="en-US" smtClean="0"/>
+              <a:pPr>
+                <a:defRPr/>
+              </a:pPr>
+              <a:t>42</a:t>
+            </a:fld>
+            <a:endParaRPr lang="en-US" smtClean="0"/>
+          </a:p>
+          <a:p>
+            <a:pPr>
+              <a:defRPr/>
+            </a:pPr>
+            <a:endParaRPr lang="en-US" dirty="0"/>
+          </a:p>
+        </p:txBody>
+      </p:sp>
     </p:spTree>
     <p:extLst>
       <p:ext uri="{BB962C8B-B14F-4D97-AF65-F5344CB8AC3E}">
@@ -17448,6 +20282,97 @@
           </a:p>
         </p:txBody>
       </p:sp>
+      <p:sp>
+        <p:nvSpPr>
+          <p:cNvPr id="4" name="Footer Placeholder 3"/>
+          <p:cNvSpPr>
+            <a:spLocks noGrp="1"/>
+          </p:cNvSpPr>
+          <p:nvPr>
+            <p:ph type="ftr" sz="quarter" idx="11"/>
+          </p:nvPr>
+        </p:nvSpPr>
+        <p:spPr/>
+        <p:txBody>
+          <a:bodyPr/>
+          <a:lstStyle/>
+          <a:p>
+            <a:pPr>
+              <a:defRPr/>
+            </a:pPr>
+            <a:r>
+              <a:rPr lang="en-US" smtClean="0"/>
+              <a:t>S&amp;OC DMS System Design Review</a:t>
+            </a:r>
+            <a:endParaRPr lang="en-US" dirty="0"/>
+          </a:p>
+        </p:txBody>
+      </p:sp>
+      <p:sp>
+        <p:nvSpPr>
+          <p:cNvPr id="5" name="Date Placeholder 4"/>
+          <p:cNvSpPr>
+            <a:spLocks noGrp="1"/>
+          </p:cNvSpPr>
+          <p:nvPr>
+            <p:ph type="dt" sz="half" idx="10"/>
+          </p:nvPr>
+        </p:nvSpPr>
+        <p:spPr/>
+        <p:txBody>
+          <a:bodyPr/>
+          <a:lstStyle/>
+          <a:p>
+            <a:pPr>
+              <a:defRPr/>
+            </a:pPr>
+            <a:r>
+              <a:rPr lang="en-US" smtClean="0"/>
+              <a:t>Dec 7-8, 2012</a:t>
+            </a:r>
+            <a:endParaRPr lang="en-US" dirty="0"/>
+          </a:p>
+        </p:txBody>
+      </p:sp>
+      <p:sp>
+        <p:nvSpPr>
+          <p:cNvPr id="6" name="Slide Number Placeholder 5"/>
+          <p:cNvSpPr>
+            <a:spLocks noGrp="1"/>
+          </p:cNvSpPr>
+          <p:nvPr>
+            <p:ph type="sldNum" sz="quarter" idx="12"/>
+          </p:nvPr>
+        </p:nvSpPr>
+        <p:spPr/>
+        <p:txBody>
+          <a:bodyPr/>
+          <a:lstStyle/>
+          <a:p>
+            <a:pPr>
+              <a:defRPr/>
+            </a:pPr>
+            <a:r>
+              <a:rPr lang="en-US" smtClean="0"/>
+              <a:t>9-</a:t>
+            </a:r>
+            <a:fld id="{A739F50A-8F88-4892-87E1-8D1D3A543FFC}" type="slidenum">
+              <a:rPr lang="en-US" smtClean="0"/>
+              <a:pPr>
+                <a:defRPr/>
+              </a:pPr>
+              <a:t>43</a:t>
+            </a:fld>
+            <a:endParaRPr lang="en-US" smtClean="0"/>
+          </a:p>
+          <a:p>
+            <a:pPr>
+              <a:defRPr/>
+            </a:pPr>
+            <a:endParaRPr lang="en-US" dirty="0"/>
+          </a:p>
+        </p:txBody>
+      </p:sp>
     </p:spTree>
     <p:extLst>
       <p:ext uri="{BB962C8B-B14F-4D97-AF65-F5344CB8AC3E}">
@@ -17676,6 +20601,97 @@
           <a:p>
             <a:pPr marL="457200" lvl="1" indent="0">
               <a:buNone/>
+            </a:pPr>
+            <a:endParaRPr lang="en-US" dirty="0"/>
+          </a:p>
+        </p:txBody>
+      </p:sp>
+      <p:sp>
+        <p:nvSpPr>
+          <p:cNvPr id="4" name="Footer Placeholder 3"/>
+          <p:cNvSpPr>
+            <a:spLocks noGrp="1"/>
+          </p:cNvSpPr>
+          <p:nvPr>
+            <p:ph type="ftr" sz="quarter" idx="11"/>
+          </p:nvPr>
+        </p:nvSpPr>
+        <p:spPr/>
+        <p:txBody>
+          <a:bodyPr/>
+          <a:lstStyle/>
+          <a:p>
+            <a:pPr>
+              <a:defRPr/>
+            </a:pPr>
+            <a:r>
+              <a:rPr lang="en-US" smtClean="0"/>
+              <a:t>S&amp;OC DMS System Design Review</a:t>
+            </a:r>
+            <a:endParaRPr lang="en-US" dirty="0"/>
+          </a:p>
+        </p:txBody>
+      </p:sp>
+      <p:sp>
+        <p:nvSpPr>
+          <p:cNvPr id="5" name="Date Placeholder 4"/>
+          <p:cNvSpPr>
+            <a:spLocks noGrp="1"/>
+          </p:cNvSpPr>
+          <p:nvPr>
+            <p:ph type="dt" sz="half" idx="10"/>
+          </p:nvPr>
+        </p:nvSpPr>
+        <p:spPr/>
+        <p:txBody>
+          <a:bodyPr/>
+          <a:lstStyle/>
+          <a:p>
+            <a:pPr>
+              <a:defRPr/>
+            </a:pPr>
+            <a:r>
+              <a:rPr lang="en-US" smtClean="0"/>
+              <a:t>Dec 7-8, 2012</a:t>
+            </a:r>
+            <a:endParaRPr lang="en-US" dirty="0"/>
+          </a:p>
+        </p:txBody>
+      </p:sp>
+      <p:sp>
+        <p:nvSpPr>
+          <p:cNvPr id="6" name="Slide Number Placeholder 5"/>
+          <p:cNvSpPr>
+            <a:spLocks noGrp="1"/>
+          </p:cNvSpPr>
+          <p:nvPr>
+            <p:ph type="sldNum" sz="quarter" idx="12"/>
+          </p:nvPr>
+        </p:nvSpPr>
+        <p:spPr/>
+        <p:txBody>
+          <a:bodyPr/>
+          <a:lstStyle/>
+          <a:p>
+            <a:pPr>
+              <a:defRPr/>
+            </a:pPr>
+            <a:r>
+              <a:rPr lang="en-US" smtClean="0"/>
+              <a:t>9-</a:t>
+            </a:r>
+            <a:fld id="{A739F50A-8F88-4892-87E1-8D1D3A543FFC}" type="slidenum">
+              <a:rPr lang="en-US" smtClean="0"/>
+              <a:pPr>
+                <a:defRPr/>
+              </a:pPr>
+              <a:t>6</a:t>
+            </a:fld>
+            <a:endParaRPr lang="en-US" smtClean="0"/>
+          </a:p>
+          <a:p>
+            <a:pPr>
+              <a:defRPr/>
             </a:pPr>
             <a:endParaRPr lang="en-US" dirty="0"/>
           </a:p>
@@ -20632,6 +23648,97 @@
           </a:p>
         </p:txBody>
       </p:sp>
+      <p:sp>
+        <p:nvSpPr>
+          <p:cNvPr id="8" name="Footer Placeholder 7"/>
+          <p:cNvSpPr>
+            <a:spLocks noGrp="1"/>
+          </p:cNvSpPr>
+          <p:nvPr>
+            <p:ph type="ftr" sz="quarter" idx="11"/>
+          </p:nvPr>
+        </p:nvSpPr>
+        <p:spPr/>
+        <p:txBody>
+          <a:bodyPr/>
+          <a:lstStyle/>
+          <a:p>
+            <a:pPr>
+              <a:defRPr/>
+            </a:pPr>
+            <a:r>
+              <a:rPr lang="en-US" smtClean="0"/>
+              <a:t>S&amp;OC DMS System Design Review</a:t>
+            </a:r>
+            <a:endParaRPr lang="en-US" dirty="0"/>
+          </a:p>
+        </p:txBody>
+      </p:sp>
+      <p:sp>
+        <p:nvSpPr>
+          <p:cNvPr id="9" name="Date Placeholder 8"/>
+          <p:cNvSpPr>
+            <a:spLocks noGrp="1"/>
+          </p:cNvSpPr>
+          <p:nvPr>
+            <p:ph type="dt" sz="half" idx="10"/>
+          </p:nvPr>
+        </p:nvSpPr>
+        <p:spPr/>
+        <p:txBody>
+          <a:bodyPr/>
+          <a:lstStyle/>
+          <a:p>
+            <a:pPr>
+              <a:defRPr/>
+            </a:pPr>
+            <a:r>
+              <a:rPr lang="en-US" smtClean="0"/>
+              <a:t>Dec 7-8, 2012</a:t>
+            </a:r>
+            <a:endParaRPr lang="en-US" dirty="0"/>
+          </a:p>
+        </p:txBody>
+      </p:sp>
+      <p:sp>
+        <p:nvSpPr>
+          <p:cNvPr id="10" name="Slide Number Placeholder 9"/>
+          <p:cNvSpPr>
+            <a:spLocks noGrp="1"/>
+          </p:cNvSpPr>
+          <p:nvPr>
+            <p:ph type="sldNum" sz="quarter" idx="12"/>
+          </p:nvPr>
+        </p:nvSpPr>
+        <p:spPr/>
+        <p:txBody>
+          <a:bodyPr/>
+          <a:lstStyle/>
+          <a:p>
+            <a:pPr>
+              <a:defRPr/>
+            </a:pPr>
+            <a:r>
+              <a:rPr lang="en-US" smtClean="0"/>
+              <a:t>9-</a:t>
+            </a:r>
+            <a:fld id="{A739F50A-8F88-4892-87E1-8D1D3A543FFC}" type="slidenum">
+              <a:rPr lang="en-US" smtClean="0"/>
+              <a:pPr>
+                <a:defRPr/>
+              </a:pPr>
+              <a:t>7</a:t>
+            </a:fld>
+            <a:endParaRPr lang="en-US" smtClean="0"/>
+          </a:p>
+          <a:p>
+            <a:pPr>
+              <a:defRPr/>
+            </a:pPr>
+            <a:endParaRPr lang="en-US" dirty="0"/>
+          </a:p>
+        </p:txBody>
+      </p:sp>
     </p:spTree>
     <p:extLst>
       <p:ext uri="{BB962C8B-B14F-4D97-AF65-F5344CB8AC3E}">
@@ -21161,7 +24268,7 @@
         </p:nvSpPr>
         <p:spPr>
           <a:xfrm>
-            <a:off x="1066800" y="6172200"/>
+            <a:off x="990600" y="5867400"/>
             <a:ext cx="7543800" cy="556179"/>
           </a:xfrm>
           <a:prstGeom prst="rect">
@@ -21194,6 +24301,97 @@
               </a:rPr>
               <a:t>One Pipeline Context file (and the set of referred mappings) defines the configuration of CRDS,  replacing the state of the CDBS database,</a:t>
             </a:r>
+          </a:p>
+        </p:txBody>
+      </p:sp>
+      <p:sp>
+        <p:nvSpPr>
+          <p:cNvPr id="4" name="Footer Placeholder 3"/>
+          <p:cNvSpPr>
+            <a:spLocks noGrp="1"/>
+          </p:cNvSpPr>
+          <p:nvPr>
+            <p:ph type="ftr" sz="quarter" idx="11"/>
+          </p:nvPr>
+        </p:nvSpPr>
+        <p:spPr/>
+        <p:txBody>
+          <a:bodyPr/>
+          <a:lstStyle/>
+          <a:p>
+            <a:pPr>
+              <a:defRPr/>
+            </a:pPr>
+            <a:r>
+              <a:rPr lang="en-US" smtClean="0"/>
+              <a:t>S&amp;OC DMS System Design Review</a:t>
+            </a:r>
+            <a:endParaRPr lang="en-US" dirty="0"/>
+          </a:p>
+        </p:txBody>
+      </p:sp>
+      <p:sp>
+        <p:nvSpPr>
+          <p:cNvPr id="7" name="Date Placeholder 6"/>
+          <p:cNvSpPr>
+            <a:spLocks noGrp="1"/>
+          </p:cNvSpPr>
+          <p:nvPr>
+            <p:ph type="dt" sz="half" idx="10"/>
+          </p:nvPr>
+        </p:nvSpPr>
+        <p:spPr/>
+        <p:txBody>
+          <a:bodyPr/>
+          <a:lstStyle/>
+          <a:p>
+            <a:pPr>
+              <a:defRPr/>
+            </a:pPr>
+            <a:r>
+              <a:rPr lang="en-US" smtClean="0"/>
+              <a:t>Dec 7-8, 2012</a:t>
+            </a:r>
+            <a:endParaRPr lang="en-US" dirty="0"/>
+          </a:p>
+        </p:txBody>
+      </p:sp>
+      <p:sp>
+        <p:nvSpPr>
+          <p:cNvPr id="8" name="Slide Number Placeholder 7"/>
+          <p:cNvSpPr>
+            <a:spLocks noGrp="1"/>
+          </p:cNvSpPr>
+          <p:nvPr>
+            <p:ph type="sldNum" sz="quarter" idx="12"/>
+          </p:nvPr>
+        </p:nvSpPr>
+        <p:spPr/>
+        <p:txBody>
+          <a:bodyPr/>
+          <a:lstStyle/>
+          <a:p>
+            <a:pPr>
+              <a:defRPr/>
+            </a:pPr>
+            <a:r>
+              <a:rPr lang="en-US" smtClean="0"/>
+              <a:t>9-</a:t>
+            </a:r>
+            <a:fld id="{A739F50A-8F88-4892-87E1-8D1D3A543FFC}" type="slidenum">
+              <a:rPr lang="en-US" smtClean="0"/>
+              <a:pPr>
+                <a:defRPr/>
+              </a:pPr>
+              <a:t>8</a:t>
+            </a:fld>
+            <a:endParaRPr lang="en-US" smtClean="0"/>
+          </a:p>
+          <a:p>
+            <a:pPr>
+              <a:defRPr/>
+            </a:pPr>
+            <a:endParaRPr lang="en-US" dirty="0"/>
           </a:p>
         </p:txBody>
       </p:sp>
@@ -21697,6 +24895,97 @@
               </a:rPr>
               <a:t>For all reference types of MIRI</a:t>
             </a:r>
+          </a:p>
+        </p:txBody>
+      </p:sp>
+      <p:sp>
+        <p:nvSpPr>
+          <p:cNvPr id="3" name="Footer Placeholder 2"/>
+          <p:cNvSpPr>
+            <a:spLocks noGrp="1"/>
+          </p:cNvSpPr>
+          <p:nvPr>
+            <p:ph type="ftr" sz="quarter" idx="11"/>
+          </p:nvPr>
+        </p:nvSpPr>
+        <p:spPr/>
+        <p:txBody>
+          <a:bodyPr/>
+          <a:lstStyle/>
+          <a:p>
+            <a:pPr>
+              <a:defRPr/>
+            </a:pPr>
+            <a:r>
+              <a:rPr lang="en-US" smtClean="0"/>
+              <a:t>S&amp;OC DMS System Design Review</a:t>
+            </a:r>
+            <a:endParaRPr lang="en-US" dirty="0"/>
+          </a:p>
+        </p:txBody>
+      </p:sp>
+      <p:sp>
+        <p:nvSpPr>
+          <p:cNvPr id="6" name="Date Placeholder 5"/>
+          <p:cNvSpPr>
+            <a:spLocks noGrp="1"/>
+          </p:cNvSpPr>
+          <p:nvPr>
+            <p:ph type="dt" sz="half" idx="10"/>
+          </p:nvPr>
+        </p:nvSpPr>
+        <p:spPr/>
+        <p:txBody>
+          <a:bodyPr/>
+          <a:lstStyle/>
+          <a:p>
+            <a:pPr>
+              <a:defRPr/>
+            </a:pPr>
+            <a:r>
+              <a:rPr lang="en-US" smtClean="0"/>
+              <a:t>Dec 7-8, 2012</a:t>
+            </a:r>
+            <a:endParaRPr lang="en-US" dirty="0"/>
+          </a:p>
+        </p:txBody>
+      </p:sp>
+      <p:sp>
+        <p:nvSpPr>
+          <p:cNvPr id="7" name="Slide Number Placeholder 6"/>
+          <p:cNvSpPr>
+            <a:spLocks noGrp="1"/>
+          </p:cNvSpPr>
+          <p:nvPr>
+            <p:ph type="sldNum" sz="quarter" idx="12"/>
+          </p:nvPr>
+        </p:nvSpPr>
+        <p:spPr/>
+        <p:txBody>
+          <a:bodyPr/>
+          <a:lstStyle/>
+          <a:p>
+            <a:pPr>
+              <a:defRPr/>
+            </a:pPr>
+            <a:r>
+              <a:rPr lang="en-US" smtClean="0"/>
+              <a:t>9-</a:t>
+            </a:r>
+            <a:fld id="{A739F50A-8F88-4892-87E1-8D1D3A543FFC}" type="slidenum">
+              <a:rPr lang="en-US" smtClean="0"/>
+              <a:pPr>
+                <a:defRPr/>
+              </a:pPr>
+              <a:t>9</a:t>
+            </a:fld>
+            <a:endParaRPr lang="en-US" smtClean="0"/>
+          </a:p>
+          <a:p>
+            <a:pPr>
+              <a:defRPr/>
+            </a:pPr>
+            <a:endParaRPr lang="en-US" dirty="0"/>
           </a:p>
         </p:txBody>
       </p:sp>
@@ -22108,6 +25397,97 @@
               </a:rPr>
               <a:t>Matching MIRI DARK to specific reference files</a:t>
             </a:r>
+          </a:p>
+        </p:txBody>
+      </p:sp>
+      <p:sp>
+        <p:nvSpPr>
+          <p:cNvPr id="5" name="Footer Placeholder 4"/>
+          <p:cNvSpPr>
+            <a:spLocks noGrp="1"/>
+          </p:cNvSpPr>
+          <p:nvPr>
+            <p:ph type="ftr" sz="quarter" idx="11"/>
+          </p:nvPr>
+        </p:nvSpPr>
+        <p:spPr/>
+        <p:txBody>
+          <a:bodyPr/>
+          <a:lstStyle/>
+          <a:p>
+            <a:pPr>
+              <a:defRPr/>
+            </a:pPr>
+            <a:r>
+              <a:rPr lang="en-US" smtClean="0"/>
+              <a:t>S&amp;OC DMS System Design Review</a:t>
+            </a:r>
+            <a:endParaRPr lang="en-US" dirty="0"/>
+          </a:p>
+        </p:txBody>
+      </p:sp>
+      <p:sp>
+        <p:nvSpPr>
+          <p:cNvPr id="6" name="Date Placeholder 5"/>
+          <p:cNvSpPr>
+            <a:spLocks noGrp="1"/>
+          </p:cNvSpPr>
+          <p:nvPr>
+            <p:ph type="dt" sz="half" idx="10"/>
+          </p:nvPr>
+        </p:nvSpPr>
+        <p:spPr/>
+        <p:txBody>
+          <a:bodyPr/>
+          <a:lstStyle/>
+          <a:p>
+            <a:pPr>
+              <a:defRPr/>
+            </a:pPr>
+            <a:r>
+              <a:rPr lang="en-US" smtClean="0"/>
+              <a:t>Dec 7-8, 2012</a:t>
+            </a:r>
+            <a:endParaRPr lang="en-US" dirty="0"/>
+          </a:p>
+        </p:txBody>
+      </p:sp>
+      <p:sp>
+        <p:nvSpPr>
+          <p:cNvPr id="7" name="Slide Number Placeholder 6"/>
+          <p:cNvSpPr>
+            <a:spLocks noGrp="1"/>
+          </p:cNvSpPr>
+          <p:nvPr>
+            <p:ph type="sldNum" sz="quarter" idx="12"/>
+          </p:nvPr>
+        </p:nvSpPr>
+        <p:spPr/>
+        <p:txBody>
+          <a:bodyPr/>
+          <a:lstStyle/>
+          <a:p>
+            <a:pPr>
+              <a:defRPr/>
+            </a:pPr>
+            <a:r>
+              <a:rPr lang="en-US" smtClean="0"/>
+              <a:t>9-</a:t>
+            </a:r>
+            <a:fld id="{A739F50A-8F88-4892-87E1-8D1D3A543FFC}" type="slidenum">
+              <a:rPr lang="en-US" smtClean="0"/>
+              <a:pPr>
+                <a:defRPr/>
+              </a:pPr>
+              <a:t>10</a:t>
+            </a:fld>
+            <a:endParaRPr lang="en-US" smtClean="0"/>
+          </a:p>
+          <a:p>
+            <a:pPr>
+              <a:defRPr/>
+            </a:pPr>
+            <a:endParaRPr lang="en-US" dirty="0"/>
           </a:p>
         </p:txBody>
       </p:sp>

--- a/docs/DMS_SDR2_09_CRDS_final.pptx
+++ b/docs/DMS_SDR2_09_CRDS_final.pptx
@@ -3333,26 +3333,31 @@
               <a:rPr lang="en-US" sz="1600" dirty="0" err="1" smtClean="0"/>
               <a:t>SelectVersion</a:t>
             </a:r>
-            <a:r>
-              <a:rPr lang="en-US" sz="1600" dirty="0" smtClean="0"/>
-              <a:t>, </a:t>
-            </a:r>
+            <a:endParaRPr lang="en-US" sz="1600" dirty="0"/>
+          </a:p>
+          <a:p>
+            <a:pPr lvl="1"/>
             <a:r>
               <a:rPr lang="en-US" sz="1600" dirty="0" err="1" smtClean="0"/>
               <a:t>ClosestTime</a:t>
             </a:r>
-            <a:r>
-              <a:rPr lang="en-US" sz="1600" dirty="0" smtClean="0"/>
-              <a:t>, </a:t>
-            </a:r>
+            <a:endParaRPr lang="en-US" sz="1600" dirty="0"/>
+          </a:p>
+          <a:p>
+            <a:pPr lvl="1"/>
             <a:r>
               <a:rPr lang="en-US" sz="1600" dirty="0" err="1" smtClean="0"/>
               <a:t>GeometricallyNearest</a:t>
             </a:r>
+            <a:endParaRPr lang="en-US" sz="1600" dirty="0"/>
+          </a:p>
+          <a:p>
+            <a:pPr lvl="1"/>
             <a:r>
               <a:rPr lang="en-US" sz="1600" dirty="0" smtClean="0"/>
-              <a:t>, Bracket</a:t>
-            </a:r>
+              <a:t>Bracket</a:t>
+            </a:r>
+            <a:endParaRPr lang="en-US" sz="1600" dirty="0" smtClean="0"/>
           </a:p>
           <a:p>
             <a:pPr marL="0" indent="0">
@@ -4276,7 +4281,7 @@
         </p:nvSpPr>
         <p:spPr>
           <a:xfrm rot="19709275">
-            <a:off x="5212645" y="1144539"/>
+            <a:off x="5593644" y="1754139"/>
             <a:ext cx="3121367" cy="707886"/>
           </a:xfrm>
           <a:prstGeom prst="rect">
@@ -4377,8 +4382,8 @@
         </p:nvCxnSpPr>
         <p:spPr bwMode="auto">
           <a:xfrm rot="10800000" flipV="1">
-            <a:off x="2133600" y="1676400"/>
-            <a:ext cx="4114800" cy="1447802"/>
+            <a:off x="2133600" y="1981200"/>
+            <a:ext cx="4724400" cy="1143002"/>
           </a:xfrm>
           <a:prstGeom prst="curvedConnector3">
             <a:avLst>
@@ -4408,7 +4413,7 @@
         </p:nvSpPr>
         <p:spPr>
           <a:xfrm rot="19709275">
-            <a:off x="6063374" y="3292178"/>
+            <a:off x="6139574" y="3901778"/>
             <a:ext cx="1699842" cy="646331"/>
           </a:xfrm>
           <a:prstGeom prst="rect">
@@ -4525,13 +4530,15 @@
       <p:cxnSp>
         <p:nvCxnSpPr>
           <p:cNvPr id="12" name="Curved Connector 11"/>
-          <p:cNvCxnSpPr/>
+          <p:cNvCxnSpPr>
+            <a:stCxn id="11" idx="0"/>
+          </p:cNvCxnSpPr>
           <p:nvPr/>
         </p:nvCxnSpPr>
         <p:spPr bwMode="auto">
           <a:xfrm rot="16200000" flipV="1">
-            <a:off x="5147975" y="2014824"/>
-            <a:ext cx="129052" cy="2652603"/>
+            <a:off x="5016975" y="2145826"/>
+            <a:ext cx="672835" cy="2934383"/>
           </a:xfrm>
           <a:prstGeom prst="curvedConnector2">
             <a:avLst/>
@@ -5602,8 +5609,8 @@
         </p:nvSpPr>
         <p:spPr>
           <a:xfrm>
-            <a:off x="152400" y="914400"/>
-            <a:ext cx="8610600" cy="5029200"/>
+            <a:off x="762000" y="914400"/>
+            <a:ext cx="7391400" cy="5029200"/>
           </a:xfrm>
         </p:spPr>
         <p:txBody>
@@ -6161,7 +6168,7 @@
         </p:nvSpPr>
         <p:spPr>
           <a:xfrm>
-            <a:off x="1066800" y="1143000"/>
+            <a:off x="1066800" y="990600"/>
             <a:ext cx="7162800" cy="5410200"/>
           </a:xfrm>
         </p:spPr>
@@ -6506,7 +6513,7 @@
         </p:nvSpPr>
         <p:spPr>
           <a:xfrm rot="19709275">
-            <a:off x="5969223" y="1920457"/>
+            <a:off x="5981571" y="2904662"/>
             <a:ext cx="2705939" cy="1200328"/>
           </a:xfrm>
           <a:prstGeom prst="rect">
@@ -6629,15 +6636,13 @@
       <p:cxnSp>
         <p:nvCxnSpPr>
           <p:cNvPr id="6" name="Curved Connector 5"/>
-          <p:cNvCxnSpPr>
-            <a:stCxn id="5" idx="1"/>
-          </p:cNvCxnSpPr>
+          <p:cNvCxnSpPr/>
           <p:nvPr/>
         </p:nvCxnSpPr>
         <p:spPr bwMode="auto">
           <a:xfrm rot="10800000">
-            <a:off x="3886213" y="2590819"/>
-            <a:ext cx="2282533" cy="636971"/>
+            <a:off x="4876800" y="2286000"/>
+            <a:ext cx="2206334" cy="865572"/>
           </a:xfrm>
           <a:prstGeom prst="curvedConnector3">
             <a:avLst>
@@ -6668,7 +6673,7 @@
         <p:spPr>
           <a:xfrm>
             <a:off x="1752600" y="5410200"/>
-            <a:ext cx="6019800" cy="1171732"/>
+            <a:ext cx="6019800" cy="1017844"/>
           </a:xfrm>
           <a:prstGeom prst="rect">
             <a:avLst/>
@@ -6685,7 +6690,7 @@
               <a:buChar char="•"/>
             </a:pPr>
             <a:r>
-              <a:rPr lang="en-US" sz="1400" b="1" dirty="0" smtClean="0">
+              <a:rPr lang="en-US" sz="1200" b="1" dirty="0" smtClean="0">
                 <a:solidFill>
                   <a:srgbClr val="3366FF"/>
                 </a:solidFill>
@@ -6700,7 +6705,7 @@
               <a:buChar char="•"/>
             </a:pPr>
             <a:r>
-              <a:rPr lang="en-US" sz="1400" b="1" dirty="0" smtClean="0">
+              <a:rPr lang="en-US" sz="1200" b="1" dirty="0" smtClean="0">
                 <a:solidFill>
                   <a:schemeClr val="tx1"/>
                 </a:solidFill>
@@ -6715,7 +6720,7 @@
               <a:buChar char="•"/>
             </a:pPr>
             <a:r>
-              <a:rPr lang="en-US" sz="1400" b="1" dirty="0" smtClean="0">
+              <a:rPr lang="en-US" sz="1200" b="1" dirty="0" smtClean="0">
                 <a:solidFill>
                   <a:schemeClr val="tx1"/>
                 </a:solidFill>
@@ -6730,7 +6735,7 @@
               <a:buChar char="•"/>
             </a:pPr>
             <a:r>
-              <a:rPr lang="en-US" sz="1400" b="1" dirty="0" smtClean="0">
+              <a:rPr lang="en-US" sz="1200" b="1" dirty="0" smtClean="0">
                 <a:solidFill>
                   <a:schemeClr val="tx1"/>
                 </a:solidFill>
@@ -6745,7 +6750,7 @@
               <a:buChar char="•"/>
             </a:pPr>
             <a:r>
-              <a:rPr lang="en-US" sz="1400" b="1" dirty="0" smtClean="0">
+              <a:rPr lang="en-US" sz="1200" b="1" dirty="0" smtClean="0">
                 <a:solidFill>
                   <a:schemeClr val="tx1"/>
                 </a:solidFill>
@@ -6887,7 +6892,12 @@
             <p:ph type="title"/>
           </p:nvPr>
         </p:nvSpPr>
-        <p:spPr/>
+        <p:spPr>
+          <a:xfrm>
+            <a:off x="914400" y="228600"/>
+            <a:ext cx="6934200" cy="406400"/>
+          </a:xfrm>
+        </p:spPr>
         <p:txBody>
           <a:bodyPr/>
           <a:lstStyle/>
@@ -6915,27 +6925,11 @@
             </a:r>
             <a:r>
               <a:rPr lang="en-US" dirty="0" smtClean="0"/>
-              <a:t> Relevance</a:t>
-            </a:r>
-            <a:r>
-              <a:rPr lang="en-US" sz="2800" b="1" i="0" u="none" strike="noStrike" kern="1200" dirty="0" smtClean="0">
-                <a:solidFill>
-                  <a:srgbClr val="000000"/>
-                </a:solidFill>
-                <a:effectLst/>
-                <a:latin typeface="+mj-lt"/>
-              </a:rPr>
-              <a:t>B4</a:t>
-            </a:r>
-            <a:r>
-              <a:rPr lang="en-US" sz="2800" b="1" i="0" u="none" strike="noStrike" kern="1200" baseline="0" dirty="0" smtClean="0">
-                <a:solidFill>
-                  <a:srgbClr val="000000"/>
-                </a:solidFill>
-                <a:effectLst/>
-                <a:latin typeface="+mj-lt"/>
-              </a:rPr>
-              <a:t>   april-2013</a:t>
+              <a:t> </a:t>
+            </a:r>
+            <a:r>
+              <a:rPr lang="en-US" dirty="0" smtClean="0"/>
+              <a:t>Relevance</a:t>
             </a:r>
             <a:endParaRPr lang="en-US" sz="2800" b="0" i="0" u="none" strike="noStrike" dirty="0" smtClean="0">
               <a:effectLst/>
@@ -7613,7 +7607,7 @@
         <p:spPr bwMode="auto">
           <a:xfrm rot="10800000">
             <a:off x="3810000" y="2438400"/>
-            <a:ext cx="1752600" cy="1066798"/>
+            <a:ext cx="2209800" cy="685800"/>
           </a:xfrm>
           <a:prstGeom prst="curvedConnector3">
             <a:avLst>
@@ -7643,8 +7637,8 @@
         </p:nvSpPr>
         <p:spPr>
           <a:xfrm>
-            <a:off x="1066800" y="5334000"/>
-            <a:ext cx="6858000" cy="1171732"/>
+            <a:off x="1066800" y="5410200"/>
+            <a:ext cx="6858000" cy="833178"/>
           </a:xfrm>
           <a:prstGeom prst="rect">
             <a:avLst/>
@@ -7661,7 +7655,7 @@
               <a:buChar char="•"/>
             </a:pPr>
             <a:r>
-              <a:rPr lang="en-US" sz="1400" b="1" dirty="0" smtClean="0">
+              <a:rPr lang="en-US" sz="1200" b="1" dirty="0" smtClean="0">
                 <a:solidFill>
                   <a:schemeClr val="tx1"/>
                 </a:solidFill>
@@ -7676,33 +7670,27 @@
               <a:buChar char="•"/>
             </a:pPr>
             <a:r>
-              <a:rPr lang="en-US" sz="1400" b="1" dirty="0" smtClean="0">
-                <a:solidFill>
-                  <a:schemeClr val="tx1"/>
+              <a:rPr lang="en-US" sz="1200" b="1" dirty="0" smtClean="0">
+                <a:solidFill>
+                  <a:srgbClr val="3366FF"/>
                 </a:solidFill>
                 <a:latin typeface="Helvetica"/>
                 <a:sym typeface="Wingdings"/>
               </a:rPr>
-              <a:t>If DETECTOR != “CCD” then  CCDAMP := N/A</a:t>
-            </a:r>
-          </a:p>
-          <a:p>
-            <a:pPr marL="171450" indent="-171450">
-              <a:buFont typeface="Arial"/>
-              <a:buChar char="•"/>
-            </a:pPr>
-            <a:r>
-              <a:rPr lang="en-US" sz="1400" b="1" dirty="0" smtClean="0">
+              <a:t>Prevents </a:t>
+            </a:r>
+            <a:r>
+              <a:rPr lang="en-US" sz="1200" b="1" dirty="0" smtClean="0">
                 <a:solidFill>
                   <a:srgbClr val="3366FF"/>
                 </a:solidFill>
                 <a:latin typeface="Helvetica"/>
                 <a:sym typeface="Wingdings"/>
               </a:rPr>
-              <a:t>Prevents irrelevant parameter values from affecting matching</a:t>
-            </a:r>
-            <a:r>
-              <a:rPr lang="en-US" sz="1400" b="1" dirty="0" smtClean="0">
+              <a:t>irrelevant parameter values from affecting matching</a:t>
+            </a:r>
+            <a:r>
+              <a:rPr lang="en-US" sz="1200" b="1" dirty="0" smtClean="0">
                 <a:solidFill>
                   <a:schemeClr val="tx1"/>
                 </a:solidFill>
@@ -7711,7 +7699,7 @@
               </a:rPr>
               <a:t>:</a:t>
             </a:r>
-            <a:endParaRPr lang="en-US" sz="1400" b="1" dirty="0">
+            <a:endParaRPr lang="en-US" sz="1200" b="1" dirty="0">
               <a:solidFill>
                 <a:schemeClr val="tx1"/>
               </a:solidFill>
@@ -7725,7 +7713,7 @@
               <a:buChar char="•"/>
             </a:pPr>
             <a:r>
-              <a:rPr lang="en-US" sz="1400" b="1" dirty="0" smtClean="0">
+              <a:rPr lang="en-US" sz="1200" b="1" dirty="0" smtClean="0">
                 <a:solidFill>
                   <a:schemeClr val="tx1"/>
                 </a:solidFill>
@@ -7741,7 +7729,7 @@
               <a:buChar char="•"/>
             </a:pPr>
             <a:r>
-              <a:rPr lang="en-US" sz="1400" b="1" dirty="0" smtClean="0">
+              <a:rPr lang="en-US" sz="1200" b="1" dirty="0" smtClean="0">
                 <a:solidFill>
                   <a:schemeClr val="tx1"/>
                 </a:solidFill>
@@ -13999,13 +13987,10 @@
           </a:p>
           <a:p>
             <a:r>
-              <a:rPr lang="en-US" dirty="0"/>
-              <a:t>Currently finishing </a:t>
-            </a:r>
-            <a:r>
               <a:rPr lang="en-US" dirty="0" smtClean="0"/>
-              <a:t>HST prototype</a:t>
-            </a:r>
+              <a:t>Prototyped for HST build-2</a:t>
+            </a:r>
+            <a:endParaRPr lang="en-US" dirty="0" smtClean="0"/>
           </a:p>
           <a:p>
             <a:r>
@@ -14374,7 +14359,7 @@
         <p:spPr>
           <a:xfrm>
             <a:off x="5410200" y="4572000"/>
-            <a:ext cx="3733800" cy="1202510"/>
+            <a:ext cx="3733800" cy="1110177"/>
           </a:xfrm>
           <a:prstGeom prst="rect">
             <a:avLst/>
@@ -14391,7 +14376,7 @@
               <a:buChar char="•"/>
             </a:pPr>
             <a:r>
-              <a:rPr lang="en-US" sz="1200" b="1" dirty="0" smtClean="0">
+              <a:rPr lang="en-US" sz="1100" b="1" dirty="0" smtClean="0">
                 <a:solidFill>
                   <a:schemeClr val="tx1"/>
                 </a:solidFill>
@@ -14406,7 +14391,7 @@
               <a:buChar char="•"/>
             </a:pPr>
             <a:r>
-              <a:rPr lang="en-US" sz="1200" b="1" dirty="0" smtClean="0">
+              <a:rPr lang="en-US" sz="1100" b="1" dirty="0" smtClean="0">
                 <a:solidFill>
                   <a:schemeClr val="tx1"/>
                 </a:solidFill>
@@ -14421,7 +14406,7 @@
               <a:buChar char="•"/>
             </a:pPr>
             <a:r>
-              <a:rPr lang="en-US" sz="1200" b="1" dirty="0" smtClean="0">
+              <a:rPr lang="en-US" sz="1100" b="1" dirty="0" smtClean="0">
                 <a:solidFill>
                   <a:schemeClr val="tx1"/>
                 </a:solidFill>
@@ -14436,7 +14421,7 @@
               <a:buChar char="•"/>
             </a:pPr>
             <a:r>
-              <a:rPr lang="en-US" sz="1200" b="1" dirty="0" smtClean="0">
+              <a:rPr lang="en-US" sz="1100" b="1" dirty="0" smtClean="0">
                 <a:solidFill>
                   <a:schemeClr val="tx1"/>
                 </a:solidFill>
@@ -14451,7 +14436,7 @@
               <a:buChar char="•"/>
             </a:pPr>
             <a:r>
-              <a:rPr lang="en-US" sz="1200" b="1" dirty="0" smtClean="0">
+              <a:rPr lang="en-US" sz="1100" b="1" dirty="0" smtClean="0">
                 <a:solidFill>
                   <a:schemeClr val="tx1"/>
                 </a:solidFill>
@@ -14466,7 +14451,7 @@
               <a:buChar char="•"/>
             </a:pPr>
             <a:r>
-              <a:rPr lang="en-US" sz="1200" b="1" dirty="0" smtClean="0">
+              <a:rPr lang="en-US" sz="1100" b="1" dirty="0" smtClean="0">
                 <a:solidFill>
                   <a:schemeClr val="tx1"/>
                 </a:solidFill>
@@ -14973,7 +14958,7 @@
         </p:blipFill>
         <p:spPr>
           <a:xfrm>
-            <a:off x="457200" y="1066800"/>
+            <a:off x="457200" y="914400"/>
             <a:ext cx="8077200" cy="5504667"/>
           </a:xfrm>
           <a:prstGeom prst="rect">
@@ -17581,10 +17566,10 @@
               </a:tabLst>
             </a:pPr>
             <a:r>
-              <a:rPr lang="en-US" sz="1600" smtClean="0"/>
+              <a:rPr lang="en-US" sz="1600" dirty="0" smtClean="0"/>
               <a:t>WIT Utilities</a:t>
             </a:r>
-            <a:endParaRPr lang="en-US" sz="1400" smtClean="0"/>
+            <a:endParaRPr lang="en-US" sz="1400" dirty="0" smtClean="0"/>
           </a:p>
           <a:p>
             <a:pPr lvl="1" eaLnBrk="1" hangingPunct="1">
@@ -17622,13 +17607,18 @@
               </a:tabLst>
             </a:pPr>
             <a:r>
-              <a:rPr lang="en-US" sz="1600" smtClean="0">
+              <a:rPr lang="en-US" sz="1600" dirty="0" err="1" smtClean="0">
                 <a:solidFill>
                   <a:srgbClr val="3366FF"/>
                 </a:solidFill>
               </a:rPr>
               <a:t>crds.uses</a:t>
             </a:r>
+            <a:endParaRPr lang="en-US" sz="1600" dirty="0" smtClean="0">
+              <a:solidFill>
+                <a:srgbClr val="3366FF"/>
+              </a:solidFill>
+            </a:endParaRPr>
           </a:p>
           <a:p>
             <a:pPr lvl="2" eaLnBrk="1" hangingPunct="1">
@@ -17666,11 +17656,11 @@
               </a:tabLst>
             </a:pPr>
             <a:r>
-              <a:rPr lang="en-US" sz="1400" smtClean="0"/>
+              <a:rPr lang="en-US" sz="1400" dirty="0" smtClean="0"/>
               <a:t>Which </a:t>
             </a:r>
             <a:r>
-              <a:rPr lang="en-US" sz="1400" smtClean="0">
+              <a:rPr lang="en-US" sz="1400" dirty="0" smtClean="0">
                 <a:solidFill>
                   <a:srgbClr val="FF0909"/>
                 </a:solidFill>
@@ -17678,20 +17668,24 @@
               <a:t>data sets</a:t>
             </a:r>
             <a:r>
-              <a:rPr lang="en-US" sz="1400" smtClean="0"/>
+              <a:rPr lang="en-US" sz="1400" dirty="0" smtClean="0"/>
               <a:t> or </a:t>
             </a:r>
             <a:r>
-              <a:rPr lang="en-US" sz="1400" smtClean="0">
+              <a:rPr lang="en-US" sz="1400" dirty="0" smtClean="0">
                 <a:solidFill>
                   <a:srgbClr val="00FF00"/>
                 </a:solidFill>
               </a:rPr>
-              <a:t>rule</a:t>
-            </a:r>
-            <a:r>
-              <a:rPr lang="en-US" sz="1400" smtClean="0"/>
-              <a:t>use a given reference file</a:t>
+              <a:t>rules </a:t>
+            </a:r>
+            <a:r>
+              <a:rPr lang="en-US" sz="1400" dirty="0" smtClean="0"/>
+              <a:t>use </a:t>
+            </a:r>
+            <a:r>
+              <a:rPr lang="en-US" sz="1400" dirty="0" smtClean="0"/>
+              <a:t>a given reference file</a:t>
             </a:r>
           </a:p>
           <a:p>
@@ -17730,7 +17724,7 @@
               </a:tabLst>
             </a:pPr>
             <a:r>
-              <a:rPr lang="en-US" sz="1600" smtClean="0">
+              <a:rPr lang="en-US" sz="1600" dirty="0" smtClean="0">
                 <a:solidFill>
                   <a:srgbClr val="3366FF"/>
                 </a:solidFill>
@@ -17774,7 +17768,7 @@
               </a:tabLst>
             </a:pPr>
             <a:r>
-              <a:rPr lang="en-US" sz="1400" smtClean="0"/>
+              <a:rPr lang="en-US" sz="1400" dirty="0" smtClean="0"/>
               <a:t>Mark reference file as bad,   web function.</a:t>
             </a:r>
           </a:p>
@@ -17814,13 +17808,18 @@
               </a:tabLst>
             </a:pPr>
             <a:r>
-              <a:rPr lang="en-US" sz="1600" smtClean="0">
+              <a:rPr lang="en-US" sz="1600" dirty="0" err="1" smtClean="0">
                 <a:solidFill>
                   <a:srgbClr val="3366FF"/>
                 </a:solidFill>
               </a:rPr>
               <a:t>crds.matches</a:t>
             </a:r>
+            <a:endParaRPr lang="en-US" sz="1600" dirty="0" smtClean="0">
+              <a:solidFill>
+                <a:srgbClr val="3366FF"/>
+              </a:solidFill>
+            </a:endParaRPr>
           </a:p>
           <a:p>
             <a:pPr lvl="2" eaLnBrk="1" hangingPunct="1">
@@ -17858,7 +17857,7 @@
               </a:tabLst>
             </a:pPr>
             <a:r>
-              <a:rPr lang="en-US" sz="1400" smtClean="0"/>
+              <a:rPr lang="en-US" sz="1400" dirty="0" smtClean="0"/>
               <a:t>Show what selection criteria match a given reference file</a:t>
             </a:r>
           </a:p>
@@ -17898,7 +17897,7 @@
               </a:tabLst>
             </a:pPr>
             <a:r>
-              <a:rPr lang="en-US" sz="1600" smtClean="0"/>
+              <a:rPr lang="en-US" sz="1600" dirty="0" smtClean="0"/>
               <a:t>coverage</a:t>
             </a:r>
           </a:p>
@@ -17938,9 +17937,14 @@
               </a:tabLst>
             </a:pPr>
             <a:r>
-              <a:rPr lang="en-US" sz="1400" smtClean="0"/>
-              <a:t>Show if an rmap update doesn’t cover the same cases as the previous rmap, or changes the set of selection criteria.  Related to crds.diff</a:t>
-            </a:r>
+              <a:rPr lang="en-US" sz="1400" dirty="0" smtClean="0"/>
+              <a:t>Show if an rmap update doesn’t cover the same cases as the previous rmap, or changes the set of selection criteria.  Related to </a:t>
+            </a:r>
+            <a:r>
+              <a:rPr lang="en-US" sz="1400" dirty="0" err="1" smtClean="0"/>
+              <a:t>crds.diff</a:t>
+            </a:r>
+            <a:endParaRPr lang="en-US" sz="1400" dirty="0" smtClean="0"/>
           </a:p>
           <a:p>
             <a:pPr lvl="1" eaLnBrk="1" hangingPunct="1">
@@ -17978,9 +17982,10 @@
               </a:tabLst>
             </a:pPr>
             <a:r>
-              <a:rPr lang="en-US" sz="1600" smtClean="0"/>
+              <a:rPr lang="en-US" sz="1600" dirty="0" err="1" smtClean="0"/>
               <a:t>crds.info</a:t>
             </a:r>
+            <a:endParaRPr lang="en-US" sz="1600" dirty="0" smtClean="0"/>
           </a:p>
           <a:p>
             <a:pPr lvl="2" eaLnBrk="1" hangingPunct="1">
@@ -18018,10 +18023,10 @@
               </a:tabLst>
             </a:pPr>
             <a:r>
-              <a:rPr lang="en-US" sz="1400" smtClean="0"/>
+              <a:rPr lang="en-US" sz="1400" dirty="0" smtClean="0"/>
               <a:t>Show current operational configuration</a:t>
             </a:r>
-            <a:endParaRPr lang="en-US" smtClean="0"/>
+            <a:endParaRPr lang="en-US" dirty="0" smtClean="0"/>
           </a:p>
           <a:p>
             <a:pPr lvl="1" eaLnBrk="1" hangingPunct="1">
@@ -18059,13 +18064,18 @@
               </a:tabLst>
             </a:pPr>
             <a:r>
-              <a:rPr lang="en-US" sz="1600" smtClean="0">
+              <a:rPr lang="en-US" sz="1600" dirty="0" err="1" smtClean="0">
                 <a:solidFill>
                   <a:srgbClr val="3366FF"/>
                 </a:solidFill>
               </a:rPr>
               <a:t>crds.certify</a:t>
             </a:r>
+            <a:endParaRPr lang="en-US" sz="1600" dirty="0" smtClean="0">
+              <a:solidFill>
+                <a:srgbClr val="3366FF"/>
+              </a:solidFill>
+            </a:endParaRPr>
           </a:p>
           <a:p>
             <a:pPr lvl="2" eaLnBrk="1" hangingPunct="1">
@@ -18103,7 +18113,7 @@
               </a:tabLst>
             </a:pPr>
             <a:r>
-              <a:rPr lang="en-US" sz="1400" smtClean="0"/>
+              <a:rPr lang="en-US" sz="1400" dirty="0" smtClean="0"/>
               <a:t>More sophisticated reference file comparison tool</a:t>
             </a:r>
           </a:p>
@@ -18143,10 +18153,9 @@
               </a:tabLst>
             </a:pPr>
             <a:r>
-              <a:rPr lang="en-US" sz="1400" smtClean="0"/>
+              <a:rPr lang="en-US" sz="1400" dirty="0" smtClean="0"/>
               <a:t>E.g., capable of detecting insertions or deletions of rows in tables between two versions</a:t>
             </a:r>
-            <a:endParaRPr lang="en-US" sz="1400" dirty="0" smtClean="0"/>
           </a:p>
         </p:txBody>
       </p:sp>
@@ -19176,8 +19185,13 @@
             <a:pPr lvl="1"/>
             <a:r>
               <a:rPr lang="en-US" sz="1600" dirty="0" smtClean="0"/>
-              <a:t>Automatic Instrument, Pipeline Context Updates</a:t>
-            </a:r>
+              <a:t>Automatic Instrument, Pipeline Context </a:t>
+            </a:r>
+            <a:r>
+              <a:rPr lang="en-US" sz="1600" dirty="0" smtClean="0"/>
+              <a:t>Rules Updates</a:t>
+            </a:r>
+            <a:endParaRPr lang="en-US" sz="1600" dirty="0" smtClean="0"/>
           </a:p>
           <a:p>
             <a:pPr lvl="1"/>
@@ -19344,7 +19358,7 @@
         </p:nvSpPr>
         <p:spPr>
           <a:xfrm>
-            <a:off x="76200" y="1066800"/>
+            <a:off x="76200" y="914400"/>
             <a:ext cx="8839200" cy="5486400"/>
           </a:xfrm>
         </p:spPr>
@@ -19353,76 +19367,20 @@
           <a:lstStyle/>
           <a:p>
             <a:r>
-              <a:rPr lang="en-US" sz="1400" dirty="0" smtClean="0"/>
+              <a:rPr lang="en-US" sz="1600" dirty="0" smtClean="0"/>
               <a:t>Build-3  </a:t>
-            </a:r>
-            <a:r>
-              <a:rPr lang="en-US" sz="1200" dirty="0" smtClean="0"/>
-              <a:t>(</a:t>
-            </a:r>
-            <a:r>
-              <a:rPr lang="en-US" sz="1200" dirty="0" smtClean="0">
-                <a:solidFill>
-                  <a:srgbClr val="008000"/>
-                </a:solidFill>
-              </a:rPr>
-              <a:t>January 2013</a:t>
-            </a:r>
-            <a:r>
-              <a:rPr lang="en-US" sz="1200" dirty="0" smtClean="0"/>
-              <a:t>)</a:t>
-            </a:r>
-          </a:p>
-          <a:p>
-            <a:pPr lvl="1"/>
-            <a:r>
-              <a:rPr lang="en-US" sz="1400" dirty="0" smtClean="0"/>
-              <a:t>Web</a:t>
-            </a:r>
-            <a:endParaRPr lang="en-US" sz="1200" dirty="0" smtClean="0"/>
-          </a:p>
-          <a:p>
-            <a:pPr lvl="2"/>
-            <a:r>
-              <a:rPr lang="en-US" sz="1200" dirty="0" smtClean="0"/>
-              <a:t>Generalization of automatic rules updates to more Selector types.</a:t>
-            </a:r>
-          </a:p>
-          <a:p>
-            <a:pPr lvl="2"/>
-            <a:r>
-              <a:rPr lang="en-US" sz="1200" dirty="0" smtClean="0"/>
-              <a:t>Build-2</a:t>
-            </a:r>
-            <a:r>
-              <a:rPr lang="en-US" sz="1200" baseline="0" dirty="0" smtClean="0"/>
-              <a:t> fixes and enhancements</a:t>
-            </a:r>
-            <a:r>
-              <a:rPr lang="en-US" sz="1200" dirty="0" smtClean="0"/>
-              <a:t> from feedback</a:t>
-            </a:r>
-          </a:p>
-          <a:p>
-            <a:r>
-              <a:rPr lang="en-US" sz="1400" dirty="0" smtClean="0"/>
-              <a:t>Build</a:t>
-            </a:r>
-            <a:r>
-              <a:rPr lang="en-US" sz="1400" dirty="0"/>
-              <a:t>-4  </a:t>
             </a:r>
             <a:r>
               <a:rPr lang="en-US" sz="1400" dirty="0" smtClean="0"/>
               <a:t>(</a:t>
             </a:r>
             <a:r>
-              <a:rPr lang="en-US" sz="1200" dirty="0" smtClean="0">
+              <a:rPr lang="en-US" sz="1400" dirty="0" smtClean="0">
                 <a:solidFill>
                   <a:srgbClr val="008000"/>
                 </a:solidFill>
               </a:rPr>
-              <a:t>April 2013</a:t>
+              <a:t>January 2013</a:t>
             </a:r>
             <a:r>
               <a:rPr lang="en-US" sz="1400" dirty="0" smtClean="0"/>
@@ -19432,14 +19390,70 @@
           <a:p>
             <a:pPr lvl="1"/>
             <a:r>
+              <a:rPr lang="en-US" sz="1600" dirty="0" smtClean="0"/>
+              <a:t>Web</a:t>
+            </a:r>
+            <a:endParaRPr lang="en-US" sz="1400" dirty="0" smtClean="0"/>
+          </a:p>
+          <a:p>
+            <a:pPr lvl="2"/>
+            <a:r>
               <a:rPr lang="en-US" sz="1400" dirty="0" smtClean="0"/>
+              <a:t>Generalization of automatic rules updates to more Selector types.</a:t>
+            </a:r>
+          </a:p>
+          <a:p>
+            <a:pPr lvl="2"/>
+            <a:r>
+              <a:rPr lang="en-US" sz="1400" dirty="0" smtClean="0"/>
+              <a:t>Build-2</a:t>
+            </a:r>
+            <a:r>
+              <a:rPr lang="en-US" sz="1400" baseline="0" dirty="0" smtClean="0"/>
+              <a:t> fixes and enhancements</a:t>
+            </a:r>
+            <a:r>
+              <a:rPr lang="en-US" sz="1400" dirty="0" smtClean="0"/>
+              <a:t> from feedback</a:t>
+            </a:r>
+          </a:p>
+          <a:p>
+            <a:r>
+              <a:rPr lang="en-US" sz="1600" dirty="0" smtClean="0"/>
+              <a:t>Build</a:t>
+            </a:r>
+            <a:r>
+              <a:rPr lang="en-US" sz="1600" dirty="0"/>
+              <a:t>-4  </a:t>
+            </a:r>
+            <a:r>
+              <a:rPr lang="en-US" sz="1600" dirty="0" smtClean="0"/>
+              <a:t>(</a:t>
+            </a:r>
+            <a:r>
+              <a:rPr lang="en-US" sz="1400" dirty="0" smtClean="0">
+                <a:solidFill>
+                  <a:srgbClr val="008000"/>
+                </a:solidFill>
+              </a:rPr>
+              <a:t>April 2013</a:t>
+            </a:r>
+            <a:r>
+              <a:rPr lang="en-US" sz="1600" dirty="0" smtClean="0"/>
+              <a:t>)</a:t>
+            </a:r>
+          </a:p>
+          <a:p>
+            <a:pPr lvl="1"/>
+            <a:r>
+              <a:rPr lang="en-US" sz="1600" dirty="0" smtClean="0"/>
               <a:t>Web</a:t>
             </a:r>
           </a:p>
           <a:p>
             <a:pPr lvl="2"/>
             <a:r>
-              <a:rPr lang="en-US" sz="1200" dirty="0">
+              <a:rPr lang="en-US" sz="1400" dirty="0">
                 <a:solidFill>
                   <a:srgbClr val="CC0000"/>
                 </a:solidFill>
@@ -19447,14 +19461,14 @@
               <a:t>DMS-535</a:t>
             </a:r>
             <a:r>
-              <a:rPr lang="en-US" sz="1200" dirty="0"/>
+              <a:rPr lang="en-US" sz="1400" dirty="0"/>
               <a:t> Ensure all files archived before use allowed </a:t>
             </a:r>
           </a:p>
           <a:p>
             <a:pPr lvl="2"/>
             <a:r>
-              <a:rPr lang="en-US" sz="1200" dirty="0">
+              <a:rPr lang="en-US" sz="1400" dirty="0">
                 <a:solidFill>
                   <a:srgbClr val="CC0000"/>
                 </a:solidFill>
@@ -19462,218 +19476,226 @@
               <a:t>DMS-540 </a:t>
             </a:r>
             <a:r>
-              <a:rPr lang="en-US" sz="1200" dirty="0"/>
+              <a:rPr lang="en-US" sz="1400" dirty="0"/>
               <a:t>Web interface for querying what the best reference files </a:t>
             </a:r>
             <a:r>
-              <a:rPr lang="en-US" sz="1200" dirty="0" smtClean="0"/>
+              <a:rPr lang="en-US" sz="1400" dirty="0" smtClean="0"/>
               <a:t>are</a:t>
             </a:r>
           </a:p>
           <a:p>
             <a:pPr lvl="3"/>
             <a:r>
-              <a:rPr lang="en-US" sz="1000" dirty="0" smtClean="0">
+              <a:rPr lang="en-US" sz="1050" dirty="0" smtClean="0">
                 <a:solidFill>
                   <a:srgbClr val="3366FF"/>
                 </a:solidFill>
               </a:rPr>
-              <a:t>Dataset Best References,  Explore Best References</a:t>
-            </a:r>
-            <a:endParaRPr lang="en-US" sz="1000" dirty="0" smtClean="0"/>
+              <a:t>Dataset Best References,  Explore Best </a:t>
+            </a:r>
+            <a:r>
+              <a:rPr lang="en-US" sz="1050" dirty="0" smtClean="0">
+                <a:solidFill>
+                  <a:srgbClr val="3366FF"/>
+                </a:solidFill>
+              </a:rPr>
+              <a:t>References, Service</a:t>
+            </a:r>
+            <a:endParaRPr lang="en-US" sz="1050" dirty="0" smtClean="0"/>
           </a:p>
           <a:p>
             <a:pPr lvl="1"/>
             <a:r>
+              <a:rPr lang="en-US" sz="1600" dirty="0" smtClean="0"/>
+              <a:t>Command line </a:t>
+            </a:r>
+            <a:endParaRPr lang="en-US" sz="1600" dirty="0"/>
+          </a:p>
+          <a:p>
+            <a:pPr lvl="2"/>
+            <a:r>
+              <a:rPr lang="en-US" sz="1400" dirty="0">
+                <a:solidFill>
+                  <a:srgbClr val="CC0000"/>
+                </a:solidFill>
+              </a:rPr>
+              <a:t>DMS-545 </a:t>
+            </a:r>
+            <a:r>
+              <a:rPr lang="en-US" sz="1400" dirty="0"/>
+              <a:t>Show where in list of data sets which will use different reference file due to change in </a:t>
+            </a:r>
+            <a:r>
               <a:rPr lang="en-US" sz="1400" dirty="0" smtClean="0"/>
-              <a:t>Command line </a:t>
+              <a:t>rules  (</a:t>
+            </a:r>
+            <a:r>
+              <a:rPr lang="en-US" sz="1400" dirty="0" err="1" smtClean="0">
+                <a:solidFill>
+                  <a:srgbClr val="3366FF"/>
+                </a:solidFill>
+              </a:rPr>
+              <a:t>crds.file_bestrefs</a:t>
+            </a:r>
+            <a:r>
+              <a:rPr lang="en-US" sz="1400" dirty="0" smtClean="0"/>
+              <a:t>)</a:t>
+            </a:r>
+          </a:p>
+          <a:p>
+            <a:pPr lvl="2"/>
+            <a:r>
+              <a:rPr lang="en-US" sz="1400" dirty="0" smtClean="0">
+                <a:solidFill>
+                  <a:srgbClr val="CC0000"/>
+                </a:solidFill>
+              </a:rPr>
+              <a:t>DMS-547 </a:t>
+            </a:r>
+            <a:r>
+              <a:rPr lang="en-US" sz="1400" dirty="0" smtClean="0"/>
+              <a:t>Tool to show active reference files in use for given context(s)   (</a:t>
+            </a:r>
+            <a:r>
+              <a:rPr lang="en-US" sz="1400" dirty="0" err="1" smtClean="0">
+                <a:solidFill>
+                  <a:srgbClr val="3366FF"/>
+                </a:solidFill>
+              </a:rPr>
+              <a:t>crds.list</a:t>
+            </a:r>
+            <a:r>
+              <a:rPr lang="en-US" sz="1400" dirty="0" smtClean="0"/>
+              <a:t>)</a:t>
+            </a:r>
+          </a:p>
+          <a:p>
+            <a:pPr lvl="2"/>
+            <a:r>
+              <a:rPr lang="en-US" sz="1400" dirty="0" smtClean="0">
+                <a:solidFill>
+                  <a:srgbClr val="CC0000"/>
+                </a:solidFill>
+              </a:rPr>
+              <a:t>DMS</a:t>
+            </a:r>
+            <a:r>
+              <a:rPr lang="en-US" sz="1400" dirty="0">
+                <a:solidFill>
+                  <a:srgbClr val="CC0000"/>
+                </a:solidFill>
+              </a:rPr>
+              <a:t>-548 </a:t>
+            </a:r>
+            <a:r>
+              <a:rPr lang="en-US" sz="1400" dirty="0"/>
+              <a:t>Tool to show active files associated with specific instrument modes </a:t>
+            </a:r>
+            <a:r>
+              <a:rPr lang="en-US" sz="1400" dirty="0" smtClean="0"/>
+              <a:t>  (</a:t>
+            </a:r>
+            <a:r>
+              <a:rPr lang="en-US" sz="1400" dirty="0" err="1" smtClean="0"/>
+              <a:t>crds.list</a:t>
+            </a:r>
+            <a:r>
+              <a:rPr lang="en-US" sz="1400" dirty="0" smtClean="0"/>
+              <a:t>)</a:t>
             </a:r>
             <a:endParaRPr lang="en-US" sz="1400" dirty="0"/>
           </a:p>
           <a:p>
             <a:pPr lvl="2"/>
             <a:r>
-              <a:rPr lang="en-US" sz="1200" dirty="0">
+              <a:rPr lang="en-US" sz="1400" dirty="0">
                 <a:solidFill>
                   <a:srgbClr val="CC0000"/>
                 </a:solidFill>
               </a:rPr>
-              <a:t>DMS-545 </a:t>
-            </a:r>
-            <a:r>
-              <a:rPr lang="en-US" sz="1200" dirty="0"/>
-              <a:t>Show where in list of data sets which will use different reference file due to change in </a:t>
-            </a:r>
-            <a:r>
-              <a:rPr lang="en-US" sz="1200" dirty="0" smtClean="0"/>
-              <a:t>rules  (</a:t>
-            </a:r>
-            <a:r>
-              <a:rPr lang="en-US" sz="1200" dirty="0" err="1" smtClean="0">
+              <a:t>HST-1</a:t>
+            </a:r>
+            <a:r>
+              <a:rPr lang="en-US" sz="1400" dirty="0"/>
+              <a:t> Detect file reversions on context change and supply </a:t>
+            </a:r>
+            <a:r>
+              <a:rPr lang="en-US" sz="1400" dirty="0" smtClean="0"/>
+              <a:t>warning   (</a:t>
+            </a:r>
+            <a:r>
+              <a:rPr lang="en-US" sz="1400" dirty="0" err="1" smtClean="0"/>
+              <a:t>crds.reversions</a:t>
+            </a:r>
+            <a:r>
+              <a:rPr lang="en-US" sz="1400" dirty="0" smtClean="0"/>
+              <a:t>)</a:t>
+            </a:r>
+            <a:endParaRPr lang="en-US" sz="1400" dirty="0"/>
+          </a:p>
+          <a:p>
+            <a:pPr lvl="2"/>
+            <a:r>
+              <a:rPr lang="en-US" sz="1400" dirty="0">
+                <a:solidFill>
+                  <a:srgbClr val="CC0000"/>
+                </a:solidFill>
+              </a:rPr>
+              <a:t>HST-2</a:t>
+            </a:r>
+            <a:r>
+              <a:rPr lang="en-US" sz="1400" dirty="0"/>
+              <a:t> Update local reference file directories with those needed by a context (or list of contexts</a:t>
+            </a:r>
+            <a:r>
+              <a:rPr lang="en-US" sz="1400" dirty="0" smtClean="0"/>
+              <a:t>)  (</a:t>
+            </a:r>
+            <a:r>
+              <a:rPr lang="en-US" sz="1400" dirty="0" err="1" smtClean="0">
                 <a:solidFill>
                   <a:srgbClr val="3366FF"/>
                 </a:solidFill>
               </a:rPr>
-              <a:t>crds.file_bestrefs</a:t>
-            </a:r>
-            <a:r>
-              <a:rPr lang="en-US" sz="1200" dirty="0" smtClean="0"/>
-              <a:t>)</a:t>
-            </a:r>
+              <a:t>crds.sync</a:t>
+            </a:r>
+            <a:r>
+              <a:rPr lang="en-US" sz="1400" dirty="0" smtClean="0"/>
+              <a:t>) </a:t>
+            </a:r>
+            <a:endParaRPr lang="en-US" sz="1400" dirty="0"/>
           </a:p>
           <a:p>
             <a:pPr lvl="2"/>
             <a:r>
-              <a:rPr lang="en-US" sz="1200" dirty="0" smtClean="0">
+              <a:rPr lang="en-US" sz="1400" dirty="0">
                 <a:solidFill>
                   <a:srgbClr val="CC0000"/>
                 </a:solidFill>
               </a:rPr>
-              <a:t>DMS-547 </a:t>
-            </a:r>
-            <a:r>
-              <a:rPr lang="en-US" sz="1200" dirty="0" smtClean="0"/>
-              <a:t>Tool to show active reference files in use for given context(s)   (</a:t>
-            </a:r>
-            <a:r>
-              <a:rPr lang="en-US" sz="1200" dirty="0" err="1" smtClean="0">
-                <a:solidFill>
-                  <a:srgbClr val="3366FF"/>
-                </a:solidFill>
-              </a:rPr>
-              <a:t>crds.list</a:t>
-            </a:r>
-            <a:r>
-              <a:rPr lang="en-US" sz="1200" dirty="0" smtClean="0"/>
-              <a:t>)</a:t>
+              <a:t>HST-4</a:t>
+            </a:r>
+            <a:r>
+              <a:rPr lang="en-US" sz="1400" dirty="0"/>
+              <a:t> Detect when new rule file doesn't cover modes covered in previous rule file </a:t>
             </a:r>
           </a:p>
           <a:p>
             <a:pPr lvl="2"/>
             <a:r>
-              <a:rPr lang="en-US" sz="1200" dirty="0" smtClean="0">
+              <a:rPr lang="en-US" sz="1400" dirty="0">
                 <a:solidFill>
                   <a:srgbClr val="CC0000"/>
                 </a:solidFill>
               </a:rPr>
-              <a:t>DMS</a:t>
-            </a:r>
-            <a:r>
-              <a:rPr lang="en-US" sz="1200" dirty="0">
-                <a:solidFill>
-                  <a:srgbClr val="CC0000"/>
-                </a:solidFill>
-              </a:rPr>
-              <a:t>-548 </a:t>
-            </a:r>
-            <a:r>
-              <a:rPr lang="en-US" sz="1200" dirty="0"/>
-              <a:t>Tool to show active files associated with specific instrument modes </a:t>
-            </a:r>
-            <a:r>
-              <a:rPr lang="en-US" sz="1200" dirty="0" smtClean="0"/>
-              <a:t>  (</a:t>
-            </a:r>
-            <a:r>
-              <a:rPr lang="en-US" sz="1200" dirty="0" err="1" smtClean="0"/>
-              <a:t>crds.list</a:t>
-            </a:r>
-            <a:r>
-              <a:rPr lang="en-US" sz="1200" dirty="0" smtClean="0"/>
-              <a:t>)</a:t>
-            </a:r>
-            <a:endParaRPr lang="en-US" sz="1200" dirty="0"/>
-          </a:p>
-          <a:p>
-            <a:pPr lvl="2"/>
-            <a:r>
-              <a:rPr lang="en-US" sz="1200" dirty="0">
-                <a:solidFill>
-                  <a:srgbClr val="CC0000"/>
-                </a:solidFill>
-              </a:rPr>
-              <a:t>HST-1</a:t>
-            </a:r>
-            <a:r>
-              <a:rPr lang="en-US" sz="1200" dirty="0"/>
-              <a:t> Detect file reversions on context change and supply </a:t>
-            </a:r>
-            <a:r>
-              <a:rPr lang="en-US" sz="1200" dirty="0" smtClean="0"/>
-              <a:t>warning   (</a:t>
-            </a:r>
-            <a:r>
-              <a:rPr lang="en-US" sz="1200" dirty="0" err="1" smtClean="0"/>
-              <a:t>crds.reversions</a:t>
-            </a:r>
-            <a:r>
-              <a:rPr lang="en-US" sz="1200" dirty="0" smtClean="0"/>
-              <a:t>)</a:t>
-            </a:r>
-            <a:endParaRPr lang="en-US" sz="1200" dirty="0"/>
-          </a:p>
-          <a:p>
-            <a:pPr lvl="2"/>
-            <a:r>
-              <a:rPr lang="en-US" sz="1200" dirty="0">
-                <a:solidFill>
-                  <a:srgbClr val="CC0000"/>
-                </a:solidFill>
-              </a:rPr>
-              <a:t>HST-2</a:t>
-            </a:r>
-            <a:r>
-              <a:rPr lang="en-US" sz="1200" dirty="0"/>
-              <a:t> Update local reference file directories with those needed by a context (or list of contexts</a:t>
-            </a:r>
-            <a:r>
-              <a:rPr lang="en-US" sz="1200" dirty="0" smtClean="0"/>
-              <a:t>)  (</a:t>
-            </a:r>
-            <a:r>
-              <a:rPr lang="en-US" sz="1200" dirty="0" err="1" smtClean="0">
-                <a:solidFill>
-                  <a:srgbClr val="3366FF"/>
-                </a:solidFill>
-              </a:rPr>
-              <a:t>crds.sync</a:t>
-            </a:r>
-            <a:r>
-              <a:rPr lang="en-US" sz="1200" dirty="0" smtClean="0"/>
-              <a:t>) </a:t>
-            </a:r>
-            <a:endParaRPr lang="en-US" sz="1200" dirty="0"/>
-          </a:p>
-          <a:p>
-            <a:pPr lvl="2"/>
-            <a:r>
-              <a:rPr lang="en-US" sz="1200" dirty="0">
-                <a:solidFill>
-                  <a:srgbClr val="CC0000"/>
-                </a:solidFill>
-              </a:rPr>
-              <a:t>HST-4</a:t>
-            </a:r>
-            <a:r>
-              <a:rPr lang="en-US" sz="1200" dirty="0"/>
-              <a:t> Detect when new rule file doesn't cover modes covered in previous rule file </a:t>
-            </a:r>
-          </a:p>
-          <a:p>
-            <a:pPr lvl="2"/>
-            <a:r>
-              <a:rPr lang="en-US" sz="1200" dirty="0">
-                <a:solidFill>
-                  <a:srgbClr val="CC0000"/>
-                </a:solidFill>
-              </a:rPr>
               <a:t>HST-15 </a:t>
             </a:r>
             <a:r>
-              <a:rPr lang="en-US" sz="1200" dirty="0"/>
+              <a:rPr lang="en-US" sz="1400" dirty="0"/>
               <a:t>Reject rules files with duplicate selection criteria for different files </a:t>
             </a:r>
-            <a:endParaRPr lang="en-US" sz="1200" dirty="0" smtClean="0"/>
+            <a:endParaRPr lang="en-US" sz="1400" dirty="0" smtClean="0"/>
           </a:p>
         </p:txBody>
       </p:sp>
@@ -19991,43 +20013,31 @@
             </a:r>
             <a:r>
               <a:rPr lang="en-US" sz="1200" dirty="0"/>
-              <a:t>User interface to display required selection criteria for type of reference file </a:t>
+              <a:t>User interface to display required selection criteria for type of reference </a:t>
             </a:r>
             <a:r>
               <a:rPr lang="en-US" sz="1200" dirty="0" smtClean="0"/>
-              <a:t> (</a:t>
-            </a:r>
-            <a:r>
-              <a:rPr lang="en-US" sz="1200" dirty="0" smtClean="0">
-                <a:solidFill>
-                  <a:srgbClr val="3366FF"/>
-                </a:solidFill>
-              </a:rPr>
-              <a:t>Explore Best Refs</a:t>
+              <a:t>file</a:t>
+            </a:r>
+            <a:endParaRPr lang="en-US" sz="1200" dirty="0"/>
+          </a:p>
+          <a:p>
+            <a:pPr lvl="2"/>
+            <a:r>
+              <a:rPr lang="en-US" sz="1200" dirty="0">
+                <a:solidFill>
+                  <a:srgbClr val="CC0000"/>
+                </a:solidFill>
+              </a:rPr>
+              <a:t>HST-7</a:t>
+            </a:r>
+            <a:r>
+              <a:rPr lang="en-US" sz="1200" dirty="0"/>
+              <a:t> Ability to display current operations </a:t>
             </a:r>
             <a:r>
               <a:rPr lang="en-US" sz="1200" dirty="0" smtClean="0"/>
-              <a:t>)</a:t>
-            </a:r>
-            <a:endParaRPr lang="en-US" sz="1200" dirty="0"/>
-          </a:p>
-          <a:p>
-            <a:pPr lvl="2"/>
-            <a:r>
-              <a:rPr lang="en-US" sz="1200" dirty="0">
-                <a:solidFill>
-                  <a:srgbClr val="CC0000"/>
-                </a:solidFill>
-              </a:rPr>
-              <a:t>HST-7</a:t>
-            </a:r>
-            <a:r>
-              <a:rPr lang="en-US" sz="1200" dirty="0"/>
-              <a:t> Ability to display current operations context </a:t>
-            </a:r>
-            <a:r>
-              <a:rPr lang="en-US" sz="1200" dirty="0" smtClean="0"/>
-              <a:t> (web:  none)</a:t>
+              <a:t>context</a:t>
             </a:r>
             <a:endParaRPr lang="en-US" sz="1200" dirty="0"/>
           </a:p>

--- a/docs/DMS_SDR2_09_CRDS_final.pptx
+++ b/docs/DMS_SDR2_09_CRDS_final.pptx
@@ -3357,7 +3357,6 @@
               <a:rPr lang="en-US" sz="1600" dirty="0" smtClean="0"/>
               <a:t>Bracket</a:t>
             </a:r>
-            <a:endParaRPr lang="en-US" sz="1600" dirty="0" smtClean="0"/>
           </a:p>
           <a:p>
             <a:pPr marL="0" indent="0">
@@ -6003,8 +6002,34 @@
             <a:pPr lvl="2"/>
             <a:r>
               <a:rPr lang="en-US" dirty="0" smtClean="0"/>
-              <a:t>CRDS client *must* have file storage,  might as well share.</a:t>
-            </a:r>
+              <a:t>CRDS client *must* have file storage,  might as well share</a:t>
+            </a:r>
+            <a:r>
+              <a:rPr lang="en-US" dirty="0" smtClean="0"/>
+              <a:t>.</a:t>
+            </a:r>
+          </a:p>
+          <a:p>
+            <a:pPr lvl="1"/>
+            <a:r>
+              <a:rPr lang="en-US" dirty="0" smtClean="0"/>
+              <a:t>CRDS : Archive interfaces discussed for:</a:t>
+            </a:r>
+          </a:p>
+          <a:p>
+            <a:pPr lvl="2"/>
+            <a:r>
+              <a:rPr lang="en-US" dirty="0" smtClean="0"/>
+              <a:t>Distributing references and rules from the archive via simple URL’s.</a:t>
+            </a:r>
+          </a:p>
+          <a:p>
+            <a:pPr lvl="2"/>
+            <a:r>
+              <a:rPr lang="en-US" dirty="0" smtClean="0"/>
+              <a:t>Ingesting reference files into the archive using existing CDBS/OPUS file exchange protocols.</a:t>
+            </a:r>
+            <a:endParaRPr lang="en-US" dirty="0"/>
           </a:p>
         </p:txBody>
       </p:sp>
@@ -6925,11 +6950,7 @@
             </a:r>
             <a:r>
               <a:rPr lang="en-US" dirty="0" smtClean="0"/>
-              <a:t> </a:t>
-            </a:r>
-            <a:r>
-              <a:rPr lang="en-US" dirty="0" smtClean="0"/>
-              <a:t>Relevance</a:t>
+              <a:t> Relevance</a:t>
             </a:r>
             <a:endParaRPr lang="en-US" sz="2800" b="0" i="0" u="none" strike="noStrike" dirty="0" smtClean="0">
               <a:effectLst/>
@@ -7677,17 +7698,7 @@
                 <a:latin typeface="Helvetica"/>
                 <a:sym typeface="Wingdings"/>
               </a:rPr>
-              <a:t>Prevents </a:t>
-            </a:r>
-            <a:r>
-              <a:rPr lang="en-US" sz="1200" b="1" dirty="0" smtClean="0">
-                <a:solidFill>
-                  <a:srgbClr val="3366FF"/>
-                </a:solidFill>
-                <a:latin typeface="Helvetica"/>
-                <a:sym typeface="Wingdings"/>
-              </a:rPr>
-              <a:t>irrelevant parameter values from affecting matching</a:t>
+              <a:t>Prevents irrelevant parameter values from affecting matching</a:t>
             </a:r>
             <a:r>
               <a:rPr lang="en-US" sz="1200" b="1" dirty="0" smtClean="0">
@@ -11090,7 +11101,11 @@
           <a:p>
             <a:r>
               <a:rPr lang="en-US" sz="1600" dirty="0" smtClean="0"/>
-              <a:t>The server does not have to be running</a:t>
+              <a:t>The server does not have to be </a:t>
+            </a:r>
+            <a:r>
+              <a:rPr lang="en-US" sz="1600" dirty="0" smtClean="0"/>
+              <a:t>running</a:t>
             </a:r>
           </a:p>
         </p:txBody>
@@ -13990,7 +14005,6 @@
               <a:rPr lang="en-US" dirty="0" smtClean="0"/>
               <a:t>Prototyped for HST build-2</a:t>
             </a:r>
-            <a:endParaRPr lang="en-US" dirty="0" smtClean="0"/>
           </a:p>
           <a:p>
             <a:r>
@@ -17681,11 +17695,7 @@
             </a:r>
             <a:r>
               <a:rPr lang="en-US" sz="1400" dirty="0" smtClean="0"/>
-              <a:t>use </a:t>
-            </a:r>
-            <a:r>
-              <a:rPr lang="en-US" sz="1400" dirty="0" smtClean="0"/>
-              <a:t>a given reference file</a:t>
+              <a:t>use a given reference file</a:t>
             </a:r>
           </a:p>
           <a:p>
@@ -19068,7 +19078,7 @@
         </p:nvSpPr>
         <p:spPr>
           <a:xfrm>
-            <a:off x="1295400" y="914400"/>
+            <a:off x="1219200" y="1143000"/>
             <a:ext cx="6478587" cy="4953000"/>
           </a:xfrm>
         </p:spPr>
@@ -19185,13 +19195,8 @@
             <a:pPr lvl="1"/>
             <a:r>
               <a:rPr lang="en-US" sz="1600" dirty="0" smtClean="0"/>
-              <a:t>Automatic Instrument, Pipeline Context </a:t>
-            </a:r>
-            <a:r>
-              <a:rPr lang="en-US" sz="1600" dirty="0" smtClean="0"/>
-              <a:t>Rules Updates</a:t>
-            </a:r>
-            <a:endParaRPr lang="en-US" sz="1600" dirty="0" smtClean="0"/>
+              <a:t>Automatic Instrument, Pipeline Context Rules Updates</a:t>
+            </a:r>
           </a:p>
           <a:p>
             <a:pPr lvl="1"/>
@@ -19492,15 +19497,7 @@
                   <a:srgbClr val="3366FF"/>
                 </a:solidFill>
               </a:rPr>
-              <a:t>Dataset Best References,  Explore Best </a:t>
-            </a:r>
-            <a:r>
-              <a:rPr lang="en-US" sz="1050" dirty="0" smtClean="0">
-                <a:solidFill>
-                  <a:srgbClr val="3366FF"/>
-                </a:solidFill>
-              </a:rPr>
-              <a:t>References, Service</a:t>
+              <a:t>Dataset Best References,  Explore Best References, Service</a:t>
             </a:r>
             <a:endParaRPr lang="en-US" sz="1050" dirty="0" smtClean="0"/>
           </a:p>
@@ -19524,7 +19521,35 @@
             </a:r>
             <a:r>
               <a:rPr lang="en-US" sz="1400" dirty="0"/>
-              <a:t>Show where in list of data sets which will use different reference file due to change in </a:t>
+              <a:t>Show </a:t>
+            </a:r>
+            <a:r>
+              <a:rPr lang="en-US" sz="1400" dirty="0" smtClean="0"/>
+              <a:t>which </a:t>
+            </a:r>
+            <a:r>
+              <a:rPr lang="en-US" sz="1400" dirty="0" smtClean="0"/>
+              <a:t>data sets in a list </a:t>
+            </a:r>
+            <a:r>
+              <a:rPr lang="en-US" sz="1400" dirty="0"/>
+              <a:t>will use different </a:t>
+            </a:r>
+            <a:r>
+              <a:rPr lang="en-US" sz="1400" dirty="0" smtClean="0"/>
+              <a:t>references </a:t>
+            </a:r>
+            <a:r>
+              <a:rPr lang="en-US" sz="1400" dirty="0"/>
+              <a:t>file due to </a:t>
+            </a:r>
+            <a:r>
+              <a:rPr lang="en-US" sz="1400" dirty="0" smtClean="0"/>
+              <a:t>changes </a:t>
+            </a:r>
+            <a:r>
+              <a:rPr lang="en-US" sz="1400" dirty="0"/>
+              <a:t>in </a:t>
             </a:r>
             <a:r>
               <a:rPr lang="en-US" sz="1400" dirty="0" smtClean="0"/>
@@ -20004,12 +20029,20 @@
           <a:p>
             <a:pPr lvl="2"/>
             <a:r>
+              <a:rPr lang="en-US" sz="1200" dirty="0" smtClean="0">
+                <a:solidFill>
+                  <a:srgbClr val="CC0000"/>
+                </a:solidFill>
+              </a:rPr>
+              <a:t>HST</a:t>
+            </a:r>
+            <a:r>
               <a:rPr lang="en-US" sz="1200" dirty="0">
                 <a:solidFill>
                   <a:srgbClr val="CC0000"/>
                 </a:solidFill>
               </a:rPr>
-              <a:t>HST-11 </a:t>
+              <a:t>-11 </a:t>
             </a:r>
             <a:r>
               <a:rPr lang="en-US" sz="1200" dirty="0"/>

--- a/docs/DMS_SDR2_09_CRDS_final.pptx
+++ b/docs/DMS_SDR2_09_CRDS_final.pptx
@@ -297,7 +297,7 @@
             </a:pPr>
             <a:fld id="{21EC3080-00C3-4840-8B4C-5199FEA2FD44}" type="datetime1">
               <a:rPr lang="en-US" smtClean="0"/>
-              <a:t>Nov 26 2012</a:t>
+              <a:t>Nov 27 2012</a:t>
             </a:fld>
             <a:endParaRPr lang="en-US"/>
           </a:p>
@@ -847,7 +847,7 @@
             </a:pPr>
             <a:fld id="{ED83A886-433E-6F46-86BE-4CE36E3F8C6C}" type="datetime1">
               <a:rPr lang="en-US" smtClean="0"/>
-              <a:t>Nov 26 2012</a:t>
+              <a:t>Nov 27 2012</a:t>
             </a:fld>
             <a:endParaRPr lang="en-US"/>
           </a:p>
@@ -5431,8 +5431,13 @@
           <a:p>
             <a:r>
               <a:rPr lang="en-US" sz="1800" dirty="0" smtClean="0"/>
-              <a:t>Match weights resolve ambiguities resulting from patterns.</a:t>
-            </a:r>
+              <a:t>Match weights resolve </a:t>
+            </a:r>
+            <a:r>
+              <a:rPr lang="en-US" sz="1800" dirty="0" smtClean="0"/>
+              <a:t>ambiguities from multiple pattern matches.</a:t>
+            </a:r>
+            <a:endParaRPr lang="en-US" sz="1800" dirty="0" smtClean="0"/>
           </a:p>
           <a:p>
             <a:r>
@@ -6002,11 +6007,15 @@
             <a:pPr lvl="2"/>
             <a:r>
               <a:rPr lang="en-US" dirty="0" smtClean="0"/>
-              <a:t>CRDS client *must* have file storage,  might as well share</a:t>
+              <a:t>CRDS client *must* have file storage,  </a:t>
             </a:r>
             <a:r>
               <a:rPr lang="en-US" dirty="0" smtClean="0"/>
-              <a:t>.</a:t>
+              <a:t>so might </a:t>
+            </a:r>
+            <a:r>
+              <a:rPr lang="en-US" dirty="0" smtClean="0"/>
+              <a:t>as well share.</a:t>
             </a:r>
           </a:p>
           <a:p>
@@ -6697,8 +6706,8 @@
         </p:nvSpPr>
         <p:spPr>
           <a:xfrm>
-            <a:off x="1752600" y="5410200"/>
-            <a:ext cx="6019800" cy="1017844"/>
+            <a:off x="1524000" y="5410200"/>
+            <a:ext cx="6019800" cy="940900"/>
           </a:xfrm>
           <a:prstGeom prst="rect">
             <a:avLst/>
@@ -6715,14 +6724,29 @@
               <a:buChar char="•"/>
             </a:pPr>
             <a:r>
-              <a:rPr lang="en-US" sz="1200" b="1" dirty="0" smtClean="0">
+              <a:rPr lang="en-US" sz="1100" b="1" dirty="0" smtClean="0">
                 <a:solidFill>
                   <a:srgbClr val="3366FF"/>
                 </a:solidFill>
                 <a:latin typeface="Helvetica"/>
               </a:rPr>
-              <a:t>Not all reference types are relevant to all instrument modes</a:t>
-            </a:r>
+              <a:t>Not all reference types are relevant to all instrument </a:t>
+            </a:r>
+            <a:r>
+              <a:rPr lang="en-US" sz="1100" b="1" dirty="0" smtClean="0">
+                <a:solidFill>
+                  <a:srgbClr val="3366FF"/>
+                </a:solidFill>
+                <a:latin typeface="Helvetica"/>
+              </a:rPr>
+              <a:t>modes</a:t>
+            </a:r>
+            <a:endParaRPr lang="en-US" sz="1100" b="1" dirty="0" smtClean="0">
+              <a:solidFill>
+                <a:srgbClr val="3366FF"/>
+              </a:solidFill>
+              <a:latin typeface="Helvetica"/>
+            </a:endParaRPr>
           </a:p>
           <a:p>
             <a:pPr marL="171450" indent="-171450">
@@ -6730,7 +6754,7 @@
               <a:buChar char="•"/>
             </a:pPr>
             <a:r>
-              <a:rPr lang="en-US" sz="1200" b="1" dirty="0" smtClean="0">
+              <a:rPr lang="en-US" sz="1100" b="1" dirty="0" smtClean="0">
                 <a:solidFill>
                   <a:schemeClr val="tx1"/>
                 </a:solidFill>
@@ -6745,7 +6769,7 @@
               <a:buChar char="•"/>
             </a:pPr>
             <a:r>
-              <a:rPr lang="en-US" sz="1200" b="1" dirty="0" smtClean="0">
+              <a:rPr lang="en-US" sz="1100" b="1" dirty="0" smtClean="0">
                 <a:solidFill>
                   <a:schemeClr val="tx1"/>
                 </a:solidFill>
@@ -6760,7 +6784,7 @@
               <a:buChar char="•"/>
             </a:pPr>
             <a:r>
-              <a:rPr lang="en-US" sz="1200" b="1" dirty="0" smtClean="0">
+              <a:rPr lang="en-US" sz="1100" b="1" dirty="0" smtClean="0">
                 <a:solidFill>
                   <a:schemeClr val="tx1"/>
                 </a:solidFill>
@@ -6775,7 +6799,7 @@
               <a:buChar char="•"/>
             </a:pPr>
             <a:r>
-              <a:rPr lang="en-US" sz="1200" b="1" dirty="0" smtClean="0">
+              <a:rPr lang="en-US" sz="1100" b="1" dirty="0" smtClean="0">
                 <a:solidFill>
                   <a:schemeClr val="tx1"/>
                 </a:solidFill>
@@ -7659,7 +7683,7 @@
         <p:spPr>
           <a:xfrm>
             <a:off x="1066800" y="5410200"/>
-            <a:ext cx="6858000" cy="833178"/>
+            <a:ext cx="6858000" cy="648512"/>
           </a:xfrm>
           <a:prstGeom prst="rect">
             <a:avLst/>
@@ -7678,18 +7702,13 @@
             <a:r>
               <a:rPr lang="en-US" sz="1200" b="1" dirty="0" smtClean="0">
                 <a:solidFill>
-                  <a:schemeClr val="tx1"/>
-                </a:solidFill>
-                <a:latin typeface="Helvetica"/>
-              </a:rPr>
-              <a:t>Modifies incoming matching parameters</a:t>
-            </a:r>
-          </a:p>
-          <a:p>
-            <a:pPr marL="171450" indent="-171450">
-              <a:buFont typeface="Arial"/>
-              <a:buChar char="•"/>
-            </a:pPr>
+                  <a:srgbClr val="3366FF"/>
+                </a:solidFill>
+                <a:latin typeface="Helvetica"/>
+                <a:sym typeface="Wingdings"/>
+              </a:rPr>
+              <a:t>Prevents </a:t>
+            </a:r>
             <a:r>
               <a:rPr lang="en-US" sz="1200" b="1" dirty="0" smtClean="0">
                 <a:solidFill>
@@ -7698,7 +7717,7 @@
                 <a:latin typeface="Helvetica"/>
                 <a:sym typeface="Wingdings"/>
               </a:rPr>
-              <a:t>Prevents irrelevant parameter values from affecting matching</a:t>
+              <a:t>irrelevant parameter values from affecting matching</a:t>
             </a:r>
             <a:r>
               <a:rPr lang="en-US" sz="1200" b="1" dirty="0" smtClean="0">
@@ -7719,10 +7738,7 @@
             </a:endParaRPr>
           </a:p>
           <a:p>
-            <a:pPr marL="914400" lvl="1" indent="-171450">
-              <a:buFont typeface="Arial"/>
-              <a:buChar char="•"/>
-            </a:pPr>
+            <a:pPr lvl="1" indent="0"/>
             <a:r>
               <a:rPr lang="en-US" sz="1200" b="1" dirty="0" smtClean="0">
                 <a:solidFill>
@@ -7735,10 +7751,7 @@
             </a:r>
           </a:p>
           <a:p>
-            <a:pPr marL="914400" lvl="1" indent="-171450">
-              <a:buFont typeface="Arial"/>
-              <a:buChar char="•"/>
-            </a:pPr>
+            <a:pPr lvl="1" indent="0"/>
             <a:r>
               <a:rPr lang="en-US" sz="1200" b="1" dirty="0" smtClean="0">
                 <a:solidFill>
@@ -9423,7 +9436,7 @@
         </p:nvSpPr>
         <p:spPr>
           <a:xfrm>
-            <a:off x="2438400" y="6096000"/>
+            <a:off x="2438400" y="5943600"/>
             <a:ext cx="4150981" cy="433068"/>
           </a:xfrm>
           <a:prstGeom prst="rect">
@@ -10964,7 +10977,7 @@
         </p:nvSpPr>
         <p:spPr>
           <a:xfrm>
-            <a:off x="838200" y="838200"/>
+            <a:off x="762000" y="1066800"/>
             <a:ext cx="7239000" cy="4267200"/>
           </a:xfrm>
         </p:spPr>
@@ -11101,11 +11114,7 @@
           <a:p>
             <a:r>
               <a:rPr lang="en-US" sz="1600" dirty="0" smtClean="0"/>
-              <a:t>The server does not have to be </a:t>
-            </a:r>
-            <a:r>
-              <a:rPr lang="en-US" sz="1600" dirty="0" smtClean="0"/>
-              <a:t>running</a:t>
+              <a:t>The server does not have to be running</a:t>
             </a:r>
           </a:p>
         </p:txBody>
@@ -13687,7 +13696,7 @@
         </p:blipFill>
         <p:spPr>
           <a:xfrm>
-            <a:off x="457200" y="989536"/>
+            <a:off x="457200" y="914400"/>
             <a:ext cx="8229600" cy="5448087"/>
           </a:xfrm>
           <a:prstGeom prst="rect">
@@ -13884,8 +13893,8 @@
         </p:nvSpPr>
         <p:spPr>
           <a:xfrm>
-            <a:off x="685800" y="914400"/>
-            <a:ext cx="7769225" cy="5553075"/>
+            <a:off x="685800" y="1143000"/>
+            <a:ext cx="7769225" cy="5105400"/>
           </a:xfrm>
         </p:spPr>
         <p:txBody>
@@ -13893,125 +13902,138 @@
           <a:lstStyle/>
           <a:p>
             <a:r>
-              <a:rPr lang="en-US" dirty="0" smtClean="0"/>
+              <a:rPr lang="en-US" sz="1600" dirty="0" smtClean="0"/>
               <a:t>Intended for routine reference file submissions:</a:t>
             </a:r>
           </a:p>
           <a:p>
             <a:pPr lvl="1"/>
             <a:r>
-              <a:rPr lang="en-US" dirty="0" smtClean="0"/>
+              <a:rPr lang="en-US" sz="1600" dirty="0" smtClean="0"/>
               <a:t>File replacements</a:t>
             </a:r>
           </a:p>
           <a:p>
             <a:pPr lvl="1"/>
             <a:r>
-              <a:rPr lang="en-US" dirty="0" smtClean="0"/>
+              <a:rPr lang="en-US" sz="1600" dirty="0" smtClean="0"/>
               <a:t>Date specific insert/appends</a:t>
             </a:r>
           </a:p>
           <a:p>
             <a:r>
-              <a:rPr lang="en-US" dirty="0" smtClean="0"/>
+              <a:rPr lang="en-US" sz="1600" dirty="0" smtClean="0"/>
               <a:t>Steps of File Submission</a:t>
             </a:r>
           </a:p>
           <a:p>
             <a:pPr lvl="1"/>
             <a:r>
-              <a:rPr lang="en-US" dirty="0" smtClean="0"/>
+              <a:rPr lang="en-US" sz="1600" dirty="0" smtClean="0"/>
               <a:t>Upload new </a:t>
             </a:r>
             <a:r>
-              <a:rPr lang="en-US" dirty="0"/>
+              <a:rPr lang="en-US" sz="1600" dirty="0"/>
               <a:t>r</a:t>
             </a:r>
             <a:r>
-              <a:rPr lang="en-US" dirty="0" smtClean="0"/>
+              <a:rPr lang="en-US" sz="1600" dirty="0" smtClean="0"/>
               <a:t>eference files for one type, e.g. MIRI DARK</a:t>
             </a:r>
           </a:p>
           <a:p>
             <a:pPr lvl="1"/>
             <a:r>
-              <a:rPr lang="en-US" dirty="0" smtClean="0"/>
+              <a:rPr lang="en-US" sz="1600" dirty="0" smtClean="0"/>
               <a:t>Check new references</a:t>
             </a:r>
           </a:p>
           <a:p>
             <a:pPr lvl="2"/>
             <a:r>
-              <a:rPr lang="en-US" dirty="0" smtClean="0"/>
+              <a:rPr lang="en-US" sz="1400" dirty="0" smtClean="0"/>
               <a:t>Allowed parameter values</a:t>
             </a:r>
           </a:p>
           <a:p>
             <a:pPr lvl="2"/>
             <a:r>
-              <a:rPr lang="en-US" dirty="0" smtClean="0"/>
+              <a:rPr lang="en-US" sz="1400" dirty="0" smtClean="0"/>
               <a:t>FITS table mode coverage:  mode additions and removals</a:t>
             </a:r>
           </a:p>
           <a:p>
             <a:pPr lvl="1"/>
             <a:r>
-              <a:rPr lang="en-US" i="1" dirty="0" smtClean="0"/>
+              <a:rPr lang="en-US" sz="1600" i="1" dirty="0" smtClean="0"/>
               <a:t>Automatically</a:t>
             </a:r>
             <a:r>
-              <a:rPr lang="en-US" dirty="0" smtClean="0"/>
+              <a:rPr lang="en-US" sz="1600" dirty="0" smtClean="0"/>
               <a:t> update rules hierarchy</a:t>
             </a:r>
           </a:p>
           <a:p>
             <a:pPr lvl="2"/>
             <a:r>
-              <a:rPr lang="en-US" dirty="0" smtClean="0"/>
+              <a:rPr lang="en-US" sz="1400" dirty="0" smtClean="0"/>
               <a:t>Insert / replace files in existing .rmap Match() cases</a:t>
             </a:r>
           </a:p>
           <a:p>
             <a:pPr lvl="3"/>
             <a:r>
-              <a:rPr lang="en-US" dirty="0" smtClean="0"/>
+              <a:rPr lang="en-US" sz="1200" dirty="0" smtClean="0"/>
               <a:t>Currently limited to Match() -&gt; </a:t>
             </a:r>
             <a:r>
-              <a:rPr lang="en-US" dirty="0" err="1" smtClean="0"/>
+              <a:rPr lang="en-US" sz="1200" dirty="0" err="1" smtClean="0"/>
               <a:t>UseAfter</a:t>
             </a:r>
             <a:r>
-              <a:rPr lang="en-US" dirty="0" smtClean="0"/>
+              <a:rPr lang="en-US" sz="1200" dirty="0" smtClean="0"/>
               <a:t>()</a:t>
             </a:r>
           </a:p>
           <a:p>
             <a:pPr lvl="2"/>
             <a:r>
-              <a:rPr lang="en-US" dirty="0" smtClean="0"/>
-              <a:t>Automatically regenerate higher level contexts</a:t>
-            </a:r>
+              <a:rPr lang="en-US" sz="1400" dirty="0" smtClean="0"/>
+              <a:t>Update </a:t>
+            </a:r>
+            <a:r>
+              <a:rPr lang="en-US" sz="1400" dirty="0" smtClean="0"/>
+              <a:t>higher </a:t>
+            </a:r>
+            <a:r>
+              <a:rPr lang="en-US" sz="1400" dirty="0" smtClean="0"/>
+              <a:t>level </a:t>
+            </a:r>
+            <a:r>
+              <a:rPr lang="en-US" sz="1400" dirty="0" smtClean="0"/>
+              <a:t>contexts to refer to new rmaps</a:t>
+            </a:r>
+            <a:endParaRPr lang="en-US" sz="1400" dirty="0" smtClean="0"/>
           </a:p>
           <a:p>
             <a:pPr lvl="1"/>
             <a:r>
-              <a:rPr lang="en-US" dirty="0" smtClean="0"/>
+              <a:rPr lang="en-US" sz="1600" dirty="0" smtClean="0"/>
               <a:t>Present results for review and confirmation</a:t>
             </a:r>
           </a:p>
           <a:p>
             <a:r>
-              <a:rPr lang="en-US" dirty="0" smtClean="0"/>
+              <a:rPr lang="en-US" sz="1600" dirty="0" smtClean="0"/>
               <a:t>Prototyped for HST build-2</a:t>
             </a:r>
           </a:p>
           <a:p>
             <a:r>
-              <a:rPr lang="en-US" dirty="0" smtClean="0"/>
+              <a:rPr lang="en-US" sz="1600" dirty="0" smtClean="0"/>
               <a:t>Needs generalization to support all JWST Selectors</a:t>
             </a:r>
-            <a:endParaRPr lang="en-US" dirty="0"/>
+            <a:endParaRPr lang="en-US" sz="1600" dirty="0"/>
           </a:p>
         </p:txBody>
       </p:sp>
@@ -14025,7 +14047,12 @@
             <p:ph type="ftr" sz="quarter" idx="11"/>
           </p:nvPr>
         </p:nvSpPr>
-        <p:spPr/>
+        <p:spPr>
+          <a:xfrm>
+            <a:off x="1371600" y="6580685"/>
+            <a:ext cx="6040437" cy="276225"/>
+          </a:xfrm>
+        </p:spPr>
         <p:txBody>
           <a:bodyPr/>
           <a:lstStyle/>
@@ -15312,7 +15339,7 @@
         </p:blipFill>
         <p:spPr>
           <a:xfrm>
-            <a:off x="685800" y="1143000"/>
+            <a:off x="685800" y="990600"/>
             <a:ext cx="8077200" cy="5299018"/>
           </a:xfrm>
           <a:prstGeom prst="rect">
@@ -15768,8 +15795,8 @@
         </p:nvSpPr>
         <p:spPr>
           <a:xfrm>
-            <a:off x="684213" y="914400"/>
-            <a:ext cx="7769225" cy="5543550"/>
+            <a:off x="685800" y="1219200"/>
+            <a:ext cx="7769225" cy="4419600"/>
           </a:xfrm>
           <a:prstGeom prst="rect">
             <a:avLst/>
@@ -15948,48 +15975,6 @@
               </a:defRPr>
             </a:lvl9pPr>
           </a:lstStyle>
-          <a:p>
-            <a:pPr marL="0" indent="0" eaLnBrk="1" hangingPunct="1">
-              <a:lnSpc>
-                <a:spcPct val="90000"/>
-              </a:lnSpc>
-              <a:spcBef>
-                <a:spcPts val="400"/>
-              </a:spcBef>
-              <a:spcAft>
-                <a:spcPts val="800"/>
-              </a:spcAft>
-              <a:buFont typeface="Wingdings" pitchFamily="2" charset="2"/>
-              <a:buNone/>
-              <a:tabLst>
-                <a:tab pos="330200" algn="l"/>
-                <a:tab pos="442913" algn="l"/>
-                <a:tab pos="900113" algn="l"/>
-                <a:tab pos="1357313" algn="l"/>
-                <a:tab pos="1814513" algn="l"/>
-                <a:tab pos="2271713" algn="l"/>
-                <a:tab pos="2728913" algn="l"/>
-                <a:tab pos="3186113" algn="l"/>
-                <a:tab pos="3643313" algn="l"/>
-                <a:tab pos="4100513" algn="l"/>
-                <a:tab pos="4557713" algn="l"/>
-                <a:tab pos="5014913" algn="l"/>
-                <a:tab pos="5472113" algn="l"/>
-                <a:tab pos="5929313" algn="l"/>
-                <a:tab pos="6386513" algn="l"/>
-                <a:tab pos="6843713" algn="l"/>
-                <a:tab pos="7300913" algn="l"/>
-                <a:tab pos="7758113" algn="l"/>
-                <a:tab pos="8215313" algn="l"/>
-                <a:tab pos="8672513" algn="l"/>
-                <a:tab pos="9129713" algn="l"/>
-              </a:tabLst>
-            </a:pPr>
-            <a:r>
-              <a:rPr lang="en-US" sz="1600" smtClean="0"/>
-              <a:t>(Not a complete list)</a:t>
-            </a:r>
-          </a:p>
           <a:p>
             <a:pPr eaLnBrk="1" hangingPunct="1">
               <a:lnSpc>
@@ -16026,8 +16011,12 @@
               </a:tabLst>
             </a:pPr>
             <a:r>
-              <a:rPr lang="en-US" sz="1600" smtClean="0"/>
-              <a:t>General Utilities (useful for more than one category)</a:t>
+              <a:rPr lang="en-US" sz="1600" dirty="0" smtClean="0"/>
+              <a:t>General </a:t>
+            </a:r>
+            <a:r>
+              <a:rPr lang="en-US" sz="1600" dirty="0" smtClean="0"/>
+              <a:t>Utilities (useful for more than one category)</a:t>
             </a:r>
           </a:p>
           <a:p>
@@ -16066,8 +16055,16 @@
               </a:tabLst>
             </a:pPr>
             <a:r>
-              <a:rPr lang="en-US" sz="1600" smtClean="0"/>
-              <a:t>Cache Synchronization  (crds.sync)</a:t>
+              <a:rPr lang="en-US" sz="1600" dirty="0" smtClean="0"/>
+              <a:t>Cache Synchronization  (</a:t>
+            </a:r>
+            <a:r>
+              <a:rPr lang="en-US" sz="1600" dirty="0" err="1" smtClean="0"/>
+              <a:t>crds.sync</a:t>
+            </a:r>
+            <a:r>
+              <a:rPr lang="en-US" sz="1600" dirty="0" smtClean="0"/>
+              <a:t>)</a:t>
             </a:r>
           </a:p>
           <a:p>
@@ -16106,7 +16103,7 @@
               </a:tabLst>
             </a:pPr>
             <a:r>
-              <a:rPr lang="en-US" sz="1400" smtClean="0"/>
+              <a:rPr lang="en-US" sz="1400" dirty="0" smtClean="0"/>
               <a:t>synchronize local reference file directories to contain all reference files required by given list of pipeline contexts </a:t>
             </a:r>
           </a:p>
@@ -16146,7 +16143,7 @@
               </a:tabLst>
             </a:pPr>
             <a:r>
-              <a:rPr lang="en-US" sz="1400" smtClean="0"/>
+              <a:rPr lang="en-US" sz="1400" dirty="0" smtClean="0"/>
               <a:t>Useful for Operations, WIT, and other projects (e.g., IDTs)</a:t>
             </a:r>
           </a:p>
@@ -16186,11 +16183,11 @@
               </a:tabLst>
             </a:pPr>
             <a:r>
-              <a:rPr lang="en-US" sz="1600" smtClean="0"/>
+              <a:rPr lang="en-US" sz="1600" dirty="0" smtClean="0"/>
               <a:t>File Differencing  (</a:t>
             </a:r>
             <a:r>
-              <a:rPr lang="en-US" sz="1600" smtClean="0">
+              <a:rPr lang="en-US" sz="1600" dirty="0" err="1" smtClean="0">
                 <a:solidFill>
                   <a:srgbClr val="3366FF"/>
                 </a:solidFill>
@@ -16198,7 +16195,7 @@
               <a:t>crds.diff</a:t>
             </a:r>
             <a:r>
-              <a:rPr lang="en-US" sz="1600" smtClean="0"/>
+              <a:rPr lang="en-US" sz="1600" dirty="0" smtClean="0"/>
               <a:t>)</a:t>
             </a:r>
           </a:p>
@@ -16238,7 +16235,7 @@
               </a:tabLst>
             </a:pPr>
             <a:r>
-              <a:rPr lang="en-US" sz="1400" smtClean="0"/>
+              <a:rPr lang="en-US" sz="1400" dirty="0" smtClean="0"/>
               <a:t>Highlight all differences in rules and reference files between rmaps, instrument contexts or pipeline contexts</a:t>
             </a:r>
           </a:p>
@@ -16278,11 +16275,11 @@
               </a:tabLst>
             </a:pPr>
             <a:r>
-              <a:rPr lang="en-US" sz="1600" smtClean="0"/>
+              <a:rPr lang="en-US" sz="1600" dirty="0" smtClean="0"/>
               <a:t>File Best References (</a:t>
             </a:r>
             <a:r>
-              <a:rPr lang="en-US" sz="1600" smtClean="0">
+              <a:rPr lang="en-US" sz="1600" dirty="0" err="1" smtClean="0">
                 <a:solidFill>
                   <a:srgbClr val="3366FF"/>
                 </a:solidFill>
@@ -16290,7 +16287,7 @@
               <a:t>crds.file_bestfrefs</a:t>
             </a:r>
             <a:r>
-              <a:rPr lang="en-US" sz="1600" smtClean="0"/>
+              <a:rPr lang="en-US" sz="1600" dirty="0" smtClean="0"/>
               <a:t>)</a:t>
             </a:r>
           </a:p>
@@ -16330,7 +16327,7 @@
               </a:tabLst>
             </a:pPr>
             <a:r>
-              <a:rPr lang="en-US" sz="1400" smtClean="0"/>
+              <a:rPr lang="en-US" sz="1400" dirty="0" smtClean="0"/>
               <a:t>Determines best references for a data set FITS file and/or updates header</a:t>
             </a:r>
           </a:p>
@@ -16370,8 +16367,16 @@
               </a:tabLst>
             </a:pPr>
             <a:r>
-              <a:rPr lang="en-US" sz="1600" smtClean="0"/>
-              <a:t>Database Best References  (crds.db_bestrefs)</a:t>
+              <a:rPr lang="en-US" sz="1600" dirty="0" smtClean="0"/>
+              <a:t>Database Best References  (</a:t>
+            </a:r>
+            <a:r>
+              <a:rPr lang="en-US" sz="1600" dirty="0" err="1" smtClean="0"/>
+              <a:t>crds.db_bestrefs</a:t>
+            </a:r>
+            <a:r>
+              <a:rPr lang="en-US" sz="1600" dirty="0" smtClean="0"/>
+              <a:t>)</a:t>
             </a:r>
           </a:p>
           <a:p>
@@ -16410,10 +16415,9 @@
               </a:tabLst>
             </a:pPr>
             <a:r>
-              <a:rPr lang="en-US" sz="1400" smtClean="0"/>
+              <a:rPr lang="en-US" sz="1400" dirty="0" smtClean="0"/>
               <a:t>Determines best references based on catalog parameters and/or updates catalog</a:t>
             </a:r>
-            <a:endParaRPr lang="en-US" sz="1400" dirty="0" smtClean="0"/>
           </a:p>
         </p:txBody>
       </p:sp>
@@ -16579,7 +16583,7 @@
         </p:nvSpPr>
         <p:spPr>
           <a:xfrm>
-            <a:off x="457200" y="838200"/>
+            <a:off x="457200" y="914400"/>
             <a:ext cx="8216900" cy="5367338"/>
           </a:xfrm>
           <a:prstGeom prst="rect">
@@ -16795,7 +16799,7 @@
               </a:tabLst>
             </a:pPr>
             <a:r>
-              <a:rPr lang="en-US" sz="1600" smtClean="0"/>
+              <a:rPr lang="en-US" sz="1600" dirty="0" smtClean="0"/>
               <a:t>Operational System Utilities</a:t>
             </a:r>
           </a:p>
@@ -16835,7 +16839,7 @@
               </a:tabLst>
             </a:pPr>
             <a:r>
-              <a:rPr lang="en-US" sz="1600" smtClean="0"/>
+              <a:rPr lang="en-US" sz="1600" dirty="0" smtClean="0"/>
               <a:t>Reversion Detection</a:t>
             </a:r>
           </a:p>
@@ -16875,7 +16879,7 @@
               </a:tabLst>
             </a:pPr>
             <a:r>
-              <a:rPr lang="en-US" sz="1400" smtClean="0"/>
+              <a:rPr lang="en-US" sz="1400" dirty="0" smtClean="0"/>
               <a:t>Detection of reversion of reference, rmap, or instrument context files when changing pipeline context</a:t>
             </a:r>
           </a:p>
@@ -16915,7 +16919,7 @@
               </a:tabLst>
             </a:pPr>
             <a:r>
-              <a:rPr lang="en-US" sz="1400" smtClean="0"/>
+              <a:rPr lang="en-US" sz="1400" dirty="0" smtClean="0"/>
               <a:t>Prevents inadvertent undoing of previous updates by uncoordinated modifications</a:t>
             </a:r>
           </a:p>
@@ -16955,7 +16959,7 @@
               </a:tabLst>
             </a:pPr>
             <a:r>
-              <a:rPr lang="en-US" sz="1600" smtClean="0"/>
+              <a:rPr lang="en-US" sz="1600" dirty="0" smtClean="0"/>
               <a:t>Affected Datasets</a:t>
             </a:r>
           </a:p>
@@ -16995,7 +16999,7 @@
               </a:tabLst>
             </a:pPr>
             <a:r>
-              <a:rPr lang="en-US" sz="1400" smtClean="0"/>
+              <a:rPr lang="en-US" sz="1400" dirty="0" smtClean="0"/>
               <a:t>Get list of datasets affected by pipeline context change</a:t>
             </a:r>
           </a:p>
@@ -17035,7 +17039,7 @@
               </a:tabLst>
             </a:pPr>
             <a:r>
-              <a:rPr lang="en-US" sz="1400" smtClean="0"/>
+              <a:rPr lang="en-US" sz="1400" dirty="0" smtClean="0"/>
               <a:t>Useful for identifying data sets needing reprocessing</a:t>
             </a:r>
           </a:p>
@@ -17075,7 +17079,7 @@
               </a:tabLst>
             </a:pPr>
             <a:r>
-              <a:rPr lang="en-US" sz="1400" smtClean="0"/>
+              <a:rPr lang="en-US" sz="1400" dirty="0" smtClean="0"/>
               <a:t>Design Issue: Some table reference files have rows selected by additional selection criteria. A change to the file does not necessarily affect all data sets that use that reference table. This utility must examine the contents of these tables to determine which data sets are affected (and store the selection criteria for the rows in rmaps for this utility to use in doing such checks)</a:t>
             </a:r>
           </a:p>
@@ -17115,7 +17119,7 @@
               </a:tabLst>
             </a:pPr>
             <a:r>
-              <a:rPr lang="en-US" sz="1400" smtClean="0"/>
+              <a:rPr lang="en-US" sz="1400" dirty="0" smtClean="0"/>
               <a:t>Design Issue: Selection based on severity of change of reference file change. Some desire the ability of selecting only data sets for which the change in reference files is considered to be above some specified threshold (e.g., moderate, or severe).</a:t>
             </a:r>
           </a:p>
@@ -17155,7 +17159,7 @@
               </a:tabLst>
             </a:pPr>
             <a:r>
-              <a:rPr lang="en-US" sz="1000" smtClean="0"/>
+              <a:rPr lang="en-US" sz="1000" dirty="0" smtClean="0"/>
               <a:t>Very difficult problem to do correctly and make practical</a:t>
             </a:r>
           </a:p>
@@ -17195,10 +17199,9 @@
               </a:tabLst>
             </a:pPr>
             <a:r>
-              <a:rPr lang="en-US" sz="1000" smtClean="0"/>
+              <a:rPr lang="en-US" sz="1000" dirty="0" smtClean="0"/>
               <a:t>Awaiting well defined concept for how this should work before accepting as a requirement</a:t>
             </a:r>
-            <a:endParaRPr lang="en-US" sz="1000" dirty="0" smtClean="0"/>
           </a:p>
         </p:txBody>
       </p:sp>
@@ -17364,7 +17367,7 @@
         </p:nvSpPr>
         <p:spPr>
           <a:xfrm>
-            <a:off x="457200" y="914400"/>
+            <a:off x="457200" y="990600"/>
             <a:ext cx="8216900" cy="5367338"/>
           </a:xfrm>
           <a:prstGeom prst="rect">
@@ -19078,7 +19081,7 @@
         </p:nvSpPr>
         <p:spPr>
           <a:xfrm>
-            <a:off x="1219200" y="1143000"/>
+            <a:off x="1219200" y="1066800"/>
             <a:ext cx="6478587" cy="4953000"/>
           </a:xfrm>
         </p:spPr>
@@ -19127,83 +19130,100 @@
               <a:rPr lang="en-US" sz="1600" dirty="0" smtClean="0"/>
               <a:t>) </a:t>
             </a:r>
+            <a:endParaRPr lang="en-US" sz="1600" dirty="0" smtClean="0"/>
           </a:p>
           <a:p>
             <a:pPr lvl="1"/>
             <a:r>
               <a:rPr lang="en-US" sz="1600" dirty="0" smtClean="0"/>
+              <a:t>Command Line</a:t>
+            </a:r>
+            <a:endParaRPr lang="en-US" sz="1600" dirty="0" smtClean="0"/>
+          </a:p>
+          <a:p>
+            <a:pPr lvl="2"/>
+            <a:r>
+              <a:rPr lang="en-US" sz="1400" dirty="0" smtClean="0"/>
               <a:t>Integration with STPIPE</a:t>
             </a:r>
           </a:p>
           <a:p>
+            <a:pPr lvl="2"/>
+            <a:r>
+              <a:rPr lang="en-US" sz="1400" dirty="0"/>
+              <a:t>JWST build-1 rules and references</a:t>
+            </a:r>
+          </a:p>
+          <a:p>
+            <a:pPr lvl="2"/>
+            <a:r>
+              <a:rPr lang="en-US" sz="1400" dirty="0" smtClean="0"/>
+              <a:t>HST rules generation and test (for now)</a:t>
+            </a:r>
+          </a:p>
+          <a:p>
+            <a:pPr lvl="2"/>
+            <a:r>
+              <a:rPr lang="en-US" sz="1400" dirty="0" smtClean="0"/>
+              <a:t>HST file certification</a:t>
+            </a:r>
+          </a:p>
+          <a:p>
             <a:pPr lvl="1"/>
             <a:r>
-              <a:rPr lang="en-US" sz="1600" dirty="0"/>
-              <a:t>JWST build-1 rules and references</a:t>
-            </a:r>
-          </a:p>
-          <a:p>
-            <a:pPr lvl="1"/>
-            <a:r>
               <a:rPr lang="en-US" sz="1600" dirty="0" smtClean="0"/>
-              <a:t>HST rules generation and test (for now)</a:t>
-            </a:r>
-          </a:p>
-          <a:p>
-            <a:pPr lvl="1"/>
-            <a:r>
-              <a:rPr lang="en-US" sz="1600" dirty="0" smtClean="0"/>
-              <a:t>HST file certification</a:t>
-            </a:r>
-          </a:p>
-          <a:p>
-            <a:pPr lvl="1"/>
-            <a:r>
-              <a:rPr lang="en-US" sz="1600" dirty="0" smtClean="0"/>
+              <a:t>Web</a:t>
+            </a:r>
+          </a:p>
+          <a:p>
+            <a:pPr lvl="2"/>
+            <a:r>
+              <a:rPr lang="en-US" sz="1400" dirty="0" smtClean="0"/>
               <a:t>File browsing</a:t>
             </a:r>
           </a:p>
           <a:p>
-            <a:pPr lvl="1"/>
-            <a:r>
-              <a:rPr lang="en-US" sz="1600" dirty="0" smtClean="0"/>
+            <a:pPr lvl="2"/>
+            <a:r>
+              <a:rPr lang="en-US" sz="1400" dirty="0" smtClean="0"/>
               <a:t>File differencing</a:t>
             </a:r>
           </a:p>
           <a:p>
-            <a:pPr lvl="1"/>
-            <a:r>
-              <a:rPr lang="en-US" sz="1600" dirty="0"/>
-              <a:t>Web Best Reference prototypes</a:t>
-            </a:r>
-          </a:p>
-          <a:p>
-            <a:pPr lvl="1"/>
-            <a:r>
-              <a:rPr lang="en-US" sz="1600" dirty="0" smtClean="0"/>
-              <a:t>Simple File Submission </a:t>
-            </a:r>
-          </a:p>
-          <a:p>
-            <a:pPr lvl="1"/>
-            <a:r>
-              <a:rPr lang="en-US" sz="1600" dirty="0" smtClean="0"/>
+            <a:pPr lvl="2"/>
+            <a:r>
+              <a:rPr lang="en-US" sz="1400" dirty="0" smtClean="0"/>
+              <a:t>Interactive Web Best Reference prototypes</a:t>
+            </a:r>
+          </a:p>
+          <a:p>
+            <a:pPr lvl="2"/>
+            <a:r>
+              <a:rPr lang="en-US" sz="1400" dirty="0" smtClean="0"/>
+              <a:t>Simple File Submission</a:t>
+            </a:r>
+          </a:p>
+          <a:p>
+            <a:pPr lvl="2"/>
+            <a:r>
+              <a:rPr lang="en-US" sz="1400" dirty="0" smtClean="0"/>
               <a:t>Batch File Submission (prototype,  needs generalization)</a:t>
             </a:r>
           </a:p>
           <a:p>
-            <a:pPr lvl="1"/>
-            <a:r>
-              <a:rPr lang="en-US" sz="1600" dirty="0" smtClean="0"/>
+            <a:pPr lvl="2"/>
+            <a:r>
+              <a:rPr lang="en-US" sz="1400" dirty="0" smtClean="0"/>
               <a:t>Automatic Instrument, Pipeline Context Rules Updates</a:t>
             </a:r>
           </a:p>
           <a:p>
-            <a:pPr lvl="1"/>
-            <a:r>
-              <a:rPr lang="en-US" sz="1600" dirty="0" smtClean="0"/>
+            <a:pPr lvl="2"/>
+            <a:r>
+              <a:rPr lang="en-US" sz="1400" dirty="0" smtClean="0"/>
               <a:t>Reference File Retrieval Service</a:t>
             </a:r>
+            <a:endParaRPr lang="en-US" sz="1400" dirty="0" smtClean="0"/>
           </a:p>
         </p:txBody>
       </p:sp>
@@ -19525,11 +19545,7 @@
             </a:r>
             <a:r>
               <a:rPr lang="en-US" sz="1400" dirty="0" smtClean="0"/>
-              <a:t>which </a:t>
-            </a:r>
-            <a:r>
-              <a:rPr lang="en-US" sz="1400" dirty="0" smtClean="0"/>
-              <a:t>data sets in a list </a:t>
+              <a:t>which data sets in a list </a:t>
             </a:r>
             <a:r>
               <a:rPr lang="en-US" sz="1400" dirty="0"/>
@@ -23848,8 +23864,8 @@
         </p:nvSpPr>
         <p:spPr>
           <a:xfrm>
-            <a:off x="1371600" y="1371600"/>
-            <a:ext cx="6553200" cy="4588052"/>
+            <a:off x="1143000" y="1295400"/>
+            <a:ext cx="6553200" cy="4003276"/>
           </a:xfrm>
           <a:prstGeom prst="rect">
             <a:avLst/>
@@ -23862,7 +23878,7 @@
           <a:lstStyle/>
           <a:p>
             <a:r>
-              <a:rPr lang="tr-TR" sz="1600" dirty="0" err="1">
+              <a:rPr lang="tr-TR" sz="1400" dirty="0" err="1">
                 <a:solidFill>
                   <a:schemeClr val="tx1"/>
                 </a:solidFill>
@@ -23871,7 +23887,7 @@
               <a:t>header</a:t>
             </a:r>
             <a:r>
-              <a:rPr lang="tr-TR" sz="1600" dirty="0">
+              <a:rPr lang="tr-TR" sz="1400" dirty="0">
                 <a:solidFill>
                   <a:schemeClr val="tx1"/>
                 </a:solidFill>
@@ -23882,7 +23898,7 @@
           </a:p>
           <a:p>
             <a:r>
-              <a:rPr lang="tr-TR" sz="1600" dirty="0">
+              <a:rPr lang="tr-TR" sz="1400" dirty="0">
                 <a:solidFill>
                   <a:schemeClr val="tx1"/>
                 </a:solidFill>
@@ -23891,7 +23907,7 @@
               <a:t>    '</a:t>
             </a:r>
             <a:r>
-              <a:rPr lang="tr-TR" sz="1600" dirty="0" err="1">
+              <a:rPr lang="tr-TR" sz="1400" dirty="0" err="1">
                 <a:solidFill>
                   <a:schemeClr val="tx1"/>
                 </a:solidFill>
@@ -23900,7 +23916,7 @@
               <a:t>derived_from</a:t>
             </a:r>
             <a:r>
-              <a:rPr lang="tr-TR" sz="1600" dirty="0">
+              <a:rPr lang="tr-TR" sz="1400" dirty="0">
                 <a:solidFill>
                   <a:schemeClr val="tx1"/>
                 </a:solidFill>
@@ -23909,7 +23925,7 @@
               <a:t>' : '</a:t>
             </a:r>
             <a:r>
-              <a:rPr lang="tr-TR" sz="1600" dirty="0" err="1">
+              <a:rPr lang="tr-TR" sz="1400" dirty="0" err="1">
                 <a:solidFill>
                   <a:schemeClr val="tx1"/>
                 </a:solidFill>
@@ -23918,7 +23934,7 @@
               <a:t>cloning</a:t>
             </a:r>
             <a:r>
-              <a:rPr lang="tr-TR" sz="1600" dirty="0">
+              <a:rPr lang="tr-TR" sz="1400" dirty="0">
                 <a:solidFill>
                   <a:schemeClr val="tx1"/>
                 </a:solidFill>
@@ -23927,7 +23943,7 @@
               <a:t> </a:t>
             </a:r>
             <a:r>
-              <a:rPr lang="tr-TR" sz="1600" dirty="0" err="1">
+              <a:rPr lang="tr-TR" sz="1400" dirty="0" err="1">
                 <a:solidFill>
                   <a:schemeClr val="tx1"/>
                 </a:solidFill>
@@ -23936,7 +23952,7 @@
               <a:t>tool</a:t>
             </a:r>
             <a:r>
-              <a:rPr lang="tr-TR" sz="1600" dirty="0">
+              <a:rPr lang="tr-TR" sz="1400" dirty="0">
                 <a:solidFill>
                   <a:schemeClr val="tx1"/>
                 </a:solidFill>
@@ -23947,7 +23963,7 @@
           </a:p>
           <a:p>
             <a:r>
-              <a:rPr lang="tr-TR" sz="1600" dirty="0">
+              <a:rPr lang="tr-TR" sz="1400" dirty="0">
                 <a:solidFill>
                   <a:schemeClr val="tx1"/>
                 </a:solidFill>
@@ -23956,7 +23972,7 @@
               <a:t>    '</a:t>
             </a:r>
             <a:r>
-              <a:rPr lang="tr-TR" sz="1600" dirty="0" err="1">
+              <a:rPr lang="tr-TR" sz="1400" dirty="0" err="1">
                 <a:solidFill>
                   <a:schemeClr val="tx1"/>
                 </a:solidFill>
@@ -23965,7 +23981,7 @@
               <a:t>description</a:t>
             </a:r>
             <a:r>
-              <a:rPr lang="tr-TR" sz="1600" dirty="0">
+              <a:rPr lang="tr-TR" sz="1400" dirty="0">
                 <a:solidFill>
                   <a:schemeClr val="tx1"/>
                 </a:solidFill>
@@ -23974,7 +23990,7 @@
               <a:t>' : '</a:t>
             </a:r>
             <a:r>
-              <a:rPr lang="tr-TR" sz="1600" dirty="0" err="1">
+              <a:rPr lang="tr-TR" sz="1400" dirty="0" err="1">
                 <a:solidFill>
                   <a:schemeClr val="tx1"/>
                 </a:solidFill>
@@ -23983,7 +23999,7 @@
               <a:t>rules</a:t>
             </a:r>
             <a:r>
-              <a:rPr lang="tr-TR" sz="1600" dirty="0">
+              <a:rPr lang="tr-TR" sz="1400" dirty="0">
                 <a:solidFill>
                   <a:schemeClr val="tx1"/>
                 </a:solidFill>
@@ -23992,7 +24008,7 @@
               <a:t> </a:t>
             </a:r>
             <a:r>
-              <a:rPr lang="tr-TR" sz="1600" dirty="0" err="1">
+              <a:rPr lang="tr-TR" sz="1400" dirty="0" err="1">
                 <a:solidFill>
                   <a:schemeClr val="tx1"/>
                 </a:solidFill>
@@ -24001,7 +24017,7 @@
               <a:t>from</a:t>
             </a:r>
             <a:r>
-              <a:rPr lang="tr-TR" sz="1600" dirty="0">
+              <a:rPr lang="tr-TR" sz="1400" dirty="0">
                 <a:solidFill>
                   <a:schemeClr val="tx1"/>
                 </a:solidFill>
@@ -24010,7 +24026,7 @@
               <a:t> </a:t>
             </a:r>
             <a:r>
-              <a:rPr lang="tr-TR" sz="1600" dirty="0" err="1">
+              <a:rPr lang="tr-TR" sz="1400" dirty="0" err="1">
                 <a:solidFill>
                   <a:schemeClr val="tx1"/>
                 </a:solidFill>
@@ -24019,7 +24035,7 @@
               <a:t>clone_directive.txt</a:t>
             </a:r>
             <a:r>
-              <a:rPr lang="tr-TR" sz="1600" dirty="0">
+              <a:rPr lang="tr-TR" sz="1400" dirty="0">
                 <a:solidFill>
                   <a:schemeClr val="tx1"/>
                 </a:solidFill>
@@ -24030,7 +24046,7 @@
           </a:p>
           <a:p>
             <a:r>
-              <a:rPr lang="tr-TR" sz="1600" dirty="0">
+              <a:rPr lang="tr-TR" sz="1400" dirty="0">
                 <a:solidFill>
                   <a:schemeClr val="tx1"/>
                 </a:solidFill>
@@ -24039,7 +24055,7 @@
               <a:t>    '</a:t>
             </a:r>
             <a:r>
-              <a:rPr lang="tr-TR" sz="1600" dirty="0" err="1">
+              <a:rPr lang="tr-TR" sz="1400" dirty="0" err="1">
                 <a:solidFill>
                   <a:schemeClr val="tx1"/>
                 </a:solidFill>
@@ -24048,7 +24064,7 @@
               <a:t>mapping</a:t>
             </a:r>
             <a:r>
-              <a:rPr lang="tr-TR" sz="1600" dirty="0">
+              <a:rPr lang="tr-TR" sz="1400" dirty="0">
                 <a:solidFill>
                   <a:schemeClr val="tx1"/>
                 </a:solidFill>
@@ -24059,7 +24075,7 @@
           </a:p>
           <a:p>
             <a:r>
-              <a:rPr lang="tr-TR" sz="1600" dirty="0">
+              <a:rPr lang="tr-TR" sz="1400" dirty="0">
                 <a:solidFill>
                   <a:schemeClr val="tx1"/>
                 </a:solidFill>
@@ -24070,7 +24086,7 @@
           </a:p>
           <a:p>
             <a:r>
-              <a:rPr lang="tr-TR" sz="1600" dirty="0">
+              <a:rPr lang="tr-TR" sz="1400" dirty="0">
                 <a:solidFill>
                   <a:schemeClr val="tx1"/>
                 </a:solidFill>
@@ -24079,7 +24095,7 @@
               <a:t>    '</a:t>
             </a:r>
             <a:r>
-              <a:rPr lang="tr-TR" sz="1600" dirty="0" err="1">
+              <a:rPr lang="tr-TR" sz="1400" dirty="0" err="1">
                 <a:solidFill>
                   <a:schemeClr val="tx1"/>
                 </a:solidFill>
@@ -24088,7 +24104,7 @@
               <a:t>observatory</a:t>
             </a:r>
             <a:r>
-              <a:rPr lang="tr-TR" sz="1600" dirty="0">
+              <a:rPr lang="tr-TR" sz="1400" dirty="0">
                 <a:solidFill>
                   <a:schemeClr val="tx1"/>
                 </a:solidFill>
@@ -24099,7 +24115,7 @@
           </a:p>
           <a:p>
             <a:r>
-              <a:rPr lang="tr-TR" sz="1600" dirty="0">
+              <a:rPr lang="tr-TR" sz="1400" dirty="0">
                 <a:solidFill>
                   <a:schemeClr val="tx1"/>
                 </a:solidFill>
@@ -24108,7 +24124,7 @@
               <a:t>    '</a:t>
             </a:r>
             <a:r>
-              <a:rPr lang="tr-TR" sz="1600" dirty="0" err="1">
+              <a:rPr lang="tr-TR" sz="1400" dirty="0" err="1">
                 <a:solidFill>
                   <a:schemeClr val="tx1"/>
                 </a:solidFill>
@@ -24117,7 +24133,7 @@
               <a:t>parkey</a:t>
             </a:r>
             <a:r>
-              <a:rPr lang="tr-TR" sz="1600" dirty="0">
+              <a:rPr lang="tr-TR" sz="1400" dirty="0">
                 <a:solidFill>
                   <a:schemeClr val="tx1"/>
                 </a:solidFill>
@@ -24128,7 +24144,7 @@
           </a:p>
           <a:p>
             <a:r>
-              <a:rPr lang="tr-TR" sz="1600" dirty="0">
+              <a:rPr lang="tr-TR" sz="1400" dirty="0">
                 <a:solidFill>
                   <a:schemeClr val="tx1"/>
                 </a:solidFill>
@@ -24139,7 +24155,7 @@
           </a:p>
           <a:p>
             <a:r>
-              <a:rPr lang="tr-TR" sz="1600" dirty="0">
+              <a:rPr lang="tr-TR" sz="1400" dirty="0">
                 <a:solidFill>
                   <a:schemeClr val="tx1"/>
                 </a:solidFill>
@@ -24149,7 +24165,7 @@
             </a:r>
           </a:p>
           <a:p>
-            <a:endParaRPr lang="tr-TR" sz="1600" dirty="0">
+            <a:endParaRPr lang="tr-TR" sz="1400" dirty="0">
               <a:solidFill>
                 <a:schemeClr val="tx1"/>
               </a:solidFill>
@@ -24158,7 +24174,7 @@
           </a:p>
           <a:p>
             <a:r>
-              <a:rPr lang="tr-TR" sz="1600" dirty="0" err="1">
+              <a:rPr lang="tr-TR" sz="1400" dirty="0" err="1">
                 <a:solidFill>
                   <a:schemeClr val="tx1"/>
                 </a:solidFill>
@@ -24167,58 +24183,58 @@
               <a:t>selector</a:t>
             </a:r>
             <a:r>
+              <a:rPr lang="tr-TR" sz="1400" dirty="0">
+                <a:solidFill>
+                  <a:schemeClr val="tx1"/>
+                </a:solidFill>
+                <a:latin typeface="Helvetica"/>
+              </a:rPr>
+              <a:t> = {</a:t>
+            </a:r>
+          </a:p>
+          <a:p>
+            <a:r>
+              <a:rPr lang="tr-TR" sz="1400" dirty="0">
+                <a:solidFill>
+                  <a:schemeClr val="tx1"/>
+                </a:solidFill>
+                <a:latin typeface="Helvetica"/>
+              </a:rPr>
+              <a:t>    'FGS' : 'jwst_fgs_0000.imap',</a:t>
+            </a:r>
+          </a:p>
+          <a:p>
+            <a:r>
+              <a:rPr lang="tr-TR" sz="1400" dirty="0">
+                <a:solidFill>
+                  <a:schemeClr val="tx1"/>
+                </a:solidFill>
+                <a:latin typeface="Helvetica"/>
+              </a:rPr>
+              <a:t>    </a:t>
+            </a:r>
+            <a:r>
+              <a:rPr lang="tr-TR" sz="1600" b="1" dirty="0">
+                <a:solidFill>
+                  <a:schemeClr val="tx1"/>
+                </a:solidFill>
+                <a:latin typeface="Helvetica"/>
+              </a:rPr>
+              <a:t>'MIRI' : 'jwst_miri_0000.imap'</a:t>
+            </a:r>
+            <a:r>
               <a:rPr lang="tr-TR" sz="1600" dirty="0">
                 <a:solidFill>
                   <a:schemeClr val="tx1"/>
                 </a:solidFill>
                 <a:latin typeface="Helvetica"/>
               </a:rPr>
-              <a:t> = {</a:t>
-            </a:r>
-          </a:p>
-          <a:p>
-            <a:r>
-              <a:rPr lang="tr-TR" sz="1600" dirty="0">
-                <a:solidFill>
-                  <a:schemeClr val="tx1"/>
-                </a:solidFill>
-                <a:latin typeface="Helvetica"/>
-              </a:rPr>
-              <a:t>    'FGS' : 'jwst_fgs_0000.imap',</a:t>
-            </a:r>
-          </a:p>
-          <a:p>
-            <a:r>
-              <a:rPr lang="tr-TR" sz="1600" dirty="0">
-                <a:solidFill>
-                  <a:schemeClr val="tx1"/>
-                </a:solidFill>
-                <a:latin typeface="Helvetica"/>
-              </a:rPr>
-              <a:t>    </a:t>
-            </a:r>
-            <a:r>
-              <a:rPr lang="tr-TR" sz="1800" b="1" dirty="0">
-                <a:solidFill>
-                  <a:schemeClr val="tx1"/>
-                </a:solidFill>
-                <a:latin typeface="Helvetica"/>
-              </a:rPr>
-              <a:t>'MIRI' : 'jwst_miri_0000.imap'</a:t>
-            </a:r>
-            <a:r>
-              <a:rPr lang="tr-TR" sz="1800" dirty="0">
-                <a:solidFill>
-                  <a:schemeClr val="tx1"/>
-                </a:solidFill>
-                <a:latin typeface="Helvetica"/>
-              </a:rPr>
               <a:t>,</a:t>
             </a:r>
           </a:p>
           <a:p>
             <a:r>
-              <a:rPr lang="tr-TR" sz="1600" dirty="0">
+              <a:rPr lang="tr-TR" sz="1400" dirty="0">
                 <a:solidFill>
                   <a:schemeClr val="tx1"/>
                 </a:solidFill>
@@ -24229,7 +24245,7 @@
           </a:p>
           <a:p>
             <a:r>
-              <a:rPr lang="tr-TR" sz="1600" dirty="0">
+              <a:rPr lang="tr-TR" sz="1400" dirty="0">
                 <a:solidFill>
                   <a:schemeClr val="tx1"/>
                 </a:solidFill>
@@ -24240,7 +24256,7 @@
           </a:p>
           <a:p>
             <a:r>
-              <a:rPr lang="tr-TR" sz="1600" dirty="0">
+              <a:rPr lang="tr-TR" sz="1400" dirty="0">
                 <a:solidFill>
                   <a:schemeClr val="tx1"/>
                 </a:solidFill>
@@ -24251,7 +24267,7 @@
           </a:p>
           <a:p>
             <a:r>
-              <a:rPr lang="tr-TR" sz="1600" dirty="0">
+              <a:rPr lang="tr-TR" sz="1400" dirty="0">
                 <a:solidFill>
                   <a:schemeClr val="tx1"/>
                 </a:solidFill>
@@ -24261,7 +24277,7 @@
             </a:r>
           </a:p>
           <a:p>
-            <a:endParaRPr lang="en-US" sz="1600" dirty="0" smtClean="0">
+            <a:endParaRPr lang="en-US" sz="1400" dirty="0" smtClean="0">
               <a:solidFill>
                 <a:schemeClr val="tx1"/>
               </a:solidFill>
@@ -24278,7 +24294,7 @@
         </p:nvSpPr>
         <p:spPr>
           <a:xfrm>
-            <a:off x="3276600" y="914400"/>
+            <a:off x="3276600" y="838200"/>
             <a:ext cx="1797848" cy="309958"/>
           </a:xfrm>
           <a:prstGeom prst="rect">
@@ -24311,8 +24327,8 @@
         </p:nvSpPr>
         <p:spPr>
           <a:xfrm>
-            <a:off x="990600" y="5867400"/>
-            <a:ext cx="7543800" cy="556179"/>
+            <a:off x="990600" y="5486400"/>
+            <a:ext cx="7543800" cy="579262"/>
           </a:xfrm>
           <a:prstGeom prst="rect">
             <a:avLst/>
@@ -24324,26 +24340,133 @@
           </a:bodyPr>
           <a:lstStyle/>
           <a:p>
-            <a:r>
-              <a:rPr lang="en-US" sz="1000" dirty="0" smtClean="0">
-                <a:solidFill>
-                  <a:schemeClr val="tx1"/>
-                </a:solidFill>
-                <a:latin typeface="Helvetica"/>
-              </a:rPr>
-              <a:t>Pipeline Context files,  like all CRDS mapping files,  has a versioned name.</a:t>
-            </a:r>
-          </a:p>
-          <a:p>
-            <a:r>
-              <a:rPr lang="en-US" sz="1000" dirty="0" smtClean="0">
-                <a:solidFill>
-                  <a:schemeClr val="tx1"/>
-                </a:solidFill>
-                <a:latin typeface="Helvetica"/>
-              </a:rPr>
-              <a:t>One Pipeline Context file (and the set of referred mappings) defines the configuration of CRDS,  replacing the state of the CDBS database,</a:t>
-            </a:r>
+            <a:pPr marL="171450" indent="-171450">
+              <a:buFont typeface="Arial"/>
+              <a:buChar char="•"/>
+            </a:pPr>
+            <a:r>
+              <a:rPr lang="en-US" sz="1050" dirty="0" smtClean="0">
+                <a:solidFill>
+                  <a:schemeClr val="accent2">
+                    <a:lumMod val="60000"/>
+                    <a:lumOff val="40000"/>
+                  </a:schemeClr>
+                </a:solidFill>
+                <a:latin typeface="Helvetica"/>
+              </a:rPr>
+              <a:t>All CRDS rules files have versioned names:  e.g.  jwst_0000.pmap</a:t>
+            </a:r>
+            <a:endParaRPr lang="en-US" sz="1050" dirty="0" smtClean="0">
+              <a:solidFill>
+                <a:schemeClr val="accent2">
+                  <a:lumMod val="60000"/>
+                  <a:lumOff val="40000"/>
+                </a:schemeClr>
+              </a:solidFill>
+              <a:latin typeface="Helvetica"/>
+            </a:endParaRPr>
+          </a:p>
+          <a:p>
+            <a:pPr marL="171450" indent="-171450">
+              <a:buFont typeface="Arial"/>
+              <a:buChar char="•"/>
+            </a:pPr>
+            <a:r>
+              <a:rPr lang="en-US" sz="1050" dirty="0" smtClean="0">
+                <a:solidFill>
+                  <a:schemeClr val="accent2">
+                    <a:lumMod val="60000"/>
+                    <a:lumOff val="40000"/>
+                  </a:schemeClr>
+                </a:solidFill>
+                <a:latin typeface="Helvetica"/>
+              </a:rPr>
+              <a:t>One Pipeline Context file (and the set of referred mappings) defines the configuration of </a:t>
+            </a:r>
+            <a:r>
+              <a:rPr lang="en-US" sz="1050" dirty="0" smtClean="0">
+                <a:solidFill>
+                  <a:schemeClr val="accent2">
+                    <a:lumMod val="60000"/>
+                    <a:lumOff val="40000"/>
+                  </a:schemeClr>
+                </a:solidFill>
+                <a:latin typeface="Helvetica"/>
+              </a:rPr>
+              <a:t>CRDS</a:t>
+            </a:r>
+            <a:endParaRPr lang="en-US" sz="1050" dirty="0">
+              <a:solidFill>
+                <a:schemeClr val="accent2">
+                  <a:lumMod val="60000"/>
+                  <a:lumOff val="40000"/>
+                </a:schemeClr>
+              </a:solidFill>
+              <a:latin typeface="Helvetica"/>
+            </a:endParaRPr>
+          </a:p>
+          <a:p>
+            <a:pPr marL="171450" indent="-171450">
+              <a:buFont typeface="Arial"/>
+              <a:buChar char="•"/>
+            </a:pPr>
+            <a:r>
+              <a:rPr lang="en-US" sz="1050" dirty="0" smtClean="0">
+                <a:solidFill>
+                  <a:schemeClr val="accent2">
+                    <a:lumMod val="60000"/>
+                    <a:lumOff val="40000"/>
+                  </a:schemeClr>
+                </a:solidFill>
+                <a:latin typeface="Helvetica"/>
+              </a:rPr>
+              <a:t>Replaces</a:t>
+            </a:r>
+            <a:r>
+              <a:rPr lang="en-US" sz="1050" dirty="0" smtClean="0">
+                <a:solidFill>
+                  <a:schemeClr val="accent2">
+                    <a:lumMod val="60000"/>
+                    <a:lumOff val="40000"/>
+                  </a:schemeClr>
+                </a:solidFill>
+                <a:latin typeface="Helvetica"/>
+              </a:rPr>
+              <a:t> </a:t>
+            </a:r>
+            <a:r>
+              <a:rPr lang="en-US" sz="1050" dirty="0" smtClean="0">
+                <a:solidFill>
+                  <a:schemeClr val="accent2">
+                    <a:lumMod val="60000"/>
+                    <a:lumOff val="40000"/>
+                  </a:schemeClr>
+                </a:solidFill>
+                <a:latin typeface="Helvetica"/>
+              </a:rPr>
+              <a:t>the state of the CDBS </a:t>
+            </a:r>
+            <a:r>
+              <a:rPr lang="en-US" sz="1050" dirty="0" smtClean="0">
+                <a:solidFill>
+                  <a:schemeClr val="accent2">
+                    <a:lumMod val="60000"/>
+                    <a:lumOff val="40000"/>
+                  </a:schemeClr>
+                </a:solidFill>
+                <a:latin typeface="Helvetica"/>
+              </a:rPr>
+              <a:t>database.</a:t>
+            </a:r>
+            <a:endParaRPr lang="en-US" sz="1050" dirty="0" smtClean="0">
+              <a:solidFill>
+                <a:schemeClr val="accent2">
+                  <a:lumMod val="60000"/>
+                  <a:lumOff val="40000"/>
+                </a:schemeClr>
+              </a:solidFill>
+              <a:latin typeface="Helvetica"/>
+            </a:endParaRPr>
           </a:p>
         </p:txBody>
       </p:sp>

--- a/docs/DMS_SDR2_09_CRDS_final.pptx
+++ b/docs/DMS_SDR2_09_CRDS_final.pptx
@@ -297,7 +297,7 @@
             </a:pPr>
             <a:fld id="{21EC3080-00C3-4840-8B4C-5199FEA2FD44}" type="datetime1">
               <a:rPr lang="en-US" smtClean="0"/>
-              <a:t>Nov 27 2012</a:t>
+              <a:t>Nov 29 2012</a:t>
             </a:fld>
             <a:endParaRPr lang="en-US"/>
           </a:p>
@@ -847,7 +847,7 @@
             </a:pPr>
             <a:fld id="{ED83A886-433E-6F46-86BE-4CE36E3F8C6C}" type="datetime1">
               <a:rPr lang="en-US" smtClean="0"/>
-              <a:t>Nov 27 2012</a:t>
+              <a:t>Nov 29 2012</a:t>
             </a:fld>
             <a:endParaRPr lang="en-US"/>
           </a:p>
@@ -5431,13 +5431,8 @@
           <a:p>
             <a:r>
               <a:rPr lang="en-US" sz="1800" dirty="0" smtClean="0"/>
-              <a:t>Match weights resolve </a:t>
-            </a:r>
-            <a:r>
-              <a:rPr lang="en-US" sz="1800" dirty="0" smtClean="0"/>
-              <a:t>ambiguities from multiple pattern matches.</a:t>
-            </a:r>
-            <a:endParaRPr lang="en-US" sz="1800" dirty="0" smtClean="0"/>
+              <a:t>Match weights resolve ambiguities from multiple pattern matches.</a:t>
+            </a:r>
           </a:p>
           <a:p>
             <a:r>
@@ -6007,15 +6002,7 @@
             <a:pPr lvl="2"/>
             <a:r>
               <a:rPr lang="en-US" dirty="0" smtClean="0"/>
-              <a:t>CRDS client *must* have file storage,  </a:t>
-            </a:r>
-            <a:r>
-              <a:rPr lang="en-US" dirty="0" smtClean="0"/>
-              <a:t>so might </a:t>
-            </a:r>
-            <a:r>
-              <a:rPr lang="en-US" dirty="0" smtClean="0"/>
-              <a:t>as well share.</a:t>
+              <a:t>CRDS client *must* have file storage,  so might as well share.</a:t>
             </a:r>
           </a:p>
           <a:p>
@@ -6730,23 +6717,8 @@
                 </a:solidFill>
                 <a:latin typeface="Helvetica"/>
               </a:rPr>
-              <a:t>Not all reference types are relevant to all instrument </a:t>
-            </a:r>
-            <a:r>
-              <a:rPr lang="en-US" sz="1100" b="1" dirty="0" smtClean="0">
-                <a:solidFill>
-                  <a:srgbClr val="3366FF"/>
-                </a:solidFill>
-                <a:latin typeface="Helvetica"/>
-              </a:rPr>
-              <a:t>modes</a:t>
-            </a:r>
-            <a:endParaRPr lang="en-US" sz="1100" b="1" dirty="0" smtClean="0">
-              <a:solidFill>
-                <a:srgbClr val="3366FF"/>
-              </a:solidFill>
-              <a:latin typeface="Helvetica"/>
-            </a:endParaRPr>
+              <a:t>Not all reference types are relevant to all instrument modes</a:t>
+            </a:r>
           </a:p>
           <a:p>
             <a:pPr marL="171450" indent="-171450">
@@ -7707,17 +7679,7 @@
                 <a:latin typeface="Helvetica"/>
                 <a:sym typeface="Wingdings"/>
               </a:rPr>
-              <a:t>Prevents </a:t>
-            </a:r>
-            <a:r>
-              <a:rPr lang="en-US" sz="1200" b="1" dirty="0" smtClean="0">
-                <a:solidFill>
-                  <a:srgbClr val="3366FF"/>
-                </a:solidFill>
-                <a:latin typeface="Helvetica"/>
-                <a:sym typeface="Wingdings"/>
-              </a:rPr>
-              <a:t>irrelevant parameter values from affecting matching</a:t>
+              <a:t>Prevents irrelevant parameter values from affecting matching</a:t>
             </a:r>
             <a:r>
               <a:rPr lang="en-US" sz="1200" b="1" dirty="0" smtClean="0">
@@ -8155,7 +8117,6 @@
               <a:rPr lang="en-US" dirty="0" smtClean="0"/>
               <a:t>Files are cached client-side to avoid repeat network transfers</a:t>
             </a:r>
-            <a:endParaRPr lang="en-US" sz="1400" dirty="0" smtClean="0"/>
           </a:p>
           <a:p>
             <a:pPr lvl="1"/>
@@ -9281,7 +9242,7 @@
         </p:nvSpPr>
         <p:spPr>
           <a:xfrm>
-            <a:off x="3810000" y="3657600"/>
+            <a:off x="3733800" y="3733800"/>
             <a:ext cx="1752600" cy="248402"/>
           </a:xfrm>
           <a:prstGeom prst="rect">
@@ -9301,8 +9262,23 @@
                 </a:solidFill>
                 <a:latin typeface="Helvetica"/>
               </a:rPr>
-              <a:t>Best References</a:t>
-            </a:r>
+              <a:t>Best </a:t>
+            </a:r>
+            <a:r>
+              <a:rPr lang="en-US" sz="1000" dirty="0" smtClean="0">
+                <a:solidFill>
+                  <a:schemeClr val="tx1"/>
+                </a:solidFill>
+                <a:latin typeface="Helvetica"/>
+              </a:rPr>
+              <a:t>Reference Names</a:t>
+            </a:r>
+            <a:endParaRPr lang="en-US" sz="1000" dirty="0" smtClean="0">
+              <a:solidFill>
+                <a:schemeClr val="tx1"/>
+              </a:solidFill>
+              <a:latin typeface="Helvetica"/>
+            </a:endParaRPr>
           </a:p>
         </p:txBody>
       </p:sp>
@@ -10490,8 +10466,8 @@
         </p:nvSpPr>
         <p:spPr>
           <a:xfrm>
-            <a:off x="5562600" y="4114800"/>
-            <a:ext cx="1447800" cy="248402"/>
+            <a:off x="5638800" y="4114800"/>
+            <a:ext cx="1981200" cy="248402"/>
           </a:xfrm>
           <a:prstGeom prst="rect">
             <a:avLst/>
@@ -10510,8 +10486,23 @@
                 </a:solidFill>
                 <a:latin typeface="Helvetica"/>
               </a:rPr>
-              <a:t>Best References</a:t>
-            </a:r>
+              <a:t>Best </a:t>
+            </a:r>
+            <a:r>
+              <a:rPr lang="en-US" sz="1000" dirty="0" smtClean="0">
+                <a:solidFill>
+                  <a:schemeClr val="tx1"/>
+                </a:solidFill>
+                <a:latin typeface="Helvetica"/>
+              </a:rPr>
+              <a:t>References Names</a:t>
+            </a:r>
+            <a:endParaRPr lang="en-US" sz="1000" dirty="0" smtClean="0">
+              <a:solidFill>
+                <a:schemeClr val="tx1"/>
+              </a:solidFill>
+              <a:latin typeface="Helvetica"/>
+            </a:endParaRPr>
           </a:p>
         </p:txBody>
       </p:sp>
@@ -10977,8 +10968,8 @@
         </p:nvSpPr>
         <p:spPr>
           <a:xfrm>
-            <a:off x="762000" y="1066800"/>
-            <a:ext cx="7239000" cy="4267200"/>
+            <a:off x="457200" y="990600"/>
+            <a:ext cx="8305800" cy="4572000"/>
           </a:xfrm>
         </p:spPr>
         <p:txBody>
@@ -10986,135 +10977,151 @@
           <a:lstStyle/>
           <a:p>
             <a:r>
+              <a:rPr lang="en-US" sz="1600" dirty="0"/>
+              <a:t>Locally Computed </a:t>
+            </a:r>
+            <a:r>
+              <a:rPr lang="en-US" sz="1600" dirty="0" err="1"/>
+              <a:t>Bestrefs</a:t>
+            </a:r>
+            <a:endParaRPr lang="en-US" sz="1600" dirty="0"/>
+          </a:p>
+          <a:p>
+            <a:pPr lvl="1"/>
+            <a:r>
+              <a:rPr lang="en-US" sz="1600" dirty="0"/>
+              <a:t>Same CRDS core library used in STPIPE and CRDS Server</a:t>
+            </a:r>
+          </a:p>
+          <a:p>
+            <a:pPr lvl="1"/>
+            <a:r>
+              <a:rPr lang="en-US" sz="1600" dirty="0"/>
+              <a:t>Best references can be computed directly by the STPIPE process </a:t>
+            </a:r>
+            <a:r>
               <a:rPr lang="en-US" sz="1600" dirty="0" smtClean="0"/>
-              <a:t>CRDS clients cache needed reference files to avoid repeat network transfers.</a:t>
-            </a:r>
-          </a:p>
-          <a:p>
+              <a:t>by calling </a:t>
+            </a:r>
+            <a:r>
+              <a:rPr lang="en-US" sz="1600" dirty="0"/>
+              <a:t>a local CRDS library </a:t>
+            </a:r>
             <a:r>
               <a:rPr lang="en-US" sz="1600" dirty="0" smtClean="0"/>
-              <a:t>As long as client cache is correct,  it doesn’t matter where it came from:</a:t>
+              <a:t>function rather than a network service.</a:t>
+            </a:r>
+            <a:endParaRPr lang="en-US" sz="1600" dirty="0"/>
+          </a:p>
+          <a:p>
+            <a:r>
+              <a:rPr lang="en-US" sz="1600" dirty="0" smtClean="0"/>
+              <a:t>Shared Local File Cache</a:t>
             </a:r>
           </a:p>
           <a:p>
             <a:pPr lvl="1"/>
             <a:r>
               <a:rPr lang="en-US" sz="1600" dirty="0" smtClean="0"/>
-              <a:t>CRDS transparent file retrieval</a:t>
+              <a:t>CRDS clients cache reference files to avoid repeat network transfers.</a:t>
             </a:r>
           </a:p>
           <a:p>
             <a:pPr lvl="1"/>
             <a:r>
               <a:rPr lang="en-US" sz="1600" dirty="0" smtClean="0"/>
-              <a:t>CRDS cache sync command line tool</a:t>
-            </a:r>
+              <a:t>CRDS configuration defines the cache directory for each </a:t>
+            </a:r>
+            <a:r>
+              <a:rPr lang="en-US" sz="1600" dirty="0" smtClean="0"/>
+              <a:t>client/</a:t>
+            </a:r>
+            <a:r>
+              <a:rPr lang="en-US" sz="1600" dirty="0" smtClean="0"/>
+              <a:t>user</a:t>
+            </a:r>
+            <a:r>
+              <a:rPr lang="en-US" sz="1600" dirty="0" smtClean="0"/>
+              <a:t>.</a:t>
+            </a:r>
+            <a:endParaRPr lang="en-US" sz="1600" dirty="0" smtClean="0"/>
           </a:p>
           <a:p>
             <a:pPr lvl="1"/>
             <a:r>
-              <a:rPr lang="en-US" sz="1600" i="1" dirty="0" smtClean="0">
-                <a:solidFill>
-                  <a:srgbClr val="000000"/>
-                </a:solidFill>
-              </a:rPr>
-              <a:t>Network file sharing of CRDS server cache as CRDS client’s cache</a:t>
-            </a:r>
-          </a:p>
-          <a:p>
-            <a:r>
               <a:rPr lang="en-US" sz="1600" dirty="0" smtClean="0"/>
-              <a:t>Server-less mode clients share read-only file </a:t>
+              <a:t>Localized CRDS clients can share a single read only “master” cache which contains all files.</a:t>
+            </a:r>
+          </a:p>
+          <a:p>
+            <a:pPr lvl="1"/>
+            <a:r>
+              <a:rPr lang="en-US" sz="1600" dirty="0" smtClean="0"/>
+              <a:t>Since the shared cache has all files, no explicit network transfers occur.</a:t>
+            </a:r>
+          </a:p>
+          <a:p>
+            <a:pPr lvl="1"/>
+            <a:r>
+              <a:rPr lang="en-US" sz="1600" dirty="0" smtClean="0"/>
+              <a:t>Requires </a:t>
             </a:r>
             <a:r>
               <a:rPr lang="en-US" sz="1600" dirty="0"/>
-              <a:t>cache with server</a:t>
-            </a:r>
-          </a:p>
-          <a:p>
+              <a:t>access to Central Store /</a:t>
+            </a:r>
+            <a:r>
+              <a:rPr lang="en-US" sz="1600" dirty="0" err="1"/>
+              <a:t>grp</a:t>
+            </a:r>
+            <a:r>
+              <a:rPr lang="en-US" sz="1600" dirty="0"/>
+              <a:t>/</a:t>
+            </a:r>
+            <a:r>
+              <a:rPr lang="en-US" sz="1600" dirty="0" err="1"/>
+              <a:t>crds</a:t>
+            </a:r>
+            <a:r>
+              <a:rPr lang="en-US" sz="1600" dirty="0"/>
+              <a:t>/</a:t>
+            </a:r>
+            <a:r>
+              <a:rPr lang="en-US" sz="1600" dirty="0" err="1"/>
+              <a:t>jwst</a:t>
+            </a:r>
+            <a:endParaRPr lang="en-US" sz="1600" dirty="0"/>
+          </a:p>
+          <a:p>
+            <a:pPr lvl="1"/>
+            <a:r>
+              <a:rPr lang="en-US" sz="1600" dirty="0"/>
+              <a:t>Only one copy of reference files </a:t>
+            </a:r>
             <a:r>
               <a:rPr lang="en-US" sz="1600" dirty="0" smtClean="0"/>
-              <a:t>Server-less mode client cache </a:t>
-            </a:r>
-            <a:r>
-              <a:rPr lang="en-US" sz="1600" dirty="0"/>
-              <a:t>fetches </a:t>
-            </a:r>
+              <a:t>needed</a:t>
+            </a:r>
+          </a:p>
+          <a:p>
             <a:r>
               <a:rPr lang="en-US" sz="1600" dirty="0" smtClean="0"/>
-              <a:t>all automatically </a:t>
-            </a:r>
-            <a:r>
-              <a:rPr lang="en-US" sz="1600" dirty="0"/>
-              <a:t>“hit”</a:t>
-            </a:r>
-          </a:p>
-          <a:p>
-            <a:r>
-              <a:rPr lang="en-US" sz="1600" dirty="0"/>
-              <a:t>Same CRDS </a:t>
-            </a:r>
+              <a:t>The CRDS Server does not have to be running for this configuration</a:t>
+            </a:r>
+          </a:p>
+          <a:p>
+            <a:pPr lvl="1"/>
             <a:r>
               <a:rPr lang="en-US" sz="1600" dirty="0" smtClean="0"/>
-              <a:t>core library </a:t>
-            </a:r>
-            <a:r>
-              <a:rPr lang="en-US" sz="1600" dirty="0"/>
-              <a:t>used in STPIPE and CRDS Server</a:t>
-            </a:r>
-          </a:p>
-          <a:p>
-            <a:pPr lvl="1"/>
+              <a:t>No remote </a:t>
+            </a:r>
+            <a:r>
+              <a:rPr lang="en-US" sz="1600" dirty="0" err="1" smtClean="0"/>
+              <a:t>bestrefs</a:t>
+            </a:r>
             <a:r>
               <a:rPr lang="en-US" sz="1600" dirty="0" smtClean="0"/>
-              <a:t>Best references are computed directly by the </a:t>
-            </a:r>
-            <a:r>
-              <a:rPr lang="en-US" sz="1600" dirty="0" err="1" smtClean="0"/>
-              <a:t>stpipe</a:t>
-            </a:r>
-            <a:r>
-              <a:rPr lang="en-US" sz="1600" dirty="0" smtClean="0"/>
-              <a:t> process calling a local CRDS library function</a:t>
-            </a:r>
-          </a:p>
-          <a:p>
-            <a:r>
-              <a:rPr lang="en-US" sz="1600" dirty="0" smtClean="0"/>
-              <a:t>Requires access to Central Store /</a:t>
-            </a:r>
-            <a:r>
-              <a:rPr lang="en-US" sz="1600" dirty="0" err="1" smtClean="0"/>
-              <a:t>grp</a:t>
-            </a:r>
-            <a:r>
-              <a:rPr lang="en-US" sz="1600" dirty="0" smtClean="0"/>
-              <a:t>/</a:t>
-            </a:r>
-            <a:r>
-              <a:rPr lang="en-US" sz="1600" dirty="0" err="1" smtClean="0"/>
-              <a:t>crds</a:t>
-            </a:r>
-            <a:r>
-              <a:rPr lang="en-US" sz="1600" dirty="0" smtClean="0"/>
-              <a:t>/</a:t>
-            </a:r>
-            <a:r>
-              <a:rPr lang="en-US" sz="1600" dirty="0" err="1" smtClean="0"/>
-              <a:t>jwst</a:t>
-            </a:r>
-            <a:endParaRPr lang="en-US" sz="1600" dirty="0" smtClean="0"/>
-          </a:p>
-          <a:p>
-            <a:r>
-              <a:rPr lang="en-US" sz="1600" dirty="0" smtClean="0"/>
-              <a:t>Only one copy of reference files needed</a:t>
-            </a:r>
-          </a:p>
-          <a:p>
-            <a:r>
-              <a:rPr lang="en-US" sz="1600" dirty="0" smtClean="0"/>
-              <a:t>The server does not have to be running</a:t>
+              <a:t> + no explicit file transfers = no server required</a:t>
             </a:r>
           </a:p>
         </p:txBody>
@@ -11138,7 +11145,7 @@
               <a:defRPr/>
             </a:pPr>
             <a:r>
-              <a:rPr lang="en-US" smtClean="0"/>
+              <a:rPr lang="en-US" dirty="0" smtClean="0"/>
               <a:t>S&amp;OC DMS System Design Review</a:t>
             </a:r>
             <a:endParaRPr lang="en-US" dirty="0"/>
@@ -12257,7 +12264,7 @@
         <p:spPr>
           <a:xfrm>
             <a:off x="2362200" y="4191000"/>
-            <a:ext cx="1447800" cy="248402"/>
+            <a:ext cx="1828800" cy="248402"/>
           </a:xfrm>
           <a:prstGeom prst="rect">
             <a:avLst/>
@@ -12276,8 +12283,23 @@
                 </a:solidFill>
                 <a:latin typeface="Helvetica"/>
               </a:rPr>
-              <a:t>Best References</a:t>
-            </a:r>
+              <a:t>Best </a:t>
+            </a:r>
+            <a:r>
+              <a:rPr lang="en-US" sz="1000" dirty="0" smtClean="0">
+                <a:solidFill>
+                  <a:schemeClr val="tx1"/>
+                </a:solidFill>
+                <a:latin typeface="Helvetica"/>
+              </a:rPr>
+              <a:t>Reference Names</a:t>
+            </a:r>
+            <a:endParaRPr lang="en-US" sz="1000" dirty="0" smtClean="0">
+              <a:solidFill>
+                <a:schemeClr val="tx1"/>
+              </a:solidFill>
+              <a:latin typeface="Helvetica"/>
+            </a:endParaRPr>
           </a:p>
         </p:txBody>
       </p:sp>
@@ -13999,21 +14021,8 @@
             <a:pPr lvl="2"/>
             <a:r>
               <a:rPr lang="en-US" sz="1400" dirty="0" smtClean="0"/>
-              <a:t>Update </a:t>
-            </a:r>
-            <a:r>
-              <a:rPr lang="en-US" sz="1400" dirty="0" smtClean="0"/>
-              <a:t>higher </a:t>
-            </a:r>
-            <a:r>
-              <a:rPr lang="en-US" sz="1400" dirty="0" smtClean="0"/>
-              <a:t>level </a:t>
-            </a:r>
-            <a:r>
-              <a:rPr lang="en-US" sz="1400" dirty="0" smtClean="0"/>
-              <a:t>contexts to refer to new rmaps</a:t>
-            </a:r>
-            <a:endParaRPr lang="en-US" sz="1400" dirty="0" smtClean="0"/>
+              <a:t>Update higher level contexts to refer to new rmaps</a:t>
+            </a:r>
           </a:p>
           <a:p>
             <a:pPr lvl="1"/>
@@ -16012,11 +16021,7 @@
             </a:pPr>
             <a:r>
               <a:rPr lang="en-US" sz="1600" dirty="0" smtClean="0"/>
-              <a:t>General </a:t>
-            </a:r>
-            <a:r>
-              <a:rPr lang="en-US" sz="1600" dirty="0" smtClean="0"/>
-              <a:t>Utilities (useful for more than one category)</a:t>
+              <a:t>General Utilities (useful for more than one category)</a:t>
             </a:r>
           </a:p>
           <a:p>
@@ -16583,8 +16588,8 @@
         </p:nvSpPr>
         <p:spPr>
           <a:xfrm>
-            <a:off x="457200" y="914400"/>
-            <a:ext cx="8216900" cy="5367338"/>
+            <a:off x="304800" y="1066800"/>
+            <a:ext cx="8686800" cy="4876800"/>
           </a:xfrm>
           <a:prstGeom prst="rect">
             <a:avLst/>
@@ -16840,7 +16845,15 @@
             </a:pPr>
             <a:r>
               <a:rPr lang="en-US" sz="1600" dirty="0" smtClean="0"/>
-              <a:t>Reversion Detection</a:t>
+              <a:t>Reversion Detection  (</a:t>
+            </a:r>
+            <a:r>
+              <a:rPr lang="en-US" sz="1600" dirty="0" err="1" smtClean="0"/>
+              <a:t>crds.reversions</a:t>
+            </a:r>
+            <a:r>
+              <a:rPr lang="en-US" sz="1600" dirty="0" smtClean="0"/>
+              <a:t>)</a:t>
             </a:r>
           </a:p>
           <a:p>
@@ -16960,7 +16973,15 @@
             </a:pPr>
             <a:r>
               <a:rPr lang="en-US" sz="1600" dirty="0" smtClean="0"/>
-              <a:t>Affected Datasets</a:t>
+              <a:t>Affected Datasets (</a:t>
+            </a:r>
+            <a:r>
+              <a:rPr lang="en-US" sz="1600" dirty="0" err="1" smtClean="0"/>
+              <a:t>crds.reprocess</a:t>
+            </a:r>
+            <a:r>
+              <a:rPr lang="en-US" sz="1600" dirty="0" smtClean="0"/>
+              <a:t>)</a:t>
             </a:r>
           </a:p>
           <a:p>
@@ -17040,7 +17061,11 @@
             </a:pPr>
             <a:r>
               <a:rPr lang="en-US" sz="1400" dirty="0" smtClean="0"/>
-              <a:t>Useful for identifying data sets needing reprocessing</a:t>
+              <a:t>Identifies data sets </a:t>
+            </a:r>
+            <a:r>
+              <a:rPr lang="en-US" sz="1400" smtClean="0"/>
+              <a:t>needing reprocessing</a:t>
             </a:r>
           </a:p>
           <a:p>
@@ -17079,8 +17104,173 @@
               </a:tabLst>
             </a:pPr>
             <a:r>
+              <a:rPr lang="en-US" sz="1400" smtClean="0"/>
+              <a:t>One </a:t>
+            </a:r>
+            <a:r>
               <a:rPr lang="en-US" sz="1400" dirty="0" smtClean="0"/>
-              <a:t>Design Issue: Some table reference files have rows selected by additional selection criteria. A change to the file does not necessarily affect all data sets that use that reference table. This utility must examine the contents of these tables to determine which data sets are affected (and store the selection criteria for the rows in rmaps for this utility to use in doing such checks)</a:t>
+              <a:t>step beyond determining changed reference files:</a:t>
+            </a:r>
+            <a:endParaRPr lang="en-US" sz="400" dirty="0" smtClean="0"/>
+          </a:p>
+          <a:p>
+            <a:pPr lvl="3" eaLnBrk="1" hangingPunct="1">
+              <a:lnSpc>
+                <a:spcPct val="90000"/>
+              </a:lnSpc>
+              <a:spcBef>
+                <a:spcPts val="400"/>
+              </a:spcBef>
+              <a:spcAft>
+                <a:spcPts val="800"/>
+              </a:spcAft>
+              <a:tabLst>
+                <a:tab pos="330200" algn="l"/>
+                <a:tab pos="442913" algn="l"/>
+                <a:tab pos="900113" algn="l"/>
+                <a:tab pos="1357313" algn="l"/>
+                <a:tab pos="1814513" algn="l"/>
+                <a:tab pos="2271713" algn="l"/>
+                <a:tab pos="2728913" algn="l"/>
+                <a:tab pos="3186113" algn="l"/>
+                <a:tab pos="3643313" algn="l"/>
+                <a:tab pos="4100513" algn="l"/>
+                <a:tab pos="4557713" algn="l"/>
+                <a:tab pos="5014913" algn="l"/>
+                <a:tab pos="5472113" algn="l"/>
+                <a:tab pos="5929313" algn="l"/>
+                <a:tab pos="6386513" algn="l"/>
+                <a:tab pos="6843713" algn="l"/>
+                <a:tab pos="7300913" algn="l"/>
+                <a:tab pos="7758113" algn="l"/>
+                <a:tab pos="8215313" algn="l"/>
+                <a:tab pos="8672513" algn="l"/>
+                <a:tab pos="9129713" algn="l"/>
+              </a:tabLst>
+            </a:pPr>
+            <a:r>
+              <a:rPr lang="en-US" sz="1200" dirty="0" smtClean="0"/>
+              <a:t>Looks inside updated tables</a:t>
+            </a:r>
+          </a:p>
+          <a:p>
+            <a:pPr lvl="4" eaLnBrk="1" hangingPunct="1">
+              <a:lnSpc>
+                <a:spcPct val="90000"/>
+              </a:lnSpc>
+              <a:spcBef>
+                <a:spcPts val="400"/>
+              </a:spcBef>
+              <a:spcAft>
+                <a:spcPts val="800"/>
+              </a:spcAft>
+              <a:tabLst>
+                <a:tab pos="330200" algn="l"/>
+                <a:tab pos="442913" algn="l"/>
+                <a:tab pos="900113" algn="l"/>
+                <a:tab pos="1357313" algn="l"/>
+                <a:tab pos="1814513" algn="l"/>
+                <a:tab pos="2271713" algn="l"/>
+                <a:tab pos="2728913" algn="l"/>
+                <a:tab pos="3186113" algn="l"/>
+                <a:tab pos="3643313" algn="l"/>
+                <a:tab pos="4100513" algn="l"/>
+                <a:tab pos="4557713" algn="l"/>
+                <a:tab pos="5014913" algn="l"/>
+                <a:tab pos="5472113" algn="l"/>
+                <a:tab pos="5929313" algn="l"/>
+                <a:tab pos="6386513" algn="l"/>
+                <a:tab pos="6843713" algn="l"/>
+                <a:tab pos="7300913" algn="l"/>
+                <a:tab pos="7758113" algn="l"/>
+                <a:tab pos="8215313" algn="l"/>
+                <a:tab pos="8672513" algn="l"/>
+                <a:tab pos="9129713" algn="l"/>
+              </a:tabLst>
+            </a:pPr>
+            <a:r>
+              <a:rPr lang="en-US" sz="1200" dirty="0" smtClean="0"/>
+              <a:t>Some tables have rows selected by additional criteria</a:t>
+            </a:r>
+          </a:p>
+          <a:p>
+            <a:pPr lvl="4" eaLnBrk="1" hangingPunct="1">
+              <a:lnSpc>
+                <a:spcPct val="90000"/>
+              </a:lnSpc>
+              <a:spcBef>
+                <a:spcPts val="400"/>
+              </a:spcBef>
+              <a:spcAft>
+                <a:spcPts val="800"/>
+              </a:spcAft>
+              <a:tabLst>
+                <a:tab pos="330200" algn="l"/>
+                <a:tab pos="442913" algn="l"/>
+                <a:tab pos="900113" algn="l"/>
+                <a:tab pos="1357313" algn="l"/>
+                <a:tab pos="1814513" algn="l"/>
+                <a:tab pos="2271713" algn="l"/>
+                <a:tab pos="2728913" algn="l"/>
+                <a:tab pos="3186113" algn="l"/>
+                <a:tab pos="3643313" algn="l"/>
+                <a:tab pos="4100513" algn="l"/>
+                <a:tab pos="4557713" algn="l"/>
+                <a:tab pos="5014913" algn="l"/>
+                <a:tab pos="5472113" algn="l"/>
+                <a:tab pos="5929313" algn="l"/>
+                <a:tab pos="6386513" algn="l"/>
+                <a:tab pos="6843713" algn="l"/>
+                <a:tab pos="7300913" algn="l"/>
+                <a:tab pos="7758113" algn="l"/>
+                <a:tab pos="8215313" algn="l"/>
+                <a:tab pos="8672513" algn="l"/>
+                <a:tab pos="9129713" algn="l"/>
+              </a:tabLst>
+            </a:pPr>
+            <a:r>
+              <a:rPr lang="en-US" sz="1200" dirty="0" smtClean="0"/>
+              <a:t>When tables change,  ignores differences in rows irrelevant to dataset</a:t>
+            </a:r>
+          </a:p>
+          <a:p>
+            <a:pPr lvl="3" eaLnBrk="1" hangingPunct="1">
+              <a:lnSpc>
+                <a:spcPct val="90000"/>
+              </a:lnSpc>
+              <a:spcBef>
+                <a:spcPts val="400"/>
+              </a:spcBef>
+              <a:spcAft>
+                <a:spcPts val="800"/>
+              </a:spcAft>
+              <a:tabLst>
+                <a:tab pos="330200" algn="l"/>
+                <a:tab pos="442913" algn="l"/>
+                <a:tab pos="900113" algn="l"/>
+                <a:tab pos="1357313" algn="l"/>
+                <a:tab pos="1814513" algn="l"/>
+                <a:tab pos="2271713" algn="l"/>
+                <a:tab pos="2728913" algn="l"/>
+                <a:tab pos="3186113" algn="l"/>
+                <a:tab pos="3643313" algn="l"/>
+                <a:tab pos="4100513" algn="l"/>
+                <a:tab pos="4557713" algn="l"/>
+                <a:tab pos="5014913" algn="l"/>
+                <a:tab pos="5472113" algn="l"/>
+                <a:tab pos="5929313" algn="l"/>
+                <a:tab pos="6386513" algn="l"/>
+                <a:tab pos="6843713" algn="l"/>
+                <a:tab pos="7300913" algn="l"/>
+                <a:tab pos="7758113" algn="l"/>
+                <a:tab pos="8215313" algn="l"/>
+                <a:tab pos="8672513" algn="l"/>
+                <a:tab pos="9129713" algn="l"/>
+              </a:tabLst>
+            </a:pPr>
+            <a:r>
+              <a:rPr lang="en-US" sz="1200" dirty="0" smtClean="0"/>
+              <a:t>Considers severity of changes between reference file versions (moderate, severe, etc.)</a:t>
             </a:r>
           </a:p>
           <a:p>
@@ -17119,12 +17309,12 @@
               </a:tabLst>
             </a:pPr>
             <a:r>
-              <a:rPr lang="en-US" sz="1400" dirty="0" smtClean="0"/>
-              <a:t>Design Issue: Selection based on severity of change of reference file change. Some desire the ability of selecting only data sets for which the change in reference files is considered to be above some specified threshold (e.g., moderate, or severe).</a:t>
-            </a:r>
-          </a:p>
-          <a:p>
-            <a:pPr lvl="3" eaLnBrk="1" hangingPunct="1">
+              <a:rPr lang="en-US" dirty="0" smtClean="0"/>
+              <a:t>Very difficult problem to do correctly and make practical</a:t>
+            </a:r>
+          </a:p>
+          <a:p>
+            <a:pPr lvl="2" eaLnBrk="1" hangingPunct="1">
               <a:lnSpc>
                 <a:spcPct val="90000"/>
               </a:lnSpc>
@@ -17159,47 +17349,7 @@
               </a:tabLst>
             </a:pPr>
             <a:r>
-              <a:rPr lang="en-US" sz="1000" dirty="0" smtClean="0"/>
-              <a:t>Very difficult problem to do correctly and make practical</a:t>
-            </a:r>
-          </a:p>
-          <a:p>
-            <a:pPr lvl="3" eaLnBrk="1" hangingPunct="1">
-              <a:lnSpc>
-                <a:spcPct val="90000"/>
-              </a:lnSpc>
-              <a:spcBef>
-                <a:spcPts val="400"/>
-              </a:spcBef>
-              <a:spcAft>
-                <a:spcPts val="800"/>
-              </a:spcAft>
-              <a:tabLst>
-                <a:tab pos="330200" algn="l"/>
-                <a:tab pos="442913" algn="l"/>
-                <a:tab pos="900113" algn="l"/>
-                <a:tab pos="1357313" algn="l"/>
-                <a:tab pos="1814513" algn="l"/>
-                <a:tab pos="2271713" algn="l"/>
-                <a:tab pos="2728913" algn="l"/>
-                <a:tab pos="3186113" algn="l"/>
-                <a:tab pos="3643313" algn="l"/>
-                <a:tab pos="4100513" algn="l"/>
-                <a:tab pos="4557713" algn="l"/>
-                <a:tab pos="5014913" algn="l"/>
-                <a:tab pos="5472113" algn="l"/>
-                <a:tab pos="5929313" algn="l"/>
-                <a:tab pos="6386513" algn="l"/>
-                <a:tab pos="6843713" algn="l"/>
-                <a:tab pos="7300913" algn="l"/>
-                <a:tab pos="7758113" algn="l"/>
-                <a:tab pos="8215313" algn="l"/>
-                <a:tab pos="8672513" algn="l"/>
-                <a:tab pos="9129713" algn="l"/>
-              </a:tabLst>
-            </a:pPr>
-            <a:r>
-              <a:rPr lang="en-US" sz="1000" dirty="0" smtClean="0"/>
+              <a:rPr lang="en-US" dirty="0" smtClean="0"/>
               <a:t>Awaiting well defined concept for how this should work before accepting as a requirement</a:t>
             </a:r>
           </a:p>
@@ -17367,7 +17517,7 @@
         </p:nvSpPr>
         <p:spPr>
           <a:xfrm>
-            <a:off x="457200" y="990600"/>
+            <a:off x="457200" y="838200"/>
             <a:ext cx="8216900" cy="5367338"/>
           </a:xfrm>
           <a:prstGeom prst="rect">
@@ -17782,7 +17932,7 @@
             </a:pPr>
             <a:r>
               <a:rPr lang="en-US" sz="1400" dirty="0" smtClean="0"/>
-              <a:t>Mark reference file as bad,   web function.</a:t>
+              <a:t>Mark reference file as bad, web function.</a:t>
             </a:r>
           </a:p>
           <a:p>
@@ -17910,9 +18060,10 @@
               </a:tabLst>
             </a:pPr>
             <a:r>
-              <a:rPr lang="en-US" sz="1600" dirty="0" smtClean="0"/>
-              <a:t>coverage</a:t>
-            </a:r>
+              <a:rPr lang="en-US" sz="1600" dirty="0" err="1" smtClean="0"/>
+              <a:t>crds.coverage</a:t>
+            </a:r>
+            <a:endParaRPr lang="en-US" sz="1600" dirty="0" smtClean="0"/>
           </a:p>
           <a:p>
             <a:pPr lvl="2" eaLnBrk="1" hangingPunct="1">
@@ -18168,6 +18319,46 @@
             <a:r>
               <a:rPr lang="en-US" sz="1400" dirty="0" smtClean="0"/>
               <a:t>E.g., capable of detecting insertions or deletions of rows in tables between two versions</a:t>
+            </a:r>
+          </a:p>
+          <a:p>
+            <a:pPr lvl="2" eaLnBrk="1" hangingPunct="1">
+              <a:lnSpc>
+                <a:spcPct val="90000"/>
+              </a:lnSpc>
+              <a:spcBef>
+                <a:spcPts val="400"/>
+              </a:spcBef>
+              <a:spcAft>
+                <a:spcPts val="800"/>
+              </a:spcAft>
+              <a:tabLst>
+                <a:tab pos="330200" algn="l"/>
+                <a:tab pos="442913" algn="l"/>
+                <a:tab pos="900113" algn="l"/>
+                <a:tab pos="1357313" algn="l"/>
+                <a:tab pos="1814513" algn="l"/>
+                <a:tab pos="2271713" algn="l"/>
+                <a:tab pos="2728913" algn="l"/>
+                <a:tab pos="3186113" algn="l"/>
+                <a:tab pos="3643313" algn="l"/>
+                <a:tab pos="4100513" algn="l"/>
+                <a:tab pos="4557713" algn="l"/>
+                <a:tab pos="5014913" algn="l"/>
+                <a:tab pos="5472113" algn="l"/>
+                <a:tab pos="5929313" algn="l"/>
+                <a:tab pos="6386513" algn="l"/>
+                <a:tab pos="6843713" algn="l"/>
+                <a:tab pos="7300913" algn="l"/>
+                <a:tab pos="7758113" algn="l"/>
+                <a:tab pos="8215313" algn="l"/>
+                <a:tab pos="8672513" algn="l"/>
+                <a:tab pos="9129713" algn="l"/>
+              </a:tabLst>
+            </a:pPr>
+            <a:r>
+              <a:rPr lang="en-US" sz="1400" dirty="0" smtClean="0"/>
+              <a:t>Checks matching parameters for existence and valid values</a:t>
             </a:r>
           </a:p>
         </p:txBody>
@@ -19130,7 +19321,6 @@
               <a:rPr lang="en-US" sz="1600" dirty="0" smtClean="0"/>
               <a:t>) </a:t>
             </a:r>
-            <a:endParaRPr lang="en-US" sz="1600" dirty="0" smtClean="0"/>
           </a:p>
           <a:p>
             <a:pPr lvl="1"/>
@@ -19138,7 +19328,6 @@
               <a:rPr lang="en-US" sz="1600" dirty="0" smtClean="0"/>
               <a:t>Command Line</a:t>
             </a:r>
-            <a:endParaRPr lang="en-US" sz="1600" dirty="0" smtClean="0"/>
           </a:p>
           <a:p>
             <a:pPr lvl="2"/>
@@ -19223,7 +19412,6 @@
               <a:rPr lang="en-US" sz="1400" dirty="0" smtClean="0"/>
               <a:t>Reference File Retrieval Service</a:t>
             </a:r>
-            <a:endParaRPr lang="en-US" sz="1400" dirty="0" smtClean="0"/>
           </a:p>
         </p:txBody>
       </p:sp>
@@ -24356,15 +24544,6 @@
               </a:rPr>
               <a:t>All CRDS rules files have versioned names:  e.g.  jwst_0000.pmap</a:t>
             </a:r>
-            <a:endParaRPr lang="en-US" sz="1050" dirty="0" smtClean="0">
-              <a:solidFill>
-                <a:schemeClr val="accent2">
-                  <a:lumMod val="60000"/>
-                  <a:lumOff val="40000"/>
-                </a:schemeClr>
-              </a:solidFill>
-              <a:latin typeface="Helvetica"/>
-            </a:endParaRPr>
           </a:p>
           <a:p>
             <a:pPr marL="171450" indent="-171450">
@@ -24381,19 +24560,7 @@
                 </a:solidFill>
                 <a:latin typeface="Helvetica"/>
               </a:rPr>
-              <a:t>One Pipeline Context file (and the set of referred mappings) defines the configuration of </a:t>
-            </a:r>
-            <a:r>
-              <a:rPr lang="en-US" sz="1050" dirty="0" smtClean="0">
-                <a:solidFill>
-                  <a:schemeClr val="accent2">
-                    <a:lumMod val="60000"/>
-                    <a:lumOff val="40000"/>
-                  </a:schemeClr>
-                </a:solidFill>
-                <a:latin typeface="Helvetica"/>
-              </a:rPr>
-              <a:t>CRDS</a:t>
+              <a:t>One Pipeline Context file (and the set of referred mappings) defines the configuration of CRDS</a:t>
             </a:r>
             <a:endParaRPr lang="en-US" sz="1050" dirty="0">
               <a:solidFill>
@@ -24420,53 +24587,8 @@
                 </a:solidFill>
                 <a:latin typeface="Helvetica"/>
               </a:rPr>
-              <a:t>Replaces</a:t>
-            </a:r>
-            <a:r>
-              <a:rPr lang="en-US" sz="1050" dirty="0" smtClean="0">
-                <a:solidFill>
-                  <a:schemeClr val="accent2">
-                    <a:lumMod val="60000"/>
-                    <a:lumOff val="40000"/>
-                  </a:schemeClr>
-                </a:solidFill>
-                <a:latin typeface="Helvetica"/>
-              </a:rPr>
-              <a:t> </a:t>
-            </a:r>
-            <a:r>
-              <a:rPr lang="en-US" sz="1050" dirty="0" smtClean="0">
-                <a:solidFill>
-                  <a:schemeClr val="accent2">
-                    <a:lumMod val="60000"/>
-                    <a:lumOff val="40000"/>
-                  </a:schemeClr>
-                </a:solidFill>
-                <a:latin typeface="Helvetica"/>
-              </a:rPr>
-              <a:t>the state of the CDBS </a:t>
-            </a:r>
-            <a:r>
-              <a:rPr lang="en-US" sz="1050" dirty="0" smtClean="0">
-                <a:solidFill>
-                  <a:schemeClr val="accent2">
-                    <a:lumMod val="60000"/>
-                    <a:lumOff val="40000"/>
-                  </a:schemeClr>
-                </a:solidFill>
-                <a:latin typeface="Helvetica"/>
-              </a:rPr>
-              <a:t>database.</a:t>
-            </a:r>
-            <a:endParaRPr lang="en-US" sz="1050" dirty="0" smtClean="0">
-              <a:solidFill>
-                <a:schemeClr val="accent2">
-                  <a:lumMod val="60000"/>
-                  <a:lumOff val="40000"/>
-                </a:schemeClr>
-              </a:solidFill>
-              <a:latin typeface="Helvetica"/>
-            </a:endParaRPr>
+              <a:t>Replaces the state of the CDBS database.</a:t>
+            </a:r>
           </a:p>
         </p:txBody>
       </p:sp>

--- a/docs/DMS_SDR2_09_CRDS_final.pptx
+++ b/docs/DMS_SDR2_09_CRDS_final.pptx
@@ -1,6 +1,6 @@
 
 <file path=ppt/presentation.xml><?xml version="1.0" encoding="utf-8"?>
-<p:presentation xmlns:a="http://schemas.openxmlformats.org/drawingml/2006/main" xmlns:r="http://schemas.openxmlformats.org/officeDocument/2006/relationships" xmlns:p="http://schemas.openxmlformats.org/presentationml/2006/main" firstSlideNum="2" showSpecialPlsOnTitleSld="0" strictFirstAndLastChars="0" saveSubsetFonts="1">
+<p:presentation xmlns:a="http://schemas.openxmlformats.org/drawingml/2006/main" xmlns:r="http://schemas.openxmlformats.org/officeDocument/2006/relationships" xmlns:p="http://schemas.openxmlformats.org/presentationml/2006/main" showSpecialPlsOnTitleSld="0" strictFirstAndLastChars="0" saveSubsetFonts="1">
   <p:sldMasterIdLst>
     <p:sldMasterId id="2147483665" r:id="rId1"/>
   </p:sldMasterIdLst>
@@ -1249,7 +1249,7 @@
             <a:fld id="{90602CDF-C19D-4E27-B94A-4CDFA71D65C3}" type="slidenum">
               <a:rPr lang="en-US" smtClean="0"/>
               <a:pPr/>
-              <a:t>2</a:t>
+              <a:t>1</a:t>
             </a:fld>
             <a:endParaRPr lang="en-US" smtClean="0"/>
           </a:p>
@@ -1397,7 +1397,7 @@
               <a:pPr>
                 <a:defRPr/>
               </a:pPr>
-              <a:t>19</a:t>
+              <a:t>18</a:t>
             </a:fld>
             <a:endParaRPr lang="en-US"/>
           </a:p>
@@ -1605,12 +1605,8 @@
               <a:defRPr/>
             </a:pPr>
             <a:r>
-              <a:rPr lang="en-US" dirty="0"/>
-              <a:t>9</a:t>
-            </a:r>
-            <a:r>
               <a:rPr lang="en-US" dirty="0" smtClean="0"/>
-              <a:t>-</a:t>
+              <a:t>10-</a:t>
             </a:r>
             <a:fld id="{2D61C627-6E20-420F-83CB-DEA388E29667}" type="slidenum">
               <a:rPr lang="en-US"/>
@@ -1780,7 +1776,7 @@
             </a:pPr>
             <a:r>
               <a:rPr lang="en-US" dirty="0" smtClean="0"/>
-              <a:t>9-</a:t>
+              <a:t>10-</a:t>
             </a:r>
             <a:fld id="{A739F50A-8F88-4892-87E1-8D1D3A543FFC}" type="slidenum">
               <a:rPr lang="en-US" smtClean="0"/>
@@ -2018,12 +2014,8 @@
               <a:defRPr/>
             </a:pPr>
             <a:r>
-              <a:rPr lang="en-US" dirty="0"/>
-              <a:t>9</a:t>
-            </a:r>
-            <a:r>
               <a:rPr lang="en-US" dirty="0" smtClean="0"/>
-              <a:t>-</a:t>
+              <a:t>10-</a:t>
             </a:r>
             <a:fld id="{DEA1B79E-B14E-41E4-B6D3-CD206A959F7E}" type="slidenum">
               <a:rPr lang="en-US"/>
@@ -2451,7 +2443,7 @@
             </a:pPr>
             <a:r>
               <a:rPr lang="en-US" dirty="0" smtClean="0"/>
-              <a:t>9-</a:t>
+              <a:t>10-</a:t>
             </a:r>
             <a:fld id="{B2A867B3-BEE9-4608-9384-2326478CF83C}" type="slidenum">
               <a:rPr lang="en-US" smtClean="0"/>
@@ -3086,7 +3078,7 @@
       </p:sp>
       <p:sp>
         <p:nvSpPr>
-          <p:cNvPr id="5" name="Slide Number Placeholder 4"/>
+          <p:cNvPr id="6" name="Slide Number Placeholder 5"/>
           <p:cNvSpPr>
             <a:spLocks noGrp="1"/>
           </p:cNvSpPr>
@@ -3104,14 +3096,14 @@
             </a:pPr>
             <a:r>
               <a:rPr lang="en-US" smtClean="0"/>
-              <a:t>9-</a:t>
+              <a:t>10-</a:t>
             </a:r>
             <a:fld id="{DEA1B79E-B14E-41E4-B6D3-CD206A959F7E}" type="slidenum">
               <a:rPr lang="en-US" smtClean="0"/>
               <a:pPr>
                 <a:defRPr/>
               </a:pPr>
-              <a:t>2</a:t>
+              <a:t>1</a:t>
             </a:fld>
             <a:endParaRPr lang="en-US" smtClean="0"/>
           </a:p>
@@ -3420,7 +3412,7 @@
       </p:sp>
       <p:sp>
         <p:nvSpPr>
-          <p:cNvPr id="6" name="Slide Number Placeholder 5"/>
+          <p:cNvPr id="7" name="Slide Number Placeholder 6"/>
           <p:cNvSpPr>
             <a:spLocks noGrp="1"/>
           </p:cNvSpPr>
@@ -3438,14 +3430,14 @@
             </a:pPr>
             <a:r>
               <a:rPr lang="en-US" smtClean="0"/>
-              <a:t>9-</a:t>
+              <a:t>10-</a:t>
             </a:r>
             <a:fld id="{A739F50A-8F88-4892-87E1-8D1D3A543FFC}" type="slidenum">
               <a:rPr lang="en-US" smtClean="0"/>
               <a:pPr>
                 <a:defRPr/>
               </a:pPr>
-              <a:t>11</a:t>
+              <a:t>10</a:t>
             </a:fld>
             <a:endParaRPr lang="en-US" smtClean="0"/>
           </a:p>
@@ -4611,7 +4603,7 @@
       </p:sp>
       <p:sp>
         <p:nvSpPr>
-          <p:cNvPr id="5" name="Slide Number Placeholder 4"/>
+          <p:cNvPr id="9" name="Slide Number Placeholder 8"/>
           <p:cNvSpPr>
             <a:spLocks noGrp="1"/>
           </p:cNvSpPr>
@@ -4629,14 +4621,14 @@
             </a:pPr>
             <a:r>
               <a:rPr lang="en-US" smtClean="0"/>
-              <a:t>9-</a:t>
+              <a:t>10-</a:t>
             </a:r>
             <a:fld id="{A739F50A-8F88-4892-87E1-8D1D3A543FFC}" type="slidenum">
               <a:rPr lang="en-US" smtClean="0"/>
               <a:pPr>
                 <a:defRPr/>
               </a:pPr>
-              <a:t>12</a:t>
+              <a:t>11</a:t>
             </a:fld>
             <a:endParaRPr lang="en-US" smtClean="0"/>
           </a:p>
@@ -5505,7 +5497,7 @@
       </p:sp>
       <p:sp>
         <p:nvSpPr>
-          <p:cNvPr id="8" name="Slide Number Placeholder 7"/>
+          <p:cNvPr id="9" name="Slide Number Placeholder 8"/>
           <p:cNvSpPr>
             <a:spLocks noGrp="1"/>
           </p:cNvSpPr>
@@ -5523,14 +5515,14 @@
             </a:pPr>
             <a:r>
               <a:rPr lang="en-US" smtClean="0"/>
-              <a:t>9-</a:t>
+              <a:t>10-</a:t>
             </a:r>
             <a:fld id="{A739F50A-8F88-4892-87E1-8D1D3A543FFC}" type="slidenum">
               <a:rPr lang="en-US" smtClean="0"/>
               <a:pPr>
                 <a:defRPr/>
               </a:pPr>
-              <a:t>13</a:t>
+              <a:t>12</a:t>
             </a:fld>
             <a:endParaRPr lang="en-US" smtClean="0"/>
           </a:p>
@@ -5833,7 +5825,7 @@
       </p:sp>
       <p:sp>
         <p:nvSpPr>
-          <p:cNvPr id="6" name="Slide Number Placeholder 5"/>
+          <p:cNvPr id="7" name="Slide Number Placeholder 6"/>
           <p:cNvSpPr>
             <a:spLocks noGrp="1"/>
           </p:cNvSpPr>
@@ -5851,14 +5843,14 @@
             </a:pPr>
             <a:r>
               <a:rPr lang="en-US" smtClean="0"/>
-              <a:t>9-</a:t>
+              <a:t>10-</a:t>
             </a:r>
             <a:fld id="{A739F50A-8F88-4892-87E1-8D1D3A543FFC}" type="slidenum">
               <a:rPr lang="en-US" smtClean="0"/>
               <a:pPr>
                 <a:defRPr/>
               </a:pPr>
-              <a:t>14</a:t>
+              <a:t>13</a:t>
             </a:fld>
             <a:endParaRPr lang="en-US" smtClean="0"/>
           </a:p>
@@ -6083,7 +6075,7 @@
       </p:sp>
       <p:sp>
         <p:nvSpPr>
-          <p:cNvPr id="6" name="Slide Number Placeholder 5"/>
+          <p:cNvPr id="7" name="Slide Number Placeholder 6"/>
           <p:cNvSpPr>
             <a:spLocks noGrp="1"/>
           </p:cNvSpPr>
@@ -6101,14 +6093,14 @@
             </a:pPr>
             <a:r>
               <a:rPr lang="en-US" smtClean="0"/>
-              <a:t>9-</a:t>
+              <a:t>10-</a:t>
             </a:r>
             <a:fld id="{A739F50A-8F88-4892-87E1-8D1D3A543FFC}" type="slidenum">
               <a:rPr lang="en-US" smtClean="0"/>
               <a:pPr>
                 <a:defRPr/>
               </a:pPr>
-              <a:t>15</a:t>
+              <a:t>14</a:t>
             </a:fld>
             <a:endParaRPr lang="en-US" smtClean="0"/>
           </a:p>
@@ -6836,7 +6828,7 @@
       </p:sp>
       <p:sp>
         <p:nvSpPr>
-          <p:cNvPr id="8" name="Slide Number Placeholder 7"/>
+          <p:cNvPr id="10" name="Slide Number Placeholder 9"/>
           <p:cNvSpPr>
             <a:spLocks noGrp="1"/>
           </p:cNvSpPr>
@@ -6854,14 +6846,14 @@
             </a:pPr>
             <a:r>
               <a:rPr lang="en-US" smtClean="0"/>
-              <a:t>9-</a:t>
+              <a:t>10-</a:t>
             </a:r>
             <a:fld id="{A739F50A-8F88-4892-87E1-8D1D3A543FFC}" type="slidenum">
               <a:rPr lang="en-US" smtClean="0"/>
               <a:pPr>
                 <a:defRPr/>
               </a:pPr>
-              <a:t>16</a:t>
+              <a:t>15</a:t>
             </a:fld>
             <a:endParaRPr lang="en-US" smtClean="0"/>
           </a:p>
@@ -7781,7 +7773,7 @@
       </p:sp>
       <p:sp>
         <p:nvSpPr>
-          <p:cNvPr id="10" name="Slide Number Placeholder 9"/>
+          <p:cNvPr id="11" name="Slide Number Placeholder 10"/>
           <p:cNvSpPr>
             <a:spLocks noGrp="1"/>
           </p:cNvSpPr>
@@ -7799,14 +7791,14 @@
             </a:pPr>
             <a:r>
               <a:rPr lang="en-US" smtClean="0"/>
-              <a:t>9-</a:t>
+              <a:t>10-</a:t>
             </a:r>
             <a:fld id="{A739F50A-8F88-4892-87E1-8D1D3A543FFC}" type="slidenum">
               <a:rPr lang="en-US" smtClean="0"/>
               <a:pPr>
                 <a:defRPr/>
               </a:pPr>
-              <a:t>17</a:t>
+              <a:t>16</a:t>
             </a:fld>
             <a:endParaRPr lang="en-US" smtClean="0"/>
           </a:p>
@@ -7996,7 +7988,7 @@
       </p:sp>
       <p:sp>
         <p:nvSpPr>
-          <p:cNvPr id="6" name="Slide Number Placeholder 5"/>
+          <p:cNvPr id="7" name="Slide Number Placeholder 6"/>
           <p:cNvSpPr>
             <a:spLocks noGrp="1"/>
           </p:cNvSpPr>
@@ -8014,14 +8006,14 @@
             </a:pPr>
             <a:r>
               <a:rPr lang="en-US" smtClean="0"/>
-              <a:t>9-</a:t>
+              <a:t>10-</a:t>
             </a:r>
             <a:fld id="{A739F50A-8F88-4892-87E1-8D1D3A543FFC}" type="slidenum">
               <a:rPr lang="en-US" smtClean="0"/>
               <a:pPr>
                 <a:defRPr/>
               </a:pPr>
-              <a:t>18</a:t>
+              <a:t>17</a:t>
             </a:fld>
             <a:endParaRPr lang="en-US" smtClean="0"/>
           </a:p>
@@ -8233,7 +8225,7 @@
       </p:sp>
       <p:sp>
         <p:nvSpPr>
-          <p:cNvPr id="6" name="Slide Number Placeholder 5"/>
+          <p:cNvPr id="7" name="Slide Number Placeholder 6"/>
           <p:cNvSpPr>
             <a:spLocks noGrp="1"/>
           </p:cNvSpPr>
@@ -8251,14 +8243,14 @@
             </a:pPr>
             <a:r>
               <a:rPr lang="en-US" smtClean="0"/>
-              <a:t>9-</a:t>
+              <a:t>10-</a:t>
             </a:r>
             <a:fld id="{A739F50A-8F88-4892-87E1-8D1D3A543FFC}" type="slidenum">
               <a:rPr lang="en-US" smtClean="0"/>
               <a:pPr>
                 <a:defRPr/>
               </a:pPr>
-              <a:t>19</a:t>
+              <a:t>18</a:t>
             </a:fld>
             <a:endParaRPr lang="en-US" smtClean="0"/>
           </a:p>
@@ -9262,23 +9254,8 @@
                 </a:solidFill>
                 <a:latin typeface="Helvetica"/>
               </a:rPr>
-              <a:t>Best </a:t>
-            </a:r>
-            <a:r>
-              <a:rPr lang="en-US" sz="1000" dirty="0" smtClean="0">
-                <a:solidFill>
-                  <a:schemeClr val="tx1"/>
-                </a:solidFill>
-                <a:latin typeface="Helvetica"/>
-              </a:rPr>
-              <a:t>Reference Names</a:t>
-            </a:r>
-            <a:endParaRPr lang="en-US" sz="1000" dirty="0" smtClean="0">
-              <a:solidFill>
-                <a:schemeClr val="tx1"/>
-              </a:solidFill>
-              <a:latin typeface="Helvetica"/>
-            </a:endParaRPr>
+              <a:t>Best Reference Names</a:t>
+            </a:r>
           </a:p>
         </p:txBody>
       </p:sp>
@@ -9630,7 +9607,7 @@
       </p:sp>
       <p:sp>
         <p:nvSpPr>
-          <p:cNvPr id="8" name="Slide Number Placeholder 7"/>
+          <p:cNvPr id="9" name="Slide Number Placeholder 8"/>
           <p:cNvSpPr>
             <a:spLocks noGrp="1"/>
           </p:cNvSpPr>
@@ -9648,14 +9625,14 @@
             </a:pPr>
             <a:r>
               <a:rPr lang="en-US" smtClean="0"/>
-              <a:t>9-</a:t>
+              <a:t>10-</a:t>
             </a:r>
             <a:fld id="{A739F50A-8F88-4892-87E1-8D1D3A543FFC}" type="slidenum">
               <a:rPr lang="en-US" smtClean="0"/>
               <a:pPr>
                 <a:defRPr/>
               </a:pPr>
-              <a:t>20</a:t>
+              <a:t>19</a:t>
             </a:fld>
             <a:endParaRPr lang="en-US" smtClean="0"/>
           </a:p>
@@ -9784,45 +9761,6 @@
               <a:rPr lang="en-US" smtClean="0"/>
               <a:t>S&amp;OC DMS System Design Review</a:t>
             </a:r>
-            <a:endParaRPr lang="en-US" dirty="0"/>
-          </a:p>
-        </p:txBody>
-      </p:sp>
-      <p:sp>
-        <p:nvSpPr>
-          <p:cNvPr id="5" name="Slide Number Placeholder 4"/>
-          <p:cNvSpPr>
-            <a:spLocks noGrp="1"/>
-          </p:cNvSpPr>
-          <p:nvPr>
-            <p:ph type="sldNum" sz="quarter" idx="12"/>
-          </p:nvPr>
-        </p:nvSpPr>
-        <p:spPr/>
-        <p:txBody>
-          <a:bodyPr/>
-          <a:lstStyle/>
-          <a:p>
-            <a:pPr>
-              <a:defRPr/>
-            </a:pPr>
-            <a:r>
-              <a:rPr lang="en-US" smtClean="0"/>
-              <a:t>9-</a:t>
-            </a:r>
-            <a:fld id="{A739F50A-8F88-4892-87E1-8D1D3A543FFC}" type="slidenum">
-              <a:rPr lang="en-US" smtClean="0"/>
-              <a:pPr>
-                <a:defRPr/>
-              </a:pPr>
-              <a:t>3</a:t>
-            </a:fld>
-            <a:endParaRPr lang="en-US" smtClean="0"/>
-          </a:p>
-          <a:p>
-            <a:pPr>
-              <a:defRPr/>
-            </a:pPr>
             <a:endParaRPr lang="en-US" dirty="0"/>
           </a:p>
         </p:txBody>
@@ -9973,6 +9911,45 @@
               </a:solidFill>
               <a:latin typeface="Arial" charset="0"/>
             </a:endParaRPr>
+          </a:p>
+        </p:txBody>
+      </p:sp>
+      <p:sp>
+        <p:nvSpPr>
+          <p:cNvPr id="10" name="Slide Number Placeholder 9"/>
+          <p:cNvSpPr>
+            <a:spLocks noGrp="1"/>
+          </p:cNvSpPr>
+          <p:nvPr>
+            <p:ph type="sldNum" sz="quarter" idx="12"/>
+          </p:nvPr>
+        </p:nvSpPr>
+        <p:spPr/>
+        <p:txBody>
+          <a:bodyPr/>
+          <a:lstStyle/>
+          <a:p>
+            <a:pPr>
+              <a:defRPr/>
+            </a:pPr>
+            <a:r>
+              <a:rPr lang="en-US" smtClean="0"/>
+              <a:t>10-</a:t>
+            </a:r>
+            <a:fld id="{A739F50A-8F88-4892-87E1-8D1D3A543FFC}" type="slidenum">
+              <a:rPr lang="en-US" smtClean="0"/>
+              <a:pPr>
+                <a:defRPr/>
+              </a:pPr>
+              <a:t>2</a:t>
+            </a:fld>
+            <a:endParaRPr lang="en-US" smtClean="0"/>
+          </a:p>
+          <a:p>
+            <a:pPr>
+              <a:defRPr/>
+            </a:pPr>
+            <a:endParaRPr lang="en-US" dirty="0"/>
           </a:p>
         </p:txBody>
       </p:sp>
@@ -10486,23 +10463,8 @@
                 </a:solidFill>
                 <a:latin typeface="Helvetica"/>
               </a:rPr>
-              <a:t>Best </a:t>
-            </a:r>
-            <a:r>
-              <a:rPr lang="en-US" sz="1000" dirty="0" smtClean="0">
-                <a:solidFill>
-                  <a:schemeClr val="tx1"/>
-                </a:solidFill>
-                <a:latin typeface="Helvetica"/>
-              </a:rPr>
-              <a:t>References Names</a:t>
-            </a:r>
-            <a:endParaRPr lang="en-US" sz="1000" dirty="0" smtClean="0">
-              <a:solidFill>
-                <a:schemeClr val="tx1"/>
-              </a:solidFill>
-              <a:latin typeface="Helvetica"/>
-            </a:endParaRPr>
+              <a:t>Best References Names</a:t>
+            </a:r>
           </a:p>
         </p:txBody>
       </p:sp>
@@ -10859,7 +10821,7 @@
       </p:sp>
       <p:sp>
         <p:nvSpPr>
-          <p:cNvPr id="8" name="Slide Number Placeholder 7"/>
+          <p:cNvPr id="9" name="Slide Number Placeholder 8"/>
           <p:cNvSpPr>
             <a:spLocks noGrp="1"/>
           </p:cNvSpPr>
@@ -10877,14 +10839,14 @@
             </a:pPr>
             <a:r>
               <a:rPr lang="en-US" smtClean="0"/>
-              <a:t>9-</a:t>
+              <a:t>10-</a:t>
             </a:r>
             <a:fld id="{A739F50A-8F88-4892-87E1-8D1D3A543FFC}" type="slidenum">
               <a:rPr lang="en-US" smtClean="0"/>
               <a:pPr>
                 <a:defRPr/>
               </a:pPr>
-              <a:t>21</a:t>
+              <a:t>20</a:t>
             </a:fld>
             <a:endParaRPr lang="en-US" smtClean="0"/>
           </a:p>
@@ -11030,21 +10992,8 @@
             <a:pPr lvl="1"/>
             <a:r>
               <a:rPr lang="en-US" sz="1600" dirty="0" smtClean="0"/>
-              <a:t>CRDS configuration defines the cache directory for each </a:t>
-            </a:r>
-            <a:r>
-              <a:rPr lang="en-US" sz="1600" dirty="0" smtClean="0"/>
-              <a:t>client/</a:t>
-            </a:r>
-            <a:r>
-              <a:rPr lang="en-US" sz="1600" dirty="0" smtClean="0"/>
-              <a:t>user</a:t>
-            </a:r>
-            <a:r>
-              <a:rPr lang="en-US" sz="1600" dirty="0" smtClean="0"/>
-              <a:t>.</a:t>
-            </a:r>
-            <a:endParaRPr lang="en-US" sz="1600" dirty="0" smtClean="0"/>
+              <a:t>CRDS configuration defines the cache directory for each client/user.</a:t>
+            </a:r>
           </a:p>
           <a:p>
             <a:pPr lvl="1"/>
@@ -11180,7 +11129,7 @@
       </p:sp>
       <p:sp>
         <p:nvSpPr>
-          <p:cNvPr id="6" name="Slide Number Placeholder 5"/>
+          <p:cNvPr id="7" name="Slide Number Placeholder 6"/>
           <p:cNvSpPr>
             <a:spLocks noGrp="1"/>
           </p:cNvSpPr>
@@ -11198,14 +11147,14 @@
             </a:pPr>
             <a:r>
               <a:rPr lang="en-US" smtClean="0"/>
-              <a:t>9-</a:t>
+              <a:t>10-</a:t>
             </a:r>
             <a:fld id="{A739F50A-8F88-4892-87E1-8D1D3A543FFC}" type="slidenum">
               <a:rPr lang="en-US" smtClean="0"/>
               <a:pPr>
                 <a:defRPr/>
               </a:pPr>
-              <a:t>22</a:t>
+              <a:t>21</a:t>
             </a:fld>
             <a:endParaRPr lang="en-US" smtClean="0"/>
           </a:p>
@@ -12283,23 +12232,8 @@
                 </a:solidFill>
                 <a:latin typeface="Helvetica"/>
               </a:rPr>
-              <a:t>Best </a:t>
-            </a:r>
-            <a:r>
-              <a:rPr lang="en-US" sz="1000" dirty="0" smtClean="0">
-                <a:solidFill>
-                  <a:schemeClr val="tx1"/>
-                </a:solidFill>
-                <a:latin typeface="Helvetica"/>
-              </a:rPr>
-              <a:t>Reference Names</a:t>
-            </a:r>
-            <a:endParaRPr lang="en-US" sz="1000" dirty="0" smtClean="0">
-              <a:solidFill>
-                <a:schemeClr val="tx1"/>
-              </a:solidFill>
-              <a:latin typeface="Helvetica"/>
-            </a:endParaRPr>
+              <a:t>Best Reference Names</a:t>
+            </a:r>
           </a:p>
         </p:txBody>
       </p:sp>
@@ -12809,7 +12743,7 @@
       </p:sp>
       <p:sp>
         <p:nvSpPr>
-          <p:cNvPr id="8" name="Slide Number Placeholder 7"/>
+          <p:cNvPr id="9" name="Slide Number Placeholder 8"/>
           <p:cNvSpPr>
             <a:spLocks noGrp="1"/>
           </p:cNvSpPr>
@@ -12827,14 +12761,14 @@
             </a:pPr>
             <a:r>
               <a:rPr lang="en-US" smtClean="0"/>
-              <a:t>9-</a:t>
+              <a:t>10-</a:t>
             </a:r>
             <a:fld id="{A739F50A-8F88-4892-87E1-8D1D3A543FFC}" type="slidenum">
               <a:rPr lang="en-US" smtClean="0"/>
               <a:pPr>
                 <a:defRPr/>
               </a:pPr>
-              <a:t>23</a:t>
+              <a:t>22</a:t>
             </a:fld>
             <a:endParaRPr lang="en-US" smtClean="0"/>
           </a:p>
@@ -13024,7 +12958,7 @@
       </p:sp>
       <p:sp>
         <p:nvSpPr>
-          <p:cNvPr id="6" name="Slide Number Placeholder 5"/>
+          <p:cNvPr id="7" name="Slide Number Placeholder 6"/>
           <p:cNvSpPr>
             <a:spLocks noGrp="1"/>
           </p:cNvSpPr>
@@ -13042,14 +12976,14 @@
             </a:pPr>
             <a:r>
               <a:rPr lang="en-US" smtClean="0"/>
-              <a:t>9-</a:t>
+              <a:t>10-</a:t>
             </a:r>
             <a:fld id="{A739F50A-8F88-4892-87E1-8D1D3A543FFC}" type="slidenum">
               <a:rPr lang="en-US" smtClean="0"/>
               <a:pPr>
                 <a:defRPr/>
               </a:pPr>
-              <a:t>24</a:t>
+              <a:t>23</a:t>
             </a:fld>
             <a:endParaRPr lang="en-US" smtClean="0"/>
           </a:p>
@@ -13409,7 +13343,7 @@
       </p:sp>
       <p:sp>
         <p:nvSpPr>
-          <p:cNvPr id="10" name="Slide Number Placeholder 9"/>
+          <p:cNvPr id="11" name="Slide Number Placeholder 10"/>
           <p:cNvSpPr>
             <a:spLocks noGrp="1"/>
           </p:cNvSpPr>
@@ -13427,14 +13361,14 @@
             </a:pPr>
             <a:r>
               <a:rPr lang="en-US" smtClean="0"/>
-              <a:t>9-</a:t>
+              <a:t>10-</a:t>
             </a:r>
             <a:fld id="{A739F50A-8F88-4892-87E1-8D1D3A543FFC}" type="slidenum">
               <a:rPr lang="en-US" smtClean="0"/>
               <a:pPr>
                 <a:defRPr/>
               </a:pPr>
-              <a:t>25</a:t>
+              <a:t>24</a:t>
             </a:fld>
             <a:endParaRPr lang="en-US" smtClean="0"/>
           </a:p>
@@ -13546,45 +13480,6 @@
               <a:rPr lang="en-US" smtClean="0"/>
               <a:t>S&amp;OC DMS System Design Review</a:t>
             </a:r>
-            <a:endParaRPr lang="en-US" dirty="0"/>
-          </a:p>
-        </p:txBody>
-      </p:sp>
-      <p:sp>
-        <p:nvSpPr>
-          <p:cNvPr id="5" name="Slide Number Placeholder 4"/>
-          <p:cNvSpPr>
-            <a:spLocks noGrp="1"/>
-          </p:cNvSpPr>
-          <p:nvPr>
-            <p:ph type="sldNum" sz="quarter" idx="12"/>
-          </p:nvPr>
-        </p:nvSpPr>
-        <p:spPr/>
-        <p:txBody>
-          <a:bodyPr/>
-          <a:lstStyle/>
-          <a:p>
-            <a:pPr>
-              <a:defRPr/>
-            </a:pPr>
-            <a:r>
-              <a:rPr lang="en-US" smtClean="0"/>
-              <a:t>9-</a:t>
-            </a:r>
-            <a:fld id="{A739F50A-8F88-4892-87E1-8D1D3A543FFC}" type="slidenum">
-              <a:rPr lang="en-US" smtClean="0"/>
-              <a:pPr>
-                <a:defRPr/>
-              </a:pPr>
-              <a:t>26</a:t>
-            </a:fld>
-            <a:endParaRPr lang="en-US" smtClean="0"/>
-          </a:p>
-          <a:p>
-            <a:pPr>
-              <a:defRPr/>
-            </a:pPr>
             <a:endParaRPr lang="en-US" dirty="0"/>
           </a:p>
         </p:txBody>
@@ -13643,6 +13538,45 @@
           </a:extLst>
         </p:spPr>
       </p:pic>
+      <p:sp>
+        <p:nvSpPr>
+          <p:cNvPr id="7" name="Slide Number Placeholder 6"/>
+          <p:cNvSpPr>
+            <a:spLocks noGrp="1"/>
+          </p:cNvSpPr>
+          <p:nvPr>
+            <p:ph type="sldNum" sz="quarter" idx="12"/>
+          </p:nvPr>
+        </p:nvSpPr>
+        <p:spPr/>
+        <p:txBody>
+          <a:bodyPr/>
+          <a:lstStyle/>
+          <a:p>
+            <a:pPr>
+              <a:defRPr/>
+            </a:pPr>
+            <a:r>
+              <a:rPr lang="en-US" smtClean="0"/>
+              <a:t>10-</a:t>
+            </a:r>
+            <a:fld id="{A739F50A-8F88-4892-87E1-8D1D3A543FFC}" type="slidenum">
+              <a:rPr lang="en-US" smtClean="0"/>
+              <a:pPr>
+                <a:defRPr/>
+              </a:pPr>
+              <a:t>25</a:t>
+            </a:fld>
+            <a:endParaRPr lang="en-US" smtClean="0"/>
+          </a:p>
+          <a:p>
+            <a:pPr>
+              <a:defRPr/>
+            </a:pPr>
+            <a:endParaRPr lang="en-US" dirty="0"/>
+          </a:p>
+        </p:txBody>
+      </p:sp>
     </p:spTree>
     <p:extLst>
       <p:ext uri="{BB962C8B-B14F-4D97-AF65-F5344CB8AC3E}">
@@ -13813,7 +13747,7 @@
       </p:sp>
       <p:sp>
         <p:nvSpPr>
-          <p:cNvPr id="7" name="Slide Number Placeholder 6"/>
+          <p:cNvPr id="8" name="Slide Number Placeholder 7"/>
           <p:cNvSpPr>
             <a:spLocks noGrp="1"/>
           </p:cNvSpPr>
@@ -13831,14 +13765,14 @@
             </a:pPr>
             <a:r>
               <a:rPr lang="en-US" smtClean="0"/>
-              <a:t>9-</a:t>
+              <a:t>10-</a:t>
             </a:r>
             <a:fld id="{A739F50A-8F88-4892-87E1-8D1D3A543FFC}" type="slidenum">
               <a:rPr lang="en-US" smtClean="0"/>
               <a:pPr>
                 <a:defRPr/>
               </a:pPr>
-              <a:t>27</a:t>
+              <a:t>26</a:t>
             </a:fld>
             <a:endParaRPr lang="en-US" smtClean="0"/>
           </a:p>
@@ -14105,7 +14039,7 @@
       </p:sp>
       <p:sp>
         <p:nvSpPr>
-          <p:cNvPr id="6" name="Slide Number Placeholder 5"/>
+          <p:cNvPr id="7" name="Slide Number Placeholder 6"/>
           <p:cNvSpPr>
             <a:spLocks noGrp="1"/>
           </p:cNvSpPr>
@@ -14123,14 +14057,14 @@
             </a:pPr>
             <a:r>
               <a:rPr lang="en-US" smtClean="0"/>
-              <a:t>9-</a:t>
+              <a:t>10-</a:t>
             </a:r>
             <a:fld id="{A739F50A-8F88-4892-87E1-8D1D3A543FFC}" type="slidenum">
               <a:rPr lang="en-US" smtClean="0"/>
               <a:pPr>
                 <a:defRPr/>
               </a:pPr>
-              <a:t>28</a:t>
+              <a:t>27</a:t>
             </a:fld>
             <a:endParaRPr lang="en-US" smtClean="0"/>
           </a:p>
@@ -14254,45 +14188,6 @@
           </a:p>
         </p:txBody>
       </p:sp>
-      <p:sp>
-        <p:nvSpPr>
-          <p:cNvPr id="5" name="Slide Number Placeholder 4"/>
-          <p:cNvSpPr>
-            <a:spLocks noGrp="1"/>
-          </p:cNvSpPr>
-          <p:nvPr>
-            <p:ph type="sldNum" sz="quarter" idx="12"/>
-          </p:nvPr>
-        </p:nvSpPr>
-        <p:spPr/>
-        <p:txBody>
-          <a:bodyPr/>
-          <a:lstStyle/>
-          <a:p>
-            <a:pPr>
-              <a:defRPr/>
-            </a:pPr>
-            <a:r>
-              <a:rPr lang="en-US" smtClean="0"/>
-              <a:t>9-</a:t>
-            </a:r>
-            <a:fld id="{A739F50A-8F88-4892-87E1-8D1D3A543FFC}" type="slidenum">
-              <a:rPr lang="en-US" smtClean="0"/>
-              <a:pPr>
-                <a:defRPr/>
-              </a:pPr>
-              <a:t>29</a:t>
-            </a:fld>
-            <a:endParaRPr lang="en-US" smtClean="0"/>
-          </a:p>
-          <a:p>
-            <a:pPr>
-              <a:defRPr/>
-            </a:pPr>
-            <a:endParaRPr lang="en-US" dirty="0"/>
-          </a:p>
-        </p:txBody>
-      </p:sp>
       <p:pic>
         <p:nvPicPr>
           <p:cNvPr id="6" name="Picture 5" descr="web_batch_submit_references.png"/>
@@ -14323,6 +14218,45 @@
           </a:prstGeom>
         </p:spPr>
       </p:pic>
+      <p:sp>
+        <p:nvSpPr>
+          <p:cNvPr id="7" name="Slide Number Placeholder 6"/>
+          <p:cNvSpPr>
+            <a:spLocks noGrp="1"/>
+          </p:cNvSpPr>
+          <p:nvPr>
+            <p:ph type="sldNum" sz="quarter" idx="12"/>
+          </p:nvPr>
+        </p:nvSpPr>
+        <p:spPr/>
+        <p:txBody>
+          <a:bodyPr/>
+          <a:lstStyle/>
+          <a:p>
+            <a:pPr>
+              <a:defRPr/>
+            </a:pPr>
+            <a:r>
+              <a:rPr lang="en-US" smtClean="0"/>
+              <a:t>10-</a:t>
+            </a:r>
+            <a:fld id="{A739F50A-8F88-4892-87E1-8D1D3A543FFC}" type="slidenum">
+              <a:rPr lang="en-US" smtClean="0"/>
+              <a:pPr>
+                <a:defRPr/>
+              </a:pPr>
+              <a:t>28</a:t>
+            </a:fld>
+            <a:endParaRPr lang="en-US" smtClean="0"/>
+          </a:p>
+          <a:p>
+            <a:pPr>
+              <a:defRPr/>
+            </a:pPr>
+            <a:endParaRPr lang="en-US" dirty="0"/>
+          </a:p>
+        </p:txBody>
+      </p:sp>
     </p:spTree>
     <p:extLst>
       <p:ext uri="{BB962C8B-B14F-4D97-AF65-F5344CB8AC3E}">
@@ -14566,7 +14500,7 @@
       </p:sp>
       <p:sp>
         <p:nvSpPr>
-          <p:cNvPr id="7" name="Slide Number Placeholder 6"/>
+          <p:cNvPr id="8" name="Slide Number Placeholder 7"/>
           <p:cNvSpPr>
             <a:spLocks noGrp="1"/>
           </p:cNvSpPr>
@@ -14584,14 +14518,14 @@
             </a:pPr>
             <a:r>
               <a:rPr lang="en-US" smtClean="0"/>
-              <a:t>9-</a:t>
+              <a:t>10-</a:t>
             </a:r>
             <a:fld id="{A739F50A-8F88-4892-87E1-8D1D3A543FFC}" type="slidenum">
               <a:rPr lang="en-US" smtClean="0"/>
               <a:pPr>
                 <a:defRPr/>
               </a:pPr>
-              <a:t>30</a:t>
+              <a:t>29</a:t>
             </a:fld>
             <a:endParaRPr lang="en-US" smtClean="0"/>
           </a:p>
@@ -14739,7 +14673,7 @@
       </p:sp>
       <p:sp>
         <p:nvSpPr>
-          <p:cNvPr id="5" name="Slide Number Placeholder 4"/>
+          <p:cNvPr id="6" name="Slide Number Placeholder 5"/>
           <p:cNvSpPr>
             <a:spLocks noGrp="1"/>
           </p:cNvSpPr>
@@ -14757,14 +14691,14 @@
             </a:pPr>
             <a:r>
               <a:rPr lang="en-US" smtClean="0"/>
-              <a:t>9-</a:t>
+              <a:t>10-</a:t>
             </a:r>
             <a:fld id="{A739F50A-8F88-4892-87E1-8D1D3A543FFC}" type="slidenum">
               <a:rPr lang="en-US" smtClean="0"/>
               <a:pPr>
                 <a:defRPr/>
               </a:pPr>
-              <a:t>4</a:t>
+              <a:t>3</a:t>
             </a:fld>
             <a:endParaRPr lang="en-US" smtClean="0"/>
           </a:p>
@@ -14876,45 +14810,6 @@
           </a:p>
         </p:txBody>
       </p:sp>
-      <p:sp>
-        <p:nvSpPr>
-          <p:cNvPr id="5" name="Slide Number Placeholder 4"/>
-          <p:cNvSpPr>
-            <a:spLocks noGrp="1"/>
-          </p:cNvSpPr>
-          <p:nvPr>
-            <p:ph type="sldNum" sz="quarter" idx="12"/>
-          </p:nvPr>
-        </p:nvSpPr>
-        <p:spPr/>
-        <p:txBody>
-          <a:bodyPr/>
-          <a:lstStyle/>
-          <a:p>
-            <a:pPr>
-              <a:defRPr/>
-            </a:pPr>
-            <a:r>
-              <a:rPr lang="en-US" smtClean="0"/>
-              <a:t>9-</a:t>
-            </a:r>
-            <a:fld id="{A739F50A-8F88-4892-87E1-8D1D3A543FFC}" type="slidenum">
-              <a:rPr lang="en-US" smtClean="0"/>
-              <a:pPr>
-                <a:defRPr/>
-              </a:pPr>
-              <a:t>31</a:t>
-            </a:fld>
-            <a:endParaRPr lang="en-US" smtClean="0"/>
-          </a:p>
-          <a:p>
-            <a:pPr>
-              <a:defRPr/>
-            </a:pPr>
-            <a:endParaRPr lang="en-US" dirty="0"/>
-          </a:p>
-        </p:txBody>
-      </p:sp>
       <p:pic>
         <p:nvPicPr>
           <p:cNvPr id="6" name="Picture 5"/>
@@ -14939,6 +14834,45 @@
           </a:prstGeom>
         </p:spPr>
       </p:pic>
+      <p:sp>
+        <p:nvSpPr>
+          <p:cNvPr id="7" name="Slide Number Placeholder 6"/>
+          <p:cNvSpPr>
+            <a:spLocks noGrp="1"/>
+          </p:cNvSpPr>
+          <p:nvPr>
+            <p:ph type="sldNum" sz="quarter" idx="12"/>
+          </p:nvPr>
+        </p:nvSpPr>
+        <p:spPr/>
+        <p:txBody>
+          <a:bodyPr/>
+          <a:lstStyle/>
+          <a:p>
+            <a:pPr>
+              <a:defRPr/>
+            </a:pPr>
+            <a:r>
+              <a:rPr lang="en-US" smtClean="0"/>
+              <a:t>10-</a:t>
+            </a:r>
+            <a:fld id="{A739F50A-8F88-4892-87E1-8D1D3A543FFC}" type="slidenum">
+              <a:rPr lang="en-US" smtClean="0"/>
+              <a:pPr>
+                <a:defRPr/>
+              </a:pPr>
+              <a:t>30</a:t>
+            </a:fld>
+            <a:endParaRPr lang="en-US" smtClean="0"/>
+          </a:p>
+          <a:p>
+            <a:pPr>
+              <a:defRPr/>
+            </a:pPr>
+            <a:endParaRPr lang="en-US" dirty="0"/>
+          </a:p>
+        </p:txBody>
+      </p:sp>
     </p:spTree>
     <p:extLst>
       <p:ext uri="{BB962C8B-B14F-4D97-AF65-F5344CB8AC3E}">
@@ -15070,7 +15004,7 @@
       </p:sp>
       <p:sp>
         <p:nvSpPr>
-          <p:cNvPr id="6" name="Slide Number Placeholder 5"/>
+          <p:cNvPr id="7" name="Slide Number Placeholder 6"/>
           <p:cNvSpPr>
             <a:spLocks noGrp="1"/>
           </p:cNvSpPr>
@@ -15088,14 +15022,14 @@
             </a:pPr>
             <a:r>
               <a:rPr lang="en-US" smtClean="0"/>
-              <a:t>9-</a:t>
+              <a:t>10-</a:t>
             </a:r>
             <a:fld id="{A739F50A-8F88-4892-87E1-8D1D3A543FFC}" type="slidenum">
               <a:rPr lang="en-US" smtClean="0"/>
               <a:pPr>
                 <a:defRPr/>
               </a:pPr>
-              <a:t>32</a:t>
+              <a:t>31</a:t>
             </a:fld>
             <a:endParaRPr lang="en-US" smtClean="0"/>
           </a:p>
@@ -15238,7 +15172,7 @@
       </p:sp>
       <p:sp>
         <p:nvSpPr>
-          <p:cNvPr id="6" name="Slide Number Placeholder 5"/>
+          <p:cNvPr id="7" name="Slide Number Placeholder 6"/>
           <p:cNvSpPr>
             <a:spLocks noGrp="1"/>
           </p:cNvSpPr>
@@ -15256,14 +15190,14 @@
             </a:pPr>
             <a:r>
               <a:rPr lang="en-US" smtClean="0"/>
-              <a:t>9-</a:t>
+              <a:t>10-</a:t>
             </a:r>
             <a:fld id="{A739F50A-8F88-4892-87E1-8D1D3A543FFC}" type="slidenum">
               <a:rPr lang="en-US" smtClean="0"/>
               <a:pPr>
                 <a:defRPr/>
               </a:pPr>
-              <a:t>33</a:t>
+              <a:t>32</a:t>
             </a:fld>
             <a:endParaRPr lang="en-US" smtClean="0"/>
           </a:p>
@@ -15410,7 +15344,7 @@
       </p:sp>
       <p:sp>
         <p:nvSpPr>
-          <p:cNvPr id="6" name="Slide Number Placeholder 5"/>
+          <p:cNvPr id="7" name="Slide Number Placeholder 6"/>
           <p:cNvSpPr>
             <a:spLocks noGrp="1"/>
           </p:cNvSpPr>
@@ -15428,14 +15362,14 @@
             </a:pPr>
             <a:r>
               <a:rPr lang="en-US" smtClean="0"/>
-              <a:t>9-</a:t>
+              <a:t>10-</a:t>
             </a:r>
             <a:fld id="{A739F50A-8F88-4892-87E1-8D1D3A543FFC}" type="slidenum">
               <a:rPr lang="en-US" smtClean="0"/>
               <a:pPr>
                 <a:defRPr/>
               </a:pPr>
-              <a:t>34</a:t>
+              <a:t>33</a:t>
             </a:fld>
             <a:endParaRPr lang="en-US" smtClean="0"/>
           </a:p>
@@ -15606,7 +15540,7 @@
       </p:sp>
       <p:sp>
         <p:nvSpPr>
-          <p:cNvPr id="6" name="Slide Number Placeholder 5"/>
+          <p:cNvPr id="7" name="Slide Number Placeholder 6"/>
           <p:cNvSpPr>
             <a:spLocks noGrp="1"/>
           </p:cNvSpPr>
@@ -15624,14 +15558,14 @@
             </a:pPr>
             <a:r>
               <a:rPr lang="en-US" smtClean="0"/>
-              <a:t>9-</a:t>
+              <a:t>10-</a:t>
             </a:r>
             <a:fld id="{A739F50A-8F88-4892-87E1-8D1D3A543FFC}" type="slidenum">
               <a:rPr lang="en-US" smtClean="0"/>
               <a:pPr>
                 <a:defRPr/>
               </a:pPr>
-              <a:t>35</a:t>
+              <a:t>34</a:t>
             </a:fld>
             <a:endParaRPr lang="en-US" smtClean="0"/>
           </a:p>
@@ -15757,45 +15691,6 @@
       </p:sp>
       <p:sp>
         <p:nvSpPr>
-          <p:cNvPr id="5" name="Slide Number Placeholder 4"/>
-          <p:cNvSpPr>
-            <a:spLocks noGrp="1"/>
-          </p:cNvSpPr>
-          <p:nvPr>
-            <p:ph type="sldNum" sz="quarter" idx="12"/>
-          </p:nvPr>
-        </p:nvSpPr>
-        <p:spPr/>
-        <p:txBody>
-          <a:bodyPr/>
-          <a:lstStyle/>
-          <a:p>
-            <a:pPr>
-              <a:defRPr/>
-            </a:pPr>
-            <a:r>
-              <a:rPr lang="en-US" smtClean="0"/>
-              <a:t>9-</a:t>
-            </a:r>
-            <a:fld id="{A739F50A-8F88-4892-87E1-8D1D3A543FFC}" type="slidenum">
-              <a:rPr lang="en-US" smtClean="0"/>
-              <a:pPr>
-                <a:defRPr/>
-              </a:pPr>
-              <a:t>36</a:t>
-            </a:fld>
-            <a:endParaRPr lang="en-US" smtClean="0"/>
-          </a:p>
-          <a:p>
-            <a:pPr>
-              <a:defRPr/>
-            </a:pPr>
-            <a:endParaRPr lang="en-US" dirty="0"/>
-          </a:p>
-        </p:txBody>
-      </p:sp>
-      <p:sp>
-        <p:nvSpPr>
           <p:cNvPr id="7" name="Rectangle 2"/>
           <p:cNvSpPr txBox="1">
             <a:spLocks noChangeArrowheads="1"/>
@@ -16426,6 +16321,45 @@
           </a:p>
         </p:txBody>
       </p:sp>
+      <p:sp>
+        <p:nvSpPr>
+          <p:cNvPr id="6" name="Slide Number Placeholder 5"/>
+          <p:cNvSpPr>
+            <a:spLocks noGrp="1"/>
+          </p:cNvSpPr>
+          <p:nvPr>
+            <p:ph type="sldNum" sz="quarter" idx="12"/>
+          </p:nvPr>
+        </p:nvSpPr>
+        <p:spPr/>
+        <p:txBody>
+          <a:bodyPr/>
+          <a:lstStyle/>
+          <a:p>
+            <a:pPr>
+              <a:defRPr/>
+            </a:pPr>
+            <a:r>
+              <a:rPr lang="en-US" smtClean="0"/>
+              <a:t>10-</a:t>
+            </a:r>
+            <a:fld id="{A739F50A-8F88-4892-87E1-8D1D3A543FFC}" type="slidenum">
+              <a:rPr lang="en-US" smtClean="0"/>
+              <a:pPr>
+                <a:defRPr/>
+              </a:pPr>
+              <a:t>35</a:t>
+            </a:fld>
+            <a:endParaRPr lang="en-US" smtClean="0"/>
+          </a:p>
+          <a:p>
+            <a:pPr>
+              <a:defRPr/>
+            </a:pPr>
+            <a:endParaRPr lang="en-US" dirty="0"/>
+          </a:p>
+        </p:txBody>
+      </p:sp>
     </p:spTree>
     <p:extLst>
       <p:ext uri="{BB962C8B-B14F-4D97-AF65-F5344CB8AC3E}">
@@ -16535,45 +16469,6 @@
               <a:rPr lang="en-US" smtClean="0"/>
               <a:t>S&amp;OC DMS System Design Review</a:t>
             </a:r>
-            <a:endParaRPr lang="en-US" dirty="0"/>
-          </a:p>
-        </p:txBody>
-      </p:sp>
-      <p:sp>
-        <p:nvSpPr>
-          <p:cNvPr id="5" name="Slide Number Placeholder 4"/>
-          <p:cNvSpPr>
-            <a:spLocks noGrp="1"/>
-          </p:cNvSpPr>
-          <p:nvPr>
-            <p:ph type="sldNum" sz="quarter" idx="12"/>
-          </p:nvPr>
-        </p:nvSpPr>
-        <p:spPr/>
-        <p:txBody>
-          <a:bodyPr/>
-          <a:lstStyle/>
-          <a:p>
-            <a:pPr>
-              <a:defRPr/>
-            </a:pPr>
-            <a:r>
-              <a:rPr lang="en-US" smtClean="0"/>
-              <a:t>9-</a:t>
-            </a:r>
-            <a:fld id="{A739F50A-8F88-4892-87E1-8D1D3A543FFC}" type="slidenum">
-              <a:rPr lang="en-US" smtClean="0"/>
-              <a:pPr>
-                <a:defRPr/>
-              </a:pPr>
-              <a:t>37</a:t>
-            </a:fld>
-            <a:endParaRPr lang="en-US" smtClean="0"/>
-          </a:p>
-          <a:p>
-            <a:pPr>
-              <a:defRPr/>
-            </a:pPr>
             <a:endParaRPr lang="en-US" dirty="0"/>
           </a:p>
         </p:txBody>
@@ -17355,6 +17250,45 @@
           </a:p>
         </p:txBody>
       </p:sp>
+      <p:sp>
+        <p:nvSpPr>
+          <p:cNvPr id="7" name="Slide Number Placeholder 6"/>
+          <p:cNvSpPr>
+            <a:spLocks noGrp="1"/>
+          </p:cNvSpPr>
+          <p:nvPr>
+            <p:ph type="sldNum" sz="quarter" idx="12"/>
+          </p:nvPr>
+        </p:nvSpPr>
+        <p:spPr/>
+        <p:txBody>
+          <a:bodyPr/>
+          <a:lstStyle/>
+          <a:p>
+            <a:pPr>
+              <a:defRPr/>
+            </a:pPr>
+            <a:r>
+              <a:rPr lang="en-US" smtClean="0"/>
+              <a:t>10-</a:t>
+            </a:r>
+            <a:fld id="{A739F50A-8F88-4892-87E1-8D1D3A543FFC}" type="slidenum">
+              <a:rPr lang="en-US" smtClean="0"/>
+              <a:pPr>
+                <a:defRPr/>
+              </a:pPr>
+              <a:t>36</a:t>
+            </a:fld>
+            <a:endParaRPr lang="en-US" smtClean="0"/>
+          </a:p>
+          <a:p>
+            <a:pPr>
+              <a:defRPr/>
+            </a:pPr>
+            <a:endParaRPr lang="en-US" dirty="0"/>
+          </a:p>
+        </p:txBody>
+      </p:sp>
     </p:spTree>
     <p:extLst>
       <p:ext uri="{BB962C8B-B14F-4D97-AF65-F5344CB8AC3E}">
@@ -17464,45 +17398,6 @@
               <a:rPr lang="en-US" smtClean="0"/>
               <a:t>S&amp;OC DMS System Design Review</a:t>
             </a:r>
-            <a:endParaRPr lang="en-US" dirty="0"/>
-          </a:p>
-        </p:txBody>
-      </p:sp>
-      <p:sp>
-        <p:nvSpPr>
-          <p:cNvPr id="5" name="Slide Number Placeholder 4"/>
-          <p:cNvSpPr>
-            <a:spLocks noGrp="1"/>
-          </p:cNvSpPr>
-          <p:nvPr>
-            <p:ph type="sldNum" sz="quarter" idx="12"/>
-          </p:nvPr>
-        </p:nvSpPr>
-        <p:spPr/>
-        <p:txBody>
-          <a:bodyPr/>
-          <a:lstStyle/>
-          <a:p>
-            <a:pPr>
-              <a:defRPr/>
-            </a:pPr>
-            <a:r>
-              <a:rPr lang="en-US" smtClean="0"/>
-              <a:t>9-</a:t>
-            </a:r>
-            <a:fld id="{A739F50A-8F88-4892-87E1-8D1D3A543FFC}" type="slidenum">
-              <a:rPr lang="en-US" smtClean="0"/>
-              <a:pPr>
-                <a:defRPr/>
-              </a:pPr>
-              <a:t>38</a:t>
-            </a:fld>
-            <a:endParaRPr lang="en-US" smtClean="0"/>
-          </a:p>
-          <a:p>
-            <a:pPr>
-              <a:defRPr/>
-            </a:pPr>
             <a:endParaRPr lang="en-US" dirty="0"/>
           </a:p>
         </p:txBody>
@@ -18363,6 +18258,45 @@
           </a:p>
         </p:txBody>
       </p:sp>
+      <p:sp>
+        <p:nvSpPr>
+          <p:cNvPr id="7" name="Slide Number Placeholder 6"/>
+          <p:cNvSpPr>
+            <a:spLocks noGrp="1"/>
+          </p:cNvSpPr>
+          <p:nvPr>
+            <p:ph type="sldNum" sz="quarter" idx="12"/>
+          </p:nvPr>
+        </p:nvSpPr>
+        <p:spPr/>
+        <p:txBody>
+          <a:bodyPr/>
+          <a:lstStyle/>
+          <a:p>
+            <a:pPr>
+              <a:defRPr/>
+            </a:pPr>
+            <a:r>
+              <a:rPr lang="en-US" smtClean="0"/>
+              <a:t>10-</a:t>
+            </a:r>
+            <a:fld id="{A739F50A-8F88-4892-87E1-8D1D3A543FFC}" type="slidenum">
+              <a:rPr lang="en-US" smtClean="0"/>
+              <a:pPr>
+                <a:defRPr/>
+              </a:pPr>
+              <a:t>37</a:t>
+            </a:fld>
+            <a:endParaRPr lang="en-US" smtClean="0"/>
+          </a:p>
+          <a:p>
+            <a:pPr>
+              <a:defRPr/>
+            </a:pPr>
+            <a:endParaRPr lang="en-US" dirty="0"/>
+          </a:p>
+        </p:txBody>
+      </p:sp>
     </p:spTree>
     <p:extLst>
       <p:ext uri="{BB962C8B-B14F-4D97-AF65-F5344CB8AC3E}">
@@ -18529,12 +18463,8 @@
               <a:defRPr/>
             </a:pPr>
             <a:r>
-              <a:rPr lang="en-US" dirty="0" smtClean="0"/>
-              <a:t>Dec 7-8</a:t>
-            </a:r>
-            <a:r>
               <a:rPr lang="en-US" smtClean="0"/>
-              <a:t>, 2012</a:t>
+              <a:t>Dec 7-8, 2012</a:t>
             </a:r>
             <a:endParaRPr lang="en-US" dirty="0"/>
           </a:p>
@@ -18542,7 +18472,7 @@
       </p:sp>
       <p:sp>
         <p:nvSpPr>
-          <p:cNvPr id="6" name="Slide Number Placeholder 5"/>
+          <p:cNvPr id="7" name="Slide Number Placeholder 6"/>
           <p:cNvSpPr>
             <a:spLocks noGrp="1"/>
           </p:cNvSpPr>
@@ -18560,14 +18490,14 @@
             </a:pPr>
             <a:r>
               <a:rPr lang="en-US" smtClean="0"/>
-              <a:t>9-</a:t>
+              <a:t>10-</a:t>
             </a:r>
             <a:fld id="{A739F50A-8F88-4892-87E1-8D1D3A543FFC}" type="slidenum">
               <a:rPr lang="en-US" smtClean="0"/>
               <a:pPr>
                 <a:defRPr/>
               </a:pPr>
-              <a:t>39</a:t>
+              <a:t>38</a:t>
             </a:fld>
             <a:endParaRPr lang="en-US" smtClean="0"/>
           </a:p>
@@ -18812,7 +18742,7 @@
       </p:sp>
       <p:sp>
         <p:nvSpPr>
-          <p:cNvPr id="6" name="Slide Number Placeholder 5"/>
+          <p:cNvPr id="7" name="Slide Number Placeholder 6"/>
           <p:cNvSpPr>
             <a:spLocks noGrp="1"/>
           </p:cNvSpPr>
@@ -18830,14 +18760,14 @@
             </a:pPr>
             <a:r>
               <a:rPr lang="en-US" smtClean="0"/>
-              <a:t>9-</a:t>
+              <a:t>10-</a:t>
             </a:r>
             <a:fld id="{A739F50A-8F88-4892-87E1-8D1D3A543FFC}" type="slidenum">
               <a:rPr lang="en-US" smtClean="0"/>
               <a:pPr>
                 <a:defRPr/>
               </a:pPr>
-              <a:t>40</a:t>
+              <a:t>39</a:t>
             </a:fld>
             <a:endParaRPr lang="en-US" smtClean="0"/>
           </a:p>
@@ -19170,7 +19100,7 @@
       </p:sp>
       <p:sp>
         <p:nvSpPr>
-          <p:cNvPr id="6" name="Slide Number Placeholder 5"/>
+          <p:cNvPr id="7" name="Slide Number Placeholder 6"/>
           <p:cNvSpPr>
             <a:spLocks noGrp="1"/>
           </p:cNvSpPr>
@@ -19188,14 +19118,14 @@
             </a:pPr>
             <a:r>
               <a:rPr lang="en-US" smtClean="0"/>
-              <a:t>9-</a:t>
+              <a:t>10-</a:t>
             </a:r>
             <a:fld id="{A739F50A-8F88-4892-87E1-8D1D3A543FFC}" type="slidenum">
               <a:rPr lang="en-US" smtClean="0"/>
               <a:pPr>
                 <a:defRPr/>
               </a:pPr>
-              <a:t>5</a:t>
+              <a:t>4</a:t>
             </a:fld>
             <a:endParaRPr lang="en-US" smtClean="0"/>
           </a:p>
@@ -19469,7 +19399,7 @@
       </p:sp>
       <p:sp>
         <p:nvSpPr>
-          <p:cNvPr id="6" name="Slide Number Placeholder 5"/>
+          <p:cNvPr id="7" name="Slide Number Placeholder 6"/>
           <p:cNvSpPr>
             <a:spLocks noGrp="1"/>
           </p:cNvSpPr>
@@ -19487,14 +19417,14 @@
             </a:pPr>
             <a:r>
               <a:rPr lang="en-US" smtClean="0"/>
-              <a:t>9-</a:t>
+              <a:t>10-</a:t>
             </a:r>
             <a:fld id="{A739F50A-8F88-4892-87E1-8D1D3A543FFC}" type="slidenum">
               <a:rPr lang="en-US" smtClean="0"/>
               <a:pPr>
                 <a:defRPr/>
               </a:pPr>
-              <a:t>41</a:t>
+              <a:t>40</a:t>
             </a:fld>
             <a:endParaRPr lang="en-US" smtClean="0"/>
           </a:p>
@@ -19982,7 +19912,7 @@
       </p:sp>
       <p:sp>
         <p:nvSpPr>
-          <p:cNvPr id="6" name="Slide Number Placeholder 5"/>
+          <p:cNvPr id="7" name="Slide Number Placeholder 6"/>
           <p:cNvSpPr>
             <a:spLocks noGrp="1"/>
           </p:cNvSpPr>
@@ -20000,14 +19930,14 @@
             </a:pPr>
             <a:r>
               <a:rPr lang="en-US" smtClean="0"/>
-              <a:t>9-</a:t>
+              <a:t>10-</a:t>
             </a:r>
             <a:fld id="{A739F50A-8F88-4892-87E1-8D1D3A543FFC}" type="slidenum">
               <a:rPr lang="en-US" smtClean="0"/>
               <a:pPr>
                 <a:defRPr/>
               </a:pPr>
-              <a:t>42</a:t>
+              <a:t>41</a:t>
             </a:fld>
             <a:endParaRPr lang="en-US" smtClean="0"/>
           </a:p>
@@ -20583,7 +20513,7 @@
       </p:sp>
       <p:sp>
         <p:nvSpPr>
-          <p:cNvPr id="6" name="Slide Number Placeholder 5"/>
+          <p:cNvPr id="7" name="Slide Number Placeholder 6"/>
           <p:cNvSpPr>
             <a:spLocks noGrp="1"/>
           </p:cNvSpPr>
@@ -20601,14 +20531,14 @@
             </a:pPr>
             <a:r>
               <a:rPr lang="en-US" smtClean="0"/>
-              <a:t>9-</a:t>
+              <a:t>10-</a:t>
             </a:r>
             <a:fld id="{A739F50A-8F88-4892-87E1-8D1D3A543FFC}" type="slidenum">
               <a:rPr lang="en-US" smtClean="0"/>
               <a:pPr>
                 <a:defRPr/>
               </a:pPr>
-              <a:t>43</a:t>
+              <a:t>42</a:t>
             </a:fld>
             <a:endParaRPr lang="en-US" smtClean="0"/>
           </a:p>
@@ -20907,7 +20837,7 @@
       </p:sp>
       <p:sp>
         <p:nvSpPr>
-          <p:cNvPr id="6" name="Slide Number Placeholder 5"/>
+          <p:cNvPr id="7" name="Slide Number Placeholder 6"/>
           <p:cNvSpPr>
             <a:spLocks noGrp="1"/>
           </p:cNvSpPr>
@@ -20925,14 +20855,14 @@
             </a:pPr>
             <a:r>
               <a:rPr lang="en-US" smtClean="0"/>
-              <a:t>9-</a:t>
+              <a:t>10-</a:t>
             </a:r>
             <a:fld id="{A739F50A-8F88-4892-87E1-8D1D3A543FFC}" type="slidenum">
               <a:rPr lang="en-US" smtClean="0"/>
               <a:pPr>
                 <a:defRPr/>
               </a:pPr>
-              <a:t>6</a:t>
+              <a:t>5</a:t>
             </a:fld>
             <a:endParaRPr lang="en-US" smtClean="0"/>
           </a:p>
@@ -23949,7 +23879,7 @@
       </p:sp>
       <p:sp>
         <p:nvSpPr>
-          <p:cNvPr id="10" name="Slide Number Placeholder 9"/>
+          <p:cNvPr id="11" name="Slide Number Placeholder 10"/>
           <p:cNvSpPr>
             <a:spLocks noGrp="1"/>
           </p:cNvSpPr>
@@ -23967,14 +23897,14 @@
             </a:pPr>
             <a:r>
               <a:rPr lang="en-US" smtClean="0"/>
-              <a:t>9-</a:t>
+              <a:t>10-</a:t>
             </a:r>
             <a:fld id="{A739F50A-8F88-4892-87E1-8D1D3A543FFC}" type="slidenum">
               <a:rPr lang="en-US" smtClean="0"/>
               <a:pPr>
                 <a:defRPr/>
               </a:pPr>
-              <a:t>7</a:t>
+              <a:t>6</a:t>
             </a:fld>
             <a:endParaRPr lang="en-US" smtClean="0"/>
           </a:p>
@@ -24646,7 +24576,7 @@
       </p:sp>
       <p:sp>
         <p:nvSpPr>
-          <p:cNvPr id="8" name="Slide Number Placeholder 7"/>
+          <p:cNvPr id="9" name="Slide Number Placeholder 8"/>
           <p:cNvSpPr>
             <a:spLocks noGrp="1"/>
           </p:cNvSpPr>
@@ -24664,14 +24594,14 @@
             </a:pPr>
             <a:r>
               <a:rPr lang="en-US" smtClean="0"/>
-              <a:t>9-</a:t>
+              <a:t>10-</a:t>
             </a:r>
             <a:fld id="{A739F50A-8F88-4892-87E1-8D1D3A543FFC}" type="slidenum">
               <a:rPr lang="en-US" smtClean="0"/>
               <a:pPr>
                 <a:defRPr/>
               </a:pPr>
-              <a:t>8</a:t>
+              <a:t>7</a:t>
             </a:fld>
             <a:endParaRPr lang="en-US" smtClean="0"/>
           </a:p>
@@ -25240,7 +25170,7 @@
       </p:sp>
       <p:sp>
         <p:nvSpPr>
-          <p:cNvPr id="7" name="Slide Number Placeholder 6"/>
+          <p:cNvPr id="8" name="Slide Number Placeholder 7"/>
           <p:cNvSpPr>
             <a:spLocks noGrp="1"/>
           </p:cNvSpPr>
@@ -25258,14 +25188,14 @@
             </a:pPr>
             <a:r>
               <a:rPr lang="en-US" smtClean="0"/>
-              <a:t>9-</a:t>
+              <a:t>10-</a:t>
             </a:r>
             <a:fld id="{A739F50A-8F88-4892-87E1-8D1D3A543FFC}" type="slidenum">
               <a:rPr lang="en-US" smtClean="0"/>
               <a:pPr>
                 <a:defRPr/>
               </a:pPr>
-              <a:t>9</a:t>
+              <a:t>8</a:t>
             </a:fld>
             <a:endParaRPr lang="en-US" smtClean="0"/>
           </a:p>
@@ -25742,7 +25672,7 @@
       </p:sp>
       <p:sp>
         <p:nvSpPr>
-          <p:cNvPr id="7" name="Slide Number Placeholder 6"/>
+          <p:cNvPr id="8" name="Slide Number Placeholder 7"/>
           <p:cNvSpPr>
             <a:spLocks noGrp="1"/>
           </p:cNvSpPr>
@@ -25760,14 +25690,14 @@
             </a:pPr>
             <a:r>
               <a:rPr lang="en-US" smtClean="0"/>
-              <a:t>9-</a:t>
+              <a:t>10-</a:t>
             </a:r>
             <a:fld id="{A739F50A-8F88-4892-87E1-8D1D3A543FFC}" type="slidenum">
               <a:rPr lang="en-US" smtClean="0"/>
               <a:pPr>
                 <a:defRPr/>
               </a:pPr>
-              <a:t>10</a:t>
+              <a:t>9</a:t>
             </a:fld>
             <a:endParaRPr lang="en-US" smtClean="0"/>
           </a:p>
